--- a/Kersten-Ron-Bewerbungsgespräch-T-Systems-v0.1.1.pptx
+++ b/Kersten-Ron-Bewerbungsgespräch-T-Systems-v0.1.1.pptx
@@ -616,14 +616,17 @@
           <a:bodyPr/>
           <a:lstStyle/>
           <a:p>
-            <a:endParaRPr lang="de-DE" dirty="0"/>
+            <a:r>
+              <a:rPr lang="de-DE" dirty="0"/>
+              <a:t>Automatisierte Prüfung von WCAG Erfolgskriterien</a:t>
+            </a:r>
           </a:p>
         </p:txBody>
       </p:sp>
     </p:spTree>
     <p:extLst>
       <p:ext uri="{BB962C8B-B14F-4D97-AF65-F5344CB8AC3E}">
-        <p14:creationId xmlns:p14="http://schemas.microsoft.com/office/powerpoint/2010/main" val="2640810872"/>
+        <p14:creationId xmlns:p14="http://schemas.microsoft.com/office/powerpoint/2010/main" val="487252151"/>
       </p:ext>
     </p:extLst>
   </p:cSld>
@@ -682,28 +685,16 @@
               <a:buChar char="•"/>
             </a:pPr>
             <a:r>
+              <a:rPr lang="de-DE" dirty="0"/>
+              <a:t>Prüft ob die Hauptsprache im &lt;</a:t>
+            </a:r>
+            <a:r>
               <a:rPr lang="de-DE" dirty="0" err="1"/>
-              <a:t>Behavior</a:t>
+              <a:t>html</a:t>
             </a:r>
             <a:r>
               <a:rPr lang="de-DE" dirty="0"/>
-              <a:t>-Driven-Development Ansatz mit </a:t>
-            </a:r>
-            <a:r>
-              <a:rPr lang="de-DE" dirty="0" err="1"/>
-              <a:t>Cucumber</a:t>
-            </a:r>
-            <a:r>
-              <a:rPr lang="de-DE" dirty="0"/>
-              <a:t> und der allgegenwärtigen Sprache (</a:t>
-            </a:r>
-            <a:r>
-              <a:rPr lang="de-DE" dirty="0" err="1"/>
-              <a:t>Ubiquitous</a:t>
-            </a:r>
-            <a:r>
-              <a:rPr lang="de-DE" dirty="0"/>
-              <a:t> Language) Gherkin</a:t>
+              <a:t>&gt;-Element der Website gesetzt ist</a:t>
             </a:r>
           </a:p>
           <a:p>
@@ -713,15 +704,7 @@
             </a:pPr>
             <a:r>
               <a:rPr lang="de-DE" dirty="0"/>
-              <a:t>Scenario wird frei von Technischen </a:t>
-            </a:r>
-            <a:r>
-              <a:rPr lang="de-DE" dirty="0" err="1"/>
-              <a:t>formulierungen</a:t>
-            </a:r>
-            <a:r>
-              <a:rPr lang="de-DE" dirty="0"/>
-              <a:t> und für alle Beteiligten verständlich formuliert</a:t>
+              <a:t>Wird durch Screenreader und andere assistierende Technologien benötigt, um die Ausgabe korrekt auszuführen</a:t>
             </a:r>
           </a:p>
           <a:p>
@@ -731,33 +714,7 @@
             </a:pPr>
             <a:r>
               <a:rPr lang="de-DE" dirty="0"/>
-              <a:t>Identifikation mit User wird durch Ich-Form und Handlung erleichtert</a:t>
-            </a:r>
-          </a:p>
-          <a:p>
-            <a:pPr marL="342900" indent="-342900">
-              <a:buFont typeface="Arial" panose="020B0604020202020204" pitchFamily="34" charset="0"/>
-              <a:buChar char="•"/>
-            </a:pPr>
-            <a:r>
-              <a:rPr lang="de-DE" dirty="0"/>
-              <a:t>Scenario basiert auf Given-</a:t>
-            </a:r>
-            <a:r>
-              <a:rPr lang="de-DE" dirty="0" err="1"/>
-              <a:t>When</a:t>
-            </a:r>
-            <a:r>
-              <a:rPr lang="de-DE" dirty="0"/>
-              <a:t>-</a:t>
-            </a:r>
-            <a:r>
-              <a:rPr lang="de-DE" dirty="0" err="1"/>
-              <a:t>Then</a:t>
-            </a:r>
-            <a:r>
-              <a:rPr lang="de-DE" dirty="0"/>
-              <a:t> Template von Dan North</a:t>
+              <a:t>Gehört der Konformitätsstufe A an</a:t>
             </a:r>
           </a:p>
           <a:p>
@@ -773,10 +730,134 @@
               <a:buNone/>
             </a:pPr>
             <a:r>
+              <a:rPr lang="de-DE" dirty="0"/>
+              <a:t>Test</a:t>
+            </a:r>
+          </a:p>
+          <a:p>
+            <a:pPr marL="342900" indent="-342900">
+              <a:buFont typeface="Arial" panose="020B0604020202020204" pitchFamily="34" charset="0"/>
+              <a:buChar char="•"/>
+            </a:pPr>
+            <a:r>
+              <a:rPr lang="de-DE" dirty="0"/>
+              <a:t>lang-Attribut im &lt;</a:t>
+            </a:r>
+            <a:r>
+              <a:rPr lang="de-DE" dirty="0" err="1"/>
+              <a:t>html</a:t>
+            </a:r>
+            <a:r>
+              <a:rPr lang="de-DE" dirty="0"/>
+              <a:t>&gt;-Element gesetzt</a:t>
+            </a:r>
+          </a:p>
+          <a:p>
+            <a:pPr marL="342900" marR="0" lvl="0" indent="-342900" defTabSz="457200" eaLnBrk="1" fontAlgn="auto" latinLnBrk="0" hangingPunct="1">
+              <a:lnSpc>
+                <a:spcPct val="117999"/>
+              </a:lnSpc>
+              <a:spcBef>
+                <a:spcPts val="0"/>
+              </a:spcBef>
+              <a:spcAft>
+                <a:spcPts val="0"/>
+              </a:spcAft>
+              <a:buClrTx/>
+              <a:buSzTx/>
+              <a:buFont typeface="Arial" panose="020B0604020202020204" pitchFamily="34" charset="0"/>
+              <a:buChar char="•"/>
+              <a:tabLst/>
+              <a:defRPr/>
+            </a:pPr>
+            <a:r>
+              <a:rPr lang="de-DE" dirty="0"/>
+              <a:t>Language Tag ist valide (</a:t>
+            </a:r>
+            <a:r>
+              <a:rPr lang="de-DE" b="0" dirty="0">
+                <a:solidFill>
+                  <a:srgbClr val="6A9955"/>
+                </a:solidFill>
+                <a:effectLst/>
+                <a:latin typeface="Consolas" panose="020B0609020204030204" pitchFamily="49" charset="0"/>
+              </a:rPr>
+              <a:t>ISO 639-1)</a:t>
+            </a:r>
+          </a:p>
+          <a:p>
+            <a:pPr marL="342900" marR="0" lvl="0" indent="-342900" defTabSz="457200" eaLnBrk="1" fontAlgn="auto" latinLnBrk="0" hangingPunct="1">
+              <a:lnSpc>
+                <a:spcPct val="117999"/>
+              </a:lnSpc>
+              <a:spcBef>
+                <a:spcPts val="0"/>
+              </a:spcBef>
+              <a:spcAft>
+                <a:spcPts val="0"/>
+              </a:spcAft>
+              <a:buClrTx/>
+              <a:buSzTx/>
+              <a:buFont typeface="Arial" panose="020B0604020202020204" pitchFamily="34" charset="0"/>
+              <a:buChar char="•"/>
+              <a:tabLst/>
+              <a:defRPr/>
+            </a:pPr>
+            <a:r>
+              <a:rPr lang="de-DE" b="0" dirty="0">
+                <a:solidFill>
+                  <a:srgbClr val="6A9955"/>
+                </a:solidFill>
+                <a:effectLst/>
+                <a:latin typeface="Consolas" panose="020B0609020204030204" pitchFamily="49" charset="0"/>
+              </a:rPr>
+              <a:t>lang-Attribut und </a:t>
+            </a:r>
+            <a:r>
+              <a:rPr lang="de-DE" b="0" dirty="0" err="1">
+                <a:solidFill>
+                  <a:srgbClr val="6A9955"/>
+                </a:solidFill>
+                <a:effectLst/>
+                <a:latin typeface="Consolas" panose="020B0609020204030204" pitchFamily="49" charset="0"/>
+              </a:rPr>
+              <a:t>xml:lang-Attribut</a:t>
+            </a:r>
+            <a:r>
+              <a:rPr lang="de-DE" b="0" dirty="0">
+                <a:solidFill>
+                  <a:srgbClr val="6A9955"/>
+                </a:solidFill>
+                <a:effectLst/>
+                <a:latin typeface="Consolas" panose="020B0609020204030204" pitchFamily="49" charset="0"/>
+              </a:rPr>
+              <a:t> sind identisch</a:t>
+            </a:r>
+            <a:endParaRPr lang="de-DE" b="0" dirty="0">
+              <a:solidFill>
+                <a:srgbClr val="D4D4D4"/>
+              </a:solidFill>
+              <a:effectLst/>
+              <a:latin typeface="Consolas" panose="020B0609020204030204" pitchFamily="49" charset="0"/>
+            </a:endParaRPr>
+          </a:p>
+          <a:p>
+            <a:pPr marL="0" indent="0">
+              <a:buFont typeface="Arial" panose="020B0604020202020204" pitchFamily="34" charset="0"/>
+              <a:buNone/>
+            </a:pPr>
+            <a:endParaRPr lang="de-DE" dirty="0"/>
+          </a:p>
+          <a:p>
+            <a:pPr marL="0" indent="0">
+              <a:buFont typeface="Arial" panose="020B0604020202020204" pitchFamily="34" charset="0"/>
+              <a:buNone/>
+            </a:pPr>
+            <a:r>
               <a:rPr lang="de-DE" dirty="0">
                 <a:sym typeface="Wingdings" panose="05000000000000000000" pitchFamily="2" charset="2"/>
               </a:rPr>
-              <a:t> Schrittdefinition</a:t>
+              <a:t> Gherkin Scenario</a:t>
             </a:r>
             <a:endParaRPr lang="de-DE" dirty="0"/>
           </a:p>
@@ -785,7 +866,7 @@
     </p:spTree>
     <p:extLst>
       <p:ext uri="{BB962C8B-B14F-4D97-AF65-F5344CB8AC3E}">
-        <p14:creationId xmlns:p14="http://schemas.microsoft.com/office/powerpoint/2010/main" val="4276792401"/>
+        <p14:creationId xmlns:p14="http://schemas.microsoft.com/office/powerpoint/2010/main" val="719189989"/>
       </p:ext>
     </p:extLst>
   </p:cSld>
@@ -839,36 +920,106 @@
           <a:bodyPr/>
           <a:lstStyle/>
           <a:p>
+            <a:pPr marL="342900" indent="-342900">
+              <a:buFont typeface="Arial" panose="020B0604020202020204" pitchFamily="34" charset="0"/>
+              <a:buChar char="•"/>
+            </a:pPr>
+            <a:r>
+              <a:rPr lang="de-DE" dirty="0" err="1"/>
+              <a:t>Behavior</a:t>
+            </a:r>
             <a:r>
               <a:rPr lang="de-DE" dirty="0"/>
-              <a:t>Zusätzliche Prüfung ob vorliegende Sprache auch semantisch korrekt ist. Konkretisierung durch Konfigurationsvariable TESTOBJECT_LANG</a:t>
-            </a:r>
-          </a:p>
-          <a:p>
+              <a:t>-Driven-Development Ansatz mit </a:t>
+            </a:r>
+            <a:r>
+              <a:rPr lang="de-DE" dirty="0" err="1"/>
+              <a:t>Cucumber</a:t>
+            </a:r>
+            <a:r>
+              <a:rPr lang="de-DE" dirty="0"/>
+              <a:t> und der allgegenwärtigen Sprache (</a:t>
+            </a:r>
+            <a:r>
+              <a:rPr lang="de-DE" dirty="0" err="1"/>
+              <a:t>Ubiquitous</a:t>
+            </a:r>
+            <a:r>
+              <a:rPr lang="de-DE" dirty="0"/>
+              <a:t> Language) Gherkin</a:t>
+            </a:r>
+          </a:p>
+          <a:p>
+            <a:pPr marL="342900" indent="-342900">
+              <a:buFont typeface="Arial" panose="020B0604020202020204" pitchFamily="34" charset="0"/>
+              <a:buChar char="•"/>
+            </a:pPr>
+            <a:r>
+              <a:rPr lang="de-DE" dirty="0"/>
+              <a:t>Scenario wird frei von Technischen </a:t>
+            </a:r>
+            <a:r>
+              <a:rPr lang="de-DE" dirty="0" err="1"/>
+              <a:t>formulierungen</a:t>
+            </a:r>
+            <a:r>
+              <a:rPr lang="de-DE" dirty="0"/>
+              <a:t> und für alle Beteiligten verständlich formuliert</a:t>
+            </a:r>
+          </a:p>
+          <a:p>
+            <a:pPr marL="342900" indent="-342900">
+              <a:buFont typeface="Arial" panose="020B0604020202020204" pitchFamily="34" charset="0"/>
+              <a:buChar char="•"/>
+            </a:pPr>
+            <a:r>
+              <a:rPr lang="de-DE" dirty="0"/>
+              <a:t>Identifikation mit User wird durch Ich-Form und Handlung erleichtert</a:t>
+            </a:r>
+          </a:p>
+          <a:p>
+            <a:pPr marL="342900" indent="-342900">
+              <a:buFont typeface="Arial" panose="020B0604020202020204" pitchFamily="34" charset="0"/>
+              <a:buChar char="•"/>
+            </a:pPr>
+            <a:r>
+              <a:rPr lang="de-DE" dirty="0"/>
+              <a:t>Scenario basiert auf Given-</a:t>
+            </a:r>
+            <a:r>
+              <a:rPr lang="de-DE" dirty="0" err="1"/>
+              <a:t>When</a:t>
+            </a:r>
+            <a:r>
+              <a:rPr lang="de-DE" dirty="0"/>
+              <a:t>-</a:t>
+            </a:r>
+            <a:r>
+              <a:rPr lang="de-DE" dirty="0" err="1"/>
+              <a:t>Then</a:t>
+            </a:r>
+            <a:r>
+              <a:rPr lang="de-DE" dirty="0"/>
+              <a:t> Template von Dan North</a:t>
+            </a:r>
+          </a:p>
+          <a:p>
+            <a:pPr marL="0" indent="0">
+              <a:buFont typeface="Arial" panose="020B0604020202020204" pitchFamily="34" charset="0"/>
+              <a:buNone/>
+            </a:pPr>
             <a:endParaRPr lang="de-DE" dirty="0"/>
           </a:p>
           <a:p>
-            <a:pPr marL="342900" indent="-342900">
-              <a:buFont typeface="Wingdings" panose="05000000000000000000" pitchFamily="2" charset="2"/>
-              <a:buChar char="à"/>
+            <a:pPr marL="0" indent="0">
+              <a:buFont typeface="Arial" panose="020B0604020202020204" pitchFamily="34" charset="0"/>
+              <a:buNone/>
             </a:pPr>
             <a:r>
               <a:rPr lang="de-DE" dirty="0">
                 <a:sym typeface="Wingdings" panose="05000000000000000000" pitchFamily="2" charset="2"/>
               </a:rPr>
-              <a:t>Ausführen der Testsuite</a:t>
-            </a:r>
-          </a:p>
-          <a:p>
-            <a:pPr marL="342900" indent="-342900">
-              <a:buFont typeface="Wingdings" panose="05000000000000000000" pitchFamily="2" charset="2"/>
-              <a:buChar char="à"/>
-            </a:pPr>
-            <a:r>
-              <a:rPr lang="de-DE" dirty="0">
-                <a:sym typeface="Wingdings" panose="05000000000000000000" pitchFamily="2" charset="2"/>
-              </a:rPr>
-              <a:t>Fazit</a:t>
+              <a:t> Schrittdefinition</a:t>
             </a:r>
             <a:endParaRPr lang="de-DE" dirty="0"/>
           </a:p>
@@ -877,7 +1028,7 @@
     </p:spTree>
     <p:extLst>
       <p:ext uri="{BB962C8B-B14F-4D97-AF65-F5344CB8AC3E}">
-        <p14:creationId xmlns:p14="http://schemas.microsoft.com/office/powerpoint/2010/main" val="363875444"/>
+        <p14:creationId xmlns:p14="http://schemas.microsoft.com/office/powerpoint/2010/main" val="4276792401"/>
       </p:ext>
     </p:extLst>
   </p:cSld>
@@ -933,15 +1084,43 @@
           <a:p>
             <a:r>
               <a:rPr lang="de-DE" dirty="0"/>
+              <a:t>Zusätzliche Prüfung ob vorliegende Sprache auch semantisch korrekt ist. Konkretisierung durch Konfigurationsvariable TESTOBJECT_LANG</a:t>
+            </a:r>
+          </a:p>
+          <a:p>
+            <a:endParaRPr lang="de-DE" dirty="0"/>
+          </a:p>
+          <a:p>
+            <a:pPr marL="342900" indent="-342900">
+              <a:buFont typeface="Wingdings" panose="05000000000000000000" pitchFamily="2" charset="2"/>
+              <a:buChar char="à"/>
+            </a:pPr>
+            <a:r>
+              <a:rPr lang="de-DE" dirty="0">
+                <a:sym typeface="Wingdings" panose="05000000000000000000" pitchFamily="2" charset="2"/>
+              </a:rPr>
+              <a:t>Ausführen der Testsuite</a:t>
+            </a:r>
+          </a:p>
+          <a:p>
+            <a:pPr marL="342900" indent="-342900">
+              <a:buFont typeface="Wingdings" panose="05000000000000000000" pitchFamily="2" charset="2"/>
+              <a:buChar char="à"/>
+            </a:pPr>
+            <a:r>
+              <a:rPr lang="de-DE" dirty="0">
+                <a:sym typeface="Wingdings" panose="05000000000000000000" pitchFamily="2" charset="2"/>
+              </a:rPr>
               <a:t>Fazit</a:t>
             </a:r>
+            <a:endParaRPr lang="de-DE" dirty="0"/>
           </a:p>
         </p:txBody>
       </p:sp>
     </p:spTree>
     <p:extLst>
       <p:ext uri="{BB962C8B-B14F-4D97-AF65-F5344CB8AC3E}">
-        <p14:creationId xmlns:p14="http://schemas.microsoft.com/office/powerpoint/2010/main" val="1170818284"/>
+        <p14:creationId xmlns:p14="http://schemas.microsoft.com/office/powerpoint/2010/main" val="363875444"/>
       </p:ext>
     </p:extLst>
   </p:cSld>
@@ -995,61 +1174,17 @@
           <a:bodyPr/>
           <a:lstStyle/>
           <a:p>
-            <a:pPr marL="342900" indent="-342900">
-              <a:buFont typeface="Arial" panose="020B0604020202020204" pitchFamily="34" charset="0"/>
-              <a:buChar char="•"/>
-            </a:pPr>
             <a:r>
               <a:rPr lang="de-DE" dirty="0"/>
-              <a:t>Automatisierung von WCAG Erfolgskriterien ist möglich, siehe Prototyp oder z.B. die Bibliothek axe.js</a:t>
-            </a:r>
-          </a:p>
-          <a:p>
-            <a:pPr marL="342900" indent="-342900">
-              <a:buFont typeface="Arial" panose="020B0604020202020204" pitchFamily="34" charset="0"/>
-              <a:buChar char="•"/>
-            </a:pPr>
-            <a:r>
-              <a:rPr lang="de-DE" dirty="0"/>
-              <a:t>Nicht jedes Erfolgskriterium ist automatisierbar, semantische Überprüfung!</a:t>
-            </a:r>
-          </a:p>
-          <a:p>
-            <a:pPr marL="342900" indent="-342900">
-              <a:buFont typeface="Arial" panose="020B0604020202020204" pitchFamily="34" charset="0"/>
-              <a:buChar char="•"/>
-            </a:pPr>
-            <a:r>
-              <a:rPr lang="de-DE" dirty="0"/>
-              <a:t>Bachelorarbeit hat gezeigt, das von 60 geprüften Testfällen etwa 20 automatisierbar, bzw. teilweise automatisierbar sind</a:t>
-            </a:r>
-          </a:p>
-          <a:p>
-            <a:pPr marL="342900" indent="-342900">
-              <a:buFont typeface="Arial" panose="020B0604020202020204" pitchFamily="34" charset="0"/>
-              <a:buChar char="•"/>
-            </a:pPr>
-            <a:endParaRPr lang="de-DE" dirty="0"/>
-          </a:p>
-          <a:p>
-            <a:pPr marL="0" indent="0">
-              <a:buFont typeface="Arial" panose="020B0604020202020204" pitchFamily="34" charset="0"/>
-              <a:buNone/>
-            </a:pPr>
-            <a:r>
-              <a:rPr lang="de-DE" dirty="0">
-                <a:sym typeface="Wingdings" panose="05000000000000000000" pitchFamily="2" charset="2"/>
-              </a:rPr>
-              <a:t> Quellen</a:t>
-            </a:r>
-            <a:endParaRPr lang="de-DE" dirty="0"/>
+              <a:t>Fazit</a:t>
+            </a:r>
           </a:p>
         </p:txBody>
       </p:sp>
     </p:spTree>
     <p:extLst>
       <p:ext uri="{BB962C8B-B14F-4D97-AF65-F5344CB8AC3E}">
-        <p14:creationId xmlns:p14="http://schemas.microsoft.com/office/powerpoint/2010/main" val="2504164509"/>
+        <p14:creationId xmlns:p14="http://schemas.microsoft.com/office/powerpoint/2010/main" val="1170818284"/>
       </p:ext>
     </p:extLst>
   </p:cSld>
@@ -1103,6 +1238,114 @@
           <a:bodyPr/>
           <a:lstStyle/>
           <a:p>
+            <a:pPr marL="342900" indent="-342900">
+              <a:buFont typeface="Arial" panose="020B0604020202020204" pitchFamily="34" charset="0"/>
+              <a:buChar char="•"/>
+            </a:pPr>
+            <a:r>
+              <a:rPr lang="de-DE" dirty="0"/>
+              <a:t>Automatisierung von WCAG Erfolgskriterien ist möglich, siehe Prototyp oder z.B. die Bibliothek axe.js</a:t>
+            </a:r>
+          </a:p>
+          <a:p>
+            <a:pPr marL="342900" indent="-342900">
+              <a:buFont typeface="Arial" panose="020B0604020202020204" pitchFamily="34" charset="0"/>
+              <a:buChar char="•"/>
+            </a:pPr>
+            <a:r>
+              <a:rPr lang="de-DE" dirty="0"/>
+              <a:t>Nicht jedes Erfolgskriterium ist automatisierbar, semantische Überprüfung!</a:t>
+            </a:r>
+          </a:p>
+          <a:p>
+            <a:pPr marL="342900" indent="-342900">
+              <a:buFont typeface="Arial" panose="020B0604020202020204" pitchFamily="34" charset="0"/>
+              <a:buChar char="•"/>
+            </a:pPr>
+            <a:r>
+              <a:rPr lang="de-DE" dirty="0"/>
+              <a:t>Bachelorarbeit hat gezeigt, das von 60 geprüften Testfällen etwa 20 automatisierbar, bzw. teilweise automatisierbar sind</a:t>
+            </a:r>
+          </a:p>
+          <a:p>
+            <a:pPr marL="342900" indent="-342900">
+              <a:buFont typeface="Arial" panose="020B0604020202020204" pitchFamily="34" charset="0"/>
+              <a:buChar char="•"/>
+            </a:pPr>
+            <a:endParaRPr lang="de-DE" dirty="0"/>
+          </a:p>
+          <a:p>
+            <a:pPr marL="0" indent="0">
+              <a:buFont typeface="Arial" panose="020B0604020202020204" pitchFamily="34" charset="0"/>
+              <a:buNone/>
+            </a:pPr>
+            <a:r>
+              <a:rPr lang="de-DE" dirty="0">
+                <a:sym typeface="Wingdings" panose="05000000000000000000" pitchFamily="2" charset="2"/>
+              </a:rPr>
+              <a:t> Quellen</a:t>
+            </a:r>
+            <a:endParaRPr lang="de-DE" dirty="0"/>
+          </a:p>
+        </p:txBody>
+      </p:sp>
+    </p:spTree>
+    <p:extLst>
+      <p:ext uri="{BB962C8B-B14F-4D97-AF65-F5344CB8AC3E}">
+        <p14:creationId xmlns:p14="http://schemas.microsoft.com/office/powerpoint/2010/main" val="2504164509"/>
+      </p:ext>
+    </p:extLst>
+  </p:cSld>
+  <p:clrMapOvr>
+    <a:masterClrMapping/>
+  </p:clrMapOvr>
+</p:notes>
+</file>
+
+<file path=ppt/notesSlides/notesSlide15.xml><?xml version="1.0" encoding="utf-8"?>
+<p:notes xmlns:a="http://schemas.openxmlformats.org/drawingml/2006/main" xmlns:r="http://schemas.openxmlformats.org/officeDocument/2006/relationships" xmlns:p="http://schemas.openxmlformats.org/presentationml/2006/main">
+  <p:cSld>
+    <p:spTree>
+      <p:nvGrpSpPr>
+        <p:cNvPr id="1" name=""/>
+        <p:cNvGrpSpPr/>
+        <p:nvPr/>
+      </p:nvGrpSpPr>
+      <p:grpSpPr>
+        <a:xfrm>
+          <a:off x="0" y="0"/>
+          <a:ext cx="0" cy="0"/>
+          <a:chOff x="0" y="0"/>
+          <a:chExt cx="0" cy="0"/>
+        </a:xfrm>
+      </p:grpSpPr>
+      <p:sp>
+        <p:nvSpPr>
+          <p:cNvPr id="2" name="Folienbildplatzhalter 1"/>
+          <p:cNvSpPr>
+            <a:spLocks noGrp="1" noRot="1" noChangeAspect="1"/>
+          </p:cNvSpPr>
+          <p:nvPr>
+            <p:ph type="sldImg"/>
+          </p:nvPr>
+        </p:nvSpPr>
+        <p:spPr/>
+      </p:sp>
+      <p:sp>
+        <p:nvSpPr>
+          <p:cNvPr id="3" name="Notizenplatzhalter 2"/>
+          <p:cNvSpPr>
+            <a:spLocks noGrp="1"/>
+          </p:cNvSpPr>
+          <p:nvPr>
+            <p:ph type="body" idx="1"/>
+          </p:nvPr>
+        </p:nvSpPr>
+        <p:spPr/>
+        <p:txBody>
+          <a:bodyPr/>
+          <a:lstStyle/>
+          <a:p>
             <a:r>
               <a:rPr lang="de-DE" dirty="0"/>
               <a:t>Quellen</a:t>
@@ -1123,7 +1366,7 @@
 </p:notes>
 </file>
 
-<file path=ppt/notesSlides/notesSlide15.xml><?xml version="1.0" encoding="utf-8"?>
+<file path=ppt/notesSlides/notesSlide16.xml><?xml version="1.0" encoding="utf-8"?>
 <p:notes xmlns:a="http://schemas.openxmlformats.org/drawingml/2006/main" xmlns:r="http://schemas.openxmlformats.org/officeDocument/2006/relationships" xmlns:p="http://schemas.openxmlformats.org/presentationml/2006/main">
   <p:cSld>
     <p:spTree>
@@ -1231,9 +1474,88 @@
           <a:bodyPr/>
           <a:lstStyle/>
           <a:p>
+            <a:pPr marL="457200" indent="-457200">
+              <a:buFont typeface="+mj-lt"/>
+              <a:buAutoNum type="arabicPeriod"/>
+            </a:pPr>
             <a:r>
               <a:rPr lang="de-DE" dirty="0"/>
-              <a:t>Relevanz von Barrierefreiheit</a:t>
+              <a:t>Relevanz der Thematik Barrierefreiheit</a:t>
+            </a:r>
+          </a:p>
+          <a:p>
+            <a:pPr marL="457200" indent="-457200">
+              <a:buFont typeface="+mj-lt"/>
+              <a:buAutoNum type="arabicPeriod"/>
+            </a:pPr>
+            <a:r>
+              <a:rPr lang="de-DE" dirty="0"/>
+              <a:t>WCAG</a:t>
+            </a:r>
+          </a:p>
+          <a:p>
+            <a:pPr marL="457200" indent="-457200">
+              <a:buFont typeface="+mj-lt"/>
+              <a:buAutoNum type="arabicPeriod"/>
+            </a:pPr>
+            <a:r>
+              <a:rPr lang="de-DE" dirty="0"/>
+              <a:t>Werkzeug zur Automatisierung von Akzeptanztests in Webbrowsern </a:t>
+            </a:r>
+            <a:r>
+              <a:rPr lang="de-DE" dirty="0">
+                <a:sym typeface="Wingdings" panose="05000000000000000000" pitchFamily="2" charset="2"/>
+              </a:rPr>
+              <a:t> </a:t>
+            </a:r>
+            <a:r>
+              <a:rPr lang="de-DE" dirty="0" err="1">
+                <a:sym typeface="Wingdings" panose="05000000000000000000" pitchFamily="2" charset="2"/>
+              </a:rPr>
+              <a:t>Selenium</a:t>
+            </a:r>
+            <a:r>
+              <a:rPr lang="de-DE" dirty="0">
+                <a:sym typeface="Wingdings" panose="05000000000000000000" pitchFamily="2" charset="2"/>
+              </a:rPr>
+              <a:t> </a:t>
+            </a:r>
+            <a:r>
+              <a:rPr lang="de-DE" dirty="0" err="1">
+                <a:sym typeface="Wingdings" panose="05000000000000000000" pitchFamily="2" charset="2"/>
+              </a:rPr>
+              <a:t>WebDriver</a:t>
+            </a:r>
+            <a:endParaRPr lang="de-DE" dirty="0">
+              <a:sym typeface="Wingdings" panose="05000000000000000000" pitchFamily="2" charset="2"/>
+            </a:endParaRPr>
+          </a:p>
+          <a:p>
+            <a:pPr marL="457200" indent="-457200">
+              <a:buFont typeface="+mj-lt"/>
+              <a:buAutoNum type="arabicPeriod"/>
+            </a:pPr>
+            <a:r>
+              <a:rPr lang="de-DE" dirty="0">
+                <a:sym typeface="Wingdings" panose="05000000000000000000" pitchFamily="2" charset="2"/>
+              </a:rPr>
+              <a:t>Beispiel anhand eines automatisierten WCAG Erfolgskriteriums</a:t>
+            </a:r>
+          </a:p>
+          <a:p>
+            <a:pPr marL="457200" indent="-457200">
+              <a:buFont typeface="+mj-lt"/>
+              <a:buAutoNum type="arabicPeriod"/>
+            </a:pPr>
+            <a:r>
+              <a:rPr lang="de-DE" dirty="0">
+                <a:sym typeface="Wingdings" panose="05000000000000000000" pitchFamily="2" charset="2"/>
+              </a:rPr>
+              <a:t>Fazit bezüglich der Automatisierung von WCAG Erfolgskriterien</a:t>
+            </a:r>
+            <a:r>
+              <a:rPr lang="de-DE" dirty="0"/>
+              <a:t> </a:t>
             </a:r>
           </a:p>
         </p:txBody>
@@ -1241,7 +1563,7 @@
     </p:spTree>
     <p:extLst>
       <p:ext uri="{BB962C8B-B14F-4D97-AF65-F5344CB8AC3E}">
-        <p14:creationId xmlns:p14="http://schemas.microsoft.com/office/powerpoint/2010/main" val="898773046"/>
+        <p14:creationId xmlns:p14="http://schemas.microsoft.com/office/powerpoint/2010/main" val="2640810872"/>
       </p:ext>
     </p:extLst>
   </p:cSld>
@@ -1295,383 +1617,17 @@
           <a:bodyPr/>
           <a:lstStyle/>
           <a:p>
-            <a:pPr marL="342900" indent="-342900">
-              <a:buFont typeface="Arial" panose="020B0604020202020204" pitchFamily="34" charset="0"/>
-              <a:buChar char="•"/>
-            </a:pPr>
-            <a:r>
-              <a:rPr lang="de-DE" b="1" dirty="0"/>
-              <a:t>4,1 Milliarden Menschen nutzen 2019 das Internet (International </a:t>
-            </a:r>
-            <a:r>
-              <a:rPr lang="de-DE" b="1" dirty="0" err="1"/>
-              <a:t>Telecommunication</a:t>
-            </a:r>
-            <a:r>
-              <a:rPr lang="de-DE" b="1" dirty="0"/>
-              <a:t> Union </a:t>
-            </a:r>
             <a:r>
               <a:rPr lang="de-DE" dirty="0"/>
-              <a:t>(ITU))</a:t>
-            </a:r>
-          </a:p>
-          <a:p>
-            <a:pPr marL="342900" marR="0" lvl="0" indent="-342900" defTabSz="457200" eaLnBrk="1" fontAlgn="auto" latinLnBrk="0" hangingPunct="1">
-              <a:lnSpc>
-                <a:spcPct val="117999"/>
-              </a:lnSpc>
-              <a:spcBef>
-                <a:spcPts val="0"/>
-              </a:spcBef>
-              <a:spcAft>
-                <a:spcPts val="0"/>
-              </a:spcAft>
-              <a:buClrTx/>
-              <a:buSzTx/>
-              <a:buFont typeface="Arial" panose="020B0604020202020204" pitchFamily="34" charset="0"/>
-              <a:buChar char="•"/>
-              <a:tabLst/>
-              <a:defRPr/>
-            </a:pPr>
-            <a:r>
-              <a:rPr lang="de-DE" dirty="0"/>
-              <a:t>Durch Anschluss von </a:t>
-            </a:r>
-            <a:r>
-              <a:rPr lang="de-DE" b="1" dirty="0"/>
-              <a:t>Entwicklungsländern</a:t>
-            </a:r>
-            <a:r>
-              <a:rPr lang="de-DE" dirty="0"/>
-              <a:t> wird die </a:t>
-            </a:r>
-            <a:r>
-              <a:rPr lang="de-DE" b="1" dirty="0"/>
-              <a:t>Zahl der Internetnutzer</a:t>
-            </a:r>
-            <a:r>
-              <a:rPr lang="de-DE" dirty="0"/>
-              <a:t> ohne und mit einer Form von Behinderung</a:t>
-            </a:r>
-            <a:r>
-              <a:rPr lang="de-DE" b="1" dirty="0"/>
-              <a:t> </a:t>
-            </a:r>
-            <a:r>
-              <a:rPr lang="de-DE" b="0" dirty="0"/>
-              <a:t>steigen</a:t>
-            </a:r>
-            <a:r>
-              <a:rPr lang="de-DE" dirty="0"/>
-              <a:t>. </a:t>
-            </a:r>
-          </a:p>
-          <a:p>
-            <a:pPr marL="0" indent="0">
-              <a:buFont typeface="Arial" panose="020B0604020202020204" pitchFamily="34" charset="0"/>
-              <a:buNone/>
-            </a:pPr>
-            <a:endParaRPr lang="de-DE" dirty="0"/>
-          </a:p>
-          <a:p>
-            <a:pPr marL="0" indent="0">
-              <a:buFont typeface="Arial" panose="020B0604020202020204" pitchFamily="34" charset="0"/>
-              <a:buNone/>
-            </a:pPr>
-            <a:r>
-              <a:rPr lang="de-DE" b="1" dirty="0"/>
-              <a:t>15%</a:t>
-            </a:r>
-            <a:r>
-              <a:rPr lang="de-DE" dirty="0"/>
-              <a:t> der Menschen leben mit </a:t>
-            </a:r>
-            <a:r>
-              <a:rPr lang="de-DE" b="1" dirty="0"/>
-              <a:t>Form von Behinderung </a:t>
-            </a:r>
-            <a:r>
-              <a:rPr lang="de-DE" dirty="0"/>
-              <a:t>(WHO)</a:t>
-            </a:r>
-          </a:p>
-          <a:p>
-            <a:pPr marL="0" marR="0" lvl="0" indent="0" defTabSz="457200" eaLnBrk="1" fontAlgn="auto" latinLnBrk="0" hangingPunct="1">
-              <a:lnSpc>
-                <a:spcPct val="117999"/>
-              </a:lnSpc>
-              <a:spcBef>
-                <a:spcPts val="0"/>
-              </a:spcBef>
-              <a:spcAft>
-                <a:spcPts val="0"/>
-              </a:spcAft>
-              <a:buClrTx/>
-              <a:buSzTx/>
-              <a:buFont typeface="Arial" panose="020B0604020202020204" pitchFamily="34" charset="0"/>
-              <a:buNone/>
-              <a:tabLst/>
-              <a:defRPr/>
-            </a:pPr>
-            <a:r>
-              <a:rPr lang="de-DE" dirty="0"/>
-              <a:t>Zahl der </a:t>
-            </a:r>
-            <a:r>
-              <a:rPr lang="de-DE" b="1" dirty="0"/>
-              <a:t>Menschen mit Behinderung</a:t>
-            </a:r>
-            <a:r>
-              <a:rPr lang="de-DE" dirty="0"/>
-              <a:t> steigt „</a:t>
-            </a:r>
-            <a:r>
-              <a:rPr lang="en-US" b="0" i="0" dirty="0">
-                <a:solidFill>
-                  <a:srgbClr val="3C4245"/>
-                </a:solidFill>
-                <a:effectLst/>
-                <a:latin typeface="Arial" panose="020B0604020202020204" pitchFamily="34" charset="0"/>
-              </a:rPr>
-              <a:t>This number is expected to double to 2 billion by 2050</a:t>
-            </a:r>
-            <a:r>
-              <a:rPr lang="de-DE" dirty="0"/>
-              <a:t>“ (WHO)</a:t>
-            </a:r>
-          </a:p>
-          <a:p>
-            <a:pPr marL="0" indent="0">
-              <a:buFont typeface="Arial" panose="020B0604020202020204" pitchFamily="34" charset="0"/>
-              <a:buNone/>
-            </a:pPr>
-            <a:endParaRPr lang="de-DE" dirty="0"/>
-          </a:p>
-          <a:p>
-            <a:pPr marL="0" marR="0" lvl="0" indent="0" defTabSz="457200" eaLnBrk="1" fontAlgn="auto" latinLnBrk="0" hangingPunct="1">
-              <a:lnSpc>
-                <a:spcPct val="117999"/>
-              </a:lnSpc>
-              <a:spcBef>
-                <a:spcPts val="0"/>
-              </a:spcBef>
-              <a:spcAft>
-                <a:spcPts val="0"/>
-              </a:spcAft>
-              <a:buClrTx/>
-              <a:buSzTx/>
-              <a:buFont typeface="Arial" panose="020B0604020202020204" pitchFamily="34" charset="0"/>
-              <a:buNone/>
-              <a:tabLst/>
-              <a:defRPr/>
-            </a:pPr>
-            <a:r>
-              <a:rPr lang="de-DE" b="1" dirty="0"/>
-              <a:t>Umfrage</a:t>
-            </a:r>
-            <a:r>
-              <a:rPr lang="de-DE" b="0" dirty="0"/>
-              <a:t> der </a:t>
-            </a:r>
-            <a:r>
-              <a:rPr lang="de-DE" b="1" dirty="0"/>
-              <a:t>Aktion Mensch</a:t>
-            </a:r>
-            <a:r>
-              <a:rPr lang="de-DE" dirty="0"/>
-              <a:t> und des </a:t>
-            </a:r>
-            <a:r>
-              <a:rPr lang="de-DE" b="1" dirty="0"/>
-              <a:t>Bundesministeriums für Wirtschaft und Technologie (2004):</a:t>
-            </a:r>
-          </a:p>
-          <a:p>
-            <a:pPr marL="342900" indent="-342900">
-              <a:buFont typeface="Arial" panose="020B0604020202020204" pitchFamily="34" charset="0"/>
-              <a:buChar char="•"/>
-            </a:pPr>
-            <a:r>
-              <a:rPr lang="de-DE" b="1" dirty="0"/>
-              <a:t>80 Prozent</a:t>
-            </a:r>
-            <a:r>
-              <a:rPr lang="de-DE" dirty="0"/>
-              <a:t> der Menschen mit Behinderung nutzen das Internet</a:t>
-            </a:r>
-          </a:p>
-          <a:p>
-            <a:pPr marL="342900" indent="-342900">
-              <a:buFont typeface="Arial" panose="020B0604020202020204" pitchFamily="34" charset="0"/>
-              <a:buChar char="•"/>
-            </a:pPr>
-            <a:r>
-              <a:rPr lang="de-DE" b="1" dirty="0"/>
-              <a:t>55 Prozent der Internetkenner</a:t>
-            </a:r>
-            <a:r>
-              <a:rPr lang="de-DE" dirty="0"/>
-              <a:t> stoßen auf Barrieren </a:t>
-            </a:r>
-          </a:p>
-          <a:p>
-            <a:pPr marL="342900" indent="-342900">
-              <a:buFont typeface="Arial" panose="020B0604020202020204" pitchFamily="34" charset="0"/>
-              <a:buChar char="•"/>
-            </a:pPr>
-            <a:r>
-              <a:rPr lang="de-DE" b="1" dirty="0"/>
-              <a:t>Unterschiede</a:t>
-            </a:r>
-            <a:r>
-              <a:rPr lang="de-DE" dirty="0"/>
-              <a:t> der Internetnutzung </a:t>
-            </a:r>
-            <a:r>
-              <a:rPr lang="de-DE" b="0" dirty="0"/>
-              <a:t>je nach </a:t>
-            </a:r>
-            <a:r>
-              <a:rPr lang="de-DE" b="1" dirty="0"/>
-              <a:t>Form der Behinderung (</a:t>
-            </a:r>
-            <a:r>
-              <a:rPr lang="de-DE" b="0" dirty="0"/>
-              <a:t>Menschen mit </a:t>
-            </a:r>
-            <a:r>
-              <a:rPr lang="de-DE" b="1" i="0" dirty="0">
-                <a:solidFill>
-                  <a:srgbClr val="3E2F25"/>
-                </a:solidFill>
-                <a:effectLst/>
-                <a:latin typeface="Arial" panose="020B0604020202020204" pitchFamily="34" charset="0"/>
-              </a:rPr>
-              <a:t>Lernbehinderungen</a:t>
-            </a:r>
-            <a:r>
-              <a:rPr lang="de-DE" b="0" i="0" dirty="0">
-                <a:solidFill>
-                  <a:srgbClr val="3E2F25"/>
-                </a:solidFill>
-                <a:effectLst/>
-                <a:latin typeface="Arial" panose="020B0604020202020204" pitchFamily="34" charset="0"/>
-              </a:rPr>
-              <a:t> und </a:t>
-            </a:r>
-            <a:r>
-              <a:rPr lang="de-DE" b="1" i="0" dirty="0">
-                <a:solidFill>
-                  <a:srgbClr val="3E2F25"/>
-                </a:solidFill>
-                <a:effectLst/>
-                <a:latin typeface="Arial" panose="020B0604020202020204" pitchFamily="34" charset="0"/>
-              </a:rPr>
-              <a:t>geistiger Behinderung </a:t>
-            </a:r>
-            <a:r>
-              <a:rPr lang="de-DE" b="0" i="0" dirty="0">
-                <a:solidFill>
-                  <a:srgbClr val="3E2F25"/>
-                </a:solidFill>
-                <a:effectLst/>
-                <a:latin typeface="Arial" panose="020B0604020202020204" pitchFamily="34" charset="0"/>
-              </a:rPr>
-              <a:t>nutzen das Internet seltener </a:t>
-            </a:r>
-            <a:r>
-              <a:rPr lang="de-DE" b="1" i="0" dirty="0">
-                <a:solidFill>
-                  <a:srgbClr val="3E2F25"/>
-                </a:solidFill>
-                <a:effectLst/>
-                <a:latin typeface="Arial" panose="020B0604020202020204" pitchFamily="34" charset="0"/>
-              </a:rPr>
-              <a:t>(ca. 9%))</a:t>
-            </a:r>
-            <a:endParaRPr lang="de-DE" b="1" dirty="0"/>
-          </a:p>
-          <a:p>
-            <a:pPr marL="342900" indent="-342900">
-              <a:buFont typeface="Arial" panose="020B0604020202020204" pitchFamily="34" charset="0"/>
-              <a:buChar char="•"/>
-            </a:pPr>
-            <a:endParaRPr lang="de-DE" b="1" dirty="0"/>
-          </a:p>
-          <a:p>
-            <a:pPr marL="0" indent="0">
-              <a:buFont typeface="Arial" panose="020B0604020202020204" pitchFamily="34" charset="0"/>
-              <a:buNone/>
-            </a:pPr>
-            <a:r>
-              <a:rPr lang="de-DE" b="1" dirty="0"/>
-              <a:t>ZUSÄTZLICHE RELEVANZ: </a:t>
-            </a:r>
-          </a:p>
-          <a:p>
-            <a:pPr marL="0" indent="0">
-              <a:buFont typeface="Arial" panose="020B0604020202020204" pitchFamily="34" charset="0"/>
-              <a:buNone/>
-            </a:pPr>
-            <a:r>
-              <a:rPr lang="de-DE" dirty="0"/>
-              <a:t>Definition von „</a:t>
-            </a:r>
-            <a:r>
-              <a:rPr lang="de-DE" b="1" dirty="0"/>
-              <a:t>Diskriminierung aufgrund von Behinderung</a:t>
-            </a:r>
-            <a:r>
-              <a:rPr lang="de-DE" dirty="0"/>
-              <a:t>“:= … Sie umfasst </a:t>
-            </a:r>
-            <a:r>
-              <a:rPr lang="de-DE" b="1" dirty="0"/>
-              <a:t>alle Formen der Diskriminierung</a:t>
-            </a:r>
-            <a:r>
-              <a:rPr lang="de-DE" dirty="0"/>
-              <a:t>, einschließlich der </a:t>
-            </a:r>
-            <a:r>
-              <a:rPr lang="de-DE" b="1" dirty="0"/>
-              <a:t>Versagung angemessener Vorkehrungen</a:t>
-            </a:r>
-            <a:r>
-              <a:rPr lang="de-DE" dirty="0"/>
-              <a:t>.  Vgl. UNBK(2018) Artikel 2, Seite 8.</a:t>
-            </a:r>
-          </a:p>
-          <a:p>
-            <a:pPr marL="342900" indent="-342900">
-              <a:buFont typeface="Arial" panose="020B0604020202020204" pitchFamily="34" charset="0"/>
-              <a:buChar char="•"/>
-            </a:pPr>
-            <a:endParaRPr lang="de-DE" dirty="0"/>
-          </a:p>
-          <a:p>
-            <a:pPr marL="0" indent="0">
-              <a:buFont typeface="Arial" panose="020B0604020202020204" pitchFamily="34" charset="0"/>
-              <a:buNone/>
-            </a:pPr>
-            <a:r>
-              <a:rPr lang="de-DE" dirty="0">
-                <a:sym typeface="Wingdings" panose="05000000000000000000" pitchFamily="2" charset="2"/>
-              </a:rPr>
-              <a:t> WCAG</a:t>
-            </a:r>
-            <a:endParaRPr lang="de-DE" b="1" dirty="0"/>
-          </a:p>
-          <a:p>
-            <a:endParaRPr lang="de-DE" dirty="0"/>
+              <a:t>Relevanz von Barrierefreiheit</a:t>
+            </a:r>
           </a:p>
         </p:txBody>
       </p:sp>
     </p:spTree>
     <p:extLst>
       <p:ext uri="{BB962C8B-B14F-4D97-AF65-F5344CB8AC3E}">
-        <p14:creationId xmlns:p14="http://schemas.microsoft.com/office/powerpoint/2010/main" val="3261836743"/>
+        <p14:creationId xmlns:p14="http://schemas.microsoft.com/office/powerpoint/2010/main" val="898773046"/>
       </p:ext>
     </p:extLst>
   </p:cSld>
@@ -1725,17 +1681,383 @@
           <a:bodyPr/>
           <a:lstStyle/>
           <a:p>
+            <a:pPr marL="342900" indent="-342900">
+              <a:buFont typeface="Arial" panose="020B0604020202020204" pitchFamily="34" charset="0"/>
+              <a:buChar char="•"/>
+            </a:pPr>
+            <a:r>
+              <a:rPr lang="de-DE" b="1" dirty="0"/>
+              <a:t>4,1 Milliarden Menschen nutzen 2019 das Internet (International </a:t>
+            </a:r>
+            <a:r>
+              <a:rPr lang="de-DE" b="1" dirty="0" err="1"/>
+              <a:t>Telecommunication</a:t>
+            </a:r>
+            <a:r>
+              <a:rPr lang="de-DE" b="1" dirty="0"/>
+              <a:t> Union </a:t>
+            </a:r>
             <a:r>
               <a:rPr lang="de-DE" dirty="0"/>
-              <a:t>WCAG</a:t>
-            </a:r>
+              <a:t>(ITU))</a:t>
+            </a:r>
+          </a:p>
+          <a:p>
+            <a:pPr marL="342900" marR="0" lvl="0" indent="-342900" defTabSz="457200" eaLnBrk="1" fontAlgn="auto" latinLnBrk="0" hangingPunct="1">
+              <a:lnSpc>
+                <a:spcPct val="117999"/>
+              </a:lnSpc>
+              <a:spcBef>
+                <a:spcPts val="0"/>
+              </a:spcBef>
+              <a:spcAft>
+                <a:spcPts val="0"/>
+              </a:spcAft>
+              <a:buClrTx/>
+              <a:buSzTx/>
+              <a:buFont typeface="Arial" panose="020B0604020202020204" pitchFamily="34" charset="0"/>
+              <a:buChar char="•"/>
+              <a:tabLst/>
+              <a:defRPr/>
+            </a:pPr>
+            <a:r>
+              <a:rPr lang="de-DE" dirty="0"/>
+              <a:t>Durch Anschluss von </a:t>
+            </a:r>
+            <a:r>
+              <a:rPr lang="de-DE" b="1" dirty="0"/>
+              <a:t>Entwicklungsländern</a:t>
+            </a:r>
+            <a:r>
+              <a:rPr lang="de-DE" dirty="0"/>
+              <a:t> wird die </a:t>
+            </a:r>
+            <a:r>
+              <a:rPr lang="de-DE" b="1" dirty="0"/>
+              <a:t>Zahl der Internetnutzer</a:t>
+            </a:r>
+            <a:r>
+              <a:rPr lang="de-DE" dirty="0"/>
+              <a:t> ohne und mit einer Form von Behinderung</a:t>
+            </a:r>
+            <a:r>
+              <a:rPr lang="de-DE" b="1" dirty="0"/>
+              <a:t> </a:t>
+            </a:r>
+            <a:r>
+              <a:rPr lang="de-DE" b="0" dirty="0"/>
+              <a:t>steigen</a:t>
+            </a:r>
+            <a:r>
+              <a:rPr lang="de-DE" dirty="0"/>
+              <a:t>. </a:t>
+            </a:r>
+          </a:p>
+          <a:p>
+            <a:pPr marL="0" indent="0">
+              <a:buFont typeface="Arial" panose="020B0604020202020204" pitchFamily="34" charset="0"/>
+              <a:buNone/>
+            </a:pPr>
+            <a:endParaRPr lang="de-DE" dirty="0"/>
+          </a:p>
+          <a:p>
+            <a:pPr marL="0" indent="0">
+              <a:buFont typeface="Arial" panose="020B0604020202020204" pitchFamily="34" charset="0"/>
+              <a:buNone/>
+            </a:pPr>
+            <a:r>
+              <a:rPr lang="de-DE" b="1" dirty="0"/>
+              <a:t>15%</a:t>
+            </a:r>
+            <a:r>
+              <a:rPr lang="de-DE" dirty="0"/>
+              <a:t> der Menschen leben mit </a:t>
+            </a:r>
+            <a:r>
+              <a:rPr lang="de-DE" b="1" dirty="0"/>
+              <a:t>Form von Behinderung </a:t>
+            </a:r>
+            <a:r>
+              <a:rPr lang="de-DE" dirty="0"/>
+              <a:t>(WHO)</a:t>
+            </a:r>
+          </a:p>
+          <a:p>
+            <a:pPr marL="0" marR="0" lvl="0" indent="0" defTabSz="457200" eaLnBrk="1" fontAlgn="auto" latinLnBrk="0" hangingPunct="1">
+              <a:lnSpc>
+                <a:spcPct val="117999"/>
+              </a:lnSpc>
+              <a:spcBef>
+                <a:spcPts val="0"/>
+              </a:spcBef>
+              <a:spcAft>
+                <a:spcPts val="0"/>
+              </a:spcAft>
+              <a:buClrTx/>
+              <a:buSzTx/>
+              <a:buFont typeface="Arial" panose="020B0604020202020204" pitchFamily="34" charset="0"/>
+              <a:buNone/>
+              <a:tabLst/>
+              <a:defRPr/>
+            </a:pPr>
+            <a:r>
+              <a:rPr lang="de-DE" dirty="0"/>
+              <a:t>Zahl der </a:t>
+            </a:r>
+            <a:r>
+              <a:rPr lang="de-DE" b="1" dirty="0"/>
+              <a:t>Menschen mit Behinderung</a:t>
+            </a:r>
+            <a:r>
+              <a:rPr lang="de-DE" dirty="0"/>
+              <a:t> steigt „</a:t>
+            </a:r>
+            <a:r>
+              <a:rPr lang="en-US" b="0" i="0" dirty="0">
+                <a:solidFill>
+                  <a:srgbClr val="3C4245"/>
+                </a:solidFill>
+                <a:effectLst/>
+                <a:latin typeface="Arial" panose="020B0604020202020204" pitchFamily="34" charset="0"/>
+              </a:rPr>
+              <a:t>This number is expected to double to 2 billion by 2050</a:t>
+            </a:r>
+            <a:r>
+              <a:rPr lang="de-DE" dirty="0"/>
+              <a:t>“ (WHO)</a:t>
+            </a:r>
+          </a:p>
+          <a:p>
+            <a:pPr marL="0" indent="0">
+              <a:buFont typeface="Arial" panose="020B0604020202020204" pitchFamily="34" charset="0"/>
+              <a:buNone/>
+            </a:pPr>
+            <a:endParaRPr lang="de-DE" dirty="0"/>
+          </a:p>
+          <a:p>
+            <a:pPr marL="0" marR="0" lvl="0" indent="0" defTabSz="457200" eaLnBrk="1" fontAlgn="auto" latinLnBrk="0" hangingPunct="1">
+              <a:lnSpc>
+                <a:spcPct val="117999"/>
+              </a:lnSpc>
+              <a:spcBef>
+                <a:spcPts val="0"/>
+              </a:spcBef>
+              <a:spcAft>
+                <a:spcPts val="0"/>
+              </a:spcAft>
+              <a:buClrTx/>
+              <a:buSzTx/>
+              <a:buFont typeface="Arial" panose="020B0604020202020204" pitchFamily="34" charset="0"/>
+              <a:buNone/>
+              <a:tabLst/>
+              <a:defRPr/>
+            </a:pPr>
+            <a:r>
+              <a:rPr lang="de-DE" b="1" dirty="0"/>
+              <a:t>Umfrage</a:t>
+            </a:r>
+            <a:r>
+              <a:rPr lang="de-DE" b="0" dirty="0"/>
+              <a:t> der </a:t>
+            </a:r>
+            <a:r>
+              <a:rPr lang="de-DE" b="1" dirty="0"/>
+              <a:t>Aktion Mensch</a:t>
+            </a:r>
+            <a:r>
+              <a:rPr lang="de-DE" dirty="0"/>
+              <a:t> und des </a:t>
+            </a:r>
+            <a:r>
+              <a:rPr lang="de-DE" b="1" dirty="0"/>
+              <a:t>Bundesministeriums für Wirtschaft und Technologie (2004):</a:t>
+            </a:r>
+          </a:p>
+          <a:p>
+            <a:pPr marL="342900" indent="-342900">
+              <a:buFont typeface="Arial" panose="020B0604020202020204" pitchFamily="34" charset="0"/>
+              <a:buChar char="•"/>
+            </a:pPr>
+            <a:r>
+              <a:rPr lang="de-DE" b="1" dirty="0"/>
+              <a:t>80 Prozent</a:t>
+            </a:r>
+            <a:r>
+              <a:rPr lang="de-DE" dirty="0"/>
+              <a:t> der Menschen mit Behinderung nutzen das Internet</a:t>
+            </a:r>
+          </a:p>
+          <a:p>
+            <a:pPr marL="342900" indent="-342900">
+              <a:buFont typeface="Arial" panose="020B0604020202020204" pitchFamily="34" charset="0"/>
+              <a:buChar char="•"/>
+            </a:pPr>
+            <a:r>
+              <a:rPr lang="de-DE" b="1" dirty="0"/>
+              <a:t>55 Prozent der Internetkenner</a:t>
+            </a:r>
+            <a:r>
+              <a:rPr lang="de-DE" dirty="0"/>
+              <a:t> stoßen auf Barrieren </a:t>
+            </a:r>
+          </a:p>
+          <a:p>
+            <a:pPr marL="342900" indent="-342900">
+              <a:buFont typeface="Arial" panose="020B0604020202020204" pitchFamily="34" charset="0"/>
+              <a:buChar char="•"/>
+            </a:pPr>
+            <a:r>
+              <a:rPr lang="de-DE" b="1" dirty="0"/>
+              <a:t>Unterschiede</a:t>
+            </a:r>
+            <a:r>
+              <a:rPr lang="de-DE" dirty="0"/>
+              <a:t> der Internetnutzung </a:t>
+            </a:r>
+            <a:r>
+              <a:rPr lang="de-DE" b="0" dirty="0"/>
+              <a:t>je nach </a:t>
+            </a:r>
+            <a:r>
+              <a:rPr lang="de-DE" b="1" dirty="0"/>
+              <a:t>Form der Behinderung (</a:t>
+            </a:r>
+            <a:r>
+              <a:rPr lang="de-DE" b="0" dirty="0"/>
+              <a:t>Menschen mit </a:t>
+            </a:r>
+            <a:r>
+              <a:rPr lang="de-DE" b="1" i="0" dirty="0">
+                <a:solidFill>
+                  <a:srgbClr val="3E2F25"/>
+                </a:solidFill>
+                <a:effectLst/>
+                <a:latin typeface="Arial" panose="020B0604020202020204" pitchFamily="34" charset="0"/>
+              </a:rPr>
+              <a:t>Lernbehinderungen</a:t>
+            </a:r>
+            <a:r>
+              <a:rPr lang="de-DE" b="0" i="0" dirty="0">
+                <a:solidFill>
+                  <a:srgbClr val="3E2F25"/>
+                </a:solidFill>
+                <a:effectLst/>
+                <a:latin typeface="Arial" panose="020B0604020202020204" pitchFamily="34" charset="0"/>
+              </a:rPr>
+              <a:t> und </a:t>
+            </a:r>
+            <a:r>
+              <a:rPr lang="de-DE" b="1" i="0" dirty="0">
+                <a:solidFill>
+                  <a:srgbClr val="3E2F25"/>
+                </a:solidFill>
+                <a:effectLst/>
+                <a:latin typeface="Arial" panose="020B0604020202020204" pitchFamily="34" charset="0"/>
+              </a:rPr>
+              <a:t>geistiger Behinderung </a:t>
+            </a:r>
+            <a:r>
+              <a:rPr lang="de-DE" b="0" i="0" dirty="0">
+                <a:solidFill>
+                  <a:srgbClr val="3E2F25"/>
+                </a:solidFill>
+                <a:effectLst/>
+                <a:latin typeface="Arial" panose="020B0604020202020204" pitchFamily="34" charset="0"/>
+              </a:rPr>
+              <a:t>nutzen das Internet seltener </a:t>
+            </a:r>
+            <a:r>
+              <a:rPr lang="de-DE" b="1" i="0" dirty="0">
+                <a:solidFill>
+                  <a:srgbClr val="3E2F25"/>
+                </a:solidFill>
+                <a:effectLst/>
+                <a:latin typeface="Arial" panose="020B0604020202020204" pitchFamily="34" charset="0"/>
+              </a:rPr>
+              <a:t>(ca. 9%))</a:t>
+            </a:r>
+            <a:endParaRPr lang="de-DE" b="1" dirty="0"/>
+          </a:p>
+          <a:p>
+            <a:pPr marL="342900" indent="-342900">
+              <a:buFont typeface="Arial" panose="020B0604020202020204" pitchFamily="34" charset="0"/>
+              <a:buChar char="•"/>
+            </a:pPr>
+            <a:endParaRPr lang="de-DE" b="1" dirty="0"/>
+          </a:p>
+          <a:p>
+            <a:pPr marL="0" indent="0">
+              <a:buFont typeface="Arial" panose="020B0604020202020204" pitchFamily="34" charset="0"/>
+              <a:buNone/>
+            </a:pPr>
+            <a:r>
+              <a:rPr lang="de-DE" b="1" dirty="0"/>
+              <a:t>ZUSÄTZLICHE RELEVANZ: </a:t>
+            </a:r>
+          </a:p>
+          <a:p>
+            <a:pPr marL="0" indent="0">
+              <a:buFont typeface="Arial" panose="020B0604020202020204" pitchFamily="34" charset="0"/>
+              <a:buNone/>
+            </a:pPr>
+            <a:r>
+              <a:rPr lang="de-DE" dirty="0"/>
+              <a:t>Definition von „</a:t>
+            </a:r>
+            <a:r>
+              <a:rPr lang="de-DE" b="1" dirty="0"/>
+              <a:t>Diskriminierung aufgrund von Behinderung</a:t>
+            </a:r>
+            <a:r>
+              <a:rPr lang="de-DE" dirty="0"/>
+              <a:t>“:= … Sie umfasst </a:t>
+            </a:r>
+            <a:r>
+              <a:rPr lang="de-DE" b="1" dirty="0"/>
+              <a:t>alle Formen der Diskriminierung</a:t>
+            </a:r>
+            <a:r>
+              <a:rPr lang="de-DE" dirty="0"/>
+              <a:t>, einschließlich der </a:t>
+            </a:r>
+            <a:r>
+              <a:rPr lang="de-DE" b="1" dirty="0"/>
+              <a:t>Versagung angemessener Vorkehrungen</a:t>
+            </a:r>
+            <a:r>
+              <a:rPr lang="de-DE" dirty="0"/>
+              <a:t>.  Vgl. UNBK(2018) Artikel 2, Seite 8.</a:t>
+            </a:r>
+          </a:p>
+          <a:p>
+            <a:pPr marL="342900" indent="-342900">
+              <a:buFont typeface="Arial" panose="020B0604020202020204" pitchFamily="34" charset="0"/>
+              <a:buChar char="•"/>
+            </a:pPr>
+            <a:endParaRPr lang="de-DE" dirty="0"/>
+          </a:p>
+          <a:p>
+            <a:pPr marL="0" indent="0">
+              <a:buFont typeface="Arial" panose="020B0604020202020204" pitchFamily="34" charset="0"/>
+              <a:buNone/>
+            </a:pPr>
+            <a:r>
+              <a:rPr lang="de-DE" dirty="0">
+                <a:sym typeface="Wingdings" panose="05000000000000000000" pitchFamily="2" charset="2"/>
+              </a:rPr>
+              <a:t> WCAG</a:t>
+            </a:r>
+            <a:endParaRPr lang="de-DE" b="1" dirty="0"/>
+          </a:p>
+          <a:p>
+            <a:endParaRPr lang="de-DE" dirty="0"/>
           </a:p>
         </p:txBody>
       </p:sp>
     </p:spTree>
     <p:extLst>
       <p:ext uri="{BB962C8B-B14F-4D97-AF65-F5344CB8AC3E}">
-        <p14:creationId xmlns:p14="http://schemas.microsoft.com/office/powerpoint/2010/main" val="2047719186"/>
+        <p14:creationId xmlns:p14="http://schemas.microsoft.com/office/powerpoint/2010/main" val="3261836743"/>
       </p:ext>
     </p:extLst>
   </p:cSld>
@@ -1789,691 +2111,17 @@
           <a:bodyPr/>
           <a:lstStyle/>
           <a:p>
-            <a:pPr marL="342900" indent="-342900">
-              <a:buFont typeface="Arial" panose="020B0604020202020204" pitchFamily="34" charset="0"/>
-              <a:buChar char="•"/>
-            </a:pPr>
-            <a:r>
-              <a:rPr lang="de-DE" sz="2400" b="0" i="0" dirty="0">
-                <a:solidFill>
-                  <a:srgbClr val="333333"/>
-                </a:solidFill>
-                <a:effectLst/>
-                <a:latin typeface="Trebuchet MS" panose="020B0603020202020204" pitchFamily="34" charset="0"/>
-                <a:sym typeface="Helvetica Neue"/>
-              </a:rPr>
-              <a:t>Vielzahl an Richtlinien und Standards, die die Thematik der Barrierefreiheit behandeln</a:t>
-            </a:r>
-          </a:p>
-          <a:p>
-            <a:pPr marL="0" indent="0">
-              <a:buFont typeface="Arial" panose="020B0604020202020204" pitchFamily="34" charset="0"/>
-              <a:buNone/>
-            </a:pPr>
-            <a:endParaRPr lang="de-DE" sz="2400" b="0" i="0" dirty="0">
-              <a:solidFill>
-                <a:srgbClr val="333333"/>
-              </a:solidFill>
-              <a:effectLst/>
-              <a:latin typeface="Trebuchet MS" panose="020B0603020202020204" pitchFamily="34" charset="0"/>
-              <a:sym typeface="Helvetica Neue"/>
-            </a:endParaRPr>
-          </a:p>
-          <a:p>
-            <a:pPr marL="0" indent="0">
-              <a:buFont typeface="Arial" panose="020B0604020202020204" pitchFamily="34" charset="0"/>
-              <a:buNone/>
-            </a:pPr>
-            <a:r>
-              <a:rPr lang="de-DE" sz="2400" b="0" i="0" dirty="0">
-                <a:solidFill>
-                  <a:srgbClr val="333333"/>
-                </a:solidFill>
-                <a:effectLst/>
-                <a:latin typeface="Trebuchet MS" panose="020B0603020202020204" pitchFamily="34" charset="0"/>
-                <a:sym typeface="Helvetica Neue"/>
-              </a:rPr>
+            <a:r>
+              <a:rPr lang="de-DE" dirty="0"/>
               <a:t>WCAG</a:t>
             </a:r>
-          </a:p>
-          <a:p>
-            <a:pPr marL="342900" marR="0" lvl="0" indent="-342900" defTabSz="457200" eaLnBrk="1" fontAlgn="auto" latinLnBrk="0" hangingPunct="1">
-              <a:lnSpc>
-                <a:spcPct val="117999"/>
-              </a:lnSpc>
-              <a:spcBef>
-                <a:spcPts val="0"/>
-              </a:spcBef>
-              <a:spcAft>
-                <a:spcPts val="0"/>
-              </a:spcAft>
-              <a:buClrTx/>
-              <a:buSzTx/>
-              <a:buFont typeface="Arial" panose="020B0604020202020204" pitchFamily="34" charset="0"/>
-              <a:buChar char="•"/>
-              <a:tabLst/>
-              <a:defRPr/>
-            </a:pPr>
-            <a:r>
-              <a:rPr lang="de-DE" sz="2400" b="0" i="0" dirty="0">
-                <a:solidFill>
-                  <a:srgbClr val="333333"/>
-                </a:solidFill>
-                <a:effectLst/>
-                <a:latin typeface="Trebuchet MS" panose="020B0603020202020204" pitchFamily="34" charset="0"/>
-                <a:sym typeface="Helvetica Neue"/>
-              </a:rPr>
-              <a:t>International anerkannter Standard </a:t>
-            </a:r>
-            <a:r>
-              <a:rPr lang="de-DE" sz="2400" b="1" i="0" dirty="0">
-                <a:solidFill>
-                  <a:srgbClr val="333333"/>
-                </a:solidFill>
-                <a:effectLst/>
-                <a:latin typeface="Trebuchet MS" panose="020B0603020202020204" pitchFamily="34" charset="0"/>
-                <a:sym typeface="Helvetica Neue"/>
-              </a:rPr>
-              <a:t>Web Content </a:t>
-            </a:r>
-            <a:r>
-              <a:rPr lang="de-DE" sz="2400" b="1" i="0" dirty="0" err="1">
-                <a:solidFill>
-                  <a:srgbClr val="333333"/>
-                </a:solidFill>
-                <a:effectLst/>
-                <a:latin typeface="Trebuchet MS" panose="020B0603020202020204" pitchFamily="34" charset="0"/>
-                <a:sym typeface="Helvetica Neue"/>
-              </a:rPr>
-              <a:t>Accessibility</a:t>
-            </a:r>
-            <a:r>
-              <a:rPr lang="de-DE" sz="2400" b="1" i="0" dirty="0">
-                <a:solidFill>
-                  <a:srgbClr val="333333"/>
-                </a:solidFill>
-                <a:effectLst/>
-                <a:latin typeface="Trebuchet MS" panose="020B0603020202020204" pitchFamily="34" charset="0"/>
-                <a:sym typeface="Helvetica Neue"/>
-              </a:rPr>
-              <a:t> Guidelines</a:t>
-            </a:r>
-            <a:r>
-              <a:rPr lang="de-DE" sz="2400" b="0" i="0" dirty="0">
-                <a:solidFill>
-                  <a:srgbClr val="333333"/>
-                </a:solidFill>
-                <a:effectLst/>
-                <a:latin typeface="Trebuchet MS" panose="020B0603020202020204" pitchFamily="34" charset="0"/>
-                <a:sym typeface="Helvetica Neue"/>
-              </a:rPr>
-              <a:t> (WCAG)</a:t>
-            </a:r>
-          </a:p>
-          <a:p>
-            <a:pPr marL="342900" indent="-342900">
-              <a:buFont typeface="Arial" panose="020B0604020202020204" pitchFamily="34" charset="0"/>
-              <a:buChar char="•"/>
-            </a:pPr>
-            <a:r>
-              <a:rPr lang="de-DE" sz="2400" b="0" i="0" dirty="0">
-                <a:solidFill>
-                  <a:srgbClr val="333333"/>
-                </a:solidFill>
-                <a:effectLst/>
-                <a:latin typeface="Trebuchet MS" panose="020B0603020202020204" pitchFamily="34" charset="0"/>
-                <a:sym typeface="Helvetica Neue"/>
-              </a:rPr>
-              <a:t>Erstellt von der Arbeitsgruppe Web </a:t>
-            </a:r>
-            <a:r>
-              <a:rPr lang="de-DE" sz="2400" b="0" i="0" dirty="0" err="1">
-                <a:solidFill>
-                  <a:srgbClr val="333333"/>
-                </a:solidFill>
-                <a:effectLst/>
-                <a:latin typeface="Trebuchet MS" panose="020B0603020202020204" pitchFamily="34" charset="0"/>
-                <a:sym typeface="Helvetica Neue"/>
-              </a:rPr>
-              <a:t>Accessibility</a:t>
-            </a:r>
-            <a:r>
-              <a:rPr lang="de-DE" sz="2400" b="0" i="0" dirty="0">
-                <a:solidFill>
-                  <a:srgbClr val="333333"/>
-                </a:solidFill>
-                <a:effectLst/>
-                <a:latin typeface="Trebuchet MS" panose="020B0603020202020204" pitchFamily="34" charset="0"/>
-                <a:sym typeface="Helvetica Neue"/>
-              </a:rPr>
-              <a:t> Initiative (WAI) des W3C</a:t>
-            </a:r>
-          </a:p>
-          <a:p>
-            <a:pPr marL="342900" indent="-342900">
-              <a:buFont typeface="Arial" panose="020B0604020202020204" pitchFamily="34" charset="0"/>
-              <a:buChar char="•"/>
-            </a:pPr>
-            <a:r>
-              <a:rPr lang="de-DE" sz="1800" dirty="0"/>
-              <a:t>Vier</a:t>
-            </a:r>
-            <a:r>
-              <a:rPr lang="de-DE" sz="1800" b="1" dirty="0"/>
-              <a:t> </a:t>
-            </a:r>
-            <a:r>
-              <a:rPr lang="de-DE" sz="1800" b="0" dirty="0"/>
-              <a:t>Prinzipen</a:t>
-            </a:r>
-            <a:r>
-              <a:rPr lang="de-DE" sz="1800" b="1" dirty="0"/>
-              <a:t>: </a:t>
-            </a:r>
-            <a:r>
-              <a:rPr lang="de-DE" sz="1800" b="1" dirty="0" err="1"/>
-              <a:t>Perceivable</a:t>
-            </a:r>
-            <a:r>
-              <a:rPr lang="de-DE" sz="1800" b="1" dirty="0"/>
-              <a:t>, Operable, </a:t>
-            </a:r>
-            <a:r>
-              <a:rPr lang="de-DE" sz="1800" b="1" dirty="0" err="1"/>
-              <a:t>Understandable</a:t>
-            </a:r>
-            <a:r>
-              <a:rPr lang="de-DE" sz="1800" dirty="0"/>
-              <a:t> und </a:t>
-            </a:r>
-            <a:r>
-              <a:rPr lang="de-DE" sz="1800" b="1" dirty="0"/>
-              <a:t>Robust</a:t>
-            </a:r>
-          </a:p>
-          <a:p>
-            <a:pPr marL="342900" indent="-342900">
-              <a:buFont typeface="Arial" panose="020B0604020202020204" pitchFamily="34" charset="0"/>
-              <a:buChar char="•"/>
-            </a:pPr>
-            <a:r>
-              <a:rPr lang="de-DE" sz="1800" b="1" dirty="0"/>
-              <a:t>13 Guidelines</a:t>
-            </a:r>
-          </a:p>
-          <a:p>
-            <a:pPr marL="342900" indent="-342900">
-              <a:buFont typeface="Arial" panose="020B0604020202020204" pitchFamily="34" charset="0"/>
-              <a:buChar char="•"/>
-            </a:pPr>
-            <a:r>
-              <a:rPr lang="de-DE" sz="1800" b="1" dirty="0"/>
-              <a:t>Guidelines</a:t>
-            </a:r>
-            <a:r>
-              <a:rPr lang="de-DE" sz="1800" dirty="0"/>
-              <a:t> werden anhand von </a:t>
-            </a:r>
-            <a:r>
-              <a:rPr lang="de-DE" sz="1800" b="1" dirty="0"/>
-              <a:t>Erfolgskriterien</a:t>
-            </a:r>
-            <a:r>
-              <a:rPr lang="de-DE" sz="1800" dirty="0"/>
-              <a:t> geprüft</a:t>
-            </a:r>
-          </a:p>
-          <a:p>
-            <a:pPr marL="342900" indent="-342900">
-              <a:buFont typeface="Arial" panose="020B0604020202020204" pitchFamily="34" charset="0"/>
-              <a:buChar char="•"/>
-            </a:pPr>
-            <a:r>
-              <a:rPr lang="de-DE" sz="1800" dirty="0"/>
-              <a:t>Jedem </a:t>
-            </a:r>
-            <a:r>
-              <a:rPr lang="de-DE" sz="1800" b="1" dirty="0"/>
-              <a:t>Erfolgskriterium</a:t>
-            </a:r>
-            <a:r>
-              <a:rPr lang="de-DE" sz="1800" dirty="0"/>
-              <a:t> ist die </a:t>
-            </a:r>
-            <a:r>
-              <a:rPr lang="de-DE" sz="1800" b="1" dirty="0"/>
-              <a:t>Konformitätsstufe</a:t>
-            </a:r>
-            <a:r>
-              <a:rPr lang="de-DE" sz="1800" dirty="0"/>
-              <a:t> </a:t>
-            </a:r>
-            <a:r>
-              <a:rPr lang="de-DE" sz="1800" b="1" dirty="0"/>
-              <a:t>A </a:t>
-            </a:r>
-            <a:r>
-              <a:rPr lang="de-DE" sz="1800" dirty="0"/>
-              <a:t>(niedrigste), </a:t>
-            </a:r>
-            <a:r>
-              <a:rPr lang="de-DE" sz="1800" b="1" dirty="0"/>
-              <a:t>AA</a:t>
-            </a:r>
-            <a:r>
-              <a:rPr lang="de-DE" sz="1800" dirty="0"/>
-              <a:t> oder </a:t>
-            </a:r>
-            <a:r>
-              <a:rPr lang="de-DE" sz="1800" b="1" dirty="0"/>
-              <a:t>AAA </a:t>
-            </a:r>
-            <a:r>
-              <a:rPr lang="de-DE" sz="1800" dirty="0"/>
-              <a:t>(höchste) zugeordnet.</a:t>
-            </a:r>
-          </a:p>
-          <a:p>
-            <a:pPr marL="0" indent="0">
-              <a:buFont typeface="Arial" panose="020B0604020202020204" pitchFamily="34" charset="0"/>
-              <a:buNone/>
-            </a:pPr>
-            <a:endParaRPr lang="de-DE" sz="1800" dirty="0"/>
-          </a:p>
-          <a:p>
-            <a:pPr marL="285750" indent="-285750">
-              <a:buFont typeface="Arial" panose="020B0604020202020204" pitchFamily="34" charset="0"/>
-              <a:buChar char="•"/>
-            </a:pPr>
-            <a:r>
-              <a:rPr lang="de-DE" sz="1800" dirty="0"/>
-              <a:t>Erfolgskriterien müssen tatsächliche Zugangsprobleme für Menschen mit Behinderung darstellen</a:t>
-            </a:r>
-          </a:p>
-          <a:p>
-            <a:pPr marL="285750" indent="-285750">
-              <a:buFont typeface="Arial" panose="020B0604020202020204" pitchFamily="34" charset="0"/>
-              <a:buChar char="•"/>
-            </a:pPr>
-            <a:r>
-              <a:rPr lang="de-DE" sz="1800" dirty="0"/>
-              <a:t>Erfolgskriterien müssen testbar sein</a:t>
-            </a:r>
-          </a:p>
-          <a:p>
-            <a:pPr marL="0" indent="0">
-              <a:buFont typeface="Arial" panose="020B0604020202020204" pitchFamily="34" charset="0"/>
-              <a:buNone/>
-            </a:pPr>
-            <a:endParaRPr lang="de-DE" sz="1800" b="0" i="0" dirty="0">
-              <a:solidFill>
-                <a:srgbClr val="333333"/>
-              </a:solidFill>
-              <a:effectLst/>
-              <a:latin typeface="Trebuchet MS" panose="020B0603020202020204" pitchFamily="34" charset="0"/>
-              <a:sym typeface="Helvetica Neue"/>
-            </a:endParaRPr>
-          </a:p>
-          <a:p>
-            <a:pPr marL="0" indent="0">
-              <a:buFont typeface="Arial" panose="020B0604020202020204" pitchFamily="34" charset="0"/>
-              <a:buNone/>
-            </a:pPr>
-            <a:r>
-              <a:rPr lang="de-DE" sz="1800" b="0" i="0" dirty="0">
-                <a:solidFill>
-                  <a:srgbClr val="333333"/>
-                </a:solidFill>
-                <a:effectLst/>
-                <a:latin typeface="Trebuchet MS" panose="020B0603020202020204" pitchFamily="34" charset="0"/>
-                <a:sym typeface="Helvetica Neue"/>
-              </a:rPr>
-              <a:t>BITV</a:t>
-            </a:r>
-            <a:endParaRPr lang="de-DE" sz="2400" b="0" i="0" dirty="0">
-              <a:solidFill>
-                <a:srgbClr val="333333"/>
-              </a:solidFill>
-              <a:effectLst/>
-              <a:latin typeface="Trebuchet MS" panose="020B0603020202020204" pitchFamily="34" charset="0"/>
-              <a:sym typeface="Helvetica Neue"/>
-            </a:endParaRPr>
-          </a:p>
-          <a:p>
-            <a:pPr marL="342900" marR="0" lvl="0" indent="-342900" algn="l" defTabSz="457200" eaLnBrk="1" fontAlgn="auto" latinLnBrk="0" hangingPunct="1">
-              <a:lnSpc>
-                <a:spcPct val="117999"/>
-              </a:lnSpc>
-              <a:spcBef>
-                <a:spcPts val="0"/>
-              </a:spcBef>
-              <a:spcAft>
-                <a:spcPts val="0"/>
-              </a:spcAft>
-              <a:buClrTx/>
-              <a:buSzTx/>
-              <a:buFont typeface="Arial" panose="020B0604020202020204" pitchFamily="34" charset="0"/>
-              <a:buChar char="•"/>
-              <a:tabLst/>
-              <a:defRPr/>
-            </a:pPr>
-            <a:r>
-              <a:rPr lang="de-DE" sz="2400" b="1" i="0" dirty="0">
-                <a:solidFill>
-                  <a:srgbClr val="333333"/>
-                </a:solidFill>
-                <a:effectLst/>
-                <a:latin typeface="Trebuchet MS" panose="020B0603020202020204" pitchFamily="34" charset="0"/>
-                <a:sym typeface="Helvetica Neue"/>
-              </a:rPr>
-              <a:t>Barrierefreie-Informationstechnik-Verordnung</a:t>
-            </a:r>
-            <a:r>
-              <a:rPr lang="de-DE" sz="2400" b="0" i="0" dirty="0">
-                <a:solidFill>
-                  <a:srgbClr val="333333"/>
-                </a:solidFill>
-                <a:effectLst/>
-                <a:latin typeface="Trebuchet MS" panose="020B0603020202020204" pitchFamily="34" charset="0"/>
-                <a:sym typeface="Helvetica Neue"/>
-              </a:rPr>
-              <a:t> (BITV)</a:t>
-            </a:r>
-          </a:p>
-          <a:p>
-            <a:pPr marL="342900" marR="0" lvl="0" indent="-342900" algn="l" defTabSz="457200" eaLnBrk="1" fontAlgn="auto" latinLnBrk="0" hangingPunct="1">
-              <a:lnSpc>
-                <a:spcPct val="117999"/>
-              </a:lnSpc>
-              <a:spcBef>
-                <a:spcPts val="0"/>
-              </a:spcBef>
-              <a:spcAft>
-                <a:spcPts val="0"/>
-              </a:spcAft>
-              <a:buClrTx/>
-              <a:buSzTx/>
-              <a:buFont typeface="Arial" panose="020B0604020202020204" pitchFamily="34" charset="0"/>
-              <a:buChar char="•"/>
-              <a:tabLst/>
-              <a:defRPr/>
-            </a:pPr>
-            <a:r>
-              <a:rPr lang="de-DE" sz="2400" b="0" i="0" dirty="0">
-                <a:solidFill>
-                  <a:srgbClr val="333333"/>
-                </a:solidFill>
-                <a:effectLst/>
-                <a:latin typeface="Trebuchet MS" panose="020B0603020202020204" pitchFamily="34" charset="0"/>
-                <a:sym typeface="Helvetica Neue"/>
-              </a:rPr>
-              <a:t>Verpflichtend für Träger öffentlicher Stellen/staatlicher Institutionen</a:t>
-            </a:r>
-          </a:p>
-          <a:p>
-            <a:pPr marL="342900" marR="0" lvl="0" indent="-342900" algn="l" defTabSz="457200" eaLnBrk="1" fontAlgn="auto" latinLnBrk="0" hangingPunct="1">
-              <a:lnSpc>
-                <a:spcPct val="117999"/>
-              </a:lnSpc>
-              <a:spcBef>
-                <a:spcPts val="0"/>
-              </a:spcBef>
-              <a:spcAft>
-                <a:spcPts val="0"/>
-              </a:spcAft>
-              <a:buClrTx/>
-              <a:buSzTx/>
-              <a:buFont typeface="Arial" panose="020B0604020202020204" pitchFamily="34" charset="0"/>
-              <a:buChar char="•"/>
-              <a:tabLst/>
-              <a:defRPr/>
-            </a:pPr>
-            <a:r>
-              <a:rPr lang="de-DE" sz="2400" b="0" i="0" dirty="0">
-                <a:solidFill>
-                  <a:srgbClr val="333333"/>
-                </a:solidFill>
-                <a:effectLst/>
-                <a:latin typeface="Trebuchet MS" panose="020B0603020202020204" pitchFamily="34" charset="0"/>
-                <a:sym typeface="Helvetica Neue"/>
-              </a:rPr>
-              <a:t>leitet sich von den </a:t>
-            </a:r>
-            <a:r>
-              <a:rPr lang="de-DE" sz="2400" b="1" i="0" dirty="0">
-                <a:solidFill>
-                  <a:srgbClr val="333333"/>
-                </a:solidFill>
-                <a:effectLst/>
-                <a:latin typeface="Trebuchet MS" panose="020B0603020202020204" pitchFamily="34" charset="0"/>
-                <a:sym typeface="Helvetica Neue"/>
-              </a:rPr>
-              <a:t>WCAG 2.1</a:t>
-            </a:r>
-            <a:r>
-              <a:rPr lang="de-DE" sz="2400" b="0" i="0" dirty="0">
-                <a:solidFill>
-                  <a:srgbClr val="333333"/>
-                </a:solidFill>
-                <a:effectLst/>
-                <a:latin typeface="Trebuchet MS" panose="020B0603020202020204" pitchFamily="34" charset="0"/>
-                <a:sym typeface="Helvetica Neue"/>
-              </a:rPr>
-              <a:t> ab</a:t>
-            </a:r>
-          </a:p>
-          <a:p>
-            <a:pPr marL="342900" marR="0" lvl="0" indent="-342900" algn="l" defTabSz="457200" eaLnBrk="1" fontAlgn="auto" latinLnBrk="0" hangingPunct="1">
-              <a:lnSpc>
-                <a:spcPct val="117999"/>
-              </a:lnSpc>
-              <a:spcBef>
-                <a:spcPts val="0"/>
-              </a:spcBef>
-              <a:spcAft>
-                <a:spcPts val="0"/>
-              </a:spcAft>
-              <a:buClrTx/>
-              <a:buSzTx/>
-              <a:buFont typeface="Arial" panose="020B0604020202020204" pitchFamily="34" charset="0"/>
-              <a:buChar char="•"/>
-              <a:tabLst/>
-              <a:defRPr/>
-            </a:pPr>
-            <a:r>
-              <a:rPr lang="de-DE" sz="2400" b="0" i="0" dirty="0">
-                <a:solidFill>
-                  <a:srgbClr val="333333"/>
-                </a:solidFill>
-                <a:effectLst/>
-                <a:latin typeface="Trebuchet MS" panose="020B0603020202020204" pitchFamily="34" charset="0"/>
-                <a:sym typeface="Helvetica Neue"/>
-              </a:rPr>
-              <a:t>harmonisierte </a:t>
-            </a:r>
-            <a:r>
-              <a:rPr lang="de-DE" sz="2400" b="1" i="0" dirty="0">
-                <a:solidFill>
-                  <a:srgbClr val="000000"/>
-                </a:solidFill>
-                <a:effectLst/>
-                <a:latin typeface="DINWeb"/>
-              </a:rPr>
-              <a:t>Europäischen Norm 301 549</a:t>
-            </a:r>
-            <a:endParaRPr lang="de-DE" sz="2400" b="0" i="0" dirty="0">
-              <a:solidFill>
-                <a:srgbClr val="333333"/>
-              </a:solidFill>
-              <a:effectLst/>
-              <a:latin typeface="Trebuchet MS" panose="020B0603020202020204" pitchFamily="34" charset="0"/>
-              <a:sym typeface="Helvetica Neue"/>
-            </a:endParaRPr>
-          </a:p>
-          <a:p>
-            <a:pPr marL="342900" indent="-342900">
-              <a:buFont typeface="Arial" panose="020B0604020202020204" pitchFamily="34" charset="0"/>
-              <a:buChar char="•"/>
-            </a:pPr>
-            <a:r>
-              <a:rPr lang="de-DE" sz="2400" b="1" i="0" dirty="0">
-                <a:solidFill>
-                  <a:srgbClr val="333333"/>
-                </a:solidFill>
-                <a:effectLst/>
-                <a:latin typeface="Trebuchet MS" panose="020B0603020202020204" pitchFamily="34" charset="0"/>
-                <a:sym typeface="Helvetica Neue"/>
-              </a:rPr>
-              <a:t>BITV</a:t>
-            </a:r>
-            <a:r>
-              <a:rPr lang="de-DE" sz="2400" b="0" i="0" dirty="0">
-                <a:solidFill>
-                  <a:srgbClr val="333333"/>
-                </a:solidFill>
-                <a:effectLst/>
-                <a:latin typeface="Trebuchet MS" panose="020B0603020202020204" pitchFamily="34" charset="0"/>
-                <a:sym typeface="Helvetica Neue"/>
-              </a:rPr>
-              <a:t> setzt die </a:t>
-            </a:r>
-            <a:r>
-              <a:rPr lang="de-DE" sz="2400" b="1" i="0" dirty="0">
-                <a:solidFill>
-                  <a:srgbClr val="333333"/>
-                </a:solidFill>
-                <a:effectLst/>
-                <a:latin typeface="Trebuchet MS" panose="020B0603020202020204" pitchFamily="34" charset="0"/>
-                <a:sym typeface="Helvetica Neue"/>
-              </a:rPr>
-              <a:t>WCAG Konformitätsstufen A</a:t>
-            </a:r>
-            <a:r>
-              <a:rPr lang="de-DE" sz="2400" b="0" i="0" dirty="0">
-                <a:solidFill>
-                  <a:srgbClr val="333333"/>
-                </a:solidFill>
-                <a:effectLst/>
-                <a:latin typeface="Trebuchet MS" panose="020B0603020202020204" pitchFamily="34" charset="0"/>
-                <a:sym typeface="Helvetica Neue"/>
-              </a:rPr>
-              <a:t> und </a:t>
-            </a:r>
-            <a:r>
-              <a:rPr lang="de-DE" sz="2400" b="1" i="0" dirty="0">
-                <a:solidFill>
-                  <a:srgbClr val="333333"/>
-                </a:solidFill>
-                <a:effectLst/>
-                <a:latin typeface="Trebuchet MS" panose="020B0603020202020204" pitchFamily="34" charset="0"/>
-                <a:sym typeface="Helvetica Neue"/>
-              </a:rPr>
-              <a:t>AA</a:t>
-            </a:r>
-            <a:r>
-              <a:rPr lang="de-DE" sz="2400" b="0" i="0" dirty="0">
-                <a:solidFill>
-                  <a:srgbClr val="333333"/>
-                </a:solidFill>
-                <a:effectLst/>
-                <a:latin typeface="Trebuchet MS" panose="020B0603020202020204" pitchFamily="34" charset="0"/>
-                <a:sym typeface="Helvetica Neue"/>
-              </a:rPr>
-              <a:t> um.</a:t>
-            </a:r>
-          </a:p>
-          <a:p>
-            <a:pPr marL="342900" indent="-342900">
-              <a:buFont typeface="Arial" panose="020B0604020202020204" pitchFamily="34" charset="0"/>
-              <a:buChar char="•"/>
-            </a:pPr>
-            <a:endParaRPr lang="de-DE" sz="2400" b="0" i="0" dirty="0">
-              <a:solidFill>
-                <a:srgbClr val="333333"/>
-              </a:solidFill>
-              <a:effectLst/>
-              <a:latin typeface="Trebuchet MS" panose="020B0603020202020204" pitchFamily="34" charset="0"/>
-              <a:sym typeface="Helvetica Neue"/>
-            </a:endParaRPr>
-          </a:p>
-          <a:p>
-            <a:pPr marL="0" indent="0">
-              <a:buFont typeface="Arial" panose="020B0604020202020204" pitchFamily="34" charset="0"/>
-              <a:buNone/>
-            </a:pPr>
-            <a:r>
-              <a:rPr lang="de-DE" sz="2400" b="0" i="0" dirty="0">
-                <a:solidFill>
-                  <a:srgbClr val="333333"/>
-                </a:solidFill>
-                <a:effectLst/>
-                <a:latin typeface="Trebuchet MS" panose="020B0603020202020204" pitchFamily="34" charset="0"/>
-                <a:sym typeface="Wingdings" panose="05000000000000000000" pitchFamily="2" charset="2"/>
-              </a:rPr>
-              <a:t></a:t>
-            </a:r>
-            <a:r>
-              <a:rPr lang="de-DE" sz="2400" b="0" i="0" dirty="0">
-                <a:solidFill>
-                  <a:srgbClr val="333333"/>
-                </a:solidFill>
-                <a:effectLst/>
-                <a:latin typeface="Trebuchet MS" panose="020B0603020202020204" pitchFamily="34" charset="0"/>
-                <a:sym typeface="Helvetica Neue"/>
-              </a:rPr>
-              <a:t> </a:t>
-            </a:r>
-            <a:r>
-              <a:rPr lang="de-DE" sz="2400" b="0" i="0" dirty="0" err="1">
-                <a:solidFill>
-                  <a:srgbClr val="333333"/>
-                </a:solidFill>
-                <a:effectLst/>
-                <a:latin typeface="Trebuchet MS" panose="020B0603020202020204" pitchFamily="34" charset="0"/>
-                <a:sym typeface="Helvetica Neue"/>
-              </a:rPr>
-              <a:t>Selenium</a:t>
-            </a:r>
-            <a:r>
-              <a:rPr lang="de-DE" sz="2400" b="0" i="0" dirty="0">
-                <a:solidFill>
-                  <a:srgbClr val="333333"/>
-                </a:solidFill>
-                <a:effectLst/>
-                <a:latin typeface="Trebuchet MS" panose="020B0603020202020204" pitchFamily="34" charset="0"/>
-                <a:sym typeface="Helvetica Neue"/>
-              </a:rPr>
-              <a:t> </a:t>
-            </a:r>
-            <a:r>
-              <a:rPr lang="de-DE" sz="2400" b="0" i="0" dirty="0" err="1">
-                <a:solidFill>
-                  <a:srgbClr val="333333"/>
-                </a:solidFill>
-                <a:effectLst/>
-                <a:latin typeface="Trebuchet MS" panose="020B0603020202020204" pitchFamily="34" charset="0"/>
-                <a:sym typeface="Helvetica Neue"/>
-              </a:rPr>
-              <a:t>WebDriver</a:t>
-            </a:r>
-            <a:endParaRPr lang="de-DE" sz="2400" b="0" i="0" dirty="0">
-              <a:solidFill>
-                <a:srgbClr val="333333"/>
-              </a:solidFill>
-              <a:effectLst/>
-              <a:latin typeface="Trebuchet MS" panose="020B0603020202020204" pitchFamily="34" charset="0"/>
-              <a:sym typeface="Helvetica Neue"/>
-            </a:endParaRPr>
-          </a:p>
-          <a:p>
-            <a:endParaRPr lang="de-DE" dirty="0"/>
           </a:p>
         </p:txBody>
       </p:sp>
     </p:spTree>
     <p:extLst>
       <p:ext uri="{BB962C8B-B14F-4D97-AF65-F5344CB8AC3E}">
-        <p14:creationId xmlns:p14="http://schemas.microsoft.com/office/powerpoint/2010/main" val="1911803709"/>
+        <p14:creationId xmlns:p14="http://schemas.microsoft.com/office/powerpoint/2010/main" val="2047719186"/>
       </p:ext>
     </p:extLst>
   </p:cSld>
@@ -2527,21 +2175,691 @@
           <a:bodyPr/>
           <a:lstStyle/>
           <a:p>
-            <a:r>
-              <a:rPr lang="de-DE" dirty="0" err="1"/>
+            <a:pPr marL="342900" indent="-342900">
+              <a:buFont typeface="Arial" panose="020B0604020202020204" pitchFamily="34" charset="0"/>
+              <a:buChar char="•"/>
+            </a:pPr>
+            <a:r>
+              <a:rPr lang="de-DE" sz="2400" b="0" i="0" dirty="0">
+                <a:solidFill>
+                  <a:srgbClr val="333333"/>
+                </a:solidFill>
+                <a:effectLst/>
+                <a:latin typeface="Trebuchet MS" panose="020B0603020202020204" pitchFamily="34" charset="0"/>
+                <a:sym typeface="Helvetica Neue"/>
+              </a:rPr>
+              <a:t>Vielzahl an Richtlinien und Standards, die die Thematik der Barrierefreiheit behandeln</a:t>
+            </a:r>
+          </a:p>
+          <a:p>
+            <a:pPr marL="0" indent="0">
+              <a:buFont typeface="Arial" panose="020B0604020202020204" pitchFamily="34" charset="0"/>
+              <a:buNone/>
+            </a:pPr>
+            <a:endParaRPr lang="de-DE" sz="2400" b="0" i="0" dirty="0">
+              <a:solidFill>
+                <a:srgbClr val="333333"/>
+              </a:solidFill>
+              <a:effectLst/>
+              <a:latin typeface="Trebuchet MS" panose="020B0603020202020204" pitchFamily="34" charset="0"/>
+              <a:sym typeface="Helvetica Neue"/>
+            </a:endParaRPr>
+          </a:p>
+          <a:p>
+            <a:pPr marL="0" indent="0">
+              <a:buFont typeface="Arial" panose="020B0604020202020204" pitchFamily="34" charset="0"/>
+              <a:buNone/>
+            </a:pPr>
+            <a:r>
+              <a:rPr lang="de-DE" sz="2400" b="0" i="0" dirty="0">
+                <a:solidFill>
+                  <a:srgbClr val="333333"/>
+                </a:solidFill>
+                <a:effectLst/>
+                <a:latin typeface="Trebuchet MS" panose="020B0603020202020204" pitchFamily="34" charset="0"/>
+                <a:sym typeface="Helvetica Neue"/>
+              </a:rPr>
+              <a:t>WCAG</a:t>
+            </a:r>
+          </a:p>
+          <a:p>
+            <a:pPr marL="342900" marR="0" lvl="0" indent="-342900" defTabSz="457200" eaLnBrk="1" fontAlgn="auto" latinLnBrk="0" hangingPunct="1">
+              <a:lnSpc>
+                <a:spcPct val="117999"/>
+              </a:lnSpc>
+              <a:spcBef>
+                <a:spcPts val="0"/>
+              </a:spcBef>
+              <a:spcAft>
+                <a:spcPts val="0"/>
+              </a:spcAft>
+              <a:buClrTx/>
+              <a:buSzTx/>
+              <a:buFont typeface="Arial" panose="020B0604020202020204" pitchFamily="34" charset="0"/>
+              <a:buChar char="•"/>
+              <a:tabLst/>
+              <a:defRPr/>
+            </a:pPr>
+            <a:r>
+              <a:rPr lang="de-DE" sz="2400" b="0" i="0" dirty="0">
+                <a:solidFill>
+                  <a:srgbClr val="333333"/>
+                </a:solidFill>
+                <a:effectLst/>
+                <a:latin typeface="Trebuchet MS" panose="020B0603020202020204" pitchFamily="34" charset="0"/>
+                <a:sym typeface="Helvetica Neue"/>
+              </a:rPr>
+              <a:t>International anerkannter Standard </a:t>
+            </a:r>
+            <a:r>
+              <a:rPr lang="de-DE" sz="2400" b="1" i="0" dirty="0">
+                <a:solidFill>
+                  <a:srgbClr val="333333"/>
+                </a:solidFill>
+                <a:effectLst/>
+                <a:latin typeface="Trebuchet MS" panose="020B0603020202020204" pitchFamily="34" charset="0"/>
+                <a:sym typeface="Helvetica Neue"/>
+              </a:rPr>
+              <a:t>Web Content </a:t>
+            </a:r>
+            <a:r>
+              <a:rPr lang="de-DE" sz="2400" b="1" i="0" dirty="0" err="1">
+                <a:solidFill>
+                  <a:srgbClr val="333333"/>
+                </a:solidFill>
+                <a:effectLst/>
+                <a:latin typeface="Trebuchet MS" panose="020B0603020202020204" pitchFamily="34" charset="0"/>
+                <a:sym typeface="Helvetica Neue"/>
+              </a:rPr>
+              <a:t>Accessibility</a:t>
+            </a:r>
+            <a:r>
+              <a:rPr lang="de-DE" sz="2400" b="1" i="0" dirty="0">
+                <a:solidFill>
+                  <a:srgbClr val="333333"/>
+                </a:solidFill>
+                <a:effectLst/>
+                <a:latin typeface="Trebuchet MS" panose="020B0603020202020204" pitchFamily="34" charset="0"/>
+                <a:sym typeface="Helvetica Neue"/>
+              </a:rPr>
+              <a:t> Guidelines</a:t>
+            </a:r>
+            <a:r>
+              <a:rPr lang="de-DE" sz="2400" b="0" i="0" dirty="0">
+                <a:solidFill>
+                  <a:srgbClr val="333333"/>
+                </a:solidFill>
+                <a:effectLst/>
+                <a:latin typeface="Trebuchet MS" panose="020B0603020202020204" pitchFamily="34" charset="0"/>
+                <a:sym typeface="Helvetica Neue"/>
+              </a:rPr>
+              <a:t> (WCAG)</a:t>
+            </a:r>
+          </a:p>
+          <a:p>
+            <a:pPr marL="342900" indent="-342900">
+              <a:buFont typeface="Arial" panose="020B0604020202020204" pitchFamily="34" charset="0"/>
+              <a:buChar char="•"/>
+            </a:pPr>
+            <a:r>
+              <a:rPr lang="de-DE" sz="2400" b="0" i="0" dirty="0">
+                <a:solidFill>
+                  <a:srgbClr val="333333"/>
+                </a:solidFill>
+                <a:effectLst/>
+                <a:latin typeface="Trebuchet MS" panose="020B0603020202020204" pitchFamily="34" charset="0"/>
+                <a:sym typeface="Helvetica Neue"/>
+              </a:rPr>
+              <a:t>Erstellt von der Arbeitsgruppe Web </a:t>
+            </a:r>
+            <a:r>
+              <a:rPr lang="de-DE" sz="2400" b="0" i="0" dirty="0" err="1">
+                <a:solidFill>
+                  <a:srgbClr val="333333"/>
+                </a:solidFill>
+                <a:effectLst/>
+                <a:latin typeface="Trebuchet MS" panose="020B0603020202020204" pitchFamily="34" charset="0"/>
+                <a:sym typeface="Helvetica Neue"/>
+              </a:rPr>
+              <a:t>Accessibility</a:t>
+            </a:r>
+            <a:r>
+              <a:rPr lang="de-DE" sz="2400" b="0" i="0" dirty="0">
+                <a:solidFill>
+                  <a:srgbClr val="333333"/>
+                </a:solidFill>
+                <a:effectLst/>
+                <a:latin typeface="Trebuchet MS" panose="020B0603020202020204" pitchFamily="34" charset="0"/>
+                <a:sym typeface="Helvetica Neue"/>
+              </a:rPr>
+              <a:t> Initiative (WAI) des W3C</a:t>
+            </a:r>
+          </a:p>
+          <a:p>
+            <a:pPr marL="342900" indent="-342900">
+              <a:buFont typeface="Arial" panose="020B0604020202020204" pitchFamily="34" charset="0"/>
+              <a:buChar char="•"/>
+            </a:pPr>
+            <a:r>
+              <a:rPr lang="de-DE" sz="1800" dirty="0"/>
+              <a:t>Vier</a:t>
+            </a:r>
+            <a:r>
+              <a:rPr lang="de-DE" sz="1800" b="1" dirty="0"/>
+              <a:t> </a:t>
+            </a:r>
+            <a:r>
+              <a:rPr lang="de-DE" sz="1800" b="0" dirty="0"/>
+              <a:t>Prinzipen</a:t>
+            </a:r>
+            <a:r>
+              <a:rPr lang="de-DE" sz="1800" b="1" dirty="0"/>
+              <a:t>: </a:t>
+            </a:r>
+            <a:r>
+              <a:rPr lang="de-DE" sz="1800" b="1" dirty="0" err="1"/>
+              <a:t>Perceivable</a:t>
+            </a:r>
+            <a:r>
+              <a:rPr lang="de-DE" sz="1800" b="1" dirty="0"/>
+              <a:t>, Operable, </a:t>
+            </a:r>
+            <a:r>
+              <a:rPr lang="de-DE" sz="1800" b="1" dirty="0" err="1"/>
+              <a:t>Understandable</a:t>
+            </a:r>
+            <a:r>
+              <a:rPr lang="de-DE" sz="1800" dirty="0"/>
+              <a:t> und </a:t>
+            </a:r>
+            <a:r>
+              <a:rPr lang="de-DE" sz="1800" b="1" dirty="0"/>
+              <a:t>Robust</a:t>
+            </a:r>
+          </a:p>
+          <a:p>
+            <a:pPr marL="342900" indent="-342900">
+              <a:buFont typeface="Arial" panose="020B0604020202020204" pitchFamily="34" charset="0"/>
+              <a:buChar char="•"/>
+            </a:pPr>
+            <a:r>
+              <a:rPr lang="de-DE" sz="1800" b="1" dirty="0"/>
+              <a:t>13 Guidelines</a:t>
+            </a:r>
+          </a:p>
+          <a:p>
+            <a:pPr marL="342900" indent="-342900">
+              <a:buFont typeface="Arial" panose="020B0604020202020204" pitchFamily="34" charset="0"/>
+              <a:buChar char="•"/>
+            </a:pPr>
+            <a:r>
+              <a:rPr lang="de-DE" sz="1800" b="1" dirty="0"/>
+              <a:t>Guidelines</a:t>
+            </a:r>
+            <a:r>
+              <a:rPr lang="de-DE" sz="1800" dirty="0"/>
+              <a:t> werden anhand von </a:t>
+            </a:r>
+            <a:r>
+              <a:rPr lang="de-DE" sz="1800" b="1" dirty="0"/>
+              <a:t>Erfolgskriterien</a:t>
+            </a:r>
+            <a:r>
+              <a:rPr lang="de-DE" sz="1800" dirty="0"/>
+              <a:t> geprüft</a:t>
+            </a:r>
+          </a:p>
+          <a:p>
+            <a:pPr marL="342900" indent="-342900">
+              <a:buFont typeface="Arial" panose="020B0604020202020204" pitchFamily="34" charset="0"/>
+              <a:buChar char="•"/>
+            </a:pPr>
+            <a:r>
+              <a:rPr lang="de-DE" sz="1800" dirty="0"/>
+              <a:t>Jedem </a:t>
+            </a:r>
+            <a:r>
+              <a:rPr lang="de-DE" sz="1800" b="1" dirty="0"/>
+              <a:t>Erfolgskriterium</a:t>
+            </a:r>
+            <a:r>
+              <a:rPr lang="de-DE" sz="1800" dirty="0"/>
+              <a:t> ist die </a:t>
+            </a:r>
+            <a:r>
+              <a:rPr lang="de-DE" sz="1800" b="1" dirty="0"/>
+              <a:t>Konformitätsstufe</a:t>
+            </a:r>
+            <a:r>
+              <a:rPr lang="de-DE" sz="1800" dirty="0"/>
+              <a:t> </a:t>
+            </a:r>
+            <a:r>
+              <a:rPr lang="de-DE" sz="1800" b="1" dirty="0"/>
+              <a:t>A </a:t>
+            </a:r>
+            <a:r>
+              <a:rPr lang="de-DE" sz="1800" dirty="0"/>
+              <a:t>(niedrigste), </a:t>
+            </a:r>
+            <a:r>
+              <a:rPr lang="de-DE" sz="1800" b="1" dirty="0"/>
+              <a:t>AA</a:t>
+            </a:r>
+            <a:r>
+              <a:rPr lang="de-DE" sz="1800" dirty="0"/>
+              <a:t> oder </a:t>
+            </a:r>
+            <a:r>
+              <a:rPr lang="de-DE" sz="1800" b="1" dirty="0"/>
+              <a:t>AAA </a:t>
+            </a:r>
+            <a:r>
+              <a:rPr lang="de-DE" sz="1800" dirty="0"/>
+              <a:t>(höchste) zugeordnet.</a:t>
+            </a:r>
+          </a:p>
+          <a:p>
+            <a:pPr marL="0" indent="0">
+              <a:buFont typeface="Arial" panose="020B0604020202020204" pitchFamily="34" charset="0"/>
+              <a:buNone/>
+            </a:pPr>
+            <a:endParaRPr lang="de-DE" sz="1800" dirty="0"/>
+          </a:p>
+          <a:p>
+            <a:pPr marL="285750" indent="-285750">
+              <a:buFont typeface="Arial" panose="020B0604020202020204" pitchFamily="34" charset="0"/>
+              <a:buChar char="•"/>
+            </a:pPr>
+            <a:r>
+              <a:rPr lang="de-DE" sz="1800" dirty="0"/>
+              <a:t>Erfolgskriterien müssen tatsächliche Zugangsprobleme für Menschen mit Behinderung darstellen</a:t>
+            </a:r>
+          </a:p>
+          <a:p>
+            <a:pPr marL="285750" indent="-285750">
+              <a:buFont typeface="Arial" panose="020B0604020202020204" pitchFamily="34" charset="0"/>
+              <a:buChar char="•"/>
+            </a:pPr>
+            <a:r>
+              <a:rPr lang="de-DE" sz="1800" dirty="0"/>
+              <a:t>Erfolgskriterien müssen testbar sein</a:t>
+            </a:r>
+          </a:p>
+          <a:p>
+            <a:pPr marL="0" indent="0">
+              <a:buFont typeface="Arial" panose="020B0604020202020204" pitchFamily="34" charset="0"/>
+              <a:buNone/>
+            </a:pPr>
+            <a:endParaRPr lang="de-DE" sz="1800" b="0" i="0" dirty="0">
+              <a:solidFill>
+                <a:srgbClr val="333333"/>
+              </a:solidFill>
+              <a:effectLst/>
+              <a:latin typeface="Trebuchet MS" panose="020B0603020202020204" pitchFamily="34" charset="0"/>
+              <a:sym typeface="Helvetica Neue"/>
+            </a:endParaRPr>
+          </a:p>
+          <a:p>
+            <a:pPr marL="0" indent="0">
+              <a:buFont typeface="Arial" panose="020B0604020202020204" pitchFamily="34" charset="0"/>
+              <a:buNone/>
+            </a:pPr>
+            <a:r>
+              <a:rPr lang="de-DE" sz="1800" b="0" i="0" dirty="0">
+                <a:solidFill>
+                  <a:srgbClr val="333333"/>
+                </a:solidFill>
+                <a:effectLst/>
+                <a:latin typeface="Trebuchet MS" panose="020B0603020202020204" pitchFamily="34" charset="0"/>
+                <a:sym typeface="Helvetica Neue"/>
+              </a:rPr>
+              <a:t>BITV</a:t>
+            </a:r>
+            <a:endParaRPr lang="de-DE" sz="2400" b="0" i="0" dirty="0">
+              <a:solidFill>
+                <a:srgbClr val="333333"/>
+              </a:solidFill>
+              <a:effectLst/>
+              <a:latin typeface="Trebuchet MS" panose="020B0603020202020204" pitchFamily="34" charset="0"/>
+              <a:sym typeface="Helvetica Neue"/>
+            </a:endParaRPr>
+          </a:p>
+          <a:p>
+            <a:pPr marL="342900" marR="0" lvl="0" indent="-342900" algn="l" defTabSz="457200" eaLnBrk="1" fontAlgn="auto" latinLnBrk="0" hangingPunct="1">
+              <a:lnSpc>
+                <a:spcPct val="117999"/>
+              </a:lnSpc>
+              <a:spcBef>
+                <a:spcPts val="0"/>
+              </a:spcBef>
+              <a:spcAft>
+                <a:spcPts val="0"/>
+              </a:spcAft>
+              <a:buClrTx/>
+              <a:buSzTx/>
+              <a:buFont typeface="Arial" panose="020B0604020202020204" pitchFamily="34" charset="0"/>
+              <a:buChar char="•"/>
+              <a:tabLst/>
+              <a:defRPr/>
+            </a:pPr>
+            <a:r>
+              <a:rPr lang="de-DE" sz="2400" b="1" i="0" dirty="0">
+                <a:solidFill>
+                  <a:srgbClr val="333333"/>
+                </a:solidFill>
+                <a:effectLst/>
+                <a:latin typeface="Trebuchet MS" panose="020B0603020202020204" pitchFamily="34" charset="0"/>
+                <a:sym typeface="Helvetica Neue"/>
+              </a:rPr>
+              <a:t>Barrierefreie-Informationstechnik-Verordnung</a:t>
+            </a:r>
+            <a:r>
+              <a:rPr lang="de-DE" sz="2400" b="0" i="0" dirty="0">
+                <a:solidFill>
+                  <a:srgbClr val="333333"/>
+                </a:solidFill>
+                <a:effectLst/>
+                <a:latin typeface="Trebuchet MS" panose="020B0603020202020204" pitchFamily="34" charset="0"/>
+                <a:sym typeface="Helvetica Neue"/>
+              </a:rPr>
+              <a:t> (BITV)</a:t>
+            </a:r>
+          </a:p>
+          <a:p>
+            <a:pPr marL="342900" marR="0" lvl="0" indent="-342900" algn="l" defTabSz="457200" eaLnBrk="1" fontAlgn="auto" latinLnBrk="0" hangingPunct="1">
+              <a:lnSpc>
+                <a:spcPct val="117999"/>
+              </a:lnSpc>
+              <a:spcBef>
+                <a:spcPts val="0"/>
+              </a:spcBef>
+              <a:spcAft>
+                <a:spcPts val="0"/>
+              </a:spcAft>
+              <a:buClrTx/>
+              <a:buSzTx/>
+              <a:buFont typeface="Arial" panose="020B0604020202020204" pitchFamily="34" charset="0"/>
+              <a:buChar char="•"/>
+              <a:tabLst/>
+              <a:defRPr/>
+            </a:pPr>
+            <a:r>
+              <a:rPr lang="de-DE" sz="2400" b="0" i="0" dirty="0">
+                <a:solidFill>
+                  <a:srgbClr val="333333"/>
+                </a:solidFill>
+                <a:effectLst/>
+                <a:latin typeface="Trebuchet MS" panose="020B0603020202020204" pitchFamily="34" charset="0"/>
+                <a:sym typeface="Helvetica Neue"/>
+              </a:rPr>
+              <a:t>Verpflichtend für Träger öffentlicher Stellen/staatlicher Institutionen</a:t>
+            </a:r>
+          </a:p>
+          <a:p>
+            <a:pPr marL="342900" marR="0" lvl="0" indent="-342900" algn="l" defTabSz="457200" eaLnBrk="1" fontAlgn="auto" latinLnBrk="0" hangingPunct="1">
+              <a:lnSpc>
+                <a:spcPct val="117999"/>
+              </a:lnSpc>
+              <a:spcBef>
+                <a:spcPts val="0"/>
+              </a:spcBef>
+              <a:spcAft>
+                <a:spcPts val="0"/>
+              </a:spcAft>
+              <a:buClrTx/>
+              <a:buSzTx/>
+              <a:buFont typeface="Arial" panose="020B0604020202020204" pitchFamily="34" charset="0"/>
+              <a:buChar char="•"/>
+              <a:tabLst/>
+              <a:defRPr/>
+            </a:pPr>
+            <a:r>
+              <a:rPr lang="de-DE" sz="2400" b="0" i="0" dirty="0">
+                <a:solidFill>
+                  <a:srgbClr val="333333"/>
+                </a:solidFill>
+                <a:effectLst/>
+                <a:latin typeface="Trebuchet MS" panose="020B0603020202020204" pitchFamily="34" charset="0"/>
+                <a:sym typeface="Helvetica Neue"/>
+              </a:rPr>
+              <a:t>leitet sich von den </a:t>
+            </a:r>
+            <a:r>
+              <a:rPr lang="de-DE" sz="2400" b="1" i="0" dirty="0">
+                <a:solidFill>
+                  <a:srgbClr val="333333"/>
+                </a:solidFill>
+                <a:effectLst/>
+                <a:latin typeface="Trebuchet MS" panose="020B0603020202020204" pitchFamily="34" charset="0"/>
+                <a:sym typeface="Helvetica Neue"/>
+              </a:rPr>
+              <a:t>WCAG 2.1</a:t>
+            </a:r>
+            <a:r>
+              <a:rPr lang="de-DE" sz="2400" b="0" i="0" dirty="0">
+                <a:solidFill>
+                  <a:srgbClr val="333333"/>
+                </a:solidFill>
+                <a:effectLst/>
+                <a:latin typeface="Trebuchet MS" panose="020B0603020202020204" pitchFamily="34" charset="0"/>
+                <a:sym typeface="Helvetica Neue"/>
+              </a:rPr>
+              <a:t> ab</a:t>
+            </a:r>
+          </a:p>
+          <a:p>
+            <a:pPr marL="342900" marR="0" lvl="0" indent="-342900" algn="l" defTabSz="457200" eaLnBrk="1" fontAlgn="auto" latinLnBrk="0" hangingPunct="1">
+              <a:lnSpc>
+                <a:spcPct val="117999"/>
+              </a:lnSpc>
+              <a:spcBef>
+                <a:spcPts val="0"/>
+              </a:spcBef>
+              <a:spcAft>
+                <a:spcPts val="0"/>
+              </a:spcAft>
+              <a:buClrTx/>
+              <a:buSzTx/>
+              <a:buFont typeface="Arial" panose="020B0604020202020204" pitchFamily="34" charset="0"/>
+              <a:buChar char="•"/>
+              <a:tabLst/>
+              <a:defRPr/>
+            </a:pPr>
+            <a:r>
+              <a:rPr lang="de-DE" sz="2400" b="0" i="0" dirty="0">
+                <a:solidFill>
+                  <a:srgbClr val="333333"/>
+                </a:solidFill>
+                <a:effectLst/>
+                <a:latin typeface="Trebuchet MS" panose="020B0603020202020204" pitchFamily="34" charset="0"/>
+                <a:sym typeface="Helvetica Neue"/>
+              </a:rPr>
+              <a:t>harmonisierte </a:t>
+            </a:r>
+            <a:r>
+              <a:rPr lang="de-DE" sz="2400" b="1" i="0" dirty="0">
+                <a:solidFill>
+                  <a:srgbClr val="000000"/>
+                </a:solidFill>
+                <a:effectLst/>
+                <a:latin typeface="DINWeb"/>
+              </a:rPr>
+              <a:t>Europäischen Norm 301 549</a:t>
+            </a:r>
+            <a:endParaRPr lang="de-DE" sz="2400" b="0" i="0" dirty="0">
+              <a:solidFill>
+                <a:srgbClr val="333333"/>
+              </a:solidFill>
+              <a:effectLst/>
+              <a:latin typeface="Trebuchet MS" panose="020B0603020202020204" pitchFamily="34" charset="0"/>
+              <a:sym typeface="Helvetica Neue"/>
+            </a:endParaRPr>
+          </a:p>
+          <a:p>
+            <a:pPr marL="342900" indent="-342900">
+              <a:buFont typeface="Arial" panose="020B0604020202020204" pitchFamily="34" charset="0"/>
+              <a:buChar char="•"/>
+            </a:pPr>
+            <a:r>
+              <a:rPr lang="de-DE" sz="2400" b="1" i="0" dirty="0">
+                <a:solidFill>
+                  <a:srgbClr val="333333"/>
+                </a:solidFill>
+                <a:effectLst/>
+                <a:latin typeface="Trebuchet MS" panose="020B0603020202020204" pitchFamily="34" charset="0"/>
+                <a:sym typeface="Helvetica Neue"/>
+              </a:rPr>
+              <a:t>BITV</a:t>
+            </a:r>
+            <a:r>
+              <a:rPr lang="de-DE" sz="2400" b="0" i="0" dirty="0">
+                <a:solidFill>
+                  <a:srgbClr val="333333"/>
+                </a:solidFill>
+                <a:effectLst/>
+                <a:latin typeface="Trebuchet MS" panose="020B0603020202020204" pitchFamily="34" charset="0"/>
+                <a:sym typeface="Helvetica Neue"/>
+              </a:rPr>
+              <a:t> setzt die </a:t>
+            </a:r>
+            <a:r>
+              <a:rPr lang="de-DE" sz="2400" b="1" i="0" dirty="0">
+                <a:solidFill>
+                  <a:srgbClr val="333333"/>
+                </a:solidFill>
+                <a:effectLst/>
+                <a:latin typeface="Trebuchet MS" panose="020B0603020202020204" pitchFamily="34" charset="0"/>
+                <a:sym typeface="Helvetica Neue"/>
+              </a:rPr>
+              <a:t>WCAG Konformitätsstufen A</a:t>
+            </a:r>
+            <a:r>
+              <a:rPr lang="de-DE" sz="2400" b="0" i="0" dirty="0">
+                <a:solidFill>
+                  <a:srgbClr val="333333"/>
+                </a:solidFill>
+                <a:effectLst/>
+                <a:latin typeface="Trebuchet MS" panose="020B0603020202020204" pitchFamily="34" charset="0"/>
+                <a:sym typeface="Helvetica Neue"/>
+              </a:rPr>
+              <a:t> und </a:t>
+            </a:r>
+            <a:r>
+              <a:rPr lang="de-DE" sz="2400" b="1" i="0" dirty="0">
+                <a:solidFill>
+                  <a:srgbClr val="333333"/>
+                </a:solidFill>
+                <a:effectLst/>
+                <a:latin typeface="Trebuchet MS" panose="020B0603020202020204" pitchFamily="34" charset="0"/>
+                <a:sym typeface="Helvetica Neue"/>
+              </a:rPr>
+              <a:t>AA</a:t>
+            </a:r>
+            <a:r>
+              <a:rPr lang="de-DE" sz="2400" b="0" i="0" dirty="0">
+                <a:solidFill>
+                  <a:srgbClr val="333333"/>
+                </a:solidFill>
+                <a:effectLst/>
+                <a:latin typeface="Trebuchet MS" panose="020B0603020202020204" pitchFamily="34" charset="0"/>
+                <a:sym typeface="Helvetica Neue"/>
+              </a:rPr>
+              <a:t> um.</a:t>
+            </a:r>
+          </a:p>
+          <a:p>
+            <a:pPr marL="342900" indent="-342900">
+              <a:buFont typeface="Arial" panose="020B0604020202020204" pitchFamily="34" charset="0"/>
+              <a:buChar char="•"/>
+            </a:pPr>
+            <a:endParaRPr lang="de-DE" sz="2400" b="0" i="0" dirty="0">
+              <a:solidFill>
+                <a:srgbClr val="333333"/>
+              </a:solidFill>
+              <a:effectLst/>
+              <a:latin typeface="Trebuchet MS" panose="020B0603020202020204" pitchFamily="34" charset="0"/>
+              <a:sym typeface="Helvetica Neue"/>
+            </a:endParaRPr>
+          </a:p>
+          <a:p>
+            <a:pPr marL="0" indent="0">
+              <a:buFont typeface="Arial" panose="020B0604020202020204" pitchFamily="34" charset="0"/>
+              <a:buNone/>
+            </a:pPr>
+            <a:r>
+              <a:rPr lang="de-DE" sz="2400" b="0" i="0" dirty="0">
+                <a:solidFill>
+                  <a:srgbClr val="333333"/>
+                </a:solidFill>
+                <a:effectLst/>
+                <a:latin typeface="Trebuchet MS" panose="020B0603020202020204" pitchFamily="34" charset="0"/>
+                <a:sym typeface="Wingdings" panose="05000000000000000000" pitchFamily="2" charset="2"/>
+              </a:rPr>
+              <a:t></a:t>
+            </a:r>
+            <a:r>
+              <a:rPr lang="de-DE" sz="2400" b="0" i="0" dirty="0">
+                <a:solidFill>
+                  <a:srgbClr val="333333"/>
+                </a:solidFill>
+                <a:effectLst/>
+                <a:latin typeface="Trebuchet MS" panose="020B0603020202020204" pitchFamily="34" charset="0"/>
+                <a:sym typeface="Helvetica Neue"/>
+              </a:rPr>
+              <a:t> </a:t>
+            </a:r>
+            <a:r>
+              <a:rPr lang="de-DE" sz="2400" b="0" i="0" dirty="0" err="1">
+                <a:solidFill>
+                  <a:srgbClr val="333333"/>
+                </a:solidFill>
+                <a:effectLst/>
+                <a:latin typeface="Trebuchet MS" panose="020B0603020202020204" pitchFamily="34" charset="0"/>
+                <a:sym typeface="Helvetica Neue"/>
+              </a:rPr>
               <a:t>Selenium</a:t>
             </a:r>
             <a:r>
-              <a:rPr lang="de-DE" dirty="0"/>
-              <a:t> Webdriver</a:t>
-            </a:r>
+              <a:rPr lang="de-DE" sz="2400" b="0" i="0" dirty="0">
+                <a:solidFill>
+                  <a:srgbClr val="333333"/>
+                </a:solidFill>
+                <a:effectLst/>
+                <a:latin typeface="Trebuchet MS" panose="020B0603020202020204" pitchFamily="34" charset="0"/>
+                <a:sym typeface="Helvetica Neue"/>
+              </a:rPr>
+              <a:t> </a:t>
+            </a:r>
+            <a:r>
+              <a:rPr lang="de-DE" sz="2400" b="0" i="0" dirty="0" err="1">
+                <a:solidFill>
+                  <a:srgbClr val="333333"/>
+                </a:solidFill>
+                <a:effectLst/>
+                <a:latin typeface="Trebuchet MS" panose="020B0603020202020204" pitchFamily="34" charset="0"/>
+                <a:sym typeface="Helvetica Neue"/>
+              </a:rPr>
+              <a:t>WebDriver</a:t>
+            </a:r>
+            <a:endParaRPr lang="de-DE" sz="2400" b="0" i="0" dirty="0">
+              <a:solidFill>
+                <a:srgbClr val="333333"/>
+              </a:solidFill>
+              <a:effectLst/>
+              <a:latin typeface="Trebuchet MS" panose="020B0603020202020204" pitchFamily="34" charset="0"/>
+              <a:sym typeface="Helvetica Neue"/>
+            </a:endParaRPr>
+          </a:p>
+          <a:p>
+            <a:endParaRPr lang="de-DE" dirty="0"/>
           </a:p>
         </p:txBody>
       </p:sp>
     </p:spTree>
     <p:extLst>
       <p:ext uri="{BB962C8B-B14F-4D97-AF65-F5344CB8AC3E}">
-        <p14:creationId xmlns:p14="http://schemas.microsoft.com/office/powerpoint/2010/main" val="2102164548"/>
+        <p14:creationId xmlns:p14="http://schemas.microsoft.com/office/powerpoint/2010/main" val="1911803709"/>
       </p:ext>
     </p:extLst>
   </p:cSld>
@@ -2595,235 +2913,21 @@
           <a:bodyPr/>
           <a:lstStyle/>
           <a:p>
-            <a:pPr marL="342900" indent="-342900">
-              <a:buFont typeface="Arial" panose="020B0604020202020204" pitchFamily="34" charset="0"/>
-              <a:buChar char="•"/>
-            </a:pPr>
             <a:r>
               <a:rPr lang="de-DE" dirty="0" err="1"/>
               <a:t>Selenium</a:t>
             </a:r>
             <a:r>
               <a:rPr lang="de-DE" dirty="0"/>
-              <a:t> </a:t>
-            </a:r>
-            <a:r>
-              <a:rPr lang="de-DE" dirty="0" err="1"/>
-              <a:t>WebDriver</a:t>
-            </a:r>
-            <a:r>
-              <a:rPr lang="de-DE" dirty="0"/>
-              <a:t> ist ein </a:t>
-            </a:r>
-            <a:r>
-              <a:rPr lang="de-DE" dirty="0" err="1"/>
-              <a:t>Kontrolliinterface</a:t>
-            </a:r>
-            <a:r>
-              <a:rPr lang="de-DE" dirty="0"/>
-              <a:t> zur Fernsteuerung von Webbrowsern</a:t>
-            </a:r>
-          </a:p>
-          <a:p>
-            <a:pPr marL="342900" indent="-342900">
-              <a:buFont typeface="Arial" panose="020B0604020202020204" pitchFamily="34" charset="0"/>
-              <a:buChar char="•"/>
-            </a:pPr>
-            <a:r>
-              <a:rPr lang="de-DE" dirty="0" err="1"/>
-              <a:t>Selenium</a:t>
-            </a:r>
-            <a:r>
-              <a:rPr lang="de-DE" dirty="0"/>
-              <a:t> </a:t>
-            </a:r>
-            <a:r>
-              <a:rPr lang="de-DE" dirty="0" err="1"/>
-              <a:t>WebDriver</a:t>
-            </a:r>
-            <a:r>
-              <a:rPr lang="de-DE" dirty="0"/>
-              <a:t> wird durch das W3C </a:t>
-            </a:r>
-            <a:r>
-              <a:rPr lang="de-DE" dirty="0" err="1"/>
-              <a:t>empfholen</a:t>
-            </a:r>
-            <a:endParaRPr lang="de-DE" dirty="0"/>
-          </a:p>
-          <a:p>
-            <a:pPr marL="342900" indent="-342900">
-              <a:buFont typeface="Arial" panose="020B0604020202020204" pitchFamily="34" charset="0"/>
-              <a:buChar char="•"/>
-            </a:pPr>
-            <a:r>
-              <a:rPr lang="de-DE" dirty="0"/>
-              <a:t>Kommunikation wird über Driver durchgeführt</a:t>
-            </a:r>
-          </a:p>
-          <a:p>
-            <a:pPr marL="342900" indent="-342900">
-              <a:buFont typeface="Arial" panose="020B0604020202020204" pitchFamily="34" charset="0"/>
-              <a:buChar char="•"/>
-            </a:pPr>
-            <a:r>
-              <a:rPr lang="de-DE" dirty="0"/>
-              <a:t>Driver werden i.d.R. durch Anbieter der Webbrowser implementiert und zur Verfügung gestellt</a:t>
-            </a:r>
-          </a:p>
-          <a:p>
-            <a:pPr marL="342900" indent="-342900">
-              <a:buFont typeface="Arial" panose="020B0604020202020204" pitchFamily="34" charset="0"/>
-              <a:buChar char="•"/>
-            </a:pPr>
-            <a:r>
-              <a:rPr lang="de-DE" dirty="0" err="1"/>
-              <a:t>Selenium</a:t>
-            </a:r>
-            <a:r>
-              <a:rPr lang="de-DE" dirty="0"/>
-              <a:t> </a:t>
-            </a:r>
-            <a:r>
-              <a:rPr lang="de-DE" dirty="0" err="1"/>
-              <a:t>WebDriver</a:t>
-            </a:r>
-            <a:r>
-              <a:rPr lang="de-DE" dirty="0"/>
-              <a:t> ist unabhängig von der Programmiersprache und dem Webbrowser</a:t>
-            </a:r>
-          </a:p>
-          <a:p>
-            <a:pPr marL="342900" indent="-342900">
-              <a:buFont typeface="Arial" panose="020B0604020202020204" pitchFamily="34" charset="0"/>
-              <a:buChar char="•"/>
-            </a:pPr>
-            <a:r>
-              <a:rPr lang="de-DE" dirty="0"/>
-              <a:t>Einzige Aufgabe Kommunikation!! </a:t>
-            </a:r>
-            <a:r>
-              <a:rPr lang="de-DE"/>
-              <a:t>Kein Testframework!</a:t>
-            </a:r>
-            <a:endParaRPr lang="de-DE" dirty="0"/>
-          </a:p>
-          <a:p>
-            <a:pPr marL="342900" indent="-342900">
-              <a:buFont typeface="Arial" panose="020B0604020202020204" pitchFamily="34" charset="0"/>
-              <a:buChar char="•"/>
-            </a:pPr>
-            <a:r>
-              <a:rPr lang="de-DE" dirty="0"/>
-              <a:t>Wird z.B. durch das JavaScript Testframework </a:t>
-            </a:r>
-            <a:r>
-              <a:rPr lang="de-DE" dirty="0" err="1"/>
-              <a:t>WebdriverIO</a:t>
-            </a:r>
-            <a:r>
-              <a:rPr lang="de-DE" dirty="0"/>
-              <a:t> implementiert</a:t>
-            </a:r>
-          </a:p>
-          <a:p>
-            <a:pPr marL="0" indent="0">
-              <a:buFont typeface="Arial" panose="020B0604020202020204" pitchFamily="34" charset="0"/>
-              <a:buNone/>
-            </a:pPr>
-            <a:endParaRPr lang="de-DE" dirty="0"/>
-          </a:p>
-          <a:p>
-            <a:pPr marL="0" marR="0" lvl="0" indent="0" defTabSz="457200" eaLnBrk="1" fontAlgn="auto" latinLnBrk="0" hangingPunct="1">
-              <a:lnSpc>
-                <a:spcPct val="117999"/>
-              </a:lnSpc>
-              <a:spcBef>
-                <a:spcPts val="0"/>
-              </a:spcBef>
-              <a:spcAft>
-                <a:spcPts val="0"/>
-              </a:spcAft>
-              <a:buClrTx/>
-              <a:buSzTx/>
-              <a:buFontTx/>
-              <a:buNone/>
-              <a:tabLst/>
-              <a:defRPr/>
-            </a:pPr>
-            <a:r>
-              <a:rPr lang="de-DE" b="1" dirty="0"/>
-              <a:t>Abbildung 1</a:t>
-            </a:r>
-            <a:r>
-              <a:rPr lang="de-DE" dirty="0"/>
-              <a:t> zeigt eine schematische Darstellung einer möglichen Testumgebung, in der die Testsuite ausgeführt wir</a:t>
-            </a:r>
-          </a:p>
-          <a:p>
-            <a:pPr marL="0" marR="0" lvl="0" indent="0" defTabSz="457200" eaLnBrk="1" fontAlgn="auto" latinLnBrk="0" hangingPunct="1">
-              <a:lnSpc>
-                <a:spcPct val="117999"/>
-              </a:lnSpc>
-              <a:spcBef>
-                <a:spcPts val="0"/>
-              </a:spcBef>
-              <a:spcAft>
-                <a:spcPts val="0"/>
-              </a:spcAft>
-              <a:buClrTx/>
-              <a:buSzTx/>
-              <a:buFontTx/>
-              <a:buNone/>
-              <a:tabLst/>
-              <a:defRPr/>
-            </a:pPr>
-            <a:endParaRPr lang="de-DE" dirty="0"/>
-          </a:p>
-          <a:p>
-            <a:pPr marL="0" marR="0" lvl="0" indent="0" defTabSz="457200" eaLnBrk="1" fontAlgn="auto" latinLnBrk="0" hangingPunct="1">
-              <a:lnSpc>
-                <a:spcPct val="117999"/>
-              </a:lnSpc>
-              <a:spcBef>
-                <a:spcPts val="0"/>
-              </a:spcBef>
-              <a:spcAft>
-                <a:spcPts val="0"/>
-              </a:spcAft>
-              <a:buClrTx/>
-              <a:buSzTx/>
-              <a:buFontTx/>
-              <a:buNone/>
-              <a:tabLst/>
-              <a:defRPr/>
-            </a:pPr>
-            <a:r>
-              <a:rPr lang="de-DE" dirty="0">
-                <a:sym typeface="Wingdings" panose="05000000000000000000" pitchFamily="2" charset="2"/>
-              </a:rPr>
-              <a:t> Beispiel WCAG Erfolgskriterium 3.1.1 Language </a:t>
-            </a:r>
-            <a:r>
-              <a:rPr lang="de-DE" dirty="0" err="1">
-                <a:sym typeface="Wingdings" panose="05000000000000000000" pitchFamily="2" charset="2"/>
-              </a:rPr>
-              <a:t>of</a:t>
-            </a:r>
-            <a:r>
-              <a:rPr lang="de-DE" dirty="0">
-                <a:sym typeface="Wingdings" panose="05000000000000000000" pitchFamily="2" charset="2"/>
-              </a:rPr>
-              <a:t> Page</a:t>
-            </a:r>
-            <a:endParaRPr lang="de-DE" dirty="0"/>
+              <a:t> Webdriver</a:t>
+            </a:r>
           </a:p>
         </p:txBody>
       </p:sp>
     </p:spTree>
     <p:extLst>
       <p:ext uri="{BB962C8B-B14F-4D97-AF65-F5344CB8AC3E}">
-        <p14:creationId xmlns:p14="http://schemas.microsoft.com/office/powerpoint/2010/main" val="3756635011"/>
+        <p14:creationId xmlns:p14="http://schemas.microsoft.com/office/powerpoint/2010/main" val="2102164548"/>
       </p:ext>
     </p:extLst>
   </p:cSld>
@@ -2877,17 +2981,235 @@
           <a:bodyPr/>
           <a:lstStyle/>
           <a:p>
+            <a:pPr marL="342900" indent="-342900">
+              <a:buFont typeface="Arial" panose="020B0604020202020204" pitchFamily="34" charset="0"/>
+              <a:buChar char="•"/>
+            </a:pPr>
+            <a:r>
+              <a:rPr lang="de-DE" dirty="0" err="1"/>
+              <a:t>Selenium</a:t>
+            </a:r>
             <a:r>
               <a:rPr lang="de-DE" dirty="0"/>
-              <a:t>Beispiel</a:t>
-            </a:r>
+              <a:t> </a:t>
+            </a:r>
+            <a:r>
+              <a:rPr lang="de-DE" dirty="0" err="1"/>
+              <a:t>WebDriver</a:t>
+            </a:r>
+            <a:r>
+              <a:rPr lang="de-DE" dirty="0"/>
+              <a:t> ist ein </a:t>
+            </a:r>
+            <a:r>
+              <a:rPr lang="de-DE" dirty="0" err="1"/>
+              <a:t>Kontrolliinterface</a:t>
+            </a:r>
+            <a:r>
+              <a:rPr lang="de-DE" dirty="0"/>
+              <a:t> zur Fernsteuerung von Webbrowsern</a:t>
+            </a:r>
+          </a:p>
+          <a:p>
+            <a:pPr marL="342900" indent="-342900">
+              <a:buFont typeface="Arial" panose="020B0604020202020204" pitchFamily="34" charset="0"/>
+              <a:buChar char="•"/>
+            </a:pPr>
+            <a:r>
+              <a:rPr lang="de-DE" dirty="0" err="1"/>
+              <a:t>Selenium</a:t>
+            </a:r>
+            <a:r>
+              <a:rPr lang="de-DE" dirty="0"/>
+              <a:t> </a:t>
+            </a:r>
+            <a:r>
+              <a:rPr lang="de-DE" dirty="0" err="1"/>
+              <a:t>WebDriver</a:t>
+            </a:r>
+            <a:r>
+              <a:rPr lang="de-DE" dirty="0"/>
+              <a:t> wird durch das W3C </a:t>
+            </a:r>
+            <a:r>
+              <a:rPr lang="de-DE" dirty="0" err="1"/>
+              <a:t>empfholen</a:t>
+            </a:r>
+            <a:endParaRPr lang="de-DE" dirty="0"/>
+          </a:p>
+          <a:p>
+            <a:pPr marL="342900" indent="-342900">
+              <a:buFont typeface="Arial" panose="020B0604020202020204" pitchFamily="34" charset="0"/>
+              <a:buChar char="•"/>
+            </a:pPr>
+            <a:r>
+              <a:rPr lang="de-DE" dirty="0"/>
+              <a:t>Kommunikation wird über Driver durchgeführt</a:t>
+            </a:r>
+          </a:p>
+          <a:p>
+            <a:pPr marL="342900" indent="-342900">
+              <a:buFont typeface="Arial" panose="020B0604020202020204" pitchFamily="34" charset="0"/>
+              <a:buChar char="•"/>
+            </a:pPr>
+            <a:r>
+              <a:rPr lang="de-DE" dirty="0"/>
+              <a:t>Driver werden i.d.R. durch Anbieter der Webbrowser implementiert und zur Verfügung gestellt</a:t>
+            </a:r>
+          </a:p>
+          <a:p>
+            <a:pPr marL="342900" indent="-342900">
+              <a:buFont typeface="Arial" panose="020B0604020202020204" pitchFamily="34" charset="0"/>
+              <a:buChar char="•"/>
+            </a:pPr>
+            <a:r>
+              <a:rPr lang="de-DE" dirty="0" err="1"/>
+              <a:t>Selenium</a:t>
+            </a:r>
+            <a:r>
+              <a:rPr lang="de-DE" dirty="0"/>
+              <a:t> </a:t>
+            </a:r>
+            <a:r>
+              <a:rPr lang="de-DE" dirty="0" err="1"/>
+              <a:t>WebDriver</a:t>
+            </a:r>
+            <a:r>
+              <a:rPr lang="de-DE" dirty="0"/>
+              <a:t> ist unabhängig von der Programmiersprache und dem Webbrowser</a:t>
+            </a:r>
+          </a:p>
+          <a:p>
+            <a:pPr marL="342900" indent="-342900">
+              <a:buFont typeface="Arial" panose="020B0604020202020204" pitchFamily="34" charset="0"/>
+              <a:buChar char="•"/>
+            </a:pPr>
+            <a:r>
+              <a:rPr lang="de-DE" dirty="0"/>
+              <a:t>Einzige Aufgabe Kommunikation!! </a:t>
+            </a:r>
+            <a:r>
+              <a:rPr lang="de-DE"/>
+              <a:t>Kein Testframework!</a:t>
+            </a:r>
+            <a:endParaRPr lang="de-DE" dirty="0"/>
+          </a:p>
+          <a:p>
+            <a:pPr marL="342900" indent="-342900">
+              <a:buFont typeface="Arial" panose="020B0604020202020204" pitchFamily="34" charset="0"/>
+              <a:buChar char="•"/>
+            </a:pPr>
+            <a:r>
+              <a:rPr lang="de-DE" dirty="0"/>
+              <a:t>Wird z.B. durch das JavaScript Testframework </a:t>
+            </a:r>
+            <a:r>
+              <a:rPr lang="de-DE" dirty="0" err="1"/>
+              <a:t>WebdriverIO</a:t>
+            </a:r>
+            <a:r>
+              <a:rPr lang="de-DE" dirty="0"/>
+              <a:t> implementiert</a:t>
+            </a:r>
+          </a:p>
+          <a:p>
+            <a:pPr marL="0" indent="0">
+              <a:buFont typeface="Arial" panose="020B0604020202020204" pitchFamily="34" charset="0"/>
+              <a:buNone/>
+            </a:pPr>
+            <a:endParaRPr lang="de-DE" dirty="0"/>
+          </a:p>
+          <a:p>
+            <a:pPr marL="0" marR="0" lvl="0" indent="0" defTabSz="457200" eaLnBrk="1" fontAlgn="auto" latinLnBrk="0" hangingPunct="1">
+              <a:lnSpc>
+                <a:spcPct val="117999"/>
+              </a:lnSpc>
+              <a:spcBef>
+                <a:spcPts val="0"/>
+              </a:spcBef>
+              <a:spcAft>
+                <a:spcPts val="0"/>
+              </a:spcAft>
+              <a:buClrTx/>
+              <a:buSzTx/>
+              <a:buFontTx/>
+              <a:buNone/>
+              <a:tabLst/>
+              <a:defRPr/>
+            </a:pPr>
+            <a:r>
+              <a:rPr lang="de-DE" b="1" dirty="0"/>
+              <a:t>Abbildung 1</a:t>
+            </a:r>
+            <a:r>
+              <a:rPr lang="de-DE" dirty="0"/>
+              <a:t> zeigt eine schematische Darstellung einer möglichen Testumgebung, in der die Testsuite ausgeführt wir</a:t>
+            </a:r>
+          </a:p>
+          <a:p>
+            <a:pPr marL="0" marR="0" lvl="0" indent="0" defTabSz="457200" eaLnBrk="1" fontAlgn="auto" latinLnBrk="0" hangingPunct="1">
+              <a:lnSpc>
+                <a:spcPct val="117999"/>
+              </a:lnSpc>
+              <a:spcBef>
+                <a:spcPts val="0"/>
+              </a:spcBef>
+              <a:spcAft>
+                <a:spcPts val="0"/>
+              </a:spcAft>
+              <a:buClrTx/>
+              <a:buSzTx/>
+              <a:buFontTx/>
+              <a:buNone/>
+              <a:tabLst/>
+              <a:defRPr/>
+            </a:pPr>
+            <a:endParaRPr lang="de-DE" dirty="0"/>
+          </a:p>
+          <a:p>
+            <a:pPr marL="0" marR="0" lvl="0" indent="0" defTabSz="457200" eaLnBrk="1" fontAlgn="auto" latinLnBrk="0" hangingPunct="1">
+              <a:lnSpc>
+                <a:spcPct val="117999"/>
+              </a:lnSpc>
+              <a:spcBef>
+                <a:spcPts val="0"/>
+              </a:spcBef>
+              <a:spcAft>
+                <a:spcPts val="0"/>
+              </a:spcAft>
+              <a:buClrTx/>
+              <a:buSzTx/>
+              <a:buFontTx/>
+              <a:buNone/>
+              <a:tabLst/>
+              <a:defRPr/>
+            </a:pPr>
+            <a:r>
+              <a:rPr lang="de-DE" dirty="0">
+                <a:sym typeface="Wingdings" panose="05000000000000000000" pitchFamily="2" charset="2"/>
+              </a:rPr>
+              <a:t> Beispiel WCAG Erfolgskriterium 3.1.1 Language </a:t>
+            </a:r>
+            <a:r>
+              <a:rPr lang="de-DE" dirty="0" err="1">
+                <a:sym typeface="Wingdings" panose="05000000000000000000" pitchFamily="2" charset="2"/>
+              </a:rPr>
+              <a:t>of</a:t>
+            </a:r>
+            <a:r>
+              <a:rPr lang="de-DE" dirty="0">
+                <a:sym typeface="Wingdings" panose="05000000000000000000" pitchFamily="2" charset="2"/>
+              </a:rPr>
+              <a:t> Page</a:t>
+            </a:r>
+            <a:endParaRPr lang="de-DE" dirty="0"/>
           </a:p>
         </p:txBody>
       </p:sp>
     </p:spTree>
     <p:extLst>
       <p:ext uri="{BB962C8B-B14F-4D97-AF65-F5344CB8AC3E}">
-        <p14:creationId xmlns:p14="http://schemas.microsoft.com/office/powerpoint/2010/main" val="773117031"/>
+        <p14:creationId xmlns:p14="http://schemas.microsoft.com/office/powerpoint/2010/main" val="3756635011"/>
       </p:ext>
     </p:extLst>
   </p:cSld>
@@ -2941,193 +3263,17 @@
           <a:bodyPr/>
           <a:lstStyle/>
           <a:p>
-            <a:pPr marL="342900" indent="-342900">
-              <a:buFont typeface="Arial" panose="020B0604020202020204" pitchFamily="34" charset="0"/>
-              <a:buChar char="•"/>
-            </a:pPr>
             <a:r>
               <a:rPr lang="de-DE" dirty="0"/>
-              <a:t>Prüft ob die Hauptsprache im &lt;</a:t>
-            </a:r>
-            <a:r>
-              <a:rPr lang="de-DE" dirty="0" err="1"/>
-              <a:t>html</a:t>
-            </a:r>
-            <a:r>
-              <a:rPr lang="de-DE" dirty="0"/>
-              <a:t>&gt;-Element der Website gesetzt ist</a:t>
-            </a:r>
-          </a:p>
-          <a:p>
-            <a:pPr marL="342900" indent="-342900">
-              <a:buFont typeface="Arial" panose="020B0604020202020204" pitchFamily="34" charset="0"/>
-              <a:buChar char="•"/>
-            </a:pPr>
-            <a:r>
-              <a:rPr lang="de-DE" dirty="0"/>
-              <a:t>Wird durch Screenreader und andere assistierende Technologien benötigt, um die Ausgabe korrekt auszuführen</a:t>
-            </a:r>
-          </a:p>
-          <a:p>
-            <a:pPr marL="342900" indent="-342900">
-              <a:buFont typeface="Arial" panose="020B0604020202020204" pitchFamily="34" charset="0"/>
-              <a:buChar char="•"/>
-            </a:pPr>
-            <a:r>
-              <a:rPr lang="de-DE" dirty="0"/>
-              <a:t>Gehört der Konformitätsstufe A an</a:t>
-            </a:r>
-          </a:p>
-          <a:p>
-            <a:pPr marL="0" indent="0">
-              <a:buFont typeface="Arial" panose="020B0604020202020204" pitchFamily="34" charset="0"/>
-              <a:buNone/>
-            </a:pPr>
-            <a:endParaRPr lang="de-DE" dirty="0"/>
-          </a:p>
-          <a:p>
-            <a:pPr marL="0" indent="0">
-              <a:buFont typeface="Arial" panose="020B0604020202020204" pitchFamily="34" charset="0"/>
-              <a:buNone/>
-            </a:pPr>
-            <a:r>
-              <a:rPr lang="de-DE" dirty="0"/>
-              <a:t>Test</a:t>
-            </a:r>
-          </a:p>
-          <a:p>
-            <a:pPr marL="342900" indent="-342900">
-              <a:buFont typeface="Arial" panose="020B0604020202020204" pitchFamily="34" charset="0"/>
-              <a:buChar char="•"/>
-            </a:pPr>
-            <a:r>
-              <a:rPr lang="de-DE" dirty="0"/>
-              <a:t>lang-Attribut im &lt;</a:t>
-            </a:r>
-            <a:r>
-              <a:rPr lang="de-DE" dirty="0" err="1"/>
-              <a:t>html</a:t>
-            </a:r>
-            <a:r>
-              <a:rPr lang="de-DE" dirty="0"/>
-              <a:t>&gt;-Element gesetzt</a:t>
-            </a:r>
-          </a:p>
-          <a:p>
-            <a:pPr marL="342900" marR="0" lvl="0" indent="-342900" defTabSz="457200" eaLnBrk="1" fontAlgn="auto" latinLnBrk="0" hangingPunct="1">
-              <a:lnSpc>
-                <a:spcPct val="117999"/>
-              </a:lnSpc>
-              <a:spcBef>
-                <a:spcPts val="0"/>
-              </a:spcBef>
-              <a:spcAft>
-                <a:spcPts val="0"/>
-              </a:spcAft>
-              <a:buClrTx/>
-              <a:buSzTx/>
-              <a:buFont typeface="Arial" panose="020B0604020202020204" pitchFamily="34" charset="0"/>
-              <a:buChar char="•"/>
-              <a:tabLst/>
-              <a:defRPr/>
-            </a:pPr>
-            <a:r>
-              <a:rPr lang="de-DE" dirty="0"/>
-              <a:t>Language Tag ist valide (</a:t>
-            </a:r>
-            <a:r>
-              <a:rPr lang="de-DE" b="0" dirty="0">
-                <a:solidFill>
-                  <a:srgbClr val="6A9955"/>
-                </a:solidFill>
-                <a:effectLst/>
-                <a:latin typeface="Consolas" panose="020B0609020204030204" pitchFamily="49" charset="0"/>
-              </a:rPr>
-              <a:t>ISO 639-1)</a:t>
-            </a:r>
-          </a:p>
-          <a:p>
-            <a:pPr marL="342900" marR="0" lvl="0" indent="-342900" defTabSz="457200" eaLnBrk="1" fontAlgn="auto" latinLnBrk="0" hangingPunct="1">
-              <a:lnSpc>
-                <a:spcPct val="117999"/>
-              </a:lnSpc>
-              <a:spcBef>
-                <a:spcPts val="0"/>
-              </a:spcBef>
-              <a:spcAft>
-                <a:spcPts val="0"/>
-              </a:spcAft>
-              <a:buClrTx/>
-              <a:buSzTx/>
-              <a:buFont typeface="Arial" panose="020B0604020202020204" pitchFamily="34" charset="0"/>
-              <a:buChar char="•"/>
-              <a:tabLst/>
-              <a:defRPr/>
-            </a:pPr>
-            <a:r>
-              <a:rPr lang="de-DE" b="0" dirty="0">
-                <a:solidFill>
-                  <a:srgbClr val="6A9955"/>
-                </a:solidFill>
-                <a:effectLst/>
-                <a:latin typeface="Consolas" panose="020B0609020204030204" pitchFamily="49" charset="0"/>
-              </a:rPr>
-              <a:t>lang-Attribut und </a:t>
-            </a:r>
-            <a:r>
-              <a:rPr lang="de-DE" b="0" dirty="0" err="1">
-                <a:solidFill>
-                  <a:srgbClr val="6A9955"/>
-                </a:solidFill>
-                <a:effectLst/>
-                <a:latin typeface="Consolas" panose="020B0609020204030204" pitchFamily="49" charset="0"/>
-              </a:rPr>
-              <a:t>xml:lang-Attribut</a:t>
-            </a:r>
-            <a:r>
-              <a:rPr lang="de-DE" b="0" dirty="0">
-                <a:solidFill>
-                  <a:srgbClr val="6A9955"/>
-                </a:solidFill>
-                <a:effectLst/>
-                <a:latin typeface="Consolas" panose="020B0609020204030204" pitchFamily="49" charset="0"/>
-              </a:rPr>
-              <a:t> sind identisch</a:t>
-            </a:r>
-            <a:endParaRPr lang="de-DE" b="0" dirty="0">
-              <a:solidFill>
-                <a:srgbClr val="D4D4D4"/>
-              </a:solidFill>
-              <a:effectLst/>
-              <a:latin typeface="Consolas" panose="020B0609020204030204" pitchFamily="49" charset="0"/>
-            </a:endParaRPr>
-          </a:p>
-          <a:p>
-            <a:pPr marL="0" indent="0">
-              <a:buFont typeface="Arial" panose="020B0604020202020204" pitchFamily="34" charset="0"/>
-              <a:buNone/>
-            </a:pPr>
-            <a:endParaRPr lang="de-DE" dirty="0"/>
-          </a:p>
-          <a:p>
-            <a:pPr marL="0" indent="0">
-              <a:buFont typeface="Arial" panose="020B0604020202020204" pitchFamily="34" charset="0"/>
-              <a:buNone/>
-            </a:pPr>
-            <a:r>
-              <a:rPr lang="de-DE" dirty="0">
-                <a:sym typeface="Wingdings" panose="05000000000000000000" pitchFamily="2" charset="2"/>
-              </a:rPr>
-              <a:t> Gherkin Scenario</a:t>
-            </a:r>
-            <a:endParaRPr lang="de-DE" dirty="0"/>
+              <a:t>Beispiel</a:t>
+            </a:r>
           </a:p>
         </p:txBody>
       </p:sp>
     </p:spTree>
     <p:extLst>
       <p:ext uri="{BB962C8B-B14F-4D97-AF65-F5344CB8AC3E}">
-        <p14:creationId xmlns:p14="http://schemas.microsoft.com/office/powerpoint/2010/main" val="719189989"/>
+        <p14:creationId xmlns:p14="http://schemas.microsoft.com/office/powerpoint/2010/main" val="773117031"/>
       </p:ext>
     </p:extLst>
   </p:cSld>
@@ -5352,7 +5498,7 @@
           </a:ln>
           <a:extLst>
             <a:ext uri="{C572A759-6A51-4108-AA02-DFA0A04FC94B}">
-              <ma14:wrappingTextBoxFlag xmlns:ma14="http://schemas.microsoft.com/office/mac/drawingml/2011/main" xmlns:a14="http://schemas.microsoft.com/office/drawing/2010/main" xmlns:m="http://schemas.openxmlformats.org/officeDocument/2006/math" xmlns="" val="1"/>
+              <ma14:wrappingTextBoxFlag xmlns="" xmlns:m="http://schemas.openxmlformats.org/officeDocument/2006/math" xmlns:a14="http://schemas.microsoft.com/office/drawing/2010/main" xmlns:ma14="http://schemas.microsoft.com/office/mac/drawingml/2011/main" val="1"/>
             </a:ext>
           </a:extLst>
         </p:spPr>
@@ -5391,7 +5537,7 @@
           </a:ln>
           <a:extLst>
             <a:ext uri="{C572A759-6A51-4108-AA02-DFA0A04FC94B}">
-              <ma14:wrappingTextBoxFlag xmlns:ma14="http://schemas.microsoft.com/office/mac/drawingml/2011/main" xmlns:a14="http://schemas.microsoft.com/office/drawing/2010/main" xmlns:m="http://schemas.openxmlformats.org/officeDocument/2006/math" xmlns="" val="1"/>
+              <ma14:wrappingTextBoxFlag xmlns="" xmlns:m="http://schemas.openxmlformats.org/officeDocument/2006/math" xmlns:a14="http://schemas.microsoft.com/office/drawing/2010/main" xmlns:ma14="http://schemas.microsoft.com/office/mac/drawingml/2011/main" val="1"/>
             </a:ext>
           </a:extLst>
         </p:spPr>
@@ -6257,7 +6403,7 @@
           </a:ln>
           <a:extLst>
             <a:ext uri="{C572A759-6A51-4108-AA02-DFA0A04FC94B}">
-              <ma14:wrappingTextBoxFlag xmlns:ma14="http://schemas.microsoft.com/office/mac/drawingml/2011/main" xmlns:a14="http://schemas.microsoft.com/office/drawing/2010/main" xmlns:m="http://schemas.openxmlformats.org/officeDocument/2006/math" xmlns="" val="1"/>
+              <ma14:wrappingTextBoxFlag xmlns="" xmlns:m="http://schemas.openxmlformats.org/officeDocument/2006/math" xmlns:a14="http://schemas.microsoft.com/office/drawing/2010/main" xmlns:ma14="http://schemas.microsoft.com/office/mac/drawingml/2011/main" val="1"/>
             </a:ext>
           </a:extLst>
         </p:spPr>
@@ -6307,7 +6453,7 @@
           </a:ln>
           <a:extLst>
             <a:ext uri="{C572A759-6A51-4108-AA02-DFA0A04FC94B}">
-              <ma14:wrappingTextBoxFlag xmlns:ma14="http://schemas.microsoft.com/office/mac/drawingml/2011/main" xmlns:a14="http://schemas.microsoft.com/office/drawing/2010/main" xmlns:m="http://schemas.openxmlformats.org/officeDocument/2006/math" xmlns="" val="1"/>
+              <ma14:wrappingTextBoxFlag xmlns="" xmlns:m="http://schemas.openxmlformats.org/officeDocument/2006/math" xmlns:a14="http://schemas.microsoft.com/office/drawing/2010/main" xmlns:ma14="http://schemas.microsoft.com/office/mac/drawingml/2011/main" val="1"/>
             </a:ext>
           </a:extLst>
         </p:spPr>
@@ -6357,7 +6503,7 @@
           </a:ln>
           <a:extLst>
             <a:ext uri="{C572A759-6A51-4108-AA02-DFA0A04FC94B}">
-              <ma14:wrappingTextBoxFlag xmlns:ma14="http://schemas.microsoft.com/office/mac/drawingml/2011/main" xmlns:a14="http://schemas.microsoft.com/office/drawing/2010/main" xmlns:m="http://schemas.openxmlformats.org/officeDocument/2006/math" xmlns="" val="1"/>
+              <ma14:wrappingTextBoxFlag xmlns="" xmlns:m="http://schemas.openxmlformats.org/officeDocument/2006/math" xmlns:a14="http://schemas.microsoft.com/office/drawing/2010/main" xmlns:ma14="http://schemas.microsoft.com/office/mac/drawingml/2011/main" val="1"/>
             </a:ext>
           </a:extLst>
         </p:spPr>
@@ -6407,7 +6553,7 @@
           </a:ln>
           <a:extLst>
             <a:ext uri="{C572A759-6A51-4108-AA02-DFA0A04FC94B}">
-              <ma14:wrappingTextBoxFlag xmlns:ma14="http://schemas.microsoft.com/office/mac/drawingml/2011/main" xmlns:a14="http://schemas.microsoft.com/office/drawing/2010/main" xmlns:m="http://schemas.openxmlformats.org/officeDocument/2006/math" xmlns="" val="1"/>
+              <ma14:wrappingTextBoxFlag xmlns="" xmlns:m="http://schemas.openxmlformats.org/officeDocument/2006/math" xmlns:a14="http://schemas.microsoft.com/office/drawing/2010/main" xmlns:ma14="http://schemas.microsoft.com/office/mac/drawingml/2011/main" val="1"/>
             </a:ext>
           </a:extLst>
         </p:spPr>
@@ -6457,7 +6603,7 @@
           </a:ln>
           <a:extLst>
             <a:ext uri="{C572A759-6A51-4108-AA02-DFA0A04FC94B}">
-              <ma14:wrappingTextBoxFlag xmlns:ma14="http://schemas.microsoft.com/office/mac/drawingml/2011/main" xmlns:a14="http://schemas.microsoft.com/office/drawing/2010/main" xmlns:m="http://schemas.openxmlformats.org/officeDocument/2006/math" xmlns="" val="1"/>
+              <ma14:wrappingTextBoxFlag xmlns="" xmlns:m="http://schemas.openxmlformats.org/officeDocument/2006/math" xmlns:a14="http://schemas.microsoft.com/office/drawing/2010/main" xmlns:ma14="http://schemas.microsoft.com/office/mac/drawingml/2011/main" val="1"/>
             </a:ext>
           </a:extLst>
         </p:spPr>
@@ -6507,7 +6653,7 @@
           </a:ln>
           <a:extLst>
             <a:ext uri="{C572A759-6A51-4108-AA02-DFA0A04FC94B}">
-              <ma14:wrappingTextBoxFlag xmlns:ma14="http://schemas.microsoft.com/office/mac/drawingml/2011/main" xmlns:a14="http://schemas.microsoft.com/office/drawing/2010/main" xmlns:m="http://schemas.openxmlformats.org/officeDocument/2006/math" xmlns="" val="1"/>
+              <ma14:wrappingTextBoxFlag xmlns="" xmlns:m="http://schemas.openxmlformats.org/officeDocument/2006/math" xmlns:a14="http://schemas.microsoft.com/office/drawing/2010/main" xmlns:ma14="http://schemas.microsoft.com/office/mac/drawingml/2011/main" val="1"/>
             </a:ext>
           </a:extLst>
         </p:spPr>
@@ -6557,7 +6703,7 @@
           </a:ln>
           <a:extLst>
             <a:ext uri="{C572A759-6A51-4108-AA02-DFA0A04FC94B}">
-              <ma14:wrappingTextBoxFlag xmlns:ma14="http://schemas.microsoft.com/office/mac/drawingml/2011/main" xmlns:a14="http://schemas.microsoft.com/office/drawing/2010/main" xmlns:m="http://schemas.openxmlformats.org/officeDocument/2006/math" xmlns="" val="1"/>
+              <ma14:wrappingTextBoxFlag xmlns="" xmlns:m="http://schemas.openxmlformats.org/officeDocument/2006/math" xmlns:a14="http://schemas.microsoft.com/office/drawing/2010/main" xmlns:ma14="http://schemas.microsoft.com/office/mac/drawingml/2011/main" val="1"/>
             </a:ext>
           </a:extLst>
         </p:spPr>
@@ -6607,7 +6753,7 @@
           </a:ln>
           <a:extLst>
             <a:ext uri="{C572A759-6A51-4108-AA02-DFA0A04FC94B}">
-              <ma14:wrappingTextBoxFlag xmlns:ma14="http://schemas.microsoft.com/office/mac/drawingml/2011/main" xmlns:a14="http://schemas.microsoft.com/office/drawing/2010/main" xmlns:m="http://schemas.openxmlformats.org/officeDocument/2006/math" xmlns="" val="1"/>
+              <ma14:wrappingTextBoxFlag xmlns="" xmlns:m="http://schemas.openxmlformats.org/officeDocument/2006/math" xmlns:a14="http://schemas.microsoft.com/office/drawing/2010/main" xmlns:ma14="http://schemas.microsoft.com/office/mac/drawingml/2011/main" val="1"/>
             </a:ext>
           </a:extLst>
         </p:spPr>
@@ -6657,7 +6803,7 @@
           </a:ln>
           <a:extLst>
             <a:ext uri="{C572A759-6A51-4108-AA02-DFA0A04FC94B}">
-              <ma14:wrappingTextBoxFlag xmlns:ma14="http://schemas.microsoft.com/office/mac/drawingml/2011/main" xmlns:a14="http://schemas.microsoft.com/office/drawing/2010/main" xmlns:m="http://schemas.openxmlformats.org/officeDocument/2006/math" xmlns="" val="1"/>
+              <ma14:wrappingTextBoxFlag xmlns="" xmlns:m="http://schemas.openxmlformats.org/officeDocument/2006/math" xmlns:a14="http://schemas.microsoft.com/office/drawing/2010/main" xmlns:ma14="http://schemas.microsoft.com/office/mac/drawingml/2011/main" val="1"/>
             </a:ext>
           </a:extLst>
         </p:spPr>
@@ -6707,7 +6853,7 @@
           </a:ln>
           <a:extLst>
             <a:ext uri="{C572A759-6A51-4108-AA02-DFA0A04FC94B}">
-              <ma14:wrappingTextBoxFlag xmlns:ma14="http://schemas.microsoft.com/office/mac/drawingml/2011/main" xmlns:a14="http://schemas.microsoft.com/office/drawing/2010/main" xmlns:m="http://schemas.openxmlformats.org/officeDocument/2006/math" xmlns="" val="1"/>
+              <ma14:wrappingTextBoxFlag xmlns="" xmlns:m="http://schemas.openxmlformats.org/officeDocument/2006/math" xmlns:a14="http://schemas.microsoft.com/office/drawing/2010/main" xmlns:ma14="http://schemas.microsoft.com/office/mac/drawingml/2011/main" val="1"/>
             </a:ext>
           </a:extLst>
         </p:spPr>
@@ -6757,7 +6903,7 @@
           </a:ln>
           <a:extLst>
             <a:ext uri="{C572A759-6A51-4108-AA02-DFA0A04FC94B}">
-              <ma14:wrappingTextBoxFlag xmlns:ma14="http://schemas.microsoft.com/office/mac/drawingml/2011/main" xmlns:a14="http://schemas.microsoft.com/office/drawing/2010/main" xmlns:m="http://schemas.openxmlformats.org/officeDocument/2006/math" xmlns="" val="1"/>
+              <ma14:wrappingTextBoxFlag xmlns="" xmlns:m="http://schemas.openxmlformats.org/officeDocument/2006/math" xmlns:a14="http://schemas.microsoft.com/office/drawing/2010/main" xmlns:ma14="http://schemas.microsoft.com/office/mac/drawingml/2011/main" val="1"/>
             </a:ext>
           </a:extLst>
         </p:spPr>
@@ -6807,7 +6953,7 @@
           </a:ln>
           <a:extLst>
             <a:ext uri="{C572A759-6A51-4108-AA02-DFA0A04FC94B}">
-              <ma14:wrappingTextBoxFlag xmlns:ma14="http://schemas.microsoft.com/office/mac/drawingml/2011/main" xmlns:a14="http://schemas.microsoft.com/office/drawing/2010/main" xmlns:m="http://schemas.openxmlformats.org/officeDocument/2006/math" xmlns="" val="1"/>
+              <ma14:wrappingTextBoxFlag xmlns="" xmlns:m="http://schemas.openxmlformats.org/officeDocument/2006/math" xmlns:a14="http://schemas.microsoft.com/office/drawing/2010/main" xmlns:ma14="http://schemas.microsoft.com/office/mac/drawingml/2011/main" val="1"/>
             </a:ext>
           </a:extLst>
         </p:spPr>
@@ -6857,7 +7003,7 @@
           </a:ln>
           <a:extLst>
             <a:ext uri="{C572A759-6A51-4108-AA02-DFA0A04FC94B}">
-              <ma14:wrappingTextBoxFlag xmlns:ma14="http://schemas.microsoft.com/office/mac/drawingml/2011/main" xmlns:a14="http://schemas.microsoft.com/office/drawing/2010/main" xmlns:m="http://schemas.openxmlformats.org/officeDocument/2006/math" xmlns="" val="1"/>
+              <ma14:wrappingTextBoxFlag xmlns="" xmlns:m="http://schemas.openxmlformats.org/officeDocument/2006/math" xmlns:a14="http://schemas.microsoft.com/office/drawing/2010/main" xmlns:ma14="http://schemas.microsoft.com/office/mac/drawingml/2011/main" val="1"/>
             </a:ext>
           </a:extLst>
         </p:spPr>
@@ -6907,7 +7053,7 @@
           </a:ln>
           <a:extLst>
             <a:ext uri="{C572A759-6A51-4108-AA02-DFA0A04FC94B}">
-              <ma14:wrappingTextBoxFlag xmlns:ma14="http://schemas.microsoft.com/office/mac/drawingml/2011/main" xmlns:a14="http://schemas.microsoft.com/office/drawing/2010/main" xmlns:m="http://schemas.openxmlformats.org/officeDocument/2006/math" xmlns="" val="1"/>
+              <ma14:wrappingTextBoxFlag xmlns="" xmlns:m="http://schemas.openxmlformats.org/officeDocument/2006/math" xmlns:a14="http://schemas.microsoft.com/office/drawing/2010/main" xmlns:ma14="http://schemas.microsoft.com/office/mac/drawingml/2011/main" val="1"/>
             </a:ext>
           </a:extLst>
         </p:spPr>
@@ -6957,7 +7103,7 @@
           </a:ln>
           <a:extLst>
             <a:ext uri="{C572A759-6A51-4108-AA02-DFA0A04FC94B}">
-              <ma14:wrappingTextBoxFlag xmlns:ma14="http://schemas.microsoft.com/office/mac/drawingml/2011/main" xmlns:a14="http://schemas.microsoft.com/office/drawing/2010/main" xmlns:m="http://schemas.openxmlformats.org/officeDocument/2006/math" xmlns="" val="1"/>
+              <ma14:wrappingTextBoxFlag xmlns="" xmlns:m="http://schemas.openxmlformats.org/officeDocument/2006/math" xmlns:a14="http://schemas.microsoft.com/office/drawing/2010/main" xmlns:ma14="http://schemas.microsoft.com/office/mac/drawingml/2011/main" val="1"/>
             </a:ext>
           </a:extLst>
         </p:spPr>
@@ -7007,7 +7153,7 @@
           </a:ln>
           <a:extLst>
             <a:ext uri="{C572A759-6A51-4108-AA02-DFA0A04FC94B}">
-              <ma14:wrappingTextBoxFlag xmlns:ma14="http://schemas.microsoft.com/office/mac/drawingml/2011/main" xmlns:a14="http://schemas.microsoft.com/office/drawing/2010/main" xmlns:m="http://schemas.openxmlformats.org/officeDocument/2006/math" xmlns="" val="1"/>
+              <ma14:wrappingTextBoxFlag xmlns="" xmlns:m="http://schemas.openxmlformats.org/officeDocument/2006/math" xmlns:a14="http://schemas.microsoft.com/office/drawing/2010/main" xmlns:ma14="http://schemas.microsoft.com/office/mac/drawingml/2011/main" val="1"/>
             </a:ext>
           </a:extLst>
         </p:spPr>
@@ -7057,7 +7203,7 @@
           </a:ln>
           <a:extLst>
             <a:ext uri="{C572A759-6A51-4108-AA02-DFA0A04FC94B}">
-              <ma14:wrappingTextBoxFlag xmlns:ma14="http://schemas.microsoft.com/office/mac/drawingml/2011/main" xmlns:a14="http://schemas.microsoft.com/office/drawing/2010/main" xmlns:m="http://schemas.openxmlformats.org/officeDocument/2006/math" xmlns="" val="1"/>
+              <ma14:wrappingTextBoxFlag xmlns="" xmlns:m="http://schemas.openxmlformats.org/officeDocument/2006/math" xmlns:a14="http://schemas.microsoft.com/office/drawing/2010/main" xmlns:ma14="http://schemas.microsoft.com/office/mac/drawingml/2011/main" val="1"/>
             </a:ext>
           </a:extLst>
         </p:spPr>
@@ -7107,7 +7253,7 @@
           </a:ln>
           <a:extLst>
             <a:ext uri="{C572A759-6A51-4108-AA02-DFA0A04FC94B}">
-              <ma14:wrappingTextBoxFlag xmlns:ma14="http://schemas.microsoft.com/office/mac/drawingml/2011/main" xmlns:a14="http://schemas.microsoft.com/office/drawing/2010/main" xmlns:m="http://schemas.openxmlformats.org/officeDocument/2006/math" xmlns="" val="1"/>
+              <ma14:wrappingTextBoxFlag xmlns="" xmlns:m="http://schemas.openxmlformats.org/officeDocument/2006/math" xmlns:a14="http://schemas.microsoft.com/office/drawing/2010/main" xmlns:ma14="http://schemas.microsoft.com/office/mac/drawingml/2011/main" val="1"/>
             </a:ext>
           </a:extLst>
         </p:spPr>
@@ -7157,7 +7303,7 @@
           </a:ln>
           <a:extLst>
             <a:ext uri="{C572A759-6A51-4108-AA02-DFA0A04FC94B}">
-              <ma14:wrappingTextBoxFlag xmlns:ma14="http://schemas.microsoft.com/office/mac/drawingml/2011/main" xmlns:a14="http://schemas.microsoft.com/office/drawing/2010/main" xmlns:m="http://schemas.openxmlformats.org/officeDocument/2006/math" xmlns="" val="1"/>
+              <ma14:wrappingTextBoxFlag xmlns="" xmlns:m="http://schemas.openxmlformats.org/officeDocument/2006/math" xmlns:a14="http://schemas.microsoft.com/office/drawing/2010/main" xmlns:ma14="http://schemas.microsoft.com/office/mac/drawingml/2011/main" val="1"/>
             </a:ext>
           </a:extLst>
         </p:spPr>
@@ -7207,7 +7353,7 @@
           </a:ln>
           <a:extLst>
             <a:ext uri="{C572A759-6A51-4108-AA02-DFA0A04FC94B}">
-              <ma14:wrappingTextBoxFlag xmlns:ma14="http://schemas.microsoft.com/office/mac/drawingml/2011/main" xmlns:a14="http://schemas.microsoft.com/office/drawing/2010/main" xmlns:m="http://schemas.openxmlformats.org/officeDocument/2006/math" xmlns="" val="1"/>
+              <ma14:wrappingTextBoxFlag xmlns="" xmlns:m="http://schemas.openxmlformats.org/officeDocument/2006/math" xmlns:a14="http://schemas.microsoft.com/office/drawing/2010/main" xmlns:ma14="http://schemas.microsoft.com/office/mac/drawingml/2011/main" val="1"/>
             </a:ext>
           </a:extLst>
         </p:spPr>
@@ -7257,7 +7403,7 @@
           </a:ln>
           <a:extLst>
             <a:ext uri="{C572A759-6A51-4108-AA02-DFA0A04FC94B}">
-              <ma14:wrappingTextBoxFlag xmlns:ma14="http://schemas.microsoft.com/office/mac/drawingml/2011/main" xmlns:a14="http://schemas.microsoft.com/office/drawing/2010/main" xmlns:m="http://schemas.openxmlformats.org/officeDocument/2006/math" xmlns="" val="1"/>
+              <ma14:wrappingTextBoxFlag xmlns="" xmlns:m="http://schemas.openxmlformats.org/officeDocument/2006/math" xmlns:a14="http://schemas.microsoft.com/office/drawing/2010/main" xmlns:ma14="http://schemas.microsoft.com/office/mac/drawingml/2011/main" val="1"/>
             </a:ext>
           </a:extLst>
         </p:spPr>
@@ -7307,7 +7453,7 @@
           </a:ln>
           <a:extLst>
             <a:ext uri="{C572A759-6A51-4108-AA02-DFA0A04FC94B}">
-              <ma14:wrappingTextBoxFlag xmlns:ma14="http://schemas.microsoft.com/office/mac/drawingml/2011/main" xmlns:a14="http://schemas.microsoft.com/office/drawing/2010/main" xmlns:m="http://schemas.openxmlformats.org/officeDocument/2006/math" xmlns="" val="1"/>
+              <ma14:wrappingTextBoxFlag xmlns="" xmlns:m="http://schemas.openxmlformats.org/officeDocument/2006/math" xmlns:a14="http://schemas.microsoft.com/office/drawing/2010/main" xmlns:ma14="http://schemas.microsoft.com/office/mac/drawingml/2011/main" val="1"/>
             </a:ext>
           </a:extLst>
         </p:spPr>
@@ -7357,7 +7503,7 @@
           </a:ln>
           <a:extLst>
             <a:ext uri="{C572A759-6A51-4108-AA02-DFA0A04FC94B}">
-              <ma14:wrappingTextBoxFlag xmlns:ma14="http://schemas.microsoft.com/office/mac/drawingml/2011/main" xmlns:a14="http://schemas.microsoft.com/office/drawing/2010/main" xmlns:m="http://schemas.openxmlformats.org/officeDocument/2006/math" xmlns="" val="1"/>
+              <ma14:wrappingTextBoxFlag xmlns="" xmlns:m="http://schemas.openxmlformats.org/officeDocument/2006/math" xmlns:a14="http://schemas.microsoft.com/office/drawing/2010/main" xmlns:ma14="http://schemas.microsoft.com/office/mac/drawingml/2011/main" val="1"/>
             </a:ext>
           </a:extLst>
         </p:spPr>
@@ -7407,7 +7553,7 @@
           </a:ln>
           <a:extLst>
             <a:ext uri="{C572A759-6A51-4108-AA02-DFA0A04FC94B}">
-              <ma14:wrappingTextBoxFlag xmlns:ma14="http://schemas.microsoft.com/office/mac/drawingml/2011/main" xmlns:a14="http://schemas.microsoft.com/office/drawing/2010/main" xmlns:m="http://schemas.openxmlformats.org/officeDocument/2006/math" xmlns="" val="1"/>
+              <ma14:wrappingTextBoxFlag xmlns="" xmlns:m="http://schemas.openxmlformats.org/officeDocument/2006/math" xmlns:a14="http://schemas.microsoft.com/office/drawing/2010/main" xmlns:ma14="http://schemas.microsoft.com/office/mac/drawingml/2011/main" val="1"/>
             </a:ext>
           </a:extLst>
         </p:spPr>
@@ -7457,7 +7603,7 @@
           </a:ln>
           <a:extLst>
             <a:ext uri="{C572A759-6A51-4108-AA02-DFA0A04FC94B}">
-              <ma14:wrappingTextBoxFlag xmlns:ma14="http://schemas.microsoft.com/office/mac/drawingml/2011/main" xmlns:a14="http://schemas.microsoft.com/office/drawing/2010/main" xmlns:m="http://schemas.openxmlformats.org/officeDocument/2006/math" xmlns="" val="1"/>
+              <ma14:wrappingTextBoxFlag xmlns="" xmlns:m="http://schemas.openxmlformats.org/officeDocument/2006/math" xmlns:a14="http://schemas.microsoft.com/office/drawing/2010/main" xmlns:ma14="http://schemas.microsoft.com/office/mac/drawingml/2011/main" val="1"/>
             </a:ext>
           </a:extLst>
         </p:spPr>
@@ -7507,7 +7653,7 @@
           </a:ln>
           <a:extLst>
             <a:ext uri="{C572A759-6A51-4108-AA02-DFA0A04FC94B}">
-              <ma14:wrappingTextBoxFlag xmlns:ma14="http://schemas.microsoft.com/office/mac/drawingml/2011/main" xmlns:a14="http://schemas.microsoft.com/office/drawing/2010/main" xmlns:m="http://schemas.openxmlformats.org/officeDocument/2006/math" xmlns="" val="1"/>
+              <ma14:wrappingTextBoxFlag xmlns="" xmlns:m="http://schemas.openxmlformats.org/officeDocument/2006/math" xmlns:a14="http://schemas.microsoft.com/office/drawing/2010/main" xmlns:ma14="http://schemas.microsoft.com/office/mac/drawingml/2011/main" val="1"/>
             </a:ext>
           </a:extLst>
         </p:spPr>
@@ -7557,7 +7703,7 @@
           </a:ln>
           <a:extLst>
             <a:ext uri="{C572A759-6A51-4108-AA02-DFA0A04FC94B}">
-              <ma14:wrappingTextBoxFlag xmlns:ma14="http://schemas.microsoft.com/office/mac/drawingml/2011/main" xmlns:a14="http://schemas.microsoft.com/office/drawing/2010/main" xmlns:m="http://schemas.openxmlformats.org/officeDocument/2006/math" xmlns="" val="1"/>
+              <ma14:wrappingTextBoxFlag xmlns="" xmlns:m="http://schemas.openxmlformats.org/officeDocument/2006/math" xmlns:a14="http://schemas.microsoft.com/office/drawing/2010/main" xmlns:ma14="http://schemas.microsoft.com/office/mac/drawingml/2011/main" val="1"/>
             </a:ext>
           </a:extLst>
         </p:spPr>
@@ -7607,7 +7753,7 @@
           </a:ln>
           <a:extLst>
             <a:ext uri="{C572A759-6A51-4108-AA02-DFA0A04FC94B}">
-              <ma14:wrappingTextBoxFlag xmlns:ma14="http://schemas.microsoft.com/office/mac/drawingml/2011/main" xmlns:a14="http://schemas.microsoft.com/office/drawing/2010/main" xmlns:m="http://schemas.openxmlformats.org/officeDocument/2006/math" xmlns="" val="1"/>
+              <ma14:wrappingTextBoxFlag xmlns="" xmlns:m="http://schemas.openxmlformats.org/officeDocument/2006/math" xmlns:a14="http://schemas.microsoft.com/office/drawing/2010/main" xmlns:ma14="http://schemas.microsoft.com/office/mac/drawingml/2011/main" val="1"/>
             </a:ext>
           </a:extLst>
         </p:spPr>
@@ -7657,7 +7803,7 @@
           </a:ln>
           <a:extLst>
             <a:ext uri="{C572A759-6A51-4108-AA02-DFA0A04FC94B}">
-              <ma14:wrappingTextBoxFlag xmlns:ma14="http://schemas.microsoft.com/office/mac/drawingml/2011/main" xmlns:a14="http://schemas.microsoft.com/office/drawing/2010/main" xmlns:m="http://schemas.openxmlformats.org/officeDocument/2006/math" xmlns="" val="1"/>
+              <ma14:wrappingTextBoxFlag xmlns="" xmlns:m="http://schemas.openxmlformats.org/officeDocument/2006/math" xmlns:a14="http://schemas.microsoft.com/office/drawing/2010/main" xmlns:ma14="http://schemas.microsoft.com/office/mac/drawingml/2011/main" val="1"/>
             </a:ext>
           </a:extLst>
         </p:spPr>
@@ -8003,7 +8149,7 @@
           </a:ln>
           <a:extLst>
             <a:ext uri="{C572A759-6A51-4108-AA02-DFA0A04FC94B}">
-              <ma14:wrappingTextBoxFlag xmlns:ma14="http://schemas.microsoft.com/office/mac/drawingml/2011/main" xmlns:a14="http://schemas.microsoft.com/office/drawing/2010/main" xmlns:m="http://schemas.openxmlformats.org/officeDocument/2006/math" xmlns="" val="1"/>
+              <ma14:wrappingTextBoxFlag xmlns="" xmlns:m="http://schemas.openxmlformats.org/officeDocument/2006/math" xmlns:a14="http://schemas.microsoft.com/office/drawing/2010/main" xmlns:ma14="http://schemas.microsoft.com/office/mac/drawingml/2011/main" val="1"/>
             </a:ext>
           </a:extLst>
         </p:spPr>
@@ -8078,7 +8224,7 @@
           </a:ln>
           <a:extLst>
             <a:ext uri="{C572A759-6A51-4108-AA02-DFA0A04FC94B}">
-              <ma14:wrappingTextBoxFlag xmlns:ma14="http://schemas.microsoft.com/office/mac/drawingml/2011/main" xmlns:a14="http://schemas.microsoft.com/office/drawing/2010/main" xmlns:m="http://schemas.openxmlformats.org/officeDocument/2006/math" xmlns="" val="1"/>
+              <ma14:wrappingTextBoxFlag xmlns="" xmlns:m="http://schemas.openxmlformats.org/officeDocument/2006/math" xmlns:a14="http://schemas.microsoft.com/office/drawing/2010/main" xmlns:ma14="http://schemas.microsoft.com/office/mac/drawingml/2011/main" val="1"/>
             </a:ext>
           </a:extLst>
         </p:spPr>
@@ -8177,7 +8323,7 @@
           </a:ln>
           <a:extLst>
             <a:ext uri="{C572A759-6A51-4108-AA02-DFA0A04FC94B}">
-              <ma14:wrappingTextBoxFlag xmlns:ma14="http://schemas.microsoft.com/office/mac/drawingml/2011/main" xmlns:a14="http://schemas.microsoft.com/office/drawing/2010/main" xmlns:m="http://schemas.openxmlformats.org/officeDocument/2006/math" xmlns="" val="1"/>
+              <ma14:wrappingTextBoxFlag xmlns="" xmlns:m="http://schemas.openxmlformats.org/officeDocument/2006/math" xmlns:a14="http://schemas.microsoft.com/office/drawing/2010/main" xmlns:ma14="http://schemas.microsoft.com/office/mac/drawingml/2011/main" val="1"/>
             </a:ext>
           </a:extLst>
         </p:spPr>
@@ -8252,7 +8398,7 @@
           </a:ln>
           <a:extLst>
             <a:ext uri="{C572A759-6A51-4108-AA02-DFA0A04FC94B}">
-              <ma14:wrappingTextBoxFlag xmlns:ma14="http://schemas.microsoft.com/office/mac/drawingml/2011/main" xmlns:a14="http://schemas.microsoft.com/office/drawing/2010/main" xmlns:m="http://schemas.openxmlformats.org/officeDocument/2006/math" xmlns="" val="1"/>
+              <ma14:wrappingTextBoxFlag xmlns="" xmlns:m="http://schemas.openxmlformats.org/officeDocument/2006/math" xmlns:a14="http://schemas.microsoft.com/office/drawing/2010/main" xmlns:ma14="http://schemas.microsoft.com/office/mac/drawingml/2011/main" val="1"/>
             </a:ext>
           </a:extLst>
         </p:spPr>
@@ -8302,7 +8448,7 @@
           </a:ln>
           <a:extLst>
             <a:ext uri="{C572A759-6A51-4108-AA02-DFA0A04FC94B}">
-              <ma14:wrappingTextBoxFlag xmlns:ma14="http://schemas.microsoft.com/office/mac/drawingml/2011/main" xmlns:a14="http://schemas.microsoft.com/office/drawing/2010/main" xmlns:m="http://schemas.openxmlformats.org/officeDocument/2006/math" xmlns="" val="1"/>
+              <ma14:wrappingTextBoxFlag xmlns="" xmlns:m="http://schemas.openxmlformats.org/officeDocument/2006/math" xmlns:a14="http://schemas.microsoft.com/office/drawing/2010/main" xmlns:ma14="http://schemas.microsoft.com/office/mac/drawingml/2011/main" val="1"/>
             </a:ext>
           </a:extLst>
         </p:spPr>
@@ -8352,7 +8498,7 @@
           </a:ln>
           <a:extLst>
             <a:ext uri="{C572A759-6A51-4108-AA02-DFA0A04FC94B}">
-              <ma14:wrappingTextBoxFlag xmlns:ma14="http://schemas.microsoft.com/office/mac/drawingml/2011/main" xmlns:a14="http://schemas.microsoft.com/office/drawing/2010/main" xmlns:m="http://schemas.openxmlformats.org/officeDocument/2006/math" xmlns="" val="1"/>
+              <ma14:wrappingTextBoxFlag xmlns="" xmlns:m="http://schemas.openxmlformats.org/officeDocument/2006/math" xmlns:a14="http://schemas.microsoft.com/office/drawing/2010/main" xmlns:ma14="http://schemas.microsoft.com/office/mac/drawingml/2011/main" val="1"/>
             </a:ext>
           </a:extLst>
         </p:spPr>
@@ -8402,7 +8548,7 @@
           </a:ln>
           <a:extLst>
             <a:ext uri="{C572A759-6A51-4108-AA02-DFA0A04FC94B}">
-              <ma14:wrappingTextBoxFlag xmlns:ma14="http://schemas.microsoft.com/office/mac/drawingml/2011/main" xmlns:a14="http://schemas.microsoft.com/office/drawing/2010/main" xmlns:m="http://schemas.openxmlformats.org/officeDocument/2006/math" xmlns="" val="1"/>
+              <ma14:wrappingTextBoxFlag xmlns="" xmlns:m="http://schemas.openxmlformats.org/officeDocument/2006/math" xmlns:a14="http://schemas.microsoft.com/office/drawing/2010/main" xmlns:ma14="http://schemas.microsoft.com/office/mac/drawingml/2011/main" val="1"/>
             </a:ext>
           </a:extLst>
         </p:spPr>
@@ -8452,7 +8598,7 @@
           </a:ln>
           <a:extLst>
             <a:ext uri="{C572A759-6A51-4108-AA02-DFA0A04FC94B}">
-              <ma14:wrappingTextBoxFlag xmlns:ma14="http://schemas.microsoft.com/office/mac/drawingml/2011/main" xmlns:a14="http://schemas.microsoft.com/office/drawing/2010/main" xmlns:m="http://schemas.openxmlformats.org/officeDocument/2006/math" xmlns="" val="1"/>
+              <ma14:wrappingTextBoxFlag xmlns="" xmlns:m="http://schemas.openxmlformats.org/officeDocument/2006/math" xmlns:a14="http://schemas.microsoft.com/office/drawing/2010/main" xmlns:ma14="http://schemas.microsoft.com/office/mac/drawingml/2011/main" val="1"/>
             </a:ext>
           </a:extLst>
         </p:spPr>
@@ -8502,7 +8648,7 @@
           </a:ln>
           <a:extLst>
             <a:ext uri="{C572A759-6A51-4108-AA02-DFA0A04FC94B}">
-              <ma14:wrappingTextBoxFlag xmlns:ma14="http://schemas.microsoft.com/office/mac/drawingml/2011/main" xmlns:a14="http://schemas.microsoft.com/office/drawing/2010/main" xmlns:m="http://schemas.openxmlformats.org/officeDocument/2006/math" xmlns="" val="1"/>
+              <ma14:wrappingTextBoxFlag xmlns="" xmlns:m="http://schemas.openxmlformats.org/officeDocument/2006/math" xmlns:a14="http://schemas.microsoft.com/office/drawing/2010/main" xmlns:ma14="http://schemas.microsoft.com/office/mac/drawingml/2011/main" val="1"/>
             </a:ext>
           </a:extLst>
         </p:spPr>
@@ -8552,7 +8698,7 @@
           </a:ln>
           <a:extLst>
             <a:ext uri="{C572A759-6A51-4108-AA02-DFA0A04FC94B}">
-              <ma14:wrappingTextBoxFlag xmlns:ma14="http://schemas.microsoft.com/office/mac/drawingml/2011/main" xmlns:a14="http://schemas.microsoft.com/office/drawing/2010/main" xmlns:m="http://schemas.openxmlformats.org/officeDocument/2006/math" xmlns="" val="1"/>
+              <ma14:wrappingTextBoxFlag xmlns="" xmlns:m="http://schemas.openxmlformats.org/officeDocument/2006/math" xmlns:a14="http://schemas.microsoft.com/office/drawing/2010/main" xmlns:ma14="http://schemas.microsoft.com/office/mac/drawingml/2011/main" val="1"/>
             </a:ext>
           </a:extLst>
         </p:spPr>
@@ -8602,7 +8748,7 @@
           </a:ln>
           <a:extLst>
             <a:ext uri="{C572A759-6A51-4108-AA02-DFA0A04FC94B}">
-              <ma14:wrappingTextBoxFlag xmlns:ma14="http://schemas.microsoft.com/office/mac/drawingml/2011/main" xmlns:a14="http://schemas.microsoft.com/office/drawing/2010/main" xmlns:m="http://schemas.openxmlformats.org/officeDocument/2006/math" xmlns="" val="1"/>
+              <ma14:wrappingTextBoxFlag xmlns="" xmlns:m="http://schemas.openxmlformats.org/officeDocument/2006/math" xmlns:a14="http://schemas.microsoft.com/office/drawing/2010/main" xmlns:ma14="http://schemas.microsoft.com/office/mac/drawingml/2011/main" val="1"/>
             </a:ext>
           </a:extLst>
         </p:spPr>
@@ -8652,7 +8798,7 @@
           </a:ln>
           <a:extLst>
             <a:ext uri="{C572A759-6A51-4108-AA02-DFA0A04FC94B}">
-              <ma14:wrappingTextBoxFlag xmlns:ma14="http://schemas.microsoft.com/office/mac/drawingml/2011/main" xmlns:a14="http://schemas.microsoft.com/office/drawing/2010/main" xmlns:m="http://schemas.openxmlformats.org/officeDocument/2006/math" xmlns="" val="1"/>
+              <ma14:wrappingTextBoxFlag xmlns="" xmlns:m="http://schemas.openxmlformats.org/officeDocument/2006/math" xmlns:a14="http://schemas.microsoft.com/office/drawing/2010/main" xmlns:ma14="http://schemas.microsoft.com/office/mac/drawingml/2011/main" val="1"/>
             </a:ext>
           </a:extLst>
         </p:spPr>
@@ -8702,7 +8848,7 @@
           </a:ln>
           <a:extLst>
             <a:ext uri="{C572A759-6A51-4108-AA02-DFA0A04FC94B}">
-              <ma14:wrappingTextBoxFlag xmlns:ma14="http://schemas.microsoft.com/office/mac/drawingml/2011/main" xmlns:a14="http://schemas.microsoft.com/office/drawing/2010/main" xmlns:m="http://schemas.openxmlformats.org/officeDocument/2006/math" xmlns="" val="1"/>
+              <ma14:wrappingTextBoxFlag xmlns="" xmlns:m="http://schemas.openxmlformats.org/officeDocument/2006/math" xmlns:a14="http://schemas.microsoft.com/office/drawing/2010/main" xmlns:ma14="http://schemas.microsoft.com/office/mac/drawingml/2011/main" val="1"/>
             </a:ext>
           </a:extLst>
         </p:spPr>
@@ -8752,7 +8898,7 @@
           </a:ln>
           <a:extLst>
             <a:ext uri="{C572A759-6A51-4108-AA02-DFA0A04FC94B}">
-              <ma14:wrappingTextBoxFlag xmlns:ma14="http://schemas.microsoft.com/office/mac/drawingml/2011/main" xmlns:a14="http://schemas.microsoft.com/office/drawing/2010/main" xmlns:m="http://schemas.openxmlformats.org/officeDocument/2006/math" xmlns="" val="1"/>
+              <ma14:wrappingTextBoxFlag xmlns="" xmlns:m="http://schemas.openxmlformats.org/officeDocument/2006/math" xmlns:a14="http://schemas.microsoft.com/office/drawing/2010/main" xmlns:ma14="http://schemas.microsoft.com/office/mac/drawingml/2011/main" val="1"/>
             </a:ext>
           </a:extLst>
         </p:spPr>
@@ -8802,7 +8948,7 @@
           </a:ln>
           <a:extLst>
             <a:ext uri="{C572A759-6A51-4108-AA02-DFA0A04FC94B}">
-              <ma14:wrappingTextBoxFlag xmlns:ma14="http://schemas.microsoft.com/office/mac/drawingml/2011/main" xmlns:a14="http://schemas.microsoft.com/office/drawing/2010/main" xmlns:m="http://schemas.openxmlformats.org/officeDocument/2006/math" xmlns="" val="1"/>
+              <ma14:wrappingTextBoxFlag xmlns="" xmlns:m="http://schemas.openxmlformats.org/officeDocument/2006/math" xmlns:a14="http://schemas.microsoft.com/office/drawing/2010/main" xmlns:ma14="http://schemas.microsoft.com/office/mac/drawingml/2011/main" val="1"/>
             </a:ext>
           </a:extLst>
         </p:spPr>
@@ -8852,7 +8998,7 @@
           </a:ln>
           <a:extLst>
             <a:ext uri="{C572A759-6A51-4108-AA02-DFA0A04FC94B}">
-              <ma14:wrappingTextBoxFlag xmlns:ma14="http://schemas.microsoft.com/office/mac/drawingml/2011/main" xmlns:a14="http://schemas.microsoft.com/office/drawing/2010/main" xmlns:m="http://schemas.openxmlformats.org/officeDocument/2006/math" xmlns="" val="1"/>
+              <ma14:wrappingTextBoxFlag xmlns="" xmlns:m="http://schemas.openxmlformats.org/officeDocument/2006/math" xmlns:a14="http://schemas.microsoft.com/office/drawing/2010/main" xmlns:ma14="http://schemas.microsoft.com/office/mac/drawingml/2011/main" val="1"/>
             </a:ext>
           </a:extLst>
         </p:spPr>
@@ -8902,7 +9048,7 @@
           </a:ln>
           <a:extLst>
             <a:ext uri="{C572A759-6A51-4108-AA02-DFA0A04FC94B}">
-              <ma14:wrappingTextBoxFlag xmlns:ma14="http://schemas.microsoft.com/office/mac/drawingml/2011/main" xmlns:a14="http://schemas.microsoft.com/office/drawing/2010/main" xmlns:m="http://schemas.openxmlformats.org/officeDocument/2006/math" xmlns="" val="1"/>
+              <ma14:wrappingTextBoxFlag xmlns="" xmlns:m="http://schemas.openxmlformats.org/officeDocument/2006/math" xmlns:a14="http://schemas.microsoft.com/office/drawing/2010/main" xmlns:ma14="http://schemas.microsoft.com/office/mac/drawingml/2011/main" val="1"/>
             </a:ext>
           </a:extLst>
         </p:spPr>
@@ -8952,7 +9098,7 @@
           </a:ln>
           <a:extLst>
             <a:ext uri="{C572A759-6A51-4108-AA02-DFA0A04FC94B}">
-              <ma14:wrappingTextBoxFlag xmlns:ma14="http://schemas.microsoft.com/office/mac/drawingml/2011/main" xmlns:a14="http://schemas.microsoft.com/office/drawing/2010/main" xmlns:m="http://schemas.openxmlformats.org/officeDocument/2006/math" xmlns="" val="1"/>
+              <ma14:wrappingTextBoxFlag xmlns="" xmlns:m="http://schemas.openxmlformats.org/officeDocument/2006/math" xmlns:a14="http://schemas.microsoft.com/office/drawing/2010/main" xmlns:ma14="http://schemas.microsoft.com/office/mac/drawingml/2011/main" val="1"/>
             </a:ext>
           </a:extLst>
         </p:spPr>
@@ -9002,7 +9148,7 @@
           </a:ln>
           <a:extLst>
             <a:ext uri="{C572A759-6A51-4108-AA02-DFA0A04FC94B}">
-              <ma14:wrappingTextBoxFlag xmlns:ma14="http://schemas.microsoft.com/office/mac/drawingml/2011/main" xmlns:a14="http://schemas.microsoft.com/office/drawing/2010/main" xmlns:m="http://schemas.openxmlformats.org/officeDocument/2006/math" xmlns="" val="1"/>
+              <ma14:wrappingTextBoxFlag xmlns="" xmlns:m="http://schemas.openxmlformats.org/officeDocument/2006/math" xmlns:a14="http://schemas.microsoft.com/office/drawing/2010/main" xmlns:ma14="http://schemas.microsoft.com/office/mac/drawingml/2011/main" val="1"/>
             </a:ext>
           </a:extLst>
         </p:spPr>
@@ -9052,7 +9198,7 @@
           </a:ln>
           <a:extLst>
             <a:ext uri="{C572A759-6A51-4108-AA02-DFA0A04FC94B}">
-              <ma14:wrappingTextBoxFlag xmlns:ma14="http://schemas.microsoft.com/office/mac/drawingml/2011/main" xmlns:a14="http://schemas.microsoft.com/office/drawing/2010/main" xmlns:m="http://schemas.openxmlformats.org/officeDocument/2006/math" xmlns="" val="1"/>
+              <ma14:wrappingTextBoxFlag xmlns="" xmlns:m="http://schemas.openxmlformats.org/officeDocument/2006/math" xmlns:a14="http://schemas.microsoft.com/office/drawing/2010/main" xmlns:ma14="http://schemas.microsoft.com/office/mac/drawingml/2011/main" val="1"/>
             </a:ext>
           </a:extLst>
         </p:spPr>
@@ -9102,7 +9248,7 @@
           </a:ln>
           <a:extLst>
             <a:ext uri="{C572A759-6A51-4108-AA02-DFA0A04FC94B}">
-              <ma14:wrappingTextBoxFlag xmlns:ma14="http://schemas.microsoft.com/office/mac/drawingml/2011/main" xmlns:a14="http://schemas.microsoft.com/office/drawing/2010/main" xmlns:m="http://schemas.openxmlformats.org/officeDocument/2006/math" xmlns="" val="1"/>
+              <ma14:wrappingTextBoxFlag xmlns="" xmlns:m="http://schemas.openxmlformats.org/officeDocument/2006/math" xmlns:a14="http://schemas.microsoft.com/office/drawing/2010/main" xmlns:ma14="http://schemas.microsoft.com/office/mac/drawingml/2011/main" val="1"/>
             </a:ext>
           </a:extLst>
         </p:spPr>
@@ -9152,7 +9298,7 @@
           </a:ln>
           <a:extLst>
             <a:ext uri="{C572A759-6A51-4108-AA02-DFA0A04FC94B}">
-              <ma14:wrappingTextBoxFlag xmlns:ma14="http://schemas.microsoft.com/office/mac/drawingml/2011/main" xmlns:a14="http://schemas.microsoft.com/office/drawing/2010/main" xmlns:m="http://schemas.openxmlformats.org/officeDocument/2006/math" xmlns="" val="1"/>
+              <ma14:wrappingTextBoxFlag xmlns="" xmlns:m="http://schemas.openxmlformats.org/officeDocument/2006/math" xmlns:a14="http://schemas.microsoft.com/office/drawing/2010/main" xmlns:ma14="http://schemas.microsoft.com/office/mac/drawingml/2011/main" val="1"/>
             </a:ext>
           </a:extLst>
         </p:spPr>
@@ -9202,7 +9348,7 @@
           </a:ln>
           <a:extLst>
             <a:ext uri="{C572A759-6A51-4108-AA02-DFA0A04FC94B}">
-              <ma14:wrappingTextBoxFlag xmlns:ma14="http://schemas.microsoft.com/office/mac/drawingml/2011/main" xmlns:a14="http://schemas.microsoft.com/office/drawing/2010/main" xmlns:m="http://schemas.openxmlformats.org/officeDocument/2006/math" xmlns="" val="1"/>
+              <ma14:wrappingTextBoxFlag xmlns="" xmlns:m="http://schemas.openxmlformats.org/officeDocument/2006/math" xmlns:a14="http://schemas.microsoft.com/office/drawing/2010/main" xmlns:ma14="http://schemas.microsoft.com/office/mac/drawingml/2011/main" val="1"/>
             </a:ext>
           </a:extLst>
         </p:spPr>
@@ -9252,7 +9398,7 @@
           </a:ln>
           <a:extLst>
             <a:ext uri="{C572A759-6A51-4108-AA02-DFA0A04FC94B}">
-              <ma14:wrappingTextBoxFlag xmlns:ma14="http://schemas.microsoft.com/office/mac/drawingml/2011/main" xmlns:a14="http://schemas.microsoft.com/office/drawing/2010/main" xmlns:m="http://schemas.openxmlformats.org/officeDocument/2006/math" xmlns="" val="1"/>
+              <ma14:wrappingTextBoxFlag xmlns="" xmlns:m="http://schemas.openxmlformats.org/officeDocument/2006/math" xmlns:a14="http://schemas.microsoft.com/office/drawing/2010/main" xmlns:ma14="http://schemas.microsoft.com/office/mac/drawingml/2011/main" val="1"/>
             </a:ext>
           </a:extLst>
         </p:spPr>
@@ -9302,7 +9448,7 @@
           </a:ln>
           <a:extLst>
             <a:ext uri="{C572A759-6A51-4108-AA02-DFA0A04FC94B}">
-              <ma14:wrappingTextBoxFlag xmlns:ma14="http://schemas.microsoft.com/office/mac/drawingml/2011/main" xmlns:a14="http://schemas.microsoft.com/office/drawing/2010/main" xmlns:m="http://schemas.openxmlformats.org/officeDocument/2006/math" xmlns="" val="1"/>
+              <ma14:wrappingTextBoxFlag xmlns="" xmlns:m="http://schemas.openxmlformats.org/officeDocument/2006/math" xmlns:a14="http://schemas.microsoft.com/office/drawing/2010/main" xmlns:ma14="http://schemas.microsoft.com/office/mac/drawingml/2011/main" val="1"/>
             </a:ext>
           </a:extLst>
         </p:spPr>
@@ -9352,7 +9498,7 @@
           </a:ln>
           <a:extLst>
             <a:ext uri="{C572A759-6A51-4108-AA02-DFA0A04FC94B}">
-              <ma14:wrappingTextBoxFlag xmlns:ma14="http://schemas.microsoft.com/office/mac/drawingml/2011/main" xmlns:a14="http://schemas.microsoft.com/office/drawing/2010/main" xmlns:m="http://schemas.openxmlformats.org/officeDocument/2006/math" xmlns="" val="1"/>
+              <ma14:wrappingTextBoxFlag xmlns="" xmlns:m="http://schemas.openxmlformats.org/officeDocument/2006/math" xmlns:a14="http://schemas.microsoft.com/office/drawing/2010/main" xmlns:ma14="http://schemas.microsoft.com/office/mac/drawingml/2011/main" val="1"/>
             </a:ext>
           </a:extLst>
         </p:spPr>
@@ -9402,7 +9548,7 @@
           </a:ln>
           <a:extLst>
             <a:ext uri="{C572A759-6A51-4108-AA02-DFA0A04FC94B}">
-              <ma14:wrappingTextBoxFlag xmlns:ma14="http://schemas.microsoft.com/office/mac/drawingml/2011/main" xmlns:a14="http://schemas.microsoft.com/office/drawing/2010/main" xmlns:m="http://schemas.openxmlformats.org/officeDocument/2006/math" xmlns="" val="1"/>
+              <ma14:wrappingTextBoxFlag xmlns="" xmlns:m="http://schemas.openxmlformats.org/officeDocument/2006/math" xmlns:a14="http://schemas.microsoft.com/office/drawing/2010/main" xmlns:ma14="http://schemas.microsoft.com/office/mac/drawingml/2011/main" val="1"/>
             </a:ext>
           </a:extLst>
         </p:spPr>
@@ -9452,7 +9598,7 @@
           </a:ln>
           <a:extLst>
             <a:ext uri="{C572A759-6A51-4108-AA02-DFA0A04FC94B}">
-              <ma14:wrappingTextBoxFlag xmlns:ma14="http://schemas.microsoft.com/office/mac/drawingml/2011/main" xmlns:a14="http://schemas.microsoft.com/office/drawing/2010/main" xmlns:m="http://schemas.openxmlformats.org/officeDocument/2006/math" xmlns="" val="1"/>
+              <ma14:wrappingTextBoxFlag xmlns="" xmlns:m="http://schemas.openxmlformats.org/officeDocument/2006/math" xmlns:a14="http://schemas.microsoft.com/office/drawing/2010/main" xmlns:ma14="http://schemas.microsoft.com/office/mac/drawingml/2011/main" val="1"/>
             </a:ext>
           </a:extLst>
         </p:spPr>
@@ -9502,7 +9648,7 @@
           </a:ln>
           <a:extLst>
             <a:ext uri="{C572A759-6A51-4108-AA02-DFA0A04FC94B}">
-              <ma14:wrappingTextBoxFlag xmlns:ma14="http://schemas.microsoft.com/office/mac/drawingml/2011/main" xmlns:a14="http://schemas.microsoft.com/office/drawing/2010/main" xmlns:m="http://schemas.openxmlformats.org/officeDocument/2006/math" xmlns="" val="1"/>
+              <ma14:wrappingTextBoxFlag xmlns="" xmlns:m="http://schemas.openxmlformats.org/officeDocument/2006/math" xmlns:a14="http://schemas.microsoft.com/office/drawing/2010/main" xmlns:ma14="http://schemas.microsoft.com/office/mac/drawingml/2011/main" val="1"/>
             </a:ext>
           </a:extLst>
         </p:spPr>
@@ -9552,7 +9698,7 @@
           </a:ln>
           <a:extLst>
             <a:ext uri="{C572A759-6A51-4108-AA02-DFA0A04FC94B}">
-              <ma14:wrappingTextBoxFlag xmlns:ma14="http://schemas.microsoft.com/office/mac/drawingml/2011/main" xmlns:a14="http://schemas.microsoft.com/office/drawing/2010/main" xmlns:m="http://schemas.openxmlformats.org/officeDocument/2006/math" xmlns="" val="1"/>
+              <ma14:wrappingTextBoxFlag xmlns="" xmlns:m="http://schemas.openxmlformats.org/officeDocument/2006/math" xmlns:a14="http://schemas.microsoft.com/office/drawing/2010/main" xmlns:ma14="http://schemas.microsoft.com/office/mac/drawingml/2011/main" val="1"/>
             </a:ext>
           </a:extLst>
         </p:spPr>
@@ -9602,7 +9748,7 @@
           </a:ln>
           <a:extLst>
             <a:ext uri="{C572A759-6A51-4108-AA02-DFA0A04FC94B}">
-              <ma14:wrappingTextBoxFlag xmlns:ma14="http://schemas.microsoft.com/office/mac/drawingml/2011/main" xmlns:a14="http://schemas.microsoft.com/office/drawing/2010/main" xmlns:m="http://schemas.openxmlformats.org/officeDocument/2006/math" xmlns="" val="1"/>
+              <ma14:wrappingTextBoxFlag xmlns="" xmlns:m="http://schemas.openxmlformats.org/officeDocument/2006/math" xmlns:a14="http://schemas.microsoft.com/office/drawing/2010/main" xmlns:ma14="http://schemas.microsoft.com/office/mac/drawingml/2011/main" val="1"/>
             </a:ext>
           </a:extLst>
         </p:spPr>
@@ -9652,7 +9798,7 @@
           </a:ln>
           <a:extLst>
             <a:ext uri="{C572A759-6A51-4108-AA02-DFA0A04FC94B}">
-              <ma14:wrappingTextBoxFlag xmlns:ma14="http://schemas.microsoft.com/office/mac/drawingml/2011/main" xmlns:a14="http://schemas.microsoft.com/office/drawing/2010/main" xmlns:m="http://schemas.openxmlformats.org/officeDocument/2006/math" xmlns="" val="1"/>
+              <ma14:wrappingTextBoxFlag xmlns="" xmlns:m="http://schemas.openxmlformats.org/officeDocument/2006/math" xmlns:a14="http://schemas.microsoft.com/office/drawing/2010/main" xmlns:ma14="http://schemas.microsoft.com/office/mac/drawingml/2011/main" val="1"/>
             </a:ext>
           </a:extLst>
         </p:spPr>
@@ -10054,7 +10200,7 @@
             </a:ln>
             <a:extLst>
               <a:ext uri="{C572A759-6A51-4108-AA02-DFA0A04FC94B}">
-                <ma14:wrappingTextBoxFlag xmlns="" xmlns:m="http://schemas.openxmlformats.org/officeDocument/2006/math" xmlns:a14="http://schemas.microsoft.com/office/drawing/2010/main" xmlns:ma14="http://schemas.microsoft.com/office/mac/drawingml/2011/main" val="1"/>
+                <ma14:wrappingTextBoxFlag xmlns:ma14="http://schemas.microsoft.com/office/mac/drawingml/2011/main" xmlns:a14="http://schemas.microsoft.com/office/drawing/2010/main" xmlns:m="http://schemas.openxmlformats.org/officeDocument/2006/math" xmlns="" val="1"/>
               </a:ext>
             </a:extLst>
           </p:spPr>
@@ -10145,7 +10291,7 @@
           </a:ln>
           <a:extLst>
             <a:ext uri="{C572A759-6A51-4108-AA02-DFA0A04FC94B}">
-              <ma14:wrappingTextBoxFlag xmlns="" xmlns:m="http://schemas.openxmlformats.org/officeDocument/2006/math" xmlns:a14="http://schemas.microsoft.com/office/drawing/2010/main" xmlns:ma14="http://schemas.microsoft.com/office/mac/drawingml/2011/main" val="1"/>
+              <ma14:wrappingTextBoxFlag xmlns:ma14="http://schemas.microsoft.com/office/mac/drawingml/2011/main" xmlns:a14="http://schemas.microsoft.com/office/drawing/2010/main" xmlns:m="http://schemas.openxmlformats.org/officeDocument/2006/math" xmlns="" val="1"/>
             </a:ext>
           </a:extLst>
         </p:spPr>
@@ -10271,7 +10417,7 @@
           </a:ln>
           <a:extLst>
             <a:ext uri="{C572A759-6A51-4108-AA02-DFA0A04FC94B}">
-              <ma14:wrappingTextBoxFlag xmlns="" xmlns:m="http://schemas.openxmlformats.org/officeDocument/2006/math" xmlns:a14="http://schemas.microsoft.com/office/drawing/2010/main" xmlns:ma14="http://schemas.microsoft.com/office/mac/drawingml/2011/main" val="1"/>
+              <ma14:wrappingTextBoxFlag xmlns:ma14="http://schemas.microsoft.com/office/mac/drawingml/2011/main" xmlns:a14="http://schemas.microsoft.com/office/drawing/2010/main" xmlns:m="http://schemas.openxmlformats.org/officeDocument/2006/math" xmlns="" val="1"/>
             </a:ext>
           </a:extLst>
         </p:spPr>
@@ -10341,7 +10487,7 @@
           </a:ln>
           <a:extLst>
             <a:ext uri="{C572A759-6A51-4108-AA02-DFA0A04FC94B}">
-              <ma14:wrappingTextBoxFlag xmlns="" xmlns:m="http://schemas.openxmlformats.org/officeDocument/2006/math" xmlns:a14="http://schemas.microsoft.com/office/drawing/2010/main" xmlns:ma14="http://schemas.microsoft.com/office/mac/drawingml/2011/main" val="1"/>
+              <ma14:wrappingTextBoxFlag xmlns:ma14="http://schemas.microsoft.com/office/mac/drawingml/2011/main" xmlns:a14="http://schemas.microsoft.com/office/drawing/2010/main" xmlns:m="http://schemas.openxmlformats.org/officeDocument/2006/math" xmlns="" val="1"/>
             </a:ext>
           </a:extLst>
         </p:spPr>
@@ -10391,7 +10537,7 @@
           </a:ln>
           <a:extLst>
             <a:ext uri="{C572A759-6A51-4108-AA02-DFA0A04FC94B}">
-              <ma14:wrappingTextBoxFlag xmlns="" xmlns:m="http://schemas.openxmlformats.org/officeDocument/2006/math" xmlns:a14="http://schemas.microsoft.com/office/drawing/2010/main" xmlns:ma14="http://schemas.microsoft.com/office/mac/drawingml/2011/main" val="1"/>
+              <ma14:wrappingTextBoxFlag xmlns:ma14="http://schemas.microsoft.com/office/mac/drawingml/2011/main" xmlns:a14="http://schemas.microsoft.com/office/drawing/2010/main" xmlns:m="http://schemas.openxmlformats.org/officeDocument/2006/math" xmlns="" val="1"/>
             </a:ext>
           </a:extLst>
         </p:spPr>
@@ -10441,7 +10587,7 @@
           </a:ln>
           <a:extLst>
             <a:ext uri="{C572A759-6A51-4108-AA02-DFA0A04FC94B}">
-              <ma14:wrappingTextBoxFlag xmlns="" xmlns:m="http://schemas.openxmlformats.org/officeDocument/2006/math" xmlns:a14="http://schemas.microsoft.com/office/drawing/2010/main" xmlns:ma14="http://schemas.microsoft.com/office/mac/drawingml/2011/main" val="1"/>
+              <ma14:wrappingTextBoxFlag xmlns:ma14="http://schemas.microsoft.com/office/mac/drawingml/2011/main" xmlns:a14="http://schemas.microsoft.com/office/drawing/2010/main" xmlns:m="http://schemas.openxmlformats.org/officeDocument/2006/math" xmlns="" val="1"/>
             </a:ext>
           </a:extLst>
         </p:spPr>
@@ -10491,7 +10637,7 @@
           </a:ln>
           <a:extLst>
             <a:ext uri="{C572A759-6A51-4108-AA02-DFA0A04FC94B}">
-              <ma14:wrappingTextBoxFlag xmlns="" xmlns:m="http://schemas.openxmlformats.org/officeDocument/2006/math" xmlns:a14="http://schemas.microsoft.com/office/drawing/2010/main" xmlns:ma14="http://schemas.microsoft.com/office/mac/drawingml/2011/main" val="1"/>
+              <ma14:wrappingTextBoxFlag xmlns:ma14="http://schemas.microsoft.com/office/mac/drawingml/2011/main" xmlns:a14="http://schemas.microsoft.com/office/drawing/2010/main" xmlns:m="http://schemas.openxmlformats.org/officeDocument/2006/math" xmlns="" val="1"/>
             </a:ext>
           </a:extLst>
         </p:spPr>
@@ -10541,7 +10687,7 @@
           </a:ln>
           <a:extLst>
             <a:ext uri="{C572A759-6A51-4108-AA02-DFA0A04FC94B}">
-              <ma14:wrappingTextBoxFlag xmlns="" xmlns:m="http://schemas.openxmlformats.org/officeDocument/2006/math" xmlns:a14="http://schemas.microsoft.com/office/drawing/2010/main" xmlns:ma14="http://schemas.microsoft.com/office/mac/drawingml/2011/main" val="1"/>
+              <ma14:wrappingTextBoxFlag xmlns:ma14="http://schemas.microsoft.com/office/mac/drawingml/2011/main" xmlns:a14="http://schemas.microsoft.com/office/drawing/2010/main" xmlns:m="http://schemas.openxmlformats.org/officeDocument/2006/math" xmlns="" val="1"/>
             </a:ext>
           </a:extLst>
         </p:spPr>
@@ -10591,7 +10737,7 @@
           </a:ln>
           <a:extLst>
             <a:ext uri="{C572A759-6A51-4108-AA02-DFA0A04FC94B}">
-              <ma14:wrappingTextBoxFlag xmlns="" xmlns:m="http://schemas.openxmlformats.org/officeDocument/2006/math" xmlns:a14="http://schemas.microsoft.com/office/drawing/2010/main" xmlns:ma14="http://schemas.microsoft.com/office/mac/drawingml/2011/main" val="1"/>
+              <ma14:wrappingTextBoxFlag xmlns:ma14="http://schemas.microsoft.com/office/mac/drawingml/2011/main" xmlns:a14="http://schemas.microsoft.com/office/drawing/2010/main" xmlns:m="http://schemas.openxmlformats.org/officeDocument/2006/math" xmlns="" val="1"/>
             </a:ext>
           </a:extLst>
         </p:spPr>
@@ -10641,7 +10787,7 @@
           </a:ln>
           <a:extLst>
             <a:ext uri="{C572A759-6A51-4108-AA02-DFA0A04FC94B}">
-              <ma14:wrappingTextBoxFlag xmlns="" xmlns:m="http://schemas.openxmlformats.org/officeDocument/2006/math" xmlns:a14="http://schemas.microsoft.com/office/drawing/2010/main" xmlns:ma14="http://schemas.microsoft.com/office/mac/drawingml/2011/main" val="1"/>
+              <ma14:wrappingTextBoxFlag xmlns:ma14="http://schemas.microsoft.com/office/mac/drawingml/2011/main" xmlns:a14="http://schemas.microsoft.com/office/drawing/2010/main" xmlns:m="http://schemas.openxmlformats.org/officeDocument/2006/math" xmlns="" val="1"/>
             </a:ext>
           </a:extLst>
         </p:spPr>
@@ -10691,7 +10837,7 @@
           </a:ln>
           <a:extLst>
             <a:ext uri="{C572A759-6A51-4108-AA02-DFA0A04FC94B}">
-              <ma14:wrappingTextBoxFlag xmlns="" xmlns:m="http://schemas.openxmlformats.org/officeDocument/2006/math" xmlns:a14="http://schemas.microsoft.com/office/drawing/2010/main" xmlns:ma14="http://schemas.microsoft.com/office/mac/drawingml/2011/main" val="1"/>
+              <ma14:wrappingTextBoxFlag xmlns:ma14="http://schemas.microsoft.com/office/mac/drawingml/2011/main" xmlns:a14="http://schemas.microsoft.com/office/drawing/2010/main" xmlns:m="http://schemas.openxmlformats.org/officeDocument/2006/math" xmlns="" val="1"/>
             </a:ext>
           </a:extLst>
         </p:spPr>
@@ -10741,7 +10887,7 @@
           </a:ln>
           <a:extLst>
             <a:ext uri="{C572A759-6A51-4108-AA02-DFA0A04FC94B}">
-              <ma14:wrappingTextBoxFlag xmlns="" xmlns:m="http://schemas.openxmlformats.org/officeDocument/2006/math" xmlns:a14="http://schemas.microsoft.com/office/drawing/2010/main" xmlns:ma14="http://schemas.microsoft.com/office/mac/drawingml/2011/main" val="1"/>
+              <ma14:wrappingTextBoxFlag xmlns:ma14="http://schemas.microsoft.com/office/mac/drawingml/2011/main" xmlns:a14="http://schemas.microsoft.com/office/drawing/2010/main" xmlns:m="http://schemas.openxmlformats.org/officeDocument/2006/math" xmlns="" val="1"/>
             </a:ext>
           </a:extLst>
         </p:spPr>
@@ -10791,7 +10937,7 @@
           </a:ln>
           <a:extLst>
             <a:ext uri="{C572A759-6A51-4108-AA02-DFA0A04FC94B}">
-              <ma14:wrappingTextBoxFlag xmlns="" xmlns:m="http://schemas.openxmlformats.org/officeDocument/2006/math" xmlns:a14="http://schemas.microsoft.com/office/drawing/2010/main" xmlns:ma14="http://schemas.microsoft.com/office/mac/drawingml/2011/main" val="1"/>
+              <ma14:wrappingTextBoxFlag xmlns:ma14="http://schemas.microsoft.com/office/mac/drawingml/2011/main" xmlns:a14="http://schemas.microsoft.com/office/drawing/2010/main" xmlns:m="http://schemas.openxmlformats.org/officeDocument/2006/math" xmlns="" val="1"/>
             </a:ext>
           </a:extLst>
         </p:spPr>
@@ -10841,7 +10987,7 @@
           </a:ln>
           <a:extLst>
             <a:ext uri="{C572A759-6A51-4108-AA02-DFA0A04FC94B}">
-              <ma14:wrappingTextBoxFlag xmlns="" xmlns:m="http://schemas.openxmlformats.org/officeDocument/2006/math" xmlns:a14="http://schemas.microsoft.com/office/drawing/2010/main" xmlns:ma14="http://schemas.microsoft.com/office/mac/drawingml/2011/main" val="1"/>
+              <ma14:wrappingTextBoxFlag xmlns:ma14="http://schemas.microsoft.com/office/mac/drawingml/2011/main" xmlns:a14="http://schemas.microsoft.com/office/drawing/2010/main" xmlns:m="http://schemas.openxmlformats.org/officeDocument/2006/math" xmlns="" val="1"/>
             </a:ext>
           </a:extLst>
         </p:spPr>
@@ -10891,7 +11037,7 @@
           </a:ln>
           <a:extLst>
             <a:ext uri="{C572A759-6A51-4108-AA02-DFA0A04FC94B}">
-              <ma14:wrappingTextBoxFlag xmlns="" xmlns:m="http://schemas.openxmlformats.org/officeDocument/2006/math" xmlns:a14="http://schemas.microsoft.com/office/drawing/2010/main" xmlns:ma14="http://schemas.microsoft.com/office/mac/drawingml/2011/main" val="1"/>
+              <ma14:wrappingTextBoxFlag xmlns:ma14="http://schemas.microsoft.com/office/mac/drawingml/2011/main" xmlns:a14="http://schemas.microsoft.com/office/drawing/2010/main" xmlns:m="http://schemas.openxmlformats.org/officeDocument/2006/math" xmlns="" val="1"/>
             </a:ext>
           </a:extLst>
         </p:spPr>
@@ -10941,7 +11087,7 @@
           </a:ln>
           <a:extLst>
             <a:ext uri="{C572A759-6A51-4108-AA02-DFA0A04FC94B}">
-              <ma14:wrappingTextBoxFlag xmlns="" xmlns:m="http://schemas.openxmlformats.org/officeDocument/2006/math" xmlns:a14="http://schemas.microsoft.com/office/drawing/2010/main" xmlns:ma14="http://schemas.microsoft.com/office/mac/drawingml/2011/main" val="1"/>
+              <ma14:wrappingTextBoxFlag xmlns:ma14="http://schemas.microsoft.com/office/mac/drawingml/2011/main" xmlns:a14="http://schemas.microsoft.com/office/drawing/2010/main" xmlns:m="http://schemas.openxmlformats.org/officeDocument/2006/math" xmlns="" val="1"/>
             </a:ext>
           </a:extLst>
         </p:spPr>
@@ -10991,7 +11137,7 @@
           </a:ln>
           <a:extLst>
             <a:ext uri="{C572A759-6A51-4108-AA02-DFA0A04FC94B}">
-              <ma14:wrappingTextBoxFlag xmlns="" xmlns:m="http://schemas.openxmlformats.org/officeDocument/2006/math" xmlns:a14="http://schemas.microsoft.com/office/drawing/2010/main" xmlns:ma14="http://schemas.microsoft.com/office/mac/drawingml/2011/main" val="1"/>
+              <ma14:wrappingTextBoxFlag xmlns:ma14="http://schemas.microsoft.com/office/mac/drawingml/2011/main" xmlns:a14="http://schemas.microsoft.com/office/drawing/2010/main" xmlns:m="http://schemas.openxmlformats.org/officeDocument/2006/math" xmlns="" val="1"/>
             </a:ext>
           </a:extLst>
         </p:spPr>
@@ -11041,7 +11187,7 @@
           </a:ln>
           <a:extLst>
             <a:ext uri="{C572A759-6A51-4108-AA02-DFA0A04FC94B}">
-              <ma14:wrappingTextBoxFlag xmlns="" xmlns:m="http://schemas.openxmlformats.org/officeDocument/2006/math" xmlns:a14="http://schemas.microsoft.com/office/drawing/2010/main" xmlns:ma14="http://schemas.microsoft.com/office/mac/drawingml/2011/main" val="1"/>
+              <ma14:wrappingTextBoxFlag xmlns:ma14="http://schemas.microsoft.com/office/mac/drawingml/2011/main" xmlns:a14="http://schemas.microsoft.com/office/drawing/2010/main" xmlns:m="http://schemas.openxmlformats.org/officeDocument/2006/math" xmlns="" val="1"/>
             </a:ext>
           </a:extLst>
         </p:spPr>
@@ -11091,7 +11237,7 @@
           </a:ln>
           <a:extLst>
             <a:ext uri="{C572A759-6A51-4108-AA02-DFA0A04FC94B}">
-              <ma14:wrappingTextBoxFlag xmlns="" xmlns:m="http://schemas.openxmlformats.org/officeDocument/2006/math" xmlns:a14="http://schemas.microsoft.com/office/drawing/2010/main" xmlns:ma14="http://schemas.microsoft.com/office/mac/drawingml/2011/main" val="1"/>
+              <ma14:wrappingTextBoxFlag xmlns:ma14="http://schemas.microsoft.com/office/mac/drawingml/2011/main" xmlns:a14="http://schemas.microsoft.com/office/drawing/2010/main" xmlns:m="http://schemas.openxmlformats.org/officeDocument/2006/math" xmlns="" val="1"/>
             </a:ext>
           </a:extLst>
         </p:spPr>
@@ -11141,7 +11287,7 @@
           </a:ln>
           <a:extLst>
             <a:ext uri="{C572A759-6A51-4108-AA02-DFA0A04FC94B}">
-              <ma14:wrappingTextBoxFlag xmlns="" xmlns:m="http://schemas.openxmlformats.org/officeDocument/2006/math" xmlns:a14="http://schemas.microsoft.com/office/drawing/2010/main" xmlns:ma14="http://schemas.microsoft.com/office/mac/drawingml/2011/main" val="1"/>
+              <ma14:wrappingTextBoxFlag xmlns:ma14="http://schemas.microsoft.com/office/mac/drawingml/2011/main" xmlns:a14="http://schemas.microsoft.com/office/drawing/2010/main" xmlns:m="http://schemas.openxmlformats.org/officeDocument/2006/math" xmlns="" val="1"/>
             </a:ext>
           </a:extLst>
         </p:spPr>
@@ -11191,7 +11337,7 @@
           </a:ln>
           <a:extLst>
             <a:ext uri="{C572A759-6A51-4108-AA02-DFA0A04FC94B}">
-              <ma14:wrappingTextBoxFlag xmlns="" xmlns:m="http://schemas.openxmlformats.org/officeDocument/2006/math" xmlns:a14="http://schemas.microsoft.com/office/drawing/2010/main" xmlns:ma14="http://schemas.microsoft.com/office/mac/drawingml/2011/main" val="1"/>
+              <ma14:wrappingTextBoxFlag xmlns:ma14="http://schemas.microsoft.com/office/mac/drawingml/2011/main" xmlns:a14="http://schemas.microsoft.com/office/drawing/2010/main" xmlns:m="http://schemas.openxmlformats.org/officeDocument/2006/math" xmlns="" val="1"/>
             </a:ext>
           </a:extLst>
         </p:spPr>
@@ -11241,7 +11387,7 @@
           </a:ln>
           <a:extLst>
             <a:ext uri="{C572A759-6A51-4108-AA02-DFA0A04FC94B}">
-              <ma14:wrappingTextBoxFlag xmlns="" xmlns:m="http://schemas.openxmlformats.org/officeDocument/2006/math" xmlns:a14="http://schemas.microsoft.com/office/drawing/2010/main" xmlns:ma14="http://schemas.microsoft.com/office/mac/drawingml/2011/main" val="1"/>
+              <ma14:wrappingTextBoxFlag xmlns:ma14="http://schemas.microsoft.com/office/mac/drawingml/2011/main" xmlns:a14="http://schemas.microsoft.com/office/drawing/2010/main" xmlns:m="http://schemas.openxmlformats.org/officeDocument/2006/math" xmlns="" val="1"/>
             </a:ext>
           </a:extLst>
         </p:spPr>
@@ -11291,7 +11437,7 @@
           </a:ln>
           <a:extLst>
             <a:ext uri="{C572A759-6A51-4108-AA02-DFA0A04FC94B}">
-              <ma14:wrappingTextBoxFlag xmlns="" xmlns:m="http://schemas.openxmlformats.org/officeDocument/2006/math" xmlns:a14="http://schemas.microsoft.com/office/drawing/2010/main" xmlns:ma14="http://schemas.microsoft.com/office/mac/drawingml/2011/main" val="1"/>
+              <ma14:wrappingTextBoxFlag xmlns:ma14="http://schemas.microsoft.com/office/mac/drawingml/2011/main" xmlns:a14="http://schemas.microsoft.com/office/drawing/2010/main" xmlns:m="http://schemas.openxmlformats.org/officeDocument/2006/math" xmlns="" val="1"/>
             </a:ext>
           </a:extLst>
         </p:spPr>
@@ -11341,7 +11487,7 @@
           </a:ln>
           <a:extLst>
             <a:ext uri="{C572A759-6A51-4108-AA02-DFA0A04FC94B}">
-              <ma14:wrappingTextBoxFlag xmlns="" xmlns:m="http://schemas.openxmlformats.org/officeDocument/2006/math" xmlns:a14="http://schemas.microsoft.com/office/drawing/2010/main" xmlns:ma14="http://schemas.microsoft.com/office/mac/drawingml/2011/main" val="1"/>
+              <ma14:wrappingTextBoxFlag xmlns:ma14="http://schemas.microsoft.com/office/mac/drawingml/2011/main" xmlns:a14="http://schemas.microsoft.com/office/drawing/2010/main" xmlns:m="http://schemas.openxmlformats.org/officeDocument/2006/math" xmlns="" val="1"/>
             </a:ext>
           </a:extLst>
         </p:spPr>
@@ -11391,7 +11537,7 @@
           </a:ln>
           <a:extLst>
             <a:ext uri="{C572A759-6A51-4108-AA02-DFA0A04FC94B}">
-              <ma14:wrappingTextBoxFlag xmlns="" xmlns:m="http://schemas.openxmlformats.org/officeDocument/2006/math" xmlns:a14="http://schemas.microsoft.com/office/drawing/2010/main" xmlns:ma14="http://schemas.microsoft.com/office/mac/drawingml/2011/main" val="1"/>
+              <ma14:wrappingTextBoxFlag xmlns:ma14="http://schemas.microsoft.com/office/mac/drawingml/2011/main" xmlns:a14="http://schemas.microsoft.com/office/drawing/2010/main" xmlns:m="http://schemas.openxmlformats.org/officeDocument/2006/math" xmlns="" val="1"/>
             </a:ext>
           </a:extLst>
         </p:spPr>
@@ -11441,7 +11587,7 @@
           </a:ln>
           <a:extLst>
             <a:ext uri="{C572A759-6A51-4108-AA02-DFA0A04FC94B}">
-              <ma14:wrappingTextBoxFlag xmlns="" xmlns:m="http://schemas.openxmlformats.org/officeDocument/2006/math" xmlns:a14="http://schemas.microsoft.com/office/drawing/2010/main" xmlns:ma14="http://schemas.microsoft.com/office/mac/drawingml/2011/main" val="1"/>
+              <ma14:wrappingTextBoxFlag xmlns:ma14="http://schemas.microsoft.com/office/mac/drawingml/2011/main" xmlns:a14="http://schemas.microsoft.com/office/drawing/2010/main" xmlns:m="http://schemas.openxmlformats.org/officeDocument/2006/math" xmlns="" val="1"/>
             </a:ext>
           </a:extLst>
         </p:spPr>
@@ -11491,7 +11637,7 @@
           </a:ln>
           <a:extLst>
             <a:ext uri="{C572A759-6A51-4108-AA02-DFA0A04FC94B}">
-              <ma14:wrappingTextBoxFlag xmlns="" xmlns:m="http://schemas.openxmlformats.org/officeDocument/2006/math" xmlns:a14="http://schemas.microsoft.com/office/drawing/2010/main" xmlns:ma14="http://schemas.microsoft.com/office/mac/drawingml/2011/main" val="1"/>
+              <ma14:wrappingTextBoxFlag xmlns:ma14="http://schemas.microsoft.com/office/mac/drawingml/2011/main" xmlns:a14="http://schemas.microsoft.com/office/drawing/2010/main" xmlns:m="http://schemas.openxmlformats.org/officeDocument/2006/math" xmlns="" val="1"/>
             </a:ext>
           </a:extLst>
         </p:spPr>
@@ -11541,7 +11687,7 @@
           </a:ln>
           <a:extLst>
             <a:ext uri="{C572A759-6A51-4108-AA02-DFA0A04FC94B}">
-              <ma14:wrappingTextBoxFlag xmlns="" xmlns:m="http://schemas.openxmlformats.org/officeDocument/2006/math" xmlns:a14="http://schemas.microsoft.com/office/drawing/2010/main" xmlns:ma14="http://schemas.microsoft.com/office/mac/drawingml/2011/main" val="1"/>
+              <ma14:wrappingTextBoxFlag xmlns:ma14="http://schemas.microsoft.com/office/mac/drawingml/2011/main" xmlns:a14="http://schemas.microsoft.com/office/drawing/2010/main" xmlns:m="http://schemas.openxmlformats.org/officeDocument/2006/math" xmlns="" val="1"/>
             </a:ext>
           </a:extLst>
         </p:spPr>
@@ -11591,7 +11737,7 @@
           </a:ln>
           <a:extLst>
             <a:ext uri="{C572A759-6A51-4108-AA02-DFA0A04FC94B}">
-              <ma14:wrappingTextBoxFlag xmlns="" xmlns:m="http://schemas.openxmlformats.org/officeDocument/2006/math" xmlns:a14="http://schemas.microsoft.com/office/drawing/2010/main" xmlns:ma14="http://schemas.microsoft.com/office/mac/drawingml/2011/main" val="1"/>
+              <ma14:wrappingTextBoxFlag xmlns:ma14="http://schemas.microsoft.com/office/mac/drawingml/2011/main" xmlns:a14="http://schemas.microsoft.com/office/drawing/2010/main" xmlns:m="http://schemas.openxmlformats.org/officeDocument/2006/math" xmlns="" val="1"/>
             </a:ext>
           </a:extLst>
         </p:spPr>
@@ -11641,7 +11787,7 @@
           </a:ln>
           <a:extLst>
             <a:ext uri="{C572A759-6A51-4108-AA02-DFA0A04FC94B}">
-              <ma14:wrappingTextBoxFlag xmlns="" xmlns:m="http://schemas.openxmlformats.org/officeDocument/2006/math" xmlns:a14="http://schemas.microsoft.com/office/drawing/2010/main" xmlns:ma14="http://schemas.microsoft.com/office/mac/drawingml/2011/main" val="1"/>
+              <ma14:wrappingTextBoxFlag xmlns:ma14="http://schemas.microsoft.com/office/mac/drawingml/2011/main" xmlns:a14="http://schemas.microsoft.com/office/drawing/2010/main" xmlns:m="http://schemas.openxmlformats.org/officeDocument/2006/math" xmlns="" val="1"/>
             </a:ext>
           </a:extLst>
         </p:spPr>
@@ -11691,7 +11837,7 @@
           </a:ln>
           <a:extLst>
             <a:ext uri="{C572A759-6A51-4108-AA02-DFA0A04FC94B}">
-              <ma14:wrappingTextBoxFlag xmlns="" xmlns:m="http://schemas.openxmlformats.org/officeDocument/2006/math" xmlns:a14="http://schemas.microsoft.com/office/drawing/2010/main" xmlns:ma14="http://schemas.microsoft.com/office/mac/drawingml/2011/main" val="1"/>
+              <ma14:wrappingTextBoxFlag xmlns:ma14="http://schemas.microsoft.com/office/mac/drawingml/2011/main" xmlns:a14="http://schemas.microsoft.com/office/drawing/2010/main" xmlns:m="http://schemas.openxmlformats.org/officeDocument/2006/math" xmlns="" val="1"/>
             </a:ext>
           </a:extLst>
         </p:spPr>
@@ -11741,7 +11887,7 @@
           </a:ln>
           <a:extLst>
             <a:ext uri="{C572A759-6A51-4108-AA02-DFA0A04FC94B}">
-              <ma14:wrappingTextBoxFlag xmlns="" xmlns:m="http://schemas.openxmlformats.org/officeDocument/2006/math" xmlns:a14="http://schemas.microsoft.com/office/drawing/2010/main" xmlns:ma14="http://schemas.microsoft.com/office/mac/drawingml/2011/main" val="1"/>
+              <ma14:wrappingTextBoxFlag xmlns:ma14="http://schemas.microsoft.com/office/mac/drawingml/2011/main" xmlns:a14="http://schemas.microsoft.com/office/drawing/2010/main" xmlns:m="http://schemas.openxmlformats.org/officeDocument/2006/math" xmlns="" val="1"/>
             </a:ext>
           </a:extLst>
         </p:spPr>
@@ -12149,7 +12295,7 @@
             </a:ln>
             <a:extLst>
               <a:ext uri="{C572A759-6A51-4108-AA02-DFA0A04FC94B}">
-                <ma14:wrappingTextBoxFlag xmlns="" xmlns:m="http://schemas.openxmlformats.org/officeDocument/2006/math" xmlns:a14="http://schemas.microsoft.com/office/drawing/2010/main" xmlns:ma14="http://schemas.microsoft.com/office/mac/drawingml/2011/main" val="1"/>
+                <ma14:wrappingTextBoxFlag xmlns:ma14="http://schemas.microsoft.com/office/mac/drawingml/2011/main" xmlns:a14="http://schemas.microsoft.com/office/drawing/2010/main" xmlns:m="http://schemas.openxmlformats.org/officeDocument/2006/math" xmlns="" val="1"/>
               </a:ext>
             </a:extLst>
           </p:spPr>
@@ -12237,7 +12383,7 @@
           </a:ln>
           <a:extLst>
             <a:ext uri="{C572A759-6A51-4108-AA02-DFA0A04FC94B}">
-              <ma14:wrappingTextBoxFlag xmlns="" xmlns:m="http://schemas.openxmlformats.org/officeDocument/2006/math" xmlns:a14="http://schemas.microsoft.com/office/drawing/2010/main" xmlns:ma14="http://schemas.microsoft.com/office/mac/drawingml/2011/main" val="1"/>
+              <ma14:wrappingTextBoxFlag xmlns:ma14="http://schemas.microsoft.com/office/mac/drawingml/2011/main" xmlns:a14="http://schemas.microsoft.com/office/drawing/2010/main" xmlns:m="http://schemas.openxmlformats.org/officeDocument/2006/math" xmlns="" val="1"/>
             </a:ext>
           </a:extLst>
         </p:spPr>
@@ -12356,7 +12502,7 @@
           </a:ln>
           <a:extLst>
             <a:ext uri="{C572A759-6A51-4108-AA02-DFA0A04FC94B}">
-              <ma14:wrappingTextBoxFlag xmlns:ma14="http://schemas.microsoft.com/office/mac/drawingml/2011/main" xmlns:a14="http://schemas.microsoft.com/office/drawing/2010/main" xmlns:m="http://schemas.openxmlformats.org/officeDocument/2006/math" xmlns="" val="1"/>
+              <ma14:wrappingTextBoxFlag xmlns="" xmlns:m="http://schemas.openxmlformats.org/officeDocument/2006/math" xmlns:a14="http://schemas.microsoft.com/office/drawing/2010/main" xmlns:ma14="http://schemas.microsoft.com/office/mac/drawingml/2011/main" val="1"/>
             </a:ext>
           </a:extLst>
         </p:spPr>
@@ -12426,7 +12572,7 @@
           </a:ln>
           <a:extLst>
             <a:ext uri="{C572A759-6A51-4108-AA02-DFA0A04FC94B}">
-              <ma14:wrappingTextBoxFlag xmlns:ma14="http://schemas.microsoft.com/office/mac/drawingml/2011/main" xmlns:a14="http://schemas.microsoft.com/office/drawing/2010/main" xmlns:m="http://schemas.openxmlformats.org/officeDocument/2006/math" xmlns="" val="1"/>
+              <ma14:wrappingTextBoxFlag xmlns="" xmlns:m="http://schemas.openxmlformats.org/officeDocument/2006/math" xmlns:a14="http://schemas.microsoft.com/office/drawing/2010/main" xmlns:ma14="http://schemas.microsoft.com/office/mac/drawingml/2011/main" val="1"/>
             </a:ext>
           </a:extLst>
         </p:spPr>
@@ -12476,7 +12622,7 @@
           </a:ln>
           <a:extLst>
             <a:ext uri="{C572A759-6A51-4108-AA02-DFA0A04FC94B}">
-              <ma14:wrappingTextBoxFlag xmlns:ma14="http://schemas.microsoft.com/office/mac/drawingml/2011/main" xmlns:a14="http://schemas.microsoft.com/office/drawing/2010/main" xmlns:m="http://schemas.openxmlformats.org/officeDocument/2006/math" xmlns="" val="1"/>
+              <ma14:wrappingTextBoxFlag xmlns="" xmlns:m="http://schemas.openxmlformats.org/officeDocument/2006/math" xmlns:a14="http://schemas.microsoft.com/office/drawing/2010/main" xmlns:ma14="http://schemas.microsoft.com/office/mac/drawingml/2011/main" val="1"/>
             </a:ext>
           </a:extLst>
         </p:spPr>
@@ -12526,7 +12672,7 @@
           </a:ln>
           <a:extLst>
             <a:ext uri="{C572A759-6A51-4108-AA02-DFA0A04FC94B}">
-              <ma14:wrappingTextBoxFlag xmlns:ma14="http://schemas.microsoft.com/office/mac/drawingml/2011/main" xmlns:a14="http://schemas.microsoft.com/office/drawing/2010/main" xmlns:m="http://schemas.openxmlformats.org/officeDocument/2006/math" xmlns="" val="1"/>
+              <ma14:wrappingTextBoxFlag xmlns="" xmlns:m="http://schemas.openxmlformats.org/officeDocument/2006/math" xmlns:a14="http://schemas.microsoft.com/office/drawing/2010/main" xmlns:ma14="http://schemas.microsoft.com/office/mac/drawingml/2011/main" val="1"/>
             </a:ext>
           </a:extLst>
         </p:spPr>
@@ -12576,7 +12722,7 @@
           </a:ln>
           <a:extLst>
             <a:ext uri="{C572A759-6A51-4108-AA02-DFA0A04FC94B}">
-              <ma14:wrappingTextBoxFlag xmlns:ma14="http://schemas.microsoft.com/office/mac/drawingml/2011/main" xmlns:a14="http://schemas.microsoft.com/office/drawing/2010/main" xmlns:m="http://schemas.openxmlformats.org/officeDocument/2006/math" xmlns="" val="1"/>
+              <ma14:wrappingTextBoxFlag xmlns="" xmlns:m="http://schemas.openxmlformats.org/officeDocument/2006/math" xmlns:a14="http://schemas.microsoft.com/office/drawing/2010/main" xmlns:ma14="http://schemas.microsoft.com/office/mac/drawingml/2011/main" val="1"/>
             </a:ext>
           </a:extLst>
         </p:spPr>
@@ -12626,7 +12772,7 @@
           </a:ln>
           <a:extLst>
             <a:ext uri="{C572A759-6A51-4108-AA02-DFA0A04FC94B}">
-              <ma14:wrappingTextBoxFlag xmlns:ma14="http://schemas.microsoft.com/office/mac/drawingml/2011/main" xmlns:a14="http://schemas.microsoft.com/office/drawing/2010/main" xmlns:m="http://schemas.openxmlformats.org/officeDocument/2006/math" xmlns="" val="1"/>
+              <ma14:wrappingTextBoxFlag xmlns="" xmlns:m="http://schemas.openxmlformats.org/officeDocument/2006/math" xmlns:a14="http://schemas.microsoft.com/office/drawing/2010/main" xmlns:ma14="http://schemas.microsoft.com/office/mac/drawingml/2011/main" val="1"/>
             </a:ext>
           </a:extLst>
         </p:spPr>
@@ -12676,7 +12822,7 @@
           </a:ln>
           <a:extLst>
             <a:ext uri="{C572A759-6A51-4108-AA02-DFA0A04FC94B}">
-              <ma14:wrappingTextBoxFlag xmlns:ma14="http://schemas.microsoft.com/office/mac/drawingml/2011/main" xmlns:a14="http://schemas.microsoft.com/office/drawing/2010/main" xmlns:m="http://schemas.openxmlformats.org/officeDocument/2006/math" xmlns="" val="1"/>
+              <ma14:wrappingTextBoxFlag xmlns="" xmlns:m="http://schemas.openxmlformats.org/officeDocument/2006/math" xmlns:a14="http://schemas.microsoft.com/office/drawing/2010/main" xmlns:ma14="http://schemas.microsoft.com/office/mac/drawingml/2011/main" val="1"/>
             </a:ext>
           </a:extLst>
         </p:spPr>
@@ -12726,7 +12872,7 @@
           </a:ln>
           <a:extLst>
             <a:ext uri="{C572A759-6A51-4108-AA02-DFA0A04FC94B}">
-              <ma14:wrappingTextBoxFlag xmlns:ma14="http://schemas.microsoft.com/office/mac/drawingml/2011/main" xmlns:a14="http://schemas.microsoft.com/office/drawing/2010/main" xmlns:m="http://schemas.openxmlformats.org/officeDocument/2006/math" xmlns="" val="1"/>
+              <ma14:wrappingTextBoxFlag xmlns="" xmlns:m="http://schemas.openxmlformats.org/officeDocument/2006/math" xmlns:a14="http://schemas.microsoft.com/office/drawing/2010/main" xmlns:ma14="http://schemas.microsoft.com/office/mac/drawingml/2011/main" val="1"/>
             </a:ext>
           </a:extLst>
         </p:spPr>
@@ -12776,7 +12922,7 @@
           </a:ln>
           <a:extLst>
             <a:ext uri="{C572A759-6A51-4108-AA02-DFA0A04FC94B}">
-              <ma14:wrappingTextBoxFlag xmlns:ma14="http://schemas.microsoft.com/office/mac/drawingml/2011/main" xmlns:a14="http://schemas.microsoft.com/office/drawing/2010/main" xmlns:m="http://schemas.openxmlformats.org/officeDocument/2006/math" xmlns="" val="1"/>
+              <ma14:wrappingTextBoxFlag xmlns="" xmlns:m="http://schemas.openxmlformats.org/officeDocument/2006/math" xmlns:a14="http://schemas.microsoft.com/office/drawing/2010/main" xmlns:ma14="http://schemas.microsoft.com/office/mac/drawingml/2011/main" val="1"/>
             </a:ext>
           </a:extLst>
         </p:spPr>
@@ -12826,7 +12972,7 @@
           </a:ln>
           <a:extLst>
             <a:ext uri="{C572A759-6A51-4108-AA02-DFA0A04FC94B}">
-              <ma14:wrappingTextBoxFlag xmlns:ma14="http://schemas.microsoft.com/office/mac/drawingml/2011/main" xmlns:a14="http://schemas.microsoft.com/office/drawing/2010/main" xmlns:m="http://schemas.openxmlformats.org/officeDocument/2006/math" xmlns="" val="1"/>
+              <ma14:wrappingTextBoxFlag xmlns="" xmlns:m="http://schemas.openxmlformats.org/officeDocument/2006/math" xmlns:a14="http://schemas.microsoft.com/office/drawing/2010/main" xmlns:ma14="http://schemas.microsoft.com/office/mac/drawingml/2011/main" val="1"/>
             </a:ext>
           </a:extLst>
         </p:spPr>
@@ -12876,7 +13022,7 @@
           </a:ln>
           <a:extLst>
             <a:ext uri="{C572A759-6A51-4108-AA02-DFA0A04FC94B}">
-              <ma14:wrappingTextBoxFlag xmlns:ma14="http://schemas.microsoft.com/office/mac/drawingml/2011/main" xmlns:a14="http://schemas.microsoft.com/office/drawing/2010/main" xmlns:m="http://schemas.openxmlformats.org/officeDocument/2006/math" xmlns="" val="1"/>
+              <ma14:wrappingTextBoxFlag xmlns="" xmlns:m="http://schemas.openxmlformats.org/officeDocument/2006/math" xmlns:a14="http://schemas.microsoft.com/office/drawing/2010/main" xmlns:ma14="http://schemas.microsoft.com/office/mac/drawingml/2011/main" val="1"/>
             </a:ext>
           </a:extLst>
         </p:spPr>
@@ -12926,7 +13072,7 @@
           </a:ln>
           <a:extLst>
             <a:ext uri="{C572A759-6A51-4108-AA02-DFA0A04FC94B}">
-              <ma14:wrappingTextBoxFlag xmlns:ma14="http://schemas.microsoft.com/office/mac/drawingml/2011/main" xmlns:a14="http://schemas.microsoft.com/office/drawing/2010/main" xmlns:m="http://schemas.openxmlformats.org/officeDocument/2006/math" xmlns="" val="1"/>
+              <ma14:wrappingTextBoxFlag xmlns="" xmlns:m="http://schemas.openxmlformats.org/officeDocument/2006/math" xmlns:a14="http://schemas.microsoft.com/office/drawing/2010/main" xmlns:ma14="http://schemas.microsoft.com/office/mac/drawingml/2011/main" val="1"/>
             </a:ext>
           </a:extLst>
         </p:spPr>
@@ -12976,7 +13122,7 @@
           </a:ln>
           <a:extLst>
             <a:ext uri="{C572A759-6A51-4108-AA02-DFA0A04FC94B}">
-              <ma14:wrappingTextBoxFlag xmlns:ma14="http://schemas.microsoft.com/office/mac/drawingml/2011/main" xmlns:a14="http://schemas.microsoft.com/office/drawing/2010/main" xmlns:m="http://schemas.openxmlformats.org/officeDocument/2006/math" xmlns="" val="1"/>
+              <ma14:wrappingTextBoxFlag xmlns="" xmlns:m="http://schemas.openxmlformats.org/officeDocument/2006/math" xmlns:a14="http://schemas.microsoft.com/office/drawing/2010/main" xmlns:ma14="http://schemas.microsoft.com/office/mac/drawingml/2011/main" val="1"/>
             </a:ext>
           </a:extLst>
         </p:spPr>
@@ -13026,7 +13172,7 @@
           </a:ln>
           <a:extLst>
             <a:ext uri="{C572A759-6A51-4108-AA02-DFA0A04FC94B}">
-              <ma14:wrappingTextBoxFlag xmlns:ma14="http://schemas.microsoft.com/office/mac/drawingml/2011/main" xmlns:a14="http://schemas.microsoft.com/office/drawing/2010/main" xmlns:m="http://schemas.openxmlformats.org/officeDocument/2006/math" xmlns="" val="1"/>
+              <ma14:wrappingTextBoxFlag xmlns="" xmlns:m="http://schemas.openxmlformats.org/officeDocument/2006/math" xmlns:a14="http://schemas.microsoft.com/office/drawing/2010/main" xmlns:ma14="http://schemas.microsoft.com/office/mac/drawingml/2011/main" val="1"/>
             </a:ext>
           </a:extLst>
         </p:spPr>
@@ -13076,7 +13222,7 @@
           </a:ln>
           <a:extLst>
             <a:ext uri="{C572A759-6A51-4108-AA02-DFA0A04FC94B}">
-              <ma14:wrappingTextBoxFlag xmlns:ma14="http://schemas.microsoft.com/office/mac/drawingml/2011/main" xmlns:a14="http://schemas.microsoft.com/office/drawing/2010/main" xmlns:m="http://schemas.openxmlformats.org/officeDocument/2006/math" xmlns="" val="1"/>
+              <ma14:wrappingTextBoxFlag xmlns="" xmlns:m="http://schemas.openxmlformats.org/officeDocument/2006/math" xmlns:a14="http://schemas.microsoft.com/office/drawing/2010/main" xmlns:ma14="http://schemas.microsoft.com/office/mac/drawingml/2011/main" val="1"/>
             </a:ext>
           </a:extLst>
         </p:spPr>
@@ -13126,7 +13272,7 @@
           </a:ln>
           <a:extLst>
             <a:ext uri="{C572A759-6A51-4108-AA02-DFA0A04FC94B}">
-              <ma14:wrappingTextBoxFlag xmlns:ma14="http://schemas.microsoft.com/office/mac/drawingml/2011/main" xmlns:a14="http://schemas.microsoft.com/office/drawing/2010/main" xmlns:m="http://schemas.openxmlformats.org/officeDocument/2006/math" xmlns="" val="1"/>
+              <ma14:wrappingTextBoxFlag xmlns="" xmlns:m="http://schemas.openxmlformats.org/officeDocument/2006/math" xmlns:a14="http://schemas.microsoft.com/office/drawing/2010/main" xmlns:ma14="http://schemas.microsoft.com/office/mac/drawingml/2011/main" val="1"/>
             </a:ext>
           </a:extLst>
         </p:spPr>
@@ -13176,7 +13322,7 @@
           </a:ln>
           <a:extLst>
             <a:ext uri="{C572A759-6A51-4108-AA02-DFA0A04FC94B}">
-              <ma14:wrappingTextBoxFlag xmlns:ma14="http://schemas.microsoft.com/office/mac/drawingml/2011/main" xmlns:a14="http://schemas.microsoft.com/office/drawing/2010/main" xmlns:m="http://schemas.openxmlformats.org/officeDocument/2006/math" xmlns="" val="1"/>
+              <ma14:wrappingTextBoxFlag xmlns="" xmlns:m="http://schemas.openxmlformats.org/officeDocument/2006/math" xmlns:a14="http://schemas.microsoft.com/office/drawing/2010/main" xmlns:ma14="http://schemas.microsoft.com/office/mac/drawingml/2011/main" val="1"/>
             </a:ext>
           </a:extLst>
         </p:spPr>
@@ -13226,7 +13372,7 @@
           </a:ln>
           <a:extLst>
             <a:ext uri="{C572A759-6A51-4108-AA02-DFA0A04FC94B}">
-              <ma14:wrappingTextBoxFlag xmlns:ma14="http://schemas.microsoft.com/office/mac/drawingml/2011/main" xmlns:a14="http://schemas.microsoft.com/office/drawing/2010/main" xmlns:m="http://schemas.openxmlformats.org/officeDocument/2006/math" xmlns="" val="1"/>
+              <ma14:wrappingTextBoxFlag xmlns="" xmlns:m="http://schemas.openxmlformats.org/officeDocument/2006/math" xmlns:a14="http://schemas.microsoft.com/office/drawing/2010/main" xmlns:ma14="http://schemas.microsoft.com/office/mac/drawingml/2011/main" val="1"/>
             </a:ext>
           </a:extLst>
         </p:spPr>
@@ -13276,7 +13422,7 @@
           </a:ln>
           <a:extLst>
             <a:ext uri="{C572A759-6A51-4108-AA02-DFA0A04FC94B}">
-              <ma14:wrappingTextBoxFlag xmlns:ma14="http://schemas.microsoft.com/office/mac/drawingml/2011/main" xmlns:a14="http://schemas.microsoft.com/office/drawing/2010/main" xmlns:m="http://schemas.openxmlformats.org/officeDocument/2006/math" xmlns="" val="1"/>
+              <ma14:wrappingTextBoxFlag xmlns="" xmlns:m="http://schemas.openxmlformats.org/officeDocument/2006/math" xmlns:a14="http://schemas.microsoft.com/office/drawing/2010/main" xmlns:ma14="http://schemas.microsoft.com/office/mac/drawingml/2011/main" val="1"/>
             </a:ext>
           </a:extLst>
         </p:spPr>
@@ -13326,7 +13472,7 @@
           </a:ln>
           <a:extLst>
             <a:ext uri="{C572A759-6A51-4108-AA02-DFA0A04FC94B}">
-              <ma14:wrappingTextBoxFlag xmlns:ma14="http://schemas.microsoft.com/office/mac/drawingml/2011/main" xmlns:a14="http://schemas.microsoft.com/office/drawing/2010/main" xmlns:m="http://schemas.openxmlformats.org/officeDocument/2006/math" xmlns="" val="1"/>
+              <ma14:wrappingTextBoxFlag xmlns="" xmlns:m="http://schemas.openxmlformats.org/officeDocument/2006/math" xmlns:a14="http://schemas.microsoft.com/office/drawing/2010/main" xmlns:ma14="http://schemas.microsoft.com/office/mac/drawingml/2011/main" val="1"/>
             </a:ext>
           </a:extLst>
         </p:spPr>
@@ -13376,7 +13522,7 @@
           </a:ln>
           <a:extLst>
             <a:ext uri="{C572A759-6A51-4108-AA02-DFA0A04FC94B}">
-              <ma14:wrappingTextBoxFlag xmlns:ma14="http://schemas.microsoft.com/office/mac/drawingml/2011/main" xmlns:a14="http://schemas.microsoft.com/office/drawing/2010/main" xmlns:m="http://schemas.openxmlformats.org/officeDocument/2006/math" xmlns="" val="1"/>
+              <ma14:wrappingTextBoxFlag xmlns="" xmlns:m="http://schemas.openxmlformats.org/officeDocument/2006/math" xmlns:a14="http://schemas.microsoft.com/office/drawing/2010/main" xmlns:ma14="http://schemas.microsoft.com/office/mac/drawingml/2011/main" val="1"/>
             </a:ext>
           </a:extLst>
         </p:spPr>
@@ -13426,7 +13572,7 @@
           </a:ln>
           <a:extLst>
             <a:ext uri="{C572A759-6A51-4108-AA02-DFA0A04FC94B}">
-              <ma14:wrappingTextBoxFlag xmlns:ma14="http://schemas.microsoft.com/office/mac/drawingml/2011/main" xmlns:a14="http://schemas.microsoft.com/office/drawing/2010/main" xmlns:m="http://schemas.openxmlformats.org/officeDocument/2006/math" xmlns="" val="1"/>
+              <ma14:wrappingTextBoxFlag xmlns="" xmlns:m="http://schemas.openxmlformats.org/officeDocument/2006/math" xmlns:a14="http://schemas.microsoft.com/office/drawing/2010/main" xmlns:ma14="http://schemas.microsoft.com/office/mac/drawingml/2011/main" val="1"/>
             </a:ext>
           </a:extLst>
         </p:spPr>
@@ -13476,7 +13622,7 @@
           </a:ln>
           <a:extLst>
             <a:ext uri="{C572A759-6A51-4108-AA02-DFA0A04FC94B}">
-              <ma14:wrappingTextBoxFlag xmlns:ma14="http://schemas.microsoft.com/office/mac/drawingml/2011/main" xmlns:a14="http://schemas.microsoft.com/office/drawing/2010/main" xmlns:m="http://schemas.openxmlformats.org/officeDocument/2006/math" xmlns="" val="1"/>
+              <ma14:wrappingTextBoxFlag xmlns="" xmlns:m="http://schemas.openxmlformats.org/officeDocument/2006/math" xmlns:a14="http://schemas.microsoft.com/office/drawing/2010/main" xmlns:ma14="http://schemas.microsoft.com/office/mac/drawingml/2011/main" val="1"/>
             </a:ext>
           </a:extLst>
         </p:spPr>
@@ -13526,7 +13672,7 @@
           </a:ln>
           <a:extLst>
             <a:ext uri="{C572A759-6A51-4108-AA02-DFA0A04FC94B}">
-              <ma14:wrappingTextBoxFlag xmlns:ma14="http://schemas.microsoft.com/office/mac/drawingml/2011/main" xmlns:a14="http://schemas.microsoft.com/office/drawing/2010/main" xmlns:m="http://schemas.openxmlformats.org/officeDocument/2006/math" xmlns="" val="1"/>
+              <ma14:wrappingTextBoxFlag xmlns="" xmlns:m="http://schemas.openxmlformats.org/officeDocument/2006/math" xmlns:a14="http://schemas.microsoft.com/office/drawing/2010/main" xmlns:ma14="http://schemas.microsoft.com/office/mac/drawingml/2011/main" val="1"/>
             </a:ext>
           </a:extLst>
         </p:spPr>
@@ -13576,7 +13722,7 @@
           </a:ln>
           <a:extLst>
             <a:ext uri="{C572A759-6A51-4108-AA02-DFA0A04FC94B}">
-              <ma14:wrappingTextBoxFlag xmlns:ma14="http://schemas.microsoft.com/office/mac/drawingml/2011/main" xmlns:a14="http://schemas.microsoft.com/office/drawing/2010/main" xmlns:m="http://schemas.openxmlformats.org/officeDocument/2006/math" xmlns="" val="1"/>
+              <ma14:wrappingTextBoxFlag xmlns="" xmlns:m="http://schemas.openxmlformats.org/officeDocument/2006/math" xmlns:a14="http://schemas.microsoft.com/office/drawing/2010/main" xmlns:ma14="http://schemas.microsoft.com/office/mac/drawingml/2011/main" val="1"/>
             </a:ext>
           </a:extLst>
         </p:spPr>
@@ -13626,7 +13772,7 @@
           </a:ln>
           <a:extLst>
             <a:ext uri="{C572A759-6A51-4108-AA02-DFA0A04FC94B}">
-              <ma14:wrappingTextBoxFlag xmlns:ma14="http://schemas.microsoft.com/office/mac/drawingml/2011/main" xmlns:a14="http://schemas.microsoft.com/office/drawing/2010/main" xmlns:m="http://schemas.openxmlformats.org/officeDocument/2006/math" xmlns="" val="1"/>
+              <ma14:wrappingTextBoxFlag xmlns="" xmlns:m="http://schemas.openxmlformats.org/officeDocument/2006/math" xmlns:a14="http://schemas.microsoft.com/office/drawing/2010/main" xmlns:ma14="http://schemas.microsoft.com/office/mac/drawingml/2011/main" val="1"/>
             </a:ext>
           </a:extLst>
         </p:spPr>
@@ -13676,7 +13822,7 @@
           </a:ln>
           <a:extLst>
             <a:ext uri="{C572A759-6A51-4108-AA02-DFA0A04FC94B}">
-              <ma14:wrappingTextBoxFlag xmlns:ma14="http://schemas.microsoft.com/office/mac/drawingml/2011/main" xmlns:a14="http://schemas.microsoft.com/office/drawing/2010/main" xmlns:m="http://schemas.openxmlformats.org/officeDocument/2006/math" xmlns="" val="1"/>
+              <ma14:wrappingTextBoxFlag xmlns="" xmlns:m="http://schemas.openxmlformats.org/officeDocument/2006/math" xmlns:a14="http://schemas.microsoft.com/office/drawing/2010/main" xmlns:ma14="http://schemas.microsoft.com/office/mac/drawingml/2011/main" val="1"/>
             </a:ext>
           </a:extLst>
         </p:spPr>
@@ -13726,7 +13872,7 @@
           </a:ln>
           <a:extLst>
             <a:ext uri="{C572A759-6A51-4108-AA02-DFA0A04FC94B}">
-              <ma14:wrappingTextBoxFlag xmlns:ma14="http://schemas.microsoft.com/office/mac/drawingml/2011/main" xmlns:a14="http://schemas.microsoft.com/office/drawing/2010/main" xmlns:m="http://schemas.openxmlformats.org/officeDocument/2006/math" xmlns="" val="1"/>
+              <ma14:wrappingTextBoxFlag xmlns="" xmlns:m="http://schemas.openxmlformats.org/officeDocument/2006/math" xmlns:a14="http://schemas.microsoft.com/office/drawing/2010/main" xmlns:ma14="http://schemas.microsoft.com/office/mac/drawingml/2011/main" val="1"/>
             </a:ext>
           </a:extLst>
         </p:spPr>
@@ -13776,7 +13922,7 @@
           </a:ln>
           <a:extLst>
             <a:ext uri="{C572A759-6A51-4108-AA02-DFA0A04FC94B}">
-              <ma14:wrappingTextBoxFlag xmlns:ma14="http://schemas.microsoft.com/office/mac/drawingml/2011/main" xmlns:a14="http://schemas.microsoft.com/office/drawing/2010/main" xmlns:m="http://schemas.openxmlformats.org/officeDocument/2006/math" xmlns="" val="1"/>
+              <ma14:wrappingTextBoxFlag xmlns="" xmlns:m="http://schemas.openxmlformats.org/officeDocument/2006/math" xmlns:a14="http://schemas.microsoft.com/office/drawing/2010/main" xmlns:ma14="http://schemas.microsoft.com/office/mac/drawingml/2011/main" val="1"/>
             </a:ext>
           </a:extLst>
         </p:spPr>
@@ -13826,7 +13972,7 @@
           </a:ln>
           <a:extLst>
             <a:ext uri="{C572A759-6A51-4108-AA02-DFA0A04FC94B}">
-              <ma14:wrappingTextBoxFlag xmlns:ma14="http://schemas.microsoft.com/office/mac/drawingml/2011/main" xmlns:a14="http://schemas.microsoft.com/office/drawing/2010/main" xmlns:m="http://schemas.openxmlformats.org/officeDocument/2006/math" xmlns="" val="1"/>
+              <ma14:wrappingTextBoxFlag xmlns="" xmlns:m="http://schemas.openxmlformats.org/officeDocument/2006/math" xmlns:a14="http://schemas.microsoft.com/office/drawing/2010/main" xmlns:ma14="http://schemas.microsoft.com/office/mac/drawingml/2011/main" val="1"/>
             </a:ext>
           </a:extLst>
         </p:spPr>
@@ -14234,7 +14380,7 @@
             </a:ln>
             <a:extLst>
               <a:ext uri="{C572A759-6A51-4108-AA02-DFA0A04FC94B}">
-                <ma14:wrappingTextBoxFlag xmlns="" xmlns:m="http://schemas.openxmlformats.org/officeDocument/2006/math" xmlns:a14="http://schemas.microsoft.com/office/drawing/2010/main" xmlns:ma14="http://schemas.microsoft.com/office/mac/drawingml/2011/main" val="1"/>
+                <ma14:wrappingTextBoxFlag xmlns:ma14="http://schemas.microsoft.com/office/mac/drawingml/2011/main" xmlns:a14="http://schemas.microsoft.com/office/drawing/2010/main" xmlns:m="http://schemas.openxmlformats.org/officeDocument/2006/math" xmlns="" val="1"/>
               </a:ext>
             </a:extLst>
           </p:spPr>
@@ -14396,7 +14542,7 @@
           </a:ln>
           <a:extLst>
             <a:ext uri="{C572A759-6A51-4108-AA02-DFA0A04FC94B}">
-              <ma14:wrappingTextBoxFlag xmlns:ma14="http://schemas.microsoft.com/office/mac/drawingml/2011/main" xmlns:a14="http://schemas.microsoft.com/office/drawing/2010/main" xmlns:m="http://schemas.openxmlformats.org/officeDocument/2006/math" xmlns="" val="1"/>
+              <ma14:wrappingTextBoxFlag xmlns="" xmlns:m="http://schemas.openxmlformats.org/officeDocument/2006/math" xmlns:a14="http://schemas.microsoft.com/office/drawing/2010/main" xmlns:ma14="http://schemas.microsoft.com/office/mac/drawingml/2011/main" val="1"/>
             </a:ext>
           </a:extLst>
         </p:spPr>
@@ -14446,7 +14592,7 @@
           </a:ln>
           <a:extLst>
             <a:ext uri="{C572A759-6A51-4108-AA02-DFA0A04FC94B}">
-              <ma14:wrappingTextBoxFlag xmlns:ma14="http://schemas.microsoft.com/office/mac/drawingml/2011/main" xmlns:a14="http://schemas.microsoft.com/office/drawing/2010/main" xmlns:m="http://schemas.openxmlformats.org/officeDocument/2006/math" xmlns="" val="1"/>
+              <ma14:wrappingTextBoxFlag xmlns="" xmlns:m="http://schemas.openxmlformats.org/officeDocument/2006/math" xmlns:a14="http://schemas.microsoft.com/office/drawing/2010/main" xmlns:ma14="http://schemas.microsoft.com/office/mac/drawingml/2011/main" val="1"/>
             </a:ext>
           </a:extLst>
         </p:spPr>
@@ -14496,7 +14642,7 @@
           </a:ln>
           <a:extLst>
             <a:ext uri="{C572A759-6A51-4108-AA02-DFA0A04FC94B}">
-              <ma14:wrappingTextBoxFlag xmlns:ma14="http://schemas.microsoft.com/office/mac/drawingml/2011/main" xmlns:a14="http://schemas.microsoft.com/office/drawing/2010/main" xmlns:m="http://schemas.openxmlformats.org/officeDocument/2006/math" xmlns="" val="1"/>
+              <ma14:wrappingTextBoxFlag xmlns="" xmlns:m="http://schemas.openxmlformats.org/officeDocument/2006/math" xmlns:a14="http://schemas.microsoft.com/office/drawing/2010/main" xmlns:ma14="http://schemas.microsoft.com/office/mac/drawingml/2011/main" val="1"/>
             </a:ext>
           </a:extLst>
         </p:spPr>
@@ -14546,7 +14692,7 @@
           </a:ln>
           <a:extLst>
             <a:ext uri="{C572A759-6A51-4108-AA02-DFA0A04FC94B}">
-              <ma14:wrappingTextBoxFlag xmlns:ma14="http://schemas.microsoft.com/office/mac/drawingml/2011/main" xmlns:a14="http://schemas.microsoft.com/office/drawing/2010/main" xmlns:m="http://schemas.openxmlformats.org/officeDocument/2006/math" xmlns="" val="1"/>
+              <ma14:wrappingTextBoxFlag xmlns="" xmlns:m="http://schemas.openxmlformats.org/officeDocument/2006/math" xmlns:a14="http://schemas.microsoft.com/office/drawing/2010/main" xmlns:ma14="http://schemas.microsoft.com/office/mac/drawingml/2011/main" val="1"/>
             </a:ext>
           </a:extLst>
         </p:spPr>
@@ -14596,7 +14742,7 @@
           </a:ln>
           <a:extLst>
             <a:ext uri="{C572A759-6A51-4108-AA02-DFA0A04FC94B}">
-              <ma14:wrappingTextBoxFlag xmlns:ma14="http://schemas.microsoft.com/office/mac/drawingml/2011/main" xmlns:a14="http://schemas.microsoft.com/office/drawing/2010/main" xmlns:m="http://schemas.openxmlformats.org/officeDocument/2006/math" xmlns="" val="1"/>
+              <ma14:wrappingTextBoxFlag xmlns="" xmlns:m="http://schemas.openxmlformats.org/officeDocument/2006/math" xmlns:a14="http://schemas.microsoft.com/office/drawing/2010/main" xmlns:ma14="http://schemas.microsoft.com/office/mac/drawingml/2011/main" val="1"/>
             </a:ext>
           </a:extLst>
         </p:spPr>
@@ -14646,7 +14792,7 @@
           </a:ln>
           <a:extLst>
             <a:ext uri="{C572A759-6A51-4108-AA02-DFA0A04FC94B}">
-              <ma14:wrappingTextBoxFlag xmlns:ma14="http://schemas.microsoft.com/office/mac/drawingml/2011/main" xmlns:a14="http://schemas.microsoft.com/office/drawing/2010/main" xmlns:m="http://schemas.openxmlformats.org/officeDocument/2006/math" xmlns="" val="1"/>
+              <ma14:wrappingTextBoxFlag xmlns="" xmlns:m="http://schemas.openxmlformats.org/officeDocument/2006/math" xmlns:a14="http://schemas.microsoft.com/office/drawing/2010/main" xmlns:ma14="http://schemas.microsoft.com/office/mac/drawingml/2011/main" val="1"/>
             </a:ext>
           </a:extLst>
         </p:spPr>
@@ -14696,7 +14842,7 @@
           </a:ln>
           <a:extLst>
             <a:ext uri="{C572A759-6A51-4108-AA02-DFA0A04FC94B}">
-              <ma14:wrappingTextBoxFlag xmlns:ma14="http://schemas.microsoft.com/office/mac/drawingml/2011/main" xmlns:a14="http://schemas.microsoft.com/office/drawing/2010/main" xmlns:m="http://schemas.openxmlformats.org/officeDocument/2006/math" xmlns="" val="1"/>
+              <ma14:wrappingTextBoxFlag xmlns="" xmlns:m="http://schemas.openxmlformats.org/officeDocument/2006/math" xmlns:a14="http://schemas.microsoft.com/office/drawing/2010/main" xmlns:ma14="http://schemas.microsoft.com/office/mac/drawingml/2011/main" val="1"/>
             </a:ext>
           </a:extLst>
         </p:spPr>
@@ -14746,7 +14892,7 @@
           </a:ln>
           <a:extLst>
             <a:ext uri="{C572A759-6A51-4108-AA02-DFA0A04FC94B}">
-              <ma14:wrappingTextBoxFlag xmlns:ma14="http://schemas.microsoft.com/office/mac/drawingml/2011/main" xmlns:a14="http://schemas.microsoft.com/office/drawing/2010/main" xmlns:m="http://schemas.openxmlformats.org/officeDocument/2006/math" xmlns="" val="1"/>
+              <ma14:wrappingTextBoxFlag xmlns="" xmlns:m="http://schemas.openxmlformats.org/officeDocument/2006/math" xmlns:a14="http://schemas.microsoft.com/office/drawing/2010/main" xmlns:ma14="http://schemas.microsoft.com/office/mac/drawingml/2011/main" val="1"/>
             </a:ext>
           </a:extLst>
         </p:spPr>
@@ -14796,7 +14942,7 @@
           </a:ln>
           <a:extLst>
             <a:ext uri="{C572A759-6A51-4108-AA02-DFA0A04FC94B}">
-              <ma14:wrappingTextBoxFlag xmlns:ma14="http://schemas.microsoft.com/office/mac/drawingml/2011/main" xmlns:a14="http://schemas.microsoft.com/office/drawing/2010/main" xmlns:m="http://schemas.openxmlformats.org/officeDocument/2006/math" xmlns="" val="1"/>
+              <ma14:wrappingTextBoxFlag xmlns="" xmlns:m="http://schemas.openxmlformats.org/officeDocument/2006/math" xmlns:a14="http://schemas.microsoft.com/office/drawing/2010/main" xmlns:ma14="http://schemas.microsoft.com/office/mac/drawingml/2011/main" val="1"/>
             </a:ext>
           </a:extLst>
         </p:spPr>
@@ -14846,7 +14992,7 @@
           </a:ln>
           <a:extLst>
             <a:ext uri="{C572A759-6A51-4108-AA02-DFA0A04FC94B}">
-              <ma14:wrappingTextBoxFlag xmlns:ma14="http://schemas.microsoft.com/office/mac/drawingml/2011/main" xmlns:a14="http://schemas.microsoft.com/office/drawing/2010/main" xmlns:m="http://schemas.openxmlformats.org/officeDocument/2006/math" xmlns="" val="1"/>
+              <ma14:wrappingTextBoxFlag xmlns="" xmlns:m="http://schemas.openxmlformats.org/officeDocument/2006/math" xmlns:a14="http://schemas.microsoft.com/office/drawing/2010/main" xmlns:ma14="http://schemas.microsoft.com/office/mac/drawingml/2011/main" val="1"/>
             </a:ext>
           </a:extLst>
         </p:spPr>
@@ -14896,7 +15042,7 @@
           </a:ln>
           <a:extLst>
             <a:ext uri="{C572A759-6A51-4108-AA02-DFA0A04FC94B}">
-              <ma14:wrappingTextBoxFlag xmlns:ma14="http://schemas.microsoft.com/office/mac/drawingml/2011/main" xmlns:a14="http://schemas.microsoft.com/office/drawing/2010/main" xmlns:m="http://schemas.openxmlformats.org/officeDocument/2006/math" xmlns="" val="1"/>
+              <ma14:wrappingTextBoxFlag xmlns="" xmlns:m="http://schemas.openxmlformats.org/officeDocument/2006/math" xmlns:a14="http://schemas.microsoft.com/office/drawing/2010/main" xmlns:ma14="http://schemas.microsoft.com/office/mac/drawingml/2011/main" val="1"/>
             </a:ext>
           </a:extLst>
         </p:spPr>
@@ -14946,7 +15092,7 @@
           </a:ln>
           <a:extLst>
             <a:ext uri="{C572A759-6A51-4108-AA02-DFA0A04FC94B}">
-              <ma14:wrappingTextBoxFlag xmlns:ma14="http://schemas.microsoft.com/office/mac/drawingml/2011/main" xmlns:a14="http://schemas.microsoft.com/office/drawing/2010/main" xmlns:m="http://schemas.openxmlformats.org/officeDocument/2006/math" xmlns="" val="1"/>
+              <ma14:wrappingTextBoxFlag xmlns="" xmlns:m="http://schemas.openxmlformats.org/officeDocument/2006/math" xmlns:a14="http://schemas.microsoft.com/office/drawing/2010/main" xmlns:ma14="http://schemas.microsoft.com/office/mac/drawingml/2011/main" val="1"/>
             </a:ext>
           </a:extLst>
         </p:spPr>
@@ -14996,7 +15142,7 @@
           </a:ln>
           <a:extLst>
             <a:ext uri="{C572A759-6A51-4108-AA02-DFA0A04FC94B}">
-              <ma14:wrappingTextBoxFlag xmlns:ma14="http://schemas.microsoft.com/office/mac/drawingml/2011/main" xmlns:a14="http://schemas.microsoft.com/office/drawing/2010/main" xmlns:m="http://schemas.openxmlformats.org/officeDocument/2006/math" xmlns="" val="1"/>
+              <ma14:wrappingTextBoxFlag xmlns="" xmlns:m="http://schemas.openxmlformats.org/officeDocument/2006/math" xmlns:a14="http://schemas.microsoft.com/office/drawing/2010/main" xmlns:ma14="http://schemas.microsoft.com/office/mac/drawingml/2011/main" val="1"/>
             </a:ext>
           </a:extLst>
         </p:spPr>
@@ -15046,7 +15192,7 @@
           </a:ln>
           <a:extLst>
             <a:ext uri="{C572A759-6A51-4108-AA02-DFA0A04FC94B}">
-              <ma14:wrappingTextBoxFlag xmlns:ma14="http://schemas.microsoft.com/office/mac/drawingml/2011/main" xmlns:a14="http://schemas.microsoft.com/office/drawing/2010/main" xmlns:m="http://schemas.openxmlformats.org/officeDocument/2006/math" xmlns="" val="1"/>
+              <ma14:wrappingTextBoxFlag xmlns="" xmlns:m="http://schemas.openxmlformats.org/officeDocument/2006/math" xmlns:a14="http://schemas.microsoft.com/office/drawing/2010/main" xmlns:ma14="http://schemas.microsoft.com/office/mac/drawingml/2011/main" val="1"/>
             </a:ext>
           </a:extLst>
         </p:spPr>
@@ -15096,7 +15242,7 @@
           </a:ln>
           <a:extLst>
             <a:ext uri="{C572A759-6A51-4108-AA02-DFA0A04FC94B}">
-              <ma14:wrappingTextBoxFlag xmlns:ma14="http://schemas.microsoft.com/office/mac/drawingml/2011/main" xmlns:a14="http://schemas.microsoft.com/office/drawing/2010/main" xmlns:m="http://schemas.openxmlformats.org/officeDocument/2006/math" xmlns="" val="1"/>
+              <ma14:wrappingTextBoxFlag xmlns="" xmlns:m="http://schemas.openxmlformats.org/officeDocument/2006/math" xmlns:a14="http://schemas.microsoft.com/office/drawing/2010/main" xmlns:ma14="http://schemas.microsoft.com/office/mac/drawingml/2011/main" val="1"/>
             </a:ext>
           </a:extLst>
         </p:spPr>
@@ -15146,7 +15292,7 @@
           </a:ln>
           <a:extLst>
             <a:ext uri="{C572A759-6A51-4108-AA02-DFA0A04FC94B}">
-              <ma14:wrappingTextBoxFlag xmlns:ma14="http://schemas.microsoft.com/office/mac/drawingml/2011/main" xmlns:a14="http://schemas.microsoft.com/office/drawing/2010/main" xmlns:m="http://schemas.openxmlformats.org/officeDocument/2006/math" xmlns="" val="1"/>
+              <ma14:wrappingTextBoxFlag xmlns="" xmlns:m="http://schemas.openxmlformats.org/officeDocument/2006/math" xmlns:a14="http://schemas.microsoft.com/office/drawing/2010/main" xmlns:ma14="http://schemas.microsoft.com/office/mac/drawingml/2011/main" val="1"/>
             </a:ext>
           </a:extLst>
         </p:spPr>
@@ -15196,7 +15342,7 @@
           </a:ln>
           <a:extLst>
             <a:ext uri="{C572A759-6A51-4108-AA02-DFA0A04FC94B}">
-              <ma14:wrappingTextBoxFlag xmlns:ma14="http://schemas.microsoft.com/office/mac/drawingml/2011/main" xmlns:a14="http://schemas.microsoft.com/office/drawing/2010/main" xmlns:m="http://schemas.openxmlformats.org/officeDocument/2006/math" xmlns="" val="1"/>
+              <ma14:wrappingTextBoxFlag xmlns="" xmlns:m="http://schemas.openxmlformats.org/officeDocument/2006/math" xmlns:a14="http://schemas.microsoft.com/office/drawing/2010/main" xmlns:ma14="http://schemas.microsoft.com/office/mac/drawingml/2011/main" val="1"/>
             </a:ext>
           </a:extLst>
         </p:spPr>
@@ -15246,7 +15392,7 @@
           </a:ln>
           <a:extLst>
             <a:ext uri="{C572A759-6A51-4108-AA02-DFA0A04FC94B}">
-              <ma14:wrappingTextBoxFlag xmlns:ma14="http://schemas.microsoft.com/office/mac/drawingml/2011/main" xmlns:a14="http://schemas.microsoft.com/office/drawing/2010/main" xmlns:m="http://schemas.openxmlformats.org/officeDocument/2006/math" xmlns="" val="1"/>
+              <ma14:wrappingTextBoxFlag xmlns="" xmlns:m="http://schemas.openxmlformats.org/officeDocument/2006/math" xmlns:a14="http://schemas.microsoft.com/office/drawing/2010/main" xmlns:ma14="http://schemas.microsoft.com/office/mac/drawingml/2011/main" val="1"/>
             </a:ext>
           </a:extLst>
         </p:spPr>
@@ -15296,7 +15442,7 @@
           </a:ln>
           <a:extLst>
             <a:ext uri="{C572A759-6A51-4108-AA02-DFA0A04FC94B}">
-              <ma14:wrappingTextBoxFlag xmlns:ma14="http://schemas.microsoft.com/office/mac/drawingml/2011/main" xmlns:a14="http://schemas.microsoft.com/office/drawing/2010/main" xmlns:m="http://schemas.openxmlformats.org/officeDocument/2006/math" xmlns="" val="1"/>
+              <ma14:wrappingTextBoxFlag xmlns="" xmlns:m="http://schemas.openxmlformats.org/officeDocument/2006/math" xmlns:a14="http://schemas.microsoft.com/office/drawing/2010/main" xmlns:ma14="http://schemas.microsoft.com/office/mac/drawingml/2011/main" val="1"/>
             </a:ext>
           </a:extLst>
         </p:spPr>
@@ -15346,7 +15492,7 @@
           </a:ln>
           <a:extLst>
             <a:ext uri="{C572A759-6A51-4108-AA02-DFA0A04FC94B}">
-              <ma14:wrappingTextBoxFlag xmlns:ma14="http://schemas.microsoft.com/office/mac/drawingml/2011/main" xmlns:a14="http://schemas.microsoft.com/office/drawing/2010/main" xmlns:m="http://schemas.openxmlformats.org/officeDocument/2006/math" xmlns="" val="1"/>
+              <ma14:wrappingTextBoxFlag xmlns="" xmlns:m="http://schemas.openxmlformats.org/officeDocument/2006/math" xmlns:a14="http://schemas.microsoft.com/office/drawing/2010/main" xmlns:ma14="http://schemas.microsoft.com/office/mac/drawingml/2011/main" val="1"/>
             </a:ext>
           </a:extLst>
         </p:spPr>
@@ -15396,7 +15542,7 @@
           </a:ln>
           <a:extLst>
             <a:ext uri="{C572A759-6A51-4108-AA02-DFA0A04FC94B}">
-              <ma14:wrappingTextBoxFlag xmlns:ma14="http://schemas.microsoft.com/office/mac/drawingml/2011/main" xmlns:a14="http://schemas.microsoft.com/office/drawing/2010/main" xmlns:m="http://schemas.openxmlformats.org/officeDocument/2006/math" xmlns="" val="1"/>
+              <ma14:wrappingTextBoxFlag xmlns="" xmlns:m="http://schemas.openxmlformats.org/officeDocument/2006/math" xmlns:a14="http://schemas.microsoft.com/office/drawing/2010/main" xmlns:ma14="http://schemas.microsoft.com/office/mac/drawingml/2011/main" val="1"/>
             </a:ext>
           </a:extLst>
         </p:spPr>
@@ -15446,7 +15592,7 @@
           </a:ln>
           <a:extLst>
             <a:ext uri="{C572A759-6A51-4108-AA02-DFA0A04FC94B}">
-              <ma14:wrappingTextBoxFlag xmlns:ma14="http://schemas.microsoft.com/office/mac/drawingml/2011/main" xmlns:a14="http://schemas.microsoft.com/office/drawing/2010/main" xmlns:m="http://schemas.openxmlformats.org/officeDocument/2006/math" xmlns="" val="1"/>
+              <ma14:wrappingTextBoxFlag xmlns="" xmlns:m="http://schemas.openxmlformats.org/officeDocument/2006/math" xmlns:a14="http://schemas.microsoft.com/office/drawing/2010/main" xmlns:ma14="http://schemas.microsoft.com/office/mac/drawingml/2011/main" val="1"/>
             </a:ext>
           </a:extLst>
         </p:spPr>
@@ -15496,7 +15642,7 @@
           </a:ln>
           <a:extLst>
             <a:ext uri="{C572A759-6A51-4108-AA02-DFA0A04FC94B}">
-              <ma14:wrappingTextBoxFlag xmlns:ma14="http://schemas.microsoft.com/office/mac/drawingml/2011/main" xmlns:a14="http://schemas.microsoft.com/office/drawing/2010/main" xmlns:m="http://schemas.openxmlformats.org/officeDocument/2006/math" xmlns="" val="1"/>
+              <ma14:wrappingTextBoxFlag xmlns="" xmlns:m="http://schemas.openxmlformats.org/officeDocument/2006/math" xmlns:a14="http://schemas.microsoft.com/office/drawing/2010/main" xmlns:ma14="http://schemas.microsoft.com/office/mac/drawingml/2011/main" val="1"/>
             </a:ext>
           </a:extLst>
         </p:spPr>
@@ -15546,7 +15692,7 @@
           </a:ln>
           <a:extLst>
             <a:ext uri="{C572A759-6A51-4108-AA02-DFA0A04FC94B}">
-              <ma14:wrappingTextBoxFlag xmlns:ma14="http://schemas.microsoft.com/office/mac/drawingml/2011/main" xmlns:a14="http://schemas.microsoft.com/office/drawing/2010/main" xmlns:m="http://schemas.openxmlformats.org/officeDocument/2006/math" xmlns="" val="1"/>
+              <ma14:wrappingTextBoxFlag xmlns="" xmlns:m="http://schemas.openxmlformats.org/officeDocument/2006/math" xmlns:a14="http://schemas.microsoft.com/office/drawing/2010/main" xmlns:ma14="http://schemas.microsoft.com/office/mac/drawingml/2011/main" val="1"/>
             </a:ext>
           </a:extLst>
         </p:spPr>
@@ -15596,7 +15742,7 @@
           </a:ln>
           <a:extLst>
             <a:ext uri="{C572A759-6A51-4108-AA02-DFA0A04FC94B}">
-              <ma14:wrappingTextBoxFlag xmlns:ma14="http://schemas.microsoft.com/office/mac/drawingml/2011/main" xmlns:a14="http://schemas.microsoft.com/office/drawing/2010/main" xmlns:m="http://schemas.openxmlformats.org/officeDocument/2006/math" xmlns="" val="1"/>
+              <ma14:wrappingTextBoxFlag xmlns="" xmlns:m="http://schemas.openxmlformats.org/officeDocument/2006/math" xmlns:a14="http://schemas.microsoft.com/office/drawing/2010/main" xmlns:ma14="http://schemas.microsoft.com/office/mac/drawingml/2011/main" val="1"/>
             </a:ext>
           </a:extLst>
         </p:spPr>
@@ -15646,7 +15792,7 @@
           </a:ln>
           <a:extLst>
             <a:ext uri="{C572A759-6A51-4108-AA02-DFA0A04FC94B}">
-              <ma14:wrappingTextBoxFlag xmlns:ma14="http://schemas.microsoft.com/office/mac/drawingml/2011/main" xmlns:a14="http://schemas.microsoft.com/office/drawing/2010/main" xmlns:m="http://schemas.openxmlformats.org/officeDocument/2006/math" xmlns="" val="1"/>
+              <ma14:wrappingTextBoxFlag xmlns="" xmlns:m="http://schemas.openxmlformats.org/officeDocument/2006/math" xmlns:a14="http://schemas.microsoft.com/office/drawing/2010/main" xmlns:ma14="http://schemas.microsoft.com/office/mac/drawingml/2011/main" val="1"/>
             </a:ext>
           </a:extLst>
         </p:spPr>
@@ -15696,7 +15842,7 @@
           </a:ln>
           <a:extLst>
             <a:ext uri="{C572A759-6A51-4108-AA02-DFA0A04FC94B}">
-              <ma14:wrappingTextBoxFlag xmlns:ma14="http://schemas.microsoft.com/office/mac/drawingml/2011/main" xmlns:a14="http://schemas.microsoft.com/office/drawing/2010/main" xmlns:m="http://schemas.openxmlformats.org/officeDocument/2006/math" xmlns="" val="1"/>
+              <ma14:wrappingTextBoxFlag xmlns="" xmlns:m="http://schemas.openxmlformats.org/officeDocument/2006/math" xmlns:a14="http://schemas.microsoft.com/office/drawing/2010/main" xmlns:ma14="http://schemas.microsoft.com/office/mac/drawingml/2011/main" val="1"/>
             </a:ext>
           </a:extLst>
         </p:spPr>
@@ -15746,7 +15892,7 @@
           </a:ln>
           <a:extLst>
             <a:ext uri="{C572A759-6A51-4108-AA02-DFA0A04FC94B}">
-              <ma14:wrappingTextBoxFlag xmlns:ma14="http://schemas.microsoft.com/office/mac/drawingml/2011/main" xmlns:a14="http://schemas.microsoft.com/office/drawing/2010/main" xmlns:m="http://schemas.openxmlformats.org/officeDocument/2006/math" xmlns="" val="1"/>
+              <ma14:wrappingTextBoxFlag xmlns="" xmlns:m="http://schemas.openxmlformats.org/officeDocument/2006/math" xmlns:a14="http://schemas.microsoft.com/office/drawing/2010/main" xmlns:ma14="http://schemas.microsoft.com/office/mac/drawingml/2011/main" val="1"/>
             </a:ext>
           </a:extLst>
         </p:spPr>
@@ -15796,7 +15942,7 @@
           </a:ln>
           <a:extLst>
             <a:ext uri="{C572A759-6A51-4108-AA02-DFA0A04FC94B}">
-              <ma14:wrappingTextBoxFlag xmlns:ma14="http://schemas.microsoft.com/office/mac/drawingml/2011/main" xmlns:a14="http://schemas.microsoft.com/office/drawing/2010/main" xmlns:m="http://schemas.openxmlformats.org/officeDocument/2006/math" xmlns="" val="1"/>
+              <ma14:wrappingTextBoxFlag xmlns="" xmlns:m="http://schemas.openxmlformats.org/officeDocument/2006/math" xmlns:a14="http://schemas.microsoft.com/office/drawing/2010/main" xmlns:ma14="http://schemas.microsoft.com/office/mac/drawingml/2011/main" val="1"/>
             </a:ext>
           </a:extLst>
         </p:spPr>
@@ -15890,7 +16036,7 @@
           </a:ln>
           <a:extLst>
             <a:ext uri="{C572A759-6A51-4108-AA02-DFA0A04FC94B}">
-              <ma14:wrappingTextBoxFlag xmlns:ma14="http://schemas.microsoft.com/office/mac/drawingml/2011/main" xmlns:a14="http://schemas.microsoft.com/office/drawing/2010/main" xmlns:m="http://schemas.openxmlformats.org/officeDocument/2006/math" xmlns="" val="1"/>
+              <ma14:wrappingTextBoxFlag xmlns="" xmlns:m="http://schemas.openxmlformats.org/officeDocument/2006/math" xmlns:a14="http://schemas.microsoft.com/office/drawing/2010/main" xmlns:ma14="http://schemas.microsoft.com/office/mac/drawingml/2011/main" val="1"/>
             </a:ext>
           </a:extLst>
         </p:spPr>
@@ -15990,7 +16136,7 @@
           </a:ln>
           <a:extLst>
             <a:ext uri="{C572A759-6A51-4108-AA02-DFA0A04FC94B}">
-              <ma14:wrappingTextBoxFlag xmlns:ma14="http://schemas.microsoft.com/office/mac/drawingml/2011/main" xmlns:a14="http://schemas.microsoft.com/office/drawing/2010/main" xmlns:m="http://schemas.openxmlformats.org/officeDocument/2006/math" xmlns="" val="1"/>
+              <ma14:wrappingTextBoxFlag xmlns="" xmlns:m="http://schemas.openxmlformats.org/officeDocument/2006/math" xmlns:a14="http://schemas.microsoft.com/office/drawing/2010/main" xmlns:ma14="http://schemas.microsoft.com/office/mac/drawingml/2011/main" val="1"/>
             </a:ext>
           </a:extLst>
         </p:spPr>
@@ -16049,7 +16195,7 @@
           </a:ln>
           <a:extLst>
             <a:ext uri="{C572A759-6A51-4108-AA02-DFA0A04FC94B}">
-              <ma14:wrappingTextBoxFlag xmlns:ma14="http://schemas.microsoft.com/office/mac/drawingml/2011/main" xmlns:a14="http://schemas.microsoft.com/office/drawing/2010/main" xmlns:m="http://schemas.openxmlformats.org/officeDocument/2006/math" xmlns="" val="1"/>
+              <ma14:wrappingTextBoxFlag xmlns="" xmlns:m="http://schemas.openxmlformats.org/officeDocument/2006/math" xmlns:a14="http://schemas.microsoft.com/office/drawing/2010/main" xmlns:ma14="http://schemas.microsoft.com/office/mac/drawingml/2011/main" val="1"/>
             </a:ext>
           </a:extLst>
         </p:spPr>
@@ -16099,7 +16245,7 @@
           </a:ln>
           <a:extLst>
             <a:ext uri="{C572A759-6A51-4108-AA02-DFA0A04FC94B}">
-              <ma14:wrappingTextBoxFlag xmlns:ma14="http://schemas.microsoft.com/office/mac/drawingml/2011/main" xmlns:a14="http://schemas.microsoft.com/office/drawing/2010/main" xmlns:m="http://schemas.openxmlformats.org/officeDocument/2006/math" xmlns="" val="1"/>
+              <ma14:wrappingTextBoxFlag xmlns="" xmlns:m="http://schemas.openxmlformats.org/officeDocument/2006/math" xmlns:a14="http://schemas.microsoft.com/office/drawing/2010/main" xmlns:ma14="http://schemas.microsoft.com/office/mac/drawingml/2011/main" val="1"/>
             </a:ext>
           </a:extLst>
         </p:spPr>
@@ -16149,7 +16295,7 @@
           </a:ln>
           <a:extLst>
             <a:ext uri="{C572A759-6A51-4108-AA02-DFA0A04FC94B}">
-              <ma14:wrappingTextBoxFlag xmlns:ma14="http://schemas.microsoft.com/office/mac/drawingml/2011/main" xmlns:a14="http://schemas.microsoft.com/office/drawing/2010/main" xmlns:m="http://schemas.openxmlformats.org/officeDocument/2006/math" xmlns="" val="1"/>
+              <ma14:wrappingTextBoxFlag xmlns="" xmlns:m="http://schemas.openxmlformats.org/officeDocument/2006/math" xmlns:a14="http://schemas.microsoft.com/office/drawing/2010/main" xmlns:ma14="http://schemas.microsoft.com/office/mac/drawingml/2011/main" val="1"/>
             </a:ext>
           </a:extLst>
         </p:spPr>
@@ -16199,7 +16345,7 @@
           </a:ln>
           <a:extLst>
             <a:ext uri="{C572A759-6A51-4108-AA02-DFA0A04FC94B}">
-              <ma14:wrappingTextBoxFlag xmlns:ma14="http://schemas.microsoft.com/office/mac/drawingml/2011/main" xmlns:a14="http://schemas.microsoft.com/office/drawing/2010/main" xmlns:m="http://schemas.openxmlformats.org/officeDocument/2006/math" xmlns="" val="1"/>
+              <ma14:wrappingTextBoxFlag xmlns="" xmlns:m="http://schemas.openxmlformats.org/officeDocument/2006/math" xmlns:a14="http://schemas.microsoft.com/office/drawing/2010/main" xmlns:ma14="http://schemas.microsoft.com/office/mac/drawingml/2011/main" val="1"/>
             </a:ext>
           </a:extLst>
         </p:spPr>
@@ -16249,7 +16395,7 @@
           </a:ln>
           <a:extLst>
             <a:ext uri="{C572A759-6A51-4108-AA02-DFA0A04FC94B}">
-              <ma14:wrappingTextBoxFlag xmlns:ma14="http://schemas.microsoft.com/office/mac/drawingml/2011/main" xmlns:a14="http://schemas.microsoft.com/office/drawing/2010/main" xmlns:m="http://schemas.openxmlformats.org/officeDocument/2006/math" xmlns="" val="1"/>
+              <ma14:wrappingTextBoxFlag xmlns="" xmlns:m="http://schemas.openxmlformats.org/officeDocument/2006/math" xmlns:a14="http://schemas.microsoft.com/office/drawing/2010/main" xmlns:ma14="http://schemas.microsoft.com/office/mac/drawingml/2011/main" val="1"/>
             </a:ext>
           </a:extLst>
         </p:spPr>
@@ -16299,7 +16445,7 @@
           </a:ln>
           <a:extLst>
             <a:ext uri="{C572A759-6A51-4108-AA02-DFA0A04FC94B}">
-              <ma14:wrappingTextBoxFlag xmlns:ma14="http://schemas.microsoft.com/office/mac/drawingml/2011/main" xmlns:a14="http://schemas.microsoft.com/office/drawing/2010/main" xmlns:m="http://schemas.openxmlformats.org/officeDocument/2006/math" xmlns="" val="1"/>
+              <ma14:wrappingTextBoxFlag xmlns="" xmlns:m="http://schemas.openxmlformats.org/officeDocument/2006/math" xmlns:a14="http://schemas.microsoft.com/office/drawing/2010/main" xmlns:ma14="http://schemas.microsoft.com/office/mac/drawingml/2011/main" val="1"/>
             </a:ext>
           </a:extLst>
         </p:spPr>
@@ -16349,7 +16495,7 @@
           </a:ln>
           <a:extLst>
             <a:ext uri="{C572A759-6A51-4108-AA02-DFA0A04FC94B}">
-              <ma14:wrappingTextBoxFlag xmlns:ma14="http://schemas.microsoft.com/office/mac/drawingml/2011/main" xmlns:a14="http://schemas.microsoft.com/office/drawing/2010/main" xmlns:m="http://schemas.openxmlformats.org/officeDocument/2006/math" xmlns="" val="1"/>
+              <ma14:wrappingTextBoxFlag xmlns="" xmlns:m="http://schemas.openxmlformats.org/officeDocument/2006/math" xmlns:a14="http://schemas.microsoft.com/office/drawing/2010/main" xmlns:ma14="http://schemas.microsoft.com/office/mac/drawingml/2011/main" val="1"/>
             </a:ext>
           </a:extLst>
         </p:spPr>
@@ -16399,7 +16545,7 @@
           </a:ln>
           <a:extLst>
             <a:ext uri="{C572A759-6A51-4108-AA02-DFA0A04FC94B}">
-              <ma14:wrappingTextBoxFlag xmlns:ma14="http://schemas.microsoft.com/office/mac/drawingml/2011/main" xmlns:a14="http://schemas.microsoft.com/office/drawing/2010/main" xmlns:m="http://schemas.openxmlformats.org/officeDocument/2006/math" xmlns="" val="1"/>
+              <ma14:wrappingTextBoxFlag xmlns="" xmlns:m="http://schemas.openxmlformats.org/officeDocument/2006/math" xmlns:a14="http://schemas.microsoft.com/office/drawing/2010/main" xmlns:ma14="http://schemas.microsoft.com/office/mac/drawingml/2011/main" val="1"/>
             </a:ext>
           </a:extLst>
         </p:spPr>
@@ -16449,7 +16595,7 @@
           </a:ln>
           <a:extLst>
             <a:ext uri="{C572A759-6A51-4108-AA02-DFA0A04FC94B}">
-              <ma14:wrappingTextBoxFlag xmlns:ma14="http://schemas.microsoft.com/office/mac/drawingml/2011/main" xmlns:a14="http://schemas.microsoft.com/office/drawing/2010/main" xmlns:m="http://schemas.openxmlformats.org/officeDocument/2006/math" xmlns="" val="1"/>
+              <ma14:wrappingTextBoxFlag xmlns="" xmlns:m="http://schemas.openxmlformats.org/officeDocument/2006/math" xmlns:a14="http://schemas.microsoft.com/office/drawing/2010/main" xmlns:ma14="http://schemas.microsoft.com/office/mac/drawingml/2011/main" val="1"/>
             </a:ext>
           </a:extLst>
         </p:spPr>
@@ -16499,7 +16645,7 @@
           </a:ln>
           <a:extLst>
             <a:ext uri="{C572A759-6A51-4108-AA02-DFA0A04FC94B}">
-              <ma14:wrappingTextBoxFlag xmlns:ma14="http://schemas.microsoft.com/office/mac/drawingml/2011/main" xmlns:a14="http://schemas.microsoft.com/office/drawing/2010/main" xmlns:m="http://schemas.openxmlformats.org/officeDocument/2006/math" xmlns="" val="1"/>
+              <ma14:wrappingTextBoxFlag xmlns="" xmlns:m="http://schemas.openxmlformats.org/officeDocument/2006/math" xmlns:a14="http://schemas.microsoft.com/office/drawing/2010/main" xmlns:ma14="http://schemas.microsoft.com/office/mac/drawingml/2011/main" val="1"/>
             </a:ext>
           </a:extLst>
         </p:spPr>
@@ -16549,7 +16695,7 @@
           </a:ln>
           <a:extLst>
             <a:ext uri="{C572A759-6A51-4108-AA02-DFA0A04FC94B}">
-              <ma14:wrappingTextBoxFlag xmlns:ma14="http://schemas.microsoft.com/office/mac/drawingml/2011/main" xmlns:a14="http://schemas.microsoft.com/office/drawing/2010/main" xmlns:m="http://schemas.openxmlformats.org/officeDocument/2006/math" xmlns="" val="1"/>
+              <ma14:wrappingTextBoxFlag xmlns="" xmlns:m="http://schemas.openxmlformats.org/officeDocument/2006/math" xmlns:a14="http://schemas.microsoft.com/office/drawing/2010/main" xmlns:ma14="http://schemas.microsoft.com/office/mac/drawingml/2011/main" val="1"/>
             </a:ext>
           </a:extLst>
         </p:spPr>
@@ -16599,7 +16745,7 @@
           </a:ln>
           <a:extLst>
             <a:ext uri="{C572A759-6A51-4108-AA02-DFA0A04FC94B}">
-              <ma14:wrappingTextBoxFlag xmlns:ma14="http://schemas.microsoft.com/office/mac/drawingml/2011/main" xmlns:a14="http://schemas.microsoft.com/office/drawing/2010/main" xmlns:m="http://schemas.openxmlformats.org/officeDocument/2006/math" xmlns="" val="1"/>
+              <ma14:wrappingTextBoxFlag xmlns="" xmlns:m="http://schemas.openxmlformats.org/officeDocument/2006/math" xmlns:a14="http://schemas.microsoft.com/office/drawing/2010/main" xmlns:ma14="http://schemas.microsoft.com/office/mac/drawingml/2011/main" val="1"/>
             </a:ext>
           </a:extLst>
         </p:spPr>
@@ -16649,7 +16795,7 @@
           </a:ln>
           <a:extLst>
             <a:ext uri="{C572A759-6A51-4108-AA02-DFA0A04FC94B}">
-              <ma14:wrappingTextBoxFlag xmlns:ma14="http://schemas.microsoft.com/office/mac/drawingml/2011/main" xmlns:a14="http://schemas.microsoft.com/office/drawing/2010/main" xmlns:m="http://schemas.openxmlformats.org/officeDocument/2006/math" xmlns="" val="1"/>
+              <ma14:wrappingTextBoxFlag xmlns="" xmlns:m="http://schemas.openxmlformats.org/officeDocument/2006/math" xmlns:a14="http://schemas.microsoft.com/office/drawing/2010/main" xmlns:ma14="http://schemas.microsoft.com/office/mac/drawingml/2011/main" val="1"/>
             </a:ext>
           </a:extLst>
         </p:spPr>
@@ -16699,7 +16845,7 @@
           </a:ln>
           <a:extLst>
             <a:ext uri="{C572A759-6A51-4108-AA02-DFA0A04FC94B}">
-              <ma14:wrappingTextBoxFlag xmlns:ma14="http://schemas.microsoft.com/office/mac/drawingml/2011/main" xmlns:a14="http://schemas.microsoft.com/office/drawing/2010/main" xmlns:m="http://schemas.openxmlformats.org/officeDocument/2006/math" xmlns="" val="1"/>
+              <ma14:wrappingTextBoxFlag xmlns="" xmlns:m="http://schemas.openxmlformats.org/officeDocument/2006/math" xmlns:a14="http://schemas.microsoft.com/office/drawing/2010/main" xmlns:ma14="http://schemas.microsoft.com/office/mac/drawingml/2011/main" val="1"/>
             </a:ext>
           </a:extLst>
         </p:spPr>
@@ -16749,7 +16895,7 @@
           </a:ln>
           <a:extLst>
             <a:ext uri="{C572A759-6A51-4108-AA02-DFA0A04FC94B}">
-              <ma14:wrappingTextBoxFlag xmlns:ma14="http://schemas.microsoft.com/office/mac/drawingml/2011/main" xmlns:a14="http://schemas.microsoft.com/office/drawing/2010/main" xmlns:m="http://schemas.openxmlformats.org/officeDocument/2006/math" xmlns="" val="1"/>
+              <ma14:wrappingTextBoxFlag xmlns="" xmlns:m="http://schemas.openxmlformats.org/officeDocument/2006/math" xmlns:a14="http://schemas.microsoft.com/office/drawing/2010/main" xmlns:ma14="http://schemas.microsoft.com/office/mac/drawingml/2011/main" val="1"/>
             </a:ext>
           </a:extLst>
         </p:spPr>
@@ -16799,7 +16945,7 @@
           </a:ln>
           <a:extLst>
             <a:ext uri="{C572A759-6A51-4108-AA02-DFA0A04FC94B}">
-              <ma14:wrappingTextBoxFlag xmlns:ma14="http://schemas.microsoft.com/office/mac/drawingml/2011/main" xmlns:a14="http://schemas.microsoft.com/office/drawing/2010/main" xmlns:m="http://schemas.openxmlformats.org/officeDocument/2006/math" xmlns="" val="1"/>
+              <ma14:wrappingTextBoxFlag xmlns="" xmlns:m="http://schemas.openxmlformats.org/officeDocument/2006/math" xmlns:a14="http://schemas.microsoft.com/office/drawing/2010/main" xmlns:ma14="http://schemas.microsoft.com/office/mac/drawingml/2011/main" val="1"/>
             </a:ext>
           </a:extLst>
         </p:spPr>
@@ -16849,7 +16995,7 @@
           </a:ln>
           <a:extLst>
             <a:ext uri="{C572A759-6A51-4108-AA02-DFA0A04FC94B}">
-              <ma14:wrappingTextBoxFlag xmlns:ma14="http://schemas.microsoft.com/office/mac/drawingml/2011/main" xmlns:a14="http://schemas.microsoft.com/office/drawing/2010/main" xmlns:m="http://schemas.openxmlformats.org/officeDocument/2006/math" xmlns="" val="1"/>
+              <ma14:wrappingTextBoxFlag xmlns="" xmlns:m="http://schemas.openxmlformats.org/officeDocument/2006/math" xmlns:a14="http://schemas.microsoft.com/office/drawing/2010/main" xmlns:ma14="http://schemas.microsoft.com/office/mac/drawingml/2011/main" val="1"/>
             </a:ext>
           </a:extLst>
         </p:spPr>
@@ -16899,7 +17045,7 @@
           </a:ln>
           <a:extLst>
             <a:ext uri="{C572A759-6A51-4108-AA02-DFA0A04FC94B}">
-              <ma14:wrappingTextBoxFlag xmlns:ma14="http://schemas.microsoft.com/office/mac/drawingml/2011/main" xmlns:a14="http://schemas.microsoft.com/office/drawing/2010/main" xmlns:m="http://schemas.openxmlformats.org/officeDocument/2006/math" xmlns="" val="1"/>
+              <ma14:wrappingTextBoxFlag xmlns="" xmlns:m="http://schemas.openxmlformats.org/officeDocument/2006/math" xmlns:a14="http://schemas.microsoft.com/office/drawing/2010/main" xmlns:ma14="http://schemas.microsoft.com/office/mac/drawingml/2011/main" val="1"/>
             </a:ext>
           </a:extLst>
         </p:spPr>
@@ -16949,7 +17095,7 @@
           </a:ln>
           <a:extLst>
             <a:ext uri="{C572A759-6A51-4108-AA02-DFA0A04FC94B}">
-              <ma14:wrappingTextBoxFlag xmlns:ma14="http://schemas.microsoft.com/office/mac/drawingml/2011/main" xmlns:a14="http://schemas.microsoft.com/office/drawing/2010/main" xmlns:m="http://schemas.openxmlformats.org/officeDocument/2006/math" xmlns="" val="1"/>
+              <ma14:wrappingTextBoxFlag xmlns="" xmlns:m="http://schemas.openxmlformats.org/officeDocument/2006/math" xmlns:a14="http://schemas.microsoft.com/office/drawing/2010/main" xmlns:ma14="http://schemas.microsoft.com/office/mac/drawingml/2011/main" val="1"/>
             </a:ext>
           </a:extLst>
         </p:spPr>
@@ -16999,7 +17145,7 @@
           </a:ln>
           <a:extLst>
             <a:ext uri="{C572A759-6A51-4108-AA02-DFA0A04FC94B}">
-              <ma14:wrappingTextBoxFlag xmlns:ma14="http://schemas.microsoft.com/office/mac/drawingml/2011/main" xmlns:a14="http://schemas.microsoft.com/office/drawing/2010/main" xmlns:m="http://schemas.openxmlformats.org/officeDocument/2006/math" xmlns="" val="1"/>
+              <ma14:wrappingTextBoxFlag xmlns="" xmlns:m="http://schemas.openxmlformats.org/officeDocument/2006/math" xmlns:a14="http://schemas.microsoft.com/office/drawing/2010/main" xmlns:ma14="http://schemas.microsoft.com/office/mac/drawingml/2011/main" val="1"/>
             </a:ext>
           </a:extLst>
         </p:spPr>
@@ -17049,7 +17195,7 @@
           </a:ln>
           <a:extLst>
             <a:ext uri="{C572A759-6A51-4108-AA02-DFA0A04FC94B}">
-              <ma14:wrappingTextBoxFlag xmlns:ma14="http://schemas.microsoft.com/office/mac/drawingml/2011/main" xmlns:a14="http://schemas.microsoft.com/office/drawing/2010/main" xmlns:m="http://schemas.openxmlformats.org/officeDocument/2006/math" xmlns="" val="1"/>
+              <ma14:wrappingTextBoxFlag xmlns="" xmlns:m="http://schemas.openxmlformats.org/officeDocument/2006/math" xmlns:a14="http://schemas.microsoft.com/office/drawing/2010/main" xmlns:ma14="http://schemas.microsoft.com/office/mac/drawingml/2011/main" val="1"/>
             </a:ext>
           </a:extLst>
         </p:spPr>
@@ -17099,7 +17245,7 @@
           </a:ln>
           <a:extLst>
             <a:ext uri="{C572A759-6A51-4108-AA02-DFA0A04FC94B}">
-              <ma14:wrappingTextBoxFlag xmlns:ma14="http://schemas.microsoft.com/office/mac/drawingml/2011/main" xmlns:a14="http://schemas.microsoft.com/office/drawing/2010/main" xmlns:m="http://schemas.openxmlformats.org/officeDocument/2006/math" xmlns="" val="1"/>
+              <ma14:wrappingTextBoxFlag xmlns="" xmlns:m="http://schemas.openxmlformats.org/officeDocument/2006/math" xmlns:a14="http://schemas.microsoft.com/office/drawing/2010/main" xmlns:ma14="http://schemas.microsoft.com/office/mac/drawingml/2011/main" val="1"/>
             </a:ext>
           </a:extLst>
         </p:spPr>
@@ -17149,7 +17295,7 @@
           </a:ln>
           <a:extLst>
             <a:ext uri="{C572A759-6A51-4108-AA02-DFA0A04FC94B}">
-              <ma14:wrappingTextBoxFlag xmlns:ma14="http://schemas.microsoft.com/office/mac/drawingml/2011/main" xmlns:a14="http://schemas.microsoft.com/office/drawing/2010/main" xmlns:m="http://schemas.openxmlformats.org/officeDocument/2006/math" xmlns="" val="1"/>
+              <ma14:wrappingTextBoxFlag xmlns="" xmlns:m="http://schemas.openxmlformats.org/officeDocument/2006/math" xmlns:a14="http://schemas.microsoft.com/office/drawing/2010/main" xmlns:ma14="http://schemas.microsoft.com/office/mac/drawingml/2011/main" val="1"/>
             </a:ext>
           </a:extLst>
         </p:spPr>
@@ -17199,7 +17345,7 @@
           </a:ln>
           <a:extLst>
             <a:ext uri="{C572A759-6A51-4108-AA02-DFA0A04FC94B}">
-              <ma14:wrappingTextBoxFlag xmlns:ma14="http://schemas.microsoft.com/office/mac/drawingml/2011/main" xmlns:a14="http://schemas.microsoft.com/office/drawing/2010/main" xmlns:m="http://schemas.openxmlformats.org/officeDocument/2006/math" xmlns="" val="1"/>
+              <ma14:wrappingTextBoxFlag xmlns="" xmlns:m="http://schemas.openxmlformats.org/officeDocument/2006/math" xmlns:a14="http://schemas.microsoft.com/office/drawing/2010/main" xmlns:ma14="http://schemas.microsoft.com/office/mac/drawingml/2011/main" val="1"/>
             </a:ext>
           </a:extLst>
         </p:spPr>
@@ -17249,7 +17395,7 @@
           </a:ln>
           <a:extLst>
             <a:ext uri="{C572A759-6A51-4108-AA02-DFA0A04FC94B}">
-              <ma14:wrappingTextBoxFlag xmlns:ma14="http://schemas.microsoft.com/office/mac/drawingml/2011/main" xmlns:a14="http://schemas.microsoft.com/office/drawing/2010/main" xmlns:m="http://schemas.openxmlformats.org/officeDocument/2006/math" xmlns="" val="1"/>
+              <ma14:wrappingTextBoxFlag xmlns="" xmlns:m="http://schemas.openxmlformats.org/officeDocument/2006/math" xmlns:a14="http://schemas.microsoft.com/office/drawing/2010/main" xmlns:ma14="http://schemas.microsoft.com/office/mac/drawingml/2011/main" val="1"/>
             </a:ext>
           </a:extLst>
         </p:spPr>
@@ -17299,7 +17445,7 @@
           </a:ln>
           <a:extLst>
             <a:ext uri="{C572A759-6A51-4108-AA02-DFA0A04FC94B}">
-              <ma14:wrappingTextBoxFlag xmlns:ma14="http://schemas.microsoft.com/office/mac/drawingml/2011/main" xmlns:a14="http://schemas.microsoft.com/office/drawing/2010/main" xmlns:m="http://schemas.openxmlformats.org/officeDocument/2006/math" xmlns="" val="1"/>
+              <ma14:wrappingTextBoxFlag xmlns="" xmlns:m="http://schemas.openxmlformats.org/officeDocument/2006/math" xmlns:a14="http://schemas.microsoft.com/office/drawing/2010/main" xmlns:ma14="http://schemas.microsoft.com/office/mac/drawingml/2011/main" val="1"/>
             </a:ext>
           </a:extLst>
         </p:spPr>
@@ -17349,7 +17495,7 @@
           </a:ln>
           <a:extLst>
             <a:ext uri="{C572A759-6A51-4108-AA02-DFA0A04FC94B}">
-              <ma14:wrappingTextBoxFlag xmlns:ma14="http://schemas.microsoft.com/office/mac/drawingml/2011/main" xmlns:a14="http://schemas.microsoft.com/office/drawing/2010/main" xmlns:m="http://schemas.openxmlformats.org/officeDocument/2006/math" xmlns="" val="1"/>
+              <ma14:wrappingTextBoxFlag xmlns="" xmlns:m="http://schemas.openxmlformats.org/officeDocument/2006/math" xmlns:a14="http://schemas.microsoft.com/office/drawing/2010/main" xmlns:ma14="http://schemas.microsoft.com/office/mac/drawingml/2011/main" val="1"/>
             </a:ext>
           </a:extLst>
         </p:spPr>
@@ -17399,7 +17545,7 @@
           </a:ln>
           <a:extLst>
             <a:ext uri="{C572A759-6A51-4108-AA02-DFA0A04FC94B}">
-              <ma14:wrappingTextBoxFlag xmlns:ma14="http://schemas.microsoft.com/office/mac/drawingml/2011/main" xmlns:a14="http://schemas.microsoft.com/office/drawing/2010/main" xmlns:m="http://schemas.openxmlformats.org/officeDocument/2006/math" xmlns="" val="1"/>
+              <ma14:wrappingTextBoxFlag xmlns="" xmlns:m="http://schemas.openxmlformats.org/officeDocument/2006/math" xmlns:a14="http://schemas.microsoft.com/office/drawing/2010/main" xmlns:ma14="http://schemas.microsoft.com/office/mac/drawingml/2011/main" val="1"/>
             </a:ext>
           </a:extLst>
         </p:spPr>
@@ -17449,7 +17595,7 @@
           </a:ln>
           <a:extLst>
             <a:ext uri="{C572A759-6A51-4108-AA02-DFA0A04FC94B}">
-              <ma14:wrappingTextBoxFlag xmlns:ma14="http://schemas.microsoft.com/office/mac/drawingml/2011/main" xmlns:a14="http://schemas.microsoft.com/office/drawing/2010/main" xmlns:m="http://schemas.openxmlformats.org/officeDocument/2006/math" xmlns="" val="1"/>
+              <ma14:wrappingTextBoxFlag xmlns="" xmlns:m="http://schemas.openxmlformats.org/officeDocument/2006/math" xmlns:a14="http://schemas.microsoft.com/office/drawing/2010/main" xmlns:ma14="http://schemas.microsoft.com/office/mac/drawingml/2011/main" val="1"/>
             </a:ext>
           </a:extLst>
         </p:spPr>
@@ -17795,7 +17941,7 @@
           </a:ln>
           <a:extLst>
             <a:ext uri="{C572A759-6A51-4108-AA02-DFA0A04FC94B}">
-              <ma14:wrappingTextBoxFlag xmlns:ma14="http://schemas.microsoft.com/office/mac/drawingml/2011/main" xmlns:a14="http://schemas.microsoft.com/office/drawing/2010/main" xmlns:m="http://schemas.openxmlformats.org/officeDocument/2006/math" xmlns="" val="1"/>
+              <ma14:wrappingTextBoxFlag xmlns="" xmlns:m="http://schemas.openxmlformats.org/officeDocument/2006/math" xmlns:a14="http://schemas.microsoft.com/office/drawing/2010/main" xmlns:ma14="http://schemas.microsoft.com/office/mac/drawingml/2011/main" val="1"/>
             </a:ext>
           </a:extLst>
         </p:spPr>
@@ -17852,7 +17998,7 @@
           </a:ln>
           <a:extLst>
             <a:ext uri="{C572A759-6A51-4108-AA02-DFA0A04FC94B}">
-              <ma14:wrappingTextBoxFlag xmlns:ma14="http://schemas.microsoft.com/office/mac/drawingml/2011/main" xmlns:a14="http://schemas.microsoft.com/office/drawing/2010/main" xmlns:m="http://schemas.openxmlformats.org/officeDocument/2006/math" xmlns="" val="1"/>
+              <ma14:wrappingTextBoxFlag xmlns="" xmlns:m="http://schemas.openxmlformats.org/officeDocument/2006/math" xmlns:a14="http://schemas.microsoft.com/office/drawing/2010/main" xmlns:ma14="http://schemas.microsoft.com/office/mac/drawingml/2011/main" val="1"/>
             </a:ext>
           </a:extLst>
         </p:spPr>
@@ -18002,7 +18148,7 @@
           </a:ln>
           <a:extLst>
             <a:ext uri="{C572A759-6A51-4108-AA02-DFA0A04FC94B}">
-              <ma14:wrappingTextBoxFlag xmlns:ma14="http://schemas.microsoft.com/office/mac/drawingml/2011/main" xmlns:a14="http://schemas.microsoft.com/office/drawing/2010/main" xmlns:m="http://schemas.openxmlformats.org/officeDocument/2006/math" xmlns="" val="1"/>
+              <ma14:wrappingTextBoxFlag xmlns="" xmlns:m="http://schemas.openxmlformats.org/officeDocument/2006/math" xmlns:a14="http://schemas.microsoft.com/office/drawing/2010/main" xmlns:ma14="http://schemas.microsoft.com/office/mac/drawingml/2011/main" val="1"/>
             </a:ext>
           </a:extLst>
         </p:spPr>
@@ -18061,7 +18207,7 @@
           </a:ln>
           <a:extLst>
             <a:ext uri="{C572A759-6A51-4108-AA02-DFA0A04FC94B}">
-              <ma14:wrappingTextBoxFlag xmlns:ma14="http://schemas.microsoft.com/office/mac/drawingml/2011/main" xmlns:a14="http://schemas.microsoft.com/office/drawing/2010/main" xmlns:m="http://schemas.openxmlformats.org/officeDocument/2006/math" xmlns="" val="1"/>
+              <ma14:wrappingTextBoxFlag xmlns="" xmlns:m="http://schemas.openxmlformats.org/officeDocument/2006/math" xmlns:a14="http://schemas.microsoft.com/office/drawing/2010/main" xmlns:ma14="http://schemas.microsoft.com/office/mac/drawingml/2011/main" val="1"/>
             </a:ext>
           </a:extLst>
         </p:spPr>
@@ -18111,7 +18257,7 @@
           </a:ln>
           <a:extLst>
             <a:ext uri="{C572A759-6A51-4108-AA02-DFA0A04FC94B}">
-              <ma14:wrappingTextBoxFlag xmlns:ma14="http://schemas.microsoft.com/office/mac/drawingml/2011/main" xmlns:a14="http://schemas.microsoft.com/office/drawing/2010/main" xmlns:m="http://schemas.openxmlformats.org/officeDocument/2006/math" xmlns="" val="1"/>
+              <ma14:wrappingTextBoxFlag xmlns="" xmlns:m="http://schemas.openxmlformats.org/officeDocument/2006/math" xmlns:a14="http://schemas.microsoft.com/office/drawing/2010/main" xmlns:ma14="http://schemas.microsoft.com/office/mac/drawingml/2011/main" val="1"/>
             </a:ext>
           </a:extLst>
         </p:spPr>
@@ -18161,7 +18307,7 @@
           </a:ln>
           <a:extLst>
             <a:ext uri="{C572A759-6A51-4108-AA02-DFA0A04FC94B}">
-              <ma14:wrappingTextBoxFlag xmlns:ma14="http://schemas.microsoft.com/office/mac/drawingml/2011/main" xmlns:a14="http://schemas.microsoft.com/office/drawing/2010/main" xmlns:m="http://schemas.openxmlformats.org/officeDocument/2006/math" xmlns="" val="1"/>
+              <ma14:wrappingTextBoxFlag xmlns="" xmlns:m="http://schemas.openxmlformats.org/officeDocument/2006/math" xmlns:a14="http://schemas.microsoft.com/office/drawing/2010/main" xmlns:ma14="http://schemas.microsoft.com/office/mac/drawingml/2011/main" val="1"/>
             </a:ext>
           </a:extLst>
         </p:spPr>
@@ -18211,7 +18357,7 @@
           </a:ln>
           <a:extLst>
             <a:ext uri="{C572A759-6A51-4108-AA02-DFA0A04FC94B}">
-              <ma14:wrappingTextBoxFlag xmlns:ma14="http://schemas.microsoft.com/office/mac/drawingml/2011/main" xmlns:a14="http://schemas.microsoft.com/office/drawing/2010/main" xmlns:m="http://schemas.openxmlformats.org/officeDocument/2006/math" xmlns="" val="1"/>
+              <ma14:wrappingTextBoxFlag xmlns="" xmlns:m="http://schemas.openxmlformats.org/officeDocument/2006/math" xmlns:a14="http://schemas.microsoft.com/office/drawing/2010/main" xmlns:ma14="http://schemas.microsoft.com/office/mac/drawingml/2011/main" val="1"/>
             </a:ext>
           </a:extLst>
         </p:spPr>
@@ -18261,7 +18407,7 @@
           </a:ln>
           <a:extLst>
             <a:ext uri="{C572A759-6A51-4108-AA02-DFA0A04FC94B}">
-              <ma14:wrappingTextBoxFlag xmlns:ma14="http://schemas.microsoft.com/office/mac/drawingml/2011/main" xmlns:a14="http://schemas.microsoft.com/office/drawing/2010/main" xmlns:m="http://schemas.openxmlformats.org/officeDocument/2006/math" xmlns="" val="1"/>
+              <ma14:wrappingTextBoxFlag xmlns="" xmlns:m="http://schemas.openxmlformats.org/officeDocument/2006/math" xmlns:a14="http://schemas.microsoft.com/office/drawing/2010/main" xmlns:ma14="http://schemas.microsoft.com/office/mac/drawingml/2011/main" val="1"/>
             </a:ext>
           </a:extLst>
         </p:spPr>
@@ -18311,7 +18457,7 @@
           </a:ln>
           <a:extLst>
             <a:ext uri="{C572A759-6A51-4108-AA02-DFA0A04FC94B}">
-              <ma14:wrappingTextBoxFlag xmlns:ma14="http://schemas.microsoft.com/office/mac/drawingml/2011/main" xmlns:a14="http://schemas.microsoft.com/office/drawing/2010/main" xmlns:m="http://schemas.openxmlformats.org/officeDocument/2006/math" xmlns="" val="1"/>
+              <ma14:wrappingTextBoxFlag xmlns="" xmlns:m="http://schemas.openxmlformats.org/officeDocument/2006/math" xmlns:a14="http://schemas.microsoft.com/office/drawing/2010/main" xmlns:ma14="http://schemas.microsoft.com/office/mac/drawingml/2011/main" val="1"/>
             </a:ext>
           </a:extLst>
         </p:spPr>
@@ -18361,7 +18507,7 @@
           </a:ln>
           <a:extLst>
             <a:ext uri="{C572A759-6A51-4108-AA02-DFA0A04FC94B}">
-              <ma14:wrappingTextBoxFlag xmlns:ma14="http://schemas.microsoft.com/office/mac/drawingml/2011/main" xmlns:a14="http://schemas.microsoft.com/office/drawing/2010/main" xmlns:m="http://schemas.openxmlformats.org/officeDocument/2006/math" xmlns="" val="1"/>
+              <ma14:wrappingTextBoxFlag xmlns="" xmlns:m="http://schemas.openxmlformats.org/officeDocument/2006/math" xmlns:a14="http://schemas.microsoft.com/office/drawing/2010/main" xmlns:ma14="http://schemas.microsoft.com/office/mac/drawingml/2011/main" val="1"/>
             </a:ext>
           </a:extLst>
         </p:spPr>
@@ -18411,7 +18557,7 @@
           </a:ln>
           <a:extLst>
             <a:ext uri="{C572A759-6A51-4108-AA02-DFA0A04FC94B}">
-              <ma14:wrappingTextBoxFlag xmlns:ma14="http://schemas.microsoft.com/office/mac/drawingml/2011/main" xmlns:a14="http://schemas.microsoft.com/office/drawing/2010/main" xmlns:m="http://schemas.openxmlformats.org/officeDocument/2006/math" xmlns="" val="1"/>
+              <ma14:wrappingTextBoxFlag xmlns="" xmlns:m="http://schemas.openxmlformats.org/officeDocument/2006/math" xmlns:a14="http://schemas.microsoft.com/office/drawing/2010/main" xmlns:ma14="http://schemas.microsoft.com/office/mac/drawingml/2011/main" val="1"/>
             </a:ext>
           </a:extLst>
         </p:spPr>
@@ -18461,7 +18607,7 @@
           </a:ln>
           <a:extLst>
             <a:ext uri="{C572A759-6A51-4108-AA02-DFA0A04FC94B}">
-              <ma14:wrappingTextBoxFlag xmlns:ma14="http://schemas.microsoft.com/office/mac/drawingml/2011/main" xmlns:a14="http://schemas.microsoft.com/office/drawing/2010/main" xmlns:m="http://schemas.openxmlformats.org/officeDocument/2006/math" xmlns="" val="1"/>
+              <ma14:wrappingTextBoxFlag xmlns="" xmlns:m="http://schemas.openxmlformats.org/officeDocument/2006/math" xmlns:a14="http://schemas.microsoft.com/office/drawing/2010/main" xmlns:ma14="http://schemas.microsoft.com/office/mac/drawingml/2011/main" val="1"/>
             </a:ext>
           </a:extLst>
         </p:spPr>
@@ -18511,7 +18657,7 @@
           </a:ln>
           <a:extLst>
             <a:ext uri="{C572A759-6A51-4108-AA02-DFA0A04FC94B}">
-              <ma14:wrappingTextBoxFlag xmlns:ma14="http://schemas.microsoft.com/office/mac/drawingml/2011/main" xmlns:a14="http://schemas.microsoft.com/office/drawing/2010/main" xmlns:m="http://schemas.openxmlformats.org/officeDocument/2006/math" xmlns="" val="1"/>
+              <ma14:wrappingTextBoxFlag xmlns="" xmlns:m="http://schemas.openxmlformats.org/officeDocument/2006/math" xmlns:a14="http://schemas.microsoft.com/office/drawing/2010/main" xmlns:ma14="http://schemas.microsoft.com/office/mac/drawingml/2011/main" val="1"/>
             </a:ext>
           </a:extLst>
         </p:spPr>
@@ -18561,7 +18707,7 @@
           </a:ln>
           <a:extLst>
             <a:ext uri="{C572A759-6A51-4108-AA02-DFA0A04FC94B}">
-              <ma14:wrappingTextBoxFlag xmlns:ma14="http://schemas.microsoft.com/office/mac/drawingml/2011/main" xmlns:a14="http://schemas.microsoft.com/office/drawing/2010/main" xmlns:m="http://schemas.openxmlformats.org/officeDocument/2006/math" xmlns="" val="1"/>
+              <ma14:wrappingTextBoxFlag xmlns="" xmlns:m="http://schemas.openxmlformats.org/officeDocument/2006/math" xmlns:a14="http://schemas.microsoft.com/office/drawing/2010/main" xmlns:ma14="http://schemas.microsoft.com/office/mac/drawingml/2011/main" val="1"/>
             </a:ext>
           </a:extLst>
         </p:spPr>
@@ -18611,7 +18757,7 @@
           </a:ln>
           <a:extLst>
             <a:ext uri="{C572A759-6A51-4108-AA02-DFA0A04FC94B}">
-              <ma14:wrappingTextBoxFlag xmlns:ma14="http://schemas.microsoft.com/office/mac/drawingml/2011/main" xmlns:a14="http://schemas.microsoft.com/office/drawing/2010/main" xmlns:m="http://schemas.openxmlformats.org/officeDocument/2006/math" xmlns="" val="1"/>
+              <ma14:wrappingTextBoxFlag xmlns="" xmlns:m="http://schemas.openxmlformats.org/officeDocument/2006/math" xmlns:a14="http://schemas.microsoft.com/office/drawing/2010/main" xmlns:ma14="http://schemas.microsoft.com/office/mac/drawingml/2011/main" val="1"/>
             </a:ext>
           </a:extLst>
         </p:spPr>
@@ -18661,7 +18807,7 @@
           </a:ln>
           <a:extLst>
             <a:ext uri="{C572A759-6A51-4108-AA02-DFA0A04FC94B}">
-              <ma14:wrappingTextBoxFlag xmlns:ma14="http://schemas.microsoft.com/office/mac/drawingml/2011/main" xmlns:a14="http://schemas.microsoft.com/office/drawing/2010/main" xmlns:m="http://schemas.openxmlformats.org/officeDocument/2006/math" xmlns="" val="1"/>
+              <ma14:wrappingTextBoxFlag xmlns="" xmlns:m="http://schemas.openxmlformats.org/officeDocument/2006/math" xmlns:a14="http://schemas.microsoft.com/office/drawing/2010/main" xmlns:ma14="http://schemas.microsoft.com/office/mac/drawingml/2011/main" val="1"/>
             </a:ext>
           </a:extLst>
         </p:spPr>
@@ -18711,7 +18857,7 @@
           </a:ln>
           <a:extLst>
             <a:ext uri="{C572A759-6A51-4108-AA02-DFA0A04FC94B}">
-              <ma14:wrappingTextBoxFlag xmlns:ma14="http://schemas.microsoft.com/office/mac/drawingml/2011/main" xmlns:a14="http://schemas.microsoft.com/office/drawing/2010/main" xmlns:m="http://schemas.openxmlformats.org/officeDocument/2006/math" xmlns="" val="1"/>
+              <ma14:wrappingTextBoxFlag xmlns="" xmlns:m="http://schemas.openxmlformats.org/officeDocument/2006/math" xmlns:a14="http://schemas.microsoft.com/office/drawing/2010/main" xmlns:ma14="http://schemas.microsoft.com/office/mac/drawingml/2011/main" val="1"/>
             </a:ext>
           </a:extLst>
         </p:spPr>
@@ -18761,7 +18907,7 @@
           </a:ln>
           <a:extLst>
             <a:ext uri="{C572A759-6A51-4108-AA02-DFA0A04FC94B}">
-              <ma14:wrappingTextBoxFlag xmlns:ma14="http://schemas.microsoft.com/office/mac/drawingml/2011/main" xmlns:a14="http://schemas.microsoft.com/office/drawing/2010/main" xmlns:m="http://schemas.openxmlformats.org/officeDocument/2006/math" xmlns="" val="1"/>
+              <ma14:wrappingTextBoxFlag xmlns="" xmlns:m="http://schemas.openxmlformats.org/officeDocument/2006/math" xmlns:a14="http://schemas.microsoft.com/office/drawing/2010/main" xmlns:ma14="http://schemas.microsoft.com/office/mac/drawingml/2011/main" val="1"/>
             </a:ext>
           </a:extLst>
         </p:spPr>
@@ -18811,7 +18957,7 @@
           </a:ln>
           <a:extLst>
             <a:ext uri="{C572A759-6A51-4108-AA02-DFA0A04FC94B}">
-              <ma14:wrappingTextBoxFlag xmlns:ma14="http://schemas.microsoft.com/office/mac/drawingml/2011/main" xmlns:a14="http://schemas.microsoft.com/office/drawing/2010/main" xmlns:m="http://schemas.openxmlformats.org/officeDocument/2006/math" xmlns="" val="1"/>
+              <ma14:wrappingTextBoxFlag xmlns="" xmlns:m="http://schemas.openxmlformats.org/officeDocument/2006/math" xmlns:a14="http://schemas.microsoft.com/office/drawing/2010/main" xmlns:ma14="http://schemas.microsoft.com/office/mac/drawingml/2011/main" val="1"/>
             </a:ext>
           </a:extLst>
         </p:spPr>
@@ -18861,7 +19007,7 @@
           </a:ln>
           <a:extLst>
             <a:ext uri="{C572A759-6A51-4108-AA02-DFA0A04FC94B}">
-              <ma14:wrappingTextBoxFlag xmlns:ma14="http://schemas.microsoft.com/office/mac/drawingml/2011/main" xmlns:a14="http://schemas.microsoft.com/office/drawing/2010/main" xmlns:m="http://schemas.openxmlformats.org/officeDocument/2006/math" xmlns="" val="1"/>
+              <ma14:wrappingTextBoxFlag xmlns="" xmlns:m="http://schemas.openxmlformats.org/officeDocument/2006/math" xmlns:a14="http://schemas.microsoft.com/office/drawing/2010/main" xmlns:ma14="http://schemas.microsoft.com/office/mac/drawingml/2011/main" val="1"/>
             </a:ext>
           </a:extLst>
         </p:spPr>
@@ -18911,7 +19057,7 @@
           </a:ln>
           <a:extLst>
             <a:ext uri="{C572A759-6A51-4108-AA02-DFA0A04FC94B}">
-              <ma14:wrappingTextBoxFlag xmlns:ma14="http://schemas.microsoft.com/office/mac/drawingml/2011/main" xmlns:a14="http://schemas.microsoft.com/office/drawing/2010/main" xmlns:m="http://schemas.openxmlformats.org/officeDocument/2006/math" xmlns="" val="1"/>
+              <ma14:wrappingTextBoxFlag xmlns="" xmlns:m="http://schemas.openxmlformats.org/officeDocument/2006/math" xmlns:a14="http://schemas.microsoft.com/office/drawing/2010/main" xmlns:ma14="http://schemas.microsoft.com/office/mac/drawingml/2011/main" val="1"/>
             </a:ext>
           </a:extLst>
         </p:spPr>
@@ -18961,7 +19107,7 @@
           </a:ln>
           <a:extLst>
             <a:ext uri="{C572A759-6A51-4108-AA02-DFA0A04FC94B}">
-              <ma14:wrappingTextBoxFlag xmlns:ma14="http://schemas.microsoft.com/office/mac/drawingml/2011/main" xmlns:a14="http://schemas.microsoft.com/office/drawing/2010/main" xmlns:m="http://schemas.openxmlformats.org/officeDocument/2006/math" xmlns="" val="1"/>
+              <ma14:wrappingTextBoxFlag xmlns="" xmlns:m="http://schemas.openxmlformats.org/officeDocument/2006/math" xmlns:a14="http://schemas.microsoft.com/office/drawing/2010/main" xmlns:ma14="http://schemas.microsoft.com/office/mac/drawingml/2011/main" val="1"/>
             </a:ext>
           </a:extLst>
         </p:spPr>
@@ -19011,7 +19157,7 @@
           </a:ln>
           <a:extLst>
             <a:ext uri="{C572A759-6A51-4108-AA02-DFA0A04FC94B}">
-              <ma14:wrappingTextBoxFlag xmlns:ma14="http://schemas.microsoft.com/office/mac/drawingml/2011/main" xmlns:a14="http://schemas.microsoft.com/office/drawing/2010/main" xmlns:m="http://schemas.openxmlformats.org/officeDocument/2006/math" xmlns="" val="1"/>
+              <ma14:wrappingTextBoxFlag xmlns="" xmlns:m="http://schemas.openxmlformats.org/officeDocument/2006/math" xmlns:a14="http://schemas.microsoft.com/office/drawing/2010/main" xmlns:ma14="http://schemas.microsoft.com/office/mac/drawingml/2011/main" val="1"/>
             </a:ext>
           </a:extLst>
         </p:spPr>
@@ -19061,7 +19207,7 @@
           </a:ln>
           <a:extLst>
             <a:ext uri="{C572A759-6A51-4108-AA02-DFA0A04FC94B}">
-              <ma14:wrappingTextBoxFlag xmlns:ma14="http://schemas.microsoft.com/office/mac/drawingml/2011/main" xmlns:a14="http://schemas.microsoft.com/office/drawing/2010/main" xmlns:m="http://schemas.openxmlformats.org/officeDocument/2006/math" xmlns="" val="1"/>
+              <ma14:wrappingTextBoxFlag xmlns="" xmlns:m="http://schemas.openxmlformats.org/officeDocument/2006/math" xmlns:a14="http://schemas.microsoft.com/office/drawing/2010/main" xmlns:ma14="http://schemas.microsoft.com/office/mac/drawingml/2011/main" val="1"/>
             </a:ext>
           </a:extLst>
         </p:spPr>
@@ -19111,7 +19257,7 @@
           </a:ln>
           <a:extLst>
             <a:ext uri="{C572A759-6A51-4108-AA02-DFA0A04FC94B}">
-              <ma14:wrappingTextBoxFlag xmlns:ma14="http://schemas.microsoft.com/office/mac/drawingml/2011/main" xmlns:a14="http://schemas.microsoft.com/office/drawing/2010/main" xmlns:m="http://schemas.openxmlformats.org/officeDocument/2006/math" xmlns="" val="1"/>
+              <ma14:wrappingTextBoxFlag xmlns="" xmlns:m="http://schemas.openxmlformats.org/officeDocument/2006/math" xmlns:a14="http://schemas.microsoft.com/office/drawing/2010/main" xmlns:ma14="http://schemas.microsoft.com/office/mac/drawingml/2011/main" val="1"/>
             </a:ext>
           </a:extLst>
         </p:spPr>
@@ -19161,7 +19307,7 @@
           </a:ln>
           <a:extLst>
             <a:ext uri="{C572A759-6A51-4108-AA02-DFA0A04FC94B}">
-              <ma14:wrappingTextBoxFlag xmlns:ma14="http://schemas.microsoft.com/office/mac/drawingml/2011/main" xmlns:a14="http://schemas.microsoft.com/office/drawing/2010/main" xmlns:m="http://schemas.openxmlformats.org/officeDocument/2006/math" xmlns="" val="1"/>
+              <ma14:wrappingTextBoxFlag xmlns="" xmlns:m="http://schemas.openxmlformats.org/officeDocument/2006/math" xmlns:a14="http://schemas.microsoft.com/office/drawing/2010/main" xmlns:ma14="http://schemas.microsoft.com/office/mac/drawingml/2011/main" val="1"/>
             </a:ext>
           </a:extLst>
         </p:spPr>
@@ -19211,7 +19357,7 @@
           </a:ln>
           <a:extLst>
             <a:ext uri="{C572A759-6A51-4108-AA02-DFA0A04FC94B}">
-              <ma14:wrappingTextBoxFlag xmlns:ma14="http://schemas.microsoft.com/office/mac/drawingml/2011/main" xmlns:a14="http://schemas.microsoft.com/office/drawing/2010/main" xmlns:m="http://schemas.openxmlformats.org/officeDocument/2006/math" xmlns="" val="1"/>
+              <ma14:wrappingTextBoxFlag xmlns="" xmlns:m="http://schemas.openxmlformats.org/officeDocument/2006/math" xmlns:a14="http://schemas.microsoft.com/office/drawing/2010/main" xmlns:ma14="http://schemas.microsoft.com/office/mac/drawingml/2011/main" val="1"/>
             </a:ext>
           </a:extLst>
         </p:spPr>
@@ -19261,7 +19407,7 @@
           </a:ln>
           <a:extLst>
             <a:ext uri="{C572A759-6A51-4108-AA02-DFA0A04FC94B}">
-              <ma14:wrappingTextBoxFlag xmlns:ma14="http://schemas.microsoft.com/office/mac/drawingml/2011/main" xmlns:a14="http://schemas.microsoft.com/office/drawing/2010/main" xmlns:m="http://schemas.openxmlformats.org/officeDocument/2006/math" xmlns="" val="1"/>
+              <ma14:wrappingTextBoxFlag xmlns="" xmlns:m="http://schemas.openxmlformats.org/officeDocument/2006/math" xmlns:a14="http://schemas.microsoft.com/office/drawing/2010/main" xmlns:ma14="http://schemas.microsoft.com/office/mac/drawingml/2011/main" val="1"/>
             </a:ext>
           </a:extLst>
         </p:spPr>
@@ -19311,7 +19457,7 @@
           </a:ln>
           <a:extLst>
             <a:ext uri="{C572A759-6A51-4108-AA02-DFA0A04FC94B}">
-              <ma14:wrappingTextBoxFlag xmlns:ma14="http://schemas.microsoft.com/office/mac/drawingml/2011/main" xmlns:a14="http://schemas.microsoft.com/office/drawing/2010/main" xmlns:m="http://schemas.openxmlformats.org/officeDocument/2006/math" xmlns="" val="1"/>
+              <ma14:wrappingTextBoxFlag xmlns="" xmlns:m="http://schemas.openxmlformats.org/officeDocument/2006/math" xmlns:a14="http://schemas.microsoft.com/office/drawing/2010/main" xmlns:ma14="http://schemas.microsoft.com/office/mac/drawingml/2011/main" val="1"/>
             </a:ext>
           </a:extLst>
         </p:spPr>
@@ -19361,7 +19507,7 @@
           </a:ln>
           <a:extLst>
             <a:ext uri="{C572A759-6A51-4108-AA02-DFA0A04FC94B}">
-              <ma14:wrappingTextBoxFlag xmlns:ma14="http://schemas.microsoft.com/office/mac/drawingml/2011/main" xmlns:a14="http://schemas.microsoft.com/office/drawing/2010/main" xmlns:m="http://schemas.openxmlformats.org/officeDocument/2006/math" xmlns="" val="1"/>
+              <ma14:wrappingTextBoxFlag xmlns="" xmlns:m="http://schemas.openxmlformats.org/officeDocument/2006/math" xmlns:a14="http://schemas.microsoft.com/office/drawing/2010/main" xmlns:ma14="http://schemas.microsoft.com/office/mac/drawingml/2011/main" val="1"/>
             </a:ext>
           </a:extLst>
         </p:spPr>
@@ -19411,7 +19557,7 @@
           </a:ln>
           <a:extLst>
             <a:ext uri="{C572A759-6A51-4108-AA02-DFA0A04FC94B}">
-              <ma14:wrappingTextBoxFlag xmlns:ma14="http://schemas.microsoft.com/office/mac/drawingml/2011/main" xmlns:a14="http://schemas.microsoft.com/office/drawing/2010/main" xmlns:m="http://schemas.openxmlformats.org/officeDocument/2006/math" xmlns="" val="1"/>
+              <ma14:wrappingTextBoxFlag xmlns="" xmlns:m="http://schemas.openxmlformats.org/officeDocument/2006/math" xmlns:a14="http://schemas.microsoft.com/office/drawing/2010/main" xmlns:ma14="http://schemas.microsoft.com/office/mac/drawingml/2011/main" val="1"/>
             </a:ext>
           </a:extLst>
         </p:spPr>
@@ -19461,7 +19607,7 @@
           </a:ln>
           <a:extLst>
             <a:ext uri="{C572A759-6A51-4108-AA02-DFA0A04FC94B}">
-              <ma14:wrappingTextBoxFlag xmlns:ma14="http://schemas.microsoft.com/office/mac/drawingml/2011/main" xmlns:a14="http://schemas.microsoft.com/office/drawing/2010/main" xmlns:m="http://schemas.openxmlformats.org/officeDocument/2006/math" xmlns="" val="1"/>
+              <ma14:wrappingTextBoxFlag xmlns="" xmlns:m="http://schemas.openxmlformats.org/officeDocument/2006/math" xmlns:a14="http://schemas.microsoft.com/office/drawing/2010/main" xmlns:ma14="http://schemas.microsoft.com/office/mac/drawingml/2011/main" val="1"/>
             </a:ext>
           </a:extLst>
         </p:spPr>
@@ -20554,7 +20700,7 @@
           </a:ln>
           <a:extLst>
             <a:ext uri="{C572A759-6A51-4108-AA02-DFA0A04FC94B}">
-              <ma14:wrappingTextBoxFlag xmlns:ma14="http://schemas.microsoft.com/office/mac/drawingml/2011/main" xmlns:a14="http://schemas.microsoft.com/office/drawing/2010/main" xmlns:m="http://schemas.openxmlformats.org/officeDocument/2006/math" xmlns="" val="1"/>
+              <ma14:wrappingTextBoxFlag xmlns="" xmlns:m="http://schemas.openxmlformats.org/officeDocument/2006/math" xmlns:a14="http://schemas.microsoft.com/office/drawing/2010/main" xmlns:ma14="http://schemas.microsoft.com/office/mac/drawingml/2011/main" val="1"/>
             </a:ext>
           </a:extLst>
         </p:spPr>
@@ -20604,7 +20750,7 @@
           </a:ln>
           <a:extLst>
             <a:ext uri="{C572A759-6A51-4108-AA02-DFA0A04FC94B}">
-              <ma14:wrappingTextBoxFlag xmlns:ma14="http://schemas.microsoft.com/office/mac/drawingml/2011/main" xmlns:a14="http://schemas.microsoft.com/office/drawing/2010/main" xmlns:m="http://schemas.openxmlformats.org/officeDocument/2006/math" xmlns="" val="1"/>
+              <ma14:wrappingTextBoxFlag xmlns="" xmlns:m="http://schemas.openxmlformats.org/officeDocument/2006/math" xmlns:a14="http://schemas.microsoft.com/office/drawing/2010/main" xmlns:ma14="http://schemas.microsoft.com/office/mac/drawingml/2011/main" val="1"/>
             </a:ext>
           </a:extLst>
         </p:spPr>
@@ -20654,7 +20800,7 @@
           </a:ln>
           <a:extLst>
             <a:ext uri="{C572A759-6A51-4108-AA02-DFA0A04FC94B}">
-              <ma14:wrappingTextBoxFlag xmlns:ma14="http://schemas.microsoft.com/office/mac/drawingml/2011/main" xmlns:a14="http://schemas.microsoft.com/office/drawing/2010/main" xmlns:m="http://schemas.openxmlformats.org/officeDocument/2006/math" xmlns="" val="1"/>
+              <ma14:wrappingTextBoxFlag xmlns="" xmlns:m="http://schemas.openxmlformats.org/officeDocument/2006/math" xmlns:a14="http://schemas.microsoft.com/office/drawing/2010/main" xmlns:ma14="http://schemas.microsoft.com/office/mac/drawingml/2011/main" val="1"/>
             </a:ext>
           </a:extLst>
         </p:spPr>
@@ -20704,7 +20850,7 @@
           </a:ln>
           <a:extLst>
             <a:ext uri="{C572A759-6A51-4108-AA02-DFA0A04FC94B}">
-              <ma14:wrappingTextBoxFlag xmlns:ma14="http://schemas.microsoft.com/office/mac/drawingml/2011/main" xmlns:a14="http://schemas.microsoft.com/office/drawing/2010/main" xmlns:m="http://schemas.openxmlformats.org/officeDocument/2006/math" xmlns="" val="1"/>
+              <ma14:wrappingTextBoxFlag xmlns="" xmlns:m="http://schemas.openxmlformats.org/officeDocument/2006/math" xmlns:a14="http://schemas.microsoft.com/office/drawing/2010/main" xmlns:ma14="http://schemas.microsoft.com/office/mac/drawingml/2011/main" val="1"/>
             </a:ext>
           </a:extLst>
         </p:spPr>
@@ -20754,7 +20900,7 @@
           </a:ln>
           <a:extLst>
             <a:ext uri="{C572A759-6A51-4108-AA02-DFA0A04FC94B}">
-              <ma14:wrappingTextBoxFlag xmlns:ma14="http://schemas.microsoft.com/office/mac/drawingml/2011/main" xmlns:a14="http://schemas.microsoft.com/office/drawing/2010/main" xmlns:m="http://schemas.openxmlformats.org/officeDocument/2006/math" xmlns="" val="1"/>
+              <ma14:wrappingTextBoxFlag xmlns="" xmlns:m="http://schemas.openxmlformats.org/officeDocument/2006/math" xmlns:a14="http://schemas.microsoft.com/office/drawing/2010/main" xmlns:ma14="http://schemas.microsoft.com/office/mac/drawingml/2011/main" val="1"/>
             </a:ext>
           </a:extLst>
         </p:spPr>
@@ -20804,7 +20950,7 @@
           </a:ln>
           <a:extLst>
             <a:ext uri="{C572A759-6A51-4108-AA02-DFA0A04FC94B}">
-              <ma14:wrappingTextBoxFlag xmlns:ma14="http://schemas.microsoft.com/office/mac/drawingml/2011/main" xmlns:a14="http://schemas.microsoft.com/office/drawing/2010/main" xmlns:m="http://schemas.openxmlformats.org/officeDocument/2006/math" xmlns="" val="1"/>
+              <ma14:wrappingTextBoxFlag xmlns="" xmlns:m="http://schemas.openxmlformats.org/officeDocument/2006/math" xmlns:a14="http://schemas.microsoft.com/office/drawing/2010/main" xmlns:ma14="http://schemas.microsoft.com/office/mac/drawingml/2011/main" val="1"/>
             </a:ext>
           </a:extLst>
         </p:spPr>
@@ -20854,7 +21000,7 @@
           </a:ln>
           <a:extLst>
             <a:ext uri="{C572A759-6A51-4108-AA02-DFA0A04FC94B}">
-              <ma14:wrappingTextBoxFlag xmlns:ma14="http://schemas.microsoft.com/office/mac/drawingml/2011/main" xmlns:a14="http://schemas.microsoft.com/office/drawing/2010/main" xmlns:m="http://schemas.openxmlformats.org/officeDocument/2006/math" xmlns="" val="1"/>
+              <ma14:wrappingTextBoxFlag xmlns="" xmlns:m="http://schemas.openxmlformats.org/officeDocument/2006/math" xmlns:a14="http://schemas.microsoft.com/office/drawing/2010/main" xmlns:ma14="http://schemas.microsoft.com/office/mac/drawingml/2011/main" val="1"/>
             </a:ext>
           </a:extLst>
         </p:spPr>
@@ -20904,7 +21050,7 @@
           </a:ln>
           <a:extLst>
             <a:ext uri="{C572A759-6A51-4108-AA02-DFA0A04FC94B}">
-              <ma14:wrappingTextBoxFlag xmlns:ma14="http://schemas.microsoft.com/office/mac/drawingml/2011/main" xmlns:a14="http://schemas.microsoft.com/office/drawing/2010/main" xmlns:m="http://schemas.openxmlformats.org/officeDocument/2006/math" xmlns="" val="1"/>
+              <ma14:wrappingTextBoxFlag xmlns="" xmlns:m="http://schemas.openxmlformats.org/officeDocument/2006/math" xmlns:a14="http://schemas.microsoft.com/office/drawing/2010/main" xmlns:ma14="http://schemas.microsoft.com/office/mac/drawingml/2011/main" val="1"/>
             </a:ext>
           </a:extLst>
         </p:spPr>
@@ -20954,7 +21100,7 @@
           </a:ln>
           <a:extLst>
             <a:ext uri="{C572A759-6A51-4108-AA02-DFA0A04FC94B}">
-              <ma14:wrappingTextBoxFlag xmlns:ma14="http://schemas.microsoft.com/office/mac/drawingml/2011/main" xmlns:a14="http://schemas.microsoft.com/office/drawing/2010/main" xmlns:m="http://schemas.openxmlformats.org/officeDocument/2006/math" xmlns="" val="1"/>
+              <ma14:wrappingTextBoxFlag xmlns="" xmlns:m="http://schemas.openxmlformats.org/officeDocument/2006/math" xmlns:a14="http://schemas.microsoft.com/office/drawing/2010/main" xmlns:ma14="http://schemas.microsoft.com/office/mac/drawingml/2011/main" val="1"/>
             </a:ext>
           </a:extLst>
         </p:spPr>
@@ -21004,7 +21150,7 @@
           </a:ln>
           <a:extLst>
             <a:ext uri="{C572A759-6A51-4108-AA02-DFA0A04FC94B}">
-              <ma14:wrappingTextBoxFlag xmlns:ma14="http://schemas.microsoft.com/office/mac/drawingml/2011/main" xmlns:a14="http://schemas.microsoft.com/office/drawing/2010/main" xmlns:m="http://schemas.openxmlformats.org/officeDocument/2006/math" xmlns="" val="1"/>
+              <ma14:wrappingTextBoxFlag xmlns="" xmlns:m="http://schemas.openxmlformats.org/officeDocument/2006/math" xmlns:a14="http://schemas.microsoft.com/office/drawing/2010/main" xmlns:ma14="http://schemas.microsoft.com/office/mac/drawingml/2011/main" val="1"/>
             </a:ext>
           </a:extLst>
         </p:spPr>
@@ -21054,7 +21200,7 @@
           </a:ln>
           <a:extLst>
             <a:ext uri="{C572A759-6A51-4108-AA02-DFA0A04FC94B}">
-              <ma14:wrappingTextBoxFlag xmlns:ma14="http://schemas.microsoft.com/office/mac/drawingml/2011/main" xmlns:a14="http://schemas.microsoft.com/office/drawing/2010/main" xmlns:m="http://schemas.openxmlformats.org/officeDocument/2006/math" xmlns="" val="1"/>
+              <ma14:wrappingTextBoxFlag xmlns="" xmlns:m="http://schemas.openxmlformats.org/officeDocument/2006/math" xmlns:a14="http://schemas.microsoft.com/office/drawing/2010/main" xmlns:ma14="http://schemas.microsoft.com/office/mac/drawingml/2011/main" val="1"/>
             </a:ext>
           </a:extLst>
         </p:spPr>
@@ -21104,7 +21250,7 @@
           </a:ln>
           <a:extLst>
             <a:ext uri="{C572A759-6A51-4108-AA02-DFA0A04FC94B}">
-              <ma14:wrappingTextBoxFlag xmlns:ma14="http://schemas.microsoft.com/office/mac/drawingml/2011/main" xmlns:a14="http://schemas.microsoft.com/office/drawing/2010/main" xmlns:m="http://schemas.openxmlformats.org/officeDocument/2006/math" xmlns="" val="1"/>
+              <ma14:wrappingTextBoxFlag xmlns="" xmlns:m="http://schemas.openxmlformats.org/officeDocument/2006/math" xmlns:a14="http://schemas.microsoft.com/office/drawing/2010/main" xmlns:ma14="http://schemas.microsoft.com/office/mac/drawingml/2011/main" val="1"/>
             </a:ext>
           </a:extLst>
         </p:spPr>
@@ -21154,7 +21300,7 @@
           </a:ln>
           <a:extLst>
             <a:ext uri="{C572A759-6A51-4108-AA02-DFA0A04FC94B}">
-              <ma14:wrappingTextBoxFlag xmlns:ma14="http://schemas.microsoft.com/office/mac/drawingml/2011/main" xmlns:a14="http://schemas.microsoft.com/office/drawing/2010/main" xmlns:m="http://schemas.openxmlformats.org/officeDocument/2006/math" xmlns="" val="1"/>
+              <ma14:wrappingTextBoxFlag xmlns="" xmlns:m="http://schemas.openxmlformats.org/officeDocument/2006/math" xmlns:a14="http://schemas.microsoft.com/office/drawing/2010/main" xmlns:ma14="http://schemas.microsoft.com/office/mac/drawingml/2011/main" val="1"/>
             </a:ext>
           </a:extLst>
         </p:spPr>
@@ -21204,7 +21350,7 @@
           </a:ln>
           <a:extLst>
             <a:ext uri="{C572A759-6A51-4108-AA02-DFA0A04FC94B}">
-              <ma14:wrappingTextBoxFlag xmlns:ma14="http://schemas.microsoft.com/office/mac/drawingml/2011/main" xmlns:a14="http://schemas.microsoft.com/office/drawing/2010/main" xmlns:m="http://schemas.openxmlformats.org/officeDocument/2006/math" xmlns="" val="1"/>
+              <ma14:wrappingTextBoxFlag xmlns="" xmlns:m="http://schemas.openxmlformats.org/officeDocument/2006/math" xmlns:a14="http://schemas.microsoft.com/office/drawing/2010/main" xmlns:ma14="http://schemas.microsoft.com/office/mac/drawingml/2011/main" val="1"/>
             </a:ext>
           </a:extLst>
         </p:spPr>
@@ -21254,7 +21400,7 @@
           </a:ln>
           <a:extLst>
             <a:ext uri="{C572A759-6A51-4108-AA02-DFA0A04FC94B}">
-              <ma14:wrappingTextBoxFlag xmlns:ma14="http://schemas.microsoft.com/office/mac/drawingml/2011/main" xmlns:a14="http://schemas.microsoft.com/office/drawing/2010/main" xmlns:m="http://schemas.openxmlformats.org/officeDocument/2006/math" xmlns="" val="1"/>
+              <ma14:wrappingTextBoxFlag xmlns="" xmlns:m="http://schemas.openxmlformats.org/officeDocument/2006/math" xmlns:a14="http://schemas.microsoft.com/office/drawing/2010/main" xmlns:ma14="http://schemas.microsoft.com/office/mac/drawingml/2011/main" val="1"/>
             </a:ext>
           </a:extLst>
         </p:spPr>
@@ -21304,7 +21450,7 @@
           </a:ln>
           <a:extLst>
             <a:ext uri="{C572A759-6A51-4108-AA02-DFA0A04FC94B}">
-              <ma14:wrappingTextBoxFlag xmlns:ma14="http://schemas.microsoft.com/office/mac/drawingml/2011/main" xmlns:a14="http://schemas.microsoft.com/office/drawing/2010/main" xmlns:m="http://schemas.openxmlformats.org/officeDocument/2006/math" xmlns="" val="1"/>
+              <ma14:wrappingTextBoxFlag xmlns="" xmlns:m="http://schemas.openxmlformats.org/officeDocument/2006/math" xmlns:a14="http://schemas.microsoft.com/office/drawing/2010/main" xmlns:ma14="http://schemas.microsoft.com/office/mac/drawingml/2011/main" val="1"/>
             </a:ext>
           </a:extLst>
         </p:spPr>
@@ -21354,7 +21500,7 @@
           </a:ln>
           <a:extLst>
             <a:ext uri="{C572A759-6A51-4108-AA02-DFA0A04FC94B}">
-              <ma14:wrappingTextBoxFlag xmlns:ma14="http://schemas.microsoft.com/office/mac/drawingml/2011/main" xmlns:a14="http://schemas.microsoft.com/office/drawing/2010/main" xmlns:m="http://schemas.openxmlformats.org/officeDocument/2006/math" xmlns="" val="1"/>
+              <ma14:wrappingTextBoxFlag xmlns="" xmlns:m="http://schemas.openxmlformats.org/officeDocument/2006/math" xmlns:a14="http://schemas.microsoft.com/office/drawing/2010/main" xmlns:ma14="http://schemas.microsoft.com/office/mac/drawingml/2011/main" val="1"/>
             </a:ext>
           </a:extLst>
         </p:spPr>
@@ -21404,7 +21550,7 @@
           </a:ln>
           <a:extLst>
             <a:ext uri="{C572A759-6A51-4108-AA02-DFA0A04FC94B}">
-              <ma14:wrappingTextBoxFlag xmlns:ma14="http://schemas.microsoft.com/office/mac/drawingml/2011/main" xmlns:a14="http://schemas.microsoft.com/office/drawing/2010/main" xmlns:m="http://schemas.openxmlformats.org/officeDocument/2006/math" xmlns="" val="1"/>
+              <ma14:wrappingTextBoxFlag xmlns="" xmlns:m="http://schemas.openxmlformats.org/officeDocument/2006/math" xmlns:a14="http://schemas.microsoft.com/office/drawing/2010/main" xmlns:ma14="http://schemas.microsoft.com/office/mac/drawingml/2011/main" val="1"/>
             </a:ext>
           </a:extLst>
         </p:spPr>
@@ -21454,7 +21600,7 @@
           </a:ln>
           <a:extLst>
             <a:ext uri="{C572A759-6A51-4108-AA02-DFA0A04FC94B}">
-              <ma14:wrappingTextBoxFlag xmlns:ma14="http://schemas.microsoft.com/office/mac/drawingml/2011/main" xmlns:a14="http://schemas.microsoft.com/office/drawing/2010/main" xmlns:m="http://schemas.openxmlformats.org/officeDocument/2006/math" xmlns="" val="1"/>
+              <ma14:wrappingTextBoxFlag xmlns="" xmlns:m="http://schemas.openxmlformats.org/officeDocument/2006/math" xmlns:a14="http://schemas.microsoft.com/office/drawing/2010/main" xmlns:ma14="http://schemas.microsoft.com/office/mac/drawingml/2011/main" val="1"/>
             </a:ext>
           </a:extLst>
         </p:spPr>
@@ -21504,7 +21650,7 @@
           </a:ln>
           <a:extLst>
             <a:ext uri="{C572A759-6A51-4108-AA02-DFA0A04FC94B}">
-              <ma14:wrappingTextBoxFlag xmlns:ma14="http://schemas.microsoft.com/office/mac/drawingml/2011/main" xmlns:a14="http://schemas.microsoft.com/office/drawing/2010/main" xmlns:m="http://schemas.openxmlformats.org/officeDocument/2006/math" xmlns="" val="1"/>
+              <ma14:wrappingTextBoxFlag xmlns="" xmlns:m="http://schemas.openxmlformats.org/officeDocument/2006/math" xmlns:a14="http://schemas.microsoft.com/office/drawing/2010/main" xmlns:ma14="http://schemas.microsoft.com/office/mac/drawingml/2011/main" val="1"/>
             </a:ext>
           </a:extLst>
         </p:spPr>
@@ -21554,7 +21700,7 @@
           </a:ln>
           <a:extLst>
             <a:ext uri="{C572A759-6A51-4108-AA02-DFA0A04FC94B}">
-              <ma14:wrappingTextBoxFlag xmlns:ma14="http://schemas.microsoft.com/office/mac/drawingml/2011/main" xmlns:a14="http://schemas.microsoft.com/office/drawing/2010/main" xmlns:m="http://schemas.openxmlformats.org/officeDocument/2006/math" xmlns="" val="1"/>
+              <ma14:wrappingTextBoxFlag xmlns="" xmlns:m="http://schemas.openxmlformats.org/officeDocument/2006/math" xmlns:a14="http://schemas.microsoft.com/office/drawing/2010/main" xmlns:ma14="http://schemas.microsoft.com/office/mac/drawingml/2011/main" val="1"/>
             </a:ext>
           </a:extLst>
         </p:spPr>
@@ -21604,7 +21750,7 @@
           </a:ln>
           <a:extLst>
             <a:ext uri="{C572A759-6A51-4108-AA02-DFA0A04FC94B}">
-              <ma14:wrappingTextBoxFlag xmlns:ma14="http://schemas.microsoft.com/office/mac/drawingml/2011/main" xmlns:a14="http://schemas.microsoft.com/office/drawing/2010/main" xmlns:m="http://schemas.openxmlformats.org/officeDocument/2006/math" xmlns="" val="1"/>
+              <ma14:wrappingTextBoxFlag xmlns="" xmlns:m="http://schemas.openxmlformats.org/officeDocument/2006/math" xmlns:a14="http://schemas.microsoft.com/office/drawing/2010/main" xmlns:ma14="http://schemas.microsoft.com/office/mac/drawingml/2011/main" val="1"/>
             </a:ext>
           </a:extLst>
         </p:spPr>
@@ -21654,7 +21800,7 @@
           </a:ln>
           <a:extLst>
             <a:ext uri="{C572A759-6A51-4108-AA02-DFA0A04FC94B}">
-              <ma14:wrappingTextBoxFlag xmlns:ma14="http://schemas.microsoft.com/office/mac/drawingml/2011/main" xmlns:a14="http://schemas.microsoft.com/office/drawing/2010/main" xmlns:m="http://schemas.openxmlformats.org/officeDocument/2006/math" xmlns="" val="1"/>
+              <ma14:wrappingTextBoxFlag xmlns="" xmlns:m="http://schemas.openxmlformats.org/officeDocument/2006/math" xmlns:a14="http://schemas.microsoft.com/office/drawing/2010/main" xmlns:ma14="http://schemas.microsoft.com/office/mac/drawingml/2011/main" val="1"/>
             </a:ext>
           </a:extLst>
         </p:spPr>
@@ -21704,7 +21850,7 @@
           </a:ln>
           <a:extLst>
             <a:ext uri="{C572A759-6A51-4108-AA02-DFA0A04FC94B}">
-              <ma14:wrappingTextBoxFlag xmlns:ma14="http://schemas.microsoft.com/office/mac/drawingml/2011/main" xmlns:a14="http://schemas.microsoft.com/office/drawing/2010/main" xmlns:m="http://schemas.openxmlformats.org/officeDocument/2006/math" xmlns="" val="1"/>
+              <ma14:wrappingTextBoxFlag xmlns="" xmlns:m="http://schemas.openxmlformats.org/officeDocument/2006/math" xmlns:a14="http://schemas.microsoft.com/office/drawing/2010/main" xmlns:ma14="http://schemas.microsoft.com/office/mac/drawingml/2011/main" val="1"/>
             </a:ext>
           </a:extLst>
         </p:spPr>
@@ -21754,7 +21900,7 @@
           </a:ln>
           <a:extLst>
             <a:ext uri="{C572A759-6A51-4108-AA02-DFA0A04FC94B}">
-              <ma14:wrappingTextBoxFlag xmlns:ma14="http://schemas.microsoft.com/office/mac/drawingml/2011/main" xmlns:a14="http://schemas.microsoft.com/office/drawing/2010/main" xmlns:m="http://schemas.openxmlformats.org/officeDocument/2006/math" xmlns="" val="1"/>
+              <ma14:wrappingTextBoxFlag xmlns="" xmlns:m="http://schemas.openxmlformats.org/officeDocument/2006/math" xmlns:a14="http://schemas.microsoft.com/office/drawing/2010/main" xmlns:ma14="http://schemas.microsoft.com/office/mac/drawingml/2011/main" val="1"/>
             </a:ext>
           </a:extLst>
         </p:spPr>
@@ -21804,7 +21950,7 @@
           </a:ln>
           <a:extLst>
             <a:ext uri="{C572A759-6A51-4108-AA02-DFA0A04FC94B}">
-              <ma14:wrappingTextBoxFlag xmlns:ma14="http://schemas.microsoft.com/office/mac/drawingml/2011/main" xmlns:a14="http://schemas.microsoft.com/office/drawing/2010/main" xmlns:m="http://schemas.openxmlformats.org/officeDocument/2006/math" xmlns="" val="1"/>
+              <ma14:wrappingTextBoxFlag xmlns="" xmlns:m="http://schemas.openxmlformats.org/officeDocument/2006/math" xmlns:a14="http://schemas.microsoft.com/office/drawing/2010/main" xmlns:ma14="http://schemas.microsoft.com/office/mac/drawingml/2011/main" val="1"/>
             </a:ext>
           </a:extLst>
         </p:spPr>
@@ -21854,7 +22000,7 @@
           </a:ln>
           <a:extLst>
             <a:ext uri="{C572A759-6A51-4108-AA02-DFA0A04FC94B}">
-              <ma14:wrappingTextBoxFlag xmlns:ma14="http://schemas.microsoft.com/office/mac/drawingml/2011/main" xmlns:a14="http://schemas.microsoft.com/office/drawing/2010/main" xmlns:m="http://schemas.openxmlformats.org/officeDocument/2006/math" xmlns="" val="1"/>
+              <ma14:wrappingTextBoxFlag xmlns="" xmlns:m="http://schemas.openxmlformats.org/officeDocument/2006/math" xmlns:a14="http://schemas.microsoft.com/office/drawing/2010/main" xmlns:ma14="http://schemas.microsoft.com/office/mac/drawingml/2011/main" val="1"/>
             </a:ext>
           </a:extLst>
         </p:spPr>
@@ -21904,7 +22050,7 @@
           </a:ln>
           <a:extLst>
             <a:ext uri="{C572A759-6A51-4108-AA02-DFA0A04FC94B}">
-              <ma14:wrappingTextBoxFlag xmlns:ma14="http://schemas.microsoft.com/office/mac/drawingml/2011/main" xmlns:a14="http://schemas.microsoft.com/office/drawing/2010/main" xmlns:m="http://schemas.openxmlformats.org/officeDocument/2006/math" xmlns="" val="1"/>
+              <ma14:wrappingTextBoxFlag xmlns="" xmlns:m="http://schemas.openxmlformats.org/officeDocument/2006/math" xmlns:a14="http://schemas.microsoft.com/office/drawing/2010/main" xmlns:ma14="http://schemas.microsoft.com/office/mac/drawingml/2011/main" val="1"/>
             </a:ext>
           </a:extLst>
         </p:spPr>
@@ -21954,7 +22100,7 @@
           </a:ln>
           <a:extLst>
             <a:ext uri="{C572A759-6A51-4108-AA02-DFA0A04FC94B}">
-              <ma14:wrappingTextBoxFlag xmlns:ma14="http://schemas.microsoft.com/office/mac/drawingml/2011/main" xmlns:a14="http://schemas.microsoft.com/office/drawing/2010/main" xmlns:m="http://schemas.openxmlformats.org/officeDocument/2006/math" xmlns="" val="1"/>
+              <ma14:wrappingTextBoxFlag xmlns="" xmlns:m="http://schemas.openxmlformats.org/officeDocument/2006/math" xmlns:a14="http://schemas.microsoft.com/office/drawing/2010/main" xmlns:ma14="http://schemas.microsoft.com/office/mac/drawingml/2011/main" val="1"/>
             </a:ext>
           </a:extLst>
         </p:spPr>
@@ -22048,7 +22194,7 @@
           </a:ln>
           <a:extLst>
             <a:ext uri="{C572A759-6A51-4108-AA02-DFA0A04FC94B}">
-              <ma14:wrappingTextBoxFlag xmlns:ma14="http://schemas.microsoft.com/office/mac/drawingml/2011/main" xmlns:a14="http://schemas.microsoft.com/office/drawing/2010/main" xmlns:m="http://schemas.openxmlformats.org/officeDocument/2006/math" xmlns="" val="1"/>
+              <ma14:wrappingTextBoxFlag xmlns="" xmlns:m="http://schemas.openxmlformats.org/officeDocument/2006/math" xmlns:a14="http://schemas.microsoft.com/office/drawing/2010/main" xmlns:ma14="http://schemas.microsoft.com/office/mac/drawingml/2011/main" val="1"/>
             </a:ext>
           </a:extLst>
         </p:spPr>
@@ -22481,7 +22627,7 @@
           </a:ln>
           <a:extLst>
             <a:ext uri="{C572A759-6A51-4108-AA02-DFA0A04FC94B}">
-              <ma14:wrappingTextBoxFlag xmlns:ma14="http://schemas.microsoft.com/office/mac/drawingml/2011/main" xmlns:a14="http://schemas.microsoft.com/office/drawing/2010/main" xmlns:m="http://schemas.openxmlformats.org/officeDocument/2006/math" xmlns="" val="1"/>
+              <ma14:wrappingTextBoxFlag xmlns="" xmlns:m="http://schemas.openxmlformats.org/officeDocument/2006/math" xmlns:a14="http://schemas.microsoft.com/office/drawing/2010/main" xmlns:ma14="http://schemas.microsoft.com/office/mac/drawingml/2011/main" val="1"/>
             </a:ext>
           </a:extLst>
         </p:spPr>
@@ -22540,7 +22686,7 @@
           </a:ln>
           <a:extLst>
             <a:ext uri="{C572A759-6A51-4108-AA02-DFA0A04FC94B}">
-              <ma14:wrappingTextBoxFlag xmlns:ma14="http://schemas.microsoft.com/office/mac/drawingml/2011/main" xmlns:a14="http://schemas.microsoft.com/office/drawing/2010/main" xmlns:m="http://schemas.openxmlformats.org/officeDocument/2006/math" xmlns="" val="1"/>
+              <ma14:wrappingTextBoxFlag xmlns="" xmlns:m="http://schemas.openxmlformats.org/officeDocument/2006/math" xmlns:a14="http://schemas.microsoft.com/office/drawing/2010/main" xmlns:ma14="http://schemas.microsoft.com/office/mac/drawingml/2011/main" val="1"/>
             </a:ext>
           </a:extLst>
         </p:spPr>
@@ -22590,7 +22736,7 @@
           </a:ln>
           <a:extLst>
             <a:ext uri="{C572A759-6A51-4108-AA02-DFA0A04FC94B}">
-              <ma14:wrappingTextBoxFlag xmlns:ma14="http://schemas.microsoft.com/office/mac/drawingml/2011/main" xmlns:a14="http://schemas.microsoft.com/office/drawing/2010/main" xmlns:m="http://schemas.openxmlformats.org/officeDocument/2006/math" xmlns="" val="1"/>
+              <ma14:wrappingTextBoxFlag xmlns="" xmlns:m="http://schemas.openxmlformats.org/officeDocument/2006/math" xmlns:a14="http://schemas.microsoft.com/office/drawing/2010/main" xmlns:ma14="http://schemas.microsoft.com/office/mac/drawingml/2011/main" val="1"/>
             </a:ext>
           </a:extLst>
         </p:spPr>
@@ -22640,7 +22786,7 @@
           </a:ln>
           <a:extLst>
             <a:ext uri="{C572A759-6A51-4108-AA02-DFA0A04FC94B}">
-              <ma14:wrappingTextBoxFlag xmlns:ma14="http://schemas.microsoft.com/office/mac/drawingml/2011/main" xmlns:a14="http://schemas.microsoft.com/office/drawing/2010/main" xmlns:m="http://schemas.openxmlformats.org/officeDocument/2006/math" xmlns="" val="1"/>
+              <ma14:wrappingTextBoxFlag xmlns="" xmlns:m="http://schemas.openxmlformats.org/officeDocument/2006/math" xmlns:a14="http://schemas.microsoft.com/office/drawing/2010/main" xmlns:ma14="http://schemas.microsoft.com/office/mac/drawingml/2011/main" val="1"/>
             </a:ext>
           </a:extLst>
         </p:spPr>
@@ -22690,7 +22836,7 @@
           </a:ln>
           <a:extLst>
             <a:ext uri="{C572A759-6A51-4108-AA02-DFA0A04FC94B}">
-              <ma14:wrappingTextBoxFlag xmlns:ma14="http://schemas.microsoft.com/office/mac/drawingml/2011/main" xmlns:a14="http://schemas.microsoft.com/office/drawing/2010/main" xmlns:m="http://schemas.openxmlformats.org/officeDocument/2006/math" xmlns="" val="1"/>
+              <ma14:wrappingTextBoxFlag xmlns="" xmlns:m="http://schemas.openxmlformats.org/officeDocument/2006/math" xmlns:a14="http://schemas.microsoft.com/office/drawing/2010/main" xmlns:ma14="http://schemas.microsoft.com/office/mac/drawingml/2011/main" val="1"/>
             </a:ext>
           </a:extLst>
         </p:spPr>
@@ -22740,7 +22886,7 @@
           </a:ln>
           <a:extLst>
             <a:ext uri="{C572A759-6A51-4108-AA02-DFA0A04FC94B}">
-              <ma14:wrappingTextBoxFlag xmlns:ma14="http://schemas.microsoft.com/office/mac/drawingml/2011/main" xmlns:a14="http://schemas.microsoft.com/office/drawing/2010/main" xmlns:m="http://schemas.openxmlformats.org/officeDocument/2006/math" xmlns="" val="1"/>
+              <ma14:wrappingTextBoxFlag xmlns="" xmlns:m="http://schemas.openxmlformats.org/officeDocument/2006/math" xmlns:a14="http://schemas.microsoft.com/office/drawing/2010/main" xmlns:ma14="http://schemas.microsoft.com/office/mac/drawingml/2011/main" val="1"/>
             </a:ext>
           </a:extLst>
         </p:spPr>
@@ -22790,7 +22936,7 @@
           </a:ln>
           <a:extLst>
             <a:ext uri="{C572A759-6A51-4108-AA02-DFA0A04FC94B}">
-              <ma14:wrappingTextBoxFlag xmlns:ma14="http://schemas.microsoft.com/office/mac/drawingml/2011/main" xmlns:a14="http://schemas.microsoft.com/office/drawing/2010/main" xmlns:m="http://schemas.openxmlformats.org/officeDocument/2006/math" xmlns="" val="1"/>
+              <ma14:wrappingTextBoxFlag xmlns="" xmlns:m="http://schemas.openxmlformats.org/officeDocument/2006/math" xmlns:a14="http://schemas.microsoft.com/office/drawing/2010/main" xmlns:ma14="http://schemas.microsoft.com/office/mac/drawingml/2011/main" val="1"/>
             </a:ext>
           </a:extLst>
         </p:spPr>
@@ -22840,7 +22986,7 @@
           </a:ln>
           <a:extLst>
             <a:ext uri="{C572A759-6A51-4108-AA02-DFA0A04FC94B}">
-              <ma14:wrappingTextBoxFlag xmlns:ma14="http://schemas.microsoft.com/office/mac/drawingml/2011/main" xmlns:a14="http://schemas.microsoft.com/office/drawing/2010/main" xmlns:m="http://schemas.openxmlformats.org/officeDocument/2006/math" xmlns="" val="1"/>
+              <ma14:wrappingTextBoxFlag xmlns="" xmlns:m="http://schemas.openxmlformats.org/officeDocument/2006/math" xmlns:a14="http://schemas.microsoft.com/office/drawing/2010/main" xmlns:ma14="http://schemas.microsoft.com/office/mac/drawingml/2011/main" val="1"/>
             </a:ext>
           </a:extLst>
         </p:spPr>
@@ -22890,7 +23036,7 @@
           </a:ln>
           <a:extLst>
             <a:ext uri="{C572A759-6A51-4108-AA02-DFA0A04FC94B}">
-              <ma14:wrappingTextBoxFlag xmlns:ma14="http://schemas.microsoft.com/office/mac/drawingml/2011/main" xmlns:a14="http://schemas.microsoft.com/office/drawing/2010/main" xmlns:m="http://schemas.openxmlformats.org/officeDocument/2006/math" xmlns="" val="1"/>
+              <ma14:wrappingTextBoxFlag xmlns="" xmlns:m="http://schemas.openxmlformats.org/officeDocument/2006/math" xmlns:a14="http://schemas.microsoft.com/office/drawing/2010/main" xmlns:ma14="http://schemas.microsoft.com/office/mac/drawingml/2011/main" val="1"/>
             </a:ext>
           </a:extLst>
         </p:spPr>
@@ -22940,7 +23086,7 @@
           </a:ln>
           <a:extLst>
             <a:ext uri="{C572A759-6A51-4108-AA02-DFA0A04FC94B}">
-              <ma14:wrappingTextBoxFlag xmlns:ma14="http://schemas.microsoft.com/office/mac/drawingml/2011/main" xmlns:a14="http://schemas.microsoft.com/office/drawing/2010/main" xmlns:m="http://schemas.openxmlformats.org/officeDocument/2006/math" xmlns="" val="1"/>
+              <ma14:wrappingTextBoxFlag xmlns="" xmlns:m="http://schemas.openxmlformats.org/officeDocument/2006/math" xmlns:a14="http://schemas.microsoft.com/office/drawing/2010/main" xmlns:ma14="http://schemas.microsoft.com/office/mac/drawingml/2011/main" val="1"/>
             </a:ext>
           </a:extLst>
         </p:spPr>
@@ -22990,7 +23136,7 @@
           </a:ln>
           <a:extLst>
             <a:ext uri="{C572A759-6A51-4108-AA02-DFA0A04FC94B}">
-              <ma14:wrappingTextBoxFlag xmlns:ma14="http://schemas.microsoft.com/office/mac/drawingml/2011/main" xmlns:a14="http://schemas.microsoft.com/office/drawing/2010/main" xmlns:m="http://schemas.openxmlformats.org/officeDocument/2006/math" xmlns="" val="1"/>
+              <ma14:wrappingTextBoxFlag xmlns="" xmlns:m="http://schemas.openxmlformats.org/officeDocument/2006/math" xmlns:a14="http://schemas.microsoft.com/office/drawing/2010/main" xmlns:ma14="http://schemas.microsoft.com/office/mac/drawingml/2011/main" val="1"/>
             </a:ext>
           </a:extLst>
         </p:spPr>
@@ -23040,7 +23186,7 @@
           </a:ln>
           <a:extLst>
             <a:ext uri="{C572A759-6A51-4108-AA02-DFA0A04FC94B}">
-              <ma14:wrappingTextBoxFlag xmlns:ma14="http://schemas.microsoft.com/office/mac/drawingml/2011/main" xmlns:a14="http://schemas.microsoft.com/office/drawing/2010/main" xmlns:m="http://schemas.openxmlformats.org/officeDocument/2006/math" xmlns="" val="1"/>
+              <ma14:wrappingTextBoxFlag xmlns="" xmlns:m="http://schemas.openxmlformats.org/officeDocument/2006/math" xmlns:a14="http://schemas.microsoft.com/office/drawing/2010/main" xmlns:ma14="http://schemas.microsoft.com/office/mac/drawingml/2011/main" val="1"/>
             </a:ext>
           </a:extLst>
         </p:spPr>
@@ -23090,7 +23236,7 @@
           </a:ln>
           <a:extLst>
             <a:ext uri="{C572A759-6A51-4108-AA02-DFA0A04FC94B}">
-              <ma14:wrappingTextBoxFlag xmlns:ma14="http://schemas.microsoft.com/office/mac/drawingml/2011/main" xmlns:a14="http://schemas.microsoft.com/office/drawing/2010/main" xmlns:m="http://schemas.openxmlformats.org/officeDocument/2006/math" xmlns="" val="1"/>
+              <ma14:wrappingTextBoxFlag xmlns="" xmlns:m="http://schemas.openxmlformats.org/officeDocument/2006/math" xmlns:a14="http://schemas.microsoft.com/office/drawing/2010/main" xmlns:ma14="http://schemas.microsoft.com/office/mac/drawingml/2011/main" val="1"/>
             </a:ext>
           </a:extLst>
         </p:spPr>
@@ -23140,7 +23286,7 @@
           </a:ln>
           <a:extLst>
             <a:ext uri="{C572A759-6A51-4108-AA02-DFA0A04FC94B}">
-              <ma14:wrappingTextBoxFlag xmlns:ma14="http://schemas.microsoft.com/office/mac/drawingml/2011/main" xmlns:a14="http://schemas.microsoft.com/office/drawing/2010/main" xmlns:m="http://schemas.openxmlformats.org/officeDocument/2006/math" xmlns="" val="1"/>
+              <ma14:wrappingTextBoxFlag xmlns="" xmlns:m="http://schemas.openxmlformats.org/officeDocument/2006/math" xmlns:a14="http://schemas.microsoft.com/office/drawing/2010/main" xmlns:ma14="http://schemas.microsoft.com/office/mac/drawingml/2011/main" val="1"/>
             </a:ext>
           </a:extLst>
         </p:spPr>
@@ -23190,7 +23336,7 @@
           </a:ln>
           <a:extLst>
             <a:ext uri="{C572A759-6A51-4108-AA02-DFA0A04FC94B}">
-              <ma14:wrappingTextBoxFlag xmlns:ma14="http://schemas.microsoft.com/office/mac/drawingml/2011/main" xmlns:a14="http://schemas.microsoft.com/office/drawing/2010/main" xmlns:m="http://schemas.openxmlformats.org/officeDocument/2006/math" xmlns="" val="1"/>
+              <ma14:wrappingTextBoxFlag xmlns="" xmlns:m="http://schemas.openxmlformats.org/officeDocument/2006/math" xmlns:a14="http://schemas.microsoft.com/office/drawing/2010/main" xmlns:ma14="http://schemas.microsoft.com/office/mac/drawingml/2011/main" val="1"/>
             </a:ext>
           </a:extLst>
         </p:spPr>
@@ -23240,7 +23386,7 @@
           </a:ln>
           <a:extLst>
             <a:ext uri="{C572A759-6A51-4108-AA02-DFA0A04FC94B}">
-              <ma14:wrappingTextBoxFlag xmlns:ma14="http://schemas.microsoft.com/office/mac/drawingml/2011/main" xmlns:a14="http://schemas.microsoft.com/office/drawing/2010/main" xmlns:m="http://schemas.openxmlformats.org/officeDocument/2006/math" xmlns="" val="1"/>
+              <ma14:wrappingTextBoxFlag xmlns="" xmlns:m="http://schemas.openxmlformats.org/officeDocument/2006/math" xmlns:a14="http://schemas.microsoft.com/office/drawing/2010/main" xmlns:ma14="http://schemas.microsoft.com/office/mac/drawingml/2011/main" val="1"/>
             </a:ext>
           </a:extLst>
         </p:spPr>
@@ -23290,7 +23436,7 @@
           </a:ln>
           <a:extLst>
             <a:ext uri="{C572A759-6A51-4108-AA02-DFA0A04FC94B}">
-              <ma14:wrappingTextBoxFlag xmlns:ma14="http://schemas.microsoft.com/office/mac/drawingml/2011/main" xmlns:a14="http://schemas.microsoft.com/office/drawing/2010/main" xmlns:m="http://schemas.openxmlformats.org/officeDocument/2006/math" xmlns="" val="1"/>
+              <ma14:wrappingTextBoxFlag xmlns="" xmlns:m="http://schemas.openxmlformats.org/officeDocument/2006/math" xmlns:a14="http://schemas.microsoft.com/office/drawing/2010/main" xmlns:ma14="http://schemas.microsoft.com/office/mac/drawingml/2011/main" val="1"/>
             </a:ext>
           </a:extLst>
         </p:spPr>
@@ -23340,7 +23486,7 @@
           </a:ln>
           <a:extLst>
             <a:ext uri="{C572A759-6A51-4108-AA02-DFA0A04FC94B}">
-              <ma14:wrappingTextBoxFlag xmlns:ma14="http://schemas.microsoft.com/office/mac/drawingml/2011/main" xmlns:a14="http://schemas.microsoft.com/office/drawing/2010/main" xmlns:m="http://schemas.openxmlformats.org/officeDocument/2006/math" xmlns="" val="1"/>
+              <ma14:wrappingTextBoxFlag xmlns="" xmlns:m="http://schemas.openxmlformats.org/officeDocument/2006/math" xmlns:a14="http://schemas.microsoft.com/office/drawing/2010/main" xmlns:ma14="http://schemas.microsoft.com/office/mac/drawingml/2011/main" val="1"/>
             </a:ext>
           </a:extLst>
         </p:spPr>
@@ -23390,7 +23536,7 @@
           </a:ln>
           <a:extLst>
             <a:ext uri="{C572A759-6A51-4108-AA02-DFA0A04FC94B}">
-              <ma14:wrappingTextBoxFlag xmlns:ma14="http://schemas.microsoft.com/office/mac/drawingml/2011/main" xmlns:a14="http://schemas.microsoft.com/office/drawing/2010/main" xmlns:m="http://schemas.openxmlformats.org/officeDocument/2006/math" xmlns="" val="1"/>
+              <ma14:wrappingTextBoxFlag xmlns="" xmlns:m="http://schemas.openxmlformats.org/officeDocument/2006/math" xmlns:a14="http://schemas.microsoft.com/office/drawing/2010/main" xmlns:ma14="http://schemas.microsoft.com/office/mac/drawingml/2011/main" val="1"/>
             </a:ext>
           </a:extLst>
         </p:spPr>
@@ -23440,7 +23586,7 @@
           </a:ln>
           <a:extLst>
             <a:ext uri="{C572A759-6A51-4108-AA02-DFA0A04FC94B}">
-              <ma14:wrappingTextBoxFlag xmlns:ma14="http://schemas.microsoft.com/office/mac/drawingml/2011/main" xmlns:a14="http://schemas.microsoft.com/office/drawing/2010/main" xmlns:m="http://schemas.openxmlformats.org/officeDocument/2006/math" xmlns="" val="1"/>
+              <ma14:wrappingTextBoxFlag xmlns="" xmlns:m="http://schemas.openxmlformats.org/officeDocument/2006/math" xmlns:a14="http://schemas.microsoft.com/office/drawing/2010/main" xmlns:ma14="http://schemas.microsoft.com/office/mac/drawingml/2011/main" val="1"/>
             </a:ext>
           </a:extLst>
         </p:spPr>
@@ -23490,7 +23636,7 @@
           </a:ln>
           <a:extLst>
             <a:ext uri="{C572A759-6A51-4108-AA02-DFA0A04FC94B}">
-              <ma14:wrappingTextBoxFlag xmlns:ma14="http://schemas.microsoft.com/office/mac/drawingml/2011/main" xmlns:a14="http://schemas.microsoft.com/office/drawing/2010/main" xmlns:m="http://schemas.openxmlformats.org/officeDocument/2006/math" xmlns="" val="1"/>
+              <ma14:wrappingTextBoxFlag xmlns="" xmlns:m="http://schemas.openxmlformats.org/officeDocument/2006/math" xmlns:a14="http://schemas.microsoft.com/office/drawing/2010/main" xmlns:ma14="http://schemas.microsoft.com/office/mac/drawingml/2011/main" val="1"/>
             </a:ext>
           </a:extLst>
         </p:spPr>
@@ -23540,7 +23686,7 @@
           </a:ln>
           <a:extLst>
             <a:ext uri="{C572A759-6A51-4108-AA02-DFA0A04FC94B}">
-              <ma14:wrappingTextBoxFlag xmlns:ma14="http://schemas.microsoft.com/office/mac/drawingml/2011/main" xmlns:a14="http://schemas.microsoft.com/office/drawing/2010/main" xmlns:m="http://schemas.openxmlformats.org/officeDocument/2006/math" xmlns="" val="1"/>
+              <ma14:wrappingTextBoxFlag xmlns="" xmlns:m="http://schemas.openxmlformats.org/officeDocument/2006/math" xmlns:a14="http://schemas.microsoft.com/office/drawing/2010/main" xmlns:ma14="http://schemas.microsoft.com/office/mac/drawingml/2011/main" val="1"/>
             </a:ext>
           </a:extLst>
         </p:spPr>
@@ -23590,7 +23736,7 @@
           </a:ln>
           <a:extLst>
             <a:ext uri="{C572A759-6A51-4108-AA02-DFA0A04FC94B}">
-              <ma14:wrappingTextBoxFlag xmlns:ma14="http://schemas.microsoft.com/office/mac/drawingml/2011/main" xmlns:a14="http://schemas.microsoft.com/office/drawing/2010/main" xmlns:m="http://schemas.openxmlformats.org/officeDocument/2006/math" xmlns="" val="1"/>
+              <ma14:wrappingTextBoxFlag xmlns="" xmlns:m="http://schemas.openxmlformats.org/officeDocument/2006/math" xmlns:a14="http://schemas.microsoft.com/office/drawing/2010/main" xmlns:ma14="http://schemas.microsoft.com/office/mac/drawingml/2011/main" val="1"/>
             </a:ext>
           </a:extLst>
         </p:spPr>
@@ -23640,7 +23786,7 @@
           </a:ln>
           <a:extLst>
             <a:ext uri="{C572A759-6A51-4108-AA02-DFA0A04FC94B}">
-              <ma14:wrappingTextBoxFlag xmlns:ma14="http://schemas.microsoft.com/office/mac/drawingml/2011/main" xmlns:a14="http://schemas.microsoft.com/office/drawing/2010/main" xmlns:m="http://schemas.openxmlformats.org/officeDocument/2006/math" xmlns="" val="1"/>
+              <ma14:wrappingTextBoxFlag xmlns="" xmlns:m="http://schemas.openxmlformats.org/officeDocument/2006/math" xmlns:a14="http://schemas.microsoft.com/office/drawing/2010/main" xmlns:ma14="http://schemas.microsoft.com/office/mac/drawingml/2011/main" val="1"/>
             </a:ext>
           </a:extLst>
         </p:spPr>
@@ -23690,7 +23836,7 @@
           </a:ln>
           <a:extLst>
             <a:ext uri="{C572A759-6A51-4108-AA02-DFA0A04FC94B}">
-              <ma14:wrappingTextBoxFlag xmlns:ma14="http://schemas.microsoft.com/office/mac/drawingml/2011/main" xmlns:a14="http://schemas.microsoft.com/office/drawing/2010/main" xmlns:m="http://schemas.openxmlformats.org/officeDocument/2006/math" xmlns="" val="1"/>
+              <ma14:wrappingTextBoxFlag xmlns="" xmlns:m="http://schemas.openxmlformats.org/officeDocument/2006/math" xmlns:a14="http://schemas.microsoft.com/office/drawing/2010/main" xmlns:ma14="http://schemas.microsoft.com/office/mac/drawingml/2011/main" val="1"/>
             </a:ext>
           </a:extLst>
         </p:spPr>
@@ -23740,7 +23886,7 @@
           </a:ln>
           <a:extLst>
             <a:ext uri="{C572A759-6A51-4108-AA02-DFA0A04FC94B}">
-              <ma14:wrappingTextBoxFlag xmlns:ma14="http://schemas.microsoft.com/office/mac/drawingml/2011/main" xmlns:a14="http://schemas.microsoft.com/office/drawing/2010/main" xmlns:m="http://schemas.openxmlformats.org/officeDocument/2006/math" xmlns="" val="1"/>
+              <ma14:wrappingTextBoxFlag xmlns="" xmlns:m="http://schemas.openxmlformats.org/officeDocument/2006/math" xmlns:a14="http://schemas.microsoft.com/office/drawing/2010/main" xmlns:ma14="http://schemas.microsoft.com/office/mac/drawingml/2011/main" val="1"/>
             </a:ext>
           </a:extLst>
         </p:spPr>
@@ -23790,7 +23936,7 @@
           </a:ln>
           <a:extLst>
             <a:ext uri="{C572A759-6A51-4108-AA02-DFA0A04FC94B}">
-              <ma14:wrappingTextBoxFlag xmlns:ma14="http://schemas.microsoft.com/office/mac/drawingml/2011/main" xmlns:a14="http://schemas.microsoft.com/office/drawing/2010/main" xmlns:m="http://schemas.openxmlformats.org/officeDocument/2006/math" xmlns="" val="1"/>
+              <ma14:wrappingTextBoxFlag xmlns="" xmlns:m="http://schemas.openxmlformats.org/officeDocument/2006/math" xmlns:a14="http://schemas.microsoft.com/office/drawing/2010/main" xmlns:ma14="http://schemas.microsoft.com/office/mac/drawingml/2011/main" val="1"/>
             </a:ext>
           </a:extLst>
         </p:spPr>
@@ -23840,7 +23986,7 @@
           </a:ln>
           <a:extLst>
             <a:ext uri="{C572A759-6A51-4108-AA02-DFA0A04FC94B}">
-              <ma14:wrappingTextBoxFlag xmlns:ma14="http://schemas.microsoft.com/office/mac/drawingml/2011/main" xmlns:a14="http://schemas.microsoft.com/office/drawing/2010/main" xmlns:m="http://schemas.openxmlformats.org/officeDocument/2006/math" xmlns="" val="1"/>
+              <ma14:wrappingTextBoxFlag xmlns="" xmlns:m="http://schemas.openxmlformats.org/officeDocument/2006/math" xmlns:a14="http://schemas.microsoft.com/office/drawing/2010/main" xmlns:ma14="http://schemas.microsoft.com/office/mac/drawingml/2011/main" val="1"/>
             </a:ext>
           </a:extLst>
         </p:spPr>
@@ -23890,7 +24036,7 @@
           </a:ln>
           <a:extLst>
             <a:ext uri="{C572A759-6A51-4108-AA02-DFA0A04FC94B}">
-              <ma14:wrappingTextBoxFlag xmlns:ma14="http://schemas.microsoft.com/office/mac/drawingml/2011/main" xmlns:a14="http://schemas.microsoft.com/office/drawing/2010/main" xmlns:m="http://schemas.openxmlformats.org/officeDocument/2006/math" xmlns="" val="1"/>
+              <ma14:wrappingTextBoxFlag xmlns="" xmlns:m="http://schemas.openxmlformats.org/officeDocument/2006/math" xmlns:a14="http://schemas.microsoft.com/office/drawing/2010/main" xmlns:ma14="http://schemas.microsoft.com/office/mac/drawingml/2011/main" val="1"/>
             </a:ext>
           </a:extLst>
         </p:spPr>
@@ -23940,7 +24086,7 @@
           </a:ln>
           <a:extLst>
             <a:ext uri="{C572A759-6A51-4108-AA02-DFA0A04FC94B}">
-              <ma14:wrappingTextBoxFlag xmlns:ma14="http://schemas.microsoft.com/office/mac/drawingml/2011/main" xmlns:a14="http://schemas.microsoft.com/office/drawing/2010/main" xmlns:m="http://schemas.openxmlformats.org/officeDocument/2006/math" xmlns="" val="1"/>
+              <ma14:wrappingTextBoxFlag xmlns="" xmlns:m="http://schemas.openxmlformats.org/officeDocument/2006/math" xmlns:a14="http://schemas.microsoft.com/office/drawing/2010/main" xmlns:ma14="http://schemas.microsoft.com/office/mac/drawingml/2011/main" val="1"/>
             </a:ext>
           </a:extLst>
         </p:spPr>
@@ -24286,7 +24432,7 @@
           </a:ln>
           <a:extLst>
             <a:ext uri="{C572A759-6A51-4108-AA02-DFA0A04FC94B}">
-              <ma14:wrappingTextBoxFlag xmlns:ma14="http://schemas.microsoft.com/office/mac/drawingml/2011/main" xmlns:a14="http://schemas.microsoft.com/office/drawing/2010/main" xmlns:m="http://schemas.openxmlformats.org/officeDocument/2006/math" xmlns="" val="1"/>
+              <ma14:wrappingTextBoxFlag xmlns="" xmlns:m="http://schemas.openxmlformats.org/officeDocument/2006/math" xmlns:a14="http://schemas.microsoft.com/office/drawing/2010/main" xmlns:ma14="http://schemas.microsoft.com/office/mac/drawingml/2011/main" val="1"/>
             </a:ext>
           </a:extLst>
         </p:spPr>
@@ -24435,7 +24581,7 @@
           </a:ln>
           <a:extLst>
             <a:ext uri="{C572A759-6A51-4108-AA02-DFA0A04FC94B}">
-              <ma14:wrappingTextBoxFlag xmlns:ma14="http://schemas.microsoft.com/office/mac/drawingml/2011/main" xmlns:a14="http://schemas.microsoft.com/office/drawing/2010/main" xmlns:m="http://schemas.openxmlformats.org/officeDocument/2006/math" xmlns="" val="1"/>
+              <ma14:wrappingTextBoxFlag xmlns="" xmlns:m="http://schemas.openxmlformats.org/officeDocument/2006/math" xmlns:a14="http://schemas.microsoft.com/office/drawing/2010/main" xmlns:ma14="http://schemas.microsoft.com/office/mac/drawingml/2011/main" val="1"/>
             </a:ext>
           </a:extLst>
         </p:spPr>
@@ -24556,7 +24702,7 @@
           </a:ln>
           <a:extLst>
             <a:ext uri="{C572A759-6A51-4108-AA02-DFA0A04FC94B}">
-              <ma14:wrappingTextBoxFlag xmlns="" xmlns:m="http://schemas.openxmlformats.org/officeDocument/2006/math" xmlns:a14="http://schemas.microsoft.com/office/drawing/2010/main" xmlns:ma14="http://schemas.microsoft.com/office/mac/drawingml/2011/main" val="1"/>
+              <ma14:wrappingTextBoxFlag xmlns:ma14="http://schemas.microsoft.com/office/mac/drawingml/2011/main" xmlns:a14="http://schemas.microsoft.com/office/drawing/2010/main" xmlns:m="http://schemas.openxmlformats.org/officeDocument/2006/math" xmlns="" val="1"/>
             </a:ext>
           </a:extLst>
         </p:spPr>
@@ -24606,7 +24752,7 @@
           </a:ln>
           <a:extLst>
             <a:ext uri="{C572A759-6A51-4108-AA02-DFA0A04FC94B}">
-              <ma14:wrappingTextBoxFlag xmlns="" xmlns:m="http://schemas.openxmlformats.org/officeDocument/2006/math" xmlns:a14="http://schemas.microsoft.com/office/drawing/2010/main" xmlns:ma14="http://schemas.microsoft.com/office/mac/drawingml/2011/main" val="1"/>
+              <ma14:wrappingTextBoxFlag xmlns:ma14="http://schemas.microsoft.com/office/mac/drawingml/2011/main" xmlns:a14="http://schemas.microsoft.com/office/drawing/2010/main" xmlns:m="http://schemas.openxmlformats.org/officeDocument/2006/math" xmlns="" val="1"/>
             </a:ext>
           </a:extLst>
         </p:spPr>
@@ -24656,7 +24802,7 @@
           </a:ln>
           <a:extLst>
             <a:ext uri="{C572A759-6A51-4108-AA02-DFA0A04FC94B}">
-              <ma14:wrappingTextBoxFlag xmlns="" xmlns:m="http://schemas.openxmlformats.org/officeDocument/2006/math" xmlns:a14="http://schemas.microsoft.com/office/drawing/2010/main" xmlns:ma14="http://schemas.microsoft.com/office/mac/drawingml/2011/main" val="1"/>
+              <ma14:wrappingTextBoxFlag xmlns:ma14="http://schemas.microsoft.com/office/mac/drawingml/2011/main" xmlns:a14="http://schemas.microsoft.com/office/drawing/2010/main" xmlns:m="http://schemas.openxmlformats.org/officeDocument/2006/math" xmlns="" val="1"/>
             </a:ext>
           </a:extLst>
         </p:spPr>
@@ -24706,7 +24852,7 @@
           </a:ln>
           <a:extLst>
             <a:ext uri="{C572A759-6A51-4108-AA02-DFA0A04FC94B}">
-              <ma14:wrappingTextBoxFlag xmlns="" xmlns:m="http://schemas.openxmlformats.org/officeDocument/2006/math" xmlns:a14="http://schemas.microsoft.com/office/drawing/2010/main" xmlns:ma14="http://schemas.microsoft.com/office/mac/drawingml/2011/main" val="1"/>
+              <ma14:wrappingTextBoxFlag xmlns:ma14="http://schemas.microsoft.com/office/mac/drawingml/2011/main" xmlns:a14="http://schemas.microsoft.com/office/drawing/2010/main" xmlns:m="http://schemas.openxmlformats.org/officeDocument/2006/math" xmlns="" val="1"/>
             </a:ext>
           </a:extLst>
         </p:spPr>
@@ -24756,7 +24902,7 @@
           </a:ln>
           <a:extLst>
             <a:ext uri="{C572A759-6A51-4108-AA02-DFA0A04FC94B}">
-              <ma14:wrappingTextBoxFlag xmlns="" xmlns:m="http://schemas.openxmlformats.org/officeDocument/2006/math" xmlns:a14="http://schemas.microsoft.com/office/drawing/2010/main" xmlns:ma14="http://schemas.microsoft.com/office/mac/drawingml/2011/main" val="1"/>
+              <ma14:wrappingTextBoxFlag xmlns:ma14="http://schemas.microsoft.com/office/mac/drawingml/2011/main" xmlns:a14="http://schemas.microsoft.com/office/drawing/2010/main" xmlns:m="http://schemas.openxmlformats.org/officeDocument/2006/math" xmlns="" val="1"/>
             </a:ext>
           </a:extLst>
         </p:spPr>
@@ -24806,7 +24952,7 @@
           </a:ln>
           <a:extLst>
             <a:ext uri="{C572A759-6A51-4108-AA02-DFA0A04FC94B}">
-              <ma14:wrappingTextBoxFlag xmlns="" xmlns:m="http://schemas.openxmlformats.org/officeDocument/2006/math" xmlns:a14="http://schemas.microsoft.com/office/drawing/2010/main" xmlns:ma14="http://schemas.microsoft.com/office/mac/drawingml/2011/main" val="1"/>
+              <ma14:wrappingTextBoxFlag xmlns:ma14="http://schemas.microsoft.com/office/mac/drawingml/2011/main" xmlns:a14="http://schemas.microsoft.com/office/drawing/2010/main" xmlns:m="http://schemas.openxmlformats.org/officeDocument/2006/math" xmlns="" val="1"/>
             </a:ext>
           </a:extLst>
         </p:spPr>
@@ -24856,7 +25002,7 @@
           </a:ln>
           <a:extLst>
             <a:ext uri="{C572A759-6A51-4108-AA02-DFA0A04FC94B}">
-              <ma14:wrappingTextBoxFlag xmlns="" xmlns:m="http://schemas.openxmlformats.org/officeDocument/2006/math" xmlns:a14="http://schemas.microsoft.com/office/drawing/2010/main" xmlns:ma14="http://schemas.microsoft.com/office/mac/drawingml/2011/main" val="1"/>
+              <ma14:wrappingTextBoxFlag xmlns:ma14="http://schemas.microsoft.com/office/mac/drawingml/2011/main" xmlns:a14="http://schemas.microsoft.com/office/drawing/2010/main" xmlns:m="http://schemas.openxmlformats.org/officeDocument/2006/math" xmlns="" val="1"/>
             </a:ext>
           </a:extLst>
         </p:spPr>
@@ -24906,7 +25052,7 @@
           </a:ln>
           <a:extLst>
             <a:ext uri="{C572A759-6A51-4108-AA02-DFA0A04FC94B}">
-              <ma14:wrappingTextBoxFlag xmlns="" xmlns:m="http://schemas.openxmlformats.org/officeDocument/2006/math" xmlns:a14="http://schemas.microsoft.com/office/drawing/2010/main" xmlns:ma14="http://schemas.microsoft.com/office/mac/drawingml/2011/main" val="1"/>
+              <ma14:wrappingTextBoxFlag xmlns:ma14="http://schemas.microsoft.com/office/mac/drawingml/2011/main" xmlns:a14="http://schemas.microsoft.com/office/drawing/2010/main" xmlns:m="http://schemas.openxmlformats.org/officeDocument/2006/math" xmlns="" val="1"/>
             </a:ext>
           </a:extLst>
         </p:spPr>
@@ -24956,7 +25102,7 @@
           </a:ln>
           <a:extLst>
             <a:ext uri="{C572A759-6A51-4108-AA02-DFA0A04FC94B}">
-              <ma14:wrappingTextBoxFlag xmlns="" xmlns:m="http://schemas.openxmlformats.org/officeDocument/2006/math" xmlns:a14="http://schemas.microsoft.com/office/drawing/2010/main" xmlns:ma14="http://schemas.microsoft.com/office/mac/drawingml/2011/main" val="1"/>
+              <ma14:wrappingTextBoxFlag xmlns:ma14="http://schemas.microsoft.com/office/mac/drawingml/2011/main" xmlns:a14="http://schemas.microsoft.com/office/drawing/2010/main" xmlns:m="http://schemas.openxmlformats.org/officeDocument/2006/math" xmlns="" val="1"/>
             </a:ext>
           </a:extLst>
         </p:spPr>
@@ -25006,7 +25152,7 @@
           </a:ln>
           <a:extLst>
             <a:ext uri="{C572A759-6A51-4108-AA02-DFA0A04FC94B}">
-              <ma14:wrappingTextBoxFlag xmlns="" xmlns:m="http://schemas.openxmlformats.org/officeDocument/2006/math" xmlns:a14="http://schemas.microsoft.com/office/drawing/2010/main" xmlns:ma14="http://schemas.microsoft.com/office/mac/drawingml/2011/main" val="1"/>
+              <ma14:wrappingTextBoxFlag xmlns:ma14="http://schemas.microsoft.com/office/mac/drawingml/2011/main" xmlns:a14="http://schemas.microsoft.com/office/drawing/2010/main" xmlns:m="http://schemas.openxmlformats.org/officeDocument/2006/math" xmlns="" val="1"/>
             </a:ext>
           </a:extLst>
         </p:spPr>
@@ -25056,7 +25202,7 @@
           </a:ln>
           <a:extLst>
             <a:ext uri="{C572A759-6A51-4108-AA02-DFA0A04FC94B}">
-              <ma14:wrappingTextBoxFlag xmlns="" xmlns:m="http://schemas.openxmlformats.org/officeDocument/2006/math" xmlns:a14="http://schemas.microsoft.com/office/drawing/2010/main" xmlns:ma14="http://schemas.microsoft.com/office/mac/drawingml/2011/main" val="1"/>
+              <ma14:wrappingTextBoxFlag xmlns:ma14="http://schemas.microsoft.com/office/mac/drawingml/2011/main" xmlns:a14="http://schemas.microsoft.com/office/drawing/2010/main" xmlns:m="http://schemas.openxmlformats.org/officeDocument/2006/math" xmlns="" val="1"/>
             </a:ext>
           </a:extLst>
         </p:spPr>
@@ -25106,7 +25252,7 @@
           </a:ln>
           <a:extLst>
             <a:ext uri="{C572A759-6A51-4108-AA02-DFA0A04FC94B}">
-              <ma14:wrappingTextBoxFlag xmlns="" xmlns:m="http://schemas.openxmlformats.org/officeDocument/2006/math" xmlns:a14="http://schemas.microsoft.com/office/drawing/2010/main" xmlns:ma14="http://schemas.microsoft.com/office/mac/drawingml/2011/main" val="1"/>
+              <ma14:wrappingTextBoxFlag xmlns:ma14="http://schemas.microsoft.com/office/mac/drawingml/2011/main" xmlns:a14="http://schemas.microsoft.com/office/drawing/2010/main" xmlns:m="http://schemas.openxmlformats.org/officeDocument/2006/math" xmlns="" val="1"/>
             </a:ext>
           </a:extLst>
         </p:spPr>
@@ -25156,7 +25302,7 @@
           </a:ln>
           <a:extLst>
             <a:ext uri="{C572A759-6A51-4108-AA02-DFA0A04FC94B}">
-              <ma14:wrappingTextBoxFlag xmlns="" xmlns:m="http://schemas.openxmlformats.org/officeDocument/2006/math" xmlns:a14="http://schemas.microsoft.com/office/drawing/2010/main" xmlns:ma14="http://schemas.microsoft.com/office/mac/drawingml/2011/main" val="1"/>
+              <ma14:wrappingTextBoxFlag xmlns:ma14="http://schemas.microsoft.com/office/mac/drawingml/2011/main" xmlns:a14="http://schemas.microsoft.com/office/drawing/2010/main" xmlns:m="http://schemas.openxmlformats.org/officeDocument/2006/math" xmlns="" val="1"/>
             </a:ext>
           </a:extLst>
         </p:spPr>
@@ -25206,7 +25352,7 @@
           </a:ln>
           <a:extLst>
             <a:ext uri="{C572A759-6A51-4108-AA02-DFA0A04FC94B}">
-              <ma14:wrappingTextBoxFlag xmlns="" xmlns:m="http://schemas.openxmlformats.org/officeDocument/2006/math" xmlns:a14="http://schemas.microsoft.com/office/drawing/2010/main" xmlns:ma14="http://schemas.microsoft.com/office/mac/drawingml/2011/main" val="1"/>
+              <ma14:wrappingTextBoxFlag xmlns:ma14="http://schemas.microsoft.com/office/mac/drawingml/2011/main" xmlns:a14="http://schemas.microsoft.com/office/drawing/2010/main" xmlns:m="http://schemas.openxmlformats.org/officeDocument/2006/math" xmlns="" val="1"/>
             </a:ext>
           </a:extLst>
         </p:spPr>
@@ -25256,7 +25402,7 @@
           </a:ln>
           <a:extLst>
             <a:ext uri="{C572A759-6A51-4108-AA02-DFA0A04FC94B}">
-              <ma14:wrappingTextBoxFlag xmlns="" xmlns:m="http://schemas.openxmlformats.org/officeDocument/2006/math" xmlns:a14="http://schemas.microsoft.com/office/drawing/2010/main" xmlns:ma14="http://schemas.microsoft.com/office/mac/drawingml/2011/main" val="1"/>
+              <ma14:wrappingTextBoxFlag xmlns:ma14="http://schemas.microsoft.com/office/mac/drawingml/2011/main" xmlns:a14="http://schemas.microsoft.com/office/drawing/2010/main" xmlns:m="http://schemas.openxmlformats.org/officeDocument/2006/math" xmlns="" val="1"/>
             </a:ext>
           </a:extLst>
         </p:spPr>
@@ -25306,7 +25452,7 @@
           </a:ln>
           <a:extLst>
             <a:ext uri="{C572A759-6A51-4108-AA02-DFA0A04FC94B}">
-              <ma14:wrappingTextBoxFlag xmlns="" xmlns:m="http://schemas.openxmlformats.org/officeDocument/2006/math" xmlns:a14="http://schemas.microsoft.com/office/drawing/2010/main" xmlns:ma14="http://schemas.microsoft.com/office/mac/drawingml/2011/main" val="1"/>
+              <ma14:wrappingTextBoxFlag xmlns:ma14="http://schemas.microsoft.com/office/mac/drawingml/2011/main" xmlns:a14="http://schemas.microsoft.com/office/drawing/2010/main" xmlns:m="http://schemas.openxmlformats.org/officeDocument/2006/math" xmlns="" val="1"/>
             </a:ext>
           </a:extLst>
         </p:spPr>
@@ -25356,7 +25502,7 @@
           </a:ln>
           <a:extLst>
             <a:ext uri="{C572A759-6A51-4108-AA02-DFA0A04FC94B}">
-              <ma14:wrappingTextBoxFlag xmlns="" xmlns:m="http://schemas.openxmlformats.org/officeDocument/2006/math" xmlns:a14="http://schemas.microsoft.com/office/drawing/2010/main" xmlns:ma14="http://schemas.microsoft.com/office/mac/drawingml/2011/main" val="1"/>
+              <ma14:wrappingTextBoxFlag xmlns:ma14="http://schemas.microsoft.com/office/mac/drawingml/2011/main" xmlns:a14="http://schemas.microsoft.com/office/drawing/2010/main" xmlns:m="http://schemas.openxmlformats.org/officeDocument/2006/math" xmlns="" val="1"/>
             </a:ext>
           </a:extLst>
         </p:spPr>
@@ -25406,7 +25552,7 @@
           </a:ln>
           <a:extLst>
             <a:ext uri="{C572A759-6A51-4108-AA02-DFA0A04FC94B}">
-              <ma14:wrappingTextBoxFlag xmlns="" xmlns:m="http://schemas.openxmlformats.org/officeDocument/2006/math" xmlns:a14="http://schemas.microsoft.com/office/drawing/2010/main" xmlns:ma14="http://schemas.microsoft.com/office/mac/drawingml/2011/main" val="1"/>
+              <ma14:wrappingTextBoxFlag xmlns:ma14="http://schemas.microsoft.com/office/mac/drawingml/2011/main" xmlns:a14="http://schemas.microsoft.com/office/drawing/2010/main" xmlns:m="http://schemas.openxmlformats.org/officeDocument/2006/math" xmlns="" val="1"/>
             </a:ext>
           </a:extLst>
         </p:spPr>
@@ -25456,7 +25602,7 @@
           </a:ln>
           <a:extLst>
             <a:ext uri="{C572A759-6A51-4108-AA02-DFA0A04FC94B}">
-              <ma14:wrappingTextBoxFlag xmlns="" xmlns:m="http://schemas.openxmlformats.org/officeDocument/2006/math" xmlns:a14="http://schemas.microsoft.com/office/drawing/2010/main" xmlns:ma14="http://schemas.microsoft.com/office/mac/drawingml/2011/main" val="1"/>
+              <ma14:wrappingTextBoxFlag xmlns:ma14="http://schemas.microsoft.com/office/mac/drawingml/2011/main" xmlns:a14="http://schemas.microsoft.com/office/drawing/2010/main" xmlns:m="http://schemas.openxmlformats.org/officeDocument/2006/math" xmlns="" val="1"/>
             </a:ext>
           </a:extLst>
         </p:spPr>
@@ -25506,7 +25652,7 @@
           </a:ln>
           <a:extLst>
             <a:ext uri="{C572A759-6A51-4108-AA02-DFA0A04FC94B}">
-              <ma14:wrappingTextBoxFlag xmlns="" xmlns:m="http://schemas.openxmlformats.org/officeDocument/2006/math" xmlns:a14="http://schemas.microsoft.com/office/drawing/2010/main" xmlns:ma14="http://schemas.microsoft.com/office/mac/drawingml/2011/main" val="1"/>
+              <ma14:wrappingTextBoxFlag xmlns:ma14="http://schemas.microsoft.com/office/mac/drawingml/2011/main" xmlns:a14="http://schemas.microsoft.com/office/drawing/2010/main" xmlns:m="http://schemas.openxmlformats.org/officeDocument/2006/math" xmlns="" val="1"/>
             </a:ext>
           </a:extLst>
         </p:spPr>
@@ -25556,7 +25702,7 @@
           </a:ln>
           <a:extLst>
             <a:ext uri="{C572A759-6A51-4108-AA02-DFA0A04FC94B}">
-              <ma14:wrappingTextBoxFlag xmlns="" xmlns:m="http://schemas.openxmlformats.org/officeDocument/2006/math" xmlns:a14="http://schemas.microsoft.com/office/drawing/2010/main" xmlns:ma14="http://schemas.microsoft.com/office/mac/drawingml/2011/main" val="1"/>
+              <ma14:wrappingTextBoxFlag xmlns:ma14="http://schemas.microsoft.com/office/mac/drawingml/2011/main" xmlns:a14="http://schemas.microsoft.com/office/drawing/2010/main" xmlns:m="http://schemas.openxmlformats.org/officeDocument/2006/math" xmlns="" val="1"/>
             </a:ext>
           </a:extLst>
         </p:spPr>
@@ -25606,7 +25752,7 @@
           </a:ln>
           <a:extLst>
             <a:ext uri="{C572A759-6A51-4108-AA02-DFA0A04FC94B}">
-              <ma14:wrappingTextBoxFlag xmlns="" xmlns:m="http://schemas.openxmlformats.org/officeDocument/2006/math" xmlns:a14="http://schemas.microsoft.com/office/drawing/2010/main" xmlns:ma14="http://schemas.microsoft.com/office/mac/drawingml/2011/main" val="1"/>
+              <ma14:wrappingTextBoxFlag xmlns:ma14="http://schemas.microsoft.com/office/mac/drawingml/2011/main" xmlns:a14="http://schemas.microsoft.com/office/drawing/2010/main" xmlns:m="http://schemas.openxmlformats.org/officeDocument/2006/math" xmlns="" val="1"/>
             </a:ext>
           </a:extLst>
         </p:spPr>
@@ -25656,7 +25802,7 @@
           </a:ln>
           <a:extLst>
             <a:ext uri="{C572A759-6A51-4108-AA02-DFA0A04FC94B}">
-              <ma14:wrappingTextBoxFlag xmlns="" xmlns:m="http://schemas.openxmlformats.org/officeDocument/2006/math" xmlns:a14="http://schemas.microsoft.com/office/drawing/2010/main" xmlns:ma14="http://schemas.microsoft.com/office/mac/drawingml/2011/main" val="1"/>
+              <ma14:wrappingTextBoxFlag xmlns:ma14="http://schemas.microsoft.com/office/mac/drawingml/2011/main" xmlns:a14="http://schemas.microsoft.com/office/drawing/2010/main" xmlns:m="http://schemas.openxmlformats.org/officeDocument/2006/math" xmlns="" val="1"/>
             </a:ext>
           </a:extLst>
         </p:spPr>
@@ -25706,7 +25852,7 @@
           </a:ln>
           <a:extLst>
             <a:ext uri="{C572A759-6A51-4108-AA02-DFA0A04FC94B}">
-              <ma14:wrappingTextBoxFlag xmlns="" xmlns:m="http://schemas.openxmlformats.org/officeDocument/2006/math" xmlns:a14="http://schemas.microsoft.com/office/drawing/2010/main" xmlns:ma14="http://schemas.microsoft.com/office/mac/drawingml/2011/main" val="1"/>
+              <ma14:wrappingTextBoxFlag xmlns:ma14="http://schemas.microsoft.com/office/mac/drawingml/2011/main" xmlns:a14="http://schemas.microsoft.com/office/drawing/2010/main" xmlns:m="http://schemas.openxmlformats.org/officeDocument/2006/math" xmlns="" val="1"/>
             </a:ext>
           </a:extLst>
         </p:spPr>
@@ -25756,7 +25902,7 @@
           </a:ln>
           <a:extLst>
             <a:ext uri="{C572A759-6A51-4108-AA02-DFA0A04FC94B}">
-              <ma14:wrappingTextBoxFlag xmlns="" xmlns:m="http://schemas.openxmlformats.org/officeDocument/2006/math" xmlns:a14="http://schemas.microsoft.com/office/drawing/2010/main" xmlns:ma14="http://schemas.microsoft.com/office/mac/drawingml/2011/main" val="1"/>
+              <ma14:wrappingTextBoxFlag xmlns:ma14="http://schemas.microsoft.com/office/mac/drawingml/2011/main" xmlns:a14="http://schemas.microsoft.com/office/drawing/2010/main" xmlns:m="http://schemas.openxmlformats.org/officeDocument/2006/math" xmlns="" val="1"/>
             </a:ext>
           </a:extLst>
         </p:spPr>
@@ -25806,7 +25952,7 @@
           </a:ln>
           <a:extLst>
             <a:ext uri="{C572A759-6A51-4108-AA02-DFA0A04FC94B}">
-              <ma14:wrappingTextBoxFlag xmlns="" xmlns:m="http://schemas.openxmlformats.org/officeDocument/2006/math" xmlns:a14="http://schemas.microsoft.com/office/drawing/2010/main" xmlns:ma14="http://schemas.microsoft.com/office/mac/drawingml/2011/main" val="1"/>
+              <ma14:wrappingTextBoxFlag xmlns:ma14="http://schemas.microsoft.com/office/mac/drawingml/2011/main" xmlns:a14="http://schemas.microsoft.com/office/drawing/2010/main" xmlns:m="http://schemas.openxmlformats.org/officeDocument/2006/math" xmlns="" val="1"/>
             </a:ext>
           </a:extLst>
         </p:spPr>
@@ -25856,7 +26002,7 @@
           </a:ln>
           <a:extLst>
             <a:ext uri="{C572A759-6A51-4108-AA02-DFA0A04FC94B}">
-              <ma14:wrappingTextBoxFlag xmlns="" xmlns:m="http://schemas.openxmlformats.org/officeDocument/2006/math" xmlns:a14="http://schemas.microsoft.com/office/drawing/2010/main" xmlns:ma14="http://schemas.microsoft.com/office/mac/drawingml/2011/main" val="1"/>
+              <ma14:wrappingTextBoxFlag xmlns:ma14="http://schemas.microsoft.com/office/mac/drawingml/2011/main" xmlns:a14="http://schemas.microsoft.com/office/drawing/2010/main" xmlns:m="http://schemas.openxmlformats.org/officeDocument/2006/math" xmlns="" val="1"/>
             </a:ext>
           </a:extLst>
         </p:spPr>
@@ -25906,7 +26052,7 @@
           </a:ln>
           <a:extLst>
             <a:ext uri="{C572A759-6A51-4108-AA02-DFA0A04FC94B}">
-              <ma14:wrappingTextBoxFlag xmlns="" xmlns:m="http://schemas.openxmlformats.org/officeDocument/2006/math" xmlns:a14="http://schemas.microsoft.com/office/drawing/2010/main" xmlns:ma14="http://schemas.microsoft.com/office/mac/drawingml/2011/main" val="1"/>
+              <ma14:wrappingTextBoxFlag xmlns:ma14="http://schemas.microsoft.com/office/mac/drawingml/2011/main" xmlns:a14="http://schemas.microsoft.com/office/drawing/2010/main" xmlns:m="http://schemas.openxmlformats.org/officeDocument/2006/math" xmlns="" val="1"/>
             </a:ext>
           </a:extLst>
         </p:spPr>
@@ -25956,7 +26102,7 @@
           </a:ln>
           <a:extLst>
             <a:ext uri="{C572A759-6A51-4108-AA02-DFA0A04FC94B}">
-              <ma14:wrappingTextBoxFlag xmlns="" xmlns:m="http://schemas.openxmlformats.org/officeDocument/2006/math" xmlns:a14="http://schemas.microsoft.com/office/drawing/2010/main" xmlns:ma14="http://schemas.microsoft.com/office/mac/drawingml/2011/main" val="1"/>
+              <ma14:wrappingTextBoxFlag xmlns:ma14="http://schemas.microsoft.com/office/mac/drawingml/2011/main" xmlns:a14="http://schemas.microsoft.com/office/drawing/2010/main" xmlns:m="http://schemas.openxmlformats.org/officeDocument/2006/math" xmlns="" val="1"/>
             </a:ext>
           </a:extLst>
         </p:spPr>
@@ -26050,7 +26196,7 @@
           </a:ln>
           <a:extLst>
             <a:ext uri="{C572A759-6A51-4108-AA02-DFA0A04FC94B}">
-              <ma14:wrappingTextBoxFlag xmlns="" xmlns:m="http://schemas.openxmlformats.org/officeDocument/2006/math" xmlns:a14="http://schemas.microsoft.com/office/drawing/2010/main" xmlns:ma14="http://schemas.microsoft.com/office/mac/drawingml/2011/main" val="1"/>
+              <ma14:wrappingTextBoxFlag xmlns:ma14="http://schemas.microsoft.com/office/mac/drawingml/2011/main" xmlns:a14="http://schemas.microsoft.com/office/drawing/2010/main" xmlns:m="http://schemas.openxmlformats.org/officeDocument/2006/math" xmlns="" val="1"/>
             </a:ext>
           </a:extLst>
         </p:spPr>
@@ -26162,7 +26308,7 @@
           </a:ln>
           <a:extLst>
             <a:ext uri="{C572A759-6A51-4108-AA02-DFA0A04FC94B}">
-              <ma14:wrappingTextBoxFlag xmlns="" xmlns:m="http://schemas.openxmlformats.org/officeDocument/2006/math" xmlns:a14="http://schemas.microsoft.com/office/drawing/2010/main" xmlns:ma14="http://schemas.microsoft.com/office/mac/drawingml/2011/main" val="1"/>
+              <ma14:wrappingTextBoxFlag xmlns:ma14="http://schemas.microsoft.com/office/mac/drawingml/2011/main" xmlns:a14="http://schemas.microsoft.com/office/drawing/2010/main" xmlns:m="http://schemas.openxmlformats.org/officeDocument/2006/math" xmlns="" val="1"/>
             </a:ext>
           </a:extLst>
         </p:spPr>
@@ -26216,7 +26362,7 @@
           </a:ln>
           <a:extLst>
             <a:ext uri="{C572A759-6A51-4108-AA02-DFA0A04FC94B}">
-              <ma14:wrappingTextBoxFlag xmlns="" xmlns:m="http://schemas.openxmlformats.org/officeDocument/2006/math" xmlns:a14="http://schemas.microsoft.com/office/drawing/2010/main" xmlns:ma14="http://schemas.microsoft.com/office/mac/drawingml/2011/main" val="1"/>
+              <ma14:wrappingTextBoxFlag xmlns:ma14="http://schemas.microsoft.com/office/mac/drawingml/2011/main" xmlns:a14="http://schemas.microsoft.com/office/drawing/2010/main" xmlns:m="http://schemas.openxmlformats.org/officeDocument/2006/math" xmlns="" val="1"/>
             </a:ext>
           </a:extLst>
         </p:spPr>
@@ -26266,7 +26412,7 @@
           </a:ln>
           <a:extLst>
             <a:ext uri="{C572A759-6A51-4108-AA02-DFA0A04FC94B}">
-              <ma14:wrappingTextBoxFlag xmlns="" xmlns:m="http://schemas.openxmlformats.org/officeDocument/2006/math" xmlns:a14="http://schemas.microsoft.com/office/drawing/2010/main" xmlns:ma14="http://schemas.microsoft.com/office/mac/drawingml/2011/main" val="1"/>
+              <ma14:wrappingTextBoxFlag xmlns:ma14="http://schemas.microsoft.com/office/mac/drawingml/2011/main" xmlns:a14="http://schemas.microsoft.com/office/drawing/2010/main" xmlns:m="http://schemas.openxmlformats.org/officeDocument/2006/math" xmlns="" val="1"/>
             </a:ext>
           </a:extLst>
         </p:spPr>
@@ -26316,7 +26462,7 @@
           </a:ln>
           <a:extLst>
             <a:ext uri="{C572A759-6A51-4108-AA02-DFA0A04FC94B}">
-              <ma14:wrappingTextBoxFlag xmlns="" xmlns:m="http://schemas.openxmlformats.org/officeDocument/2006/math" xmlns:a14="http://schemas.microsoft.com/office/drawing/2010/main" xmlns:ma14="http://schemas.microsoft.com/office/mac/drawingml/2011/main" val="1"/>
+              <ma14:wrappingTextBoxFlag xmlns:ma14="http://schemas.microsoft.com/office/mac/drawingml/2011/main" xmlns:a14="http://schemas.microsoft.com/office/drawing/2010/main" xmlns:m="http://schemas.openxmlformats.org/officeDocument/2006/math" xmlns="" val="1"/>
             </a:ext>
           </a:extLst>
         </p:spPr>
@@ -26366,7 +26512,7 @@
           </a:ln>
           <a:extLst>
             <a:ext uri="{C572A759-6A51-4108-AA02-DFA0A04FC94B}">
-              <ma14:wrappingTextBoxFlag xmlns="" xmlns:m="http://schemas.openxmlformats.org/officeDocument/2006/math" xmlns:a14="http://schemas.microsoft.com/office/drawing/2010/main" xmlns:ma14="http://schemas.microsoft.com/office/mac/drawingml/2011/main" val="1"/>
+              <ma14:wrappingTextBoxFlag xmlns:ma14="http://schemas.microsoft.com/office/mac/drawingml/2011/main" xmlns:a14="http://schemas.microsoft.com/office/drawing/2010/main" xmlns:m="http://schemas.openxmlformats.org/officeDocument/2006/math" xmlns="" val="1"/>
             </a:ext>
           </a:extLst>
         </p:spPr>
@@ -26416,7 +26562,7 @@
           </a:ln>
           <a:extLst>
             <a:ext uri="{C572A759-6A51-4108-AA02-DFA0A04FC94B}">
-              <ma14:wrappingTextBoxFlag xmlns="" xmlns:m="http://schemas.openxmlformats.org/officeDocument/2006/math" xmlns:a14="http://schemas.microsoft.com/office/drawing/2010/main" xmlns:ma14="http://schemas.microsoft.com/office/mac/drawingml/2011/main" val="1"/>
+              <ma14:wrappingTextBoxFlag xmlns:ma14="http://schemas.microsoft.com/office/mac/drawingml/2011/main" xmlns:a14="http://schemas.microsoft.com/office/drawing/2010/main" xmlns:m="http://schemas.openxmlformats.org/officeDocument/2006/math" xmlns="" val="1"/>
             </a:ext>
           </a:extLst>
         </p:spPr>
@@ -26466,7 +26612,7 @@
           </a:ln>
           <a:extLst>
             <a:ext uri="{C572A759-6A51-4108-AA02-DFA0A04FC94B}">
-              <ma14:wrappingTextBoxFlag xmlns="" xmlns:m="http://schemas.openxmlformats.org/officeDocument/2006/math" xmlns:a14="http://schemas.microsoft.com/office/drawing/2010/main" xmlns:ma14="http://schemas.microsoft.com/office/mac/drawingml/2011/main" val="1"/>
+              <ma14:wrappingTextBoxFlag xmlns:ma14="http://schemas.microsoft.com/office/mac/drawingml/2011/main" xmlns:a14="http://schemas.microsoft.com/office/drawing/2010/main" xmlns:m="http://schemas.openxmlformats.org/officeDocument/2006/math" xmlns="" val="1"/>
             </a:ext>
           </a:extLst>
         </p:spPr>
@@ -26516,7 +26662,7 @@
           </a:ln>
           <a:extLst>
             <a:ext uri="{C572A759-6A51-4108-AA02-DFA0A04FC94B}">
-              <ma14:wrappingTextBoxFlag xmlns="" xmlns:m="http://schemas.openxmlformats.org/officeDocument/2006/math" xmlns:a14="http://schemas.microsoft.com/office/drawing/2010/main" xmlns:ma14="http://schemas.microsoft.com/office/mac/drawingml/2011/main" val="1"/>
+              <ma14:wrappingTextBoxFlag xmlns:ma14="http://schemas.microsoft.com/office/mac/drawingml/2011/main" xmlns:a14="http://schemas.microsoft.com/office/drawing/2010/main" xmlns:m="http://schemas.openxmlformats.org/officeDocument/2006/math" xmlns="" val="1"/>
             </a:ext>
           </a:extLst>
         </p:spPr>
@@ -26566,7 +26712,7 @@
           </a:ln>
           <a:extLst>
             <a:ext uri="{C572A759-6A51-4108-AA02-DFA0A04FC94B}">
-              <ma14:wrappingTextBoxFlag xmlns="" xmlns:m="http://schemas.openxmlformats.org/officeDocument/2006/math" xmlns:a14="http://schemas.microsoft.com/office/drawing/2010/main" xmlns:ma14="http://schemas.microsoft.com/office/mac/drawingml/2011/main" val="1"/>
+              <ma14:wrappingTextBoxFlag xmlns:ma14="http://schemas.microsoft.com/office/mac/drawingml/2011/main" xmlns:a14="http://schemas.microsoft.com/office/drawing/2010/main" xmlns:m="http://schemas.openxmlformats.org/officeDocument/2006/math" xmlns="" val="1"/>
             </a:ext>
           </a:extLst>
         </p:spPr>
@@ -26616,7 +26762,7 @@
           </a:ln>
           <a:extLst>
             <a:ext uri="{C572A759-6A51-4108-AA02-DFA0A04FC94B}">
-              <ma14:wrappingTextBoxFlag xmlns="" xmlns:m="http://schemas.openxmlformats.org/officeDocument/2006/math" xmlns:a14="http://schemas.microsoft.com/office/drawing/2010/main" xmlns:ma14="http://schemas.microsoft.com/office/mac/drawingml/2011/main" val="1"/>
+              <ma14:wrappingTextBoxFlag xmlns:ma14="http://schemas.microsoft.com/office/mac/drawingml/2011/main" xmlns:a14="http://schemas.microsoft.com/office/drawing/2010/main" xmlns:m="http://schemas.openxmlformats.org/officeDocument/2006/math" xmlns="" val="1"/>
             </a:ext>
           </a:extLst>
         </p:spPr>
@@ -26666,7 +26812,7 @@
           </a:ln>
           <a:extLst>
             <a:ext uri="{C572A759-6A51-4108-AA02-DFA0A04FC94B}">
-              <ma14:wrappingTextBoxFlag xmlns="" xmlns:m="http://schemas.openxmlformats.org/officeDocument/2006/math" xmlns:a14="http://schemas.microsoft.com/office/drawing/2010/main" xmlns:ma14="http://schemas.microsoft.com/office/mac/drawingml/2011/main" val="1"/>
+              <ma14:wrappingTextBoxFlag xmlns:ma14="http://schemas.microsoft.com/office/mac/drawingml/2011/main" xmlns:a14="http://schemas.microsoft.com/office/drawing/2010/main" xmlns:m="http://schemas.openxmlformats.org/officeDocument/2006/math" xmlns="" val="1"/>
             </a:ext>
           </a:extLst>
         </p:spPr>
@@ -26716,7 +26862,7 @@
           </a:ln>
           <a:extLst>
             <a:ext uri="{C572A759-6A51-4108-AA02-DFA0A04FC94B}">
-              <ma14:wrappingTextBoxFlag xmlns="" xmlns:m="http://schemas.openxmlformats.org/officeDocument/2006/math" xmlns:a14="http://schemas.microsoft.com/office/drawing/2010/main" xmlns:ma14="http://schemas.microsoft.com/office/mac/drawingml/2011/main" val="1"/>
+              <ma14:wrappingTextBoxFlag xmlns:ma14="http://schemas.microsoft.com/office/mac/drawingml/2011/main" xmlns:a14="http://schemas.microsoft.com/office/drawing/2010/main" xmlns:m="http://schemas.openxmlformats.org/officeDocument/2006/math" xmlns="" val="1"/>
             </a:ext>
           </a:extLst>
         </p:spPr>
@@ -26766,7 +26912,7 @@
           </a:ln>
           <a:extLst>
             <a:ext uri="{C572A759-6A51-4108-AA02-DFA0A04FC94B}">
-              <ma14:wrappingTextBoxFlag xmlns="" xmlns:m="http://schemas.openxmlformats.org/officeDocument/2006/math" xmlns:a14="http://schemas.microsoft.com/office/drawing/2010/main" xmlns:ma14="http://schemas.microsoft.com/office/mac/drawingml/2011/main" val="1"/>
+              <ma14:wrappingTextBoxFlag xmlns:ma14="http://schemas.microsoft.com/office/mac/drawingml/2011/main" xmlns:a14="http://schemas.microsoft.com/office/drawing/2010/main" xmlns:m="http://schemas.openxmlformats.org/officeDocument/2006/math" xmlns="" val="1"/>
             </a:ext>
           </a:extLst>
         </p:spPr>
@@ -26816,7 +26962,7 @@
           </a:ln>
           <a:extLst>
             <a:ext uri="{C572A759-6A51-4108-AA02-DFA0A04FC94B}">
-              <ma14:wrappingTextBoxFlag xmlns="" xmlns:m="http://schemas.openxmlformats.org/officeDocument/2006/math" xmlns:a14="http://schemas.microsoft.com/office/drawing/2010/main" xmlns:ma14="http://schemas.microsoft.com/office/mac/drawingml/2011/main" val="1"/>
+              <ma14:wrappingTextBoxFlag xmlns:ma14="http://schemas.microsoft.com/office/mac/drawingml/2011/main" xmlns:a14="http://schemas.microsoft.com/office/drawing/2010/main" xmlns:m="http://schemas.openxmlformats.org/officeDocument/2006/math" xmlns="" val="1"/>
             </a:ext>
           </a:extLst>
         </p:spPr>
@@ -26866,7 +27012,7 @@
           </a:ln>
           <a:extLst>
             <a:ext uri="{C572A759-6A51-4108-AA02-DFA0A04FC94B}">
-              <ma14:wrappingTextBoxFlag xmlns="" xmlns:m="http://schemas.openxmlformats.org/officeDocument/2006/math" xmlns:a14="http://schemas.microsoft.com/office/drawing/2010/main" xmlns:ma14="http://schemas.microsoft.com/office/mac/drawingml/2011/main" val="1"/>
+              <ma14:wrappingTextBoxFlag xmlns:ma14="http://schemas.microsoft.com/office/mac/drawingml/2011/main" xmlns:a14="http://schemas.microsoft.com/office/drawing/2010/main" xmlns:m="http://schemas.openxmlformats.org/officeDocument/2006/math" xmlns="" val="1"/>
             </a:ext>
           </a:extLst>
         </p:spPr>
@@ -26916,7 +27062,7 @@
           </a:ln>
           <a:extLst>
             <a:ext uri="{C572A759-6A51-4108-AA02-DFA0A04FC94B}">
-              <ma14:wrappingTextBoxFlag xmlns="" xmlns:m="http://schemas.openxmlformats.org/officeDocument/2006/math" xmlns:a14="http://schemas.microsoft.com/office/drawing/2010/main" xmlns:ma14="http://schemas.microsoft.com/office/mac/drawingml/2011/main" val="1"/>
+              <ma14:wrappingTextBoxFlag xmlns:ma14="http://schemas.microsoft.com/office/mac/drawingml/2011/main" xmlns:a14="http://schemas.microsoft.com/office/drawing/2010/main" xmlns:m="http://schemas.openxmlformats.org/officeDocument/2006/math" xmlns="" val="1"/>
             </a:ext>
           </a:extLst>
         </p:spPr>
@@ -26966,7 +27112,7 @@
           </a:ln>
           <a:extLst>
             <a:ext uri="{C572A759-6A51-4108-AA02-DFA0A04FC94B}">
-              <ma14:wrappingTextBoxFlag xmlns="" xmlns:m="http://schemas.openxmlformats.org/officeDocument/2006/math" xmlns:a14="http://schemas.microsoft.com/office/drawing/2010/main" xmlns:ma14="http://schemas.microsoft.com/office/mac/drawingml/2011/main" val="1"/>
+              <ma14:wrappingTextBoxFlag xmlns:ma14="http://schemas.microsoft.com/office/mac/drawingml/2011/main" xmlns:a14="http://schemas.microsoft.com/office/drawing/2010/main" xmlns:m="http://schemas.openxmlformats.org/officeDocument/2006/math" xmlns="" val="1"/>
             </a:ext>
           </a:extLst>
         </p:spPr>
@@ -27016,7 +27162,7 @@
           </a:ln>
           <a:extLst>
             <a:ext uri="{C572A759-6A51-4108-AA02-DFA0A04FC94B}">
-              <ma14:wrappingTextBoxFlag xmlns="" xmlns:m="http://schemas.openxmlformats.org/officeDocument/2006/math" xmlns:a14="http://schemas.microsoft.com/office/drawing/2010/main" xmlns:ma14="http://schemas.microsoft.com/office/mac/drawingml/2011/main" val="1"/>
+              <ma14:wrappingTextBoxFlag xmlns:ma14="http://schemas.microsoft.com/office/mac/drawingml/2011/main" xmlns:a14="http://schemas.microsoft.com/office/drawing/2010/main" xmlns:m="http://schemas.openxmlformats.org/officeDocument/2006/math" xmlns="" val="1"/>
             </a:ext>
           </a:extLst>
         </p:spPr>
@@ -27066,7 +27212,7 @@
           </a:ln>
           <a:extLst>
             <a:ext uri="{C572A759-6A51-4108-AA02-DFA0A04FC94B}">
-              <ma14:wrappingTextBoxFlag xmlns="" xmlns:m="http://schemas.openxmlformats.org/officeDocument/2006/math" xmlns:a14="http://schemas.microsoft.com/office/drawing/2010/main" xmlns:ma14="http://schemas.microsoft.com/office/mac/drawingml/2011/main" val="1"/>
+              <ma14:wrappingTextBoxFlag xmlns:ma14="http://schemas.microsoft.com/office/mac/drawingml/2011/main" xmlns:a14="http://schemas.microsoft.com/office/drawing/2010/main" xmlns:m="http://schemas.openxmlformats.org/officeDocument/2006/math" xmlns="" val="1"/>
             </a:ext>
           </a:extLst>
         </p:spPr>
@@ -27116,7 +27262,7 @@
           </a:ln>
           <a:extLst>
             <a:ext uri="{C572A759-6A51-4108-AA02-DFA0A04FC94B}">
-              <ma14:wrappingTextBoxFlag xmlns="" xmlns:m="http://schemas.openxmlformats.org/officeDocument/2006/math" xmlns:a14="http://schemas.microsoft.com/office/drawing/2010/main" xmlns:ma14="http://schemas.microsoft.com/office/mac/drawingml/2011/main" val="1"/>
+              <ma14:wrappingTextBoxFlag xmlns:ma14="http://schemas.microsoft.com/office/mac/drawingml/2011/main" xmlns:a14="http://schemas.microsoft.com/office/drawing/2010/main" xmlns:m="http://schemas.openxmlformats.org/officeDocument/2006/math" xmlns="" val="1"/>
             </a:ext>
           </a:extLst>
         </p:spPr>
@@ -27166,7 +27312,7 @@
           </a:ln>
           <a:extLst>
             <a:ext uri="{C572A759-6A51-4108-AA02-DFA0A04FC94B}">
-              <ma14:wrappingTextBoxFlag xmlns="" xmlns:m="http://schemas.openxmlformats.org/officeDocument/2006/math" xmlns:a14="http://schemas.microsoft.com/office/drawing/2010/main" xmlns:ma14="http://schemas.microsoft.com/office/mac/drawingml/2011/main" val="1"/>
+              <ma14:wrappingTextBoxFlag xmlns:ma14="http://schemas.microsoft.com/office/mac/drawingml/2011/main" xmlns:a14="http://schemas.microsoft.com/office/drawing/2010/main" xmlns:m="http://schemas.openxmlformats.org/officeDocument/2006/math" xmlns="" val="1"/>
             </a:ext>
           </a:extLst>
         </p:spPr>
@@ -27216,7 +27362,7 @@
           </a:ln>
           <a:extLst>
             <a:ext uri="{C572A759-6A51-4108-AA02-DFA0A04FC94B}">
-              <ma14:wrappingTextBoxFlag xmlns="" xmlns:m="http://schemas.openxmlformats.org/officeDocument/2006/math" xmlns:a14="http://schemas.microsoft.com/office/drawing/2010/main" xmlns:ma14="http://schemas.microsoft.com/office/mac/drawingml/2011/main" val="1"/>
+              <ma14:wrappingTextBoxFlag xmlns:ma14="http://schemas.microsoft.com/office/mac/drawingml/2011/main" xmlns:a14="http://schemas.microsoft.com/office/drawing/2010/main" xmlns:m="http://schemas.openxmlformats.org/officeDocument/2006/math" xmlns="" val="1"/>
             </a:ext>
           </a:extLst>
         </p:spPr>
@@ -27266,7 +27412,7 @@
           </a:ln>
           <a:extLst>
             <a:ext uri="{C572A759-6A51-4108-AA02-DFA0A04FC94B}">
-              <ma14:wrappingTextBoxFlag xmlns="" xmlns:m="http://schemas.openxmlformats.org/officeDocument/2006/math" xmlns:a14="http://schemas.microsoft.com/office/drawing/2010/main" xmlns:ma14="http://schemas.microsoft.com/office/mac/drawingml/2011/main" val="1"/>
+              <ma14:wrappingTextBoxFlag xmlns:ma14="http://schemas.microsoft.com/office/mac/drawingml/2011/main" xmlns:a14="http://schemas.microsoft.com/office/drawing/2010/main" xmlns:m="http://schemas.openxmlformats.org/officeDocument/2006/math" xmlns="" val="1"/>
             </a:ext>
           </a:extLst>
         </p:spPr>
@@ -27316,7 +27462,7 @@
           </a:ln>
           <a:extLst>
             <a:ext uri="{C572A759-6A51-4108-AA02-DFA0A04FC94B}">
-              <ma14:wrappingTextBoxFlag xmlns="" xmlns:m="http://schemas.openxmlformats.org/officeDocument/2006/math" xmlns:a14="http://schemas.microsoft.com/office/drawing/2010/main" xmlns:ma14="http://schemas.microsoft.com/office/mac/drawingml/2011/main" val="1"/>
+              <ma14:wrappingTextBoxFlag xmlns:ma14="http://schemas.microsoft.com/office/mac/drawingml/2011/main" xmlns:a14="http://schemas.microsoft.com/office/drawing/2010/main" xmlns:m="http://schemas.openxmlformats.org/officeDocument/2006/math" xmlns="" val="1"/>
             </a:ext>
           </a:extLst>
         </p:spPr>
@@ -27366,7 +27512,7 @@
           </a:ln>
           <a:extLst>
             <a:ext uri="{C572A759-6A51-4108-AA02-DFA0A04FC94B}">
-              <ma14:wrappingTextBoxFlag xmlns="" xmlns:m="http://schemas.openxmlformats.org/officeDocument/2006/math" xmlns:a14="http://schemas.microsoft.com/office/drawing/2010/main" xmlns:ma14="http://schemas.microsoft.com/office/mac/drawingml/2011/main" val="1"/>
+              <ma14:wrappingTextBoxFlag xmlns:ma14="http://schemas.microsoft.com/office/mac/drawingml/2011/main" xmlns:a14="http://schemas.microsoft.com/office/drawing/2010/main" xmlns:m="http://schemas.openxmlformats.org/officeDocument/2006/math" xmlns="" val="1"/>
             </a:ext>
           </a:extLst>
         </p:spPr>
@@ -27416,7 +27562,7 @@
           </a:ln>
           <a:extLst>
             <a:ext uri="{C572A759-6A51-4108-AA02-DFA0A04FC94B}">
-              <ma14:wrappingTextBoxFlag xmlns="" xmlns:m="http://schemas.openxmlformats.org/officeDocument/2006/math" xmlns:a14="http://schemas.microsoft.com/office/drawing/2010/main" xmlns:ma14="http://schemas.microsoft.com/office/mac/drawingml/2011/main" val="1"/>
+              <ma14:wrappingTextBoxFlag xmlns:ma14="http://schemas.microsoft.com/office/mac/drawingml/2011/main" xmlns:a14="http://schemas.microsoft.com/office/drawing/2010/main" xmlns:m="http://schemas.openxmlformats.org/officeDocument/2006/math" xmlns="" val="1"/>
             </a:ext>
           </a:extLst>
         </p:spPr>
@@ -27466,7 +27612,7 @@
           </a:ln>
           <a:extLst>
             <a:ext uri="{C572A759-6A51-4108-AA02-DFA0A04FC94B}">
-              <ma14:wrappingTextBoxFlag xmlns="" xmlns:m="http://schemas.openxmlformats.org/officeDocument/2006/math" xmlns:a14="http://schemas.microsoft.com/office/drawing/2010/main" xmlns:ma14="http://schemas.microsoft.com/office/mac/drawingml/2011/main" val="1"/>
+              <ma14:wrappingTextBoxFlag xmlns:ma14="http://schemas.microsoft.com/office/mac/drawingml/2011/main" xmlns:a14="http://schemas.microsoft.com/office/drawing/2010/main" xmlns:m="http://schemas.openxmlformats.org/officeDocument/2006/math" xmlns="" val="1"/>
             </a:ext>
           </a:extLst>
         </p:spPr>
@@ -27516,7 +27662,7 @@
           </a:ln>
           <a:extLst>
             <a:ext uri="{C572A759-6A51-4108-AA02-DFA0A04FC94B}">
-              <ma14:wrappingTextBoxFlag xmlns="" xmlns:m="http://schemas.openxmlformats.org/officeDocument/2006/math" xmlns:a14="http://schemas.microsoft.com/office/drawing/2010/main" xmlns:ma14="http://schemas.microsoft.com/office/mac/drawingml/2011/main" val="1"/>
+              <ma14:wrappingTextBoxFlag xmlns:ma14="http://schemas.microsoft.com/office/mac/drawingml/2011/main" xmlns:a14="http://schemas.microsoft.com/office/drawing/2010/main" xmlns:m="http://schemas.openxmlformats.org/officeDocument/2006/math" xmlns="" val="1"/>
             </a:ext>
           </a:extLst>
         </p:spPr>
@@ -27566,7 +27712,7 @@
           </a:ln>
           <a:extLst>
             <a:ext uri="{C572A759-6A51-4108-AA02-DFA0A04FC94B}">
-              <ma14:wrappingTextBoxFlag xmlns="" xmlns:m="http://schemas.openxmlformats.org/officeDocument/2006/math" xmlns:a14="http://schemas.microsoft.com/office/drawing/2010/main" xmlns:ma14="http://schemas.microsoft.com/office/mac/drawingml/2011/main" val="1"/>
+              <ma14:wrappingTextBoxFlag xmlns:ma14="http://schemas.microsoft.com/office/mac/drawingml/2011/main" xmlns:a14="http://schemas.microsoft.com/office/drawing/2010/main" xmlns:m="http://schemas.openxmlformats.org/officeDocument/2006/math" xmlns="" val="1"/>
             </a:ext>
           </a:extLst>
         </p:spPr>
@@ -27616,7 +27762,7 @@
           </a:ln>
           <a:extLst>
             <a:ext uri="{C572A759-6A51-4108-AA02-DFA0A04FC94B}">
-              <ma14:wrappingTextBoxFlag xmlns="" xmlns:m="http://schemas.openxmlformats.org/officeDocument/2006/math" xmlns:a14="http://schemas.microsoft.com/office/drawing/2010/main" xmlns:ma14="http://schemas.microsoft.com/office/mac/drawingml/2011/main" val="1"/>
+              <ma14:wrappingTextBoxFlag xmlns:ma14="http://schemas.microsoft.com/office/mac/drawingml/2011/main" xmlns:a14="http://schemas.microsoft.com/office/drawing/2010/main" xmlns:m="http://schemas.openxmlformats.org/officeDocument/2006/math" xmlns="" val="1"/>
             </a:ext>
           </a:extLst>
         </p:spPr>
@@ -27962,7 +28108,7 @@
           </a:ln>
           <a:extLst>
             <a:ext uri="{C572A759-6A51-4108-AA02-DFA0A04FC94B}">
-              <ma14:wrappingTextBoxFlag xmlns="" xmlns:m="http://schemas.openxmlformats.org/officeDocument/2006/math" xmlns:a14="http://schemas.microsoft.com/office/drawing/2010/main" xmlns:ma14="http://schemas.microsoft.com/office/mac/drawingml/2011/main" val="1"/>
+              <ma14:wrappingTextBoxFlag xmlns:ma14="http://schemas.microsoft.com/office/mac/drawingml/2011/main" xmlns:a14="http://schemas.microsoft.com/office/drawing/2010/main" xmlns:m="http://schemas.openxmlformats.org/officeDocument/2006/math" xmlns="" val="1"/>
             </a:ext>
           </a:extLst>
         </p:spPr>
@@ -28025,7 +28171,7 @@
           </a:ln>
           <a:extLst>
             <a:ext uri="{C572A759-6A51-4108-AA02-DFA0A04FC94B}">
-              <ma14:wrappingTextBoxFlag xmlns="" xmlns:m="http://schemas.openxmlformats.org/officeDocument/2006/math" xmlns:a14="http://schemas.microsoft.com/office/drawing/2010/main" xmlns:ma14="http://schemas.microsoft.com/office/mac/drawingml/2011/main" val="1"/>
+              <ma14:wrappingTextBoxFlag xmlns:ma14="http://schemas.microsoft.com/office/mac/drawingml/2011/main" xmlns:a14="http://schemas.microsoft.com/office/drawing/2010/main" xmlns:m="http://schemas.openxmlformats.org/officeDocument/2006/math" xmlns="" val="1"/>
             </a:ext>
           </a:extLst>
         </p:spPr>
@@ -28263,7 +28409,7 @@
           </a:ln>
           <a:extLst>
             <a:ext uri="{C572A759-6A51-4108-AA02-DFA0A04FC94B}">
-              <ma14:wrappingTextBoxFlag xmlns="" xmlns:m="http://schemas.openxmlformats.org/officeDocument/2006/math" xmlns:a14="http://schemas.microsoft.com/office/drawing/2010/main" xmlns:ma14="http://schemas.microsoft.com/office/mac/drawingml/2011/main" val="1"/>
+              <ma14:wrappingTextBoxFlag xmlns:ma14="http://schemas.microsoft.com/office/mac/drawingml/2011/main" xmlns:a14="http://schemas.microsoft.com/office/drawing/2010/main" xmlns:m="http://schemas.openxmlformats.org/officeDocument/2006/math" xmlns="" val="1"/>
             </a:ext>
           </a:extLst>
         </p:spPr>
@@ -28725,7 +28871,7 @@
           </a:ln>
           <a:extLst>
             <a:ext uri="{C572A759-6A51-4108-AA02-DFA0A04FC94B}">
-              <ma14:wrappingTextBoxFlag xmlns:ma14="http://schemas.microsoft.com/office/mac/drawingml/2011/main" xmlns:a14="http://schemas.microsoft.com/office/drawing/2010/main" xmlns:m="http://schemas.openxmlformats.org/officeDocument/2006/math" xmlns="" val="1"/>
+              <ma14:wrappingTextBoxFlag xmlns="" xmlns:m="http://schemas.openxmlformats.org/officeDocument/2006/math" xmlns:a14="http://schemas.microsoft.com/office/drawing/2010/main" xmlns:ma14="http://schemas.microsoft.com/office/mac/drawingml/2011/main" val="1"/>
             </a:ext>
           </a:extLst>
         </p:spPr>
@@ -28775,7 +28921,7 @@
           </a:ln>
           <a:extLst>
             <a:ext uri="{C572A759-6A51-4108-AA02-DFA0A04FC94B}">
-              <ma14:wrappingTextBoxFlag xmlns:ma14="http://schemas.microsoft.com/office/mac/drawingml/2011/main" xmlns:a14="http://schemas.microsoft.com/office/drawing/2010/main" xmlns:m="http://schemas.openxmlformats.org/officeDocument/2006/math" xmlns="" val="1"/>
+              <ma14:wrappingTextBoxFlag xmlns="" xmlns:m="http://schemas.openxmlformats.org/officeDocument/2006/math" xmlns:a14="http://schemas.microsoft.com/office/drawing/2010/main" xmlns:ma14="http://schemas.microsoft.com/office/mac/drawingml/2011/main" val="1"/>
             </a:ext>
           </a:extLst>
         </p:spPr>
@@ -28825,7 +28971,7 @@
           </a:ln>
           <a:extLst>
             <a:ext uri="{C572A759-6A51-4108-AA02-DFA0A04FC94B}">
-              <ma14:wrappingTextBoxFlag xmlns:ma14="http://schemas.microsoft.com/office/mac/drawingml/2011/main" xmlns:a14="http://schemas.microsoft.com/office/drawing/2010/main" xmlns:m="http://schemas.openxmlformats.org/officeDocument/2006/math" xmlns="" val="1"/>
+              <ma14:wrappingTextBoxFlag xmlns="" xmlns:m="http://schemas.openxmlformats.org/officeDocument/2006/math" xmlns:a14="http://schemas.microsoft.com/office/drawing/2010/main" xmlns:ma14="http://schemas.microsoft.com/office/mac/drawingml/2011/main" val="1"/>
             </a:ext>
           </a:extLst>
         </p:spPr>
@@ -28875,7 +29021,7 @@
           </a:ln>
           <a:extLst>
             <a:ext uri="{C572A759-6A51-4108-AA02-DFA0A04FC94B}">
-              <ma14:wrappingTextBoxFlag xmlns:ma14="http://schemas.microsoft.com/office/mac/drawingml/2011/main" xmlns:a14="http://schemas.microsoft.com/office/drawing/2010/main" xmlns:m="http://schemas.openxmlformats.org/officeDocument/2006/math" xmlns="" val="1"/>
+              <ma14:wrappingTextBoxFlag xmlns="" xmlns:m="http://schemas.openxmlformats.org/officeDocument/2006/math" xmlns:a14="http://schemas.microsoft.com/office/drawing/2010/main" xmlns:ma14="http://schemas.microsoft.com/office/mac/drawingml/2011/main" val="1"/>
             </a:ext>
           </a:extLst>
         </p:spPr>
@@ -28925,7 +29071,7 @@
           </a:ln>
           <a:extLst>
             <a:ext uri="{C572A759-6A51-4108-AA02-DFA0A04FC94B}">
-              <ma14:wrappingTextBoxFlag xmlns:ma14="http://schemas.microsoft.com/office/mac/drawingml/2011/main" xmlns:a14="http://schemas.microsoft.com/office/drawing/2010/main" xmlns:m="http://schemas.openxmlformats.org/officeDocument/2006/math" xmlns="" val="1"/>
+              <ma14:wrappingTextBoxFlag xmlns="" xmlns:m="http://schemas.openxmlformats.org/officeDocument/2006/math" xmlns:a14="http://schemas.microsoft.com/office/drawing/2010/main" xmlns:ma14="http://schemas.microsoft.com/office/mac/drawingml/2011/main" val="1"/>
             </a:ext>
           </a:extLst>
         </p:spPr>
@@ -28975,7 +29121,7 @@
           </a:ln>
           <a:extLst>
             <a:ext uri="{C572A759-6A51-4108-AA02-DFA0A04FC94B}">
-              <ma14:wrappingTextBoxFlag xmlns:ma14="http://schemas.microsoft.com/office/mac/drawingml/2011/main" xmlns:a14="http://schemas.microsoft.com/office/drawing/2010/main" xmlns:m="http://schemas.openxmlformats.org/officeDocument/2006/math" xmlns="" val="1"/>
+              <ma14:wrappingTextBoxFlag xmlns="" xmlns:m="http://schemas.openxmlformats.org/officeDocument/2006/math" xmlns:a14="http://schemas.microsoft.com/office/drawing/2010/main" xmlns:ma14="http://schemas.microsoft.com/office/mac/drawingml/2011/main" val="1"/>
             </a:ext>
           </a:extLst>
         </p:spPr>
@@ -29025,7 +29171,7 @@
           </a:ln>
           <a:extLst>
             <a:ext uri="{C572A759-6A51-4108-AA02-DFA0A04FC94B}">
-              <ma14:wrappingTextBoxFlag xmlns:ma14="http://schemas.microsoft.com/office/mac/drawingml/2011/main" xmlns:a14="http://schemas.microsoft.com/office/drawing/2010/main" xmlns:m="http://schemas.openxmlformats.org/officeDocument/2006/math" xmlns="" val="1"/>
+              <ma14:wrappingTextBoxFlag xmlns="" xmlns:m="http://schemas.openxmlformats.org/officeDocument/2006/math" xmlns:a14="http://schemas.microsoft.com/office/drawing/2010/main" xmlns:ma14="http://schemas.microsoft.com/office/mac/drawingml/2011/main" val="1"/>
             </a:ext>
           </a:extLst>
         </p:spPr>
@@ -29075,7 +29221,7 @@
           </a:ln>
           <a:extLst>
             <a:ext uri="{C572A759-6A51-4108-AA02-DFA0A04FC94B}">
-              <ma14:wrappingTextBoxFlag xmlns:ma14="http://schemas.microsoft.com/office/mac/drawingml/2011/main" xmlns:a14="http://schemas.microsoft.com/office/drawing/2010/main" xmlns:m="http://schemas.openxmlformats.org/officeDocument/2006/math" xmlns="" val="1"/>
+              <ma14:wrappingTextBoxFlag xmlns="" xmlns:m="http://schemas.openxmlformats.org/officeDocument/2006/math" xmlns:a14="http://schemas.microsoft.com/office/drawing/2010/main" xmlns:ma14="http://schemas.microsoft.com/office/mac/drawingml/2011/main" val="1"/>
             </a:ext>
           </a:extLst>
         </p:spPr>
@@ -29125,7 +29271,7 @@
           </a:ln>
           <a:extLst>
             <a:ext uri="{C572A759-6A51-4108-AA02-DFA0A04FC94B}">
-              <ma14:wrappingTextBoxFlag xmlns:ma14="http://schemas.microsoft.com/office/mac/drawingml/2011/main" xmlns:a14="http://schemas.microsoft.com/office/drawing/2010/main" xmlns:m="http://schemas.openxmlformats.org/officeDocument/2006/math" xmlns="" val="1"/>
+              <ma14:wrappingTextBoxFlag xmlns="" xmlns:m="http://schemas.openxmlformats.org/officeDocument/2006/math" xmlns:a14="http://schemas.microsoft.com/office/drawing/2010/main" xmlns:ma14="http://schemas.microsoft.com/office/mac/drawingml/2011/main" val="1"/>
             </a:ext>
           </a:extLst>
         </p:spPr>
@@ -29175,7 +29321,7 @@
           </a:ln>
           <a:extLst>
             <a:ext uri="{C572A759-6A51-4108-AA02-DFA0A04FC94B}">
-              <ma14:wrappingTextBoxFlag xmlns:ma14="http://schemas.microsoft.com/office/mac/drawingml/2011/main" xmlns:a14="http://schemas.microsoft.com/office/drawing/2010/main" xmlns:m="http://schemas.openxmlformats.org/officeDocument/2006/math" xmlns="" val="1"/>
+              <ma14:wrappingTextBoxFlag xmlns="" xmlns:m="http://schemas.openxmlformats.org/officeDocument/2006/math" xmlns:a14="http://schemas.microsoft.com/office/drawing/2010/main" xmlns:ma14="http://schemas.microsoft.com/office/mac/drawingml/2011/main" val="1"/>
             </a:ext>
           </a:extLst>
         </p:spPr>
@@ -29225,7 +29371,7 @@
           </a:ln>
           <a:extLst>
             <a:ext uri="{C572A759-6A51-4108-AA02-DFA0A04FC94B}">
-              <ma14:wrappingTextBoxFlag xmlns:ma14="http://schemas.microsoft.com/office/mac/drawingml/2011/main" xmlns:a14="http://schemas.microsoft.com/office/drawing/2010/main" xmlns:m="http://schemas.openxmlformats.org/officeDocument/2006/math" xmlns="" val="1"/>
+              <ma14:wrappingTextBoxFlag xmlns="" xmlns:m="http://schemas.openxmlformats.org/officeDocument/2006/math" xmlns:a14="http://schemas.microsoft.com/office/drawing/2010/main" xmlns:ma14="http://schemas.microsoft.com/office/mac/drawingml/2011/main" val="1"/>
             </a:ext>
           </a:extLst>
         </p:spPr>
@@ -29275,7 +29421,7 @@
           </a:ln>
           <a:extLst>
             <a:ext uri="{C572A759-6A51-4108-AA02-DFA0A04FC94B}">
-              <ma14:wrappingTextBoxFlag xmlns:ma14="http://schemas.microsoft.com/office/mac/drawingml/2011/main" xmlns:a14="http://schemas.microsoft.com/office/drawing/2010/main" xmlns:m="http://schemas.openxmlformats.org/officeDocument/2006/math" xmlns="" val="1"/>
+              <ma14:wrappingTextBoxFlag xmlns="" xmlns:m="http://schemas.openxmlformats.org/officeDocument/2006/math" xmlns:a14="http://schemas.microsoft.com/office/drawing/2010/main" xmlns:ma14="http://schemas.microsoft.com/office/mac/drawingml/2011/main" val="1"/>
             </a:ext>
           </a:extLst>
         </p:spPr>
@@ -29325,7 +29471,7 @@
           </a:ln>
           <a:extLst>
             <a:ext uri="{C572A759-6A51-4108-AA02-DFA0A04FC94B}">
-              <ma14:wrappingTextBoxFlag xmlns:ma14="http://schemas.microsoft.com/office/mac/drawingml/2011/main" xmlns:a14="http://schemas.microsoft.com/office/drawing/2010/main" xmlns:m="http://schemas.openxmlformats.org/officeDocument/2006/math" xmlns="" val="1"/>
+              <ma14:wrappingTextBoxFlag xmlns="" xmlns:m="http://schemas.openxmlformats.org/officeDocument/2006/math" xmlns:a14="http://schemas.microsoft.com/office/drawing/2010/main" xmlns:ma14="http://schemas.microsoft.com/office/mac/drawingml/2011/main" val="1"/>
             </a:ext>
           </a:extLst>
         </p:spPr>
@@ -29375,7 +29521,7 @@
           </a:ln>
           <a:extLst>
             <a:ext uri="{C572A759-6A51-4108-AA02-DFA0A04FC94B}">
-              <ma14:wrappingTextBoxFlag xmlns:ma14="http://schemas.microsoft.com/office/mac/drawingml/2011/main" xmlns:a14="http://schemas.microsoft.com/office/drawing/2010/main" xmlns:m="http://schemas.openxmlformats.org/officeDocument/2006/math" xmlns="" val="1"/>
+              <ma14:wrappingTextBoxFlag xmlns="" xmlns:m="http://schemas.openxmlformats.org/officeDocument/2006/math" xmlns:a14="http://schemas.microsoft.com/office/drawing/2010/main" xmlns:ma14="http://schemas.microsoft.com/office/mac/drawingml/2011/main" val="1"/>
             </a:ext>
           </a:extLst>
         </p:spPr>
@@ -29425,7 +29571,7 @@
           </a:ln>
           <a:extLst>
             <a:ext uri="{C572A759-6A51-4108-AA02-DFA0A04FC94B}">
-              <ma14:wrappingTextBoxFlag xmlns:ma14="http://schemas.microsoft.com/office/mac/drawingml/2011/main" xmlns:a14="http://schemas.microsoft.com/office/drawing/2010/main" xmlns:m="http://schemas.openxmlformats.org/officeDocument/2006/math" xmlns="" val="1"/>
+              <ma14:wrappingTextBoxFlag xmlns="" xmlns:m="http://schemas.openxmlformats.org/officeDocument/2006/math" xmlns:a14="http://schemas.microsoft.com/office/drawing/2010/main" xmlns:ma14="http://schemas.microsoft.com/office/mac/drawingml/2011/main" val="1"/>
             </a:ext>
           </a:extLst>
         </p:spPr>
@@ -29475,7 +29621,7 @@
           </a:ln>
           <a:extLst>
             <a:ext uri="{C572A759-6A51-4108-AA02-DFA0A04FC94B}">
-              <ma14:wrappingTextBoxFlag xmlns:ma14="http://schemas.microsoft.com/office/mac/drawingml/2011/main" xmlns:a14="http://schemas.microsoft.com/office/drawing/2010/main" xmlns:m="http://schemas.openxmlformats.org/officeDocument/2006/math" xmlns="" val="1"/>
+              <ma14:wrappingTextBoxFlag xmlns="" xmlns:m="http://schemas.openxmlformats.org/officeDocument/2006/math" xmlns:a14="http://schemas.microsoft.com/office/drawing/2010/main" xmlns:ma14="http://schemas.microsoft.com/office/mac/drawingml/2011/main" val="1"/>
             </a:ext>
           </a:extLst>
         </p:spPr>
@@ -29525,7 +29671,7 @@
           </a:ln>
           <a:extLst>
             <a:ext uri="{C572A759-6A51-4108-AA02-DFA0A04FC94B}">
-              <ma14:wrappingTextBoxFlag xmlns:ma14="http://schemas.microsoft.com/office/mac/drawingml/2011/main" xmlns:a14="http://schemas.microsoft.com/office/drawing/2010/main" xmlns:m="http://schemas.openxmlformats.org/officeDocument/2006/math" xmlns="" val="1"/>
+              <ma14:wrappingTextBoxFlag xmlns="" xmlns:m="http://schemas.openxmlformats.org/officeDocument/2006/math" xmlns:a14="http://schemas.microsoft.com/office/drawing/2010/main" xmlns:ma14="http://schemas.microsoft.com/office/mac/drawingml/2011/main" val="1"/>
             </a:ext>
           </a:extLst>
         </p:spPr>
@@ -29575,7 +29721,7 @@
           </a:ln>
           <a:extLst>
             <a:ext uri="{C572A759-6A51-4108-AA02-DFA0A04FC94B}">
-              <ma14:wrappingTextBoxFlag xmlns:ma14="http://schemas.microsoft.com/office/mac/drawingml/2011/main" xmlns:a14="http://schemas.microsoft.com/office/drawing/2010/main" xmlns:m="http://schemas.openxmlformats.org/officeDocument/2006/math" xmlns="" val="1"/>
+              <ma14:wrappingTextBoxFlag xmlns="" xmlns:m="http://schemas.openxmlformats.org/officeDocument/2006/math" xmlns:a14="http://schemas.microsoft.com/office/drawing/2010/main" xmlns:ma14="http://schemas.microsoft.com/office/mac/drawingml/2011/main" val="1"/>
             </a:ext>
           </a:extLst>
         </p:spPr>
@@ -29625,7 +29771,7 @@
           </a:ln>
           <a:extLst>
             <a:ext uri="{C572A759-6A51-4108-AA02-DFA0A04FC94B}">
-              <ma14:wrappingTextBoxFlag xmlns:ma14="http://schemas.microsoft.com/office/mac/drawingml/2011/main" xmlns:a14="http://schemas.microsoft.com/office/drawing/2010/main" xmlns:m="http://schemas.openxmlformats.org/officeDocument/2006/math" xmlns="" val="1"/>
+              <ma14:wrappingTextBoxFlag xmlns="" xmlns:m="http://schemas.openxmlformats.org/officeDocument/2006/math" xmlns:a14="http://schemas.microsoft.com/office/drawing/2010/main" xmlns:ma14="http://schemas.microsoft.com/office/mac/drawingml/2011/main" val="1"/>
             </a:ext>
           </a:extLst>
         </p:spPr>
@@ -29675,7 +29821,7 @@
           </a:ln>
           <a:extLst>
             <a:ext uri="{C572A759-6A51-4108-AA02-DFA0A04FC94B}">
-              <ma14:wrappingTextBoxFlag xmlns:ma14="http://schemas.microsoft.com/office/mac/drawingml/2011/main" xmlns:a14="http://schemas.microsoft.com/office/drawing/2010/main" xmlns:m="http://schemas.openxmlformats.org/officeDocument/2006/math" xmlns="" val="1"/>
+              <ma14:wrappingTextBoxFlag xmlns="" xmlns:m="http://schemas.openxmlformats.org/officeDocument/2006/math" xmlns:a14="http://schemas.microsoft.com/office/drawing/2010/main" xmlns:ma14="http://schemas.microsoft.com/office/mac/drawingml/2011/main" val="1"/>
             </a:ext>
           </a:extLst>
         </p:spPr>
@@ -29725,7 +29871,7 @@
           </a:ln>
           <a:extLst>
             <a:ext uri="{C572A759-6A51-4108-AA02-DFA0A04FC94B}">
-              <ma14:wrappingTextBoxFlag xmlns:ma14="http://schemas.microsoft.com/office/mac/drawingml/2011/main" xmlns:a14="http://schemas.microsoft.com/office/drawing/2010/main" xmlns:m="http://schemas.openxmlformats.org/officeDocument/2006/math" xmlns="" val="1"/>
+              <ma14:wrappingTextBoxFlag xmlns="" xmlns:m="http://schemas.openxmlformats.org/officeDocument/2006/math" xmlns:a14="http://schemas.microsoft.com/office/drawing/2010/main" xmlns:ma14="http://schemas.microsoft.com/office/mac/drawingml/2011/main" val="1"/>
             </a:ext>
           </a:extLst>
         </p:spPr>
@@ -29775,7 +29921,7 @@
           </a:ln>
           <a:extLst>
             <a:ext uri="{C572A759-6A51-4108-AA02-DFA0A04FC94B}">
-              <ma14:wrappingTextBoxFlag xmlns:ma14="http://schemas.microsoft.com/office/mac/drawingml/2011/main" xmlns:a14="http://schemas.microsoft.com/office/drawing/2010/main" xmlns:m="http://schemas.openxmlformats.org/officeDocument/2006/math" xmlns="" val="1"/>
+              <ma14:wrappingTextBoxFlag xmlns="" xmlns:m="http://schemas.openxmlformats.org/officeDocument/2006/math" xmlns:a14="http://schemas.microsoft.com/office/drawing/2010/main" xmlns:ma14="http://schemas.microsoft.com/office/mac/drawingml/2011/main" val="1"/>
             </a:ext>
           </a:extLst>
         </p:spPr>
@@ -29825,7 +29971,7 @@
           </a:ln>
           <a:extLst>
             <a:ext uri="{C572A759-6A51-4108-AA02-DFA0A04FC94B}">
-              <ma14:wrappingTextBoxFlag xmlns:ma14="http://schemas.microsoft.com/office/mac/drawingml/2011/main" xmlns:a14="http://schemas.microsoft.com/office/drawing/2010/main" xmlns:m="http://schemas.openxmlformats.org/officeDocument/2006/math" xmlns="" val="1"/>
+              <ma14:wrappingTextBoxFlag xmlns="" xmlns:m="http://schemas.openxmlformats.org/officeDocument/2006/math" xmlns:a14="http://schemas.microsoft.com/office/drawing/2010/main" xmlns:ma14="http://schemas.microsoft.com/office/mac/drawingml/2011/main" val="1"/>
             </a:ext>
           </a:extLst>
         </p:spPr>
@@ -29875,7 +30021,7 @@
           </a:ln>
           <a:extLst>
             <a:ext uri="{C572A759-6A51-4108-AA02-DFA0A04FC94B}">
-              <ma14:wrappingTextBoxFlag xmlns:ma14="http://schemas.microsoft.com/office/mac/drawingml/2011/main" xmlns:a14="http://schemas.microsoft.com/office/drawing/2010/main" xmlns:m="http://schemas.openxmlformats.org/officeDocument/2006/math" xmlns="" val="1"/>
+              <ma14:wrappingTextBoxFlag xmlns="" xmlns:m="http://schemas.openxmlformats.org/officeDocument/2006/math" xmlns:a14="http://schemas.microsoft.com/office/drawing/2010/main" xmlns:ma14="http://schemas.microsoft.com/office/mac/drawingml/2011/main" val="1"/>
             </a:ext>
           </a:extLst>
         </p:spPr>
@@ -29925,7 +30071,7 @@
           </a:ln>
           <a:extLst>
             <a:ext uri="{C572A759-6A51-4108-AA02-DFA0A04FC94B}">
-              <ma14:wrappingTextBoxFlag xmlns:ma14="http://schemas.microsoft.com/office/mac/drawingml/2011/main" xmlns:a14="http://schemas.microsoft.com/office/drawing/2010/main" xmlns:m="http://schemas.openxmlformats.org/officeDocument/2006/math" xmlns="" val="1"/>
+              <ma14:wrappingTextBoxFlag xmlns="" xmlns:m="http://schemas.openxmlformats.org/officeDocument/2006/math" xmlns:a14="http://schemas.microsoft.com/office/drawing/2010/main" xmlns:ma14="http://schemas.microsoft.com/office/mac/drawingml/2011/main" val="1"/>
             </a:ext>
           </a:extLst>
         </p:spPr>
@@ -29975,7 +30121,7 @@
           </a:ln>
           <a:extLst>
             <a:ext uri="{C572A759-6A51-4108-AA02-DFA0A04FC94B}">
-              <ma14:wrappingTextBoxFlag xmlns:ma14="http://schemas.microsoft.com/office/mac/drawingml/2011/main" xmlns:a14="http://schemas.microsoft.com/office/drawing/2010/main" xmlns:m="http://schemas.openxmlformats.org/officeDocument/2006/math" xmlns="" val="1"/>
+              <ma14:wrappingTextBoxFlag xmlns="" xmlns:m="http://schemas.openxmlformats.org/officeDocument/2006/math" xmlns:a14="http://schemas.microsoft.com/office/drawing/2010/main" xmlns:ma14="http://schemas.microsoft.com/office/mac/drawingml/2011/main" val="1"/>
             </a:ext>
           </a:extLst>
         </p:spPr>
@@ -30025,7 +30171,7 @@
           </a:ln>
           <a:extLst>
             <a:ext uri="{C572A759-6A51-4108-AA02-DFA0A04FC94B}">
-              <ma14:wrappingTextBoxFlag xmlns:ma14="http://schemas.microsoft.com/office/mac/drawingml/2011/main" xmlns:a14="http://schemas.microsoft.com/office/drawing/2010/main" xmlns:m="http://schemas.openxmlformats.org/officeDocument/2006/math" xmlns="" val="1"/>
+              <ma14:wrappingTextBoxFlag xmlns="" xmlns:m="http://schemas.openxmlformats.org/officeDocument/2006/math" xmlns:a14="http://schemas.microsoft.com/office/drawing/2010/main" xmlns:ma14="http://schemas.microsoft.com/office/mac/drawingml/2011/main" val="1"/>
             </a:ext>
           </a:extLst>
         </p:spPr>
@@ -30075,7 +30221,7 @@
           </a:ln>
           <a:extLst>
             <a:ext uri="{C572A759-6A51-4108-AA02-DFA0A04FC94B}">
-              <ma14:wrappingTextBoxFlag xmlns:ma14="http://schemas.microsoft.com/office/mac/drawingml/2011/main" xmlns:a14="http://schemas.microsoft.com/office/drawing/2010/main" xmlns:m="http://schemas.openxmlformats.org/officeDocument/2006/math" xmlns="" val="1"/>
+              <ma14:wrappingTextBoxFlag xmlns="" xmlns:m="http://schemas.openxmlformats.org/officeDocument/2006/math" xmlns:a14="http://schemas.microsoft.com/office/drawing/2010/main" xmlns:ma14="http://schemas.microsoft.com/office/mac/drawingml/2011/main" val="1"/>
             </a:ext>
           </a:extLst>
         </p:spPr>
@@ -30125,7 +30271,7 @@
           </a:ln>
           <a:extLst>
             <a:ext uri="{C572A759-6A51-4108-AA02-DFA0A04FC94B}">
-              <ma14:wrappingTextBoxFlag xmlns:ma14="http://schemas.microsoft.com/office/mac/drawingml/2011/main" xmlns:a14="http://schemas.microsoft.com/office/drawing/2010/main" xmlns:m="http://schemas.openxmlformats.org/officeDocument/2006/math" xmlns="" val="1"/>
+              <ma14:wrappingTextBoxFlag xmlns="" xmlns:m="http://schemas.openxmlformats.org/officeDocument/2006/math" xmlns:a14="http://schemas.microsoft.com/office/drawing/2010/main" xmlns:ma14="http://schemas.microsoft.com/office/mac/drawingml/2011/main" val="1"/>
             </a:ext>
           </a:extLst>
         </p:spPr>
@@ -30219,7 +30365,7 @@
           </a:ln>
           <a:extLst>
             <a:ext uri="{C572A759-6A51-4108-AA02-DFA0A04FC94B}">
-              <ma14:wrappingTextBoxFlag xmlns:ma14="http://schemas.microsoft.com/office/mac/drawingml/2011/main" xmlns:a14="http://schemas.microsoft.com/office/drawing/2010/main" xmlns:m="http://schemas.openxmlformats.org/officeDocument/2006/math" xmlns="" val="1"/>
+              <ma14:wrappingTextBoxFlag xmlns="" xmlns:m="http://schemas.openxmlformats.org/officeDocument/2006/math" xmlns:a14="http://schemas.microsoft.com/office/drawing/2010/main" xmlns:ma14="http://schemas.microsoft.com/office/mac/drawingml/2011/main" val="1"/>
             </a:ext>
           </a:extLst>
         </p:spPr>
@@ -30317,7 +30463,7 @@
           </a:ln>
           <a:extLst>
             <a:ext uri="{C572A759-6A51-4108-AA02-DFA0A04FC94B}">
-              <ma14:wrappingTextBoxFlag xmlns:ma14="http://schemas.microsoft.com/office/mac/drawingml/2011/main" xmlns:a14="http://schemas.microsoft.com/office/drawing/2010/main" xmlns:m="http://schemas.openxmlformats.org/officeDocument/2006/math" xmlns="" val="1"/>
+              <ma14:wrappingTextBoxFlag xmlns="" xmlns:m="http://schemas.openxmlformats.org/officeDocument/2006/math" xmlns:a14="http://schemas.microsoft.com/office/drawing/2010/main" xmlns:ma14="http://schemas.microsoft.com/office/mac/drawingml/2011/main" val="1"/>
             </a:ext>
           </a:extLst>
         </p:spPr>
@@ -30392,7 +30538,7 @@
           </a:ln>
           <a:extLst>
             <a:ext uri="{C572A759-6A51-4108-AA02-DFA0A04FC94B}">
-              <ma14:wrappingTextBoxFlag xmlns:ma14="http://schemas.microsoft.com/office/mac/drawingml/2011/main" xmlns:a14="http://schemas.microsoft.com/office/drawing/2010/main" xmlns:m="http://schemas.openxmlformats.org/officeDocument/2006/math" xmlns="" val="1"/>
+              <ma14:wrappingTextBoxFlag xmlns="" xmlns:m="http://schemas.openxmlformats.org/officeDocument/2006/math" xmlns:a14="http://schemas.microsoft.com/office/drawing/2010/main" xmlns:ma14="http://schemas.microsoft.com/office/mac/drawingml/2011/main" val="1"/>
             </a:ext>
           </a:extLst>
         </p:spPr>
@@ -30442,7 +30588,7 @@
           </a:ln>
           <a:extLst>
             <a:ext uri="{C572A759-6A51-4108-AA02-DFA0A04FC94B}">
-              <ma14:wrappingTextBoxFlag xmlns:ma14="http://schemas.microsoft.com/office/mac/drawingml/2011/main" xmlns:a14="http://schemas.microsoft.com/office/drawing/2010/main" xmlns:m="http://schemas.openxmlformats.org/officeDocument/2006/math" xmlns="" val="1"/>
+              <ma14:wrappingTextBoxFlag xmlns="" xmlns:m="http://schemas.openxmlformats.org/officeDocument/2006/math" xmlns:a14="http://schemas.microsoft.com/office/drawing/2010/main" xmlns:ma14="http://schemas.microsoft.com/office/mac/drawingml/2011/main" val="1"/>
             </a:ext>
           </a:extLst>
         </p:spPr>
@@ -30492,7 +30638,7 @@
           </a:ln>
           <a:extLst>
             <a:ext uri="{C572A759-6A51-4108-AA02-DFA0A04FC94B}">
-              <ma14:wrappingTextBoxFlag xmlns:ma14="http://schemas.microsoft.com/office/mac/drawingml/2011/main" xmlns:a14="http://schemas.microsoft.com/office/drawing/2010/main" xmlns:m="http://schemas.openxmlformats.org/officeDocument/2006/math" xmlns="" val="1"/>
+              <ma14:wrappingTextBoxFlag xmlns="" xmlns:m="http://schemas.openxmlformats.org/officeDocument/2006/math" xmlns:a14="http://schemas.microsoft.com/office/drawing/2010/main" xmlns:ma14="http://schemas.microsoft.com/office/mac/drawingml/2011/main" val="1"/>
             </a:ext>
           </a:extLst>
         </p:spPr>
@@ -30542,7 +30688,7 @@
           </a:ln>
           <a:extLst>
             <a:ext uri="{C572A759-6A51-4108-AA02-DFA0A04FC94B}">
-              <ma14:wrappingTextBoxFlag xmlns:ma14="http://schemas.microsoft.com/office/mac/drawingml/2011/main" xmlns:a14="http://schemas.microsoft.com/office/drawing/2010/main" xmlns:m="http://schemas.openxmlformats.org/officeDocument/2006/math" xmlns="" val="1"/>
+              <ma14:wrappingTextBoxFlag xmlns="" xmlns:m="http://schemas.openxmlformats.org/officeDocument/2006/math" xmlns:a14="http://schemas.microsoft.com/office/drawing/2010/main" xmlns:ma14="http://schemas.microsoft.com/office/mac/drawingml/2011/main" val="1"/>
             </a:ext>
           </a:extLst>
         </p:spPr>
@@ -30592,7 +30738,7 @@
           </a:ln>
           <a:extLst>
             <a:ext uri="{C572A759-6A51-4108-AA02-DFA0A04FC94B}">
-              <ma14:wrappingTextBoxFlag xmlns:ma14="http://schemas.microsoft.com/office/mac/drawingml/2011/main" xmlns:a14="http://schemas.microsoft.com/office/drawing/2010/main" xmlns:m="http://schemas.openxmlformats.org/officeDocument/2006/math" xmlns="" val="1"/>
+              <ma14:wrappingTextBoxFlag xmlns="" xmlns:m="http://schemas.openxmlformats.org/officeDocument/2006/math" xmlns:a14="http://schemas.microsoft.com/office/drawing/2010/main" xmlns:ma14="http://schemas.microsoft.com/office/mac/drawingml/2011/main" val="1"/>
             </a:ext>
           </a:extLst>
         </p:spPr>
@@ -30642,7 +30788,7 @@
           </a:ln>
           <a:extLst>
             <a:ext uri="{C572A759-6A51-4108-AA02-DFA0A04FC94B}">
-              <ma14:wrappingTextBoxFlag xmlns:ma14="http://schemas.microsoft.com/office/mac/drawingml/2011/main" xmlns:a14="http://schemas.microsoft.com/office/drawing/2010/main" xmlns:m="http://schemas.openxmlformats.org/officeDocument/2006/math" xmlns="" val="1"/>
+              <ma14:wrappingTextBoxFlag xmlns="" xmlns:m="http://schemas.openxmlformats.org/officeDocument/2006/math" xmlns:a14="http://schemas.microsoft.com/office/drawing/2010/main" xmlns:ma14="http://schemas.microsoft.com/office/mac/drawingml/2011/main" val="1"/>
             </a:ext>
           </a:extLst>
         </p:spPr>
@@ -30692,7 +30838,7 @@
           </a:ln>
           <a:extLst>
             <a:ext uri="{C572A759-6A51-4108-AA02-DFA0A04FC94B}">
-              <ma14:wrappingTextBoxFlag xmlns:ma14="http://schemas.microsoft.com/office/mac/drawingml/2011/main" xmlns:a14="http://schemas.microsoft.com/office/drawing/2010/main" xmlns:m="http://schemas.openxmlformats.org/officeDocument/2006/math" xmlns="" val="1"/>
+              <ma14:wrappingTextBoxFlag xmlns="" xmlns:m="http://schemas.openxmlformats.org/officeDocument/2006/math" xmlns:a14="http://schemas.microsoft.com/office/drawing/2010/main" xmlns:ma14="http://schemas.microsoft.com/office/mac/drawingml/2011/main" val="1"/>
             </a:ext>
           </a:extLst>
         </p:spPr>
@@ -30742,7 +30888,7 @@
           </a:ln>
           <a:extLst>
             <a:ext uri="{C572A759-6A51-4108-AA02-DFA0A04FC94B}">
-              <ma14:wrappingTextBoxFlag xmlns:ma14="http://schemas.microsoft.com/office/mac/drawingml/2011/main" xmlns:a14="http://schemas.microsoft.com/office/drawing/2010/main" xmlns:m="http://schemas.openxmlformats.org/officeDocument/2006/math" xmlns="" val="1"/>
+              <ma14:wrappingTextBoxFlag xmlns="" xmlns:m="http://schemas.openxmlformats.org/officeDocument/2006/math" xmlns:a14="http://schemas.microsoft.com/office/drawing/2010/main" xmlns:ma14="http://schemas.microsoft.com/office/mac/drawingml/2011/main" val="1"/>
             </a:ext>
           </a:extLst>
         </p:spPr>
@@ -30792,7 +30938,7 @@
           </a:ln>
           <a:extLst>
             <a:ext uri="{C572A759-6A51-4108-AA02-DFA0A04FC94B}">
-              <ma14:wrappingTextBoxFlag xmlns:ma14="http://schemas.microsoft.com/office/mac/drawingml/2011/main" xmlns:a14="http://schemas.microsoft.com/office/drawing/2010/main" xmlns:m="http://schemas.openxmlformats.org/officeDocument/2006/math" xmlns="" val="1"/>
+              <ma14:wrappingTextBoxFlag xmlns="" xmlns:m="http://schemas.openxmlformats.org/officeDocument/2006/math" xmlns:a14="http://schemas.microsoft.com/office/drawing/2010/main" xmlns:ma14="http://schemas.microsoft.com/office/mac/drawingml/2011/main" val="1"/>
             </a:ext>
           </a:extLst>
         </p:spPr>
@@ -30842,7 +30988,7 @@
           </a:ln>
           <a:extLst>
             <a:ext uri="{C572A759-6A51-4108-AA02-DFA0A04FC94B}">
-              <ma14:wrappingTextBoxFlag xmlns:ma14="http://schemas.microsoft.com/office/mac/drawingml/2011/main" xmlns:a14="http://schemas.microsoft.com/office/drawing/2010/main" xmlns:m="http://schemas.openxmlformats.org/officeDocument/2006/math" xmlns="" val="1"/>
+              <ma14:wrappingTextBoxFlag xmlns="" xmlns:m="http://schemas.openxmlformats.org/officeDocument/2006/math" xmlns:a14="http://schemas.microsoft.com/office/drawing/2010/main" xmlns:ma14="http://schemas.microsoft.com/office/mac/drawingml/2011/main" val="1"/>
             </a:ext>
           </a:extLst>
         </p:spPr>
@@ -30892,7 +31038,7 @@
           </a:ln>
           <a:extLst>
             <a:ext uri="{C572A759-6A51-4108-AA02-DFA0A04FC94B}">
-              <ma14:wrappingTextBoxFlag xmlns:ma14="http://schemas.microsoft.com/office/mac/drawingml/2011/main" xmlns:a14="http://schemas.microsoft.com/office/drawing/2010/main" xmlns:m="http://schemas.openxmlformats.org/officeDocument/2006/math" xmlns="" val="1"/>
+              <ma14:wrappingTextBoxFlag xmlns="" xmlns:m="http://schemas.openxmlformats.org/officeDocument/2006/math" xmlns:a14="http://schemas.microsoft.com/office/drawing/2010/main" xmlns:ma14="http://schemas.microsoft.com/office/mac/drawingml/2011/main" val="1"/>
             </a:ext>
           </a:extLst>
         </p:spPr>
@@ -30942,7 +31088,7 @@
           </a:ln>
           <a:extLst>
             <a:ext uri="{C572A759-6A51-4108-AA02-DFA0A04FC94B}">
-              <ma14:wrappingTextBoxFlag xmlns:ma14="http://schemas.microsoft.com/office/mac/drawingml/2011/main" xmlns:a14="http://schemas.microsoft.com/office/drawing/2010/main" xmlns:m="http://schemas.openxmlformats.org/officeDocument/2006/math" xmlns="" val="1"/>
+              <ma14:wrappingTextBoxFlag xmlns="" xmlns:m="http://schemas.openxmlformats.org/officeDocument/2006/math" xmlns:a14="http://schemas.microsoft.com/office/drawing/2010/main" xmlns:ma14="http://schemas.microsoft.com/office/mac/drawingml/2011/main" val="1"/>
             </a:ext>
           </a:extLst>
         </p:spPr>
@@ -30992,7 +31138,7 @@
           </a:ln>
           <a:extLst>
             <a:ext uri="{C572A759-6A51-4108-AA02-DFA0A04FC94B}">
-              <ma14:wrappingTextBoxFlag xmlns:ma14="http://schemas.microsoft.com/office/mac/drawingml/2011/main" xmlns:a14="http://schemas.microsoft.com/office/drawing/2010/main" xmlns:m="http://schemas.openxmlformats.org/officeDocument/2006/math" xmlns="" val="1"/>
+              <ma14:wrappingTextBoxFlag xmlns="" xmlns:m="http://schemas.openxmlformats.org/officeDocument/2006/math" xmlns:a14="http://schemas.microsoft.com/office/drawing/2010/main" xmlns:ma14="http://schemas.microsoft.com/office/mac/drawingml/2011/main" val="1"/>
             </a:ext>
           </a:extLst>
         </p:spPr>
@@ -31042,7 +31188,7 @@
           </a:ln>
           <a:extLst>
             <a:ext uri="{C572A759-6A51-4108-AA02-DFA0A04FC94B}">
-              <ma14:wrappingTextBoxFlag xmlns:ma14="http://schemas.microsoft.com/office/mac/drawingml/2011/main" xmlns:a14="http://schemas.microsoft.com/office/drawing/2010/main" xmlns:m="http://schemas.openxmlformats.org/officeDocument/2006/math" xmlns="" val="1"/>
+              <ma14:wrappingTextBoxFlag xmlns="" xmlns:m="http://schemas.openxmlformats.org/officeDocument/2006/math" xmlns:a14="http://schemas.microsoft.com/office/drawing/2010/main" xmlns:ma14="http://schemas.microsoft.com/office/mac/drawingml/2011/main" val="1"/>
             </a:ext>
           </a:extLst>
         </p:spPr>
@@ -31092,7 +31238,7 @@
           </a:ln>
           <a:extLst>
             <a:ext uri="{C572A759-6A51-4108-AA02-DFA0A04FC94B}">
-              <ma14:wrappingTextBoxFlag xmlns:ma14="http://schemas.microsoft.com/office/mac/drawingml/2011/main" xmlns:a14="http://schemas.microsoft.com/office/drawing/2010/main" xmlns:m="http://schemas.openxmlformats.org/officeDocument/2006/math" xmlns="" val="1"/>
+              <ma14:wrappingTextBoxFlag xmlns="" xmlns:m="http://schemas.openxmlformats.org/officeDocument/2006/math" xmlns:a14="http://schemas.microsoft.com/office/drawing/2010/main" xmlns:ma14="http://schemas.microsoft.com/office/mac/drawingml/2011/main" val="1"/>
             </a:ext>
           </a:extLst>
         </p:spPr>
@@ -31142,7 +31288,7 @@
           </a:ln>
           <a:extLst>
             <a:ext uri="{C572A759-6A51-4108-AA02-DFA0A04FC94B}">
-              <ma14:wrappingTextBoxFlag xmlns:ma14="http://schemas.microsoft.com/office/mac/drawingml/2011/main" xmlns:a14="http://schemas.microsoft.com/office/drawing/2010/main" xmlns:m="http://schemas.openxmlformats.org/officeDocument/2006/math" xmlns="" val="1"/>
+              <ma14:wrappingTextBoxFlag xmlns="" xmlns:m="http://schemas.openxmlformats.org/officeDocument/2006/math" xmlns:a14="http://schemas.microsoft.com/office/drawing/2010/main" xmlns:ma14="http://schemas.microsoft.com/office/mac/drawingml/2011/main" val="1"/>
             </a:ext>
           </a:extLst>
         </p:spPr>
@@ -31192,7 +31338,7 @@
           </a:ln>
           <a:extLst>
             <a:ext uri="{C572A759-6A51-4108-AA02-DFA0A04FC94B}">
-              <ma14:wrappingTextBoxFlag xmlns:ma14="http://schemas.microsoft.com/office/mac/drawingml/2011/main" xmlns:a14="http://schemas.microsoft.com/office/drawing/2010/main" xmlns:m="http://schemas.openxmlformats.org/officeDocument/2006/math" xmlns="" val="1"/>
+              <ma14:wrappingTextBoxFlag xmlns="" xmlns:m="http://schemas.openxmlformats.org/officeDocument/2006/math" xmlns:a14="http://schemas.microsoft.com/office/drawing/2010/main" xmlns:ma14="http://schemas.microsoft.com/office/mac/drawingml/2011/main" val="1"/>
             </a:ext>
           </a:extLst>
         </p:spPr>
@@ -31242,7 +31388,7 @@
           </a:ln>
           <a:extLst>
             <a:ext uri="{C572A759-6A51-4108-AA02-DFA0A04FC94B}">
-              <ma14:wrappingTextBoxFlag xmlns:ma14="http://schemas.microsoft.com/office/mac/drawingml/2011/main" xmlns:a14="http://schemas.microsoft.com/office/drawing/2010/main" xmlns:m="http://schemas.openxmlformats.org/officeDocument/2006/math" xmlns="" val="1"/>
+              <ma14:wrappingTextBoxFlag xmlns="" xmlns:m="http://schemas.openxmlformats.org/officeDocument/2006/math" xmlns:a14="http://schemas.microsoft.com/office/drawing/2010/main" xmlns:ma14="http://schemas.microsoft.com/office/mac/drawingml/2011/main" val="1"/>
             </a:ext>
           </a:extLst>
         </p:spPr>
@@ -31292,7 +31438,7 @@
           </a:ln>
           <a:extLst>
             <a:ext uri="{C572A759-6A51-4108-AA02-DFA0A04FC94B}">
-              <ma14:wrappingTextBoxFlag xmlns:ma14="http://schemas.microsoft.com/office/mac/drawingml/2011/main" xmlns:a14="http://schemas.microsoft.com/office/drawing/2010/main" xmlns:m="http://schemas.openxmlformats.org/officeDocument/2006/math" xmlns="" val="1"/>
+              <ma14:wrappingTextBoxFlag xmlns="" xmlns:m="http://schemas.openxmlformats.org/officeDocument/2006/math" xmlns:a14="http://schemas.microsoft.com/office/drawing/2010/main" xmlns:ma14="http://schemas.microsoft.com/office/mac/drawingml/2011/main" val="1"/>
             </a:ext>
           </a:extLst>
         </p:spPr>
@@ -31342,7 +31488,7 @@
           </a:ln>
           <a:extLst>
             <a:ext uri="{C572A759-6A51-4108-AA02-DFA0A04FC94B}">
-              <ma14:wrappingTextBoxFlag xmlns:ma14="http://schemas.microsoft.com/office/mac/drawingml/2011/main" xmlns:a14="http://schemas.microsoft.com/office/drawing/2010/main" xmlns:m="http://schemas.openxmlformats.org/officeDocument/2006/math" xmlns="" val="1"/>
+              <ma14:wrappingTextBoxFlag xmlns="" xmlns:m="http://schemas.openxmlformats.org/officeDocument/2006/math" xmlns:a14="http://schemas.microsoft.com/office/drawing/2010/main" xmlns:ma14="http://schemas.microsoft.com/office/mac/drawingml/2011/main" val="1"/>
             </a:ext>
           </a:extLst>
         </p:spPr>
@@ -31392,7 +31538,7 @@
           </a:ln>
           <a:extLst>
             <a:ext uri="{C572A759-6A51-4108-AA02-DFA0A04FC94B}">
-              <ma14:wrappingTextBoxFlag xmlns:ma14="http://schemas.microsoft.com/office/mac/drawingml/2011/main" xmlns:a14="http://schemas.microsoft.com/office/drawing/2010/main" xmlns:m="http://schemas.openxmlformats.org/officeDocument/2006/math" xmlns="" val="1"/>
+              <ma14:wrappingTextBoxFlag xmlns="" xmlns:m="http://schemas.openxmlformats.org/officeDocument/2006/math" xmlns:a14="http://schemas.microsoft.com/office/drawing/2010/main" xmlns:ma14="http://schemas.microsoft.com/office/mac/drawingml/2011/main" val="1"/>
             </a:ext>
           </a:extLst>
         </p:spPr>
@@ -31442,7 +31588,7 @@
           </a:ln>
           <a:extLst>
             <a:ext uri="{C572A759-6A51-4108-AA02-DFA0A04FC94B}">
-              <ma14:wrappingTextBoxFlag xmlns:ma14="http://schemas.microsoft.com/office/mac/drawingml/2011/main" xmlns:a14="http://schemas.microsoft.com/office/drawing/2010/main" xmlns:m="http://schemas.openxmlformats.org/officeDocument/2006/math" xmlns="" val="1"/>
+              <ma14:wrappingTextBoxFlag xmlns="" xmlns:m="http://schemas.openxmlformats.org/officeDocument/2006/math" xmlns:a14="http://schemas.microsoft.com/office/drawing/2010/main" xmlns:ma14="http://schemas.microsoft.com/office/mac/drawingml/2011/main" val="1"/>
             </a:ext>
           </a:extLst>
         </p:spPr>
@@ -31492,7 +31638,7 @@
           </a:ln>
           <a:extLst>
             <a:ext uri="{C572A759-6A51-4108-AA02-DFA0A04FC94B}">
-              <ma14:wrappingTextBoxFlag xmlns:ma14="http://schemas.microsoft.com/office/mac/drawingml/2011/main" xmlns:a14="http://schemas.microsoft.com/office/drawing/2010/main" xmlns:m="http://schemas.openxmlformats.org/officeDocument/2006/math" xmlns="" val="1"/>
+              <ma14:wrappingTextBoxFlag xmlns="" xmlns:m="http://schemas.openxmlformats.org/officeDocument/2006/math" xmlns:a14="http://schemas.microsoft.com/office/drawing/2010/main" xmlns:ma14="http://schemas.microsoft.com/office/mac/drawingml/2011/main" val="1"/>
             </a:ext>
           </a:extLst>
         </p:spPr>
@@ -31542,7 +31688,7 @@
           </a:ln>
           <a:extLst>
             <a:ext uri="{C572A759-6A51-4108-AA02-DFA0A04FC94B}">
-              <ma14:wrappingTextBoxFlag xmlns:ma14="http://schemas.microsoft.com/office/mac/drawingml/2011/main" xmlns:a14="http://schemas.microsoft.com/office/drawing/2010/main" xmlns:m="http://schemas.openxmlformats.org/officeDocument/2006/math" xmlns="" val="1"/>
+              <ma14:wrappingTextBoxFlag xmlns="" xmlns:m="http://schemas.openxmlformats.org/officeDocument/2006/math" xmlns:a14="http://schemas.microsoft.com/office/drawing/2010/main" xmlns:ma14="http://schemas.microsoft.com/office/mac/drawingml/2011/main" val="1"/>
             </a:ext>
           </a:extLst>
         </p:spPr>
@@ -31592,7 +31738,7 @@
           </a:ln>
           <a:extLst>
             <a:ext uri="{C572A759-6A51-4108-AA02-DFA0A04FC94B}">
-              <ma14:wrappingTextBoxFlag xmlns:ma14="http://schemas.microsoft.com/office/mac/drawingml/2011/main" xmlns:a14="http://schemas.microsoft.com/office/drawing/2010/main" xmlns:m="http://schemas.openxmlformats.org/officeDocument/2006/math" xmlns="" val="1"/>
+              <ma14:wrappingTextBoxFlag xmlns="" xmlns:m="http://schemas.openxmlformats.org/officeDocument/2006/math" xmlns:a14="http://schemas.microsoft.com/office/drawing/2010/main" xmlns:ma14="http://schemas.microsoft.com/office/mac/drawingml/2011/main" val="1"/>
             </a:ext>
           </a:extLst>
         </p:spPr>
@@ -31642,7 +31788,7 @@
           </a:ln>
           <a:extLst>
             <a:ext uri="{C572A759-6A51-4108-AA02-DFA0A04FC94B}">
-              <ma14:wrappingTextBoxFlag xmlns:ma14="http://schemas.microsoft.com/office/mac/drawingml/2011/main" xmlns:a14="http://schemas.microsoft.com/office/drawing/2010/main" xmlns:m="http://schemas.openxmlformats.org/officeDocument/2006/math" xmlns="" val="1"/>
+              <ma14:wrappingTextBoxFlag xmlns="" xmlns:m="http://schemas.openxmlformats.org/officeDocument/2006/math" xmlns:a14="http://schemas.microsoft.com/office/drawing/2010/main" xmlns:ma14="http://schemas.microsoft.com/office/mac/drawingml/2011/main" val="1"/>
             </a:ext>
           </a:extLst>
         </p:spPr>
@@ -31692,7 +31838,7 @@
           </a:ln>
           <a:extLst>
             <a:ext uri="{C572A759-6A51-4108-AA02-DFA0A04FC94B}">
-              <ma14:wrappingTextBoxFlag xmlns:ma14="http://schemas.microsoft.com/office/mac/drawingml/2011/main" xmlns:a14="http://schemas.microsoft.com/office/drawing/2010/main" xmlns:m="http://schemas.openxmlformats.org/officeDocument/2006/math" xmlns="" val="1"/>
+              <ma14:wrappingTextBoxFlag xmlns="" xmlns:m="http://schemas.openxmlformats.org/officeDocument/2006/math" xmlns:a14="http://schemas.microsoft.com/office/drawing/2010/main" xmlns:ma14="http://schemas.microsoft.com/office/mac/drawingml/2011/main" val="1"/>
             </a:ext>
           </a:extLst>
         </p:spPr>
@@ -31742,7 +31888,7 @@
           </a:ln>
           <a:extLst>
             <a:ext uri="{C572A759-6A51-4108-AA02-DFA0A04FC94B}">
-              <ma14:wrappingTextBoxFlag xmlns:ma14="http://schemas.microsoft.com/office/mac/drawingml/2011/main" xmlns:a14="http://schemas.microsoft.com/office/drawing/2010/main" xmlns:m="http://schemas.openxmlformats.org/officeDocument/2006/math" xmlns="" val="1"/>
+              <ma14:wrappingTextBoxFlag xmlns="" xmlns:m="http://schemas.openxmlformats.org/officeDocument/2006/math" xmlns:a14="http://schemas.microsoft.com/office/drawing/2010/main" xmlns:ma14="http://schemas.microsoft.com/office/mac/drawingml/2011/main" val="1"/>
             </a:ext>
           </a:extLst>
         </p:spPr>
@@ -31792,7 +31938,7 @@
           </a:ln>
           <a:extLst>
             <a:ext uri="{C572A759-6A51-4108-AA02-DFA0A04FC94B}">
-              <ma14:wrappingTextBoxFlag xmlns:ma14="http://schemas.microsoft.com/office/mac/drawingml/2011/main" xmlns:a14="http://schemas.microsoft.com/office/drawing/2010/main" xmlns:m="http://schemas.openxmlformats.org/officeDocument/2006/math" xmlns="" val="1"/>
+              <ma14:wrappingTextBoxFlag xmlns="" xmlns:m="http://schemas.openxmlformats.org/officeDocument/2006/math" xmlns:a14="http://schemas.microsoft.com/office/drawing/2010/main" xmlns:ma14="http://schemas.microsoft.com/office/mac/drawingml/2011/main" val="1"/>
             </a:ext>
           </a:extLst>
         </p:spPr>
@@ -32138,7 +32284,7 @@
           </a:ln>
           <a:extLst>
             <a:ext uri="{C572A759-6A51-4108-AA02-DFA0A04FC94B}">
-              <ma14:wrappingTextBoxFlag xmlns:ma14="http://schemas.microsoft.com/office/mac/drawingml/2011/main" xmlns:a14="http://schemas.microsoft.com/office/drawing/2010/main" xmlns:m="http://schemas.openxmlformats.org/officeDocument/2006/math" xmlns="" val="1"/>
+              <ma14:wrappingTextBoxFlag xmlns="" xmlns:m="http://schemas.openxmlformats.org/officeDocument/2006/math" xmlns:a14="http://schemas.microsoft.com/office/drawing/2010/main" xmlns:ma14="http://schemas.microsoft.com/office/mac/drawingml/2011/main" val="1"/>
             </a:ext>
           </a:extLst>
         </p:spPr>
@@ -32190,7 +32336,7 @@
           </a:ln>
           <a:extLst>
             <a:ext uri="{C572A759-6A51-4108-AA02-DFA0A04FC94B}">
-              <ma14:wrappingTextBoxFlag xmlns:ma14="http://schemas.microsoft.com/office/mac/drawingml/2011/main" xmlns:a14="http://schemas.microsoft.com/office/drawing/2010/main" xmlns:m="http://schemas.openxmlformats.org/officeDocument/2006/math" xmlns="" val="1"/>
+              <ma14:wrappingTextBoxFlag xmlns="" xmlns:m="http://schemas.openxmlformats.org/officeDocument/2006/math" xmlns:a14="http://schemas.microsoft.com/office/drawing/2010/main" xmlns:ma14="http://schemas.microsoft.com/office/mac/drawingml/2011/main" val="1"/>
             </a:ext>
           </a:extLst>
         </p:spPr>
@@ -32689,7 +32835,7 @@
           </a:ln>
           <a:extLst>
             <a:ext uri="{C572A759-6A51-4108-AA02-DFA0A04FC94B}">
-              <ma14:wrappingTextBoxFlag xmlns:ma14="http://schemas.microsoft.com/office/mac/drawingml/2011/main" xmlns:a14="http://schemas.microsoft.com/office/drawing/2010/main" xmlns:m="http://schemas.openxmlformats.org/officeDocument/2006/math" xmlns="" val="1"/>
+              <ma14:wrappingTextBoxFlag xmlns="" xmlns:m="http://schemas.openxmlformats.org/officeDocument/2006/math" xmlns:a14="http://schemas.microsoft.com/office/drawing/2010/main" xmlns:ma14="http://schemas.microsoft.com/office/mac/drawingml/2011/main" val="1"/>
             </a:ext>
           </a:extLst>
         </p:spPr>
@@ -32739,7 +32885,7 @@
           </a:ln>
           <a:extLst>
             <a:ext uri="{C572A759-6A51-4108-AA02-DFA0A04FC94B}">
-              <ma14:wrappingTextBoxFlag xmlns:ma14="http://schemas.microsoft.com/office/mac/drawingml/2011/main" xmlns:a14="http://schemas.microsoft.com/office/drawing/2010/main" xmlns:m="http://schemas.openxmlformats.org/officeDocument/2006/math" xmlns="" val="1"/>
+              <ma14:wrappingTextBoxFlag xmlns="" xmlns:m="http://schemas.openxmlformats.org/officeDocument/2006/math" xmlns:a14="http://schemas.microsoft.com/office/drawing/2010/main" xmlns:ma14="http://schemas.microsoft.com/office/mac/drawingml/2011/main" val="1"/>
             </a:ext>
           </a:extLst>
         </p:spPr>
@@ -32789,7 +32935,7 @@
           </a:ln>
           <a:extLst>
             <a:ext uri="{C572A759-6A51-4108-AA02-DFA0A04FC94B}">
-              <ma14:wrappingTextBoxFlag xmlns:ma14="http://schemas.microsoft.com/office/mac/drawingml/2011/main" xmlns:a14="http://schemas.microsoft.com/office/drawing/2010/main" xmlns:m="http://schemas.openxmlformats.org/officeDocument/2006/math" xmlns="" val="1"/>
+              <ma14:wrappingTextBoxFlag xmlns="" xmlns:m="http://schemas.openxmlformats.org/officeDocument/2006/math" xmlns:a14="http://schemas.microsoft.com/office/drawing/2010/main" xmlns:ma14="http://schemas.microsoft.com/office/mac/drawingml/2011/main" val="1"/>
             </a:ext>
           </a:extLst>
         </p:spPr>
@@ -32839,7 +32985,7 @@
           </a:ln>
           <a:extLst>
             <a:ext uri="{C572A759-6A51-4108-AA02-DFA0A04FC94B}">
-              <ma14:wrappingTextBoxFlag xmlns:ma14="http://schemas.microsoft.com/office/mac/drawingml/2011/main" xmlns:a14="http://schemas.microsoft.com/office/drawing/2010/main" xmlns:m="http://schemas.openxmlformats.org/officeDocument/2006/math" xmlns="" val="1"/>
+              <ma14:wrappingTextBoxFlag xmlns="" xmlns:m="http://schemas.openxmlformats.org/officeDocument/2006/math" xmlns:a14="http://schemas.microsoft.com/office/drawing/2010/main" xmlns:ma14="http://schemas.microsoft.com/office/mac/drawingml/2011/main" val="1"/>
             </a:ext>
           </a:extLst>
         </p:spPr>
@@ -32889,7 +33035,7 @@
           </a:ln>
           <a:extLst>
             <a:ext uri="{C572A759-6A51-4108-AA02-DFA0A04FC94B}">
-              <ma14:wrappingTextBoxFlag xmlns:ma14="http://schemas.microsoft.com/office/mac/drawingml/2011/main" xmlns:a14="http://schemas.microsoft.com/office/drawing/2010/main" xmlns:m="http://schemas.openxmlformats.org/officeDocument/2006/math" xmlns="" val="1"/>
+              <ma14:wrappingTextBoxFlag xmlns="" xmlns:m="http://schemas.openxmlformats.org/officeDocument/2006/math" xmlns:a14="http://schemas.microsoft.com/office/drawing/2010/main" xmlns:ma14="http://schemas.microsoft.com/office/mac/drawingml/2011/main" val="1"/>
             </a:ext>
           </a:extLst>
         </p:spPr>
@@ -32939,7 +33085,7 @@
           </a:ln>
           <a:extLst>
             <a:ext uri="{C572A759-6A51-4108-AA02-DFA0A04FC94B}">
-              <ma14:wrappingTextBoxFlag xmlns:ma14="http://schemas.microsoft.com/office/mac/drawingml/2011/main" xmlns:a14="http://schemas.microsoft.com/office/drawing/2010/main" xmlns:m="http://schemas.openxmlformats.org/officeDocument/2006/math" xmlns="" val="1"/>
+              <ma14:wrappingTextBoxFlag xmlns="" xmlns:m="http://schemas.openxmlformats.org/officeDocument/2006/math" xmlns:a14="http://schemas.microsoft.com/office/drawing/2010/main" xmlns:ma14="http://schemas.microsoft.com/office/mac/drawingml/2011/main" val="1"/>
             </a:ext>
           </a:extLst>
         </p:spPr>
@@ -32989,7 +33135,7 @@
           </a:ln>
           <a:extLst>
             <a:ext uri="{C572A759-6A51-4108-AA02-DFA0A04FC94B}">
-              <ma14:wrappingTextBoxFlag xmlns:ma14="http://schemas.microsoft.com/office/mac/drawingml/2011/main" xmlns:a14="http://schemas.microsoft.com/office/drawing/2010/main" xmlns:m="http://schemas.openxmlformats.org/officeDocument/2006/math" xmlns="" val="1"/>
+              <ma14:wrappingTextBoxFlag xmlns="" xmlns:m="http://schemas.openxmlformats.org/officeDocument/2006/math" xmlns:a14="http://schemas.microsoft.com/office/drawing/2010/main" xmlns:ma14="http://schemas.microsoft.com/office/mac/drawingml/2011/main" val="1"/>
             </a:ext>
           </a:extLst>
         </p:spPr>
@@ -33039,7 +33185,7 @@
           </a:ln>
           <a:extLst>
             <a:ext uri="{C572A759-6A51-4108-AA02-DFA0A04FC94B}">
-              <ma14:wrappingTextBoxFlag xmlns:ma14="http://schemas.microsoft.com/office/mac/drawingml/2011/main" xmlns:a14="http://schemas.microsoft.com/office/drawing/2010/main" xmlns:m="http://schemas.openxmlformats.org/officeDocument/2006/math" xmlns="" val="1"/>
+              <ma14:wrappingTextBoxFlag xmlns="" xmlns:m="http://schemas.openxmlformats.org/officeDocument/2006/math" xmlns:a14="http://schemas.microsoft.com/office/drawing/2010/main" xmlns:ma14="http://schemas.microsoft.com/office/mac/drawingml/2011/main" val="1"/>
             </a:ext>
           </a:extLst>
         </p:spPr>
@@ -33089,7 +33235,7 @@
           </a:ln>
           <a:extLst>
             <a:ext uri="{C572A759-6A51-4108-AA02-DFA0A04FC94B}">
-              <ma14:wrappingTextBoxFlag xmlns:ma14="http://schemas.microsoft.com/office/mac/drawingml/2011/main" xmlns:a14="http://schemas.microsoft.com/office/drawing/2010/main" xmlns:m="http://schemas.openxmlformats.org/officeDocument/2006/math" xmlns="" val="1"/>
+              <ma14:wrappingTextBoxFlag xmlns="" xmlns:m="http://schemas.openxmlformats.org/officeDocument/2006/math" xmlns:a14="http://schemas.microsoft.com/office/drawing/2010/main" xmlns:ma14="http://schemas.microsoft.com/office/mac/drawingml/2011/main" val="1"/>
             </a:ext>
           </a:extLst>
         </p:spPr>
@@ -33139,7 +33285,7 @@
           </a:ln>
           <a:extLst>
             <a:ext uri="{C572A759-6A51-4108-AA02-DFA0A04FC94B}">
-              <ma14:wrappingTextBoxFlag xmlns:ma14="http://schemas.microsoft.com/office/mac/drawingml/2011/main" xmlns:a14="http://schemas.microsoft.com/office/drawing/2010/main" xmlns:m="http://schemas.openxmlformats.org/officeDocument/2006/math" xmlns="" val="1"/>
+              <ma14:wrappingTextBoxFlag xmlns="" xmlns:m="http://schemas.openxmlformats.org/officeDocument/2006/math" xmlns:a14="http://schemas.microsoft.com/office/drawing/2010/main" xmlns:ma14="http://schemas.microsoft.com/office/mac/drawingml/2011/main" val="1"/>
             </a:ext>
           </a:extLst>
         </p:spPr>
@@ -33189,7 +33335,7 @@
           </a:ln>
           <a:extLst>
             <a:ext uri="{C572A759-6A51-4108-AA02-DFA0A04FC94B}">
-              <ma14:wrappingTextBoxFlag xmlns:ma14="http://schemas.microsoft.com/office/mac/drawingml/2011/main" xmlns:a14="http://schemas.microsoft.com/office/drawing/2010/main" xmlns:m="http://schemas.openxmlformats.org/officeDocument/2006/math" xmlns="" val="1"/>
+              <ma14:wrappingTextBoxFlag xmlns="" xmlns:m="http://schemas.openxmlformats.org/officeDocument/2006/math" xmlns:a14="http://schemas.microsoft.com/office/drawing/2010/main" xmlns:ma14="http://schemas.microsoft.com/office/mac/drawingml/2011/main" val="1"/>
             </a:ext>
           </a:extLst>
         </p:spPr>
@@ -33239,7 +33385,7 @@
           </a:ln>
           <a:extLst>
             <a:ext uri="{C572A759-6A51-4108-AA02-DFA0A04FC94B}">
-              <ma14:wrappingTextBoxFlag xmlns:ma14="http://schemas.microsoft.com/office/mac/drawingml/2011/main" xmlns:a14="http://schemas.microsoft.com/office/drawing/2010/main" xmlns:m="http://schemas.openxmlformats.org/officeDocument/2006/math" xmlns="" val="1"/>
+              <ma14:wrappingTextBoxFlag xmlns="" xmlns:m="http://schemas.openxmlformats.org/officeDocument/2006/math" xmlns:a14="http://schemas.microsoft.com/office/drawing/2010/main" xmlns:ma14="http://schemas.microsoft.com/office/mac/drawingml/2011/main" val="1"/>
             </a:ext>
           </a:extLst>
         </p:spPr>
@@ -33289,7 +33435,7 @@
           </a:ln>
           <a:extLst>
             <a:ext uri="{C572A759-6A51-4108-AA02-DFA0A04FC94B}">
-              <ma14:wrappingTextBoxFlag xmlns:ma14="http://schemas.microsoft.com/office/mac/drawingml/2011/main" xmlns:a14="http://schemas.microsoft.com/office/drawing/2010/main" xmlns:m="http://schemas.openxmlformats.org/officeDocument/2006/math" xmlns="" val="1"/>
+              <ma14:wrappingTextBoxFlag xmlns="" xmlns:m="http://schemas.openxmlformats.org/officeDocument/2006/math" xmlns:a14="http://schemas.microsoft.com/office/drawing/2010/main" xmlns:ma14="http://schemas.microsoft.com/office/mac/drawingml/2011/main" val="1"/>
             </a:ext>
           </a:extLst>
         </p:spPr>
@@ -33339,7 +33485,7 @@
           </a:ln>
           <a:extLst>
             <a:ext uri="{C572A759-6A51-4108-AA02-DFA0A04FC94B}">
-              <ma14:wrappingTextBoxFlag xmlns:ma14="http://schemas.microsoft.com/office/mac/drawingml/2011/main" xmlns:a14="http://schemas.microsoft.com/office/drawing/2010/main" xmlns:m="http://schemas.openxmlformats.org/officeDocument/2006/math" xmlns="" val="1"/>
+              <ma14:wrappingTextBoxFlag xmlns="" xmlns:m="http://schemas.openxmlformats.org/officeDocument/2006/math" xmlns:a14="http://schemas.microsoft.com/office/drawing/2010/main" xmlns:ma14="http://schemas.microsoft.com/office/mac/drawingml/2011/main" val="1"/>
             </a:ext>
           </a:extLst>
         </p:spPr>
@@ -33389,7 +33535,7 @@
           </a:ln>
           <a:extLst>
             <a:ext uri="{C572A759-6A51-4108-AA02-DFA0A04FC94B}">
-              <ma14:wrappingTextBoxFlag xmlns:ma14="http://schemas.microsoft.com/office/mac/drawingml/2011/main" xmlns:a14="http://schemas.microsoft.com/office/drawing/2010/main" xmlns:m="http://schemas.openxmlformats.org/officeDocument/2006/math" xmlns="" val="1"/>
+              <ma14:wrappingTextBoxFlag xmlns="" xmlns:m="http://schemas.openxmlformats.org/officeDocument/2006/math" xmlns:a14="http://schemas.microsoft.com/office/drawing/2010/main" xmlns:ma14="http://schemas.microsoft.com/office/mac/drawingml/2011/main" val="1"/>
             </a:ext>
           </a:extLst>
         </p:spPr>
@@ -33439,7 +33585,7 @@
           </a:ln>
           <a:extLst>
             <a:ext uri="{C572A759-6A51-4108-AA02-DFA0A04FC94B}">
-              <ma14:wrappingTextBoxFlag xmlns:ma14="http://schemas.microsoft.com/office/mac/drawingml/2011/main" xmlns:a14="http://schemas.microsoft.com/office/drawing/2010/main" xmlns:m="http://schemas.openxmlformats.org/officeDocument/2006/math" xmlns="" val="1"/>
+              <ma14:wrappingTextBoxFlag xmlns="" xmlns:m="http://schemas.openxmlformats.org/officeDocument/2006/math" xmlns:a14="http://schemas.microsoft.com/office/drawing/2010/main" xmlns:ma14="http://schemas.microsoft.com/office/mac/drawingml/2011/main" val="1"/>
             </a:ext>
           </a:extLst>
         </p:spPr>
@@ -33489,7 +33635,7 @@
           </a:ln>
           <a:extLst>
             <a:ext uri="{C572A759-6A51-4108-AA02-DFA0A04FC94B}">
-              <ma14:wrappingTextBoxFlag xmlns:ma14="http://schemas.microsoft.com/office/mac/drawingml/2011/main" xmlns:a14="http://schemas.microsoft.com/office/drawing/2010/main" xmlns:m="http://schemas.openxmlformats.org/officeDocument/2006/math" xmlns="" val="1"/>
+              <ma14:wrappingTextBoxFlag xmlns="" xmlns:m="http://schemas.openxmlformats.org/officeDocument/2006/math" xmlns:a14="http://schemas.microsoft.com/office/drawing/2010/main" xmlns:ma14="http://schemas.microsoft.com/office/mac/drawingml/2011/main" val="1"/>
             </a:ext>
           </a:extLst>
         </p:spPr>
@@ -33539,7 +33685,7 @@
           </a:ln>
           <a:extLst>
             <a:ext uri="{C572A759-6A51-4108-AA02-DFA0A04FC94B}">
-              <ma14:wrappingTextBoxFlag xmlns:ma14="http://schemas.microsoft.com/office/mac/drawingml/2011/main" xmlns:a14="http://schemas.microsoft.com/office/drawing/2010/main" xmlns:m="http://schemas.openxmlformats.org/officeDocument/2006/math" xmlns="" val="1"/>
+              <ma14:wrappingTextBoxFlag xmlns="" xmlns:m="http://schemas.openxmlformats.org/officeDocument/2006/math" xmlns:a14="http://schemas.microsoft.com/office/drawing/2010/main" xmlns:ma14="http://schemas.microsoft.com/office/mac/drawingml/2011/main" val="1"/>
             </a:ext>
           </a:extLst>
         </p:spPr>
@@ -33589,7 +33735,7 @@
           </a:ln>
           <a:extLst>
             <a:ext uri="{C572A759-6A51-4108-AA02-DFA0A04FC94B}">
-              <ma14:wrappingTextBoxFlag xmlns:ma14="http://schemas.microsoft.com/office/mac/drawingml/2011/main" xmlns:a14="http://schemas.microsoft.com/office/drawing/2010/main" xmlns:m="http://schemas.openxmlformats.org/officeDocument/2006/math" xmlns="" val="1"/>
+              <ma14:wrappingTextBoxFlag xmlns="" xmlns:m="http://schemas.openxmlformats.org/officeDocument/2006/math" xmlns:a14="http://schemas.microsoft.com/office/drawing/2010/main" xmlns:ma14="http://schemas.microsoft.com/office/mac/drawingml/2011/main" val="1"/>
             </a:ext>
           </a:extLst>
         </p:spPr>
@@ -33639,7 +33785,7 @@
           </a:ln>
           <a:extLst>
             <a:ext uri="{C572A759-6A51-4108-AA02-DFA0A04FC94B}">
-              <ma14:wrappingTextBoxFlag xmlns:ma14="http://schemas.microsoft.com/office/mac/drawingml/2011/main" xmlns:a14="http://schemas.microsoft.com/office/drawing/2010/main" xmlns:m="http://schemas.openxmlformats.org/officeDocument/2006/math" xmlns="" val="1"/>
+              <ma14:wrappingTextBoxFlag xmlns="" xmlns:m="http://schemas.openxmlformats.org/officeDocument/2006/math" xmlns:a14="http://schemas.microsoft.com/office/drawing/2010/main" xmlns:ma14="http://schemas.microsoft.com/office/mac/drawingml/2011/main" val="1"/>
             </a:ext>
           </a:extLst>
         </p:spPr>
@@ -33689,7 +33835,7 @@
           </a:ln>
           <a:extLst>
             <a:ext uri="{C572A759-6A51-4108-AA02-DFA0A04FC94B}">
-              <ma14:wrappingTextBoxFlag xmlns:ma14="http://schemas.microsoft.com/office/mac/drawingml/2011/main" xmlns:a14="http://schemas.microsoft.com/office/drawing/2010/main" xmlns:m="http://schemas.openxmlformats.org/officeDocument/2006/math" xmlns="" val="1"/>
+              <ma14:wrappingTextBoxFlag xmlns="" xmlns:m="http://schemas.openxmlformats.org/officeDocument/2006/math" xmlns:a14="http://schemas.microsoft.com/office/drawing/2010/main" xmlns:ma14="http://schemas.microsoft.com/office/mac/drawingml/2011/main" val="1"/>
             </a:ext>
           </a:extLst>
         </p:spPr>
@@ -33739,7 +33885,7 @@
           </a:ln>
           <a:extLst>
             <a:ext uri="{C572A759-6A51-4108-AA02-DFA0A04FC94B}">
-              <ma14:wrappingTextBoxFlag xmlns:ma14="http://schemas.microsoft.com/office/mac/drawingml/2011/main" xmlns:a14="http://schemas.microsoft.com/office/drawing/2010/main" xmlns:m="http://schemas.openxmlformats.org/officeDocument/2006/math" xmlns="" val="1"/>
+              <ma14:wrappingTextBoxFlag xmlns="" xmlns:m="http://schemas.openxmlformats.org/officeDocument/2006/math" xmlns:a14="http://schemas.microsoft.com/office/drawing/2010/main" xmlns:ma14="http://schemas.microsoft.com/office/mac/drawingml/2011/main" val="1"/>
             </a:ext>
           </a:extLst>
         </p:spPr>
@@ -33789,7 +33935,7 @@
           </a:ln>
           <a:extLst>
             <a:ext uri="{C572A759-6A51-4108-AA02-DFA0A04FC94B}">
-              <ma14:wrappingTextBoxFlag xmlns:ma14="http://schemas.microsoft.com/office/mac/drawingml/2011/main" xmlns:a14="http://schemas.microsoft.com/office/drawing/2010/main" xmlns:m="http://schemas.openxmlformats.org/officeDocument/2006/math" xmlns="" val="1"/>
+              <ma14:wrappingTextBoxFlag xmlns="" xmlns:m="http://schemas.openxmlformats.org/officeDocument/2006/math" xmlns:a14="http://schemas.microsoft.com/office/drawing/2010/main" xmlns:ma14="http://schemas.microsoft.com/office/mac/drawingml/2011/main" val="1"/>
             </a:ext>
           </a:extLst>
         </p:spPr>
@@ -33839,7 +33985,7 @@
           </a:ln>
           <a:extLst>
             <a:ext uri="{C572A759-6A51-4108-AA02-DFA0A04FC94B}">
-              <ma14:wrappingTextBoxFlag xmlns:ma14="http://schemas.microsoft.com/office/mac/drawingml/2011/main" xmlns:a14="http://schemas.microsoft.com/office/drawing/2010/main" xmlns:m="http://schemas.openxmlformats.org/officeDocument/2006/math" xmlns="" val="1"/>
+              <ma14:wrappingTextBoxFlag xmlns="" xmlns:m="http://schemas.openxmlformats.org/officeDocument/2006/math" xmlns:a14="http://schemas.microsoft.com/office/drawing/2010/main" xmlns:ma14="http://schemas.microsoft.com/office/mac/drawingml/2011/main" val="1"/>
             </a:ext>
           </a:extLst>
         </p:spPr>
@@ -33889,7 +34035,7 @@
           </a:ln>
           <a:extLst>
             <a:ext uri="{C572A759-6A51-4108-AA02-DFA0A04FC94B}">
-              <ma14:wrappingTextBoxFlag xmlns:ma14="http://schemas.microsoft.com/office/mac/drawingml/2011/main" xmlns:a14="http://schemas.microsoft.com/office/drawing/2010/main" xmlns:m="http://schemas.openxmlformats.org/officeDocument/2006/math" xmlns="" val="1"/>
+              <ma14:wrappingTextBoxFlag xmlns="" xmlns:m="http://schemas.openxmlformats.org/officeDocument/2006/math" xmlns:a14="http://schemas.microsoft.com/office/drawing/2010/main" xmlns:ma14="http://schemas.microsoft.com/office/mac/drawingml/2011/main" val="1"/>
             </a:ext>
           </a:extLst>
         </p:spPr>
@@ -33939,7 +34085,7 @@
           </a:ln>
           <a:extLst>
             <a:ext uri="{C572A759-6A51-4108-AA02-DFA0A04FC94B}">
-              <ma14:wrappingTextBoxFlag xmlns:ma14="http://schemas.microsoft.com/office/mac/drawingml/2011/main" xmlns:a14="http://schemas.microsoft.com/office/drawing/2010/main" xmlns:m="http://schemas.openxmlformats.org/officeDocument/2006/math" xmlns="" val="1"/>
+              <ma14:wrappingTextBoxFlag xmlns="" xmlns:m="http://schemas.openxmlformats.org/officeDocument/2006/math" xmlns:a14="http://schemas.microsoft.com/office/drawing/2010/main" xmlns:ma14="http://schemas.microsoft.com/office/mac/drawingml/2011/main" val="1"/>
             </a:ext>
           </a:extLst>
         </p:spPr>
@@ -33989,7 +34135,7 @@
           </a:ln>
           <a:extLst>
             <a:ext uri="{C572A759-6A51-4108-AA02-DFA0A04FC94B}">
-              <ma14:wrappingTextBoxFlag xmlns:ma14="http://schemas.microsoft.com/office/mac/drawingml/2011/main" xmlns:a14="http://schemas.microsoft.com/office/drawing/2010/main" xmlns:m="http://schemas.openxmlformats.org/officeDocument/2006/math" xmlns="" val="1"/>
+              <ma14:wrappingTextBoxFlag xmlns="" xmlns:m="http://schemas.openxmlformats.org/officeDocument/2006/math" xmlns:a14="http://schemas.microsoft.com/office/drawing/2010/main" xmlns:ma14="http://schemas.microsoft.com/office/mac/drawingml/2011/main" val="1"/>
             </a:ext>
           </a:extLst>
         </p:spPr>
@@ -34039,7 +34185,7 @@
           </a:ln>
           <a:extLst>
             <a:ext uri="{C572A759-6A51-4108-AA02-DFA0A04FC94B}">
-              <ma14:wrappingTextBoxFlag xmlns:ma14="http://schemas.microsoft.com/office/mac/drawingml/2011/main" xmlns:a14="http://schemas.microsoft.com/office/drawing/2010/main" xmlns:m="http://schemas.openxmlformats.org/officeDocument/2006/math" xmlns="" val="1"/>
+              <ma14:wrappingTextBoxFlag xmlns="" xmlns:m="http://schemas.openxmlformats.org/officeDocument/2006/math" xmlns:a14="http://schemas.microsoft.com/office/drawing/2010/main" xmlns:ma14="http://schemas.microsoft.com/office/mac/drawingml/2011/main" val="1"/>
             </a:ext>
           </a:extLst>
         </p:spPr>
@@ -34089,7 +34235,7 @@
           </a:ln>
           <a:extLst>
             <a:ext uri="{C572A759-6A51-4108-AA02-DFA0A04FC94B}">
-              <ma14:wrappingTextBoxFlag xmlns:ma14="http://schemas.microsoft.com/office/mac/drawingml/2011/main" xmlns:a14="http://schemas.microsoft.com/office/drawing/2010/main" xmlns:m="http://schemas.openxmlformats.org/officeDocument/2006/math" xmlns="" val="1"/>
+              <ma14:wrappingTextBoxFlag xmlns="" xmlns:m="http://schemas.openxmlformats.org/officeDocument/2006/math" xmlns:a14="http://schemas.microsoft.com/office/drawing/2010/main" xmlns:ma14="http://schemas.microsoft.com/office/mac/drawingml/2011/main" val="1"/>
             </a:ext>
           </a:extLst>
         </p:spPr>
@@ -34183,7 +34329,7 @@
           </a:ln>
           <a:extLst>
             <a:ext uri="{C572A759-6A51-4108-AA02-DFA0A04FC94B}">
-              <ma14:wrappingTextBoxFlag xmlns:ma14="http://schemas.microsoft.com/office/mac/drawingml/2011/main" xmlns:a14="http://schemas.microsoft.com/office/drawing/2010/main" xmlns:m="http://schemas.openxmlformats.org/officeDocument/2006/math" xmlns="" val="1"/>
+              <ma14:wrappingTextBoxFlag xmlns="" xmlns:m="http://schemas.openxmlformats.org/officeDocument/2006/math" xmlns:a14="http://schemas.microsoft.com/office/drawing/2010/main" xmlns:ma14="http://schemas.microsoft.com/office/mac/drawingml/2011/main" val="1"/>
             </a:ext>
           </a:extLst>
         </p:spPr>
@@ -34303,7 +34449,7 @@
           </a:ln>
           <a:extLst>
             <a:ext uri="{C572A759-6A51-4108-AA02-DFA0A04FC94B}">
-              <ma14:wrappingTextBoxFlag xmlns:ma14="http://schemas.microsoft.com/office/mac/drawingml/2011/main" xmlns:a14="http://schemas.microsoft.com/office/drawing/2010/main" xmlns:m="http://schemas.openxmlformats.org/officeDocument/2006/math" xmlns="" val="1"/>
+              <ma14:wrappingTextBoxFlag xmlns="" xmlns:m="http://schemas.openxmlformats.org/officeDocument/2006/math" xmlns:a14="http://schemas.microsoft.com/office/drawing/2010/main" xmlns:ma14="http://schemas.microsoft.com/office/mac/drawingml/2011/main" val="1"/>
             </a:ext>
           </a:extLst>
         </p:spPr>
@@ -34365,7 +34511,7 @@
           </a:ln>
           <a:extLst>
             <a:ext uri="{C572A759-6A51-4108-AA02-DFA0A04FC94B}">
-              <ma14:wrappingTextBoxFlag xmlns:ma14="http://schemas.microsoft.com/office/mac/drawingml/2011/main" xmlns:a14="http://schemas.microsoft.com/office/drawing/2010/main" xmlns:m="http://schemas.openxmlformats.org/officeDocument/2006/math" xmlns="" val="1"/>
+              <ma14:wrappingTextBoxFlag xmlns="" xmlns:m="http://schemas.openxmlformats.org/officeDocument/2006/math" xmlns:a14="http://schemas.microsoft.com/office/drawing/2010/main" xmlns:ma14="http://schemas.microsoft.com/office/mac/drawingml/2011/main" val="1"/>
             </a:ext>
           </a:extLst>
         </p:spPr>
@@ -34415,7 +34561,7 @@
           </a:ln>
           <a:extLst>
             <a:ext uri="{C572A759-6A51-4108-AA02-DFA0A04FC94B}">
-              <ma14:wrappingTextBoxFlag xmlns:ma14="http://schemas.microsoft.com/office/mac/drawingml/2011/main" xmlns:a14="http://schemas.microsoft.com/office/drawing/2010/main" xmlns:m="http://schemas.openxmlformats.org/officeDocument/2006/math" xmlns="" val="1"/>
+              <ma14:wrappingTextBoxFlag xmlns="" xmlns:m="http://schemas.openxmlformats.org/officeDocument/2006/math" xmlns:a14="http://schemas.microsoft.com/office/drawing/2010/main" xmlns:ma14="http://schemas.microsoft.com/office/mac/drawingml/2011/main" val="1"/>
             </a:ext>
           </a:extLst>
         </p:spPr>
@@ -34465,7 +34611,7 @@
           </a:ln>
           <a:extLst>
             <a:ext uri="{C572A759-6A51-4108-AA02-DFA0A04FC94B}">
-              <ma14:wrappingTextBoxFlag xmlns:ma14="http://schemas.microsoft.com/office/mac/drawingml/2011/main" xmlns:a14="http://schemas.microsoft.com/office/drawing/2010/main" xmlns:m="http://schemas.openxmlformats.org/officeDocument/2006/math" xmlns="" val="1"/>
+              <ma14:wrappingTextBoxFlag xmlns="" xmlns:m="http://schemas.openxmlformats.org/officeDocument/2006/math" xmlns:a14="http://schemas.microsoft.com/office/drawing/2010/main" xmlns:ma14="http://schemas.microsoft.com/office/mac/drawingml/2011/main" val="1"/>
             </a:ext>
           </a:extLst>
         </p:spPr>
@@ -34515,7 +34661,7 @@
           </a:ln>
           <a:extLst>
             <a:ext uri="{C572A759-6A51-4108-AA02-DFA0A04FC94B}">
-              <ma14:wrappingTextBoxFlag xmlns:ma14="http://schemas.microsoft.com/office/mac/drawingml/2011/main" xmlns:a14="http://schemas.microsoft.com/office/drawing/2010/main" xmlns:m="http://schemas.openxmlformats.org/officeDocument/2006/math" xmlns="" val="1"/>
+              <ma14:wrappingTextBoxFlag xmlns="" xmlns:m="http://schemas.openxmlformats.org/officeDocument/2006/math" xmlns:a14="http://schemas.microsoft.com/office/drawing/2010/main" xmlns:ma14="http://schemas.microsoft.com/office/mac/drawingml/2011/main" val="1"/>
             </a:ext>
           </a:extLst>
         </p:spPr>
@@ -34565,7 +34711,7 @@
           </a:ln>
           <a:extLst>
             <a:ext uri="{C572A759-6A51-4108-AA02-DFA0A04FC94B}">
-              <ma14:wrappingTextBoxFlag xmlns:ma14="http://schemas.microsoft.com/office/mac/drawingml/2011/main" xmlns:a14="http://schemas.microsoft.com/office/drawing/2010/main" xmlns:m="http://schemas.openxmlformats.org/officeDocument/2006/math" xmlns="" val="1"/>
+              <ma14:wrappingTextBoxFlag xmlns="" xmlns:m="http://schemas.openxmlformats.org/officeDocument/2006/math" xmlns:a14="http://schemas.microsoft.com/office/drawing/2010/main" xmlns:ma14="http://schemas.microsoft.com/office/mac/drawingml/2011/main" val="1"/>
             </a:ext>
           </a:extLst>
         </p:spPr>
@@ -34615,7 +34761,7 @@
           </a:ln>
           <a:extLst>
             <a:ext uri="{C572A759-6A51-4108-AA02-DFA0A04FC94B}">
-              <ma14:wrappingTextBoxFlag xmlns:ma14="http://schemas.microsoft.com/office/mac/drawingml/2011/main" xmlns:a14="http://schemas.microsoft.com/office/drawing/2010/main" xmlns:m="http://schemas.openxmlformats.org/officeDocument/2006/math" xmlns="" val="1"/>
+              <ma14:wrappingTextBoxFlag xmlns="" xmlns:m="http://schemas.openxmlformats.org/officeDocument/2006/math" xmlns:a14="http://schemas.microsoft.com/office/drawing/2010/main" xmlns:ma14="http://schemas.microsoft.com/office/mac/drawingml/2011/main" val="1"/>
             </a:ext>
           </a:extLst>
         </p:spPr>
@@ -34665,7 +34811,7 @@
           </a:ln>
           <a:extLst>
             <a:ext uri="{C572A759-6A51-4108-AA02-DFA0A04FC94B}">
-              <ma14:wrappingTextBoxFlag xmlns:ma14="http://schemas.microsoft.com/office/mac/drawingml/2011/main" xmlns:a14="http://schemas.microsoft.com/office/drawing/2010/main" xmlns:m="http://schemas.openxmlformats.org/officeDocument/2006/math" xmlns="" val="1"/>
+              <ma14:wrappingTextBoxFlag xmlns="" xmlns:m="http://schemas.openxmlformats.org/officeDocument/2006/math" xmlns:a14="http://schemas.microsoft.com/office/drawing/2010/main" xmlns:ma14="http://schemas.microsoft.com/office/mac/drawingml/2011/main" val="1"/>
             </a:ext>
           </a:extLst>
         </p:spPr>
@@ -34715,7 +34861,7 @@
           </a:ln>
           <a:extLst>
             <a:ext uri="{C572A759-6A51-4108-AA02-DFA0A04FC94B}">
-              <ma14:wrappingTextBoxFlag xmlns:ma14="http://schemas.microsoft.com/office/mac/drawingml/2011/main" xmlns:a14="http://schemas.microsoft.com/office/drawing/2010/main" xmlns:m="http://schemas.openxmlformats.org/officeDocument/2006/math" xmlns="" val="1"/>
+              <ma14:wrappingTextBoxFlag xmlns="" xmlns:m="http://schemas.openxmlformats.org/officeDocument/2006/math" xmlns:a14="http://schemas.microsoft.com/office/drawing/2010/main" xmlns:ma14="http://schemas.microsoft.com/office/mac/drawingml/2011/main" val="1"/>
             </a:ext>
           </a:extLst>
         </p:spPr>
@@ -34765,7 +34911,7 @@
           </a:ln>
           <a:extLst>
             <a:ext uri="{C572A759-6A51-4108-AA02-DFA0A04FC94B}">
-              <ma14:wrappingTextBoxFlag xmlns:ma14="http://schemas.microsoft.com/office/mac/drawingml/2011/main" xmlns:a14="http://schemas.microsoft.com/office/drawing/2010/main" xmlns:m="http://schemas.openxmlformats.org/officeDocument/2006/math" xmlns="" val="1"/>
+              <ma14:wrappingTextBoxFlag xmlns="" xmlns:m="http://schemas.openxmlformats.org/officeDocument/2006/math" xmlns:a14="http://schemas.microsoft.com/office/drawing/2010/main" xmlns:ma14="http://schemas.microsoft.com/office/mac/drawingml/2011/main" val="1"/>
             </a:ext>
           </a:extLst>
         </p:spPr>
@@ -34815,7 +34961,7 @@
           </a:ln>
           <a:extLst>
             <a:ext uri="{C572A759-6A51-4108-AA02-DFA0A04FC94B}">
-              <ma14:wrappingTextBoxFlag xmlns:ma14="http://schemas.microsoft.com/office/mac/drawingml/2011/main" xmlns:a14="http://schemas.microsoft.com/office/drawing/2010/main" xmlns:m="http://schemas.openxmlformats.org/officeDocument/2006/math" xmlns="" val="1"/>
+              <ma14:wrappingTextBoxFlag xmlns="" xmlns:m="http://schemas.openxmlformats.org/officeDocument/2006/math" xmlns:a14="http://schemas.microsoft.com/office/drawing/2010/main" xmlns:ma14="http://schemas.microsoft.com/office/mac/drawingml/2011/main" val="1"/>
             </a:ext>
           </a:extLst>
         </p:spPr>
@@ -34865,7 +35011,7 @@
           </a:ln>
           <a:extLst>
             <a:ext uri="{C572A759-6A51-4108-AA02-DFA0A04FC94B}">
-              <ma14:wrappingTextBoxFlag xmlns:ma14="http://schemas.microsoft.com/office/mac/drawingml/2011/main" xmlns:a14="http://schemas.microsoft.com/office/drawing/2010/main" xmlns:m="http://schemas.openxmlformats.org/officeDocument/2006/math" xmlns="" val="1"/>
+              <ma14:wrappingTextBoxFlag xmlns="" xmlns:m="http://schemas.openxmlformats.org/officeDocument/2006/math" xmlns:a14="http://schemas.microsoft.com/office/drawing/2010/main" xmlns:ma14="http://schemas.microsoft.com/office/mac/drawingml/2011/main" val="1"/>
             </a:ext>
           </a:extLst>
         </p:spPr>
@@ -34915,7 +35061,7 @@
           </a:ln>
           <a:extLst>
             <a:ext uri="{C572A759-6A51-4108-AA02-DFA0A04FC94B}">
-              <ma14:wrappingTextBoxFlag xmlns:ma14="http://schemas.microsoft.com/office/mac/drawingml/2011/main" xmlns:a14="http://schemas.microsoft.com/office/drawing/2010/main" xmlns:m="http://schemas.openxmlformats.org/officeDocument/2006/math" xmlns="" val="1"/>
+              <ma14:wrappingTextBoxFlag xmlns="" xmlns:m="http://schemas.openxmlformats.org/officeDocument/2006/math" xmlns:a14="http://schemas.microsoft.com/office/drawing/2010/main" xmlns:ma14="http://schemas.microsoft.com/office/mac/drawingml/2011/main" val="1"/>
             </a:ext>
           </a:extLst>
         </p:spPr>
@@ -34965,7 +35111,7 @@
           </a:ln>
           <a:extLst>
             <a:ext uri="{C572A759-6A51-4108-AA02-DFA0A04FC94B}">
-              <ma14:wrappingTextBoxFlag xmlns:ma14="http://schemas.microsoft.com/office/mac/drawingml/2011/main" xmlns:a14="http://schemas.microsoft.com/office/drawing/2010/main" xmlns:m="http://schemas.openxmlformats.org/officeDocument/2006/math" xmlns="" val="1"/>
+              <ma14:wrappingTextBoxFlag xmlns="" xmlns:m="http://schemas.openxmlformats.org/officeDocument/2006/math" xmlns:a14="http://schemas.microsoft.com/office/drawing/2010/main" xmlns:ma14="http://schemas.microsoft.com/office/mac/drawingml/2011/main" val="1"/>
             </a:ext>
           </a:extLst>
         </p:spPr>
@@ -35015,7 +35161,7 @@
           </a:ln>
           <a:extLst>
             <a:ext uri="{C572A759-6A51-4108-AA02-DFA0A04FC94B}">
-              <ma14:wrappingTextBoxFlag xmlns:ma14="http://schemas.microsoft.com/office/mac/drawingml/2011/main" xmlns:a14="http://schemas.microsoft.com/office/drawing/2010/main" xmlns:m="http://schemas.openxmlformats.org/officeDocument/2006/math" xmlns="" val="1"/>
+              <ma14:wrappingTextBoxFlag xmlns="" xmlns:m="http://schemas.openxmlformats.org/officeDocument/2006/math" xmlns:a14="http://schemas.microsoft.com/office/drawing/2010/main" xmlns:ma14="http://schemas.microsoft.com/office/mac/drawingml/2011/main" val="1"/>
             </a:ext>
           </a:extLst>
         </p:spPr>
@@ -35065,7 +35211,7 @@
           </a:ln>
           <a:extLst>
             <a:ext uri="{C572A759-6A51-4108-AA02-DFA0A04FC94B}">
-              <ma14:wrappingTextBoxFlag xmlns:ma14="http://schemas.microsoft.com/office/mac/drawingml/2011/main" xmlns:a14="http://schemas.microsoft.com/office/drawing/2010/main" xmlns:m="http://schemas.openxmlformats.org/officeDocument/2006/math" xmlns="" val="1"/>
+              <ma14:wrappingTextBoxFlag xmlns="" xmlns:m="http://schemas.openxmlformats.org/officeDocument/2006/math" xmlns:a14="http://schemas.microsoft.com/office/drawing/2010/main" xmlns:ma14="http://schemas.microsoft.com/office/mac/drawingml/2011/main" val="1"/>
             </a:ext>
           </a:extLst>
         </p:spPr>
@@ -35115,7 +35261,7 @@
           </a:ln>
           <a:extLst>
             <a:ext uri="{C572A759-6A51-4108-AA02-DFA0A04FC94B}">
-              <ma14:wrappingTextBoxFlag xmlns:ma14="http://schemas.microsoft.com/office/mac/drawingml/2011/main" xmlns:a14="http://schemas.microsoft.com/office/drawing/2010/main" xmlns:m="http://schemas.openxmlformats.org/officeDocument/2006/math" xmlns="" val="1"/>
+              <ma14:wrappingTextBoxFlag xmlns="" xmlns:m="http://schemas.openxmlformats.org/officeDocument/2006/math" xmlns:a14="http://schemas.microsoft.com/office/drawing/2010/main" xmlns:ma14="http://schemas.microsoft.com/office/mac/drawingml/2011/main" val="1"/>
             </a:ext>
           </a:extLst>
         </p:spPr>
@@ -35165,7 +35311,7 @@
           </a:ln>
           <a:extLst>
             <a:ext uri="{C572A759-6A51-4108-AA02-DFA0A04FC94B}">
-              <ma14:wrappingTextBoxFlag xmlns:ma14="http://schemas.microsoft.com/office/mac/drawingml/2011/main" xmlns:a14="http://schemas.microsoft.com/office/drawing/2010/main" xmlns:m="http://schemas.openxmlformats.org/officeDocument/2006/math" xmlns="" val="1"/>
+              <ma14:wrappingTextBoxFlag xmlns="" xmlns:m="http://schemas.openxmlformats.org/officeDocument/2006/math" xmlns:a14="http://schemas.microsoft.com/office/drawing/2010/main" xmlns:ma14="http://schemas.microsoft.com/office/mac/drawingml/2011/main" val="1"/>
             </a:ext>
           </a:extLst>
         </p:spPr>
@@ -35215,7 +35361,7 @@
           </a:ln>
           <a:extLst>
             <a:ext uri="{C572A759-6A51-4108-AA02-DFA0A04FC94B}">
-              <ma14:wrappingTextBoxFlag xmlns:ma14="http://schemas.microsoft.com/office/mac/drawingml/2011/main" xmlns:a14="http://schemas.microsoft.com/office/drawing/2010/main" xmlns:m="http://schemas.openxmlformats.org/officeDocument/2006/math" xmlns="" val="1"/>
+              <ma14:wrappingTextBoxFlag xmlns="" xmlns:m="http://schemas.openxmlformats.org/officeDocument/2006/math" xmlns:a14="http://schemas.microsoft.com/office/drawing/2010/main" xmlns:ma14="http://schemas.microsoft.com/office/mac/drawingml/2011/main" val="1"/>
             </a:ext>
           </a:extLst>
         </p:spPr>
@@ -35265,7 +35411,7 @@
           </a:ln>
           <a:extLst>
             <a:ext uri="{C572A759-6A51-4108-AA02-DFA0A04FC94B}">
-              <ma14:wrappingTextBoxFlag xmlns:ma14="http://schemas.microsoft.com/office/mac/drawingml/2011/main" xmlns:a14="http://schemas.microsoft.com/office/drawing/2010/main" xmlns:m="http://schemas.openxmlformats.org/officeDocument/2006/math" xmlns="" val="1"/>
+              <ma14:wrappingTextBoxFlag xmlns="" xmlns:m="http://schemas.openxmlformats.org/officeDocument/2006/math" xmlns:a14="http://schemas.microsoft.com/office/drawing/2010/main" xmlns:ma14="http://schemas.microsoft.com/office/mac/drawingml/2011/main" val="1"/>
             </a:ext>
           </a:extLst>
         </p:spPr>
@@ -35315,7 +35461,7 @@
           </a:ln>
           <a:extLst>
             <a:ext uri="{C572A759-6A51-4108-AA02-DFA0A04FC94B}">
-              <ma14:wrappingTextBoxFlag xmlns:ma14="http://schemas.microsoft.com/office/mac/drawingml/2011/main" xmlns:a14="http://schemas.microsoft.com/office/drawing/2010/main" xmlns:m="http://schemas.openxmlformats.org/officeDocument/2006/math" xmlns="" val="1"/>
+              <ma14:wrappingTextBoxFlag xmlns="" xmlns:m="http://schemas.openxmlformats.org/officeDocument/2006/math" xmlns:a14="http://schemas.microsoft.com/office/drawing/2010/main" xmlns:ma14="http://schemas.microsoft.com/office/mac/drawingml/2011/main" val="1"/>
             </a:ext>
           </a:extLst>
         </p:spPr>
@@ -35365,7 +35511,7 @@
           </a:ln>
           <a:extLst>
             <a:ext uri="{C572A759-6A51-4108-AA02-DFA0A04FC94B}">
-              <ma14:wrappingTextBoxFlag xmlns:ma14="http://schemas.microsoft.com/office/mac/drawingml/2011/main" xmlns:a14="http://schemas.microsoft.com/office/drawing/2010/main" xmlns:m="http://schemas.openxmlformats.org/officeDocument/2006/math" xmlns="" val="1"/>
+              <ma14:wrappingTextBoxFlag xmlns="" xmlns:m="http://schemas.openxmlformats.org/officeDocument/2006/math" xmlns:a14="http://schemas.microsoft.com/office/drawing/2010/main" xmlns:ma14="http://schemas.microsoft.com/office/mac/drawingml/2011/main" val="1"/>
             </a:ext>
           </a:extLst>
         </p:spPr>
@@ -35415,7 +35561,7 @@
           </a:ln>
           <a:extLst>
             <a:ext uri="{C572A759-6A51-4108-AA02-DFA0A04FC94B}">
-              <ma14:wrappingTextBoxFlag xmlns:ma14="http://schemas.microsoft.com/office/mac/drawingml/2011/main" xmlns:a14="http://schemas.microsoft.com/office/drawing/2010/main" xmlns:m="http://schemas.openxmlformats.org/officeDocument/2006/math" xmlns="" val="1"/>
+              <ma14:wrappingTextBoxFlag xmlns="" xmlns:m="http://schemas.openxmlformats.org/officeDocument/2006/math" xmlns:a14="http://schemas.microsoft.com/office/drawing/2010/main" xmlns:ma14="http://schemas.microsoft.com/office/mac/drawingml/2011/main" val="1"/>
             </a:ext>
           </a:extLst>
         </p:spPr>
@@ -35465,7 +35611,7 @@
           </a:ln>
           <a:extLst>
             <a:ext uri="{C572A759-6A51-4108-AA02-DFA0A04FC94B}">
-              <ma14:wrappingTextBoxFlag xmlns:ma14="http://schemas.microsoft.com/office/mac/drawingml/2011/main" xmlns:a14="http://schemas.microsoft.com/office/drawing/2010/main" xmlns:m="http://schemas.openxmlformats.org/officeDocument/2006/math" xmlns="" val="1"/>
+              <ma14:wrappingTextBoxFlag xmlns="" xmlns:m="http://schemas.openxmlformats.org/officeDocument/2006/math" xmlns:a14="http://schemas.microsoft.com/office/drawing/2010/main" xmlns:ma14="http://schemas.microsoft.com/office/mac/drawingml/2011/main" val="1"/>
             </a:ext>
           </a:extLst>
         </p:spPr>
@@ -35515,7 +35661,7 @@
           </a:ln>
           <a:extLst>
             <a:ext uri="{C572A759-6A51-4108-AA02-DFA0A04FC94B}">
-              <ma14:wrappingTextBoxFlag xmlns:ma14="http://schemas.microsoft.com/office/mac/drawingml/2011/main" xmlns:a14="http://schemas.microsoft.com/office/drawing/2010/main" xmlns:m="http://schemas.openxmlformats.org/officeDocument/2006/math" xmlns="" val="1"/>
+              <ma14:wrappingTextBoxFlag xmlns="" xmlns:m="http://schemas.openxmlformats.org/officeDocument/2006/math" xmlns:a14="http://schemas.microsoft.com/office/drawing/2010/main" xmlns:ma14="http://schemas.microsoft.com/office/mac/drawingml/2011/main" val="1"/>
             </a:ext>
           </a:extLst>
         </p:spPr>
@@ -35565,7 +35711,7 @@
           </a:ln>
           <a:extLst>
             <a:ext uri="{C572A759-6A51-4108-AA02-DFA0A04FC94B}">
-              <ma14:wrappingTextBoxFlag xmlns:ma14="http://schemas.microsoft.com/office/mac/drawingml/2011/main" xmlns:a14="http://schemas.microsoft.com/office/drawing/2010/main" xmlns:m="http://schemas.openxmlformats.org/officeDocument/2006/math" xmlns="" val="1"/>
+              <ma14:wrappingTextBoxFlag xmlns="" xmlns:m="http://schemas.openxmlformats.org/officeDocument/2006/math" xmlns:a14="http://schemas.microsoft.com/office/drawing/2010/main" xmlns:ma14="http://schemas.microsoft.com/office/mac/drawingml/2011/main" val="1"/>
             </a:ext>
           </a:extLst>
         </p:spPr>
@@ -35615,7 +35761,7 @@
           </a:ln>
           <a:extLst>
             <a:ext uri="{C572A759-6A51-4108-AA02-DFA0A04FC94B}">
-              <ma14:wrappingTextBoxFlag xmlns:ma14="http://schemas.microsoft.com/office/mac/drawingml/2011/main" xmlns:a14="http://schemas.microsoft.com/office/drawing/2010/main" xmlns:m="http://schemas.openxmlformats.org/officeDocument/2006/math" xmlns="" val="1"/>
+              <ma14:wrappingTextBoxFlag xmlns="" xmlns:m="http://schemas.openxmlformats.org/officeDocument/2006/math" xmlns:a14="http://schemas.microsoft.com/office/drawing/2010/main" xmlns:ma14="http://schemas.microsoft.com/office/mac/drawingml/2011/main" val="1"/>
             </a:ext>
           </a:extLst>
         </p:spPr>
@@ -35665,7 +35811,7 @@
           </a:ln>
           <a:extLst>
             <a:ext uri="{C572A759-6A51-4108-AA02-DFA0A04FC94B}">
-              <ma14:wrappingTextBoxFlag xmlns:ma14="http://schemas.microsoft.com/office/mac/drawingml/2011/main" xmlns:a14="http://schemas.microsoft.com/office/drawing/2010/main" xmlns:m="http://schemas.openxmlformats.org/officeDocument/2006/math" xmlns="" val="1"/>
+              <ma14:wrappingTextBoxFlag xmlns="" xmlns:m="http://schemas.openxmlformats.org/officeDocument/2006/math" xmlns:a14="http://schemas.microsoft.com/office/drawing/2010/main" xmlns:ma14="http://schemas.microsoft.com/office/mac/drawingml/2011/main" val="1"/>
             </a:ext>
           </a:extLst>
         </p:spPr>
@@ -35715,7 +35861,7 @@
           </a:ln>
           <a:extLst>
             <a:ext uri="{C572A759-6A51-4108-AA02-DFA0A04FC94B}">
-              <ma14:wrappingTextBoxFlag xmlns:ma14="http://schemas.microsoft.com/office/mac/drawingml/2011/main" xmlns:a14="http://schemas.microsoft.com/office/drawing/2010/main" xmlns:m="http://schemas.openxmlformats.org/officeDocument/2006/math" xmlns="" val="1"/>
+              <ma14:wrappingTextBoxFlag xmlns="" xmlns:m="http://schemas.openxmlformats.org/officeDocument/2006/math" xmlns:a14="http://schemas.microsoft.com/office/drawing/2010/main" xmlns:ma14="http://schemas.microsoft.com/office/mac/drawingml/2011/main" val="1"/>
             </a:ext>
           </a:extLst>
         </p:spPr>
@@ -35765,7 +35911,7 @@
           </a:ln>
           <a:extLst>
             <a:ext uri="{C572A759-6A51-4108-AA02-DFA0A04FC94B}">
-              <ma14:wrappingTextBoxFlag xmlns:ma14="http://schemas.microsoft.com/office/mac/drawingml/2011/main" xmlns:a14="http://schemas.microsoft.com/office/drawing/2010/main" xmlns:m="http://schemas.openxmlformats.org/officeDocument/2006/math" xmlns="" val="1"/>
+              <ma14:wrappingTextBoxFlag xmlns="" xmlns:m="http://schemas.openxmlformats.org/officeDocument/2006/math" xmlns:a14="http://schemas.microsoft.com/office/drawing/2010/main" xmlns:ma14="http://schemas.microsoft.com/office/mac/drawingml/2011/main" val="1"/>
             </a:ext>
           </a:extLst>
         </p:spPr>
@@ -36117,7 +36263,7 @@
           </a:ln>
           <a:extLst>
             <a:ext uri="{C572A759-6A51-4108-AA02-DFA0A04FC94B}">
-              <ma14:wrappingTextBoxFlag xmlns="" xmlns:m="http://schemas.openxmlformats.org/officeDocument/2006/math" xmlns:a14="http://schemas.microsoft.com/office/drawing/2010/main" xmlns:ma14="http://schemas.microsoft.com/office/mac/drawingml/2011/main" val="1"/>
+              <ma14:wrappingTextBoxFlag xmlns:ma14="http://schemas.microsoft.com/office/mac/drawingml/2011/main" xmlns:a14="http://schemas.microsoft.com/office/drawing/2010/main" xmlns:m="http://schemas.openxmlformats.org/officeDocument/2006/math" xmlns="" val="1"/>
             </a:ext>
           </a:extLst>
         </p:spPr>
@@ -36183,7 +36329,7 @@
           </a:ln>
           <a:extLst>
             <a:ext uri="{C572A759-6A51-4108-AA02-DFA0A04FC94B}">
-              <ma14:wrappingTextBoxFlag xmlns="" xmlns:m="http://schemas.openxmlformats.org/officeDocument/2006/math" xmlns:a14="http://schemas.microsoft.com/office/drawing/2010/main" xmlns:ma14="http://schemas.microsoft.com/office/mac/drawingml/2011/main" val="1"/>
+              <ma14:wrappingTextBoxFlag xmlns:ma14="http://schemas.microsoft.com/office/mac/drawingml/2011/main" xmlns:a14="http://schemas.microsoft.com/office/drawing/2010/main" xmlns:m="http://schemas.openxmlformats.org/officeDocument/2006/math" xmlns="" val="1"/>
             </a:ext>
           </a:extLst>
         </p:spPr>
@@ -36609,7 +36755,7 @@
             </a:ln>
             <a:extLst>
               <a:ext uri="{C572A759-6A51-4108-AA02-DFA0A04FC94B}">
-                <ma14:wrappingTextBoxFlag xmlns="" xmlns:m="http://schemas.openxmlformats.org/officeDocument/2006/math" xmlns:a14="http://schemas.microsoft.com/office/drawing/2010/main" xmlns:ma14="http://schemas.microsoft.com/office/mac/drawingml/2011/main" val="1"/>
+                <ma14:wrappingTextBoxFlag xmlns:ma14="http://schemas.microsoft.com/office/mac/drawingml/2011/main" xmlns:a14="http://schemas.microsoft.com/office/drawing/2010/main" xmlns:m="http://schemas.openxmlformats.org/officeDocument/2006/math" xmlns="" val="1"/>
               </a:ext>
             </a:extLst>
           </p:spPr>
@@ -36750,7 +36896,7 @@
           </a:ln>
           <a:extLst>
             <a:ext uri="{C572A759-6A51-4108-AA02-DFA0A04FC94B}">
-              <ma14:wrappingTextBoxFlag xmlns="" xmlns:m="http://schemas.openxmlformats.org/officeDocument/2006/math" xmlns:a14="http://schemas.microsoft.com/office/drawing/2010/main" xmlns:ma14="http://schemas.microsoft.com/office/mac/drawingml/2011/main" val="1"/>
+              <ma14:wrappingTextBoxFlag xmlns:ma14="http://schemas.microsoft.com/office/mac/drawingml/2011/main" xmlns:a14="http://schemas.microsoft.com/office/drawing/2010/main" xmlns:m="http://schemas.openxmlformats.org/officeDocument/2006/math" xmlns="" val="1"/>
             </a:ext>
           </a:extLst>
         </p:spPr>
@@ -36800,7 +36946,7 @@
           </a:ln>
           <a:extLst>
             <a:ext uri="{C572A759-6A51-4108-AA02-DFA0A04FC94B}">
-              <ma14:wrappingTextBoxFlag xmlns="" xmlns:m="http://schemas.openxmlformats.org/officeDocument/2006/math" xmlns:a14="http://schemas.microsoft.com/office/drawing/2010/main" xmlns:ma14="http://schemas.microsoft.com/office/mac/drawingml/2011/main" val="1"/>
+              <ma14:wrappingTextBoxFlag xmlns:ma14="http://schemas.microsoft.com/office/mac/drawingml/2011/main" xmlns:a14="http://schemas.microsoft.com/office/drawing/2010/main" xmlns:m="http://schemas.openxmlformats.org/officeDocument/2006/math" xmlns="" val="1"/>
             </a:ext>
           </a:extLst>
         </p:spPr>
@@ -36850,7 +36996,7 @@
           </a:ln>
           <a:extLst>
             <a:ext uri="{C572A759-6A51-4108-AA02-DFA0A04FC94B}">
-              <ma14:wrappingTextBoxFlag xmlns="" xmlns:m="http://schemas.openxmlformats.org/officeDocument/2006/math" xmlns:a14="http://schemas.microsoft.com/office/drawing/2010/main" xmlns:ma14="http://schemas.microsoft.com/office/mac/drawingml/2011/main" val="1"/>
+              <ma14:wrappingTextBoxFlag xmlns:ma14="http://schemas.microsoft.com/office/mac/drawingml/2011/main" xmlns:a14="http://schemas.microsoft.com/office/drawing/2010/main" xmlns:m="http://schemas.openxmlformats.org/officeDocument/2006/math" xmlns="" val="1"/>
             </a:ext>
           </a:extLst>
         </p:spPr>
@@ -36900,7 +37046,7 @@
           </a:ln>
           <a:extLst>
             <a:ext uri="{C572A759-6A51-4108-AA02-DFA0A04FC94B}">
-              <ma14:wrappingTextBoxFlag xmlns="" xmlns:m="http://schemas.openxmlformats.org/officeDocument/2006/math" xmlns:a14="http://schemas.microsoft.com/office/drawing/2010/main" xmlns:ma14="http://schemas.microsoft.com/office/mac/drawingml/2011/main" val="1"/>
+              <ma14:wrappingTextBoxFlag xmlns:ma14="http://schemas.microsoft.com/office/mac/drawingml/2011/main" xmlns:a14="http://schemas.microsoft.com/office/drawing/2010/main" xmlns:m="http://schemas.openxmlformats.org/officeDocument/2006/math" xmlns="" val="1"/>
             </a:ext>
           </a:extLst>
         </p:spPr>
@@ -36950,7 +37096,7 @@
           </a:ln>
           <a:extLst>
             <a:ext uri="{C572A759-6A51-4108-AA02-DFA0A04FC94B}">
-              <ma14:wrappingTextBoxFlag xmlns="" xmlns:m="http://schemas.openxmlformats.org/officeDocument/2006/math" xmlns:a14="http://schemas.microsoft.com/office/drawing/2010/main" xmlns:ma14="http://schemas.microsoft.com/office/mac/drawingml/2011/main" val="1"/>
+              <ma14:wrappingTextBoxFlag xmlns:ma14="http://schemas.microsoft.com/office/mac/drawingml/2011/main" xmlns:a14="http://schemas.microsoft.com/office/drawing/2010/main" xmlns:m="http://schemas.openxmlformats.org/officeDocument/2006/math" xmlns="" val="1"/>
             </a:ext>
           </a:extLst>
         </p:spPr>
@@ -37000,7 +37146,7 @@
           </a:ln>
           <a:extLst>
             <a:ext uri="{C572A759-6A51-4108-AA02-DFA0A04FC94B}">
-              <ma14:wrappingTextBoxFlag xmlns="" xmlns:m="http://schemas.openxmlformats.org/officeDocument/2006/math" xmlns:a14="http://schemas.microsoft.com/office/drawing/2010/main" xmlns:ma14="http://schemas.microsoft.com/office/mac/drawingml/2011/main" val="1"/>
+              <ma14:wrappingTextBoxFlag xmlns:ma14="http://schemas.microsoft.com/office/mac/drawingml/2011/main" xmlns:a14="http://schemas.microsoft.com/office/drawing/2010/main" xmlns:m="http://schemas.openxmlformats.org/officeDocument/2006/math" xmlns="" val="1"/>
             </a:ext>
           </a:extLst>
         </p:spPr>
@@ -37050,7 +37196,7 @@
           </a:ln>
           <a:extLst>
             <a:ext uri="{C572A759-6A51-4108-AA02-DFA0A04FC94B}">
-              <ma14:wrappingTextBoxFlag xmlns="" xmlns:m="http://schemas.openxmlformats.org/officeDocument/2006/math" xmlns:a14="http://schemas.microsoft.com/office/drawing/2010/main" xmlns:ma14="http://schemas.microsoft.com/office/mac/drawingml/2011/main" val="1"/>
+              <ma14:wrappingTextBoxFlag xmlns:ma14="http://schemas.microsoft.com/office/mac/drawingml/2011/main" xmlns:a14="http://schemas.microsoft.com/office/drawing/2010/main" xmlns:m="http://schemas.openxmlformats.org/officeDocument/2006/math" xmlns="" val="1"/>
             </a:ext>
           </a:extLst>
         </p:spPr>
@@ -37100,7 +37246,7 @@
           </a:ln>
           <a:extLst>
             <a:ext uri="{C572A759-6A51-4108-AA02-DFA0A04FC94B}">
-              <ma14:wrappingTextBoxFlag xmlns="" xmlns:m="http://schemas.openxmlformats.org/officeDocument/2006/math" xmlns:a14="http://schemas.microsoft.com/office/drawing/2010/main" xmlns:ma14="http://schemas.microsoft.com/office/mac/drawingml/2011/main" val="1"/>
+              <ma14:wrappingTextBoxFlag xmlns:ma14="http://schemas.microsoft.com/office/mac/drawingml/2011/main" xmlns:a14="http://schemas.microsoft.com/office/drawing/2010/main" xmlns:m="http://schemas.openxmlformats.org/officeDocument/2006/math" xmlns="" val="1"/>
             </a:ext>
           </a:extLst>
         </p:spPr>
@@ -37150,7 +37296,7 @@
           </a:ln>
           <a:extLst>
             <a:ext uri="{C572A759-6A51-4108-AA02-DFA0A04FC94B}">
-              <ma14:wrappingTextBoxFlag xmlns="" xmlns:m="http://schemas.openxmlformats.org/officeDocument/2006/math" xmlns:a14="http://schemas.microsoft.com/office/drawing/2010/main" xmlns:ma14="http://schemas.microsoft.com/office/mac/drawingml/2011/main" val="1"/>
+              <ma14:wrappingTextBoxFlag xmlns:ma14="http://schemas.microsoft.com/office/mac/drawingml/2011/main" xmlns:a14="http://schemas.microsoft.com/office/drawing/2010/main" xmlns:m="http://schemas.openxmlformats.org/officeDocument/2006/math" xmlns="" val="1"/>
             </a:ext>
           </a:extLst>
         </p:spPr>
@@ -37200,7 +37346,7 @@
           </a:ln>
           <a:extLst>
             <a:ext uri="{C572A759-6A51-4108-AA02-DFA0A04FC94B}">
-              <ma14:wrappingTextBoxFlag xmlns="" xmlns:m="http://schemas.openxmlformats.org/officeDocument/2006/math" xmlns:a14="http://schemas.microsoft.com/office/drawing/2010/main" xmlns:ma14="http://schemas.microsoft.com/office/mac/drawingml/2011/main" val="1"/>
+              <ma14:wrappingTextBoxFlag xmlns:ma14="http://schemas.microsoft.com/office/mac/drawingml/2011/main" xmlns:a14="http://schemas.microsoft.com/office/drawing/2010/main" xmlns:m="http://schemas.openxmlformats.org/officeDocument/2006/math" xmlns="" val="1"/>
             </a:ext>
           </a:extLst>
         </p:spPr>
@@ -37250,7 +37396,7 @@
           </a:ln>
           <a:extLst>
             <a:ext uri="{C572A759-6A51-4108-AA02-DFA0A04FC94B}">
-              <ma14:wrappingTextBoxFlag xmlns="" xmlns:m="http://schemas.openxmlformats.org/officeDocument/2006/math" xmlns:a14="http://schemas.microsoft.com/office/drawing/2010/main" xmlns:ma14="http://schemas.microsoft.com/office/mac/drawingml/2011/main" val="1"/>
+              <ma14:wrappingTextBoxFlag xmlns:ma14="http://schemas.microsoft.com/office/mac/drawingml/2011/main" xmlns:a14="http://schemas.microsoft.com/office/drawing/2010/main" xmlns:m="http://schemas.openxmlformats.org/officeDocument/2006/math" xmlns="" val="1"/>
             </a:ext>
           </a:extLst>
         </p:spPr>
@@ -37300,7 +37446,7 @@
           </a:ln>
           <a:extLst>
             <a:ext uri="{C572A759-6A51-4108-AA02-DFA0A04FC94B}">
-              <ma14:wrappingTextBoxFlag xmlns="" xmlns:m="http://schemas.openxmlformats.org/officeDocument/2006/math" xmlns:a14="http://schemas.microsoft.com/office/drawing/2010/main" xmlns:ma14="http://schemas.microsoft.com/office/mac/drawingml/2011/main" val="1"/>
+              <ma14:wrappingTextBoxFlag xmlns:ma14="http://schemas.microsoft.com/office/mac/drawingml/2011/main" xmlns:a14="http://schemas.microsoft.com/office/drawing/2010/main" xmlns:m="http://schemas.openxmlformats.org/officeDocument/2006/math" xmlns="" val="1"/>
             </a:ext>
           </a:extLst>
         </p:spPr>
@@ -37350,7 +37496,7 @@
           </a:ln>
           <a:extLst>
             <a:ext uri="{C572A759-6A51-4108-AA02-DFA0A04FC94B}">
-              <ma14:wrappingTextBoxFlag xmlns="" xmlns:m="http://schemas.openxmlformats.org/officeDocument/2006/math" xmlns:a14="http://schemas.microsoft.com/office/drawing/2010/main" xmlns:ma14="http://schemas.microsoft.com/office/mac/drawingml/2011/main" val="1"/>
+              <ma14:wrappingTextBoxFlag xmlns:ma14="http://schemas.microsoft.com/office/mac/drawingml/2011/main" xmlns:a14="http://schemas.microsoft.com/office/drawing/2010/main" xmlns:m="http://schemas.openxmlformats.org/officeDocument/2006/math" xmlns="" val="1"/>
             </a:ext>
           </a:extLst>
         </p:spPr>
@@ -37400,7 +37546,7 @@
           </a:ln>
           <a:extLst>
             <a:ext uri="{C572A759-6A51-4108-AA02-DFA0A04FC94B}">
-              <ma14:wrappingTextBoxFlag xmlns="" xmlns:m="http://schemas.openxmlformats.org/officeDocument/2006/math" xmlns:a14="http://schemas.microsoft.com/office/drawing/2010/main" xmlns:ma14="http://schemas.microsoft.com/office/mac/drawingml/2011/main" val="1"/>
+              <ma14:wrappingTextBoxFlag xmlns:ma14="http://schemas.microsoft.com/office/mac/drawingml/2011/main" xmlns:a14="http://schemas.microsoft.com/office/drawing/2010/main" xmlns:m="http://schemas.openxmlformats.org/officeDocument/2006/math" xmlns="" val="1"/>
             </a:ext>
           </a:extLst>
         </p:spPr>
@@ -37450,7 +37596,7 @@
           </a:ln>
           <a:extLst>
             <a:ext uri="{C572A759-6A51-4108-AA02-DFA0A04FC94B}">
-              <ma14:wrappingTextBoxFlag xmlns="" xmlns:m="http://schemas.openxmlformats.org/officeDocument/2006/math" xmlns:a14="http://schemas.microsoft.com/office/drawing/2010/main" xmlns:ma14="http://schemas.microsoft.com/office/mac/drawingml/2011/main" val="1"/>
+              <ma14:wrappingTextBoxFlag xmlns:ma14="http://schemas.microsoft.com/office/mac/drawingml/2011/main" xmlns:a14="http://schemas.microsoft.com/office/drawing/2010/main" xmlns:m="http://schemas.openxmlformats.org/officeDocument/2006/math" xmlns="" val="1"/>
             </a:ext>
           </a:extLst>
         </p:spPr>
@@ -37500,7 +37646,7 @@
           </a:ln>
           <a:extLst>
             <a:ext uri="{C572A759-6A51-4108-AA02-DFA0A04FC94B}">
-              <ma14:wrappingTextBoxFlag xmlns="" xmlns:m="http://schemas.openxmlformats.org/officeDocument/2006/math" xmlns:a14="http://schemas.microsoft.com/office/drawing/2010/main" xmlns:ma14="http://schemas.microsoft.com/office/mac/drawingml/2011/main" val="1"/>
+              <ma14:wrappingTextBoxFlag xmlns:ma14="http://schemas.microsoft.com/office/mac/drawingml/2011/main" xmlns:a14="http://schemas.microsoft.com/office/drawing/2010/main" xmlns:m="http://schemas.openxmlformats.org/officeDocument/2006/math" xmlns="" val="1"/>
             </a:ext>
           </a:extLst>
         </p:spPr>
@@ -37550,7 +37696,7 @@
           </a:ln>
           <a:extLst>
             <a:ext uri="{C572A759-6A51-4108-AA02-DFA0A04FC94B}">
-              <ma14:wrappingTextBoxFlag xmlns="" xmlns:m="http://schemas.openxmlformats.org/officeDocument/2006/math" xmlns:a14="http://schemas.microsoft.com/office/drawing/2010/main" xmlns:ma14="http://schemas.microsoft.com/office/mac/drawingml/2011/main" val="1"/>
+              <ma14:wrappingTextBoxFlag xmlns:ma14="http://schemas.microsoft.com/office/mac/drawingml/2011/main" xmlns:a14="http://schemas.microsoft.com/office/drawing/2010/main" xmlns:m="http://schemas.openxmlformats.org/officeDocument/2006/math" xmlns="" val="1"/>
             </a:ext>
           </a:extLst>
         </p:spPr>
@@ -37600,7 +37746,7 @@
           </a:ln>
           <a:extLst>
             <a:ext uri="{C572A759-6A51-4108-AA02-DFA0A04FC94B}">
-              <ma14:wrappingTextBoxFlag xmlns="" xmlns:m="http://schemas.openxmlformats.org/officeDocument/2006/math" xmlns:a14="http://schemas.microsoft.com/office/drawing/2010/main" xmlns:ma14="http://schemas.microsoft.com/office/mac/drawingml/2011/main" val="1"/>
+              <ma14:wrappingTextBoxFlag xmlns:ma14="http://schemas.microsoft.com/office/mac/drawingml/2011/main" xmlns:a14="http://schemas.microsoft.com/office/drawing/2010/main" xmlns:m="http://schemas.openxmlformats.org/officeDocument/2006/math" xmlns="" val="1"/>
             </a:ext>
           </a:extLst>
         </p:spPr>
@@ -37650,7 +37796,7 @@
           </a:ln>
           <a:extLst>
             <a:ext uri="{C572A759-6A51-4108-AA02-DFA0A04FC94B}">
-              <ma14:wrappingTextBoxFlag xmlns="" xmlns:m="http://schemas.openxmlformats.org/officeDocument/2006/math" xmlns:a14="http://schemas.microsoft.com/office/drawing/2010/main" xmlns:ma14="http://schemas.microsoft.com/office/mac/drawingml/2011/main" val="1"/>
+              <ma14:wrappingTextBoxFlag xmlns:ma14="http://schemas.microsoft.com/office/mac/drawingml/2011/main" xmlns:a14="http://schemas.microsoft.com/office/drawing/2010/main" xmlns:m="http://schemas.openxmlformats.org/officeDocument/2006/math" xmlns="" val="1"/>
             </a:ext>
           </a:extLst>
         </p:spPr>
@@ -37700,7 +37846,7 @@
           </a:ln>
           <a:extLst>
             <a:ext uri="{C572A759-6A51-4108-AA02-DFA0A04FC94B}">
-              <ma14:wrappingTextBoxFlag xmlns="" xmlns:m="http://schemas.openxmlformats.org/officeDocument/2006/math" xmlns:a14="http://schemas.microsoft.com/office/drawing/2010/main" xmlns:ma14="http://schemas.microsoft.com/office/mac/drawingml/2011/main" val="1"/>
+              <ma14:wrappingTextBoxFlag xmlns:ma14="http://schemas.microsoft.com/office/mac/drawingml/2011/main" xmlns:a14="http://schemas.microsoft.com/office/drawing/2010/main" xmlns:m="http://schemas.openxmlformats.org/officeDocument/2006/math" xmlns="" val="1"/>
             </a:ext>
           </a:extLst>
         </p:spPr>
@@ -37750,7 +37896,7 @@
           </a:ln>
           <a:extLst>
             <a:ext uri="{C572A759-6A51-4108-AA02-DFA0A04FC94B}">
-              <ma14:wrappingTextBoxFlag xmlns="" xmlns:m="http://schemas.openxmlformats.org/officeDocument/2006/math" xmlns:a14="http://schemas.microsoft.com/office/drawing/2010/main" xmlns:ma14="http://schemas.microsoft.com/office/mac/drawingml/2011/main" val="1"/>
+              <ma14:wrappingTextBoxFlag xmlns:ma14="http://schemas.microsoft.com/office/mac/drawingml/2011/main" xmlns:a14="http://schemas.microsoft.com/office/drawing/2010/main" xmlns:m="http://schemas.openxmlformats.org/officeDocument/2006/math" xmlns="" val="1"/>
             </a:ext>
           </a:extLst>
         </p:spPr>
@@ -37800,7 +37946,7 @@
           </a:ln>
           <a:extLst>
             <a:ext uri="{C572A759-6A51-4108-AA02-DFA0A04FC94B}">
-              <ma14:wrappingTextBoxFlag xmlns="" xmlns:m="http://schemas.openxmlformats.org/officeDocument/2006/math" xmlns:a14="http://schemas.microsoft.com/office/drawing/2010/main" xmlns:ma14="http://schemas.microsoft.com/office/mac/drawingml/2011/main" val="1"/>
+              <ma14:wrappingTextBoxFlag xmlns:ma14="http://schemas.microsoft.com/office/mac/drawingml/2011/main" xmlns:a14="http://schemas.microsoft.com/office/drawing/2010/main" xmlns:m="http://schemas.openxmlformats.org/officeDocument/2006/math" xmlns="" val="1"/>
             </a:ext>
           </a:extLst>
         </p:spPr>
@@ -37850,7 +37996,7 @@
           </a:ln>
           <a:extLst>
             <a:ext uri="{C572A759-6A51-4108-AA02-DFA0A04FC94B}">
-              <ma14:wrappingTextBoxFlag xmlns="" xmlns:m="http://schemas.openxmlformats.org/officeDocument/2006/math" xmlns:a14="http://schemas.microsoft.com/office/drawing/2010/main" xmlns:ma14="http://schemas.microsoft.com/office/mac/drawingml/2011/main" val="1"/>
+              <ma14:wrappingTextBoxFlag xmlns:ma14="http://schemas.microsoft.com/office/mac/drawingml/2011/main" xmlns:a14="http://schemas.microsoft.com/office/drawing/2010/main" xmlns:m="http://schemas.openxmlformats.org/officeDocument/2006/math" xmlns="" val="1"/>
             </a:ext>
           </a:extLst>
         </p:spPr>
@@ -37900,7 +38046,7 @@
           </a:ln>
           <a:extLst>
             <a:ext uri="{C572A759-6A51-4108-AA02-DFA0A04FC94B}">
-              <ma14:wrappingTextBoxFlag xmlns="" xmlns:m="http://schemas.openxmlformats.org/officeDocument/2006/math" xmlns:a14="http://schemas.microsoft.com/office/drawing/2010/main" xmlns:ma14="http://schemas.microsoft.com/office/mac/drawingml/2011/main" val="1"/>
+              <ma14:wrappingTextBoxFlag xmlns:ma14="http://schemas.microsoft.com/office/mac/drawingml/2011/main" xmlns:a14="http://schemas.microsoft.com/office/drawing/2010/main" xmlns:m="http://schemas.openxmlformats.org/officeDocument/2006/math" xmlns="" val="1"/>
             </a:ext>
           </a:extLst>
         </p:spPr>
@@ -37950,7 +38096,7 @@
           </a:ln>
           <a:extLst>
             <a:ext uri="{C572A759-6A51-4108-AA02-DFA0A04FC94B}">
-              <ma14:wrappingTextBoxFlag xmlns="" xmlns:m="http://schemas.openxmlformats.org/officeDocument/2006/math" xmlns:a14="http://schemas.microsoft.com/office/drawing/2010/main" xmlns:ma14="http://schemas.microsoft.com/office/mac/drawingml/2011/main" val="1"/>
+              <ma14:wrappingTextBoxFlag xmlns:ma14="http://schemas.microsoft.com/office/mac/drawingml/2011/main" xmlns:a14="http://schemas.microsoft.com/office/drawing/2010/main" xmlns:m="http://schemas.openxmlformats.org/officeDocument/2006/math" xmlns="" val="1"/>
             </a:ext>
           </a:extLst>
         </p:spPr>
@@ -38000,7 +38146,7 @@
           </a:ln>
           <a:extLst>
             <a:ext uri="{C572A759-6A51-4108-AA02-DFA0A04FC94B}">
-              <ma14:wrappingTextBoxFlag xmlns="" xmlns:m="http://schemas.openxmlformats.org/officeDocument/2006/math" xmlns:a14="http://schemas.microsoft.com/office/drawing/2010/main" xmlns:ma14="http://schemas.microsoft.com/office/mac/drawingml/2011/main" val="1"/>
+              <ma14:wrappingTextBoxFlag xmlns:ma14="http://schemas.microsoft.com/office/mac/drawingml/2011/main" xmlns:a14="http://schemas.microsoft.com/office/drawing/2010/main" xmlns:m="http://schemas.openxmlformats.org/officeDocument/2006/math" xmlns="" val="1"/>
             </a:ext>
           </a:extLst>
         </p:spPr>
@@ -38050,7 +38196,7 @@
           </a:ln>
           <a:extLst>
             <a:ext uri="{C572A759-6A51-4108-AA02-DFA0A04FC94B}">
-              <ma14:wrappingTextBoxFlag xmlns="" xmlns:m="http://schemas.openxmlformats.org/officeDocument/2006/math" xmlns:a14="http://schemas.microsoft.com/office/drawing/2010/main" xmlns:ma14="http://schemas.microsoft.com/office/mac/drawingml/2011/main" val="1"/>
+              <ma14:wrappingTextBoxFlag xmlns:ma14="http://schemas.microsoft.com/office/mac/drawingml/2011/main" xmlns:a14="http://schemas.microsoft.com/office/drawing/2010/main" xmlns:m="http://schemas.openxmlformats.org/officeDocument/2006/math" xmlns="" val="1"/>
             </a:ext>
           </a:extLst>
         </p:spPr>
@@ -38100,7 +38246,7 @@
           </a:ln>
           <a:extLst>
             <a:ext uri="{C572A759-6A51-4108-AA02-DFA0A04FC94B}">
-              <ma14:wrappingTextBoxFlag xmlns="" xmlns:m="http://schemas.openxmlformats.org/officeDocument/2006/math" xmlns:a14="http://schemas.microsoft.com/office/drawing/2010/main" xmlns:ma14="http://schemas.microsoft.com/office/mac/drawingml/2011/main" val="1"/>
+              <ma14:wrappingTextBoxFlag xmlns:ma14="http://schemas.microsoft.com/office/mac/drawingml/2011/main" xmlns:a14="http://schemas.microsoft.com/office/drawing/2010/main" xmlns:m="http://schemas.openxmlformats.org/officeDocument/2006/math" xmlns="" val="1"/>
             </a:ext>
           </a:extLst>
         </p:spPr>
@@ -38150,7 +38296,7 @@
           </a:ln>
           <a:extLst>
             <a:ext uri="{C572A759-6A51-4108-AA02-DFA0A04FC94B}">
-              <ma14:wrappingTextBoxFlag xmlns="" xmlns:m="http://schemas.openxmlformats.org/officeDocument/2006/math" xmlns:a14="http://schemas.microsoft.com/office/drawing/2010/main" xmlns:ma14="http://schemas.microsoft.com/office/mac/drawingml/2011/main" val="1"/>
+              <ma14:wrappingTextBoxFlag xmlns:ma14="http://schemas.microsoft.com/office/mac/drawingml/2011/main" xmlns:a14="http://schemas.microsoft.com/office/drawing/2010/main" xmlns:m="http://schemas.openxmlformats.org/officeDocument/2006/math" xmlns="" val="1"/>
             </a:ext>
           </a:extLst>
         </p:spPr>
@@ -38244,7 +38390,7 @@
           </a:ln>
           <a:extLst>
             <a:ext uri="{C572A759-6A51-4108-AA02-DFA0A04FC94B}">
-              <ma14:wrappingTextBoxFlag xmlns="" xmlns:m="http://schemas.openxmlformats.org/officeDocument/2006/math" xmlns:a14="http://schemas.microsoft.com/office/drawing/2010/main" xmlns:ma14="http://schemas.microsoft.com/office/mac/drawingml/2011/main" val="1"/>
+              <ma14:wrappingTextBoxFlag xmlns:ma14="http://schemas.microsoft.com/office/mac/drawingml/2011/main" xmlns:a14="http://schemas.microsoft.com/office/drawing/2010/main" xmlns:m="http://schemas.openxmlformats.org/officeDocument/2006/math" xmlns="" val="1"/>
             </a:ext>
           </a:extLst>
         </p:spPr>

--- a/Kersten-Ron-Bewerbungsgespräch-T-Systems-v0.1.1.pptx
+++ b/Kersten-Ron-Bewerbungsgespräch-T-Systems-v0.1.1.pptx
@@ -1254,7 +1254,27 @@
             </a:pPr>
             <a:r>
               <a:rPr lang="de-DE" dirty="0"/>
-              <a:t>Nicht jedes Erfolgskriterium ist automatisierbar, semantische Überprüfung!</a:t>
+              <a:t>Zeitlicher Aufwand wird gesenkt</a:t>
+            </a:r>
+          </a:p>
+          <a:p>
+            <a:pPr marL="342900" indent="-342900">
+              <a:buFont typeface="Arial" panose="020B0604020202020204" pitchFamily="34" charset="0"/>
+              <a:buChar char="•"/>
+            </a:pPr>
+            <a:r>
+              <a:rPr lang="de-DE" dirty="0"/>
+              <a:t>Qualität bleibt gleich (Regressionstests)</a:t>
+            </a:r>
+          </a:p>
+          <a:p>
+            <a:pPr marL="342900" indent="-342900">
+              <a:buFont typeface="Arial" panose="020B0604020202020204" pitchFamily="34" charset="0"/>
+              <a:buChar char="•"/>
+            </a:pPr>
+            <a:r>
+              <a:rPr lang="de-DE" dirty="0"/>
+              <a:t>Nicht jedes Erfolgskriterium ist automatisierbar! (Semantische Überprüfungen)</a:t>
             </a:r>
           </a:p>
           <a:p>
@@ -3042,9 +3062,29 @@
               <a:buFont typeface="Arial" panose="020B0604020202020204" pitchFamily="34" charset="0"/>
               <a:buChar char="•"/>
             </a:pPr>
+            <a:endParaRPr lang="de-DE" dirty="0"/>
+          </a:p>
+          <a:p>
+            <a:pPr marL="342900" marR="0" lvl="0" indent="-342900" defTabSz="457200" eaLnBrk="1" fontAlgn="auto" latinLnBrk="0" hangingPunct="1">
+              <a:lnSpc>
+                <a:spcPct val="117999"/>
+              </a:lnSpc>
+              <a:spcBef>
+                <a:spcPts val="0"/>
+              </a:spcBef>
+              <a:spcAft>
+                <a:spcPts val="0"/>
+              </a:spcAft>
+              <a:buClrTx/>
+              <a:buSzTx/>
+              <a:buFont typeface="Arial" panose="020B0604020202020204" pitchFamily="34" charset="0"/>
+              <a:buChar char="•"/>
+              <a:tabLst/>
+              <a:defRPr/>
+            </a:pPr>
             <a:r>
               <a:rPr lang="de-DE" dirty="0"/>
-              <a:t>Kommunikation wird über Driver durchgeführt</a:t>
+              <a:t>Einzige Aufgabe Kommunikation!! Kein Testframework!</a:t>
             </a:r>
           </a:p>
           <a:p>
@@ -3054,7 +3094,7 @@
             </a:pPr>
             <a:r>
               <a:rPr lang="de-DE" dirty="0"/>
-              <a:t>Driver werden i.d.R. durch Anbieter der Webbrowser implementiert und zur Verfügung gestellt</a:t>
+              <a:t>Kommunikation wird über Driver durchgeführt</a:t>
             </a:r>
           </a:p>
           <a:p>
@@ -3063,21 +3103,16 @@
               <a:buChar char="•"/>
             </a:pPr>
             <a:r>
-              <a:rPr lang="de-DE" dirty="0" err="1"/>
-              <a:t>Selenium</a:t>
-            </a:r>
-            <a:r>
               <a:rPr lang="de-DE" dirty="0"/>
-              <a:t> </a:t>
-            </a:r>
-            <a:r>
-              <a:rPr lang="de-DE" dirty="0" err="1"/>
-              <a:t>WebDriver</a:t>
-            </a:r>
-            <a:r>
-              <a:rPr lang="de-DE" dirty="0"/>
-              <a:t> ist unabhängig von der Programmiersprache und dem Webbrowser</a:t>
-            </a:r>
+              <a:t>Driver werden i.d.R. durch Anbieter der Webbrowser implementiert und zur Verfügung gestellt</a:t>
+            </a:r>
+          </a:p>
+          <a:p>
+            <a:pPr marL="0" indent="0">
+              <a:buFont typeface="Arial" panose="020B0604020202020204" pitchFamily="34" charset="0"/>
+              <a:buNone/>
+            </a:pPr>
+            <a:endParaRPr lang="de-DE" dirty="0"/>
           </a:p>
           <a:p>
             <a:pPr marL="342900" indent="-342900">
@@ -3085,14 +3120,21 @@
               <a:buChar char="•"/>
             </a:pPr>
             <a:r>
+              <a:rPr lang="de-DE" dirty="0" err="1"/>
+              <a:t>Selenium</a:t>
+            </a:r>
+            <a:r>
               <a:rPr lang="de-DE" dirty="0"/>
-              <a:t>Einzige Aufgabe Kommunikation!! </a:t>
-            </a:r>
-            <a:r>
-              <a:rPr lang="de-DE"/>
-              <a:t>Kein Testframework!</a:t>
-            </a:r>
-            <a:endParaRPr lang="de-DE" dirty="0"/>
+              <a:t> </a:t>
+            </a:r>
+            <a:r>
+              <a:rPr lang="de-DE" dirty="0" err="1"/>
+              <a:t>WebDriver</a:t>
+            </a:r>
+            <a:r>
+              <a:rPr lang="de-DE" dirty="0"/>
+              <a:t> ist unabhängig von der Programmiersprache und dem Webbrowser</a:t>
+            </a:r>
           </a:p>
           <a:p>
             <a:pPr marL="342900" indent="-342900">
@@ -5498,7 +5540,7 @@
           </a:ln>
           <a:extLst>
             <a:ext uri="{C572A759-6A51-4108-AA02-DFA0A04FC94B}">
-              <ma14:wrappingTextBoxFlag xmlns="" xmlns:m="http://schemas.openxmlformats.org/officeDocument/2006/math" xmlns:a14="http://schemas.microsoft.com/office/drawing/2010/main" xmlns:ma14="http://schemas.microsoft.com/office/mac/drawingml/2011/main" val="1"/>
+              <ma14:wrappingTextBoxFlag xmlns:ma14="http://schemas.microsoft.com/office/mac/drawingml/2011/main" xmlns:a14="http://schemas.microsoft.com/office/drawing/2010/main" xmlns:m="http://schemas.openxmlformats.org/officeDocument/2006/math" xmlns="" val="1"/>
             </a:ext>
           </a:extLst>
         </p:spPr>
@@ -5537,7 +5579,7 @@
           </a:ln>
           <a:extLst>
             <a:ext uri="{C572A759-6A51-4108-AA02-DFA0A04FC94B}">
-              <ma14:wrappingTextBoxFlag xmlns="" xmlns:m="http://schemas.openxmlformats.org/officeDocument/2006/math" xmlns:a14="http://schemas.microsoft.com/office/drawing/2010/main" xmlns:ma14="http://schemas.microsoft.com/office/mac/drawingml/2011/main" val="1"/>
+              <ma14:wrappingTextBoxFlag xmlns:ma14="http://schemas.microsoft.com/office/mac/drawingml/2011/main" xmlns:a14="http://schemas.microsoft.com/office/drawing/2010/main" xmlns:m="http://schemas.openxmlformats.org/officeDocument/2006/math" xmlns="" val="1"/>
             </a:ext>
           </a:extLst>
         </p:spPr>
@@ -6403,7 +6445,7 @@
           </a:ln>
           <a:extLst>
             <a:ext uri="{C572A759-6A51-4108-AA02-DFA0A04FC94B}">
-              <ma14:wrappingTextBoxFlag xmlns="" xmlns:m="http://schemas.openxmlformats.org/officeDocument/2006/math" xmlns:a14="http://schemas.microsoft.com/office/drawing/2010/main" xmlns:ma14="http://schemas.microsoft.com/office/mac/drawingml/2011/main" val="1"/>
+              <ma14:wrappingTextBoxFlag xmlns:ma14="http://schemas.microsoft.com/office/mac/drawingml/2011/main" xmlns:a14="http://schemas.microsoft.com/office/drawing/2010/main" xmlns:m="http://schemas.openxmlformats.org/officeDocument/2006/math" xmlns="" val="1"/>
             </a:ext>
           </a:extLst>
         </p:spPr>
@@ -6453,7 +6495,7 @@
           </a:ln>
           <a:extLst>
             <a:ext uri="{C572A759-6A51-4108-AA02-DFA0A04FC94B}">
-              <ma14:wrappingTextBoxFlag xmlns="" xmlns:m="http://schemas.openxmlformats.org/officeDocument/2006/math" xmlns:a14="http://schemas.microsoft.com/office/drawing/2010/main" xmlns:ma14="http://schemas.microsoft.com/office/mac/drawingml/2011/main" val="1"/>
+              <ma14:wrappingTextBoxFlag xmlns:ma14="http://schemas.microsoft.com/office/mac/drawingml/2011/main" xmlns:a14="http://schemas.microsoft.com/office/drawing/2010/main" xmlns:m="http://schemas.openxmlformats.org/officeDocument/2006/math" xmlns="" val="1"/>
             </a:ext>
           </a:extLst>
         </p:spPr>
@@ -6503,7 +6545,7 @@
           </a:ln>
           <a:extLst>
             <a:ext uri="{C572A759-6A51-4108-AA02-DFA0A04FC94B}">
-              <ma14:wrappingTextBoxFlag xmlns="" xmlns:m="http://schemas.openxmlformats.org/officeDocument/2006/math" xmlns:a14="http://schemas.microsoft.com/office/drawing/2010/main" xmlns:ma14="http://schemas.microsoft.com/office/mac/drawingml/2011/main" val="1"/>
+              <ma14:wrappingTextBoxFlag xmlns:ma14="http://schemas.microsoft.com/office/mac/drawingml/2011/main" xmlns:a14="http://schemas.microsoft.com/office/drawing/2010/main" xmlns:m="http://schemas.openxmlformats.org/officeDocument/2006/math" xmlns="" val="1"/>
             </a:ext>
           </a:extLst>
         </p:spPr>
@@ -6553,7 +6595,7 @@
           </a:ln>
           <a:extLst>
             <a:ext uri="{C572A759-6A51-4108-AA02-DFA0A04FC94B}">
-              <ma14:wrappingTextBoxFlag xmlns="" xmlns:m="http://schemas.openxmlformats.org/officeDocument/2006/math" xmlns:a14="http://schemas.microsoft.com/office/drawing/2010/main" xmlns:ma14="http://schemas.microsoft.com/office/mac/drawingml/2011/main" val="1"/>
+              <ma14:wrappingTextBoxFlag xmlns:ma14="http://schemas.microsoft.com/office/mac/drawingml/2011/main" xmlns:a14="http://schemas.microsoft.com/office/drawing/2010/main" xmlns:m="http://schemas.openxmlformats.org/officeDocument/2006/math" xmlns="" val="1"/>
             </a:ext>
           </a:extLst>
         </p:spPr>
@@ -6603,7 +6645,7 @@
           </a:ln>
           <a:extLst>
             <a:ext uri="{C572A759-6A51-4108-AA02-DFA0A04FC94B}">
-              <ma14:wrappingTextBoxFlag xmlns="" xmlns:m="http://schemas.openxmlformats.org/officeDocument/2006/math" xmlns:a14="http://schemas.microsoft.com/office/drawing/2010/main" xmlns:ma14="http://schemas.microsoft.com/office/mac/drawingml/2011/main" val="1"/>
+              <ma14:wrappingTextBoxFlag xmlns:ma14="http://schemas.microsoft.com/office/mac/drawingml/2011/main" xmlns:a14="http://schemas.microsoft.com/office/drawing/2010/main" xmlns:m="http://schemas.openxmlformats.org/officeDocument/2006/math" xmlns="" val="1"/>
             </a:ext>
           </a:extLst>
         </p:spPr>
@@ -6653,7 +6695,7 @@
           </a:ln>
           <a:extLst>
             <a:ext uri="{C572A759-6A51-4108-AA02-DFA0A04FC94B}">
-              <ma14:wrappingTextBoxFlag xmlns="" xmlns:m="http://schemas.openxmlformats.org/officeDocument/2006/math" xmlns:a14="http://schemas.microsoft.com/office/drawing/2010/main" xmlns:ma14="http://schemas.microsoft.com/office/mac/drawingml/2011/main" val="1"/>
+              <ma14:wrappingTextBoxFlag xmlns:ma14="http://schemas.microsoft.com/office/mac/drawingml/2011/main" xmlns:a14="http://schemas.microsoft.com/office/drawing/2010/main" xmlns:m="http://schemas.openxmlformats.org/officeDocument/2006/math" xmlns="" val="1"/>
             </a:ext>
           </a:extLst>
         </p:spPr>
@@ -6703,7 +6745,7 @@
           </a:ln>
           <a:extLst>
             <a:ext uri="{C572A759-6A51-4108-AA02-DFA0A04FC94B}">
-              <ma14:wrappingTextBoxFlag xmlns="" xmlns:m="http://schemas.openxmlformats.org/officeDocument/2006/math" xmlns:a14="http://schemas.microsoft.com/office/drawing/2010/main" xmlns:ma14="http://schemas.microsoft.com/office/mac/drawingml/2011/main" val="1"/>
+              <ma14:wrappingTextBoxFlag xmlns:ma14="http://schemas.microsoft.com/office/mac/drawingml/2011/main" xmlns:a14="http://schemas.microsoft.com/office/drawing/2010/main" xmlns:m="http://schemas.openxmlformats.org/officeDocument/2006/math" xmlns="" val="1"/>
             </a:ext>
           </a:extLst>
         </p:spPr>
@@ -6753,7 +6795,7 @@
           </a:ln>
           <a:extLst>
             <a:ext uri="{C572A759-6A51-4108-AA02-DFA0A04FC94B}">
-              <ma14:wrappingTextBoxFlag xmlns="" xmlns:m="http://schemas.openxmlformats.org/officeDocument/2006/math" xmlns:a14="http://schemas.microsoft.com/office/drawing/2010/main" xmlns:ma14="http://schemas.microsoft.com/office/mac/drawingml/2011/main" val="1"/>
+              <ma14:wrappingTextBoxFlag xmlns:ma14="http://schemas.microsoft.com/office/mac/drawingml/2011/main" xmlns:a14="http://schemas.microsoft.com/office/drawing/2010/main" xmlns:m="http://schemas.openxmlformats.org/officeDocument/2006/math" xmlns="" val="1"/>
             </a:ext>
           </a:extLst>
         </p:spPr>
@@ -6803,7 +6845,7 @@
           </a:ln>
           <a:extLst>
             <a:ext uri="{C572A759-6A51-4108-AA02-DFA0A04FC94B}">
-              <ma14:wrappingTextBoxFlag xmlns="" xmlns:m="http://schemas.openxmlformats.org/officeDocument/2006/math" xmlns:a14="http://schemas.microsoft.com/office/drawing/2010/main" xmlns:ma14="http://schemas.microsoft.com/office/mac/drawingml/2011/main" val="1"/>
+              <ma14:wrappingTextBoxFlag xmlns:ma14="http://schemas.microsoft.com/office/mac/drawingml/2011/main" xmlns:a14="http://schemas.microsoft.com/office/drawing/2010/main" xmlns:m="http://schemas.openxmlformats.org/officeDocument/2006/math" xmlns="" val="1"/>
             </a:ext>
           </a:extLst>
         </p:spPr>
@@ -6853,7 +6895,7 @@
           </a:ln>
           <a:extLst>
             <a:ext uri="{C572A759-6A51-4108-AA02-DFA0A04FC94B}">
-              <ma14:wrappingTextBoxFlag xmlns="" xmlns:m="http://schemas.openxmlformats.org/officeDocument/2006/math" xmlns:a14="http://schemas.microsoft.com/office/drawing/2010/main" xmlns:ma14="http://schemas.microsoft.com/office/mac/drawingml/2011/main" val="1"/>
+              <ma14:wrappingTextBoxFlag xmlns:ma14="http://schemas.microsoft.com/office/mac/drawingml/2011/main" xmlns:a14="http://schemas.microsoft.com/office/drawing/2010/main" xmlns:m="http://schemas.openxmlformats.org/officeDocument/2006/math" xmlns="" val="1"/>
             </a:ext>
           </a:extLst>
         </p:spPr>
@@ -6903,7 +6945,7 @@
           </a:ln>
           <a:extLst>
             <a:ext uri="{C572A759-6A51-4108-AA02-DFA0A04FC94B}">
-              <ma14:wrappingTextBoxFlag xmlns="" xmlns:m="http://schemas.openxmlformats.org/officeDocument/2006/math" xmlns:a14="http://schemas.microsoft.com/office/drawing/2010/main" xmlns:ma14="http://schemas.microsoft.com/office/mac/drawingml/2011/main" val="1"/>
+              <ma14:wrappingTextBoxFlag xmlns:ma14="http://schemas.microsoft.com/office/mac/drawingml/2011/main" xmlns:a14="http://schemas.microsoft.com/office/drawing/2010/main" xmlns:m="http://schemas.openxmlformats.org/officeDocument/2006/math" xmlns="" val="1"/>
             </a:ext>
           </a:extLst>
         </p:spPr>
@@ -6953,7 +6995,7 @@
           </a:ln>
           <a:extLst>
             <a:ext uri="{C572A759-6A51-4108-AA02-DFA0A04FC94B}">
-              <ma14:wrappingTextBoxFlag xmlns="" xmlns:m="http://schemas.openxmlformats.org/officeDocument/2006/math" xmlns:a14="http://schemas.microsoft.com/office/drawing/2010/main" xmlns:ma14="http://schemas.microsoft.com/office/mac/drawingml/2011/main" val="1"/>
+              <ma14:wrappingTextBoxFlag xmlns:ma14="http://schemas.microsoft.com/office/mac/drawingml/2011/main" xmlns:a14="http://schemas.microsoft.com/office/drawing/2010/main" xmlns:m="http://schemas.openxmlformats.org/officeDocument/2006/math" xmlns="" val="1"/>
             </a:ext>
           </a:extLst>
         </p:spPr>
@@ -7003,7 +7045,7 @@
           </a:ln>
           <a:extLst>
             <a:ext uri="{C572A759-6A51-4108-AA02-DFA0A04FC94B}">
-              <ma14:wrappingTextBoxFlag xmlns="" xmlns:m="http://schemas.openxmlformats.org/officeDocument/2006/math" xmlns:a14="http://schemas.microsoft.com/office/drawing/2010/main" xmlns:ma14="http://schemas.microsoft.com/office/mac/drawingml/2011/main" val="1"/>
+              <ma14:wrappingTextBoxFlag xmlns:ma14="http://schemas.microsoft.com/office/mac/drawingml/2011/main" xmlns:a14="http://schemas.microsoft.com/office/drawing/2010/main" xmlns:m="http://schemas.openxmlformats.org/officeDocument/2006/math" xmlns="" val="1"/>
             </a:ext>
           </a:extLst>
         </p:spPr>
@@ -7053,7 +7095,7 @@
           </a:ln>
           <a:extLst>
             <a:ext uri="{C572A759-6A51-4108-AA02-DFA0A04FC94B}">
-              <ma14:wrappingTextBoxFlag xmlns="" xmlns:m="http://schemas.openxmlformats.org/officeDocument/2006/math" xmlns:a14="http://schemas.microsoft.com/office/drawing/2010/main" xmlns:ma14="http://schemas.microsoft.com/office/mac/drawingml/2011/main" val="1"/>
+              <ma14:wrappingTextBoxFlag xmlns:ma14="http://schemas.microsoft.com/office/mac/drawingml/2011/main" xmlns:a14="http://schemas.microsoft.com/office/drawing/2010/main" xmlns:m="http://schemas.openxmlformats.org/officeDocument/2006/math" xmlns="" val="1"/>
             </a:ext>
           </a:extLst>
         </p:spPr>
@@ -7103,7 +7145,7 @@
           </a:ln>
           <a:extLst>
             <a:ext uri="{C572A759-6A51-4108-AA02-DFA0A04FC94B}">
-              <ma14:wrappingTextBoxFlag xmlns="" xmlns:m="http://schemas.openxmlformats.org/officeDocument/2006/math" xmlns:a14="http://schemas.microsoft.com/office/drawing/2010/main" xmlns:ma14="http://schemas.microsoft.com/office/mac/drawingml/2011/main" val="1"/>
+              <ma14:wrappingTextBoxFlag xmlns:ma14="http://schemas.microsoft.com/office/mac/drawingml/2011/main" xmlns:a14="http://schemas.microsoft.com/office/drawing/2010/main" xmlns:m="http://schemas.openxmlformats.org/officeDocument/2006/math" xmlns="" val="1"/>
             </a:ext>
           </a:extLst>
         </p:spPr>
@@ -7153,7 +7195,7 @@
           </a:ln>
           <a:extLst>
             <a:ext uri="{C572A759-6A51-4108-AA02-DFA0A04FC94B}">
-              <ma14:wrappingTextBoxFlag xmlns="" xmlns:m="http://schemas.openxmlformats.org/officeDocument/2006/math" xmlns:a14="http://schemas.microsoft.com/office/drawing/2010/main" xmlns:ma14="http://schemas.microsoft.com/office/mac/drawingml/2011/main" val="1"/>
+              <ma14:wrappingTextBoxFlag xmlns:ma14="http://schemas.microsoft.com/office/mac/drawingml/2011/main" xmlns:a14="http://schemas.microsoft.com/office/drawing/2010/main" xmlns:m="http://schemas.openxmlformats.org/officeDocument/2006/math" xmlns="" val="1"/>
             </a:ext>
           </a:extLst>
         </p:spPr>
@@ -7203,7 +7245,7 @@
           </a:ln>
           <a:extLst>
             <a:ext uri="{C572A759-6A51-4108-AA02-DFA0A04FC94B}">
-              <ma14:wrappingTextBoxFlag xmlns="" xmlns:m="http://schemas.openxmlformats.org/officeDocument/2006/math" xmlns:a14="http://schemas.microsoft.com/office/drawing/2010/main" xmlns:ma14="http://schemas.microsoft.com/office/mac/drawingml/2011/main" val="1"/>
+              <ma14:wrappingTextBoxFlag xmlns:ma14="http://schemas.microsoft.com/office/mac/drawingml/2011/main" xmlns:a14="http://schemas.microsoft.com/office/drawing/2010/main" xmlns:m="http://schemas.openxmlformats.org/officeDocument/2006/math" xmlns="" val="1"/>
             </a:ext>
           </a:extLst>
         </p:spPr>
@@ -7253,7 +7295,7 @@
           </a:ln>
           <a:extLst>
             <a:ext uri="{C572A759-6A51-4108-AA02-DFA0A04FC94B}">
-              <ma14:wrappingTextBoxFlag xmlns="" xmlns:m="http://schemas.openxmlformats.org/officeDocument/2006/math" xmlns:a14="http://schemas.microsoft.com/office/drawing/2010/main" xmlns:ma14="http://schemas.microsoft.com/office/mac/drawingml/2011/main" val="1"/>
+              <ma14:wrappingTextBoxFlag xmlns:ma14="http://schemas.microsoft.com/office/mac/drawingml/2011/main" xmlns:a14="http://schemas.microsoft.com/office/drawing/2010/main" xmlns:m="http://schemas.openxmlformats.org/officeDocument/2006/math" xmlns="" val="1"/>
             </a:ext>
           </a:extLst>
         </p:spPr>
@@ -7303,7 +7345,7 @@
           </a:ln>
           <a:extLst>
             <a:ext uri="{C572A759-6A51-4108-AA02-DFA0A04FC94B}">
-              <ma14:wrappingTextBoxFlag xmlns="" xmlns:m="http://schemas.openxmlformats.org/officeDocument/2006/math" xmlns:a14="http://schemas.microsoft.com/office/drawing/2010/main" xmlns:ma14="http://schemas.microsoft.com/office/mac/drawingml/2011/main" val="1"/>
+              <ma14:wrappingTextBoxFlag xmlns:ma14="http://schemas.microsoft.com/office/mac/drawingml/2011/main" xmlns:a14="http://schemas.microsoft.com/office/drawing/2010/main" xmlns:m="http://schemas.openxmlformats.org/officeDocument/2006/math" xmlns="" val="1"/>
             </a:ext>
           </a:extLst>
         </p:spPr>
@@ -7353,7 +7395,7 @@
           </a:ln>
           <a:extLst>
             <a:ext uri="{C572A759-6A51-4108-AA02-DFA0A04FC94B}">
-              <ma14:wrappingTextBoxFlag xmlns="" xmlns:m="http://schemas.openxmlformats.org/officeDocument/2006/math" xmlns:a14="http://schemas.microsoft.com/office/drawing/2010/main" xmlns:ma14="http://schemas.microsoft.com/office/mac/drawingml/2011/main" val="1"/>
+              <ma14:wrappingTextBoxFlag xmlns:ma14="http://schemas.microsoft.com/office/mac/drawingml/2011/main" xmlns:a14="http://schemas.microsoft.com/office/drawing/2010/main" xmlns:m="http://schemas.openxmlformats.org/officeDocument/2006/math" xmlns="" val="1"/>
             </a:ext>
           </a:extLst>
         </p:spPr>
@@ -7403,7 +7445,7 @@
           </a:ln>
           <a:extLst>
             <a:ext uri="{C572A759-6A51-4108-AA02-DFA0A04FC94B}">
-              <ma14:wrappingTextBoxFlag xmlns="" xmlns:m="http://schemas.openxmlformats.org/officeDocument/2006/math" xmlns:a14="http://schemas.microsoft.com/office/drawing/2010/main" xmlns:ma14="http://schemas.microsoft.com/office/mac/drawingml/2011/main" val="1"/>
+              <ma14:wrappingTextBoxFlag xmlns:ma14="http://schemas.microsoft.com/office/mac/drawingml/2011/main" xmlns:a14="http://schemas.microsoft.com/office/drawing/2010/main" xmlns:m="http://schemas.openxmlformats.org/officeDocument/2006/math" xmlns="" val="1"/>
             </a:ext>
           </a:extLst>
         </p:spPr>
@@ -7453,7 +7495,7 @@
           </a:ln>
           <a:extLst>
             <a:ext uri="{C572A759-6A51-4108-AA02-DFA0A04FC94B}">
-              <ma14:wrappingTextBoxFlag xmlns="" xmlns:m="http://schemas.openxmlformats.org/officeDocument/2006/math" xmlns:a14="http://schemas.microsoft.com/office/drawing/2010/main" xmlns:ma14="http://schemas.microsoft.com/office/mac/drawingml/2011/main" val="1"/>
+              <ma14:wrappingTextBoxFlag xmlns:ma14="http://schemas.microsoft.com/office/mac/drawingml/2011/main" xmlns:a14="http://schemas.microsoft.com/office/drawing/2010/main" xmlns:m="http://schemas.openxmlformats.org/officeDocument/2006/math" xmlns="" val="1"/>
             </a:ext>
           </a:extLst>
         </p:spPr>
@@ -7503,7 +7545,7 @@
           </a:ln>
           <a:extLst>
             <a:ext uri="{C572A759-6A51-4108-AA02-DFA0A04FC94B}">
-              <ma14:wrappingTextBoxFlag xmlns="" xmlns:m="http://schemas.openxmlformats.org/officeDocument/2006/math" xmlns:a14="http://schemas.microsoft.com/office/drawing/2010/main" xmlns:ma14="http://schemas.microsoft.com/office/mac/drawingml/2011/main" val="1"/>
+              <ma14:wrappingTextBoxFlag xmlns:ma14="http://schemas.microsoft.com/office/mac/drawingml/2011/main" xmlns:a14="http://schemas.microsoft.com/office/drawing/2010/main" xmlns:m="http://schemas.openxmlformats.org/officeDocument/2006/math" xmlns="" val="1"/>
             </a:ext>
           </a:extLst>
         </p:spPr>
@@ -7553,7 +7595,7 @@
           </a:ln>
           <a:extLst>
             <a:ext uri="{C572A759-6A51-4108-AA02-DFA0A04FC94B}">
-              <ma14:wrappingTextBoxFlag xmlns="" xmlns:m="http://schemas.openxmlformats.org/officeDocument/2006/math" xmlns:a14="http://schemas.microsoft.com/office/drawing/2010/main" xmlns:ma14="http://schemas.microsoft.com/office/mac/drawingml/2011/main" val="1"/>
+              <ma14:wrappingTextBoxFlag xmlns:ma14="http://schemas.microsoft.com/office/mac/drawingml/2011/main" xmlns:a14="http://schemas.microsoft.com/office/drawing/2010/main" xmlns:m="http://schemas.openxmlformats.org/officeDocument/2006/math" xmlns="" val="1"/>
             </a:ext>
           </a:extLst>
         </p:spPr>
@@ -7603,7 +7645,7 @@
           </a:ln>
           <a:extLst>
             <a:ext uri="{C572A759-6A51-4108-AA02-DFA0A04FC94B}">
-              <ma14:wrappingTextBoxFlag xmlns="" xmlns:m="http://schemas.openxmlformats.org/officeDocument/2006/math" xmlns:a14="http://schemas.microsoft.com/office/drawing/2010/main" xmlns:ma14="http://schemas.microsoft.com/office/mac/drawingml/2011/main" val="1"/>
+              <ma14:wrappingTextBoxFlag xmlns:ma14="http://schemas.microsoft.com/office/mac/drawingml/2011/main" xmlns:a14="http://schemas.microsoft.com/office/drawing/2010/main" xmlns:m="http://schemas.openxmlformats.org/officeDocument/2006/math" xmlns="" val="1"/>
             </a:ext>
           </a:extLst>
         </p:spPr>
@@ -7653,7 +7695,7 @@
           </a:ln>
           <a:extLst>
             <a:ext uri="{C572A759-6A51-4108-AA02-DFA0A04FC94B}">
-              <ma14:wrappingTextBoxFlag xmlns="" xmlns:m="http://schemas.openxmlformats.org/officeDocument/2006/math" xmlns:a14="http://schemas.microsoft.com/office/drawing/2010/main" xmlns:ma14="http://schemas.microsoft.com/office/mac/drawingml/2011/main" val="1"/>
+              <ma14:wrappingTextBoxFlag xmlns:ma14="http://schemas.microsoft.com/office/mac/drawingml/2011/main" xmlns:a14="http://schemas.microsoft.com/office/drawing/2010/main" xmlns:m="http://schemas.openxmlformats.org/officeDocument/2006/math" xmlns="" val="1"/>
             </a:ext>
           </a:extLst>
         </p:spPr>
@@ -7703,7 +7745,7 @@
           </a:ln>
           <a:extLst>
             <a:ext uri="{C572A759-6A51-4108-AA02-DFA0A04FC94B}">
-              <ma14:wrappingTextBoxFlag xmlns="" xmlns:m="http://schemas.openxmlformats.org/officeDocument/2006/math" xmlns:a14="http://schemas.microsoft.com/office/drawing/2010/main" xmlns:ma14="http://schemas.microsoft.com/office/mac/drawingml/2011/main" val="1"/>
+              <ma14:wrappingTextBoxFlag xmlns:ma14="http://schemas.microsoft.com/office/mac/drawingml/2011/main" xmlns:a14="http://schemas.microsoft.com/office/drawing/2010/main" xmlns:m="http://schemas.openxmlformats.org/officeDocument/2006/math" xmlns="" val="1"/>
             </a:ext>
           </a:extLst>
         </p:spPr>
@@ -7753,7 +7795,7 @@
           </a:ln>
           <a:extLst>
             <a:ext uri="{C572A759-6A51-4108-AA02-DFA0A04FC94B}">
-              <ma14:wrappingTextBoxFlag xmlns="" xmlns:m="http://schemas.openxmlformats.org/officeDocument/2006/math" xmlns:a14="http://schemas.microsoft.com/office/drawing/2010/main" xmlns:ma14="http://schemas.microsoft.com/office/mac/drawingml/2011/main" val="1"/>
+              <ma14:wrappingTextBoxFlag xmlns:ma14="http://schemas.microsoft.com/office/mac/drawingml/2011/main" xmlns:a14="http://schemas.microsoft.com/office/drawing/2010/main" xmlns:m="http://schemas.openxmlformats.org/officeDocument/2006/math" xmlns="" val="1"/>
             </a:ext>
           </a:extLst>
         </p:spPr>
@@ -7803,7 +7845,7 @@
           </a:ln>
           <a:extLst>
             <a:ext uri="{C572A759-6A51-4108-AA02-DFA0A04FC94B}">
-              <ma14:wrappingTextBoxFlag xmlns="" xmlns:m="http://schemas.openxmlformats.org/officeDocument/2006/math" xmlns:a14="http://schemas.microsoft.com/office/drawing/2010/main" xmlns:ma14="http://schemas.microsoft.com/office/mac/drawingml/2011/main" val="1"/>
+              <ma14:wrappingTextBoxFlag xmlns:ma14="http://schemas.microsoft.com/office/mac/drawingml/2011/main" xmlns:a14="http://schemas.microsoft.com/office/drawing/2010/main" xmlns:m="http://schemas.openxmlformats.org/officeDocument/2006/math" xmlns="" val="1"/>
             </a:ext>
           </a:extLst>
         </p:spPr>
@@ -7880,7 +7922,7 @@
                   <a:sym typeface="Gill Sans"/>
                 </a:defRPr>
               </a:pPr>
-              <a:endParaRPr/>
+              <a:endParaRPr dirty="0"/>
             </a:p>
           </p:txBody>
         </p:sp>
@@ -8149,7 +8191,7 @@
           </a:ln>
           <a:extLst>
             <a:ext uri="{C572A759-6A51-4108-AA02-DFA0A04FC94B}">
-              <ma14:wrappingTextBoxFlag xmlns="" xmlns:m="http://schemas.openxmlformats.org/officeDocument/2006/math" xmlns:a14="http://schemas.microsoft.com/office/drawing/2010/main" xmlns:ma14="http://schemas.microsoft.com/office/mac/drawingml/2011/main" val="1"/>
+              <ma14:wrappingTextBoxFlag xmlns:ma14="http://schemas.microsoft.com/office/mac/drawingml/2011/main" xmlns:a14="http://schemas.microsoft.com/office/drawing/2010/main" xmlns:m="http://schemas.openxmlformats.org/officeDocument/2006/math" xmlns="" val="1"/>
             </a:ext>
           </a:extLst>
         </p:spPr>
@@ -8224,7 +8266,7 @@
           </a:ln>
           <a:extLst>
             <a:ext uri="{C572A759-6A51-4108-AA02-DFA0A04FC94B}">
-              <ma14:wrappingTextBoxFlag xmlns="" xmlns:m="http://schemas.openxmlformats.org/officeDocument/2006/math" xmlns:a14="http://schemas.microsoft.com/office/drawing/2010/main" xmlns:ma14="http://schemas.microsoft.com/office/mac/drawingml/2011/main" val="1"/>
+              <ma14:wrappingTextBoxFlag xmlns:ma14="http://schemas.microsoft.com/office/mac/drawingml/2011/main" xmlns:a14="http://schemas.microsoft.com/office/drawing/2010/main" xmlns:m="http://schemas.openxmlformats.org/officeDocument/2006/math" xmlns="" val="1"/>
             </a:ext>
           </a:extLst>
         </p:spPr>
@@ -8262,6 +8304,178 @@
                 <a:schemeClr val="bg1"/>
               </a:solidFill>
             </a:endParaRPr>
+          </a:p>
+        </p:txBody>
+      </p:sp>
+      <p:sp>
+        <p:nvSpPr>
+          <p:cNvPr id="41" name="Vielleicht braucht man manchmal einen kleinen Untertitel oder eine Erläuterung oder, wie in meinem Fall, einfach ein bisschen Text.">
+            <a:extLst>
+              <a:ext uri="{FF2B5EF4-FFF2-40B4-BE49-F238E27FC236}">
+                <a16:creationId xmlns:a16="http://schemas.microsoft.com/office/drawing/2014/main" id="{2CD346CE-9ED0-4F78-BB70-64979353D1FD}"/>
+              </a:ext>
+            </a:extLst>
+          </p:cNvPr>
+          <p:cNvSpPr txBox="1"/>
+          <p:nvPr/>
+        </p:nvSpPr>
+        <p:spPr>
+          <a:xfrm>
+            <a:off x="768350" y="7928054"/>
+            <a:ext cx="5735433" cy="1024896"/>
+          </a:xfrm>
+          <a:prstGeom prst="rect">
+            <a:avLst/>
+          </a:prstGeom>
+          <a:ln w="12700">
+            <a:miter lim="400000"/>
+          </a:ln>
+          <a:extLst>
+            <a:ext uri="{C572A759-6A51-4108-AA02-DFA0A04FC94B}">
+              <ma14:wrappingTextBoxFlag xmlns:ma14="http://schemas.microsoft.com/office/mac/drawingml/2011/main" xmlns:a14="http://schemas.microsoft.com/office/drawing/2010/main" xmlns:m="http://schemas.openxmlformats.org/officeDocument/2006/math" xmlns="" val="1"/>
+            </a:ext>
+          </a:extLst>
+        </p:spPr>
+        <p:txBody>
+          <a:bodyPr lIns="0" tIns="0" rIns="0" bIns="0">
+            <a:spAutoFit/>
+          </a:bodyPr>
+          <a:lstStyle>
+            <a:lvl1pPr algn="l">
+              <a:defRPr sz="1700" b="0">
+                <a:latin typeface="PT Sans"/>
+                <a:ea typeface="PT Sans"/>
+                <a:cs typeface="PT Sans"/>
+                <a:sym typeface="PT Sans"/>
+              </a:defRPr>
+            </a:lvl1pPr>
+          </a:lstStyle>
+          <a:p>
+            <a:pPr algn="l">
+              <a:lnSpc>
+                <a:spcPct val="90000"/>
+              </a:lnSpc>
+              <a:defRPr sz="2100" b="0">
+                <a:solidFill>
+                  <a:srgbClr val="FFFFFF"/>
+                </a:solidFill>
+                <a:latin typeface="Roboto Slab Bold"/>
+                <a:ea typeface="Roboto Slab Bold"/>
+                <a:cs typeface="Roboto Slab Bold"/>
+                <a:sym typeface="Roboto Slab Bold"/>
+              </a:defRPr>
+            </a:pPr>
+            <a:r>
+              <a:rPr lang="de-DE" sz="1400" dirty="0">
+                <a:latin typeface="PT Sans" panose="020B0503020203020204" pitchFamily="34" charset="0"/>
+                <a:ea typeface="Roboto Slab" pitchFamily="2" charset="0"/>
+              </a:rPr>
+              <a:t>ausgearbeitet von:</a:t>
+            </a:r>
+          </a:p>
+          <a:p>
+            <a:pPr algn="l">
+              <a:lnSpc>
+                <a:spcPct val="90000"/>
+              </a:lnSpc>
+              <a:defRPr sz="2100" b="0">
+                <a:solidFill>
+                  <a:srgbClr val="FFFFFF"/>
+                </a:solidFill>
+                <a:latin typeface="Roboto Slab Bold"/>
+                <a:ea typeface="Roboto Slab Bold"/>
+                <a:cs typeface="Roboto Slab Bold"/>
+                <a:sym typeface="Roboto Slab Bold"/>
+              </a:defRPr>
+            </a:pPr>
+            <a:endParaRPr lang="de-DE" sz="1600" dirty="0">
+              <a:latin typeface="Roboto Slab" pitchFamily="2" charset="0"/>
+              <a:ea typeface="Roboto Slab" pitchFamily="2" charset="0"/>
+            </a:endParaRPr>
+          </a:p>
+          <a:p>
+            <a:pPr algn="l">
+              <a:lnSpc>
+                <a:spcPct val="90000"/>
+              </a:lnSpc>
+              <a:defRPr sz="2100" b="0">
+                <a:solidFill>
+                  <a:srgbClr val="FFFFFF"/>
+                </a:solidFill>
+                <a:latin typeface="Roboto Slab Bold"/>
+                <a:ea typeface="Roboto Slab Bold"/>
+                <a:cs typeface="Roboto Slab Bold"/>
+                <a:sym typeface="Roboto Slab Bold"/>
+              </a:defRPr>
+            </a:pPr>
+            <a:r>
+              <a:rPr lang="de-DE" sz="1400" dirty="0"/>
+              <a:t>Ron Kersten</a:t>
+            </a:r>
+          </a:p>
+          <a:p>
+            <a:pPr algn="l">
+              <a:lnSpc>
+                <a:spcPct val="90000"/>
+              </a:lnSpc>
+              <a:defRPr sz="2100" b="0">
+                <a:solidFill>
+                  <a:srgbClr val="FFFFFF"/>
+                </a:solidFill>
+                <a:latin typeface="Roboto Slab Bold"/>
+                <a:ea typeface="Roboto Slab Bold"/>
+                <a:cs typeface="Roboto Slab Bold"/>
+                <a:sym typeface="Roboto Slab Bold"/>
+              </a:defRPr>
+            </a:pPr>
+            <a:r>
+              <a:rPr lang="de-DE" sz="1400" dirty="0">
+                <a:latin typeface="PT Sans" panose="020B0503020203020204" pitchFamily="34" charset="0"/>
+                <a:ea typeface="Roboto Slab Regular"/>
+                <a:cs typeface="Roboto Slab Regular"/>
+                <a:sym typeface="Roboto Slab Regular"/>
+              </a:rPr>
+              <a:t>E-Mail: </a:t>
+            </a:r>
+            <a:r>
+              <a:rPr lang="de-DE" sz="1400" dirty="0">
+                <a:solidFill>
+                  <a:srgbClr val="DD1166"/>
+                </a:solidFill>
+                <a:latin typeface="PT Sans" panose="020B0503020203020204" pitchFamily="34" charset="0"/>
+                <a:ea typeface="Roboto Slab Regular"/>
+                <a:cs typeface="Roboto Slab Regular"/>
+                <a:sym typeface="Roboto Slab Regular"/>
+                <a:hlinkClick r:id="rId3">
+                  <a:extLst>
+                    <a:ext uri="{A12FA001-AC4F-418D-AE19-62706E023703}">
+                      <ahyp:hlinkClr xmlns:ahyp="http://schemas.microsoft.com/office/drawing/2018/hyperlinkcolor" val="tx"/>
+                    </a:ext>
+                  </a:extLst>
+                </a:hlinkClick>
+              </a:rPr>
+              <a:t>ron.kersten@gmx.de</a:t>
+            </a:r>
+            <a:br>
+              <a:rPr lang="de-DE" sz="1400" dirty="0">
+                <a:solidFill>
+                  <a:srgbClr val="DD1166"/>
+                </a:solidFill>
+                <a:latin typeface="PT Sans" panose="020B0503020203020204" pitchFamily="34" charset="0"/>
+                <a:ea typeface="Roboto Slab Regular"/>
+                <a:cs typeface="Roboto Slab Regular"/>
+                <a:sym typeface="Roboto Slab Regular"/>
+              </a:rPr>
+            </a:br>
+            <a:r>
+              <a:rPr lang="de-DE" sz="1400" dirty="0">
+                <a:latin typeface="PT Sans" panose="020B0503020203020204" pitchFamily="34" charset="0"/>
+                <a:ea typeface="Roboto Slab Regular"/>
+                <a:cs typeface="Roboto Slab Regular"/>
+                <a:sym typeface="Roboto Slab Regular"/>
+              </a:rPr>
+              <a:t>Mobil: +49 178 7879219</a:t>
+            </a:r>
           </a:p>
         </p:txBody>
       </p:sp>
@@ -8323,7 +8537,7 @@
           </a:ln>
           <a:extLst>
             <a:ext uri="{C572A759-6A51-4108-AA02-DFA0A04FC94B}">
-              <ma14:wrappingTextBoxFlag xmlns="" xmlns:m="http://schemas.openxmlformats.org/officeDocument/2006/math" xmlns:a14="http://schemas.microsoft.com/office/drawing/2010/main" xmlns:ma14="http://schemas.microsoft.com/office/mac/drawingml/2011/main" val="1"/>
+              <ma14:wrappingTextBoxFlag xmlns:ma14="http://schemas.microsoft.com/office/mac/drawingml/2011/main" xmlns:a14="http://schemas.microsoft.com/office/drawing/2010/main" xmlns:m="http://schemas.openxmlformats.org/officeDocument/2006/math" xmlns="" val="1"/>
             </a:ext>
           </a:extLst>
         </p:spPr>
@@ -8398,7 +8612,7 @@
           </a:ln>
           <a:extLst>
             <a:ext uri="{C572A759-6A51-4108-AA02-DFA0A04FC94B}">
-              <ma14:wrappingTextBoxFlag xmlns="" xmlns:m="http://schemas.openxmlformats.org/officeDocument/2006/math" xmlns:a14="http://schemas.microsoft.com/office/drawing/2010/main" xmlns:ma14="http://schemas.microsoft.com/office/mac/drawingml/2011/main" val="1"/>
+              <ma14:wrappingTextBoxFlag xmlns:ma14="http://schemas.microsoft.com/office/mac/drawingml/2011/main" xmlns:a14="http://schemas.microsoft.com/office/drawing/2010/main" xmlns:m="http://schemas.openxmlformats.org/officeDocument/2006/math" xmlns="" val="1"/>
             </a:ext>
           </a:extLst>
         </p:spPr>
@@ -8448,7 +8662,7 @@
           </a:ln>
           <a:extLst>
             <a:ext uri="{C572A759-6A51-4108-AA02-DFA0A04FC94B}">
-              <ma14:wrappingTextBoxFlag xmlns="" xmlns:m="http://schemas.openxmlformats.org/officeDocument/2006/math" xmlns:a14="http://schemas.microsoft.com/office/drawing/2010/main" xmlns:ma14="http://schemas.microsoft.com/office/mac/drawingml/2011/main" val="1"/>
+              <ma14:wrappingTextBoxFlag xmlns:ma14="http://schemas.microsoft.com/office/mac/drawingml/2011/main" xmlns:a14="http://schemas.microsoft.com/office/drawing/2010/main" xmlns:m="http://schemas.openxmlformats.org/officeDocument/2006/math" xmlns="" val="1"/>
             </a:ext>
           </a:extLst>
         </p:spPr>
@@ -8498,7 +8712,7 @@
           </a:ln>
           <a:extLst>
             <a:ext uri="{C572A759-6A51-4108-AA02-DFA0A04FC94B}">
-              <ma14:wrappingTextBoxFlag xmlns="" xmlns:m="http://schemas.openxmlformats.org/officeDocument/2006/math" xmlns:a14="http://schemas.microsoft.com/office/drawing/2010/main" xmlns:ma14="http://schemas.microsoft.com/office/mac/drawingml/2011/main" val="1"/>
+              <ma14:wrappingTextBoxFlag xmlns:ma14="http://schemas.microsoft.com/office/mac/drawingml/2011/main" xmlns:a14="http://schemas.microsoft.com/office/drawing/2010/main" xmlns:m="http://schemas.openxmlformats.org/officeDocument/2006/math" xmlns="" val="1"/>
             </a:ext>
           </a:extLst>
         </p:spPr>
@@ -8548,7 +8762,7 @@
           </a:ln>
           <a:extLst>
             <a:ext uri="{C572A759-6A51-4108-AA02-DFA0A04FC94B}">
-              <ma14:wrappingTextBoxFlag xmlns="" xmlns:m="http://schemas.openxmlformats.org/officeDocument/2006/math" xmlns:a14="http://schemas.microsoft.com/office/drawing/2010/main" xmlns:ma14="http://schemas.microsoft.com/office/mac/drawingml/2011/main" val="1"/>
+              <ma14:wrappingTextBoxFlag xmlns:ma14="http://schemas.microsoft.com/office/mac/drawingml/2011/main" xmlns:a14="http://schemas.microsoft.com/office/drawing/2010/main" xmlns:m="http://schemas.openxmlformats.org/officeDocument/2006/math" xmlns="" val="1"/>
             </a:ext>
           </a:extLst>
         </p:spPr>
@@ -8598,7 +8812,7 @@
           </a:ln>
           <a:extLst>
             <a:ext uri="{C572A759-6A51-4108-AA02-DFA0A04FC94B}">
-              <ma14:wrappingTextBoxFlag xmlns="" xmlns:m="http://schemas.openxmlformats.org/officeDocument/2006/math" xmlns:a14="http://schemas.microsoft.com/office/drawing/2010/main" xmlns:ma14="http://schemas.microsoft.com/office/mac/drawingml/2011/main" val="1"/>
+              <ma14:wrappingTextBoxFlag xmlns:ma14="http://schemas.microsoft.com/office/mac/drawingml/2011/main" xmlns:a14="http://schemas.microsoft.com/office/drawing/2010/main" xmlns:m="http://schemas.openxmlformats.org/officeDocument/2006/math" xmlns="" val="1"/>
             </a:ext>
           </a:extLst>
         </p:spPr>
@@ -8648,7 +8862,7 @@
           </a:ln>
           <a:extLst>
             <a:ext uri="{C572A759-6A51-4108-AA02-DFA0A04FC94B}">
-              <ma14:wrappingTextBoxFlag xmlns="" xmlns:m="http://schemas.openxmlformats.org/officeDocument/2006/math" xmlns:a14="http://schemas.microsoft.com/office/drawing/2010/main" xmlns:ma14="http://schemas.microsoft.com/office/mac/drawingml/2011/main" val="1"/>
+              <ma14:wrappingTextBoxFlag xmlns:ma14="http://schemas.microsoft.com/office/mac/drawingml/2011/main" xmlns:a14="http://schemas.microsoft.com/office/drawing/2010/main" xmlns:m="http://schemas.openxmlformats.org/officeDocument/2006/math" xmlns="" val="1"/>
             </a:ext>
           </a:extLst>
         </p:spPr>
@@ -8698,7 +8912,7 @@
           </a:ln>
           <a:extLst>
             <a:ext uri="{C572A759-6A51-4108-AA02-DFA0A04FC94B}">
-              <ma14:wrappingTextBoxFlag xmlns="" xmlns:m="http://schemas.openxmlformats.org/officeDocument/2006/math" xmlns:a14="http://schemas.microsoft.com/office/drawing/2010/main" xmlns:ma14="http://schemas.microsoft.com/office/mac/drawingml/2011/main" val="1"/>
+              <ma14:wrappingTextBoxFlag xmlns:ma14="http://schemas.microsoft.com/office/mac/drawingml/2011/main" xmlns:a14="http://schemas.microsoft.com/office/drawing/2010/main" xmlns:m="http://schemas.openxmlformats.org/officeDocument/2006/math" xmlns="" val="1"/>
             </a:ext>
           </a:extLst>
         </p:spPr>
@@ -8748,7 +8962,7 @@
           </a:ln>
           <a:extLst>
             <a:ext uri="{C572A759-6A51-4108-AA02-DFA0A04FC94B}">
-              <ma14:wrappingTextBoxFlag xmlns="" xmlns:m="http://schemas.openxmlformats.org/officeDocument/2006/math" xmlns:a14="http://schemas.microsoft.com/office/drawing/2010/main" xmlns:ma14="http://schemas.microsoft.com/office/mac/drawingml/2011/main" val="1"/>
+              <ma14:wrappingTextBoxFlag xmlns:ma14="http://schemas.microsoft.com/office/mac/drawingml/2011/main" xmlns:a14="http://schemas.microsoft.com/office/drawing/2010/main" xmlns:m="http://schemas.openxmlformats.org/officeDocument/2006/math" xmlns="" val="1"/>
             </a:ext>
           </a:extLst>
         </p:spPr>
@@ -8798,7 +9012,7 @@
           </a:ln>
           <a:extLst>
             <a:ext uri="{C572A759-6A51-4108-AA02-DFA0A04FC94B}">
-              <ma14:wrappingTextBoxFlag xmlns="" xmlns:m="http://schemas.openxmlformats.org/officeDocument/2006/math" xmlns:a14="http://schemas.microsoft.com/office/drawing/2010/main" xmlns:ma14="http://schemas.microsoft.com/office/mac/drawingml/2011/main" val="1"/>
+              <ma14:wrappingTextBoxFlag xmlns:ma14="http://schemas.microsoft.com/office/mac/drawingml/2011/main" xmlns:a14="http://schemas.microsoft.com/office/drawing/2010/main" xmlns:m="http://schemas.openxmlformats.org/officeDocument/2006/math" xmlns="" val="1"/>
             </a:ext>
           </a:extLst>
         </p:spPr>
@@ -8848,7 +9062,7 @@
           </a:ln>
           <a:extLst>
             <a:ext uri="{C572A759-6A51-4108-AA02-DFA0A04FC94B}">
-              <ma14:wrappingTextBoxFlag xmlns="" xmlns:m="http://schemas.openxmlformats.org/officeDocument/2006/math" xmlns:a14="http://schemas.microsoft.com/office/drawing/2010/main" xmlns:ma14="http://schemas.microsoft.com/office/mac/drawingml/2011/main" val="1"/>
+              <ma14:wrappingTextBoxFlag xmlns:ma14="http://schemas.microsoft.com/office/mac/drawingml/2011/main" xmlns:a14="http://schemas.microsoft.com/office/drawing/2010/main" xmlns:m="http://schemas.openxmlformats.org/officeDocument/2006/math" xmlns="" val="1"/>
             </a:ext>
           </a:extLst>
         </p:spPr>
@@ -8898,7 +9112,7 @@
           </a:ln>
           <a:extLst>
             <a:ext uri="{C572A759-6A51-4108-AA02-DFA0A04FC94B}">
-              <ma14:wrappingTextBoxFlag xmlns="" xmlns:m="http://schemas.openxmlformats.org/officeDocument/2006/math" xmlns:a14="http://schemas.microsoft.com/office/drawing/2010/main" xmlns:ma14="http://schemas.microsoft.com/office/mac/drawingml/2011/main" val="1"/>
+              <ma14:wrappingTextBoxFlag xmlns:ma14="http://schemas.microsoft.com/office/mac/drawingml/2011/main" xmlns:a14="http://schemas.microsoft.com/office/drawing/2010/main" xmlns:m="http://schemas.openxmlformats.org/officeDocument/2006/math" xmlns="" val="1"/>
             </a:ext>
           </a:extLst>
         </p:spPr>
@@ -8948,7 +9162,7 @@
           </a:ln>
           <a:extLst>
             <a:ext uri="{C572A759-6A51-4108-AA02-DFA0A04FC94B}">
-              <ma14:wrappingTextBoxFlag xmlns="" xmlns:m="http://schemas.openxmlformats.org/officeDocument/2006/math" xmlns:a14="http://schemas.microsoft.com/office/drawing/2010/main" xmlns:ma14="http://schemas.microsoft.com/office/mac/drawingml/2011/main" val="1"/>
+              <ma14:wrappingTextBoxFlag xmlns:ma14="http://schemas.microsoft.com/office/mac/drawingml/2011/main" xmlns:a14="http://schemas.microsoft.com/office/drawing/2010/main" xmlns:m="http://schemas.openxmlformats.org/officeDocument/2006/math" xmlns="" val="1"/>
             </a:ext>
           </a:extLst>
         </p:spPr>
@@ -8998,7 +9212,7 @@
           </a:ln>
           <a:extLst>
             <a:ext uri="{C572A759-6A51-4108-AA02-DFA0A04FC94B}">
-              <ma14:wrappingTextBoxFlag xmlns="" xmlns:m="http://schemas.openxmlformats.org/officeDocument/2006/math" xmlns:a14="http://schemas.microsoft.com/office/drawing/2010/main" xmlns:ma14="http://schemas.microsoft.com/office/mac/drawingml/2011/main" val="1"/>
+              <ma14:wrappingTextBoxFlag xmlns:ma14="http://schemas.microsoft.com/office/mac/drawingml/2011/main" xmlns:a14="http://schemas.microsoft.com/office/drawing/2010/main" xmlns:m="http://schemas.openxmlformats.org/officeDocument/2006/math" xmlns="" val="1"/>
             </a:ext>
           </a:extLst>
         </p:spPr>
@@ -9048,7 +9262,7 @@
           </a:ln>
           <a:extLst>
             <a:ext uri="{C572A759-6A51-4108-AA02-DFA0A04FC94B}">
-              <ma14:wrappingTextBoxFlag xmlns="" xmlns:m="http://schemas.openxmlformats.org/officeDocument/2006/math" xmlns:a14="http://schemas.microsoft.com/office/drawing/2010/main" xmlns:ma14="http://schemas.microsoft.com/office/mac/drawingml/2011/main" val="1"/>
+              <ma14:wrappingTextBoxFlag xmlns:ma14="http://schemas.microsoft.com/office/mac/drawingml/2011/main" xmlns:a14="http://schemas.microsoft.com/office/drawing/2010/main" xmlns:m="http://schemas.openxmlformats.org/officeDocument/2006/math" xmlns="" val="1"/>
             </a:ext>
           </a:extLst>
         </p:spPr>
@@ -9098,7 +9312,7 @@
           </a:ln>
           <a:extLst>
             <a:ext uri="{C572A759-6A51-4108-AA02-DFA0A04FC94B}">
-              <ma14:wrappingTextBoxFlag xmlns="" xmlns:m="http://schemas.openxmlformats.org/officeDocument/2006/math" xmlns:a14="http://schemas.microsoft.com/office/drawing/2010/main" xmlns:ma14="http://schemas.microsoft.com/office/mac/drawingml/2011/main" val="1"/>
+              <ma14:wrappingTextBoxFlag xmlns:ma14="http://schemas.microsoft.com/office/mac/drawingml/2011/main" xmlns:a14="http://schemas.microsoft.com/office/drawing/2010/main" xmlns:m="http://schemas.openxmlformats.org/officeDocument/2006/math" xmlns="" val="1"/>
             </a:ext>
           </a:extLst>
         </p:spPr>
@@ -9148,7 +9362,7 @@
           </a:ln>
           <a:extLst>
             <a:ext uri="{C572A759-6A51-4108-AA02-DFA0A04FC94B}">
-              <ma14:wrappingTextBoxFlag xmlns="" xmlns:m="http://schemas.openxmlformats.org/officeDocument/2006/math" xmlns:a14="http://schemas.microsoft.com/office/drawing/2010/main" xmlns:ma14="http://schemas.microsoft.com/office/mac/drawingml/2011/main" val="1"/>
+              <ma14:wrappingTextBoxFlag xmlns:ma14="http://schemas.microsoft.com/office/mac/drawingml/2011/main" xmlns:a14="http://schemas.microsoft.com/office/drawing/2010/main" xmlns:m="http://schemas.openxmlformats.org/officeDocument/2006/math" xmlns="" val="1"/>
             </a:ext>
           </a:extLst>
         </p:spPr>
@@ -9198,7 +9412,7 @@
           </a:ln>
           <a:extLst>
             <a:ext uri="{C572A759-6A51-4108-AA02-DFA0A04FC94B}">
-              <ma14:wrappingTextBoxFlag xmlns="" xmlns:m="http://schemas.openxmlformats.org/officeDocument/2006/math" xmlns:a14="http://schemas.microsoft.com/office/drawing/2010/main" xmlns:ma14="http://schemas.microsoft.com/office/mac/drawingml/2011/main" val="1"/>
+              <ma14:wrappingTextBoxFlag xmlns:ma14="http://schemas.microsoft.com/office/mac/drawingml/2011/main" xmlns:a14="http://schemas.microsoft.com/office/drawing/2010/main" xmlns:m="http://schemas.openxmlformats.org/officeDocument/2006/math" xmlns="" val="1"/>
             </a:ext>
           </a:extLst>
         </p:spPr>
@@ -9248,7 +9462,7 @@
           </a:ln>
           <a:extLst>
             <a:ext uri="{C572A759-6A51-4108-AA02-DFA0A04FC94B}">
-              <ma14:wrappingTextBoxFlag xmlns="" xmlns:m="http://schemas.openxmlformats.org/officeDocument/2006/math" xmlns:a14="http://schemas.microsoft.com/office/drawing/2010/main" xmlns:ma14="http://schemas.microsoft.com/office/mac/drawingml/2011/main" val="1"/>
+              <ma14:wrappingTextBoxFlag xmlns:ma14="http://schemas.microsoft.com/office/mac/drawingml/2011/main" xmlns:a14="http://schemas.microsoft.com/office/drawing/2010/main" xmlns:m="http://schemas.openxmlformats.org/officeDocument/2006/math" xmlns="" val="1"/>
             </a:ext>
           </a:extLst>
         </p:spPr>
@@ -9298,7 +9512,7 @@
           </a:ln>
           <a:extLst>
             <a:ext uri="{C572A759-6A51-4108-AA02-DFA0A04FC94B}">
-              <ma14:wrappingTextBoxFlag xmlns="" xmlns:m="http://schemas.openxmlformats.org/officeDocument/2006/math" xmlns:a14="http://schemas.microsoft.com/office/drawing/2010/main" xmlns:ma14="http://schemas.microsoft.com/office/mac/drawingml/2011/main" val="1"/>
+              <ma14:wrappingTextBoxFlag xmlns:ma14="http://schemas.microsoft.com/office/mac/drawingml/2011/main" xmlns:a14="http://schemas.microsoft.com/office/drawing/2010/main" xmlns:m="http://schemas.openxmlformats.org/officeDocument/2006/math" xmlns="" val="1"/>
             </a:ext>
           </a:extLst>
         </p:spPr>
@@ -9348,7 +9562,7 @@
           </a:ln>
           <a:extLst>
             <a:ext uri="{C572A759-6A51-4108-AA02-DFA0A04FC94B}">
-              <ma14:wrappingTextBoxFlag xmlns="" xmlns:m="http://schemas.openxmlformats.org/officeDocument/2006/math" xmlns:a14="http://schemas.microsoft.com/office/drawing/2010/main" xmlns:ma14="http://schemas.microsoft.com/office/mac/drawingml/2011/main" val="1"/>
+              <ma14:wrappingTextBoxFlag xmlns:ma14="http://schemas.microsoft.com/office/mac/drawingml/2011/main" xmlns:a14="http://schemas.microsoft.com/office/drawing/2010/main" xmlns:m="http://schemas.openxmlformats.org/officeDocument/2006/math" xmlns="" val="1"/>
             </a:ext>
           </a:extLst>
         </p:spPr>
@@ -9398,7 +9612,7 @@
           </a:ln>
           <a:extLst>
             <a:ext uri="{C572A759-6A51-4108-AA02-DFA0A04FC94B}">
-              <ma14:wrappingTextBoxFlag xmlns="" xmlns:m="http://schemas.openxmlformats.org/officeDocument/2006/math" xmlns:a14="http://schemas.microsoft.com/office/drawing/2010/main" xmlns:ma14="http://schemas.microsoft.com/office/mac/drawingml/2011/main" val="1"/>
+              <ma14:wrappingTextBoxFlag xmlns:ma14="http://schemas.microsoft.com/office/mac/drawingml/2011/main" xmlns:a14="http://schemas.microsoft.com/office/drawing/2010/main" xmlns:m="http://schemas.openxmlformats.org/officeDocument/2006/math" xmlns="" val="1"/>
             </a:ext>
           </a:extLst>
         </p:spPr>
@@ -9448,7 +9662,7 @@
           </a:ln>
           <a:extLst>
             <a:ext uri="{C572A759-6A51-4108-AA02-DFA0A04FC94B}">
-              <ma14:wrappingTextBoxFlag xmlns="" xmlns:m="http://schemas.openxmlformats.org/officeDocument/2006/math" xmlns:a14="http://schemas.microsoft.com/office/drawing/2010/main" xmlns:ma14="http://schemas.microsoft.com/office/mac/drawingml/2011/main" val="1"/>
+              <ma14:wrappingTextBoxFlag xmlns:ma14="http://schemas.microsoft.com/office/mac/drawingml/2011/main" xmlns:a14="http://schemas.microsoft.com/office/drawing/2010/main" xmlns:m="http://schemas.openxmlformats.org/officeDocument/2006/math" xmlns="" val="1"/>
             </a:ext>
           </a:extLst>
         </p:spPr>
@@ -9498,7 +9712,7 @@
           </a:ln>
           <a:extLst>
             <a:ext uri="{C572A759-6A51-4108-AA02-DFA0A04FC94B}">
-              <ma14:wrappingTextBoxFlag xmlns="" xmlns:m="http://schemas.openxmlformats.org/officeDocument/2006/math" xmlns:a14="http://schemas.microsoft.com/office/drawing/2010/main" xmlns:ma14="http://schemas.microsoft.com/office/mac/drawingml/2011/main" val="1"/>
+              <ma14:wrappingTextBoxFlag xmlns:ma14="http://schemas.microsoft.com/office/mac/drawingml/2011/main" xmlns:a14="http://schemas.microsoft.com/office/drawing/2010/main" xmlns:m="http://schemas.openxmlformats.org/officeDocument/2006/math" xmlns="" val="1"/>
             </a:ext>
           </a:extLst>
         </p:spPr>
@@ -9548,7 +9762,7 @@
           </a:ln>
           <a:extLst>
             <a:ext uri="{C572A759-6A51-4108-AA02-DFA0A04FC94B}">
-              <ma14:wrappingTextBoxFlag xmlns="" xmlns:m="http://schemas.openxmlformats.org/officeDocument/2006/math" xmlns:a14="http://schemas.microsoft.com/office/drawing/2010/main" xmlns:ma14="http://schemas.microsoft.com/office/mac/drawingml/2011/main" val="1"/>
+              <ma14:wrappingTextBoxFlag xmlns:ma14="http://schemas.microsoft.com/office/mac/drawingml/2011/main" xmlns:a14="http://schemas.microsoft.com/office/drawing/2010/main" xmlns:m="http://schemas.openxmlformats.org/officeDocument/2006/math" xmlns="" val="1"/>
             </a:ext>
           </a:extLst>
         </p:spPr>
@@ -9598,7 +9812,7 @@
           </a:ln>
           <a:extLst>
             <a:ext uri="{C572A759-6A51-4108-AA02-DFA0A04FC94B}">
-              <ma14:wrappingTextBoxFlag xmlns="" xmlns:m="http://schemas.openxmlformats.org/officeDocument/2006/math" xmlns:a14="http://schemas.microsoft.com/office/drawing/2010/main" xmlns:ma14="http://schemas.microsoft.com/office/mac/drawingml/2011/main" val="1"/>
+              <ma14:wrappingTextBoxFlag xmlns:ma14="http://schemas.microsoft.com/office/mac/drawingml/2011/main" xmlns:a14="http://schemas.microsoft.com/office/drawing/2010/main" xmlns:m="http://schemas.openxmlformats.org/officeDocument/2006/math" xmlns="" val="1"/>
             </a:ext>
           </a:extLst>
         </p:spPr>
@@ -9648,7 +9862,7 @@
           </a:ln>
           <a:extLst>
             <a:ext uri="{C572A759-6A51-4108-AA02-DFA0A04FC94B}">
-              <ma14:wrappingTextBoxFlag xmlns="" xmlns:m="http://schemas.openxmlformats.org/officeDocument/2006/math" xmlns:a14="http://schemas.microsoft.com/office/drawing/2010/main" xmlns:ma14="http://schemas.microsoft.com/office/mac/drawingml/2011/main" val="1"/>
+              <ma14:wrappingTextBoxFlag xmlns:ma14="http://schemas.microsoft.com/office/mac/drawingml/2011/main" xmlns:a14="http://schemas.microsoft.com/office/drawing/2010/main" xmlns:m="http://schemas.openxmlformats.org/officeDocument/2006/math" xmlns="" val="1"/>
             </a:ext>
           </a:extLst>
         </p:spPr>
@@ -9698,7 +9912,7 @@
           </a:ln>
           <a:extLst>
             <a:ext uri="{C572A759-6A51-4108-AA02-DFA0A04FC94B}">
-              <ma14:wrappingTextBoxFlag xmlns="" xmlns:m="http://schemas.openxmlformats.org/officeDocument/2006/math" xmlns:a14="http://schemas.microsoft.com/office/drawing/2010/main" xmlns:ma14="http://schemas.microsoft.com/office/mac/drawingml/2011/main" val="1"/>
+              <ma14:wrappingTextBoxFlag xmlns:ma14="http://schemas.microsoft.com/office/mac/drawingml/2011/main" xmlns:a14="http://schemas.microsoft.com/office/drawing/2010/main" xmlns:m="http://schemas.openxmlformats.org/officeDocument/2006/math" xmlns="" val="1"/>
             </a:ext>
           </a:extLst>
         </p:spPr>
@@ -9748,7 +9962,7 @@
           </a:ln>
           <a:extLst>
             <a:ext uri="{C572A759-6A51-4108-AA02-DFA0A04FC94B}">
-              <ma14:wrappingTextBoxFlag xmlns="" xmlns:m="http://schemas.openxmlformats.org/officeDocument/2006/math" xmlns:a14="http://schemas.microsoft.com/office/drawing/2010/main" xmlns:ma14="http://schemas.microsoft.com/office/mac/drawingml/2011/main" val="1"/>
+              <ma14:wrappingTextBoxFlag xmlns:ma14="http://schemas.microsoft.com/office/mac/drawingml/2011/main" xmlns:a14="http://schemas.microsoft.com/office/drawing/2010/main" xmlns:m="http://schemas.openxmlformats.org/officeDocument/2006/math" xmlns="" val="1"/>
             </a:ext>
           </a:extLst>
         </p:spPr>
@@ -9798,7 +10012,7 @@
           </a:ln>
           <a:extLst>
             <a:ext uri="{C572A759-6A51-4108-AA02-DFA0A04FC94B}">
-              <ma14:wrappingTextBoxFlag xmlns="" xmlns:m="http://schemas.openxmlformats.org/officeDocument/2006/math" xmlns:a14="http://schemas.microsoft.com/office/drawing/2010/main" xmlns:ma14="http://schemas.microsoft.com/office/mac/drawingml/2011/main" val="1"/>
+              <ma14:wrappingTextBoxFlag xmlns:ma14="http://schemas.microsoft.com/office/mac/drawingml/2011/main" xmlns:a14="http://schemas.microsoft.com/office/drawing/2010/main" xmlns:m="http://schemas.openxmlformats.org/officeDocument/2006/math" xmlns="" val="1"/>
             </a:ext>
           </a:extLst>
         </p:spPr>
@@ -10200,7 +10414,7 @@
             </a:ln>
             <a:extLst>
               <a:ext uri="{C572A759-6A51-4108-AA02-DFA0A04FC94B}">
-                <ma14:wrappingTextBoxFlag xmlns:ma14="http://schemas.microsoft.com/office/mac/drawingml/2011/main" xmlns:a14="http://schemas.microsoft.com/office/drawing/2010/main" xmlns:m="http://schemas.openxmlformats.org/officeDocument/2006/math" xmlns="" val="1"/>
+                <ma14:wrappingTextBoxFlag xmlns="" xmlns:m="http://schemas.openxmlformats.org/officeDocument/2006/math" xmlns:a14="http://schemas.microsoft.com/office/drawing/2010/main" xmlns:ma14="http://schemas.microsoft.com/office/mac/drawingml/2011/main" val="1"/>
               </a:ext>
             </a:extLst>
           </p:spPr>
@@ -10291,7 +10505,7 @@
           </a:ln>
           <a:extLst>
             <a:ext uri="{C572A759-6A51-4108-AA02-DFA0A04FC94B}">
-              <ma14:wrappingTextBoxFlag xmlns:ma14="http://schemas.microsoft.com/office/mac/drawingml/2011/main" xmlns:a14="http://schemas.microsoft.com/office/drawing/2010/main" xmlns:m="http://schemas.openxmlformats.org/officeDocument/2006/math" xmlns="" val="1"/>
+              <ma14:wrappingTextBoxFlag xmlns="" xmlns:m="http://schemas.openxmlformats.org/officeDocument/2006/math" xmlns:a14="http://schemas.microsoft.com/office/drawing/2010/main" xmlns:ma14="http://schemas.microsoft.com/office/mac/drawingml/2011/main" val="1"/>
             </a:ext>
           </a:extLst>
         </p:spPr>
@@ -10417,7 +10631,7 @@
           </a:ln>
           <a:extLst>
             <a:ext uri="{C572A759-6A51-4108-AA02-DFA0A04FC94B}">
-              <ma14:wrappingTextBoxFlag xmlns:ma14="http://schemas.microsoft.com/office/mac/drawingml/2011/main" xmlns:a14="http://schemas.microsoft.com/office/drawing/2010/main" xmlns:m="http://schemas.openxmlformats.org/officeDocument/2006/math" xmlns="" val="1"/>
+              <ma14:wrappingTextBoxFlag xmlns="" xmlns:m="http://schemas.openxmlformats.org/officeDocument/2006/math" xmlns:a14="http://schemas.microsoft.com/office/drawing/2010/main" xmlns:ma14="http://schemas.microsoft.com/office/mac/drawingml/2011/main" val="1"/>
             </a:ext>
           </a:extLst>
         </p:spPr>
@@ -10487,7 +10701,7 @@
           </a:ln>
           <a:extLst>
             <a:ext uri="{C572A759-6A51-4108-AA02-DFA0A04FC94B}">
-              <ma14:wrappingTextBoxFlag xmlns:ma14="http://schemas.microsoft.com/office/mac/drawingml/2011/main" xmlns:a14="http://schemas.microsoft.com/office/drawing/2010/main" xmlns:m="http://schemas.openxmlformats.org/officeDocument/2006/math" xmlns="" val="1"/>
+              <ma14:wrappingTextBoxFlag xmlns="" xmlns:m="http://schemas.openxmlformats.org/officeDocument/2006/math" xmlns:a14="http://schemas.microsoft.com/office/drawing/2010/main" xmlns:ma14="http://schemas.microsoft.com/office/mac/drawingml/2011/main" val="1"/>
             </a:ext>
           </a:extLst>
         </p:spPr>
@@ -10537,7 +10751,7 @@
           </a:ln>
           <a:extLst>
             <a:ext uri="{C572A759-6A51-4108-AA02-DFA0A04FC94B}">
-              <ma14:wrappingTextBoxFlag xmlns:ma14="http://schemas.microsoft.com/office/mac/drawingml/2011/main" xmlns:a14="http://schemas.microsoft.com/office/drawing/2010/main" xmlns:m="http://schemas.openxmlformats.org/officeDocument/2006/math" xmlns="" val="1"/>
+              <ma14:wrappingTextBoxFlag xmlns="" xmlns:m="http://schemas.openxmlformats.org/officeDocument/2006/math" xmlns:a14="http://schemas.microsoft.com/office/drawing/2010/main" xmlns:ma14="http://schemas.microsoft.com/office/mac/drawingml/2011/main" val="1"/>
             </a:ext>
           </a:extLst>
         </p:spPr>
@@ -10587,7 +10801,7 @@
           </a:ln>
           <a:extLst>
             <a:ext uri="{C572A759-6A51-4108-AA02-DFA0A04FC94B}">
-              <ma14:wrappingTextBoxFlag xmlns:ma14="http://schemas.microsoft.com/office/mac/drawingml/2011/main" xmlns:a14="http://schemas.microsoft.com/office/drawing/2010/main" xmlns:m="http://schemas.openxmlformats.org/officeDocument/2006/math" xmlns="" val="1"/>
+              <ma14:wrappingTextBoxFlag xmlns="" xmlns:m="http://schemas.openxmlformats.org/officeDocument/2006/math" xmlns:a14="http://schemas.microsoft.com/office/drawing/2010/main" xmlns:ma14="http://schemas.microsoft.com/office/mac/drawingml/2011/main" val="1"/>
             </a:ext>
           </a:extLst>
         </p:spPr>
@@ -10637,7 +10851,7 @@
           </a:ln>
           <a:extLst>
             <a:ext uri="{C572A759-6A51-4108-AA02-DFA0A04FC94B}">
-              <ma14:wrappingTextBoxFlag xmlns:ma14="http://schemas.microsoft.com/office/mac/drawingml/2011/main" xmlns:a14="http://schemas.microsoft.com/office/drawing/2010/main" xmlns:m="http://schemas.openxmlformats.org/officeDocument/2006/math" xmlns="" val="1"/>
+              <ma14:wrappingTextBoxFlag xmlns="" xmlns:m="http://schemas.openxmlformats.org/officeDocument/2006/math" xmlns:a14="http://schemas.microsoft.com/office/drawing/2010/main" xmlns:ma14="http://schemas.microsoft.com/office/mac/drawingml/2011/main" val="1"/>
             </a:ext>
           </a:extLst>
         </p:spPr>
@@ -10687,7 +10901,7 @@
           </a:ln>
           <a:extLst>
             <a:ext uri="{C572A759-6A51-4108-AA02-DFA0A04FC94B}">
-              <ma14:wrappingTextBoxFlag xmlns:ma14="http://schemas.microsoft.com/office/mac/drawingml/2011/main" xmlns:a14="http://schemas.microsoft.com/office/drawing/2010/main" xmlns:m="http://schemas.openxmlformats.org/officeDocument/2006/math" xmlns="" val="1"/>
+              <ma14:wrappingTextBoxFlag xmlns="" xmlns:m="http://schemas.openxmlformats.org/officeDocument/2006/math" xmlns:a14="http://schemas.microsoft.com/office/drawing/2010/main" xmlns:ma14="http://schemas.microsoft.com/office/mac/drawingml/2011/main" val="1"/>
             </a:ext>
           </a:extLst>
         </p:spPr>
@@ -10737,7 +10951,7 @@
           </a:ln>
           <a:extLst>
             <a:ext uri="{C572A759-6A51-4108-AA02-DFA0A04FC94B}">
-              <ma14:wrappingTextBoxFlag xmlns:ma14="http://schemas.microsoft.com/office/mac/drawingml/2011/main" xmlns:a14="http://schemas.microsoft.com/office/drawing/2010/main" xmlns:m="http://schemas.openxmlformats.org/officeDocument/2006/math" xmlns="" val="1"/>
+              <ma14:wrappingTextBoxFlag xmlns="" xmlns:m="http://schemas.openxmlformats.org/officeDocument/2006/math" xmlns:a14="http://schemas.microsoft.com/office/drawing/2010/main" xmlns:ma14="http://schemas.microsoft.com/office/mac/drawingml/2011/main" val="1"/>
             </a:ext>
           </a:extLst>
         </p:spPr>
@@ -10787,7 +11001,7 @@
           </a:ln>
           <a:extLst>
             <a:ext uri="{C572A759-6A51-4108-AA02-DFA0A04FC94B}">
-              <ma14:wrappingTextBoxFlag xmlns:ma14="http://schemas.microsoft.com/office/mac/drawingml/2011/main" xmlns:a14="http://schemas.microsoft.com/office/drawing/2010/main" xmlns:m="http://schemas.openxmlformats.org/officeDocument/2006/math" xmlns="" val="1"/>
+              <ma14:wrappingTextBoxFlag xmlns="" xmlns:m="http://schemas.openxmlformats.org/officeDocument/2006/math" xmlns:a14="http://schemas.microsoft.com/office/drawing/2010/main" xmlns:ma14="http://schemas.microsoft.com/office/mac/drawingml/2011/main" val="1"/>
             </a:ext>
           </a:extLst>
         </p:spPr>
@@ -10837,7 +11051,7 @@
           </a:ln>
           <a:extLst>
             <a:ext uri="{C572A759-6A51-4108-AA02-DFA0A04FC94B}">
-              <ma14:wrappingTextBoxFlag xmlns:ma14="http://schemas.microsoft.com/office/mac/drawingml/2011/main" xmlns:a14="http://schemas.microsoft.com/office/drawing/2010/main" xmlns:m="http://schemas.openxmlformats.org/officeDocument/2006/math" xmlns="" val="1"/>
+              <ma14:wrappingTextBoxFlag xmlns="" xmlns:m="http://schemas.openxmlformats.org/officeDocument/2006/math" xmlns:a14="http://schemas.microsoft.com/office/drawing/2010/main" xmlns:ma14="http://schemas.microsoft.com/office/mac/drawingml/2011/main" val="1"/>
             </a:ext>
           </a:extLst>
         </p:spPr>
@@ -10887,7 +11101,7 @@
           </a:ln>
           <a:extLst>
             <a:ext uri="{C572A759-6A51-4108-AA02-DFA0A04FC94B}">
-              <ma14:wrappingTextBoxFlag xmlns:ma14="http://schemas.microsoft.com/office/mac/drawingml/2011/main" xmlns:a14="http://schemas.microsoft.com/office/drawing/2010/main" xmlns:m="http://schemas.openxmlformats.org/officeDocument/2006/math" xmlns="" val="1"/>
+              <ma14:wrappingTextBoxFlag xmlns="" xmlns:m="http://schemas.openxmlformats.org/officeDocument/2006/math" xmlns:a14="http://schemas.microsoft.com/office/drawing/2010/main" xmlns:ma14="http://schemas.microsoft.com/office/mac/drawingml/2011/main" val="1"/>
             </a:ext>
           </a:extLst>
         </p:spPr>
@@ -10937,7 +11151,7 @@
           </a:ln>
           <a:extLst>
             <a:ext uri="{C572A759-6A51-4108-AA02-DFA0A04FC94B}">
-              <ma14:wrappingTextBoxFlag xmlns:ma14="http://schemas.microsoft.com/office/mac/drawingml/2011/main" xmlns:a14="http://schemas.microsoft.com/office/drawing/2010/main" xmlns:m="http://schemas.openxmlformats.org/officeDocument/2006/math" xmlns="" val="1"/>
+              <ma14:wrappingTextBoxFlag xmlns="" xmlns:m="http://schemas.openxmlformats.org/officeDocument/2006/math" xmlns:a14="http://schemas.microsoft.com/office/drawing/2010/main" xmlns:ma14="http://schemas.microsoft.com/office/mac/drawingml/2011/main" val="1"/>
             </a:ext>
           </a:extLst>
         </p:spPr>
@@ -10987,7 +11201,7 @@
           </a:ln>
           <a:extLst>
             <a:ext uri="{C572A759-6A51-4108-AA02-DFA0A04FC94B}">
-              <ma14:wrappingTextBoxFlag xmlns:ma14="http://schemas.microsoft.com/office/mac/drawingml/2011/main" xmlns:a14="http://schemas.microsoft.com/office/drawing/2010/main" xmlns:m="http://schemas.openxmlformats.org/officeDocument/2006/math" xmlns="" val="1"/>
+              <ma14:wrappingTextBoxFlag xmlns="" xmlns:m="http://schemas.openxmlformats.org/officeDocument/2006/math" xmlns:a14="http://schemas.microsoft.com/office/drawing/2010/main" xmlns:ma14="http://schemas.microsoft.com/office/mac/drawingml/2011/main" val="1"/>
             </a:ext>
           </a:extLst>
         </p:spPr>
@@ -11037,7 +11251,7 @@
           </a:ln>
           <a:extLst>
             <a:ext uri="{C572A759-6A51-4108-AA02-DFA0A04FC94B}">
-              <ma14:wrappingTextBoxFlag xmlns:ma14="http://schemas.microsoft.com/office/mac/drawingml/2011/main" xmlns:a14="http://schemas.microsoft.com/office/drawing/2010/main" xmlns:m="http://schemas.openxmlformats.org/officeDocument/2006/math" xmlns="" val="1"/>
+              <ma14:wrappingTextBoxFlag xmlns="" xmlns:m="http://schemas.openxmlformats.org/officeDocument/2006/math" xmlns:a14="http://schemas.microsoft.com/office/drawing/2010/main" xmlns:ma14="http://schemas.microsoft.com/office/mac/drawingml/2011/main" val="1"/>
             </a:ext>
           </a:extLst>
         </p:spPr>
@@ -11087,7 +11301,7 @@
           </a:ln>
           <a:extLst>
             <a:ext uri="{C572A759-6A51-4108-AA02-DFA0A04FC94B}">
-              <ma14:wrappingTextBoxFlag xmlns:ma14="http://schemas.microsoft.com/office/mac/drawingml/2011/main" xmlns:a14="http://schemas.microsoft.com/office/drawing/2010/main" xmlns:m="http://schemas.openxmlformats.org/officeDocument/2006/math" xmlns="" val="1"/>
+              <ma14:wrappingTextBoxFlag xmlns="" xmlns:m="http://schemas.openxmlformats.org/officeDocument/2006/math" xmlns:a14="http://schemas.microsoft.com/office/drawing/2010/main" xmlns:ma14="http://schemas.microsoft.com/office/mac/drawingml/2011/main" val="1"/>
             </a:ext>
           </a:extLst>
         </p:spPr>
@@ -11137,7 +11351,7 @@
           </a:ln>
           <a:extLst>
             <a:ext uri="{C572A759-6A51-4108-AA02-DFA0A04FC94B}">
-              <ma14:wrappingTextBoxFlag xmlns:ma14="http://schemas.microsoft.com/office/mac/drawingml/2011/main" xmlns:a14="http://schemas.microsoft.com/office/drawing/2010/main" xmlns:m="http://schemas.openxmlformats.org/officeDocument/2006/math" xmlns="" val="1"/>
+              <ma14:wrappingTextBoxFlag xmlns="" xmlns:m="http://schemas.openxmlformats.org/officeDocument/2006/math" xmlns:a14="http://schemas.microsoft.com/office/drawing/2010/main" xmlns:ma14="http://schemas.microsoft.com/office/mac/drawingml/2011/main" val="1"/>
             </a:ext>
           </a:extLst>
         </p:spPr>
@@ -11187,7 +11401,7 @@
           </a:ln>
           <a:extLst>
             <a:ext uri="{C572A759-6A51-4108-AA02-DFA0A04FC94B}">
-              <ma14:wrappingTextBoxFlag xmlns:ma14="http://schemas.microsoft.com/office/mac/drawingml/2011/main" xmlns:a14="http://schemas.microsoft.com/office/drawing/2010/main" xmlns:m="http://schemas.openxmlformats.org/officeDocument/2006/math" xmlns="" val="1"/>
+              <ma14:wrappingTextBoxFlag xmlns="" xmlns:m="http://schemas.openxmlformats.org/officeDocument/2006/math" xmlns:a14="http://schemas.microsoft.com/office/drawing/2010/main" xmlns:ma14="http://schemas.microsoft.com/office/mac/drawingml/2011/main" val="1"/>
             </a:ext>
           </a:extLst>
         </p:spPr>
@@ -11237,7 +11451,7 @@
           </a:ln>
           <a:extLst>
             <a:ext uri="{C572A759-6A51-4108-AA02-DFA0A04FC94B}">
-              <ma14:wrappingTextBoxFlag xmlns:ma14="http://schemas.microsoft.com/office/mac/drawingml/2011/main" xmlns:a14="http://schemas.microsoft.com/office/drawing/2010/main" xmlns:m="http://schemas.openxmlformats.org/officeDocument/2006/math" xmlns="" val="1"/>
+              <ma14:wrappingTextBoxFlag xmlns="" xmlns:m="http://schemas.openxmlformats.org/officeDocument/2006/math" xmlns:a14="http://schemas.microsoft.com/office/drawing/2010/main" xmlns:ma14="http://schemas.microsoft.com/office/mac/drawingml/2011/main" val="1"/>
             </a:ext>
           </a:extLst>
         </p:spPr>
@@ -11287,7 +11501,7 @@
           </a:ln>
           <a:extLst>
             <a:ext uri="{C572A759-6A51-4108-AA02-DFA0A04FC94B}">
-              <ma14:wrappingTextBoxFlag xmlns:ma14="http://schemas.microsoft.com/office/mac/drawingml/2011/main" xmlns:a14="http://schemas.microsoft.com/office/drawing/2010/main" xmlns:m="http://schemas.openxmlformats.org/officeDocument/2006/math" xmlns="" val="1"/>
+              <ma14:wrappingTextBoxFlag xmlns="" xmlns:m="http://schemas.openxmlformats.org/officeDocument/2006/math" xmlns:a14="http://schemas.microsoft.com/office/drawing/2010/main" xmlns:ma14="http://schemas.microsoft.com/office/mac/drawingml/2011/main" val="1"/>
             </a:ext>
           </a:extLst>
         </p:spPr>
@@ -11337,7 +11551,7 @@
           </a:ln>
           <a:extLst>
             <a:ext uri="{C572A759-6A51-4108-AA02-DFA0A04FC94B}">
-              <ma14:wrappingTextBoxFlag xmlns:ma14="http://schemas.microsoft.com/office/mac/drawingml/2011/main" xmlns:a14="http://schemas.microsoft.com/office/drawing/2010/main" xmlns:m="http://schemas.openxmlformats.org/officeDocument/2006/math" xmlns="" val="1"/>
+              <ma14:wrappingTextBoxFlag xmlns="" xmlns:m="http://schemas.openxmlformats.org/officeDocument/2006/math" xmlns:a14="http://schemas.microsoft.com/office/drawing/2010/main" xmlns:ma14="http://schemas.microsoft.com/office/mac/drawingml/2011/main" val="1"/>
             </a:ext>
           </a:extLst>
         </p:spPr>
@@ -11387,7 +11601,7 @@
           </a:ln>
           <a:extLst>
             <a:ext uri="{C572A759-6A51-4108-AA02-DFA0A04FC94B}">
-              <ma14:wrappingTextBoxFlag xmlns:ma14="http://schemas.microsoft.com/office/mac/drawingml/2011/main" xmlns:a14="http://schemas.microsoft.com/office/drawing/2010/main" xmlns:m="http://schemas.openxmlformats.org/officeDocument/2006/math" xmlns="" val="1"/>
+              <ma14:wrappingTextBoxFlag xmlns="" xmlns:m="http://schemas.openxmlformats.org/officeDocument/2006/math" xmlns:a14="http://schemas.microsoft.com/office/drawing/2010/main" xmlns:ma14="http://schemas.microsoft.com/office/mac/drawingml/2011/main" val="1"/>
             </a:ext>
           </a:extLst>
         </p:spPr>
@@ -11437,7 +11651,7 @@
           </a:ln>
           <a:extLst>
             <a:ext uri="{C572A759-6A51-4108-AA02-DFA0A04FC94B}">
-              <ma14:wrappingTextBoxFlag xmlns:ma14="http://schemas.microsoft.com/office/mac/drawingml/2011/main" xmlns:a14="http://schemas.microsoft.com/office/drawing/2010/main" xmlns:m="http://schemas.openxmlformats.org/officeDocument/2006/math" xmlns="" val="1"/>
+              <ma14:wrappingTextBoxFlag xmlns="" xmlns:m="http://schemas.openxmlformats.org/officeDocument/2006/math" xmlns:a14="http://schemas.microsoft.com/office/drawing/2010/main" xmlns:ma14="http://schemas.microsoft.com/office/mac/drawingml/2011/main" val="1"/>
             </a:ext>
           </a:extLst>
         </p:spPr>
@@ -11487,7 +11701,7 @@
           </a:ln>
           <a:extLst>
             <a:ext uri="{C572A759-6A51-4108-AA02-DFA0A04FC94B}">
-              <ma14:wrappingTextBoxFlag xmlns:ma14="http://schemas.microsoft.com/office/mac/drawingml/2011/main" xmlns:a14="http://schemas.microsoft.com/office/drawing/2010/main" xmlns:m="http://schemas.openxmlformats.org/officeDocument/2006/math" xmlns="" val="1"/>
+              <ma14:wrappingTextBoxFlag xmlns="" xmlns:m="http://schemas.openxmlformats.org/officeDocument/2006/math" xmlns:a14="http://schemas.microsoft.com/office/drawing/2010/main" xmlns:ma14="http://schemas.microsoft.com/office/mac/drawingml/2011/main" val="1"/>
             </a:ext>
           </a:extLst>
         </p:spPr>
@@ -11537,7 +11751,7 @@
           </a:ln>
           <a:extLst>
             <a:ext uri="{C572A759-6A51-4108-AA02-DFA0A04FC94B}">
-              <ma14:wrappingTextBoxFlag xmlns:ma14="http://schemas.microsoft.com/office/mac/drawingml/2011/main" xmlns:a14="http://schemas.microsoft.com/office/drawing/2010/main" xmlns:m="http://schemas.openxmlformats.org/officeDocument/2006/math" xmlns="" val="1"/>
+              <ma14:wrappingTextBoxFlag xmlns="" xmlns:m="http://schemas.openxmlformats.org/officeDocument/2006/math" xmlns:a14="http://schemas.microsoft.com/office/drawing/2010/main" xmlns:ma14="http://schemas.microsoft.com/office/mac/drawingml/2011/main" val="1"/>
             </a:ext>
           </a:extLst>
         </p:spPr>
@@ -11587,7 +11801,7 @@
           </a:ln>
           <a:extLst>
             <a:ext uri="{C572A759-6A51-4108-AA02-DFA0A04FC94B}">
-              <ma14:wrappingTextBoxFlag xmlns:ma14="http://schemas.microsoft.com/office/mac/drawingml/2011/main" xmlns:a14="http://schemas.microsoft.com/office/drawing/2010/main" xmlns:m="http://schemas.openxmlformats.org/officeDocument/2006/math" xmlns="" val="1"/>
+              <ma14:wrappingTextBoxFlag xmlns="" xmlns:m="http://schemas.openxmlformats.org/officeDocument/2006/math" xmlns:a14="http://schemas.microsoft.com/office/drawing/2010/main" xmlns:ma14="http://schemas.microsoft.com/office/mac/drawingml/2011/main" val="1"/>
             </a:ext>
           </a:extLst>
         </p:spPr>
@@ -11637,7 +11851,7 @@
           </a:ln>
           <a:extLst>
             <a:ext uri="{C572A759-6A51-4108-AA02-DFA0A04FC94B}">
-              <ma14:wrappingTextBoxFlag xmlns:ma14="http://schemas.microsoft.com/office/mac/drawingml/2011/main" xmlns:a14="http://schemas.microsoft.com/office/drawing/2010/main" xmlns:m="http://schemas.openxmlformats.org/officeDocument/2006/math" xmlns="" val="1"/>
+              <ma14:wrappingTextBoxFlag xmlns="" xmlns:m="http://schemas.openxmlformats.org/officeDocument/2006/math" xmlns:a14="http://schemas.microsoft.com/office/drawing/2010/main" xmlns:ma14="http://schemas.microsoft.com/office/mac/drawingml/2011/main" val="1"/>
             </a:ext>
           </a:extLst>
         </p:spPr>
@@ -11687,7 +11901,7 @@
           </a:ln>
           <a:extLst>
             <a:ext uri="{C572A759-6A51-4108-AA02-DFA0A04FC94B}">
-              <ma14:wrappingTextBoxFlag xmlns:ma14="http://schemas.microsoft.com/office/mac/drawingml/2011/main" xmlns:a14="http://schemas.microsoft.com/office/drawing/2010/main" xmlns:m="http://schemas.openxmlformats.org/officeDocument/2006/math" xmlns="" val="1"/>
+              <ma14:wrappingTextBoxFlag xmlns="" xmlns:m="http://schemas.openxmlformats.org/officeDocument/2006/math" xmlns:a14="http://schemas.microsoft.com/office/drawing/2010/main" xmlns:ma14="http://schemas.microsoft.com/office/mac/drawingml/2011/main" val="1"/>
             </a:ext>
           </a:extLst>
         </p:spPr>
@@ -11737,7 +11951,7 @@
           </a:ln>
           <a:extLst>
             <a:ext uri="{C572A759-6A51-4108-AA02-DFA0A04FC94B}">
-              <ma14:wrappingTextBoxFlag xmlns:ma14="http://schemas.microsoft.com/office/mac/drawingml/2011/main" xmlns:a14="http://schemas.microsoft.com/office/drawing/2010/main" xmlns:m="http://schemas.openxmlformats.org/officeDocument/2006/math" xmlns="" val="1"/>
+              <ma14:wrappingTextBoxFlag xmlns="" xmlns:m="http://schemas.openxmlformats.org/officeDocument/2006/math" xmlns:a14="http://schemas.microsoft.com/office/drawing/2010/main" xmlns:ma14="http://schemas.microsoft.com/office/mac/drawingml/2011/main" val="1"/>
             </a:ext>
           </a:extLst>
         </p:spPr>
@@ -11787,7 +12001,7 @@
           </a:ln>
           <a:extLst>
             <a:ext uri="{C572A759-6A51-4108-AA02-DFA0A04FC94B}">
-              <ma14:wrappingTextBoxFlag xmlns:ma14="http://schemas.microsoft.com/office/mac/drawingml/2011/main" xmlns:a14="http://schemas.microsoft.com/office/drawing/2010/main" xmlns:m="http://schemas.openxmlformats.org/officeDocument/2006/math" xmlns="" val="1"/>
+              <ma14:wrappingTextBoxFlag xmlns="" xmlns:m="http://schemas.openxmlformats.org/officeDocument/2006/math" xmlns:a14="http://schemas.microsoft.com/office/drawing/2010/main" xmlns:ma14="http://schemas.microsoft.com/office/mac/drawingml/2011/main" val="1"/>
             </a:ext>
           </a:extLst>
         </p:spPr>
@@ -11837,7 +12051,7 @@
           </a:ln>
           <a:extLst>
             <a:ext uri="{C572A759-6A51-4108-AA02-DFA0A04FC94B}">
-              <ma14:wrappingTextBoxFlag xmlns:ma14="http://schemas.microsoft.com/office/mac/drawingml/2011/main" xmlns:a14="http://schemas.microsoft.com/office/drawing/2010/main" xmlns:m="http://schemas.openxmlformats.org/officeDocument/2006/math" xmlns="" val="1"/>
+              <ma14:wrappingTextBoxFlag xmlns="" xmlns:m="http://schemas.openxmlformats.org/officeDocument/2006/math" xmlns:a14="http://schemas.microsoft.com/office/drawing/2010/main" xmlns:ma14="http://schemas.microsoft.com/office/mac/drawingml/2011/main" val="1"/>
             </a:ext>
           </a:extLst>
         </p:spPr>
@@ -11887,7 +12101,7 @@
           </a:ln>
           <a:extLst>
             <a:ext uri="{C572A759-6A51-4108-AA02-DFA0A04FC94B}">
-              <ma14:wrappingTextBoxFlag xmlns:ma14="http://schemas.microsoft.com/office/mac/drawingml/2011/main" xmlns:a14="http://schemas.microsoft.com/office/drawing/2010/main" xmlns:m="http://schemas.openxmlformats.org/officeDocument/2006/math" xmlns="" val="1"/>
+              <ma14:wrappingTextBoxFlag xmlns="" xmlns:m="http://schemas.openxmlformats.org/officeDocument/2006/math" xmlns:a14="http://schemas.microsoft.com/office/drawing/2010/main" xmlns:ma14="http://schemas.microsoft.com/office/mac/drawingml/2011/main" val="1"/>
             </a:ext>
           </a:extLst>
         </p:spPr>
@@ -12295,7 +12509,7 @@
             </a:ln>
             <a:extLst>
               <a:ext uri="{C572A759-6A51-4108-AA02-DFA0A04FC94B}">
-                <ma14:wrappingTextBoxFlag xmlns:ma14="http://schemas.microsoft.com/office/mac/drawingml/2011/main" xmlns:a14="http://schemas.microsoft.com/office/drawing/2010/main" xmlns:m="http://schemas.openxmlformats.org/officeDocument/2006/math" xmlns="" val="1"/>
+                <ma14:wrappingTextBoxFlag xmlns="" xmlns:m="http://schemas.openxmlformats.org/officeDocument/2006/math" xmlns:a14="http://schemas.microsoft.com/office/drawing/2010/main" xmlns:ma14="http://schemas.microsoft.com/office/mac/drawingml/2011/main" val="1"/>
               </a:ext>
             </a:extLst>
           </p:spPr>
@@ -12383,7 +12597,7 @@
           </a:ln>
           <a:extLst>
             <a:ext uri="{C572A759-6A51-4108-AA02-DFA0A04FC94B}">
-              <ma14:wrappingTextBoxFlag xmlns:ma14="http://schemas.microsoft.com/office/mac/drawingml/2011/main" xmlns:a14="http://schemas.microsoft.com/office/drawing/2010/main" xmlns:m="http://schemas.openxmlformats.org/officeDocument/2006/math" xmlns="" val="1"/>
+              <ma14:wrappingTextBoxFlag xmlns="" xmlns:m="http://schemas.openxmlformats.org/officeDocument/2006/math" xmlns:a14="http://schemas.microsoft.com/office/drawing/2010/main" xmlns:ma14="http://schemas.microsoft.com/office/mac/drawingml/2011/main" val="1"/>
             </a:ext>
           </a:extLst>
         </p:spPr>
@@ -12502,7 +12716,7 @@
           </a:ln>
           <a:extLst>
             <a:ext uri="{C572A759-6A51-4108-AA02-DFA0A04FC94B}">
-              <ma14:wrappingTextBoxFlag xmlns="" xmlns:m="http://schemas.openxmlformats.org/officeDocument/2006/math" xmlns:a14="http://schemas.microsoft.com/office/drawing/2010/main" xmlns:ma14="http://schemas.microsoft.com/office/mac/drawingml/2011/main" val="1"/>
+              <ma14:wrappingTextBoxFlag xmlns:ma14="http://schemas.microsoft.com/office/mac/drawingml/2011/main" xmlns:a14="http://schemas.microsoft.com/office/drawing/2010/main" xmlns:m="http://schemas.openxmlformats.org/officeDocument/2006/math" xmlns="" val="1"/>
             </a:ext>
           </a:extLst>
         </p:spPr>
@@ -12572,7 +12786,7 @@
           </a:ln>
           <a:extLst>
             <a:ext uri="{C572A759-6A51-4108-AA02-DFA0A04FC94B}">
-              <ma14:wrappingTextBoxFlag xmlns="" xmlns:m="http://schemas.openxmlformats.org/officeDocument/2006/math" xmlns:a14="http://schemas.microsoft.com/office/drawing/2010/main" xmlns:ma14="http://schemas.microsoft.com/office/mac/drawingml/2011/main" val="1"/>
+              <ma14:wrappingTextBoxFlag xmlns:ma14="http://schemas.microsoft.com/office/mac/drawingml/2011/main" xmlns:a14="http://schemas.microsoft.com/office/drawing/2010/main" xmlns:m="http://schemas.openxmlformats.org/officeDocument/2006/math" xmlns="" val="1"/>
             </a:ext>
           </a:extLst>
         </p:spPr>
@@ -12622,7 +12836,7 @@
           </a:ln>
           <a:extLst>
             <a:ext uri="{C572A759-6A51-4108-AA02-DFA0A04FC94B}">
-              <ma14:wrappingTextBoxFlag xmlns="" xmlns:m="http://schemas.openxmlformats.org/officeDocument/2006/math" xmlns:a14="http://schemas.microsoft.com/office/drawing/2010/main" xmlns:ma14="http://schemas.microsoft.com/office/mac/drawingml/2011/main" val="1"/>
+              <ma14:wrappingTextBoxFlag xmlns:ma14="http://schemas.microsoft.com/office/mac/drawingml/2011/main" xmlns:a14="http://schemas.microsoft.com/office/drawing/2010/main" xmlns:m="http://schemas.openxmlformats.org/officeDocument/2006/math" xmlns="" val="1"/>
             </a:ext>
           </a:extLst>
         </p:spPr>
@@ -12672,7 +12886,7 @@
           </a:ln>
           <a:extLst>
             <a:ext uri="{C572A759-6A51-4108-AA02-DFA0A04FC94B}">
-              <ma14:wrappingTextBoxFlag xmlns="" xmlns:m="http://schemas.openxmlformats.org/officeDocument/2006/math" xmlns:a14="http://schemas.microsoft.com/office/drawing/2010/main" xmlns:ma14="http://schemas.microsoft.com/office/mac/drawingml/2011/main" val="1"/>
+              <ma14:wrappingTextBoxFlag xmlns:ma14="http://schemas.microsoft.com/office/mac/drawingml/2011/main" xmlns:a14="http://schemas.microsoft.com/office/drawing/2010/main" xmlns:m="http://schemas.openxmlformats.org/officeDocument/2006/math" xmlns="" val="1"/>
             </a:ext>
           </a:extLst>
         </p:spPr>
@@ -12722,7 +12936,7 @@
           </a:ln>
           <a:extLst>
             <a:ext uri="{C572A759-6A51-4108-AA02-DFA0A04FC94B}">
-              <ma14:wrappingTextBoxFlag xmlns="" xmlns:m="http://schemas.openxmlformats.org/officeDocument/2006/math" xmlns:a14="http://schemas.microsoft.com/office/drawing/2010/main" xmlns:ma14="http://schemas.microsoft.com/office/mac/drawingml/2011/main" val="1"/>
+              <ma14:wrappingTextBoxFlag xmlns:ma14="http://schemas.microsoft.com/office/mac/drawingml/2011/main" xmlns:a14="http://schemas.microsoft.com/office/drawing/2010/main" xmlns:m="http://schemas.openxmlformats.org/officeDocument/2006/math" xmlns="" val="1"/>
             </a:ext>
           </a:extLst>
         </p:spPr>
@@ -12772,7 +12986,7 @@
           </a:ln>
           <a:extLst>
             <a:ext uri="{C572A759-6A51-4108-AA02-DFA0A04FC94B}">
-              <ma14:wrappingTextBoxFlag xmlns="" xmlns:m="http://schemas.openxmlformats.org/officeDocument/2006/math" xmlns:a14="http://schemas.microsoft.com/office/drawing/2010/main" xmlns:ma14="http://schemas.microsoft.com/office/mac/drawingml/2011/main" val="1"/>
+              <ma14:wrappingTextBoxFlag xmlns:ma14="http://schemas.microsoft.com/office/mac/drawingml/2011/main" xmlns:a14="http://schemas.microsoft.com/office/drawing/2010/main" xmlns:m="http://schemas.openxmlformats.org/officeDocument/2006/math" xmlns="" val="1"/>
             </a:ext>
           </a:extLst>
         </p:spPr>
@@ -12822,7 +13036,7 @@
           </a:ln>
           <a:extLst>
             <a:ext uri="{C572A759-6A51-4108-AA02-DFA0A04FC94B}">
-              <ma14:wrappingTextBoxFlag xmlns="" xmlns:m="http://schemas.openxmlformats.org/officeDocument/2006/math" xmlns:a14="http://schemas.microsoft.com/office/drawing/2010/main" xmlns:ma14="http://schemas.microsoft.com/office/mac/drawingml/2011/main" val="1"/>
+              <ma14:wrappingTextBoxFlag xmlns:ma14="http://schemas.microsoft.com/office/mac/drawingml/2011/main" xmlns:a14="http://schemas.microsoft.com/office/drawing/2010/main" xmlns:m="http://schemas.openxmlformats.org/officeDocument/2006/math" xmlns="" val="1"/>
             </a:ext>
           </a:extLst>
         </p:spPr>
@@ -12872,7 +13086,7 @@
           </a:ln>
           <a:extLst>
             <a:ext uri="{C572A759-6A51-4108-AA02-DFA0A04FC94B}">
-              <ma14:wrappingTextBoxFlag xmlns="" xmlns:m="http://schemas.openxmlformats.org/officeDocument/2006/math" xmlns:a14="http://schemas.microsoft.com/office/drawing/2010/main" xmlns:ma14="http://schemas.microsoft.com/office/mac/drawingml/2011/main" val="1"/>
+              <ma14:wrappingTextBoxFlag xmlns:ma14="http://schemas.microsoft.com/office/mac/drawingml/2011/main" xmlns:a14="http://schemas.microsoft.com/office/drawing/2010/main" xmlns:m="http://schemas.openxmlformats.org/officeDocument/2006/math" xmlns="" val="1"/>
             </a:ext>
           </a:extLst>
         </p:spPr>
@@ -12922,7 +13136,7 @@
           </a:ln>
           <a:extLst>
             <a:ext uri="{C572A759-6A51-4108-AA02-DFA0A04FC94B}">
-              <ma14:wrappingTextBoxFlag xmlns="" xmlns:m="http://schemas.openxmlformats.org/officeDocument/2006/math" xmlns:a14="http://schemas.microsoft.com/office/drawing/2010/main" xmlns:ma14="http://schemas.microsoft.com/office/mac/drawingml/2011/main" val="1"/>
+              <ma14:wrappingTextBoxFlag xmlns:ma14="http://schemas.microsoft.com/office/mac/drawingml/2011/main" xmlns:a14="http://schemas.microsoft.com/office/drawing/2010/main" xmlns:m="http://schemas.openxmlformats.org/officeDocument/2006/math" xmlns="" val="1"/>
             </a:ext>
           </a:extLst>
         </p:spPr>
@@ -12972,7 +13186,7 @@
           </a:ln>
           <a:extLst>
             <a:ext uri="{C572A759-6A51-4108-AA02-DFA0A04FC94B}">
-              <ma14:wrappingTextBoxFlag xmlns="" xmlns:m="http://schemas.openxmlformats.org/officeDocument/2006/math" xmlns:a14="http://schemas.microsoft.com/office/drawing/2010/main" xmlns:ma14="http://schemas.microsoft.com/office/mac/drawingml/2011/main" val="1"/>
+              <ma14:wrappingTextBoxFlag xmlns:ma14="http://schemas.microsoft.com/office/mac/drawingml/2011/main" xmlns:a14="http://schemas.microsoft.com/office/drawing/2010/main" xmlns:m="http://schemas.openxmlformats.org/officeDocument/2006/math" xmlns="" val="1"/>
             </a:ext>
           </a:extLst>
         </p:spPr>
@@ -13022,7 +13236,7 @@
           </a:ln>
           <a:extLst>
             <a:ext uri="{C572A759-6A51-4108-AA02-DFA0A04FC94B}">
-              <ma14:wrappingTextBoxFlag xmlns="" xmlns:m="http://schemas.openxmlformats.org/officeDocument/2006/math" xmlns:a14="http://schemas.microsoft.com/office/drawing/2010/main" xmlns:ma14="http://schemas.microsoft.com/office/mac/drawingml/2011/main" val="1"/>
+              <ma14:wrappingTextBoxFlag xmlns:ma14="http://schemas.microsoft.com/office/mac/drawingml/2011/main" xmlns:a14="http://schemas.microsoft.com/office/drawing/2010/main" xmlns:m="http://schemas.openxmlformats.org/officeDocument/2006/math" xmlns="" val="1"/>
             </a:ext>
           </a:extLst>
         </p:spPr>
@@ -13072,7 +13286,7 @@
           </a:ln>
           <a:extLst>
             <a:ext uri="{C572A759-6A51-4108-AA02-DFA0A04FC94B}">
-              <ma14:wrappingTextBoxFlag xmlns="" xmlns:m="http://schemas.openxmlformats.org/officeDocument/2006/math" xmlns:a14="http://schemas.microsoft.com/office/drawing/2010/main" xmlns:ma14="http://schemas.microsoft.com/office/mac/drawingml/2011/main" val="1"/>
+              <ma14:wrappingTextBoxFlag xmlns:ma14="http://schemas.microsoft.com/office/mac/drawingml/2011/main" xmlns:a14="http://schemas.microsoft.com/office/drawing/2010/main" xmlns:m="http://schemas.openxmlformats.org/officeDocument/2006/math" xmlns="" val="1"/>
             </a:ext>
           </a:extLst>
         </p:spPr>
@@ -13122,7 +13336,7 @@
           </a:ln>
           <a:extLst>
             <a:ext uri="{C572A759-6A51-4108-AA02-DFA0A04FC94B}">
-              <ma14:wrappingTextBoxFlag xmlns="" xmlns:m="http://schemas.openxmlformats.org/officeDocument/2006/math" xmlns:a14="http://schemas.microsoft.com/office/drawing/2010/main" xmlns:ma14="http://schemas.microsoft.com/office/mac/drawingml/2011/main" val="1"/>
+              <ma14:wrappingTextBoxFlag xmlns:ma14="http://schemas.microsoft.com/office/mac/drawingml/2011/main" xmlns:a14="http://schemas.microsoft.com/office/drawing/2010/main" xmlns:m="http://schemas.openxmlformats.org/officeDocument/2006/math" xmlns="" val="1"/>
             </a:ext>
           </a:extLst>
         </p:spPr>
@@ -13172,7 +13386,7 @@
           </a:ln>
           <a:extLst>
             <a:ext uri="{C572A759-6A51-4108-AA02-DFA0A04FC94B}">
-              <ma14:wrappingTextBoxFlag xmlns="" xmlns:m="http://schemas.openxmlformats.org/officeDocument/2006/math" xmlns:a14="http://schemas.microsoft.com/office/drawing/2010/main" xmlns:ma14="http://schemas.microsoft.com/office/mac/drawingml/2011/main" val="1"/>
+              <ma14:wrappingTextBoxFlag xmlns:ma14="http://schemas.microsoft.com/office/mac/drawingml/2011/main" xmlns:a14="http://schemas.microsoft.com/office/drawing/2010/main" xmlns:m="http://schemas.openxmlformats.org/officeDocument/2006/math" xmlns="" val="1"/>
             </a:ext>
           </a:extLst>
         </p:spPr>
@@ -13222,7 +13436,7 @@
           </a:ln>
           <a:extLst>
             <a:ext uri="{C572A759-6A51-4108-AA02-DFA0A04FC94B}">
-              <ma14:wrappingTextBoxFlag xmlns="" xmlns:m="http://schemas.openxmlformats.org/officeDocument/2006/math" xmlns:a14="http://schemas.microsoft.com/office/drawing/2010/main" xmlns:ma14="http://schemas.microsoft.com/office/mac/drawingml/2011/main" val="1"/>
+              <ma14:wrappingTextBoxFlag xmlns:ma14="http://schemas.microsoft.com/office/mac/drawingml/2011/main" xmlns:a14="http://schemas.microsoft.com/office/drawing/2010/main" xmlns:m="http://schemas.openxmlformats.org/officeDocument/2006/math" xmlns="" val="1"/>
             </a:ext>
           </a:extLst>
         </p:spPr>
@@ -13272,7 +13486,7 @@
           </a:ln>
           <a:extLst>
             <a:ext uri="{C572A759-6A51-4108-AA02-DFA0A04FC94B}">
-              <ma14:wrappingTextBoxFlag xmlns="" xmlns:m="http://schemas.openxmlformats.org/officeDocument/2006/math" xmlns:a14="http://schemas.microsoft.com/office/drawing/2010/main" xmlns:ma14="http://schemas.microsoft.com/office/mac/drawingml/2011/main" val="1"/>
+              <ma14:wrappingTextBoxFlag xmlns:ma14="http://schemas.microsoft.com/office/mac/drawingml/2011/main" xmlns:a14="http://schemas.microsoft.com/office/drawing/2010/main" xmlns:m="http://schemas.openxmlformats.org/officeDocument/2006/math" xmlns="" val="1"/>
             </a:ext>
           </a:extLst>
         </p:spPr>
@@ -13322,7 +13536,7 @@
           </a:ln>
           <a:extLst>
             <a:ext uri="{C572A759-6A51-4108-AA02-DFA0A04FC94B}">
-              <ma14:wrappingTextBoxFlag xmlns="" xmlns:m="http://schemas.openxmlformats.org/officeDocument/2006/math" xmlns:a14="http://schemas.microsoft.com/office/drawing/2010/main" xmlns:ma14="http://schemas.microsoft.com/office/mac/drawingml/2011/main" val="1"/>
+              <ma14:wrappingTextBoxFlag xmlns:ma14="http://schemas.microsoft.com/office/mac/drawingml/2011/main" xmlns:a14="http://schemas.microsoft.com/office/drawing/2010/main" xmlns:m="http://schemas.openxmlformats.org/officeDocument/2006/math" xmlns="" val="1"/>
             </a:ext>
           </a:extLst>
         </p:spPr>
@@ -13372,7 +13586,7 @@
           </a:ln>
           <a:extLst>
             <a:ext uri="{C572A759-6A51-4108-AA02-DFA0A04FC94B}">
-              <ma14:wrappingTextBoxFlag xmlns="" xmlns:m="http://schemas.openxmlformats.org/officeDocument/2006/math" xmlns:a14="http://schemas.microsoft.com/office/drawing/2010/main" xmlns:ma14="http://schemas.microsoft.com/office/mac/drawingml/2011/main" val="1"/>
+              <ma14:wrappingTextBoxFlag xmlns:ma14="http://schemas.microsoft.com/office/mac/drawingml/2011/main" xmlns:a14="http://schemas.microsoft.com/office/drawing/2010/main" xmlns:m="http://schemas.openxmlformats.org/officeDocument/2006/math" xmlns="" val="1"/>
             </a:ext>
           </a:extLst>
         </p:spPr>
@@ -13422,7 +13636,7 @@
           </a:ln>
           <a:extLst>
             <a:ext uri="{C572A759-6A51-4108-AA02-DFA0A04FC94B}">
-              <ma14:wrappingTextBoxFlag xmlns="" xmlns:m="http://schemas.openxmlformats.org/officeDocument/2006/math" xmlns:a14="http://schemas.microsoft.com/office/drawing/2010/main" xmlns:ma14="http://schemas.microsoft.com/office/mac/drawingml/2011/main" val="1"/>
+              <ma14:wrappingTextBoxFlag xmlns:ma14="http://schemas.microsoft.com/office/mac/drawingml/2011/main" xmlns:a14="http://schemas.microsoft.com/office/drawing/2010/main" xmlns:m="http://schemas.openxmlformats.org/officeDocument/2006/math" xmlns="" val="1"/>
             </a:ext>
           </a:extLst>
         </p:spPr>
@@ -13472,7 +13686,7 @@
           </a:ln>
           <a:extLst>
             <a:ext uri="{C572A759-6A51-4108-AA02-DFA0A04FC94B}">
-              <ma14:wrappingTextBoxFlag xmlns="" xmlns:m="http://schemas.openxmlformats.org/officeDocument/2006/math" xmlns:a14="http://schemas.microsoft.com/office/drawing/2010/main" xmlns:ma14="http://schemas.microsoft.com/office/mac/drawingml/2011/main" val="1"/>
+              <ma14:wrappingTextBoxFlag xmlns:ma14="http://schemas.microsoft.com/office/mac/drawingml/2011/main" xmlns:a14="http://schemas.microsoft.com/office/drawing/2010/main" xmlns:m="http://schemas.openxmlformats.org/officeDocument/2006/math" xmlns="" val="1"/>
             </a:ext>
           </a:extLst>
         </p:spPr>
@@ -13522,7 +13736,7 @@
           </a:ln>
           <a:extLst>
             <a:ext uri="{C572A759-6A51-4108-AA02-DFA0A04FC94B}">
-              <ma14:wrappingTextBoxFlag xmlns="" xmlns:m="http://schemas.openxmlformats.org/officeDocument/2006/math" xmlns:a14="http://schemas.microsoft.com/office/drawing/2010/main" xmlns:ma14="http://schemas.microsoft.com/office/mac/drawingml/2011/main" val="1"/>
+              <ma14:wrappingTextBoxFlag xmlns:ma14="http://schemas.microsoft.com/office/mac/drawingml/2011/main" xmlns:a14="http://schemas.microsoft.com/office/drawing/2010/main" xmlns:m="http://schemas.openxmlformats.org/officeDocument/2006/math" xmlns="" val="1"/>
             </a:ext>
           </a:extLst>
         </p:spPr>
@@ -13572,7 +13786,7 @@
           </a:ln>
           <a:extLst>
             <a:ext uri="{C572A759-6A51-4108-AA02-DFA0A04FC94B}">
-              <ma14:wrappingTextBoxFlag xmlns="" xmlns:m="http://schemas.openxmlformats.org/officeDocument/2006/math" xmlns:a14="http://schemas.microsoft.com/office/drawing/2010/main" xmlns:ma14="http://schemas.microsoft.com/office/mac/drawingml/2011/main" val="1"/>
+              <ma14:wrappingTextBoxFlag xmlns:ma14="http://schemas.microsoft.com/office/mac/drawingml/2011/main" xmlns:a14="http://schemas.microsoft.com/office/drawing/2010/main" xmlns:m="http://schemas.openxmlformats.org/officeDocument/2006/math" xmlns="" val="1"/>
             </a:ext>
           </a:extLst>
         </p:spPr>
@@ -13622,7 +13836,7 @@
           </a:ln>
           <a:extLst>
             <a:ext uri="{C572A759-6A51-4108-AA02-DFA0A04FC94B}">
-              <ma14:wrappingTextBoxFlag xmlns="" xmlns:m="http://schemas.openxmlformats.org/officeDocument/2006/math" xmlns:a14="http://schemas.microsoft.com/office/drawing/2010/main" xmlns:ma14="http://schemas.microsoft.com/office/mac/drawingml/2011/main" val="1"/>
+              <ma14:wrappingTextBoxFlag xmlns:ma14="http://schemas.microsoft.com/office/mac/drawingml/2011/main" xmlns:a14="http://schemas.microsoft.com/office/drawing/2010/main" xmlns:m="http://schemas.openxmlformats.org/officeDocument/2006/math" xmlns="" val="1"/>
             </a:ext>
           </a:extLst>
         </p:spPr>
@@ -13672,7 +13886,7 @@
           </a:ln>
           <a:extLst>
             <a:ext uri="{C572A759-6A51-4108-AA02-DFA0A04FC94B}">
-              <ma14:wrappingTextBoxFlag xmlns="" xmlns:m="http://schemas.openxmlformats.org/officeDocument/2006/math" xmlns:a14="http://schemas.microsoft.com/office/drawing/2010/main" xmlns:ma14="http://schemas.microsoft.com/office/mac/drawingml/2011/main" val="1"/>
+              <ma14:wrappingTextBoxFlag xmlns:ma14="http://schemas.microsoft.com/office/mac/drawingml/2011/main" xmlns:a14="http://schemas.microsoft.com/office/drawing/2010/main" xmlns:m="http://schemas.openxmlformats.org/officeDocument/2006/math" xmlns="" val="1"/>
             </a:ext>
           </a:extLst>
         </p:spPr>
@@ -13722,7 +13936,7 @@
           </a:ln>
           <a:extLst>
             <a:ext uri="{C572A759-6A51-4108-AA02-DFA0A04FC94B}">
-              <ma14:wrappingTextBoxFlag xmlns="" xmlns:m="http://schemas.openxmlformats.org/officeDocument/2006/math" xmlns:a14="http://schemas.microsoft.com/office/drawing/2010/main" xmlns:ma14="http://schemas.microsoft.com/office/mac/drawingml/2011/main" val="1"/>
+              <ma14:wrappingTextBoxFlag xmlns:ma14="http://schemas.microsoft.com/office/mac/drawingml/2011/main" xmlns:a14="http://schemas.microsoft.com/office/drawing/2010/main" xmlns:m="http://schemas.openxmlformats.org/officeDocument/2006/math" xmlns="" val="1"/>
             </a:ext>
           </a:extLst>
         </p:spPr>
@@ -13772,7 +13986,7 @@
           </a:ln>
           <a:extLst>
             <a:ext uri="{C572A759-6A51-4108-AA02-DFA0A04FC94B}">
-              <ma14:wrappingTextBoxFlag xmlns="" xmlns:m="http://schemas.openxmlformats.org/officeDocument/2006/math" xmlns:a14="http://schemas.microsoft.com/office/drawing/2010/main" xmlns:ma14="http://schemas.microsoft.com/office/mac/drawingml/2011/main" val="1"/>
+              <ma14:wrappingTextBoxFlag xmlns:ma14="http://schemas.microsoft.com/office/mac/drawingml/2011/main" xmlns:a14="http://schemas.microsoft.com/office/drawing/2010/main" xmlns:m="http://schemas.openxmlformats.org/officeDocument/2006/math" xmlns="" val="1"/>
             </a:ext>
           </a:extLst>
         </p:spPr>
@@ -13822,7 +14036,7 @@
           </a:ln>
           <a:extLst>
             <a:ext uri="{C572A759-6A51-4108-AA02-DFA0A04FC94B}">
-              <ma14:wrappingTextBoxFlag xmlns="" xmlns:m="http://schemas.openxmlformats.org/officeDocument/2006/math" xmlns:a14="http://schemas.microsoft.com/office/drawing/2010/main" xmlns:ma14="http://schemas.microsoft.com/office/mac/drawingml/2011/main" val="1"/>
+              <ma14:wrappingTextBoxFlag xmlns:ma14="http://schemas.microsoft.com/office/mac/drawingml/2011/main" xmlns:a14="http://schemas.microsoft.com/office/drawing/2010/main" xmlns:m="http://schemas.openxmlformats.org/officeDocument/2006/math" xmlns="" val="1"/>
             </a:ext>
           </a:extLst>
         </p:spPr>
@@ -13872,7 +14086,7 @@
           </a:ln>
           <a:extLst>
             <a:ext uri="{C572A759-6A51-4108-AA02-DFA0A04FC94B}">
-              <ma14:wrappingTextBoxFlag xmlns="" xmlns:m="http://schemas.openxmlformats.org/officeDocument/2006/math" xmlns:a14="http://schemas.microsoft.com/office/drawing/2010/main" xmlns:ma14="http://schemas.microsoft.com/office/mac/drawingml/2011/main" val="1"/>
+              <ma14:wrappingTextBoxFlag xmlns:ma14="http://schemas.microsoft.com/office/mac/drawingml/2011/main" xmlns:a14="http://schemas.microsoft.com/office/drawing/2010/main" xmlns:m="http://schemas.openxmlformats.org/officeDocument/2006/math" xmlns="" val="1"/>
             </a:ext>
           </a:extLst>
         </p:spPr>
@@ -13922,7 +14136,7 @@
           </a:ln>
           <a:extLst>
             <a:ext uri="{C572A759-6A51-4108-AA02-DFA0A04FC94B}">
-              <ma14:wrappingTextBoxFlag xmlns="" xmlns:m="http://schemas.openxmlformats.org/officeDocument/2006/math" xmlns:a14="http://schemas.microsoft.com/office/drawing/2010/main" xmlns:ma14="http://schemas.microsoft.com/office/mac/drawingml/2011/main" val="1"/>
+              <ma14:wrappingTextBoxFlag xmlns:ma14="http://schemas.microsoft.com/office/mac/drawingml/2011/main" xmlns:a14="http://schemas.microsoft.com/office/drawing/2010/main" xmlns:m="http://schemas.openxmlformats.org/officeDocument/2006/math" xmlns="" val="1"/>
             </a:ext>
           </a:extLst>
         </p:spPr>
@@ -13972,7 +14186,7 @@
           </a:ln>
           <a:extLst>
             <a:ext uri="{C572A759-6A51-4108-AA02-DFA0A04FC94B}">
-              <ma14:wrappingTextBoxFlag xmlns="" xmlns:m="http://schemas.openxmlformats.org/officeDocument/2006/math" xmlns:a14="http://schemas.microsoft.com/office/drawing/2010/main" xmlns:ma14="http://schemas.microsoft.com/office/mac/drawingml/2011/main" val="1"/>
+              <ma14:wrappingTextBoxFlag xmlns:ma14="http://schemas.microsoft.com/office/mac/drawingml/2011/main" xmlns:a14="http://schemas.microsoft.com/office/drawing/2010/main" xmlns:m="http://schemas.openxmlformats.org/officeDocument/2006/math" xmlns="" val="1"/>
             </a:ext>
           </a:extLst>
         </p:spPr>
@@ -14380,7 +14594,7 @@
             </a:ln>
             <a:extLst>
               <a:ext uri="{C572A759-6A51-4108-AA02-DFA0A04FC94B}">
-                <ma14:wrappingTextBoxFlag xmlns:ma14="http://schemas.microsoft.com/office/mac/drawingml/2011/main" xmlns:a14="http://schemas.microsoft.com/office/drawing/2010/main" xmlns:m="http://schemas.openxmlformats.org/officeDocument/2006/math" xmlns="" val="1"/>
+                <ma14:wrappingTextBoxFlag xmlns="" xmlns:m="http://schemas.openxmlformats.org/officeDocument/2006/math" xmlns:a14="http://schemas.microsoft.com/office/drawing/2010/main" xmlns:ma14="http://schemas.microsoft.com/office/mac/drawingml/2011/main" val="1"/>
               </a:ext>
             </a:extLst>
           </p:spPr>
@@ -14542,7 +14756,7 @@
           </a:ln>
           <a:extLst>
             <a:ext uri="{C572A759-6A51-4108-AA02-DFA0A04FC94B}">
-              <ma14:wrappingTextBoxFlag xmlns="" xmlns:m="http://schemas.openxmlformats.org/officeDocument/2006/math" xmlns:a14="http://schemas.microsoft.com/office/drawing/2010/main" xmlns:ma14="http://schemas.microsoft.com/office/mac/drawingml/2011/main" val="1"/>
+              <ma14:wrappingTextBoxFlag xmlns:ma14="http://schemas.microsoft.com/office/mac/drawingml/2011/main" xmlns:a14="http://schemas.microsoft.com/office/drawing/2010/main" xmlns:m="http://schemas.openxmlformats.org/officeDocument/2006/math" xmlns="" val="1"/>
             </a:ext>
           </a:extLst>
         </p:spPr>
@@ -14592,7 +14806,7 @@
           </a:ln>
           <a:extLst>
             <a:ext uri="{C572A759-6A51-4108-AA02-DFA0A04FC94B}">
-              <ma14:wrappingTextBoxFlag xmlns="" xmlns:m="http://schemas.openxmlformats.org/officeDocument/2006/math" xmlns:a14="http://schemas.microsoft.com/office/drawing/2010/main" xmlns:ma14="http://schemas.microsoft.com/office/mac/drawingml/2011/main" val="1"/>
+              <ma14:wrappingTextBoxFlag xmlns:ma14="http://schemas.microsoft.com/office/mac/drawingml/2011/main" xmlns:a14="http://schemas.microsoft.com/office/drawing/2010/main" xmlns:m="http://schemas.openxmlformats.org/officeDocument/2006/math" xmlns="" val="1"/>
             </a:ext>
           </a:extLst>
         </p:spPr>
@@ -14642,7 +14856,7 @@
           </a:ln>
           <a:extLst>
             <a:ext uri="{C572A759-6A51-4108-AA02-DFA0A04FC94B}">
-              <ma14:wrappingTextBoxFlag xmlns="" xmlns:m="http://schemas.openxmlformats.org/officeDocument/2006/math" xmlns:a14="http://schemas.microsoft.com/office/drawing/2010/main" xmlns:ma14="http://schemas.microsoft.com/office/mac/drawingml/2011/main" val="1"/>
+              <ma14:wrappingTextBoxFlag xmlns:ma14="http://schemas.microsoft.com/office/mac/drawingml/2011/main" xmlns:a14="http://schemas.microsoft.com/office/drawing/2010/main" xmlns:m="http://schemas.openxmlformats.org/officeDocument/2006/math" xmlns="" val="1"/>
             </a:ext>
           </a:extLst>
         </p:spPr>
@@ -14692,7 +14906,7 @@
           </a:ln>
           <a:extLst>
             <a:ext uri="{C572A759-6A51-4108-AA02-DFA0A04FC94B}">
-              <ma14:wrappingTextBoxFlag xmlns="" xmlns:m="http://schemas.openxmlformats.org/officeDocument/2006/math" xmlns:a14="http://schemas.microsoft.com/office/drawing/2010/main" xmlns:ma14="http://schemas.microsoft.com/office/mac/drawingml/2011/main" val="1"/>
+              <ma14:wrappingTextBoxFlag xmlns:ma14="http://schemas.microsoft.com/office/mac/drawingml/2011/main" xmlns:a14="http://schemas.microsoft.com/office/drawing/2010/main" xmlns:m="http://schemas.openxmlformats.org/officeDocument/2006/math" xmlns="" val="1"/>
             </a:ext>
           </a:extLst>
         </p:spPr>
@@ -14742,7 +14956,7 @@
           </a:ln>
           <a:extLst>
             <a:ext uri="{C572A759-6A51-4108-AA02-DFA0A04FC94B}">
-              <ma14:wrappingTextBoxFlag xmlns="" xmlns:m="http://schemas.openxmlformats.org/officeDocument/2006/math" xmlns:a14="http://schemas.microsoft.com/office/drawing/2010/main" xmlns:ma14="http://schemas.microsoft.com/office/mac/drawingml/2011/main" val="1"/>
+              <ma14:wrappingTextBoxFlag xmlns:ma14="http://schemas.microsoft.com/office/mac/drawingml/2011/main" xmlns:a14="http://schemas.microsoft.com/office/drawing/2010/main" xmlns:m="http://schemas.openxmlformats.org/officeDocument/2006/math" xmlns="" val="1"/>
             </a:ext>
           </a:extLst>
         </p:spPr>
@@ -14792,7 +15006,7 @@
           </a:ln>
           <a:extLst>
             <a:ext uri="{C572A759-6A51-4108-AA02-DFA0A04FC94B}">
-              <ma14:wrappingTextBoxFlag xmlns="" xmlns:m="http://schemas.openxmlformats.org/officeDocument/2006/math" xmlns:a14="http://schemas.microsoft.com/office/drawing/2010/main" xmlns:ma14="http://schemas.microsoft.com/office/mac/drawingml/2011/main" val="1"/>
+              <ma14:wrappingTextBoxFlag xmlns:ma14="http://schemas.microsoft.com/office/mac/drawingml/2011/main" xmlns:a14="http://schemas.microsoft.com/office/drawing/2010/main" xmlns:m="http://schemas.openxmlformats.org/officeDocument/2006/math" xmlns="" val="1"/>
             </a:ext>
           </a:extLst>
         </p:spPr>
@@ -14842,7 +15056,7 @@
           </a:ln>
           <a:extLst>
             <a:ext uri="{C572A759-6A51-4108-AA02-DFA0A04FC94B}">
-              <ma14:wrappingTextBoxFlag xmlns="" xmlns:m="http://schemas.openxmlformats.org/officeDocument/2006/math" xmlns:a14="http://schemas.microsoft.com/office/drawing/2010/main" xmlns:ma14="http://schemas.microsoft.com/office/mac/drawingml/2011/main" val="1"/>
+              <ma14:wrappingTextBoxFlag xmlns:ma14="http://schemas.microsoft.com/office/mac/drawingml/2011/main" xmlns:a14="http://schemas.microsoft.com/office/drawing/2010/main" xmlns:m="http://schemas.openxmlformats.org/officeDocument/2006/math" xmlns="" val="1"/>
             </a:ext>
           </a:extLst>
         </p:spPr>
@@ -14892,7 +15106,7 @@
           </a:ln>
           <a:extLst>
             <a:ext uri="{C572A759-6A51-4108-AA02-DFA0A04FC94B}">
-              <ma14:wrappingTextBoxFlag xmlns="" xmlns:m="http://schemas.openxmlformats.org/officeDocument/2006/math" xmlns:a14="http://schemas.microsoft.com/office/drawing/2010/main" xmlns:ma14="http://schemas.microsoft.com/office/mac/drawingml/2011/main" val="1"/>
+              <ma14:wrappingTextBoxFlag xmlns:ma14="http://schemas.microsoft.com/office/mac/drawingml/2011/main" xmlns:a14="http://schemas.microsoft.com/office/drawing/2010/main" xmlns:m="http://schemas.openxmlformats.org/officeDocument/2006/math" xmlns="" val="1"/>
             </a:ext>
           </a:extLst>
         </p:spPr>
@@ -14942,7 +15156,7 @@
           </a:ln>
           <a:extLst>
             <a:ext uri="{C572A759-6A51-4108-AA02-DFA0A04FC94B}">
-              <ma14:wrappingTextBoxFlag xmlns="" xmlns:m="http://schemas.openxmlformats.org/officeDocument/2006/math" xmlns:a14="http://schemas.microsoft.com/office/drawing/2010/main" xmlns:ma14="http://schemas.microsoft.com/office/mac/drawingml/2011/main" val="1"/>
+              <ma14:wrappingTextBoxFlag xmlns:ma14="http://schemas.microsoft.com/office/mac/drawingml/2011/main" xmlns:a14="http://schemas.microsoft.com/office/drawing/2010/main" xmlns:m="http://schemas.openxmlformats.org/officeDocument/2006/math" xmlns="" val="1"/>
             </a:ext>
           </a:extLst>
         </p:spPr>
@@ -14992,7 +15206,7 @@
           </a:ln>
           <a:extLst>
             <a:ext uri="{C572A759-6A51-4108-AA02-DFA0A04FC94B}">
-              <ma14:wrappingTextBoxFlag xmlns="" xmlns:m="http://schemas.openxmlformats.org/officeDocument/2006/math" xmlns:a14="http://schemas.microsoft.com/office/drawing/2010/main" xmlns:ma14="http://schemas.microsoft.com/office/mac/drawingml/2011/main" val="1"/>
+              <ma14:wrappingTextBoxFlag xmlns:ma14="http://schemas.microsoft.com/office/mac/drawingml/2011/main" xmlns:a14="http://schemas.microsoft.com/office/drawing/2010/main" xmlns:m="http://schemas.openxmlformats.org/officeDocument/2006/math" xmlns="" val="1"/>
             </a:ext>
           </a:extLst>
         </p:spPr>
@@ -15042,7 +15256,7 @@
           </a:ln>
           <a:extLst>
             <a:ext uri="{C572A759-6A51-4108-AA02-DFA0A04FC94B}">
-              <ma14:wrappingTextBoxFlag xmlns="" xmlns:m="http://schemas.openxmlformats.org/officeDocument/2006/math" xmlns:a14="http://schemas.microsoft.com/office/drawing/2010/main" xmlns:ma14="http://schemas.microsoft.com/office/mac/drawingml/2011/main" val="1"/>
+              <ma14:wrappingTextBoxFlag xmlns:ma14="http://schemas.microsoft.com/office/mac/drawingml/2011/main" xmlns:a14="http://schemas.microsoft.com/office/drawing/2010/main" xmlns:m="http://schemas.openxmlformats.org/officeDocument/2006/math" xmlns="" val="1"/>
             </a:ext>
           </a:extLst>
         </p:spPr>
@@ -15092,7 +15306,7 @@
           </a:ln>
           <a:extLst>
             <a:ext uri="{C572A759-6A51-4108-AA02-DFA0A04FC94B}">
-              <ma14:wrappingTextBoxFlag xmlns="" xmlns:m="http://schemas.openxmlformats.org/officeDocument/2006/math" xmlns:a14="http://schemas.microsoft.com/office/drawing/2010/main" xmlns:ma14="http://schemas.microsoft.com/office/mac/drawingml/2011/main" val="1"/>
+              <ma14:wrappingTextBoxFlag xmlns:ma14="http://schemas.microsoft.com/office/mac/drawingml/2011/main" xmlns:a14="http://schemas.microsoft.com/office/drawing/2010/main" xmlns:m="http://schemas.openxmlformats.org/officeDocument/2006/math" xmlns="" val="1"/>
             </a:ext>
           </a:extLst>
         </p:spPr>
@@ -15142,7 +15356,7 @@
           </a:ln>
           <a:extLst>
             <a:ext uri="{C572A759-6A51-4108-AA02-DFA0A04FC94B}">
-              <ma14:wrappingTextBoxFlag xmlns="" xmlns:m="http://schemas.openxmlformats.org/officeDocument/2006/math" xmlns:a14="http://schemas.microsoft.com/office/drawing/2010/main" xmlns:ma14="http://schemas.microsoft.com/office/mac/drawingml/2011/main" val="1"/>
+              <ma14:wrappingTextBoxFlag xmlns:ma14="http://schemas.microsoft.com/office/mac/drawingml/2011/main" xmlns:a14="http://schemas.microsoft.com/office/drawing/2010/main" xmlns:m="http://schemas.openxmlformats.org/officeDocument/2006/math" xmlns="" val="1"/>
             </a:ext>
           </a:extLst>
         </p:spPr>
@@ -15192,7 +15406,7 @@
           </a:ln>
           <a:extLst>
             <a:ext uri="{C572A759-6A51-4108-AA02-DFA0A04FC94B}">
-              <ma14:wrappingTextBoxFlag xmlns="" xmlns:m="http://schemas.openxmlformats.org/officeDocument/2006/math" xmlns:a14="http://schemas.microsoft.com/office/drawing/2010/main" xmlns:ma14="http://schemas.microsoft.com/office/mac/drawingml/2011/main" val="1"/>
+              <ma14:wrappingTextBoxFlag xmlns:ma14="http://schemas.microsoft.com/office/mac/drawingml/2011/main" xmlns:a14="http://schemas.microsoft.com/office/drawing/2010/main" xmlns:m="http://schemas.openxmlformats.org/officeDocument/2006/math" xmlns="" val="1"/>
             </a:ext>
           </a:extLst>
         </p:spPr>
@@ -15242,7 +15456,7 @@
           </a:ln>
           <a:extLst>
             <a:ext uri="{C572A759-6A51-4108-AA02-DFA0A04FC94B}">
-              <ma14:wrappingTextBoxFlag xmlns="" xmlns:m="http://schemas.openxmlformats.org/officeDocument/2006/math" xmlns:a14="http://schemas.microsoft.com/office/drawing/2010/main" xmlns:ma14="http://schemas.microsoft.com/office/mac/drawingml/2011/main" val="1"/>
+              <ma14:wrappingTextBoxFlag xmlns:ma14="http://schemas.microsoft.com/office/mac/drawingml/2011/main" xmlns:a14="http://schemas.microsoft.com/office/drawing/2010/main" xmlns:m="http://schemas.openxmlformats.org/officeDocument/2006/math" xmlns="" val="1"/>
             </a:ext>
           </a:extLst>
         </p:spPr>
@@ -15292,7 +15506,7 @@
           </a:ln>
           <a:extLst>
             <a:ext uri="{C572A759-6A51-4108-AA02-DFA0A04FC94B}">
-              <ma14:wrappingTextBoxFlag xmlns="" xmlns:m="http://schemas.openxmlformats.org/officeDocument/2006/math" xmlns:a14="http://schemas.microsoft.com/office/drawing/2010/main" xmlns:ma14="http://schemas.microsoft.com/office/mac/drawingml/2011/main" val="1"/>
+              <ma14:wrappingTextBoxFlag xmlns:ma14="http://schemas.microsoft.com/office/mac/drawingml/2011/main" xmlns:a14="http://schemas.microsoft.com/office/drawing/2010/main" xmlns:m="http://schemas.openxmlformats.org/officeDocument/2006/math" xmlns="" val="1"/>
             </a:ext>
           </a:extLst>
         </p:spPr>
@@ -15342,7 +15556,7 @@
           </a:ln>
           <a:extLst>
             <a:ext uri="{C572A759-6A51-4108-AA02-DFA0A04FC94B}">
-              <ma14:wrappingTextBoxFlag xmlns="" xmlns:m="http://schemas.openxmlformats.org/officeDocument/2006/math" xmlns:a14="http://schemas.microsoft.com/office/drawing/2010/main" xmlns:ma14="http://schemas.microsoft.com/office/mac/drawingml/2011/main" val="1"/>
+              <ma14:wrappingTextBoxFlag xmlns:ma14="http://schemas.microsoft.com/office/mac/drawingml/2011/main" xmlns:a14="http://schemas.microsoft.com/office/drawing/2010/main" xmlns:m="http://schemas.openxmlformats.org/officeDocument/2006/math" xmlns="" val="1"/>
             </a:ext>
           </a:extLst>
         </p:spPr>
@@ -15392,7 +15606,7 @@
           </a:ln>
           <a:extLst>
             <a:ext uri="{C572A759-6A51-4108-AA02-DFA0A04FC94B}">
-              <ma14:wrappingTextBoxFlag xmlns="" xmlns:m="http://schemas.openxmlformats.org/officeDocument/2006/math" xmlns:a14="http://schemas.microsoft.com/office/drawing/2010/main" xmlns:ma14="http://schemas.microsoft.com/office/mac/drawingml/2011/main" val="1"/>
+              <ma14:wrappingTextBoxFlag xmlns:ma14="http://schemas.microsoft.com/office/mac/drawingml/2011/main" xmlns:a14="http://schemas.microsoft.com/office/drawing/2010/main" xmlns:m="http://schemas.openxmlformats.org/officeDocument/2006/math" xmlns="" val="1"/>
             </a:ext>
           </a:extLst>
         </p:spPr>
@@ -15442,7 +15656,7 @@
           </a:ln>
           <a:extLst>
             <a:ext uri="{C572A759-6A51-4108-AA02-DFA0A04FC94B}">
-              <ma14:wrappingTextBoxFlag xmlns="" xmlns:m="http://schemas.openxmlformats.org/officeDocument/2006/math" xmlns:a14="http://schemas.microsoft.com/office/drawing/2010/main" xmlns:ma14="http://schemas.microsoft.com/office/mac/drawingml/2011/main" val="1"/>
+              <ma14:wrappingTextBoxFlag xmlns:ma14="http://schemas.microsoft.com/office/mac/drawingml/2011/main" xmlns:a14="http://schemas.microsoft.com/office/drawing/2010/main" xmlns:m="http://schemas.openxmlformats.org/officeDocument/2006/math" xmlns="" val="1"/>
             </a:ext>
           </a:extLst>
         </p:spPr>
@@ -15492,7 +15706,7 @@
           </a:ln>
           <a:extLst>
             <a:ext uri="{C572A759-6A51-4108-AA02-DFA0A04FC94B}">
-              <ma14:wrappingTextBoxFlag xmlns="" xmlns:m="http://schemas.openxmlformats.org/officeDocument/2006/math" xmlns:a14="http://schemas.microsoft.com/office/drawing/2010/main" xmlns:ma14="http://schemas.microsoft.com/office/mac/drawingml/2011/main" val="1"/>
+              <ma14:wrappingTextBoxFlag xmlns:ma14="http://schemas.microsoft.com/office/mac/drawingml/2011/main" xmlns:a14="http://schemas.microsoft.com/office/drawing/2010/main" xmlns:m="http://schemas.openxmlformats.org/officeDocument/2006/math" xmlns="" val="1"/>
             </a:ext>
           </a:extLst>
         </p:spPr>
@@ -15542,7 +15756,7 @@
           </a:ln>
           <a:extLst>
             <a:ext uri="{C572A759-6A51-4108-AA02-DFA0A04FC94B}">
-              <ma14:wrappingTextBoxFlag xmlns="" xmlns:m="http://schemas.openxmlformats.org/officeDocument/2006/math" xmlns:a14="http://schemas.microsoft.com/office/drawing/2010/main" xmlns:ma14="http://schemas.microsoft.com/office/mac/drawingml/2011/main" val="1"/>
+              <ma14:wrappingTextBoxFlag xmlns:ma14="http://schemas.microsoft.com/office/mac/drawingml/2011/main" xmlns:a14="http://schemas.microsoft.com/office/drawing/2010/main" xmlns:m="http://schemas.openxmlformats.org/officeDocument/2006/math" xmlns="" val="1"/>
             </a:ext>
           </a:extLst>
         </p:spPr>
@@ -15592,7 +15806,7 @@
           </a:ln>
           <a:extLst>
             <a:ext uri="{C572A759-6A51-4108-AA02-DFA0A04FC94B}">
-              <ma14:wrappingTextBoxFlag xmlns="" xmlns:m="http://schemas.openxmlformats.org/officeDocument/2006/math" xmlns:a14="http://schemas.microsoft.com/office/drawing/2010/main" xmlns:ma14="http://schemas.microsoft.com/office/mac/drawingml/2011/main" val="1"/>
+              <ma14:wrappingTextBoxFlag xmlns:ma14="http://schemas.microsoft.com/office/mac/drawingml/2011/main" xmlns:a14="http://schemas.microsoft.com/office/drawing/2010/main" xmlns:m="http://schemas.openxmlformats.org/officeDocument/2006/math" xmlns="" val="1"/>
             </a:ext>
           </a:extLst>
         </p:spPr>
@@ -15642,7 +15856,7 @@
           </a:ln>
           <a:extLst>
             <a:ext uri="{C572A759-6A51-4108-AA02-DFA0A04FC94B}">
-              <ma14:wrappingTextBoxFlag xmlns="" xmlns:m="http://schemas.openxmlformats.org/officeDocument/2006/math" xmlns:a14="http://schemas.microsoft.com/office/drawing/2010/main" xmlns:ma14="http://schemas.microsoft.com/office/mac/drawingml/2011/main" val="1"/>
+              <ma14:wrappingTextBoxFlag xmlns:ma14="http://schemas.microsoft.com/office/mac/drawingml/2011/main" xmlns:a14="http://schemas.microsoft.com/office/drawing/2010/main" xmlns:m="http://schemas.openxmlformats.org/officeDocument/2006/math" xmlns="" val="1"/>
             </a:ext>
           </a:extLst>
         </p:spPr>
@@ -15692,7 +15906,7 @@
           </a:ln>
           <a:extLst>
             <a:ext uri="{C572A759-6A51-4108-AA02-DFA0A04FC94B}">
-              <ma14:wrappingTextBoxFlag xmlns="" xmlns:m="http://schemas.openxmlformats.org/officeDocument/2006/math" xmlns:a14="http://schemas.microsoft.com/office/drawing/2010/main" xmlns:ma14="http://schemas.microsoft.com/office/mac/drawingml/2011/main" val="1"/>
+              <ma14:wrappingTextBoxFlag xmlns:ma14="http://schemas.microsoft.com/office/mac/drawingml/2011/main" xmlns:a14="http://schemas.microsoft.com/office/drawing/2010/main" xmlns:m="http://schemas.openxmlformats.org/officeDocument/2006/math" xmlns="" val="1"/>
             </a:ext>
           </a:extLst>
         </p:spPr>
@@ -15742,7 +15956,7 @@
           </a:ln>
           <a:extLst>
             <a:ext uri="{C572A759-6A51-4108-AA02-DFA0A04FC94B}">
-              <ma14:wrappingTextBoxFlag xmlns="" xmlns:m="http://schemas.openxmlformats.org/officeDocument/2006/math" xmlns:a14="http://schemas.microsoft.com/office/drawing/2010/main" xmlns:ma14="http://schemas.microsoft.com/office/mac/drawingml/2011/main" val="1"/>
+              <ma14:wrappingTextBoxFlag xmlns:ma14="http://schemas.microsoft.com/office/mac/drawingml/2011/main" xmlns:a14="http://schemas.microsoft.com/office/drawing/2010/main" xmlns:m="http://schemas.openxmlformats.org/officeDocument/2006/math" xmlns="" val="1"/>
             </a:ext>
           </a:extLst>
         </p:spPr>
@@ -15792,7 +16006,7 @@
           </a:ln>
           <a:extLst>
             <a:ext uri="{C572A759-6A51-4108-AA02-DFA0A04FC94B}">
-              <ma14:wrappingTextBoxFlag xmlns="" xmlns:m="http://schemas.openxmlformats.org/officeDocument/2006/math" xmlns:a14="http://schemas.microsoft.com/office/drawing/2010/main" xmlns:ma14="http://schemas.microsoft.com/office/mac/drawingml/2011/main" val="1"/>
+              <ma14:wrappingTextBoxFlag xmlns:ma14="http://schemas.microsoft.com/office/mac/drawingml/2011/main" xmlns:a14="http://schemas.microsoft.com/office/drawing/2010/main" xmlns:m="http://schemas.openxmlformats.org/officeDocument/2006/math" xmlns="" val="1"/>
             </a:ext>
           </a:extLst>
         </p:spPr>
@@ -15842,7 +16056,7 @@
           </a:ln>
           <a:extLst>
             <a:ext uri="{C572A759-6A51-4108-AA02-DFA0A04FC94B}">
-              <ma14:wrappingTextBoxFlag xmlns="" xmlns:m="http://schemas.openxmlformats.org/officeDocument/2006/math" xmlns:a14="http://schemas.microsoft.com/office/drawing/2010/main" xmlns:ma14="http://schemas.microsoft.com/office/mac/drawingml/2011/main" val="1"/>
+              <ma14:wrappingTextBoxFlag xmlns:ma14="http://schemas.microsoft.com/office/mac/drawingml/2011/main" xmlns:a14="http://schemas.microsoft.com/office/drawing/2010/main" xmlns:m="http://schemas.openxmlformats.org/officeDocument/2006/math" xmlns="" val="1"/>
             </a:ext>
           </a:extLst>
         </p:spPr>
@@ -15892,7 +16106,7 @@
           </a:ln>
           <a:extLst>
             <a:ext uri="{C572A759-6A51-4108-AA02-DFA0A04FC94B}">
-              <ma14:wrappingTextBoxFlag xmlns="" xmlns:m="http://schemas.openxmlformats.org/officeDocument/2006/math" xmlns:a14="http://schemas.microsoft.com/office/drawing/2010/main" xmlns:ma14="http://schemas.microsoft.com/office/mac/drawingml/2011/main" val="1"/>
+              <ma14:wrappingTextBoxFlag xmlns:ma14="http://schemas.microsoft.com/office/mac/drawingml/2011/main" xmlns:a14="http://schemas.microsoft.com/office/drawing/2010/main" xmlns:m="http://schemas.openxmlformats.org/officeDocument/2006/math" xmlns="" val="1"/>
             </a:ext>
           </a:extLst>
         </p:spPr>
@@ -15942,7 +16156,7 @@
           </a:ln>
           <a:extLst>
             <a:ext uri="{C572A759-6A51-4108-AA02-DFA0A04FC94B}">
-              <ma14:wrappingTextBoxFlag xmlns="" xmlns:m="http://schemas.openxmlformats.org/officeDocument/2006/math" xmlns:a14="http://schemas.microsoft.com/office/drawing/2010/main" xmlns:ma14="http://schemas.microsoft.com/office/mac/drawingml/2011/main" val="1"/>
+              <ma14:wrappingTextBoxFlag xmlns:ma14="http://schemas.microsoft.com/office/mac/drawingml/2011/main" xmlns:a14="http://schemas.microsoft.com/office/drawing/2010/main" xmlns:m="http://schemas.openxmlformats.org/officeDocument/2006/math" xmlns="" val="1"/>
             </a:ext>
           </a:extLst>
         </p:spPr>
@@ -16036,7 +16250,7 @@
           </a:ln>
           <a:extLst>
             <a:ext uri="{C572A759-6A51-4108-AA02-DFA0A04FC94B}">
-              <ma14:wrappingTextBoxFlag xmlns="" xmlns:m="http://schemas.openxmlformats.org/officeDocument/2006/math" xmlns:a14="http://schemas.microsoft.com/office/drawing/2010/main" xmlns:ma14="http://schemas.microsoft.com/office/mac/drawingml/2011/main" val="1"/>
+              <ma14:wrappingTextBoxFlag xmlns:ma14="http://schemas.microsoft.com/office/mac/drawingml/2011/main" xmlns:a14="http://schemas.microsoft.com/office/drawing/2010/main" xmlns:m="http://schemas.openxmlformats.org/officeDocument/2006/math" xmlns="" val="1"/>
             </a:ext>
           </a:extLst>
         </p:spPr>
@@ -16136,7 +16350,7 @@
           </a:ln>
           <a:extLst>
             <a:ext uri="{C572A759-6A51-4108-AA02-DFA0A04FC94B}">
-              <ma14:wrappingTextBoxFlag xmlns="" xmlns:m="http://schemas.openxmlformats.org/officeDocument/2006/math" xmlns:a14="http://schemas.microsoft.com/office/drawing/2010/main" xmlns:ma14="http://schemas.microsoft.com/office/mac/drawingml/2011/main" val="1"/>
+              <ma14:wrappingTextBoxFlag xmlns:ma14="http://schemas.microsoft.com/office/mac/drawingml/2011/main" xmlns:a14="http://schemas.microsoft.com/office/drawing/2010/main" xmlns:m="http://schemas.openxmlformats.org/officeDocument/2006/math" xmlns="" val="1"/>
             </a:ext>
           </a:extLst>
         </p:spPr>
@@ -16195,7 +16409,7 @@
           </a:ln>
           <a:extLst>
             <a:ext uri="{C572A759-6A51-4108-AA02-DFA0A04FC94B}">
-              <ma14:wrappingTextBoxFlag xmlns="" xmlns:m="http://schemas.openxmlformats.org/officeDocument/2006/math" xmlns:a14="http://schemas.microsoft.com/office/drawing/2010/main" xmlns:ma14="http://schemas.microsoft.com/office/mac/drawingml/2011/main" val="1"/>
+              <ma14:wrappingTextBoxFlag xmlns:ma14="http://schemas.microsoft.com/office/mac/drawingml/2011/main" xmlns:a14="http://schemas.microsoft.com/office/drawing/2010/main" xmlns:m="http://schemas.openxmlformats.org/officeDocument/2006/math" xmlns="" val="1"/>
             </a:ext>
           </a:extLst>
         </p:spPr>
@@ -16245,7 +16459,7 @@
           </a:ln>
           <a:extLst>
             <a:ext uri="{C572A759-6A51-4108-AA02-DFA0A04FC94B}">
-              <ma14:wrappingTextBoxFlag xmlns="" xmlns:m="http://schemas.openxmlformats.org/officeDocument/2006/math" xmlns:a14="http://schemas.microsoft.com/office/drawing/2010/main" xmlns:ma14="http://schemas.microsoft.com/office/mac/drawingml/2011/main" val="1"/>
+              <ma14:wrappingTextBoxFlag xmlns:ma14="http://schemas.microsoft.com/office/mac/drawingml/2011/main" xmlns:a14="http://schemas.microsoft.com/office/drawing/2010/main" xmlns:m="http://schemas.openxmlformats.org/officeDocument/2006/math" xmlns="" val="1"/>
             </a:ext>
           </a:extLst>
         </p:spPr>
@@ -16295,7 +16509,7 @@
           </a:ln>
           <a:extLst>
             <a:ext uri="{C572A759-6A51-4108-AA02-DFA0A04FC94B}">
-              <ma14:wrappingTextBoxFlag xmlns="" xmlns:m="http://schemas.openxmlformats.org/officeDocument/2006/math" xmlns:a14="http://schemas.microsoft.com/office/drawing/2010/main" xmlns:ma14="http://schemas.microsoft.com/office/mac/drawingml/2011/main" val="1"/>
+              <ma14:wrappingTextBoxFlag xmlns:ma14="http://schemas.microsoft.com/office/mac/drawingml/2011/main" xmlns:a14="http://schemas.microsoft.com/office/drawing/2010/main" xmlns:m="http://schemas.openxmlformats.org/officeDocument/2006/math" xmlns="" val="1"/>
             </a:ext>
           </a:extLst>
         </p:spPr>
@@ -16345,7 +16559,7 @@
           </a:ln>
           <a:extLst>
             <a:ext uri="{C572A759-6A51-4108-AA02-DFA0A04FC94B}">
-              <ma14:wrappingTextBoxFlag xmlns="" xmlns:m="http://schemas.openxmlformats.org/officeDocument/2006/math" xmlns:a14="http://schemas.microsoft.com/office/drawing/2010/main" xmlns:ma14="http://schemas.microsoft.com/office/mac/drawingml/2011/main" val="1"/>
+              <ma14:wrappingTextBoxFlag xmlns:ma14="http://schemas.microsoft.com/office/mac/drawingml/2011/main" xmlns:a14="http://schemas.microsoft.com/office/drawing/2010/main" xmlns:m="http://schemas.openxmlformats.org/officeDocument/2006/math" xmlns="" val="1"/>
             </a:ext>
           </a:extLst>
         </p:spPr>
@@ -16395,7 +16609,7 @@
           </a:ln>
           <a:extLst>
             <a:ext uri="{C572A759-6A51-4108-AA02-DFA0A04FC94B}">
-              <ma14:wrappingTextBoxFlag xmlns="" xmlns:m="http://schemas.openxmlformats.org/officeDocument/2006/math" xmlns:a14="http://schemas.microsoft.com/office/drawing/2010/main" xmlns:ma14="http://schemas.microsoft.com/office/mac/drawingml/2011/main" val="1"/>
+              <ma14:wrappingTextBoxFlag xmlns:ma14="http://schemas.microsoft.com/office/mac/drawingml/2011/main" xmlns:a14="http://schemas.microsoft.com/office/drawing/2010/main" xmlns:m="http://schemas.openxmlformats.org/officeDocument/2006/math" xmlns="" val="1"/>
             </a:ext>
           </a:extLst>
         </p:spPr>
@@ -16445,7 +16659,7 @@
           </a:ln>
           <a:extLst>
             <a:ext uri="{C572A759-6A51-4108-AA02-DFA0A04FC94B}">
-              <ma14:wrappingTextBoxFlag xmlns="" xmlns:m="http://schemas.openxmlformats.org/officeDocument/2006/math" xmlns:a14="http://schemas.microsoft.com/office/drawing/2010/main" xmlns:ma14="http://schemas.microsoft.com/office/mac/drawingml/2011/main" val="1"/>
+              <ma14:wrappingTextBoxFlag xmlns:ma14="http://schemas.microsoft.com/office/mac/drawingml/2011/main" xmlns:a14="http://schemas.microsoft.com/office/drawing/2010/main" xmlns:m="http://schemas.openxmlformats.org/officeDocument/2006/math" xmlns="" val="1"/>
             </a:ext>
           </a:extLst>
         </p:spPr>
@@ -16495,7 +16709,7 @@
           </a:ln>
           <a:extLst>
             <a:ext uri="{C572A759-6A51-4108-AA02-DFA0A04FC94B}">
-              <ma14:wrappingTextBoxFlag xmlns="" xmlns:m="http://schemas.openxmlformats.org/officeDocument/2006/math" xmlns:a14="http://schemas.microsoft.com/office/drawing/2010/main" xmlns:ma14="http://schemas.microsoft.com/office/mac/drawingml/2011/main" val="1"/>
+              <ma14:wrappingTextBoxFlag xmlns:ma14="http://schemas.microsoft.com/office/mac/drawingml/2011/main" xmlns:a14="http://schemas.microsoft.com/office/drawing/2010/main" xmlns:m="http://schemas.openxmlformats.org/officeDocument/2006/math" xmlns="" val="1"/>
             </a:ext>
           </a:extLst>
         </p:spPr>
@@ -16545,7 +16759,7 @@
           </a:ln>
           <a:extLst>
             <a:ext uri="{C572A759-6A51-4108-AA02-DFA0A04FC94B}">
-              <ma14:wrappingTextBoxFlag xmlns="" xmlns:m="http://schemas.openxmlformats.org/officeDocument/2006/math" xmlns:a14="http://schemas.microsoft.com/office/drawing/2010/main" xmlns:ma14="http://schemas.microsoft.com/office/mac/drawingml/2011/main" val="1"/>
+              <ma14:wrappingTextBoxFlag xmlns:ma14="http://schemas.microsoft.com/office/mac/drawingml/2011/main" xmlns:a14="http://schemas.microsoft.com/office/drawing/2010/main" xmlns:m="http://schemas.openxmlformats.org/officeDocument/2006/math" xmlns="" val="1"/>
             </a:ext>
           </a:extLst>
         </p:spPr>
@@ -16595,7 +16809,7 @@
           </a:ln>
           <a:extLst>
             <a:ext uri="{C572A759-6A51-4108-AA02-DFA0A04FC94B}">
-              <ma14:wrappingTextBoxFlag xmlns="" xmlns:m="http://schemas.openxmlformats.org/officeDocument/2006/math" xmlns:a14="http://schemas.microsoft.com/office/drawing/2010/main" xmlns:ma14="http://schemas.microsoft.com/office/mac/drawingml/2011/main" val="1"/>
+              <ma14:wrappingTextBoxFlag xmlns:ma14="http://schemas.microsoft.com/office/mac/drawingml/2011/main" xmlns:a14="http://schemas.microsoft.com/office/drawing/2010/main" xmlns:m="http://schemas.openxmlformats.org/officeDocument/2006/math" xmlns="" val="1"/>
             </a:ext>
           </a:extLst>
         </p:spPr>
@@ -16645,7 +16859,7 @@
           </a:ln>
           <a:extLst>
             <a:ext uri="{C572A759-6A51-4108-AA02-DFA0A04FC94B}">
-              <ma14:wrappingTextBoxFlag xmlns="" xmlns:m="http://schemas.openxmlformats.org/officeDocument/2006/math" xmlns:a14="http://schemas.microsoft.com/office/drawing/2010/main" xmlns:ma14="http://schemas.microsoft.com/office/mac/drawingml/2011/main" val="1"/>
+              <ma14:wrappingTextBoxFlag xmlns:ma14="http://schemas.microsoft.com/office/mac/drawingml/2011/main" xmlns:a14="http://schemas.microsoft.com/office/drawing/2010/main" xmlns:m="http://schemas.openxmlformats.org/officeDocument/2006/math" xmlns="" val="1"/>
             </a:ext>
           </a:extLst>
         </p:spPr>
@@ -16695,7 +16909,7 @@
           </a:ln>
           <a:extLst>
             <a:ext uri="{C572A759-6A51-4108-AA02-DFA0A04FC94B}">
-              <ma14:wrappingTextBoxFlag xmlns="" xmlns:m="http://schemas.openxmlformats.org/officeDocument/2006/math" xmlns:a14="http://schemas.microsoft.com/office/drawing/2010/main" xmlns:ma14="http://schemas.microsoft.com/office/mac/drawingml/2011/main" val="1"/>
+              <ma14:wrappingTextBoxFlag xmlns:ma14="http://schemas.microsoft.com/office/mac/drawingml/2011/main" xmlns:a14="http://schemas.microsoft.com/office/drawing/2010/main" xmlns:m="http://schemas.openxmlformats.org/officeDocument/2006/math" xmlns="" val="1"/>
             </a:ext>
           </a:extLst>
         </p:spPr>
@@ -16745,7 +16959,7 @@
           </a:ln>
           <a:extLst>
             <a:ext uri="{C572A759-6A51-4108-AA02-DFA0A04FC94B}">
-              <ma14:wrappingTextBoxFlag xmlns="" xmlns:m="http://schemas.openxmlformats.org/officeDocument/2006/math" xmlns:a14="http://schemas.microsoft.com/office/drawing/2010/main" xmlns:ma14="http://schemas.microsoft.com/office/mac/drawingml/2011/main" val="1"/>
+              <ma14:wrappingTextBoxFlag xmlns:ma14="http://schemas.microsoft.com/office/mac/drawingml/2011/main" xmlns:a14="http://schemas.microsoft.com/office/drawing/2010/main" xmlns:m="http://schemas.openxmlformats.org/officeDocument/2006/math" xmlns="" val="1"/>
             </a:ext>
           </a:extLst>
         </p:spPr>
@@ -16795,7 +17009,7 @@
           </a:ln>
           <a:extLst>
             <a:ext uri="{C572A759-6A51-4108-AA02-DFA0A04FC94B}">
-              <ma14:wrappingTextBoxFlag xmlns="" xmlns:m="http://schemas.openxmlformats.org/officeDocument/2006/math" xmlns:a14="http://schemas.microsoft.com/office/drawing/2010/main" xmlns:ma14="http://schemas.microsoft.com/office/mac/drawingml/2011/main" val="1"/>
+              <ma14:wrappingTextBoxFlag xmlns:ma14="http://schemas.microsoft.com/office/mac/drawingml/2011/main" xmlns:a14="http://schemas.microsoft.com/office/drawing/2010/main" xmlns:m="http://schemas.openxmlformats.org/officeDocument/2006/math" xmlns="" val="1"/>
             </a:ext>
           </a:extLst>
         </p:spPr>
@@ -16845,7 +17059,7 @@
           </a:ln>
           <a:extLst>
             <a:ext uri="{C572A759-6A51-4108-AA02-DFA0A04FC94B}">
-              <ma14:wrappingTextBoxFlag xmlns="" xmlns:m="http://schemas.openxmlformats.org/officeDocument/2006/math" xmlns:a14="http://schemas.microsoft.com/office/drawing/2010/main" xmlns:ma14="http://schemas.microsoft.com/office/mac/drawingml/2011/main" val="1"/>
+              <ma14:wrappingTextBoxFlag xmlns:ma14="http://schemas.microsoft.com/office/mac/drawingml/2011/main" xmlns:a14="http://schemas.microsoft.com/office/drawing/2010/main" xmlns:m="http://schemas.openxmlformats.org/officeDocument/2006/math" xmlns="" val="1"/>
             </a:ext>
           </a:extLst>
         </p:spPr>
@@ -16895,7 +17109,7 @@
           </a:ln>
           <a:extLst>
             <a:ext uri="{C572A759-6A51-4108-AA02-DFA0A04FC94B}">
-              <ma14:wrappingTextBoxFlag xmlns="" xmlns:m="http://schemas.openxmlformats.org/officeDocument/2006/math" xmlns:a14="http://schemas.microsoft.com/office/drawing/2010/main" xmlns:ma14="http://schemas.microsoft.com/office/mac/drawingml/2011/main" val="1"/>
+              <ma14:wrappingTextBoxFlag xmlns:ma14="http://schemas.microsoft.com/office/mac/drawingml/2011/main" xmlns:a14="http://schemas.microsoft.com/office/drawing/2010/main" xmlns:m="http://schemas.openxmlformats.org/officeDocument/2006/math" xmlns="" val="1"/>
             </a:ext>
           </a:extLst>
         </p:spPr>
@@ -16945,7 +17159,7 @@
           </a:ln>
           <a:extLst>
             <a:ext uri="{C572A759-6A51-4108-AA02-DFA0A04FC94B}">
-              <ma14:wrappingTextBoxFlag xmlns="" xmlns:m="http://schemas.openxmlformats.org/officeDocument/2006/math" xmlns:a14="http://schemas.microsoft.com/office/drawing/2010/main" xmlns:ma14="http://schemas.microsoft.com/office/mac/drawingml/2011/main" val="1"/>
+              <ma14:wrappingTextBoxFlag xmlns:ma14="http://schemas.microsoft.com/office/mac/drawingml/2011/main" xmlns:a14="http://schemas.microsoft.com/office/drawing/2010/main" xmlns:m="http://schemas.openxmlformats.org/officeDocument/2006/math" xmlns="" val="1"/>
             </a:ext>
           </a:extLst>
         </p:spPr>
@@ -16995,7 +17209,7 @@
           </a:ln>
           <a:extLst>
             <a:ext uri="{C572A759-6A51-4108-AA02-DFA0A04FC94B}">
-              <ma14:wrappingTextBoxFlag xmlns="" xmlns:m="http://schemas.openxmlformats.org/officeDocument/2006/math" xmlns:a14="http://schemas.microsoft.com/office/drawing/2010/main" xmlns:ma14="http://schemas.microsoft.com/office/mac/drawingml/2011/main" val="1"/>
+              <ma14:wrappingTextBoxFlag xmlns:ma14="http://schemas.microsoft.com/office/mac/drawingml/2011/main" xmlns:a14="http://schemas.microsoft.com/office/drawing/2010/main" xmlns:m="http://schemas.openxmlformats.org/officeDocument/2006/math" xmlns="" val="1"/>
             </a:ext>
           </a:extLst>
         </p:spPr>
@@ -17045,7 +17259,7 @@
           </a:ln>
           <a:extLst>
             <a:ext uri="{C572A759-6A51-4108-AA02-DFA0A04FC94B}">
-              <ma14:wrappingTextBoxFlag xmlns="" xmlns:m="http://schemas.openxmlformats.org/officeDocument/2006/math" xmlns:a14="http://schemas.microsoft.com/office/drawing/2010/main" xmlns:ma14="http://schemas.microsoft.com/office/mac/drawingml/2011/main" val="1"/>
+              <ma14:wrappingTextBoxFlag xmlns:ma14="http://schemas.microsoft.com/office/mac/drawingml/2011/main" xmlns:a14="http://schemas.microsoft.com/office/drawing/2010/main" xmlns:m="http://schemas.openxmlformats.org/officeDocument/2006/math" xmlns="" val="1"/>
             </a:ext>
           </a:extLst>
         </p:spPr>
@@ -17095,7 +17309,7 @@
           </a:ln>
           <a:extLst>
             <a:ext uri="{C572A759-6A51-4108-AA02-DFA0A04FC94B}">
-              <ma14:wrappingTextBoxFlag xmlns="" xmlns:m="http://schemas.openxmlformats.org/officeDocument/2006/math" xmlns:a14="http://schemas.microsoft.com/office/drawing/2010/main" xmlns:ma14="http://schemas.microsoft.com/office/mac/drawingml/2011/main" val="1"/>
+              <ma14:wrappingTextBoxFlag xmlns:ma14="http://schemas.microsoft.com/office/mac/drawingml/2011/main" xmlns:a14="http://schemas.microsoft.com/office/drawing/2010/main" xmlns:m="http://schemas.openxmlformats.org/officeDocument/2006/math" xmlns="" val="1"/>
             </a:ext>
           </a:extLst>
         </p:spPr>
@@ -17145,7 +17359,7 @@
           </a:ln>
           <a:extLst>
             <a:ext uri="{C572A759-6A51-4108-AA02-DFA0A04FC94B}">
-              <ma14:wrappingTextBoxFlag xmlns="" xmlns:m="http://schemas.openxmlformats.org/officeDocument/2006/math" xmlns:a14="http://schemas.microsoft.com/office/drawing/2010/main" xmlns:ma14="http://schemas.microsoft.com/office/mac/drawingml/2011/main" val="1"/>
+              <ma14:wrappingTextBoxFlag xmlns:ma14="http://schemas.microsoft.com/office/mac/drawingml/2011/main" xmlns:a14="http://schemas.microsoft.com/office/drawing/2010/main" xmlns:m="http://schemas.openxmlformats.org/officeDocument/2006/math" xmlns="" val="1"/>
             </a:ext>
           </a:extLst>
         </p:spPr>
@@ -17195,7 +17409,7 @@
           </a:ln>
           <a:extLst>
             <a:ext uri="{C572A759-6A51-4108-AA02-DFA0A04FC94B}">
-              <ma14:wrappingTextBoxFlag xmlns="" xmlns:m="http://schemas.openxmlformats.org/officeDocument/2006/math" xmlns:a14="http://schemas.microsoft.com/office/drawing/2010/main" xmlns:ma14="http://schemas.microsoft.com/office/mac/drawingml/2011/main" val="1"/>
+              <ma14:wrappingTextBoxFlag xmlns:ma14="http://schemas.microsoft.com/office/mac/drawingml/2011/main" xmlns:a14="http://schemas.microsoft.com/office/drawing/2010/main" xmlns:m="http://schemas.openxmlformats.org/officeDocument/2006/math" xmlns="" val="1"/>
             </a:ext>
           </a:extLst>
         </p:spPr>
@@ -17245,7 +17459,7 @@
           </a:ln>
           <a:extLst>
             <a:ext uri="{C572A759-6A51-4108-AA02-DFA0A04FC94B}">
-              <ma14:wrappingTextBoxFlag xmlns="" xmlns:m="http://schemas.openxmlformats.org/officeDocument/2006/math" xmlns:a14="http://schemas.microsoft.com/office/drawing/2010/main" xmlns:ma14="http://schemas.microsoft.com/office/mac/drawingml/2011/main" val="1"/>
+              <ma14:wrappingTextBoxFlag xmlns:ma14="http://schemas.microsoft.com/office/mac/drawingml/2011/main" xmlns:a14="http://schemas.microsoft.com/office/drawing/2010/main" xmlns:m="http://schemas.openxmlformats.org/officeDocument/2006/math" xmlns="" val="1"/>
             </a:ext>
           </a:extLst>
         </p:spPr>
@@ -17295,7 +17509,7 @@
           </a:ln>
           <a:extLst>
             <a:ext uri="{C572A759-6A51-4108-AA02-DFA0A04FC94B}">
-              <ma14:wrappingTextBoxFlag xmlns="" xmlns:m="http://schemas.openxmlformats.org/officeDocument/2006/math" xmlns:a14="http://schemas.microsoft.com/office/drawing/2010/main" xmlns:ma14="http://schemas.microsoft.com/office/mac/drawingml/2011/main" val="1"/>
+              <ma14:wrappingTextBoxFlag xmlns:ma14="http://schemas.microsoft.com/office/mac/drawingml/2011/main" xmlns:a14="http://schemas.microsoft.com/office/drawing/2010/main" xmlns:m="http://schemas.openxmlformats.org/officeDocument/2006/math" xmlns="" val="1"/>
             </a:ext>
           </a:extLst>
         </p:spPr>
@@ -17345,7 +17559,7 @@
           </a:ln>
           <a:extLst>
             <a:ext uri="{C572A759-6A51-4108-AA02-DFA0A04FC94B}">
-              <ma14:wrappingTextBoxFlag xmlns="" xmlns:m="http://schemas.openxmlformats.org/officeDocument/2006/math" xmlns:a14="http://schemas.microsoft.com/office/drawing/2010/main" xmlns:ma14="http://schemas.microsoft.com/office/mac/drawingml/2011/main" val="1"/>
+              <ma14:wrappingTextBoxFlag xmlns:ma14="http://schemas.microsoft.com/office/mac/drawingml/2011/main" xmlns:a14="http://schemas.microsoft.com/office/drawing/2010/main" xmlns:m="http://schemas.openxmlformats.org/officeDocument/2006/math" xmlns="" val="1"/>
             </a:ext>
           </a:extLst>
         </p:spPr>
@@ -17395,7 +17609,7 @@
           </a:ln>
           <a:extLst>
             <a:ext uri="{C572A759-6A51-4108-AA02-DFA0A04FC94B}">
-              <ma14:wrappingTextBoxFlag xmlns="" xmlns:m="http://schemas.openxmlformats.org/officeDocument/2006/math" xmlns:a14="http://schemas.microsoft.com/office/drawing/2010/main" xmlns:ma14="http://schemas.microsoft.com/office/mac/drawingml/2011/main" val="1"/>
+              <ma14:wrappingTextBoxFlag xmlns:ma14="http://schemas.microsoft.com/office/mac/drawingml/2011/main" xmlns:a14="http://schemas.microsoft.com/office/drawing/2010/main" xmlns:m="http://schemas.openxmlformats.org/officeDocument/2006/math" xmlns="" val="1"/>
             </a:ext>
           </a:extLst>
         </p:spPr>
@@ -17445,7 +17659,7 @@
           </a:ln>
           <a:extLst>
             <a:ext uri="{C572A759-6A51-4108-AA02-DFA0A04FC94B}">
-              <ma14:wrappingTextBoxFlag xmlns="" xmlns:m="http://schemas.openxmlformats.org/officeDocument/2006/math" xmlns:a14="http://schemas.microsoft.com/office/drawing/2010/main" xmlns:ma14="http://schemas.microsoft.com/office/mac/drawingml/2011/main" val="1"/>
+              <ma14:wrappingTextBoxFlag xmlns:ma14="http://schemas.microsoft.com/office/mac/drawingml/2011/main" xmlns:a14="http://schemas.microsoft.com/office/drawing/2010/main" xmlns:m="http://schemas.openxmlformats.org/officeDocument/2006/math" xmlns="" val="1"/>
             </a:ext>
           </a:extLst>
         </p:spPr>
@@ -17495,7 +17709,7 @@
           </a:ln>
           <a:extLst>
             <a:ext uri="{C572A759-6A51-4108-AA02-DFA0A04FC94B}">
-              <ma14:wrappingTextBoxFlag xmlns="" xmlns:m="http://schemas.openxmlformats.org/officeDocument/2006/math" xmlns:a14="http://schemas.microsoft.com/office/drawing/2010/main" xmlns:ma14="http://schemas.microsoft.com/office/mac/drawingml/2011/main" val="1"/>
+              <ma14:wrappingTextBoxFlag xmlns:ma14="http://schemas.microsoft.com/office/mac/drawingml/2011/main" xmlns:a14="http://schemas.microsoft.com/office/drawing/2010/main" xmlns:m="http://schemas.openxmlformats.org/officeDocument/2006/math" xmlns="" val="1"/>
             </a:ext>
           </a:extLst>
         </p:spPr>
@@ -17545,7 +17759,7 @@
           </a:ln>
           <a:extLst>
             <a:ext uri="{C572A759-6A51-4108-AA02-DFA0A04FC94B}">
-              <ma14:wrappingTextBoxFlag xmlns="" xmlns:m="http://schemas.openxmlformats.org/officeDocument/2006/math" xmlns:a14="http://schemas.microsoft.com/office/drawing/2010/main" xmlns:ma14="http://schemas.microsoft.com/office/mac/drawingml/2011/main" val="1"/>
+              <ma14:wrappingTextBoxFlag xmlns:ma14="http://schemas.microsoft.com/office/mac/drawingml/2011/main" xmlns:a14="http://schemas.microsoft.com/office/drawing/2010/main" xmlns:m="http://schemas.openxmlformats.org/officeDocument/2006/math" xmlns="" val="1"/>
             </a:ext>
           </a:extLst>
         </p:spPr>
@@ -17595,7 +17809,7 @@
           </a:ln>
           <a:extLst>
             <a:ext uri="{C572A759-6A51-4108-AA02-DFA0A04FC94B}">
-              <ma14:wrappingTextBoxFlag xmlns="" xmlns:m="http://schemas.openxmlformats.org/officeDocument/2006/math" xmlns:a14="http://schemas.microsoft.com/office/drawing/2010/main" xmlns:ma14="http://schemas.microsoft.com/office/mac/drawingml/2011/main" val="1"/>
+              <ma14:wrappingTextBoxFlag xmlns:ma14="http://schemas.microsoft.com/office/mac/drawingml/2011/main" xmlns:a14="http://schemas.microsoft.com/office/drawing/2010/main" xmlns:m="http://schemas.openxmlformats.org/officeDocument/2006/math" xmlns="" val="1"/>
             </a:ext>
           </a:extLst>
         </p:spPr>
@@ -17941,7 +18155,7 @@
           </a:ln>
           <a:extLst>
             <a:ext uri="{C572A759-6A51-4108-AA02-DFA0A04FC94B}">
-              <ma14:wrappingTextBoxFlag xmlns="" xmlns:m="http://schemas.openxmlformats.org/officeDocument/2006/math" xmlns:a14="http://schemas.microsoft.com/office/drawing/2010/main" xmlns:ma14="http://schemas.microsoft.com/office/mac/drawingml/2011/main" val="1"/>
+              <ma14:wrappingTextBoxFlag xmlns:ma14="http://schemas.microsoft.com/office/mac/drawingml/2011/main" xmlns:a14="http://schemas.microsoft.com/office/drawing/2010/main" xmlns:m="http://schemas.openxmlformats.org/officeDocument/2006/math" xmlns="" val="1"/>
             </a:ext>
           </a:extLst>
         </p:spPr>
@@ -17988,17 +18202,17 @@
         <p:spPr>
           <a:xfrm>
             <a:off x="765584" y="3663950"/>
-            <a:ext cx="7562032" cy="1308050"/>
-          </a:xfrm>
-          <a:prstGeom prst="rect">
-            <a:avLst/>
-          </a:prstGeom>
-          <a:ln w="12700">
-            <a:miter lim="400000"/>
-          </a:ln>
-          <a:extLst>
-            <a:ext uri="{C572A759-6A51-4108-AA02-DFA0A04FC94B}">
-              <ma14:wrappingTextBoxFlag xmlns="" xmlns:m="http://schemas.openxmlformats.org/officeDocument/2006/math" xmlns:a14="http://schemas.microsoft.com/office/drawing/2010/main" xmlns:ma14="http://schemas.microsoft.com/office/mac/drawingml/2011/main" val="1"/>
+            <a:ext cx="7562032" cy="1831271"/>
+          </a:xfrm>
+          <a:prstGeom prst="rect">
+            <a:avLst/>
+          </a:prstGeom>
+          <a:ln w="12700">
+            <a:miter lim="400000"/>
+          </a:ln>
+          <a:extLst>
+            <a:ext uri="{C572A759-6A51-4108-AA02-DFA0A04FC94B}">
+              <ma14:wrappingTextBoxFlag xmlns:ma14="http://schemas.microsoft.com/office/mac/drawingml/2011/main" xmlns:a14="http://schemas.microsoft.com/office/drawing/2010/main" xmlns:m="http://schemas.openxmlformats.org/officeDocument/2006/math" xmlns="" val="1"/>
             </a:ext>
           </a:extLst>
         </p:spPr>
@@ -18024,10 +18238,42 @@
                   <a:schemeClr val="bg1"/>
                 </a:solidFill>
               </a:rPr>
-              <a:t>Automatisierte Überprüfung von WCAG Erfolgskriterien ist mit </a:t>
-            </a:r>
-            <a:r>
-              <a:rPr lang="de-DE" dirty="0" err="1">
+              <a:t>Automatisierte Überprüfung von </a:t>
+            </a:r>
+            <a:r>
+              <a:rPr lang="de-DE" b="1" dirty="0">
+                <a:solidFill>
+                  <a:schemeClr val="bg1"/>
+                </a:solidFill>
+              </a:rPr>
+              <a:t>WCAG Erfolgskriterien</a:t>
+            </a:r>
+            <a:r>
+              <a:rPr lang="de-DE" dirty="0">
+                <a:solidFill>
+                  <a:schemeClr val="bg1"/>
+                </a:solidFill>
+              </a:rPr>
+              <a:t> mit </a:t>
+            </a:r>
+            <a:r>
+              <a:rPr lang="de-DE" b="1" dirty="0" err="1">
+                <a:solidFill>
+                  <a:schemeClr val="bg1"/>
+                </a:solidFill>
+              </a:rPr>
+              <a:t>Selenium</a:t>
+            </a:r>
+            <a:r>
+              <a:rPr lang="de-DE" b="1" dirty="0">
+                <a:solidFill>
+                  <a:schemeClr val="bg1"/>
+                </a:solidFill>
+              </a:rPr>
+              <a:t> </a:t>
+            </a:r>
+            <a:r>
+              <a:rPr lang="de-DE" b="1" dirty="0" err="1">
                 <a:solidFill>
                   <a:schemeClr val="bg1"/>
                 </a:solidFill>
@@ -18040,11 +18286,11 @@
                   <a:schemeClr val="bg1"/>
                 </a:solidFill>
               </a:rPr>
-              <a:t> möglich</a:t>
-            </a:r>
-          </a:p>
-          <a:p>
-            <a:pPr marL="285750" indent="-285750" algn="l">
+              <a:t> ist möglich</a:t>
+            </a:r>
+          </a:p>
+          <a:p>
+            <a:pPr marL="285750" lvl="7" indent="-285750" algn="l">
               <a:buFont typeface="Wingdings" panose="05000000000000000000" pitchFamily="2" charset="2"/>
               <a:buChar char="Ø"/>
               <a:defRPr sz="1700" b="0">
@@ -18060,33 +18306,117 @@
                   <a:schemeClr val="bg1"/>
                 </a:solidFill>
               </a:rPr>
-              <a:t>Je nach Erfolgskriterium ist eine zusätzliche Konkretisierung oder manuelle Überprüfung notwendig</a:t>
-            </a:r>
-          </a:p>
-          <a:p>
-            <a:pPr marL="285750" indent="-285750" algn="l">
-              <a:buFont typeface="Wingdings" panose="05000000000000000000" pitchFamily="2" charset="2"/>
-              <a:buChar char="Ø"/>
-              <a:defRPr sz="1700" b="0">
-                <a:latin typeface="PT Sans"/>
-                <a:ea typeface="PT Sans"/>
-                <a:cs typeface="PT Sans"/>
-                <a:sym typeface="PT Sans"/>
-              </a:defRPr>
-            </a:pPr>
+              <a:t>Automatisierte Testdurchführung </a:t>
+            </a:r>
+            <a:r>
+              <a:rPr lang="de-DE" b="1" dirty="0">
+                <a:solidFill>
+                  <a:schemeClr val="bg1"/>
+                </a:solidFill>
+              </a:rPr>
+              <a:t>mindert</a:t>
+            </a:r>
             <a:r>
               <a:rPr lang="de-DE" dirty="0">
                 <a:solidFill>
                   <a:schemeClr val="bg1"/>
                 </a:solidFill>
               </a:rPr>
-              <a:t>Automatisierung mindert zeitlichen Aufwand</a:t>
-            </a:r>
-            <a:endParaRPr dirty="0">
+              <a:t> den </a:t>
+            </a:r>
+            <a:r>
+              <a:rPr lang="de-DE" b="1" dirty="0">
+                <a:solidFill>
+                  <a:schemeClr val="bg1"/>
+                </a:solidFill>
+              </a:rPr>
+              <a:t>zeitlichen Aufwand</a:t>
+            </a:r>
+            <a:endParaRPr lang="de-DE" dirty="0">
               <a:solidFill>
                 <a:schemeClr val="bg1"/>
               </a:solidFill>
             </a:endParaRPr>
+          </a:p>
+          <a:p>
+            <a:pPr marL="285750" lvl="7" indent="-285750" algn="l">
+              <a:buFont typeface="Wingdings" panose="05000000000000000000" pitchFamily="2" charset="2"/>
+              <a:buChar char="Ø"/>
+              <a:defRPr sz="1700" b="0">
+                <a:latin typeface="PT Sans"/>
+                <a:ea typeface="PT Sans"/>
+                <a:cs typeface="PT Sans"/>
+                <a:sym typeface="PT Sans"/>
+              </a:defRPr>
+            </a:pPr>
+            <a:r>
+              <a:rPr lang="de-DE" b="1" dirty="0">
+                <a:solidFill>
+                  <a:schemeClr val="bg1"/>
+                </a:solidFill>
+              </a:rPr>
+              <a:t>Qualität</a:t>
+            </a:r>
+            <a:r>
+              <a:rPr lang="de-DE" dirty="0">
+                <a:solidFill>
+                  <a:schemeClr val="bg1"/>
+                </a:solidFill>
+              </a:rPr>
+              <a:t> der Überprüfung bleibt bei </a:t>
+            </a:r>
+            <a:r>
+              <a:rPr lang="de-DE" b="1" dirty="0">
+                <a:solidFill>
+                  <a:schemeClr val="bg1"/>
+                </a:solidFill>
+              </a:rPr>
+              <a:t>automatisierte Testdurchführung</a:t>
+            </a:r>
+            <a:r>
+              <a:rPr lang="de-DE" dirty="0">
+                <a:solidFill>
+                  <a:schemeClr val="bg1"/>
+                </a:solidFill>
+              </a:rPr>
+              <a:t> gleich (Regressionstests)</a:t>
+            </a:r>
+          </a:p>
+          <a:p>
+            <a:pPr marL="285750" lvl="7" indent="-285750" algn="l">
+              <a:buFont typeface="Wingdings" panose="05000000000000000000" pitchFamily="2" charset="2"/>
+              <a:buChar char="Ø"/>
+              <a:defRPr sz="1700" b="0">
+                <a:latin typeface="PT Sans"/>
+                <a:ea typeface="PT Sans"/>
+                <a:cs typeface="PT Sans"/>
+                <a:sym typeface="PT Sans"/>
+              </a:defRPr>
+            </a:pPr>
+            <a:r>
+              <a:rPr lang="de-DE" dirty="0">
+                <a:solidFill>
+                  <a:schemeClr val="bg1"/>
+                </a:solidFill>
+              </a:rPr>
+              <a:t>Nicht jedes </a:t>
+            </a:r>
+            <a:r>
+              <a:rPr lang="de-DE" b="1" dirty="0">
+                <a:solidFill>
+                  <a:schemeClr val="bg1"/>
+                </a:solidFill>
+              </a:rPr>
+              <a:t>WCAG Erfolgskriterium </a:t>
+            </a:r>
+            <a:r>
+              <a:rPr lang="de-DE" dirty="0">
+                <a:solidFill>
+                  <a:schemeClr val="bg1"/>
+                </a:solidFill>
+              </a:rPr>
+              <a:t>ist konkretisierbar und automatisierbar (Semantische Überprüfungen)</a:t>
+            </a:r>
           </a:p>
         </p:txBody>
       </p:sp>
@@ -18148,7 +18478,7 @@
           </a:ln>
           <a:extLst>
             <a:ext uri="{C572A759-6A51-4108-AA02-DFA0A04FC94B}">
-              <ma14:wrappingTextBoxFlag xmlns="" xmlns:m="http://schemas.openxmlformats.org/officeDocument/2006/math" xmlns:a14="http://schemas.microsoft.com/office/drawing/2010/main" xmlns:ma14="http://schemas.microsoft.com/office/mac/drawingml/2011/main" val="1"/>
+              <ma14:wrappingTextBoxFlag xmlns:ma14="http://schemas.microsoft.com/office/mac/drawingml/2011/main" xmlns:a14="http://schemas.microsoft.com/office/drawing/2010/main" xmlns:m="http://schemas.openxmlformats.org/officeDocument/2006/math" xmlns="" val="1"/>
             </a:ext>
           </a:extLst>
         </p:spPr>
@@ -18207,7 +18537,7 @@
           </a:ln>
           <a:extLst>
             <a:ext uri="{C572A759-6A51-4108-AA02-DFA0A04FC94B}">
-              <ma14:wrappingTextBoxFlag xmlns="" xmlns:m="http://schemas.openxmlformats.org/officeDocument/2006/math" xmlns:a14="http://schemas.microsoft.com/office/drawing/2010/main" xmlns:ma14="http://schemas.microsoft.com/office/mac/drawingml/2011/main" val="1"/>
+              <ma14:wrappingTextBoxFlag xmlns:ma14="http://schemas.microsoft.com/office/mac/drawingml/2011/main" xmlns:a14="http://schemas.microsoft.com/office/drawing/2010/main" xmlns:m="http://schemas.openxmlformats.org/officeDocument/2006/math" xmlns="" val="1"/>
             </a:ext>
           </a:extLst>
         </p:spPr>
@@ -18257,7 +18587,7 @@
           </a:ln>
           <a:extLst>
             <a:ext uri="{C572A759-6A51-4108-AA02-DFA0A04FC94B}">
-              <ma14:wrappingTextBoxFlag xmlns="" xmlns:m="http://schemas.openxmlformats.org/officeDocument/2006/math" xmlns:a14="http://schemas.microsoft.com/office/drawing/2010/main" xmlns:ma14="http://schemas.microsoft.com/office/mac/drawingml/2011/main" val="1"/>
+              <ma14:wrappingTextBoxFlag xmlns:ma14="http://schemas.microsoft.com/office/mac/drawingml/2011/main" xmlns:a14="http://schemas.microsoft.com/office/drawing/2010/main" xmlns:m="http://schemas.openxmlformats.org/officeDocument/2006/math" xmlns="" val="1"/>
             </a:ext>
           </a:extLst>
         </p:spPr>
@@ -18307,7 +18637,7 @@
           </a:ln>
           <a:extLst>
             <a:ext uri="{C572A759-6A51-4108-AA02-DFA0A04FC94B}">
-              <ma14:wrappingTextBoxFlag xmlns="" xmlns:m="http://schemas.openxmlformats.org/officeDocument/2006/math" xmlns:a14="http://schemas.microsoft.com/office/drawing/2010/main" xmlns:ma14="http://schemas.microsoft.com/office/mac/drawingml/2011/main" val="1"/>
+              <ma14:wrappingTextBoxFlag xmlns:ma14="http://schemas.microsoft.com/office/mac/drawingml/2011/main" xmlns:a14="http://schemas.microsoft.com/office/drawing/2010/main" xmlns:m="http://schemas.openxmlformats.org/officeDocument/2006/math" xmlns="" val="1"/>
             </a:ext>
           </a:extLst>
         </p:spPr>
@@ -18357,7 +18687,7 @@
           </a:ln>
           <a:extLst>
             <a:ext uri="{C572A759-6A51-4108-AA02-DFA0A04FC94B}">
-              <ma14:wrappingTextBoxFlag xmlns="" xmlns:m="http://schemas.openxmlformats.org/officeDocument/2006/math" xmlns:a14="http://schemas.microsoft.com/office/drawing/2010/main" xmlns:ma14="http://schemas.microsoft.com/office/mac/drawingml/2011/main" val="1"/>
+              <ma14:wrappingTextBoxFlag xmlns:ma14="http://schemas.microsoft.com/office/mac/drawingml/2011/main" xmlns:a14="http://schemas.microsoft.com/office/drawing/2010/main" xmlns:m="http://schemas.openxmlformats.org/officeDocument/2006/math" xmlns="" val="1"/>
             </a:ext>
           </a:extLst>
         </p:spPr>
@@ -18407,7 +18737,7 @@
           </a:ln>
           <a:extLst>
             <a:ext uri="{C572A759-6A51-4108-AA02-DFA0A04FC94B}">
-              <ma14:wrappingTextBoxFlag xmlns="" xmlns:m="http://schemas.openxmlformats.org/officeDocument/2006/math" xmlns:a14="http://schemas.microsoft.com/office/drawing/2010/main" xmlns:ma14="http://schemas.microsoft.com/office/mac/drawingml/2011/main" val="1"/>
+              <ma14:wrappingTextBoxFlag xmlns:ma14="http://schemas.microsoft.com/office/mac/drawingml/2011/main" xmlns:a14="http://schemas.microsoft.com/office/drawing/2010/main" xmlns:m="http://schemas.openxmlformats.org/officeDocument/2006/math" xmlns="" val="1"/>
             </a:ext>
           </a:extLst>
         </p:spPr>
@@ -18457,7 +18787,7 @@
           </a:ln>
           <a:extLst>
             <a:ext uri="{C572A759-6A51-4108-AA02-DFA0A04FC94B}">
-              <ma14:wrappingTextBoxFlag xmlns="" xmlns:m="http://schemas.openxmlformats.org/officeDocument/2006/math" xmlns:a14="http://schemas.microsoft.com/office/drawing/2010/main" xmlns:ma14="http://schemas.microsoft.com/office/mac/drawingml/2011/main" val="1"/>
+              <ma14:wrappingTextBoxFlag xmlns:ma14="http://schemas.microsoft.com/office/mac/drawingml/2011/main" xmlns:a14="http://schemas.microsoft.com/office/drawing/2010/main" xmlns:m="http://schemas.openxmlformats.org/officeDocument/2006/math" xmlns="" val="1"/>
             </a:ext>
           </a:extLst>
         </p:spPr>
@@ -18507,7 +18837,7 @@
           </a:ln>
           <a:extLst>
             <a:ext uri="{C572A759-6A51-4108-AA02-DFA0A04FC94B}">
-              <ma14:wrappingTextBoxFlag xmlns="" xmlns:m="http://schemas.openxmlformats.org/officeDocument/2006/math" xmlns:a14="http://schemas.microsoft.com/office/drawing/2010/main" xmlns:ma14="http://schemas.microsoft.com/office/mac/drawingml/2011/main" val="1"/>
+              <ma14:wrappingTextBoxFlag xmlns:ma14="http://schemas.microsoft.com/office/mac/drawingml/2011/main" xmlns:a14="http://schemas.microsoft.com/office/drawing/2010/main" xmlns:m="http://schemas.openxmlformats.org/officeDocument/2006/math" xmlns="" val="1"/>
             </a:ext>
           </a:extLst>
         </p:spPr>
@@ -18557,7 +18887,7 @@
           </a:ln>
           <a:extLst>
             <a:ext uri="{C572A759-6A51-4108-AA02-DFA0A04FC94B}">
-              <ma14:wrappingTextBoxFlag xmlns="" xmlns:m="http://schemas.openxmlformats.org/officeDocument/2006/math" xmlns:a14="http://schemas.microsoft.com/office/drawing/2010/main" xmlns:ma14="http://schemas.microsoft.com/office/mac/drawingml/2011/main" val="1"/>
+              <ma14:wrappingTextBoxFlag xmlns:ma14="http://schemas.microsoft.com/office/mac/drawingml/2011/main" xmlns:a14="http://schemas.microsoft.com/office/drawing/2010/main" xmlns:m="http://schemas.openxmlformats.org/officeDocument/2006/math" xmlns="" val="1"/>
             </a:ext>
           </a:extLst>
         </p:spPr>
@@ -18607,7 +18937,7 @@
           </a:ln>
           <a:extLst>
             <a:ext uri="{C572A759-6A51-4108-AA02-DFA0A04FC94B}">
-              <ma14:wrappingTextBoxFlag xmlns="" xmlns:m="http://schemas.openxmlformats.org/officeDocument/2006/math" xmlns:a14="http://schemas.microsoft.com/office/drawing/2010/main" xmlns:ma14="http://schemas.microsoft.com/office/mac/drawingml/2011/main" val="1"/>
+              <ma14:wrappingTextBoxFlag xmlns:ma14="http://schemas.microsoft.com/office/mac/drawingml/2011/main" xmlns:a14="http://schemas.microsoft.com/office/drawing/2010/main" xmlns:m="http://schemas.openxmlformats.org/officeDocument/2006/math" xmlns="" val="1"/>
             </a:ext>
           </a:extLst>
         </p:spPr>
@@ -18657,7 +18987,7 @@
           </a:ln>
           <a:extLst>
             <a:ext uri="{C572A759-6A51-4108-AA02-DFA0A04FC94B}">
-              <ma14:wrappingTextBoxFlag xmlns="" xmlns:m="http://schemas.openxmlformats.org/officeDocument/2006/math" xmlns:a14="http://schemas.microsoft.com/office/drawing/2010/main" xmlns:ma14="http://schemas.microsoft.com/office/mac/drawingml/2011/main" val="1"/>
+              <ma14:wrappingTextBoxFlag xmlns:ma14="http://schemas.microsoft.com/office/mac/drawingml/2011/main" xmlns:a14="http://schemas.microsoft.com/office/drawing/2010/main" xmlns:m="http://schemas.openxmlformats.org/officeDocument/2006/math" xmlns="" val="1"/>
             </a:ext>
           </a:extLst>
         </p:spPr>
@@ -18707,7 +19037,7 @@
           </a:ln>
           <a:extLst>
             <a:ext uri="{C572A759-6A51-4108-AA02-DFA0A04FC94B}">
-              <ma14:wrappingTextBoxFlag xmlns="" xmlns:m="http://schemas.openxmlformats.org/officeDocument/2006/math" xmlns:a14="http://schemas.microsoft.com/office/drawing/2010/main" xmlns:ma14="http://schemas.microsoft.com/office/mac/drawingml/2011/main" val="1"/>
+              <ma14:wrappingTextBoxFlag xmlns:ma14="http://schemas.microsoft.com/office/mac/drawingml/2011/main" xmlns:a14="http://schemas.microsoft.com/office/drawing/2010/main" xmlns:m="http://schemas.openxmlformats.org/officeDocument/2006/math" xmlns="" val="1"/>
             </a:ext>
           </a:extLst>
         </p:spPr>
@@ -18757,7 +19087,7 @@
           </a:ln>
           <a:extLst>
             <a:ext uri="{C572A759-6A51-4108-AA02-DFA0A04FC94B}">
-              <ma14:wrappingTextBoxFlag xmlns="" xmlns:m="http://schemas.openxmlformats.org/officeDocument/2006/math" xmlns:a14="http://schemas.microsoft.com/office/drawing/2010/main" xmlns:ma14="http://schemas.microsoft.com/office/mac/drawingml/2011/main" val="1"/>
+              <ma14:wrappingTextBoxFlag xmlns:ma14="http://schemas.microsoft.com/office/mac/drawingml/2011/main" xmlns:a14="http://schemas.microsoft.com/office/drawing/2010/main" xmlns:m="http://schemas.openxmlformats.org/officeDocument/2006/math" xmlns="" val="1"/>
             </a:ext>
           </a:extLst>
         </p:spPr>
@@ -18807,7 +19137,7 @@
           </a:ln>
           <a:extLst>
             <a:ext uri="{C572A759-6A51-4108-AA02-DFA0A04FC94B}">
-              <ma14:wrappingTextBoxFlag xmlns="" xmlns:m="http://schemas.openxmlformats.org/officeDocument/2006/math" xmlns:a14="http://schemas.microsoft.com/office/drawing/2010/main" xmlns:ma14="http://schemas.microsoft.com/office/mac/drawingml/2011/main" val="1"/>
+              <ma14:wrappingTextBoxFlag xmlns:ma14="http://schemas.microsoft.com/office/mac/drawingml/2011/main" xmlns:a14="http://schemas.microsoft.com/office/drawing/2010/main" xmlns:m="http://schemas.openxmlformats.org/officeDocument/2006/math" xmlns="" val="1"/>
             </a:ext>
           </a:extLst>
         </p:spPr>
@@ -18857,7 +19187,7 @@
           </a:ln>
           <a:extLst>
             <a:ext uri="{C572A759-6A51-4108-AA02-DFA0A04FC94B}">
-              <ma14:wrappingTextBoxFlag xmlns="" xmlns:m="http://schemas.openxmlformats.org/officeDocument/2006/math" xmlns:a14="http://schemas.microsoft.com/office/drawing/2010/main" xmlns:ma14="http://schemas.microsoft.com/office/mac/drawingml/2011/main" val="1"/>
+              <ma14:wrappingTextBoxFlag xmlns:ma14="http://schemas.microsoft.com/office/mac/drawingml/2011/main" xmlns:a14="http://schemas.microsoft.com/office/drawing/2010/main" xmlns:m="http://schemas.openxmlformats.org/officeDocument/2006/math" xmlns="" val="1"/>
             </a:ext>
           </a:extLst>
         </p:spPr>
@@ -18907,7 +19237,7 @@
           </a:ln>
           <a:extLst>
             <a:ext uri="{C572A759-6A51-4108-AA02-DFA0A04FC94B}">
-              <ma14:wrappingTextBoxFlag xmlns="" xmlns:m="http://schemas.openxmlformats.org/officeDocument/2006/math" xmlns:a14="http://schemas.microsoft.com/office/drawing/2010/main" xmlns:ma14="http://schemas.microsoft.com/office/mac/drawingml/2011/main" val="1"/>
+              <ma14:wrappingTextBoxFlag xmlns:ma14="http://schemas.microsoft.com/office/mac/drawingml/2011/main" xmlns:a14="http://schemas.microsoft.com/office/drawing/2010/main" xmlns:m="http://schemas.openxmlformats.org/officeDocument/2006/math" xmlns="" val="1"/>
             </a:ext>
           </a:extLst>
         </p:spPr>
@@ -18957,7 +19287,7 @@
           </a:ln>
           <a:extLst>
             <a:ext uri="{C572A759-6A51-4108-AA02-DFA0A04FC94B}">
-              <ma14:wrappingTextBoxFlag xmlns="" xmlns:m="http://schemas.openxmlformats.org/officeDocument/2006/math" xmlns:a14="http://schemas.microsoft.com/office/drawing/2010/main" xmlns:ma14="http://schemas.microsoft.com/office/mac/drawingml/2011/main" val="1"/>
+              <ma14:wrappingTextBoxFlag xmlns:ma14="http://schemas.microsoft.com/office/mac/drawingml/2011/main" xmlns:a14="http://schemas.microsoft.com/office/drawing/2010/main" xmlns:m="http://schemas.openxmlformats.org/officeDocument/2006/math" xmlns="" val="1"/>
             </a:ext>
           </a:extLst>
         </p:spPr>
@@ -19007,7 +19337,7 @@
           </a:ln>
           <a:extLst>
             <a:ext uri="{C572A759-6A51-4108-AA02-DFA0A04FC94B}">
-              <ma14:wrappingTextBoxFlag xmlns="" xmlns:m="http://schemas.openxmlformats.org/officeDocument/2006/math" xmlns:a14="http://schemas.microsoft.com/office/drawing/2010/main" xmlns:ma14="http://schemas.microsoft.com/office/mac/drawingml/2011/main" val="1"/>
+              <ma14:wrappingTextBoxFlag xmlns:ma14="http://schemas.microsoft.com/office/mac/drawingml/2011/main" xmlns:a14="http://schemas.microsoft.com/office/drawing/2010/main" xmlns:m="http://schemas.openxmlformats.org/officeDocument/2006/math" xmlns="" val="1"/>
             </a:ext>
           </a:extLst>
         </p:spPr>
@@ -19057,7 +19387,7 @@
           </a:ln>
           <a:extLst>
             <a:ext uri="{C572A759-6A51-4108-AA02-DFA0A04FC94B}">
-              <ma14:wrappingTextBoxFlag xmlns="" xmlns:m="http://schemas.openxmlformats.org/officeDocument/2006/math" xmlns:a14="http://schemas.microsoft.com/office/drawing/2010/main" xmlns:ma14="http://schemas.microsoft.com/office/mac/drawingml/2011/main" val="1"/>
+              <ma14:wrappingTextBoxFlag xmlns:ma14="http://schemas.microsoft.com/office/mac/drawingml/2011/main" xmlns:a14="http://schemas.microsoft.com/office/drawing/2010/main" xmlns:m="http://schemas.openxmlformats.org/officeDocument/2006/math" xmlns="" val="1"/>
             </a:ext>
           </a:extLst>
         </p:spPr>
@@ -19107,7 +19437,7 @@
           </a:ln>
           <a:extLst>
             <a:ext uri="{C572A759-6A51-4108-AA02-DFA0A04FC94B}">
-              <ma14:wrappingTextBoxFlag xmlns="" xmlns:m="http://schemas.openxmlformats.org/officeDocument/2006/math" xmlns:a14="http://schemas.microsoft.com/office/drawing/2010/main" xmlns:ma14="http://schemas.microsoft.com/office/mac/drawingml/2011/main" val="1"/>
+              <ma14:wrappingTextBoxFlag xmlns:ma14="http://schemas.microsoft.com/office/mac/drawingml/2011/main" xmlns:a14="http://schemas.microsoft.com/office/drawing/2010/main" xmlns:m="http://schemas.openxmlformats.org/officeDocument/2006/math" xmlns="" val="1"/>
             </a:ext>
           </a:extLst>
         </p:spPr>
@@ -19157,7 +19487,7 @@
           </a:ln>
           <a:extLst>
             <a:ext uri="{C572A759-6A51-4108-AA02-DFA0A04FC94B}">
-              <ma14:wrappingTextBoxFlag xmlns="" xmlns:m="http://schemas.openxmlformats.org/officeDocument/2006/math" xmlns:a14="http://schemas.microsoft.com/office/drawing/2010/main" xmlns:ma14="http://schemas.microsoft.com/office/mac/drawingml/2011/main" val="1"/>
+              <ma14:wrappingTextBoxFlag xmlns:ma14="http://schemas.microsoft.com/office/mac/drawingml/2011/main" xmlns:a14="http://schemas.microsoft.com/office/drawing/2010/main" xmlns:m="http://schemas.openxmlformats.org/officeDocument/2006/math" xmlns="" val="1"/>
             </a:ext>
           </a:extLst>
         </p:spPr>
@@ -19207,7 +19537,7 @@
           </a:ln>
           <a:extLst>
             <a:ext uri="{C572A759-6A51-4108-AA02-DFA0A04FC94B}">
-              <ma14:wrappingTextBoxFlag xmlns="" xmlns:m="http://schemas.openxmlformats.org/officeDocument/2006/math" xmlns:a14="http://schemas.microsoft.com/office/drawing/2010/main" xmlns:ma14="http://schemas.microsoft.com/office/mac/drawingml/2011/main" val="1"/>
+              <ma14:wrappingTextBoxFlag xmlns:ma14="http://schemas.microsoft.com/office/mac/drawingml/2011/main" xmlns:a14="http://schemas.microsoft.com/office/drawing/2010/main" xmlns:m="http://schemas.openxmlformats.org/officeDocument/2006/math" xmlns="" val="1"/>
             </a:ext>
           </a:extLst>
         </p:spPr>
@@ -19257,7 +19587,7 @@
           </a:ln>
           <a:extLst>
             <a:ext uri="{C572A759-6A51-4108-AA02-DFA0A04FC94B}">
-              <ma14:wrappingTextBoxFlag xmlns="" xmlns:m="http://schemas.openxmlformats.org/officeDocument/2006/math" xmlns:a14="http://schemas.microsoft.com/office/drawing/2010/main" xmlns:ma14="http://schemas.microsoft.com/office/mac/drawingml/2011/main" val="1"/>
+              <ma14:wrappingTextBoxFlag xmlns:ma14="http://schemas.microsoft.com/office/mac/drawingml/2011/main" xmlns:a14="http://schemas.microsoft.com/office/drawing/2010/main" xmlns:m="http://schemas.openxmlformats.org/officeDocument/2006/math" xmlns="" val="1"/>
             </a:ext>
           </a:extLst>
         </p:spPr>
@@ -19307,7 +19637,7 @@
           </a:ln>
           <a:extLst>
             <a:ext uri="{C572A759-6A51-4108-AA02-DFA0A04FC94B}">
-              <ma14:wrappingTextBoxFlag xmlns="" xmlns:m="http://schemas.openxmlformats.org/officeDocument/2006/math" xmlns:a14="http://schemas.microsoft.com/office/drawing/2010/main" xmlns:ma14="http://schemas.microsoft.com/office/mac/drawingml/2011/main" val="1"/>
+              <ma14:wrappingTextBoxFlag xmlns:ma14="http://schemas.microsoft.com/office/mac/drawingml/2011/main" xmlns:a14="http://schemas.microsoft.com/office/drawing/2010/main" xmlns:m="http://schemas.openxmlformats.org/officeDocument/2006/math" xmlns="" val="1"/>
             </a:ext>
           </a:extLst>
         </p:spPr>
@@ -19357,7 +19687,7 @@
           </a:ln>
           <a:extLst>
             <a:ext uri="{C572A759-6A51-4108-AA02-DFA0A04FC94B}">
-              <ma14:wrappingTextBoxFlag xmlns="" xmlns:m="http://schemas.openxmlformats.org/officeDocument/2006/math" xmlns:a14="http://schemas.microsoft.com/office/drawing/2010/main" xmlns:ma14="http://schemas.microsoft.com/office/mac/drawingml/2011/main" val="1"/>
+              <ma14:wrappingTextBoxFlag xmlns:ma14="http://schemas.microsoft.com/office/mac/drawingml/2011/main" xmlns:a14="http://schemas.microsoft.com/office/drawing/2010/main" xmlns:m="http://schemas.openxmlformats.org/officeDocument/2006/math" xmlns="" val="1"/>
             </a:ext>
           </a:extLst>
         </p:spPr>
@@ -19407,7 +19737,7 @@
           </a:ln>
           <a:extLst>
             <a:ext uri="{C572A759-6A51-4108-AA02-DFA0A04FC94B}">
-              <ma14:wrappingTextBoxFlag xmlns="" xmlns:m="http://schemas.openxmlformats.org/officeDocument/2006/math" xmlns:a14="http://schemas.microsoft.com/office/drawing/2010/main" xmlns:ma14="http://schemas.microsoft.com/office/mac/drawingml/2011/main" val="1"/>
+              <ma14:wrappingTextBoxFlag xmlns:ma14="http://schemas.microsoft.com/office/mac/drawingml/2011/main" xmlns:a14="http://schemas.microsoft.com/office/drawing/2010/main" xmlns:m="http://schemas.openxmlformats.org/officeDocument/2006/math" xmlns="" val="1"/>
             </a:ext>
           </a:extLst>
         </p:spPr>
@@ -19457,7 +19787,7 @@
           </a:ln>
           <a:extLst>
             <a:ext uri="{C572A759-6A51-4108-AA02-DFA0A04FC94B}">
-              <ma14:wrappingTextBoxFlag xmlns="" xmlns:m="http://schemas.openxmlformats.org/officeDocument/2006/math" xmlns:a14="http://schemas.microsoft.com/office/drawing/2010/main" xmlns:ma14="http://schemas.microsoft.com/office/mac/drawingml/2011/main" val="1"/>
+              <ma14:wrappingTextBoxFlag xmlns:ma14="http://schemas.microsoft.com/office/mac/drawingml/2011/main" xmlns:a14="http://schemas.microsoft.com/office/drawing/2010/main" xmlns:m="http://schemas.openxmlformats.org/officeDocument/2006/math" xmlns="" val="1"/>
             </a:ext>
           </a:extLst>
         </p:spPr>
@@ -19507,7 +19837,7 @@
           </a:ln>
           <a:extLst>
             <a:ext uri="{C572A759-6A51-4108-AA02-DFA0A04FC94B}">
-              <ma14:wrappingTextBoxFlag xmlns="" xmlns:m="http://schemas.openxmlformats.org/officeDocument/2006/math" xmlns:a14="http://schemas.microsoft.com/office/drawing/2010/main" xmlns:ma14="http://schemas.microsoft.com/office/mac/drawingml/2011/main" val="1"/>
+              <ma14:wrappingTextBoxFlag xmlns:ma14="http://schemas.microsoft.com/office/mac/drawingml/2011/main" xmlns:a14="http://schemas.microsoft.com/office/drawing/2010/main" xmlns:m="http://schemas.openxmlformats.org/officeDocument/2006/math" xmlns="" val="1"/>
             </a:ext>
           </a:extLst>
         </p:spPr>
@@ -19557,7 +19887,7 @@
           </a:ln>
           <a:extLst>
             <a:ext uri="{C572A759-6A51-4108-AA02-DFA0A04FC94B}">
-              <ma14:wrappingTextBoxFlag xmlns="" xmlns:m="http://schemas.openxmlformats.org/officeDocument/2006/math" xmlns:a14="http://schemas.microsoft.com/office/drawing/2010/main" xmlns:ma14="http://schemas.microsoft.com/office/mac/drawingml/2011/main" val="1"/>
+              <ma14:wrappingTextBoxFlag xmlns:ma14="http://schemas.microsoft.com/office/mac/drawingml/2011/main" xmlns:a14="http://schemas.microsoft.com/office/drawing/2010/main" xmlns:m="http://schemas.openxmlformats.org/officeDocument/2006/math" xmlns="" val="1"/>
             </a:ext>
           </a:extLst>
         </p:spPr>
@@ -19607,7 +19937,7 @@
           </a:ln>
           <a:extLst>
             <a:ext uri="{C572A759-6A51-4108-AA02-DFA0A04FC94B}">
-              <ma14:wrappingTextBoxFlag xmlns="" xmlns:m="http://schemas.openxmlformats.org/officeDocument/2006/math" xmlns:a14="http://schemas.microsoft.com/office/drawing/2010/main" xmlns:ma14="http://schemas.microsoft.com/office/mac/drawingml/2011/main" val="1"/>
+              <ma14:wrappingTextBoxFlag xmlns:ma14="http://schemas.microsoft.com/office/mac/drawingml/2011/main" xmlns:a14="http://schemas.microsoft.com/office/drawing/2010/main" xmlns:m="http://schemas.openxmlformats.org/officeDocument/2006/math" xmlns="" val="1"/>
             </a:ext>
           </a:extLst>
         </p:spPr>
@@ -19949,14 +20279,14 @@
           <p:nvPr>
             <p:extLst>
               <p:ext uri="{D42A27DB-BD31-4B8C-83A1-F6EECF244321}">
-                <p14:modId xmlns:p14="http://schemas.microsoft.com/office/powerpoint/2010/main" val="240823876"/>
+                <p14:modId xmlns:p14="http://schemas.microsoft.com/office/powerpoint/2010/main" val="1672196392"/>
               </p:ext>
             </p:extLst>
           </p:nvPr>
         </p:nvGraphicFramePr>
         <p:xfrm>
           <a:off x="2167466" y="1986844"/>
-          <a:ext cx="8669868" cy="3535680"/>
+          <a:ext cx="8669868" cy="6492240"/>
         </p:xfrm>
         <a:graphic>
           <a:graphicData uri="http://schemas.openxmlformats.org/drawingml/2006/table">
@@ -19965,14 +20295,14 @@
                 <a:tableStyleId>{5940675A-B579-460E-94D1-54222C63F5DA}</a:tableStyleId>
               </a:tblPr>
               <a:tblGrid>
-                <a:gridCol w="1833034">
+                <a:gridCol w="2260155">
                   <a:extLst>
                     <a:ext uri="{9D8B030D-6E8A-4147-A177-3AD203B41FA5}">
                       <a16:colId xmlns:a16="http://schemas.microsoft.com/office/drawing/2014/main" val="2216355962"/>
                     </a:ext>
                   </a:extLst>
                 </a:gridCol>
-                <a:gridCol w="6836834">
+                <a:gridCol w="6409713">
                   <a:extLst>
                     <a:ext uri="{9D8B030D-6E8A-4147-A177-3AD203B41FA5}">
                       <a16:colId xmlns:a16="http://schemas.microsoft.com/office/drawing/2014/main" val="4118585534"/>
@@ -19986,16 +20316,17 @@
                     <a:bodyPr/>
                     <a:lstStyle/>
                     <a:p>
-                      <a:pPr algn="l"/>
+                      <a:pPr marL="0" algn="l" defTabSz="975390" rtl="0" eaLnBrk="1" latinLnBrk="0" hangingPunct="1"/>
                       <a:r>
-                        <a:rPr lang="de-DE" b="1" dirty="0">
+                        <a:rPr lang="de-DE" sz="1600" b="1" kern="1200" dirty="0">
                           <a:solidFill>
                             <a:schemeClr val="bg1"/>
                           </a:solidFill>
                           <a:latin typeface="Roboto Slab Bold" pitchFamily="2" charset="0"/>
                           <a:ea typeface="Roboto Slab Bold" pitchFamily="2" charset="0"/>
+                          <a:cs typeface="+mn-cs"/>
                         </a:rPr>
-                        <a:t>[BGG]</a:t>
+                        <a:t>[Bucsics2015] </a:t>
                       </a:r>
                     </a:p>
                   </a:txBody>
@@ -20033,62 +20364,58 @@
                     <a:p>
                       <a:pPr algn="l"/>
                       <a:r>
+                        <a:rPr lang="de-DE" sz="1600" dirty="0" err="1">
+                          <a:solidFill>
+                            <a:schemeClr val="bg1"/>
+                          </a:solidFill>
+                          <a:latin typeface="PT Sans" panose="020B0503020203020204" pitchFamily="34" charset="0"/>
+                        </a:rPr>
+                        <a:t>Bucsics</a:t>
+                      </a:r>
+                      <a:r>
                         <a:rPr lang="de-DE" sz="1600" dirty="0">
                           <a:solidFill>
                             <a:schemeClr val="bg1"/>
                           </a:solidFill>
                           <a:latin typeface="PT Sans" panose="020B0503020203020204" pitchFamily="34" charset="0"/>
                         </a:rPr>
-                        <a:t>Behindertengleichstellungsgesetz vom 27. April 2002 (BGBl. I S. 1467, 1468), das zuletzt durch Artikel 3 des Gesetzes vom 10. Juli 2018 (BGBl. I S. 1117) geändert worden ist</a:t>
+                        <a:t>, Thomas u. a.: Basiswissen Testautomatisierung: Konzepte, Methoden und Techniken. 2., aktualisierte und </a:t>
                       </a:r>
                       <a:r>
-                        <a:rPr lang="en-US" sz="1600" dirty="0">
+                        <a:rPr lang="de-DE" sz="1600" dirty="0" err="1">
                           <a:solidFill>
                             <a:schemeClr val="bg1"/>
                           </a:solidFill>
                           <a:latin typeface="PT Sans" panose="020B0503020203020204" pitchFamily="34" charset="0"/>
                         </a:rPr>
-                        <a:t>, </a:t>
+                        <a:t>überarb</a:t>
                       </a:r>
                       <a:r>
-                        <a:rPr lang="de-DE" sz="1600" kern="1200" dirty="0">
-                          <a:solidFill>
-                            <a:srgbClr val="DD1166"/>
-                          </a:solidFill>
-                          <a:latin typeface="PT Sans" panose="020B0503020203020204" pitchFamily="34" charset="0"/>
-                          <a:ea typeface="+mn-ea"/>
-                          <a:cs typeface="+mn-cs"/>
-                          <a:hlinkClick r:id="rId3">
-                            <a:extLst>
-                              <a:ext uri="{A12FA001-AC4F-418D-AE19-62706E023703}">
-                                <ahyp:hlinkClr xmlns:ahyp="http://schemas.microsoft.com/office/drawing/2018/hyperlinkcolor" val="tx"/>
-                              </a:ext>
-                            </a:extLst>
-                          </a:hlinkClick>
-                        </a:rPr>
-                        <a:t>https://www.gesetze-im-internet.de/bgg/BGG.pdf</a:t>
-                      </a:r>
-                      <a:r>
-                        <a:rPr lang="de-DE" sz="1600" kern="1200" dirty="0">
-                          <a:solidFill>
-                            <a:srgbClr val="DD1166"/>
-                          </a:solidFill>
-                          <a:latin typeface="PT Sans" panose="020B0503020203020204" pitchFamily="34" charset="0"/>
-                          <a:ea typeface="+mn-ea"/>
-                          <a:cs typeface="+mn-cs"/>
-                        </a:rPr>
-                        <a:t> </a:t>
-                      </a:r>
-                      <a:r>
-                        <a:rPr lang="de-DE" sz="1600" kern="1200" dirty="0">
+                        <a:rPr lang="de-DE" sz="1600" dirty="0">
                           <a:solidFill>
                             <a:schemeClr val="bg1"/>
                           </a:solidFill>
                           <a:latin typeface="PT Sans" panose="020B0503020203020204" pitchFamily="34" charset="0"/>
-                          <a:ea typeface="+mn-ea"/>
-                          <a:cs typeface="+mn-cs"/>
                         </a:rPr>
-                        <a:t>- Letzter Zugriff 17.02.2021 </a:t>
+                        <a:t>. Aufl. Heidelberg : </a:t>
+                      </a:r>
+                      <a:r>
+                        <a:rPr lang="de-DE" sz="1600" dirty="0" err="1">
+                          <a:solidFill>
+                            <a:schemeClr val="bg1"/>
+                          </a:solidFill>
+                          <a:latin typeface="PT Sans" panose="020B0503020203020204" pitchFamily="34" charset="0"/>
+                        </a:rPr>
+                        <a:t>dpunkt</a:t>
+                      </a:r>
+                      <a:r>
+                        <a:rPr lang="de-DE" sz="1600" dirty="0">
+                          <a:solidFill>
+                            <a:schemeClr val="bg1"/>
+                          </a:solidFill>
+                          <a:latin typeface="PT Sans" panose="020B0503020203020204" pitchFamily="34" charset="0"/>
+                        </a:rPr>
+                        <a:t>-Verl., 2015 – ISBN 978–3–86490–194–2 </a:t>
                       </a:r>
                     </a:p>
                   </a:txBody>
@@ -20121,7 +20448,7 @@
                 </a:tc>
                 <a:extLst>
                   <a:ext uri="{0D108BD9-81ED-4DB2-BD59-A6C34878D82A}">
-                    <a16:rowId xmlns:a16="http://schemas.microsoft.com/office/drawing/2014/main" val="1987956813"/>
+                    <a16:rowId xmlns:a16="http://schemas.microsoft.com/office/drawing/2014/main" val="89926989"/>
                   </a:ext>
                 </a:extLst>
               </a:tr>
@@ -20325,6 +20652,419 @@
                     <a:bodyPr/>
                     <a:lstStyle/>
                     <a:p>
+                      <a:pPr marL="0" marR="0" indent="0" algn="l" defTabSz="975390" rtl="0" eaLnBrk="1" latinLnBrk="0" hangingPunct="1">
+                        <a:lnSpc>
+                          <a:spcPct val="100000"/>
+                        </a:lnSpc>
+                        <a:spcBef>
+                          <a:spcPts val="0"/>
+                        </a:spcBef>
+                        <a:spcAft>
+                          <a:spcPts val="0"/>
+                        </a:spcAft>
+                        <a:buClrTx/>
+                        <a:buSzTx/>
+                        <a:buFontTx/>
+                        <a:buNone/>
+                        <a:tabLst/>
+                      </a:pPr>
+                      <a:r>
+                        <a:rPr lang="de-DE" sz="1600" b="1" i="0" u="none" strike="noStrike" kern="1200" cap="none" spc="0" baseline="0" dirty="0">
+                          <a:solidFill>
+                            <a:schemeClr val="bg1"/>
+                          </a:solidFill>
+                          <a:uFillTx/>
+                          <a:latin typeface="Roboto Slab Bold" pitchFamily="2" charset="0"/>
+                          <a:ea typeface="Roboto Slab Bold" pitchFamily="2" charset="0"/>
+                          <a:cs typeface="+mn-cs"/>
+                          <a:sym typeface="Helvetica Neue Light"/>
+                        </a:rPr>
+                        <a:t>[North2006]</a:t>
+                      </a:r>
+                    </a:p>
+                  </a:txBody>
+                  <a:tcPr>
+                    <a:lnL w="12700" cmpd="sng">
+                      <a:noFill/>
+                    </a:lnL>
+                    <a:lnR w="12700" cap="flat" cmpd="sng" algn="ctr">
+                      <a:noFill/>
+                      <a:prstDash val="solid"/>
+                      <a:round/>
+                      <a:headEnd type="none" w="med" len="med"/>
+                      <a:tailEnd type="none" w="med" len="med"/>
+                    </a:lnR>
+                    <a:lnT w="12700" cmpd="sng">
+                      <a:noFill/>
+                    </a:lnT>
+                    <a:lnB w="12700" cmpd="sng">
+                      <a:noFill/>
+                    </a:lnB>
+                    <a:lnTlToBr w="12700" cmpd="sng">
+                      <a:noFill/>
+                      <a:prstDash val="solid"/>
+                    </a:lnTlToBr>
+                    <a:lnBlToTr w="12700" cmpd="sng">
+                      <a:noFill/>
+                      <a:prstDash val="solid"/>
+                    </a:lnBlToTr>
+                  </a:tcPr>
+                </a:tc>
+                <a:tc>
+                  <a:txBody>
+                    <a:bodyPr/>
+                    <a:lstStyle/>
+                    <a:p>
+                      <a:pPr marL="0" marR="0" indent="0" algn="l" defTabSz="584200" latinLnBrk="0">
+                        <a:lnSpc>
+                          <a:spcPct val="100000"/>
+                        </a:lnSpc>
+                        <a:spcBef>
+                          <a:spcPts val="0"/>
+                        </a:spcBef>
+                        <a:spcAft>
+                          <a:spcPts val="0"/>
+                        </a:spcAft>
+                        <a:buClrTx/>
+                        <a:buSzTx/>
+                        <a:buFontTx/>
+                        <a:buNone/>
+                        <a:tabLst/>
+                      </a:pPr>
+                      <a:r>
+                        <a:rPr lang="en-US" sz="1600" b="0" i="0" u="none" strike="noStrike" cap="none" spc="0" baseline="0" dirty="0">
+                          <a:solidFill>
+                            <a:schemeClr val="bg1"/>
+                          </a:solidFill>
+                          <a:uFillTx/>
+                          <a:latin typeface="PT Sans" panose="020B0503020203020204" pitchFamily="34" charset="0"/>
+                          <a:ea typeface="+mn-ea"/>
+                          <a:cs typeface="+mn-cs"/>
+                          <a:sym typeface="Helvetica Neue Light"/>
+                        </a:rPr>
+                        <a:t>North, Dan: Behavior Modification: The Evolution of Behavior-Driven Development. In: Better Software 8 (2006-03-01), Nr. 3, S. 26–30. – ISSN 1532–3579</a:t>
+                      </a:r>
+                      <a:endParaRPr lang="de-DE" sz="1600" b="0" i="0" u="none" strike="noStrike" cap="none" spc="0" baseline="0" dirty="0">
+                        <a:solidFill>
+                          <a:schemeClr val="bg1"/>
+                        </a:solidFill>
+                        <a:uFillTx/>
+                        <a:latin typeface="PT Sans" panose="020B0503020203020204" pitchFamily="34" charset="0"/>
+                        <a:ea typeface="+mn-ea"/>
+                        <a:cs typeface="+mn-cs"/>
+                        <a:sym typeface="Helvetica Neue Light"/>
+                      </a:endParaRPr>
+                    </a:p>
+                  </a:txBody>
+                  <a:tcPr>
+                    <a:lnL w="12700" cap="flat" cmpd="sng" algn="ctr">
+                      <a:noFill/>
+                      <a:prstDash val="solid"/>
+                      <a:round/>
+                      <a:headEnd type="none" w="med" len="med"/>
+                      <a:tailEnd type="none" w="med" len="med"/>
+                    </a:lnL>
+                    <a:lnR w="12700" cmpd="sng">
+                      <a:noFill/>
+                    </a:lnR>
+                    <a:lnT w="12700" cmpd="sng">
+                      <a:noFill/>
+                    </a:lnT>
+                    <a:lnB w="12700" cmpd="sng">
+                      <a:noFill/>
+                    </a:lnB>
+                    <a:lnTlToBr w="12700" cmpd="sng">
+                      <a:noFill/>
+                      <a:prstDash val="solid"/>
+                    </a:lnTlToBr>
+                    <a:lnBlToTr w="12700" cmpd="sng">
+                      <a:noFill/>
+                      <a:prstDash val="solid"/>
+                    </a:lnBlToTr>
+                  </a:tcPr>
+                </a:tc>
+                <a:extLst>
+                  <a:ext uri="{0D108BD9-81ED-4DB2-BD59-A6C34878D82A}">
+                    <a16:rowId xmlns:a16="http://schemas.microsoft.com/office/drawing/2014/main" val="1984206722"/>
+                  </a:ext>
+                </a:extLst>
+              </a:tr>
+              <a:tr h="370840">
+                <a:tc>
+                  <a:txBody>
+                    <a:bodyPr/>
+                    <a:lstStyle/>
+                    <a:p>
+                      <a:pPr marL="0" marR="0" indent="0" algn="l" defTabSz="975390" rtl="0" eaLnBrk="1" latinLnBrk="0" hangingPunct="1">
+                        <a:lnSpc>
+                          <a:spcPct val="100000"/>
+                        </a:lnSpc>
+                        <a:spcBef>
+                          <a:spcPts val="0"/>
+                        </a:spcBef>
+                        <a:spcAft>
+                          <a:spcPts val="0"/>
+                        </a:spcAft>
+                        <a:buClrTx/>
+                        <a:buSzTx/>
+                        <a:buFontTx/>
+                        <a:buNone/>
+                        <a:tabLst/>
+                      </a:pPr>
+                      <a:r>
+                        <a:rPr lang="de-DE" sz="1600" b="1" i="0" u="none" strike="noStrike" kern="1200" cap="none" spc="0" baseline="0" dirty="0">
+                          <a:solidFill>
+                            <a:schemeClr val="bg1"/>
+                          </a:solidFill>
+                          <a:uFillTx/>
+                          <a:latin typeface="Roboto Slab Bold" pitchFamily="2" charset="0"/>
+                          <a:ea typeface="Roboto Slab Bold" pitchFamily="2" charset="0"/>
+                          <a:cs typeface="+mn-cs"/>
+                          <a:sym typeface="Helvetica Neue Light"/>
+                        </a:rPr>
+                        <a:t>[Spillner u. Linz2019]</a:t>
+                      </a:r>
+                    </a:p>
+                  </a:txBody>
+                  <a:tcPr>
+                    <a:lnL w="12700" cmpd="sng">
+                      <a:noFill/>
+                    </a:lnL>
+                    <a:lnR w="12700" cap="flat" cmpd="sng" algn="ctr">
+                      <a:noFill/>
+                      <a:prstDash val="solid"/>
+                      <a:round/>
+                      <a:headEnd type="none" w="med" len="med"/>
+                      <a:tailEnd type="none" w="med" len="med"/>
+                    </a:lnR>
+                    <a:lnT w="12700" cmpd="sng">
+                      <a:noFill/>
+                    </a:lnT>
+                    <a:lnB w="12700" cmpd="sng">
+                      <a:noFill/>
+                    </a:lnB>
+                    <a:lnTlToBr w="12700" cmpd="sng">
+                      <a:noFill/>
+                      <a:prstDash val="solid"/>
+                    </a:lnTlToBr>
+                    <a:lnBlToTr w="12700" cmpd="sng">
+                      <a:noFill/>
+                      <a:prstDash val="solid"/>
+                    </a:lnBlToTr>
+                  </a:tcPr>
+                </a:tc>
+                <a:tc>
+                  <a:txBody>
+                    <a:bodyPr/>
+                    <a:lstStyle/>
+                    <a:p>
+                      <a:pPr marL="0" marR="0" indent="0" algn="l" defTabSz="584200" latinLnBrk="0">
+                        <a:lnSpc>
+                          <a:spcPct val="100000"/>
+                        </a:lnSpc>
+                        <a:spcBef>
+                          <a:spcPts val="0"/>
+                        </a:spcBef>
+                        <a:spcAft>
+                          <a:spcPts val="0"/>
+                        </a:spcAft>
+                        <a:buClrTx/>
+                        <a:buSzTx/>
+                        <a:buFontTx/>
+                        <a:buNone/>
+                        <a:tabLst/>
+                      </a:pPr>
+                      <a:r>
+                        <a:rPr lang="de-DE" sz="1600" b="0" i="0" u="none" strike="noStrike" cap="none" spc="0" baseline="0" dirty="0">
+                          <a:solidFill>
+                            <a:schemeClr val="bg1"/>
+                          </a:solidFill>
+                          <a:uFillTx/>
+                          <a:latin typeface="PT Sans" panose="020B0503020203020204" pitchFamily="34" charset="0"/>
+                          <a:ea typeface="+mn-ea"/>
+                          <a:cs typeface="+mn-cs"/>
+                          <a:sym typeface="Helvetica Neue Light"/>
+                        </a:rPr>
+                        <a:t>Spillner, Andreas ; Linz, </a:t>
+                      </a:r>
+                      <a:r>
+                        <a:rPr lang="de-DE" sz="1600" b="0" i="0" u="none" strike="noStrike" cap="none" spc="0" baseline="0" dirty="0" err="1">
+                          <a:solidFill>
+                            <a:schemeClr val="bg1"/>
+                          </a:solidFill>
+                          <a:uFillTx/>
+                          <a:latin typeface="PT Sans" panose="020B0503020203020204" pitchFamily="34" charset="0"/>
+                          <a:ea typeface="+mn-ea"/>
+                          <a:cs typeface="+mn-cs"/>
+                          <a:sym typeface="Helvetica Neue Light"/>
+                        </a:rPr>
+                        <a:t>Tilor</a:t>
+                      </a:r>
+                      <a:r>
+                        <a:rPr lang="de-DE" sz="1600" b="0" i="0" u="none" strike="noStrike" cap="none" spc="0" baseline="0" dirty="0">
+                          <a:solidFill>
+                            <a:schemeClr val="bg1"/>
+                          </a:solidFill>
+                          <a:uFillTx/>
+                          <a:latin typeface="PT Sans" panose="020B0503020203020204" pitchFamily="34" charset="0"/>
+                          <a:ea typeface="+mn-ea"/>
+                          <a:cs typeface="+mn-cs"/>
+                          <a:sym typeface="Helvetica Neue Light"/>
+                        </a:rPr>
+                        <a:t>: Basiswissen Softwaretest </a:t>
+                      </a:r>
+                      <a:r>
+                        <a:rPr lang="de-DE" sz="1600" b="0" i="0" u="none" strike="noStrike" cap="none" spc="0" baseline="0" dirty="0" err="1">
+                          <a:solidFill>
+                            <a:schemeClr val="bg1"/>
+                          </a:solidFill>
+                          <a:uFillTx/>
+                          <a:latin typeface="PT Sans" panose="020B0503020203020204" pitchFamily="34" charset="0"/>
+                          <a:ea typeface="+mn-ea"/>
+                          <a:cs typeface="+mn-cs"/>
+                          <a:sym typeface="Helvetica Neue Light"/>
+                        </a:rPr>
+                        <a:t>Ausund</a:t>
+                      </a:r>
+                      <a:r>
+                        <a:rPr lang="de-DE" sz="1600" b="0" i="0" u="none" strike="noStrike" cap="none" spc="0" baseline="0" dirty="0">
+                          <a:solidFill>
+                            <a:schemeClr val="bg1"/>
+                          </a:solidFill>
+                          <a:uFillTx/>
+                          <a:latin typeface="PT Sans" panose="020B0503020203020204" pitchFamily="34" charset="0"/>
+                          <a:ea typeface="+mn-ea"/>
+                          <a:cs typeface="+mn-cs"/>
+                          <a:sym typeface="Helvetica Neue Light"/>
+                        </a:rPr>
+                        <a:t> Weiterbildung zum Certified Tester, </a:t>
+                      </a:r>
+                      <a:r>
+                        <a:rPr lang="de-DE" sz="1600" b="0" i="0" u="none" strike="noStrike" cap="none" spc="0" baseline="0" dirty="0" err="1">
+                          <a:solidFill>
+                            <a:schemeClr val="bg1"/>
+                          </a:solidFill>
+                          <a:uFillTx/>
+                          <a:latin typeface="PT Sans" panose="020B0503020203020204" pitchFamily="34" charset="0"/>
+                          <a:ea typeface="+mn-ea"/>
+                          <a:cs typeface="+mn-cs"/>
+                          <a:sym typeface="Helvetica Neue Light"/>
+                        </a:rPr>
+                        <a:t>Foundation</a:t>
+                      </a:r>
+                      <a:r>
+                        <a:rPr lang="de-DE" sz="1600" b="0" i="0" u="none" strike="noStrike" cap="none" spc="0" baseline="0" dirty="0">
+                          <a:solidFill>
+                            <a:schemeClr val="bg1"/>
+                          </a:solidFill>
+                          <a:uFillTx/>
+                          <a:latin typeface="PT Sans" panose="020B0503020203020204" pitchFamily="34" charset="0"/>
+                          <a:ea typeface="+mn-ea"/>
+                          <a:cs typeface="+mn-cs"/>
+                          <a:sym typeface="Helvetica Neue Light"/>
+                        </a:rPr>
+                        <a:t> Level nach ISTQB-Standard. 6. Heidelberg : </a:t>
+                      </a:r>
+                      <a:r>
+                        <a:rPr lang="de-DE" sz="1600" b="0" i="0" u="none" strike="noStrike" cap="none" spc="0" baseline="0" dirty="0" err="1">
+                          <a:solidFill>
+                            <a:schemeClr val="bg1"/>
+                          </a:solidFill>
+                          <a:uFillTx/>
+                          <a:latin typeface="PT Sans" panose="020B0503020203020204" pitchFamily="34" charset="0"/>
+                          <a:ea typeface="+mn-ea"/>
+                          <a:cs typeface="+mn-cs"/>
+                          <a:sym typeface="Helvetica Neue Light"/>
+                        </a:rPr>
+                        <a:t>dpunkt.verlag</a:t>
+                      </a:r>
+                      <a:r>
+                        <a:rPr lang="de-DE" sz="1600" b="0" i="0" u="none" strike="noStrike" cap="none" spc="0" baseline="0" dirty="0">
+                          <a:solidFill>
+                            <a:schemeClr val="bg1"/>
+                          </a:solidFill>
+                          <a:uFillTx/>
+                          <a:latin typeface="PT Sans" panose="020B0503020203020204" pitchFamily="34" charset="0"/>
+                          <a:ea typeface="+mn-ea"/>
+                          <a:cs typeface="+mn-cs"/>
+                          <a:sym typeface="Helvetica Neue Light"/>
+                        </a:rPr>
+                        <a:t>, 2019 </a:t>
+                      </a:r>
+                      <a:r>
+                        <a:rPr lang="de-DE" sz="1600" b="0" i="0" u="none" strike="noStrike" cap="none" spc="0" baseline="0" dirty="0">
+                          <a:solidFill>
+                            <a:srgbClr val="DD1166"/>
+                          </a:solidFill>
+                          <a:uFillTx/>
+                          <a:latin typeface="PT Sans" panose="020B0503020203020204" pitchFamily="34" charset="0"/>
+                          <a:ea typeface="+mn-ea"/>
+                          <a:cs typeface="+mn-cs"/>
+                          <a:sym typeface="Helvetica Neue Light"/>
+                          <a:hlinkClick r:id="rId3">
+                            <a:extLst>
+                              <a:ext uri="{A12FA001-AC4F-418D-AE19-62706E023703}">
+                                <ahyp:hlinkClr xmlns:ahyp="http://schemas.microsoft.com/office/drawing/2018/hyperlinkcolor" val="tx"/>
+                              </a:ext>
+                            </a:extLst>
+                          </a:hlinkClick>
+                        </a:rPr>
+                        <a:t>http://lobid.org/resources/HT020031029</a:t>
+                      </a:r>
+                      <a:r>
+                        <a:rPr lang="de-DE" sz="1600" b="0" i="0" u="none" strike="noStrike" cap="none" spc="0" baseline="0" dirty="0">
+                          <a:solidFill>
+                            <a:schemeClr val="bg1"/>
+                          </a:solidFill>
+                          <a:uFillTx/>
+                          <a:latin typeface="PT Sans" panose="020B0503020203020204" pitchFamily="34" charset="0"/>
+                          <a:ea typeface="+mn-ea"/>
+                          <a:cs typeface="+mn-cs"/>
+                          <a:sym typeface="Helvetica Neue Light"/>
+                        </a:rPr>
+                        <a:t>. – ISBN 3864905834; 3–86490–583–4; 978–3–86490–583–4; 9783864905834</a:t>
+                      </a:r>
+                    </a:p>
+                  </a:txBody>
+                  <a:tcPr>
+                    <a:lnL w="12700" cap="flat" cmpd="sng" algn="ctr">
+                      <a:noFill/>
+                      <a:prstDash val="solid"/>
+                      <a:round/>
+                      <a:headEnd type="none" w="med" len="med"/>
+                      <a:tailEnd type="none" w="med" len="med"/>
+                    </a:lnL>
+                    <a:lnR w="12700" cmpd="sng">
+                      <a:noFill/>
+                    </a:lnR>
+                    <a:lnT w="12700" cmpd="sng">
+                      <a:noFill/>
+                    </a:lnT>
+                    <a:lnB w="12700" cmpd="sng">
+                      <a:noFill/>
+                    </a:lnB>
+                    <a:lnTlToBr w="12700" cmpd="sng">
+                      <a:noFill/>
+                      <a:prstDash val="solid"/>
+                    </a:lnTlToBr>
+                    <a:lnBlToTr w="12700" cmpd="sng">
+                      <a:noFill/>
+                      <a:prstDash val="solid"/>
+                    </a:lnBlToTr>
+                  </a:tcPr>
+                </a:tc>
+                <a:extLst>
+                  <a:ext uri="{0D108BD9-81ED-4DB2-BD59-A6C34878D82A}">
+                    <a16:rowId xmlns:a16="http://schemas.microsoft.com/office/drawing/2014/main" val="2381304406"/>
+                  </a:ext>
+                </a:extLst>
+              </a:tr>
+              <a:tr h="370840">
+                <a:tc>
+                  <a:txBody>
+                    <a:bodyPr/>
+                    <a:lstStyle/>
+                    <a:p>
                       <a:pPr algn="l"/>
                       <a:r>
                         <a:rPr lang="de-DE" b="1" dirty="0">
@@ -20418,7 +21158,7 @@
                           <a:ea typeface="+mn-ea"/>
                           <a:cs typeface="+mn-cs"/>
                         </a:rPr>
-                        <a:t>- Letzter Zugriff 17.02.2021</a:t>
+                        <a:t>- Letzter Zugriff 06.04.2021</a:t>
                       </a:r>
                     </a:p>
                   </a:txBody>
@@ -20451,27 +21191,44 @@
                 </a:tc>
                 <a:extLst>
                   <a:ext uri="{0D108BD9-81ED-4DB2-BD59-A6C34878D82A}">
-                    <a16:rowId xmlns:a16="http://schemas.microsoft.com/office/drawing/2014/main" val="3986481100"/>
+                    <a16:rowId xmlns:a16="http://schemas.microsoft.com/office/drawing/2014/main" val="637749728"/>
                   </a:ext>
                 </a:extLst>
               </a:tr>
-              <a:tr h="370840">
+              <a:tr h="0">
                 <a:tc>
                   <a:txBody>
                     <a:bodyPr/>
                     <a:lstStyle/>
                     <a:p>
-                      <a:pPr marL="0" algn="l" defTabSz="975390" rtl="0" eaLnBrk="1" latinLnBrk="0" hangingPunct="1"/>
+                      <a:pPr marL="0" marR="0" indent="0" algn="l" defTabSz="975390" rtl="0" eaLnBrk="1" latinLnBrk="0" hangingPunct="1">
+                        <a:lnSpc>
+                          <a:spcPct val="100000"/>
+                        </a:lnSpc>
+                        <a:spcBef>
+                          <a:spcPts val="0"/>
+                        </a:spcBef>
+                        <a:spcAft>
+                          <a:spcPts val="0"/>
+                        </a:spcAft>
+                        <a:buClrTx/>
+                        <a:buSzTx/>
+                        <a:buFontTx/>
+                        <a:buNone/>
+                        <a:tabLst/>
+                      </a:pPr>
                       <a:r>
-                        <a:rPr lang="de-DE" sz="1920" b="1" kern="1200" dirty="0">
+                        <a:rPr lang="de-DE" sz="1600" b="1" i="0" u="none" strike="noStrike" kern="1200" cap="none" spc="0" baseline="0" dirty="0">
                           <a:solidFill>
                             <a:schemeClr val="bg1"/>
                           </a:solidFill>
+                          <a:uFillTx/>
                           <a:latin typeface="Roboto Slab Bold" pitchFamily="2" charset="0"/>
                           <a:ea typeface="Roboto Slab Bold" pitchFamily="2" charset="0"/>
                           <a:cs typeface="+mn-cs"/>
+                          <a:sym typeface="Helvetica Neue Light"/>
                         </a:rPr>
-                        <a:t>[Bucsics2015] </a:t>
+                        <a:t>[W3C2018]</a:t>
                       </a:r>
                     </a:p>
                   </a:txBody>
@@ -20507,60 +21264,145 @@
                     <a:bodyPr/>
                     <a:lstStyle/>
                     <a:p>
-                      <a:pPr algn="l"/>
+                      <a:pPr marL="0" marR="0" indent="0" algn="l" defTabSz="584200" latinLnBrk="0">
+                        <a:lnSpc>
+                          <a:spcPct val="100000"/>
+                        </a:lnSpc>
+                        <a:spcBef>
+                          <a:spcPts val="0"/>
+                        </a:spcBef>
+                        <a:spcAft>
+                          <a:spcPts val="0"/>
+                        </a:spcAft>
+                        <a:buClrTx/>
+                        <a:buSzTx/>
+                        <a:buFontTx/>
+                        <a:buNone/>
+                        <a:tabLst/>
+                      </a:pPr>
                       <a:r>
-                        <a:rPr lang="de-DE" sz="1600" dirty="0" err="1">
+                        <a:rPr lang="de-DE" sz="1600" b="0" i="0" u="none" strike="noStrike" cap="none" spc="0" baseline="0" dirty="0">
                           <a:solidFill>
                             <a:schemeClr val="bg1"/>
                           </a:solidFill>
+                          <a:uFillTx/>
                           <a:latin typeface="PT Sans" panose="020B0503020203020204" pitchFamily="34" charset="0"/>
+                          <a:ea typeface="+mn-ea"/>
+                          <a:cs typeface="+mn-cs"/>
+                          <a:sym typeface="Helvetica Neue Light"/>
                         </a:rPr>
-                        <a:t>Bucsics</a:t>
+                        <a:t>W3C, World Wide Web </a:t>
                       </a:r>
                       <a:r>
-                        <a:rPr lang="de-DE" sz="1600" dirty="0">
+                        <a:rPr lang="de-DE" sz="1600" b="0" i="0" u="none" strike="noStrike" cap="none" spc="0" baseline="0" dirty="0" err="1">
                           <a:solidFill>
                             <a:schemeClr val="bg1"/>
                           </a:solidFill>
+                          <a:uFillTx/>
                           <a:latin typeface="PT Sans" panose="020B0503020203020204" pitchFamily="34" charset="0"/>
+                          <a:ea typeface="+mn-ea"/>
+                          <a:cs typeface="+mn-cs"/>
+                          <a:sym typeface="Helvetica Neue Light"/>
                         </a:rPr>
-                        <a:t>, Thomas u. a.: Basiswissen Testautomatisierung: Konzepte, Methoden und Techniken. 2., aktualisierte und </a:t>
+                        <a:t>Consortium</a:t>
                       </a:r>
                       <a:r>
-                        <a:rPr lang="de-DE" sz="1600" dirty="0" err="1">
+                        <a:rPr lang="de-DE" sz="1600" b="0" i="0" u="none" strike="noStrike" cap="none" spc="0" baseline="0" dirty="0">
                           <a:solidFill>
                             <a:schemeClr val="bg1"/>
                           </a:solidFill>
+                          <a:uFillTx/>
                           <a:latin typeface="PT Sans" panose="020B0503020203020204" pitchFamily="34" charset="0"/>
+                          <a:ea typeface="+mn-ea"/>
+                          <a:cs typeface="+mn-cs"/>
+                          <a:sym typeface="Helvetica Neue Light"/>
                         </a:rPr>
-                        <a:t>überarb</a:t>
+                        <a:t> (W3C). Web Content </a:t>
                       </a:r>
                       <a:r>
-                        <a:rPr lang="de-DE" sz="1600" dirty="0">
+                        <a:rPr lang="de-DE" sz="1600" b="0" i="0" u="none" strike="noStrike" cap="none" spc="0" baseline="0" dirty="0" err="1">
                           <a:solidFill>
                             <a:schemeClr val="bg1"/>
                           </a:solidFill>
+                          <a:uFillTx/>
                           <a:latin typeface="PT Sans" panose="020B0503020203020204" pitchFamily="34" charset="0"/>
+                          <a:ea typeface="+mn-ea"/>
+                          <a:cs typeface="+mn-cs"/>
+                          <a:sym typeface="Helvetica Neue Light"/>
                         </a:rPr>
-                        <a:t>. Aufl. Heidelberg : </a:t>
+                        <a:t>Accessibility</a:t>
                       </a:r>
                       <a:r>
-                        <a:rPr lang="de-DE" sz="1600" dirty="0" err="1">
+                        <a:rPr lang="de-DE" sz="1600" b="0" i="0" u="none" strike="noStrike" cap="none" spc="0" baseline="0" dirty="0">
                           <a:solidFill>
                             <a:schemeClr val="bg1"/>
                           </a:solidFill>
+                          <a:uFillTx/>
                           <a:latin typeface="PT Sans" panose="020B0503020203020204" pitchFamily="34" charset="0"/>
+                          <a:ea typeface="+mn-ea"/>
+                          <a:cs typeface="+mn-cs"/>
+                          <a:sym typeface="Helvetica Neue Light"/>
                         </a:rPr>
-                        <a:t>dpunkt</a:t>
+                        <a:t> Guidelines W.: Web Content </a:t>
                       </a:r>
                       <a:r>
-                        <a:rPr lang="de-DE" sz="1600" dirty="0">
+                        <a:rPr lang="de-DE" sz="1600" b="0" i="0" u="none" strike="noStrike" cap="none" spc="0" baseline="0" dirty="0" err="1">
                           <a:solidFill>
                             <a:schemeClr val="bg1"/>
                           </a:solidFill>
+                          <a:uFillTx/>
                           <a:latin typeface="PT Sans" panose="020B0503020203020204" pitchFamily="34" charset="0"/>
+                          <a:ea typeface="+mn-ea"/>
+                          <a:cs typeface="+mn-cs"/>
+                          <a:sym typeface="Helvetica Neue Light"/>
                         </a:rPr>
-                        <a:t>-Verl., 2015 – ISBN 978–3–86490–194–2 </a:t>
+                        <a:t>Accessibility</a:t>
+                      </a:r>
+                      <a:r>
+                        <a:rPr lang="de-DE" sz="1600" b="0" i="0" u="none" strike="noStrike" cap="none" spc="0" baseline="0" dirty="0">
+                          <a:solidFill>
+                            <a:schemeClr val="bg1"/>
+                          </a:solidFill>
+                          <a:uFillTx/>
+                          <a:latin typeface="PT Sans" panose="020B0503020203020204" pitchFamily="34" charset="0"/>
+                          <a:ea typeface="+mn-ea"/>
+                          <a:cs typeface="+mn-cs"/>
+                          <a:sym typeface="Helvetica Neue Light"/>
+                        </a:rPr>
+                        <a:t> Guidelines (WCAG) 2.1 - Level AA. Version: 2018. </a:t>
+                      </a:r>
+                      <a:r>
+                        <a:rPr lang="de-DE" sz="1600" b="0" i="0" u="none" strike="noStrike" cap="none" spc="0" baseline="0" dirty="0">
+                          <a:solidFill>
+                            <a:srgbClr val="DD1166"/>
+                          </a:solidFill>
+                          <a:uFillTx/>
+                          <a:latin typeface="PT Sans" panose="020B0503020203020204" pitchFamily="34" charset="0"/>
+                          <a:ea typeface="+mn-ea"/>
+                          <a:cs typeface="+mn-cs"/>
+                          <a:sym typeface="Helvetica Neue Light"/>
+                          <a:hlinkClick r:id="rId5">
+                            <a:extLst>
+                              <a:ext uri="{A12FA001-AC4F-418D-AE19-62706E023703}">
+                                <ahyp:hlinkClr xmlns:ahyp="http://schemas.microsoft.com/office/drawing/2018/hyperlinkcolor" val="tx"/>
+                              </a:ext>
+                            </a:extLst>
+                          </a:hlinkClick>
+                        </a:rPr>
+                        <a:t>https://www.w3.org/TR/2018/REC-WCAG21-20180605/</a:t>
+                      </a:r>
+                      <a:r>
+                        <a:rPr lang="de-DE" sz="1600" b="0" i="0" u="none" strike="noStrike" cap="none" spc="0" baseline="0" dirty="0">
+                          <a:solidFill>
+                            <a:schemeClr val="bg1"/>
+                          </a:solidFill>
+                          <a:uFillTx/>
+                          <a:latin typeface="PT Sans" panose="020B0503020203020204" pitchFamily="34" charset="0"/>
+                          <a:ea typeface="+mn-ea"/>
+                          <a:cs typeface="+mn-cs"/>
+                          <a:sym typeface="Helvetica Neue Light"/>
+                        </a:rPr>
+                        <a:t>.– Letzter Zugriff 06.04.2021</a:t>
                       </a:r>
                     </a:p>
                   </a:txBody>
@@ -20593,7 +21435,183 @@
                 </a:tc>
                 <a:extLst>
                   <a:ext uri="{0D108BD9-81ED-4DB2-BD59-A6C34878D82A}">
-                    <a16:rowId xmlns:a16="http://schemas.microsoft.com/office/drawing/2014/main" val="1790288389"/>
+                    <a16:rowId xmlns:a16="http://schemas.microsoft.com/office/drawing/2014/main" val="3189629978"/>
+                  </a:ext>
+                </a:extLst>
+              </a:tr>
+              <a:tr h="0">
+                <a:tc>
+                  <a:txBody>
+                    <a:bodyPr/>
+                    <a:lstStyle/>
+                    <a:p>
+                      <a:pPr marL="0" marR="0" indent="0" algn="l" defTabSz="975390" rtl="0" eaLnBrk="1" latinLnBrk="0" hangingPunct="1">
+                        <a:lnSpc>
+                          <a:spcPct val="100000"/>
+                        </a:lnSpc>
+                        <a:spcBef>
+                          <a:spcPts val="0"/>
+                        </a:spcBef>
+                        <a:spcAft>
+                          <a:spcPts val="0"/>
+                        </a:spcAft>
+                        <a:buClrTx/>
+                        <a:buSzTx/>
+                        <a:buFontTx/>
+                        <a:buNone/>
+                        <a:tabLst/>
+                      </a:pPr>
+                      <a:r>
+                        <a:rPr lang="de-DE" sz="1600" b="1" i="0" u="none" strike="noStrike" cap="none" spc="0" baseline="0" dirty="0">
+                          <a:solidFill>
+                            <a:schemeClr val="bg1"/>
+                          </a:solidFill>
+                          <a:uFillTx/>
+                          <a:latin typeface="Roboto Slab Bold" pitchFamily="2" charset="0"/>
+                          <a:ea typeface="Roboto Slab Bold" pitchFamily="2" charset="0"/>
+                          <a:cs typeface="+mn-cs"/>
+                          <a:sym typeface="Helvetica Neue Light"/>
+                        </a:rPr>
+                        <a:t>[WHO u. Bank2011]</a:t>
+                      </a:r>
+                    </a:p>
+                  </a:txBody>
+                  <a:tcPr>
+                    <a:lnL w="12700" cmpd="sng">
+                      <a:noFill/>
+                    </a:lnL>
+                    <a:lnR w="12700" cap="flat" cmpd="sng" algn="ctr">
+                      <a:noFill/>
+                      <a:prstDash val="solid"/>
+                      <a:round/>
+                      <a:headEnd type="none" w="med" len="med"/>
+                      <a:tailEnd type="none" w="med" len="med"/>
+                    </a:lnR>
+                    <a:lnT w="12700" cmpd="sng">
+                      <a:noFill/>
+                    </a:lnT>
+                    <a:lnB w="12700" cmpd="sng">
+                      <a:noFill/>
+                    </a:lnB>
+                    <a:lnTlToBr w="12700" cmpd="sng">
+                      <a:noFill/>
+                      <a:prstDash val="solid"/>
+                    </a:lnTlToBr>
+                    <a:lnBlToTr w="12700" cmpd="sng">
+                      <a:noFill/>
+                      <a:prstDash val="solid"/>
+                    </a:lnBlToTr>
+                  </a:tcPr>
+                </a:tc>
+                <a:tc>
+                  <a:txBody>
+                    <a:bodyPr/>
+                    <a:lstStyle/>
+                    <a:p>
+                      <a:pPr marL="0" marR="0" indent="0" algn="l" defTabSz="584200" latinLnBrk="0">
+                        <a:lnSpc>
+                          <a:spcPct val="100000"/>
+                        </a:lnSpc>
+                        <a:spcBef>
+                          <a:spcPts val="0"/>
+                        </a:spcBef>
+                        <a:spcAft>
+                          <a:spcPts val="0"/>
+                        </a:spcAft>
+                        <a:buClrTx/>
+                        <a:buSzTx/>
+                        <a:buFontTx/>
+                        <a:buNone/>
+                        <a:tabLst/>
+                      </a:pPr>
+                      <a:r>
+                        <a:rPr lang="en-US" sz="1600" b="0" i="0" u="none" strike="noStrike" cap="none" spc="0" baseline="0" dirty="0">
+                          <a:solidFill>
+                            <a:schemeClr val="bg1"/>
+                          </a:solidFill>
+                          <a:uFillTx/>
+                          <a:latin typeface="PT Sans" panose="020B0503020203020204" pitchFamily="34" charset="0"/>
+                          <a:ea typeface="+mn-ea"/>
+                          <a:cs typeface="+mn-cs"/>
+                          <a:sym typeface="Helvetica Neue Light"/>
+                        </a:rPr>
+                        <a:t>WHO, World Health O. ; World Bank: World report on disability. WHO, 2011 </a:t>
+                      </a:r>
+                      <a:r>
+                        <a:rPr lang="en-US" sz="1600" b="0" i="0" u="none" strike="noStrike" cap="none" spc="0" baseline="0" dirty="0">
+                          <a:solidFill>
+                            <a:srgbClr val="DD1166"/>
+                          </a:solidFill>
+                          <a:uFillTx/>
+                          <a:latin typeface="PT Sans" panose="020B0503020203020204" pitchFamily="34" charset="0"/>
+                          <a:ea typeface="+mn-ea"/>
+                          <a:cs typeface="+mn-cs"/>
+                          <a:sym typeface="Helvetica Neue Light"/>
+                          <a:hlinkClick r:id="rId6">
+                            <a:extLst>
+                              <a:ext uri="{A12FA001-AC4F-418D-AE19-62706E023703}">
+                                <ahyp:hlinkClr xmlns:ahyp="http://schemas.microsoft.com/office/drawing/2018/hyperlinkcolor" val="tx"/>
+                              </a:ext>
+                            </a:extLst>
+                          </a:hlinkClick>
+                        </a:rPr>
+                        <a:t>https://unesdoc.unesco.org/ark:/48223/pf0000211428</a:t>
+                      </a:r>
+                      <a:r>
+                        <a:rPr lang="en-US" sz="1600" b="0" i="0" u="none" strike="noStrike" cap="none" spc="0" baseline="0" dirty="0">
+                          <a:solidFill>
+                            <a:schemeClr val="bg1"/>
+                          </a:solidFill>
+                          <a:uFillTx/>
+                          <a:latin typeface="PT Sans" panose="020B0503020203020204" pitchFamily="34" charset="0"/>
+                          <a:ea typeface="+mn-ea"/>
+                          <a:cs typeface="+mn-cs"/>
+                          <a:sym typeface="Helvetica Neue Light"/>
+                        </a:rPr>
+                        <a:t>– ISBN 92–4– 156418–0; 9789241564182; 9241564180; 978–92–4–156418–2</a:t>
+                      </a:r>
+                      <a:endParaRPr lang="de-DE" sz="1600" b="0" i="0" u="none" strike="noStrike" cap="none" spc="0" baseline="0" dirty="0">
+                        <a:solidFill>
+                          <a:schemeClr val="bg1"/>
+                        </a:solidFill>
+                        <a:uFillTx/>
+                        <a:latin typeface="PT Sans" panose="020B0503020203020204" pitchFamily="34" charset="0"/>
+                        <a:ea typeface="+mn-ea"/>
+                        <a:cs typeface="+mn-cs"/>
+                        <a:sym typeface="Helvetica Neue Light"/>
+                      </a:endParaRPr>
+                    </a:p>
+                  </a:txBody>
+                  <a:tcPr>
+                    <a:lnL w="12700" cap="flat" cmpd="sng" algn="ctr">
+                      <a:noFill/>
+                      <a:prstDash val="solid"/>
+                      <a:round/>
+                      <a:headEnd type="none" w="med" len="med"/>
+                      <a:tailEnd type="none" w="med" len="med"/>
+                    </a:lnL>
+                    <a:lnR w="12700" cmpd="sng">
+                      <a:noFill/>
+                    </a:lnR>
+                    <a:lnT w="12700" cmpd="sng">
+                      <a:noFill/>
+                    </a:lnT>
+                    <a:lnB w="12700" cmpd="sng">
+                      <a:noFill/>
+                    </a:lnB>
+                    <a:lnTlToBr w="12700" cmpd="sng">
+                      <a:noFill/>
+                      <a:prstDash val="solid"/>
+                    </a:lnTlToBr>
+                    <a:lnBlToTr w="12700" cmpd="sng">
+                      <a:noFill/>
+                      <a:prstDash val="solid"/>
+                    </a:lnBlToTr>
+                  </a:tcPr>
+                </a:tc>
+                <a:extLst>
+                  <a:ext uri="{0D108BD9-81ED-4DB2-BD59-A6C34878D82A}">
+                    <a16:rowId xmlns:a16="http://schemas.microsoft.com/office/drawing/2014/main" val="1651531142"/>
                   </a:ext>
                 </a:extLst>
               </a:tr>
@@ -20700,7 +21718,7 @@
           </a:ln>
           <a:extLst>
             <a:ext uri="{C572A759-6A51-4108-AA02-DFA0A04FC94B}">
-              <ma14:wrappingTextBoxFlag xmlns="" xmlns:m="http://schemas.openxmlformats.org/officeDocument/2006/math" xmlns:a14="http://schemas.microsoft.com/office/drawing/2010/main" xmlns:ma14="http://schemas.microsoft.com/office/mac/drawingml/2011/main" val="1"/>
+              <ma14:wrappingTextBoxFlag xmlns:ma14="http://schemas.microsoft.com/office/mac/drawingml/2011/main" xmlns:a14="http://schemas.microsoft.com/office/drawing/2010/main" xmlns:m="http://schemas.openxmlformats.org/officeDocument/2006/math" xmlns="" val="1"/>
             </a:ext>
           </a:extLst>
         </p:spPr>
@@ -20750,7 +21768,7 @@
           </a:ln>
           <a:extLst>
             <a:ext uri="{C572A759-6A51-4108-AA02-DFA0A04FC94B}">
-              <ma14:wrappingTextBoxFlag xmlns="" xmlns:m="http://schemas.openxmlformats.org/officeDocument/2006/math" xmlns:a14="http://schemas.microsoft.com/office/drawing/2010/main" xmlns:ma14="http://schemas.microsoft.com/office/mac/drawingml/2011/main" val="1"/>
+              <ma14:wrappingTextBoxFlag xmlns:ma14="http://schemas.microsoft.com/office/mac/drawingml/2011/main" xmlns:a14="http://schemas.microsoft.com/office/drawing/2010/main" xmlns:m="http://schemas.openxmlformats.org/officeDocument/2006/math" xmlns="" val="1"/>
             </a:ext>
           </a:extLst>
         </p:spPr>
@@ -20800,7 +21818,7 @@
           </a:ln>
           <a:extLst>
             <a:ext uri="{C572A759-6A51-4108-AA02-DFA0A04FC94B}">
-              <ma14:wrappingTextBoxFlag xmlns="" xmlns:m="http://schemas.openxmlformats.org/officeDocument/2006/math" xmlns:a14="http://schemas.microsoft.com/office/drawing/2010/main" xmlns:ma14="http://schemas.microsoft.com/office/mac/drawingml/2011/main" val="1"/>
+              <ma14:wrappingTextBoxFlag xmlns:ma14="http://schemas.microsoft.com/office/mac/drawingml/2011/main" xmlns:a14="http://schemas.microsoft.com/office/drawing/2010/main" xmlns:m="http://schemas.openxmlformats.org/officeDocument/2006/math" xmlns="" val="1"/>
             </a:ext>
           </a:extLst>
         </p:spPr>
@@ -20850,7 +21868,7 @@
           </a:ln>
           <a:extLst>
             <a:ext uri="{C572A759-6A51-4108-AA02-DFA0A04FC94B}">
-              <ma14:wrappingTextBoxFlag xmlns="" xmlns:m="http://schemas.openxmlformats.org/officeDocument/2006/math" xmlns:a14="http://schemas.microsoft.com/office/drawing/2010/main" xmlns:ma14="http://schemas.microsoft.com/office/mac/drawingml/2011/main" val="1"/>
+              <ma14:wrappingTextBoxFlag xmlns:ma14="http://schemas.microsoft.com/office/mac/drawingml/2011/main" xmlns:a14="http://schemas.microsoft.com/office/drawing/2010/main" xmlns:m="http://schemas.openxmlformats.org/officeDocument/2006/math" xmlns="" val="1"/>
             </a:ext>
           </a:extLst>
         </p:spPr>
@@ -20900,7 +21918,7 @@
           </a:ln>
           <a:extLst>
             <a:ext uri="{C572A759-6A51-4108-AA02-DFA0A04FC94B}">
-              <ma14:wrappingTextBoxFlag xmlns="" xmlns:m="http://schemas.openxmlformats.org/officeDocument/2006/math" xmlns:a14="http://schemas.microsoft.com/office/drawing/2010/main" xmlns:ma14="http://schemas.microsoft.com/office/mac/drawingml/2011/main" val="1"/>
+              <ma14:wrappingTextBoxFlag xmlns:ma14="http://schemas.microsoft.com/office/mac/drawingml/2011/main" xmlns:a14="http://schemas.microsoft.com/office/drawing/2010/main" xmlns:m="http://schemas.openxmlformats.org/officeDocument/2006/math" xmlns="" val="1"/>
             </a:ext>
           </a:extLst>
         </p:spPr>
@@ -20950,7 +21968,7 @@
           </a:ln>
           <a:extLst>
             <a:ext uri="{C572A759-6A51-4108-AA02-DFA0A04FC94B}">
-              <ma14:wrappingTextBoxFlag xmlns="" xmlns:m="http://schemas.openxmlformats.org/officeDocument/2006/math" xmlns:a14="http://schemas.microsoft.com/office/drawing/2010/main" xmlns:ma14="http://schemas.microsoft.com/office/mac/drawingml/2011/main" val="1"/>
+              <ma14:wrappingTextBoxFlag xmlns:ma14="http://schemas.microsoft.com/office/mac/drawingml/2011/main" xmlns:a14="http://schemas.microsoft.com/office/drawing/2010/main" xmlns:m="http://schemas.openxmlformats.org/officeDocument/2006/math" xmlns="" val="1"/>
             </a:ext>
           </a:extLst>
         </p:spPr>
@@ -21000,7 +22018,7 @@
           </a:ln>
           <a:extLst>
             <a:ext uri="{C572A759-6A51-4108-AA02-DFA0A04FC94B}">
-              <ma14:wrappingTextBoxFlag xmlns="" xmlns:m="http://schemas.openxmlformats.org/officeDocument/2006/math" xmlns:a14="http://schemas.microsoft.com/office/drawing/2010/main" xmlns:ma14="http://schemas.microsoft.com/office/mac/drawingml/2011/main" val="1"/>
+              <ma14:wrappingTextBoxFlag xmlns:ma14="http://schemas.microsoft.com/office/mac/drawingml/2011/main" xmlns:a14="http://schemas.microsoft.com/office/drawing/2010/main" xmlns:m="http://schemas.openxmlformats.org/officeDocument/2006/math" xmlns="" val="1"/>
             </a:ext>
           </a:extLst>
         </p:spPr>
@@ -21050,7 +22068,7 @@
           </a:ln>
           <a:extLst>
             <a:ext uri="{C572A759-6A51-4108-AA02-DFA0A04FC94B}">
-              <ma14:wrappingTextBoxFlag xmlns="" xmlns:m="http://schemas.openxmlformats.org/officeDocument/2006/math" xmlns:a14="http://schemas.microsoft.com/office/drawing/2010/main" xmlns:ma14="http://schemas.microsoft.com/office/mac/drawingml/2011/main" val="1"/>
+              <ma14:wrappingTextBoxFlag xmlns:ma14="http://schemas.microsoft.com/office/mac/drawingml/2011/main" xmlns:a14="http://schemas.microsoft.com/office/drawing/2010/main" xmlns:m="http://schemas.openxmlformats.org/officeDocument/2006/math" xmlns="" val="1"/>
             </a:ext>
           </a:extLst>
         </p:spPr>
@@ -21100,7 +22118,7 @@
           </a:ln>
           <a:extLst>
             <a:ext uri="{C572A759-6A51-4108-AA02-DFA0A04FC94B}">
-              <ma14:wrappingTextBoxFlag xmlns="" xmlns:m="http://schemas.openxmlformats.org/officeDocument/2006/math" xmlns:a14="http://schemas.microsoft.com/office/drawing/2010/main" xmlns:ma14="http://schemas.microsoft.com/office/mac/drawingml/2011/main" val="1"/>
+              <ma14:wrappingTextBoxFlag xmlns:ma14="http://schemas.microsoft.com/office/mac/drawingml/2011/main" xmlns:a14="http://schemas.microsoft.com/office/drawing/2010/main" xmlns:m="http://schemas.openxmlformats.org/officeDocument/2006/math" xmlns="" val="1"/>
             </a:ext>
           </a:extLst>
         </p:spPr>
@@ -21150,7 +22168,7 @@
           </a:ln>
           <a:extLst>
             <a:ext uri="{C572A759-6A51-4108-AA02-DFA0A04FC94B}">
-              <ma14:wrappingTextBoxFlag xmlns="" xmlns:m="http://schemas.openxmlformats.org/officeDocument/2006/math" xmlns:a14="http://schemas.microsoft.com/office/drawing/2010/main" xmlns:ma14="http://schemas.microsoft.com/office/mac/drawingml/2011/main" val="1"/>
+              <ma14:wrappingTextBoxFlag xmlns:ma14="http://schemas.microsoft.com/office/mac/drawingml/2011/main" xmlns:a14="http://schemas.microsoft.com/office/drawing/2010/main" xmlns:m="http://schemas.openxmlformats.org/officeDocument/2006/math" xmlns="" val="1"/>
             </a:ext>
           </a:extLst>
         </p:spPr>
@@ -21200,7 +22218,7 @@
           </a:ln>
           <a:extLst>
             <a:ext uri="{C572A759-6A51-4108-AA02-DFA0A04FC94B}">
-              <ma14:wrappingTextBoxFlag xmlns="" xmlns:m="http://schemas.openxmlformats.org/officeDocument/2006/math" xmlns:a14="http://schemas.microsoft.com/office/drawing/2010/main" xmlns:ma14="http://schemas.microsoft.com/office/mac/drawingml/2011/main" val="1"/>
+              <ma14:wrappingTextBoxFlag xmlns:ma14="http://schemas.microsoft.com/office/mac/drawingml/2011/main" xmlns:a14="http://schemas.microsoft.com/office/drawing/2010/main" xmlns:m="http://schemas.openxmlformats.org/officeDocument/2006/math" xmlns="" val="1"/>
             </a:ext>
           </a:extLst>
         </p:spPr>
@@ -21250,7 +22268,7 @@
           </a:ln>
           <a:extLst>
             <a:ext uri="{C572A759-6A51-4108-AA02-DFA0A04FC94B}">
-              <ma14:wrappingTextBoxFlag xmlns="" xmlns:m="http://schemas.openxmlformats.org/officeDocument/2006/math" xmlns:a14="http://schemas.microsoft.com/office/drawing/2010/main" xmlns:ma14="http://schemas.microsoft.com/office/mac/drawingml/2011/main" val="1"/>
+              <ma14:wrappingTextBoxFlag xmlns:ma14="http://schemas.microsoft.com/office/mac/drawingml/2011/main" xmlns:a14="http://schemas.microsoft.com/office/drawing/2010/main" xmlns:m="http://schemas.openxmlformats.org/officeDocument/2006/math" xmlns="" val="1"/>
             </a:ext>
           </a:extLst>
         </p:spPr>
@@ -21300,7 +22318,7 @@
           </a:ln>
           <a:extLst>
             <a:ext uri="{C572A759-6A51-4108-AA02-DFA0A04FC94B}">
-              <ma14:wrappingTextBoxFlag xmlns="" xmlns:m="http://schemas.openxmlformats.org/officeDocument/2006/math" xmlns:a14="http://schemas.microsoft.com/office/drawing/2010/main" xmlns:ma14="http://schemas.microsoft.com/office/mac/drawingml/2011/main" val="1"/>
+              <ma14:wrappingTextBoxFlag xmlns:ma14="http://schemas.microsoft.com/office/mac/drawingml/2011/main" xmlns:a14="http://schemas.microsoft.com/office/drawing/2010/main" xmlns:m="http://schemas.openxmlformats.org/officeDocument/2006/math" xmlns="" val="1"/>
             </a:ext>
           </a:extLst>
         </p:spPr>
@@ -21350,7 +22368,7 @@
           </a:ln>
           <a:extLst>
             <a:ext uri="{C572A759-6A51-4108-AA02-DFA0A04FC94B}">
-              <ma14:wrappingTextBoxFlag xmlns="" xmlns:m="http://schemas.openxmlformats.org/officeDocument/2006/math" xmlns:a14="http://schemas.microsoft.com/office/drawing/2010/main" xmlns:ma14="http://schemas.microsoft.com/office/mac/drawingml/2011/main" val="1"/>
+              <ma14:wrappingTextBoxFlag xmlns:ma14="http://schemas.microsoft.com/office/mac/drawingml/2011/main" xmlns:a14="http://schemas.microsoft.com/office/drawing/2010/main" xmlns:m="http://schemas.openxmlformats.org/officeDocument/2006/math" xmlns="" val="1"/>
             </a:ext>
           </a:extLst>
         </p:spPr>
@@ -21400,7 +22418,7 @@
           </a:ln>
           <a:extLst>
             <a:ext uri="{C572A759-6A51-4108-AA02-DFA0A04FC94B}">
-              <ma14:wrappingTextBoxFlag xmlns="" xmlns:m="http://schemas.openxmlformats.org/officeDocument/2006/math" xmlns:a14="http://schemas.microsoft.com/office/drawing/2010/main" xmlns:ma14="http://schemas.microsoft.com/office/mac/drawingml/2011/main" val="1"/>
+              <ma14:wrappingTextBoxFlag xmlns:ma14="http://schemas.microsoft.com/office/mac/drawingml/2011/main" xmlns:a14="http://schemas.microsoft.com/office/drawing/2010/main" xmlns:m="http://schemas.openxmlformats.org/officeDocument/2006/math" xmlns="" val="1"/>
             </a:ext>
           </a:extLst>
         </p:spPr>
@@ -21450,7 +22468,7 @@
           </a:ln>
           <a:extLst>
             <a:ext uri="{C572A759-6A51-4108-AA02-DFA0A04FC94B}">
-              <ma14:wrappingTextBoxFlag xmlns="" xmlns:m="http://schemas.openxmlformats.org/officeDocument/2006/math" xmlns:a14="http://schemas.microsoft.com/office/drawing/2010/main" xmlns:ma14="http://schemas.microsoft.com/office/mac/drawingml/2011/main" val="1"/>
+              <ma14:wrappingTextBoxFlag xmlns:ma14="http://schemas.microsoft.com/office/mac/drawingml/2011/main" xmlns:a14="http://schemas.microsoft.com/office/drawing/2010/main" xmlns:m="http://schemas.openxmlformats.org/officeDocument/2006/math" xmlns="" val="1"/>
             </a:ext>
           </a:extLst>
         </p:spPr>
@@ -21500,7 +22518,7 @@
           </a:ln>
           <a:extLst>
             <a:ext uri="{C572A759-6A51-4108-AA02-DFA0A04FC94B}">
-              <ma14:wrappingTextBoxFlag xmlns="" xmlns:m="http://schemas.openxmlformats.org/officeDocument/2006/math" xmlns:a14="http://schemas.microsoft.com/office/drawing/2010/main" xmlns:ma14="http://schemas.microsoft.com/office/mac/drawingml/2011/main" val="1"/>
+              <ma14:wrappingTextBoxFlag xmlns:ma14="http://schemas.microsoft.com/office/mac/drawingml/2011/main" xmlns:a14="http://schemas.microsoft.com/office/drawing/2010/main" xmlns:m="http://schemas.openxmlformats.org/officeDocument/2006/math" xmlns="" val="1"/>
             </a:ext>
           </a:extLst>
         </p:spPr>
@@ -21550,7 +22568,7 @@
           </a:ln>
           <a:extLst>
             <a:ext uri="{C572A759-6A51-4108-AA02-DFA0A04FC94B}">
-              <ma14:wrappingTextBoxFlag xmlns="" xmlns:m="http://schemas.openxmlformats.org/officeDocument/2006/math" xmlns:a14="http://schemas.microsoft.com/office/drawing/2010/main" xmlns:ma14="http://schemas.microsoft.com/office/mac/drawingml/2011/main" val="1"/>
+              <ma14:wrappingTextBoxFlag xmlns:ma14="http://schemas.microsoft.com/office/mac/drawingml/2011/main" xmlns:a14="http://schemas.microsoft.com/office/drawing/2010/main" xmlns:m="http://schemas.openxmlformats.org/officeDocument/2006/math" xmlns="" val="1"/>
             </a:ext>
           </a:extLst>
         </p:spPr>
@@ -21600,7 +22618,7 @@
           </a:ln>
           <a:extLst>
             <a:ext uri="{C572A759-6A51-4108-AA02-DFA0A04FC94B}">
-              <ma14:wrappingTextBoxFlag xmlns="" xmlns:m="http://schemas.openxmlformats.org/officeDocument/2006/math" xmlns:a14="http://schemas.microsoft.com/office/drawing/2010/main" xmlns:ma14="http://schemas.microsoft.com/office/mac/drawingml/2011/main" val="1"/>
+              <ma14:wrappingTextBoxFlag xmlns:ma14="http://schemas.microsoft.com/office/mac/drawingml/2011/main" xmlns:a14="http://schemas.microsoft.com/office/drawing/2010/main" xmlns:m="http://schemas.openxmlformats.org/officeDocument/2006/math" xmlns="" val="1"/>
             </a:ext>
           </a:extLst>
         </p:spPr>
@@ -21650,7 +22668,7 @@
           </a:ln>
           <a:extLst>
             <a:ext uri="{C572A759-6A51-4108-AA02-DFA0A04FC94B}">
-              <ma14:wrappingTextBoxFlag xmlns="" xmlns:m="http://schemas.openxmlformats.org/officeDocument/2006/math" xmlns:a14="http://schemas.microsoft.com/office/drawing/2010/main" xmlns:ma14="http://schemas.microsoft.com/office/mac/drawingml/2011/main" val="1"/>
+              <ma14:wrappingTextBoxFlag xmlns:ma14="http://schemas.microsoft.com/office/mac/drawingml/2011/main" xmlns:a14="http://schemas.microsoft.com/office/drawing/2010/main" xmlns:m="http://schemas.openxmlformats.org/officeDocument/2006/math" xmlns="" val="1"/>
             </a:ext>
           </a:extLst>
         </p:spPr>
@@ -21700,7 +22718,7 @@
           </a:ln>
           <a:extLst>
             <a:ext uri="{C572A759-6A51-4108-AA02-DFA0A04FC94B}">
-              <ma14:wrappingTextBoxFlag xmlns="" xmlns:m="http://schemas.openxmlformats.org/officeDocument/2006/math" xmlns:a14="http://schemas.microsoft.com/office/drawing/2010/main" xmlns:ma14="http://schemas.microsoft.com/office/mac/drawingml/2011/main" val="1"/>
+              <ma14:wrappingTextBoxFlag xmlns:ma14="http://schemas.microsoft.com/office/mac/drawingml/2011/main" xmlns:a14="http://schemas.microsoft.com/office/drawing/2010/main" xmlns:m="http://schemas.openxmlformats.org/officeDocument/2006/math" xmlns="" val="1"/>
             </a:ext>
           </a:extLst>
         </p:spPr>
@@ -21750,7 +22768,7 @@
           </a:ln>
           <a:extLst>
             <a:ext uri="{C572A759-6A51-4108-AA02-DFA0A04FC94B}">
-              <ma14:wrappingTextBoxFlag xmlns="" xmlns:m="http://schemas.openxmlformats.org/officeDocument/2006/math" xmlns:a14="http://schemas.microsoft.com/office/drawing/2010/main" xmlns:ma14="http://schemas.microsoft.com/office/mac/drawingml/2011/main" val="1"/>
+              <ma14:wrappingTextBoxFlag xmlns:ma14="http://schemas.microsoft.com/office/mac/drawingml/2011/main" xmlns:a14="http://schemas.microsoft.com/office/drawing/2010/main" xmlns:m="http://schemas.openxmlformats.org/officeDocument/2006/math" xmlns="" val="1"/>
             </a:ext>
           </a:extLst>
         </p:spPr>
@@ -21800,7 +22818,7 @@
           </a:ln>
           <a:extLst>
             <a:ext uri="{C572A759-6A51-4108-AA02-DFA0A04FC94B}">
-              <ma14:wrappingTextBoxFlag xmlns="" xmlns:m="http://schemas.openxmlformats.org/officeDocument/2006/math" xmlns:a14="http://schemas.microsoft.com/office/drawing/2010/main" xmlns:ma14="http://schemas.microsoft.com/office/mac/drawingml/2011/main" val="1"/>
+              <ma14:wrappingTextBoxFlag xmlns:ma14="http://schemas.microsoft.com/office/mac/drawingml/2011/main" xmlns:a14="http://schemas.microsoft.com/office/drawing/2010/main" xmlns:m="http://schemas.openxmlformats.org/officeDocument/2006/math" xmlns="" val="1"/>
             </a:ext>
           </a:extLst>
         </p:spPr>
@@ -21850,7 +22868,7 @@
           </a:ln>
           <a:extLst>
             <a:ext uri="{C572A759-6A51-4108-AA02-DFA0A04FC94B}">
-              <ma14:wrappingTextBoxFlag xmlns="" xmlns:m="http://schemas.openxmlformats.org/officeDocument/2006/math" xmlns:a14="http://schemas.microsoft.com/office/drawing/2010/main" xmlns:ma14="http://schemas.microsoft.com/office/mac/drawingml/2011/main" val="1"/>
+              <ma14:wrappingTextBoxFlag xmlns:ma14="http://schemas.microsoft.com/office/mac/drawingml/2011/main" xmlns:a14="http://schemas.microsoft.com/office/drawing/2010/main" xmlns:m="http://schemas.openxmlformats.org/officeDocument/2006/math" xmlns="" val="1"/>
             </a:ext>
           </a:extLst>
         </p:spPr>
@@ -21900,7 +22918,7 @@
           </a:ln>
           <a:extLst>
             <a:ext uri="{C572A759-6A51-4108-AA02-DFA0A04FC94B}">
-              <ma14:wrappingTextBoxFlag xmlns="" xmlns:m="http://schemas.openxmlformats.org/officeDocument/2006/math" xmlns:a14="http://schemas.microsoft.com/office/drawing/2010/main" xmlns:ma14="http://schemas.microsoft.com/office/mac/drawingml/2011/main" val="1"/>
+              <ma14:wrappingTextBoxFlag xmlns:ma14="http://schemas.microsoft.com/office/mac/drawingml/2011/main" xmlns:a14="http://schemas.microsoft.com/office/drawing/2010/main" xmlns:m="http://schemas.openxmlformats.org/officeDocument/2006/math" xmlns="" val="1"/>
             </a:ext>
           </a:extLst>
         </p:spPr>
@@ -21950,7 +22968,7 @@
           </a:ln>
           <a:extLst>
             <a:ext uri="{C572A759-6A51-4108-AA02-DFA0A04FC94B}">
-              <ma14:wrappingTextBoxFlag xmlns="" xmlns:m="http://schemas.openxmlformats.org/officeDocument/2006/math" xmlns:a14="http://schemas.microsoft.com/office/drawing/2010/main" xmlns:ma14="http://schemas.microsoft.com/office/mac/drawingml/2011/main" val="1"/>
+              <ma14:wrappingTextBoxFlag xmlns:ma14="http://schemas.microsoft.com/office/mac/drawingml/2011/main" xmlns:a14="http://schemas.microsoft.com/office/drawing/2010/main" xmlns:m="http://schemas.openxmlformats.org/officeDocument/2006/math" xmlns="" val="1"/>
             </a:ext>
           </a:extLst>
         </p:spPr>
@@ -22000,7 +23018,7 @@
           </a:ln>
           <a:extLst>
             <a:ext uri="{C572A759-6A51-4108-AA02-DFA0A04FC94B}">
-              <ma14:wrappingTextBoxFlag xmlns="" xmlns:m="http://schemas.openxmlformats.org/officeDocument/2006/math" xmlns:a14="http://schemas.microsoft.com/office/drawing/2010/main" xmlns:ma14="http://schemas.microsoft.com/office/mac/drawingml/2011/main" val="1"/>
+              <ma14:wrappingTextBoxFlag xmlns:ma14="http://schemas.microsoft.com/office/mac/drawingml/2011/main" xmlns:a14="http://schemas.microsoft.com/office/drawing/2010/main" xmlns:m="http://schemas.openxmlformats.org/officeDocument/2006/math" xmlns="" val="1"/>
             </a:ext>
           </a:extLst>
         </p:spPr>
@@ -22050,7 +23068,7 @@
           </a:ln>
           <a:extLst>
             <a:ext uri="{C572A759-6A51-4108-AA02-DFA0A04FC94B}">
-              <ma14:wrappingTextBoxFlag xmlns="" xmlns:m="http://schemas.openxmlformats.org/officeDocument/2006/math" xmlns:a14="http://schemas.microsoft.com/office/drawing/2010/main" xmlns:ma14="http://schemas.microsoft.com/office/mac/drawingml/2011/main" val="1"/>
+              <ma14:wrappingTextBoxFlag xmlns:ma14="http://schemas.microsoft.com/office/mac/drawingml/2011/main" xmlns:a14="http://schemas.microsoft.com/office/drawing/2010/main" xmlns:m="http://schemas.openxmlformats.org/officeDocument/2006/math" xmlns="" val="1"/>
             </a:ext>
           </a:extLst>
         </p:spPr>
@@ -22100,7 +23118,7 @@
           </a:ln>
           <a:extLst>
             <a:ext uri="{C572A759-6A51-4108-AA02-DFA0A04FC94B}">
-              <ma14:wrappingTextBoxFlag xmlns="" xmlns:m="http://schemas.openxmlformats.org/officeDocument/2006/math" xmlns:a14="http://schemas.microsoft.com/office/drawing/2010/main" xmlns:ma14="http://schemas.microsoft.com/office/mac/drawingml/2011/main" val="1"/>
+              <ma14:wrappingTextBoxFlag xmlns:ma14="http://schemas.microsoft.com/office/mac/drawingml/2011/main" xmlns:a14="http://schemas.microsoft.com/office/drawing/2010/main" xmlns:m="http://schemas.openxmlformats.org/officeDocument/2006/math" xmlns="" val="1"/>
             </a:ext>
           </a:extLst>
         </p:spPr>
@@ -22194,7 +23212,7 @@
           </a:ln>
           <a:extLst>
             <a:ext uri="{C572A759-6A51-4108-AA02-DFA0A04FC94B}">
-              <ma14:wrappingTextBoxFlag xmlns="" xmlns:m="http://schemas.openxmlformats.org/officeDocument/2006/math" xmlns:a14="http://schemas.microsoft.com/office/drawing/2010/main" xmlns:ma14="http://schemas.microsoft.com/office/mac/drawingml/2011/main" val="1"/>
+              <ma14:wrappingTextBoxFlag xmlns:ma14="http://schemas.microsoft.com/office/mac/drawingml/2011/main" xmlns:a14="http://schemas.microsoft.com/office/drawing/2010/main" xmlns:m="http://schemas.openxmlformats.org/officeDocument/2006/math" xmlns="" val="1"/>
             </a:ext>
           </a:extLst>
         </p:spPr>
@@ -22627,7 +23645,7 @@
           </a:ln>
           <a:extLst>
             <a:ext uri="{C572A759-6A51-4108-AA02-DFA0A04FC94B}">
-              <ma14:wrappingTextBoxFlag xmlns="" xmlns:m="http://schemas.openxmlformats.org/officeDocument/2006/math" xmlns:a14="http://schemas.microsoft.com/office/drawing/2010/main" xmlns:ma14="http://schemas.microsoft.com/office/mac/drawingml/2011/main" val="1"/>
+              <ma14:wrappingTextBoxFlag xmlns:ma14="http://schemas.microsoft.com/office/mac/drawingml/2011/main" xmlns:a14="http://schemas.microsoft.com/office/drawing/2010/main" xmlns:m="http://schemas.openxmlformats.org/officeDocument/2006/math" xmlns="" val="1"/>
             </a:ext>
           </a:extLst>
         </p:spPr>
@@ -22686,7 +23704,7 @@
           </a:ln>
           <a:extLst>
             <a:ext uri="{C572A759-6A51-4108-AA02-DFA0A04FC94B}">
-              <ma14:wrappingTextBoxFlag xmlns="" xmlns:m="http://schemas.openxmlformats.org/officeDocument/2006/math" xmlns:a14="http://schemas.microsoft.com/office/drawing/2010/main" xmlns:ma14="http://schemas.microsoft.com/office/mac/drawingml/2011/main" val="1"/>
+              <ma14:wrappingTextBoxFlag xmlns:ma14="http://schemas.microsoft.com/office/mac/drawingml/2011/main" xmlns:a14="http://schemas.microsoft.com/office/drawing/2010/main" xmlns:m="http://schemas.openxmlformats.org/officeDocument/2006/math" xmlns="" val="1"/>
             </a:ext>
           </a:extLst>
         </p:spPr>
@@ -22736,7 +23754,7 @@
           </a:ln>
           <a:extLst>
             <a:ext uri="{C572A759-6A51-4108-AA02-DFA0A04FC94B}">
-              <ma14:wrappingTextBoxFlag xmlns="" xmlns:m="http://schemas.openxmlformats.org/officeDocument/2006/math" xmlns:a14="http://schemas.microsoft.com/office/drawing/2010/main" xmlns:ma14="http://schemas.microsoft.com/office/mac/drawingml/2011/main" val="1"/>
+              <ma14:wrappingTextBoxFlag xmlns:ma14="http://schemas.microsoft.com/office/mac/drawingml/2011/main" xmlns:a14="http://schemas.microsoft.com/office/drawing/2010/main" xmlns:m="http://schemas.openxmlformats.org/officeDocument/2006/math" xmlns="" val="1"/>
             </a:ext>
           </a:extLst>
         </p:spPr>
@@ -22786,7 +23804,7 @@
           </a:ln>
           <a:extLst>
             <a:ext uri="{C572A759-6A51-4108-AA02-DFA0A04FC94B}">
-              <ma14:wrappingTextBoxFlag xmlns="" xmlns:m="http://schemas.openxmlformats.org/officeDocument/2006/math" xmlns:a14="http://schemas.microsoft.com/office/drawing/2010/main" xmlns:ma14="http://schemas.microsoft.com/office/mac/drawingml/2011/main" val="1"/>
+              <ma14:wrappingTextBoxFlag xmlns:ma14="http://schemas.microsoft.com/office/mac/drawingml/2011/main" xmlns:a14="http://schemas.microsoft.com/office/drawing/2010/main" xmlns:m="http://schemas.openxmlformats.org/officeDocument/2006/math" xmlns="" val="1"/>
             </a:ext>
           </a:extLst>
         </p:spPr>
@@ -22836,7 +23854,7 @@
           </a:ln>
           <a:extLst>
             <a:ext uri="{C572A759-6A51-4108-AA02-DFA0A04FC94B}">
-              <ma14:wrappingTextBoxFlag xmlns="" xmlns:m="http://schemas.openxmlformats.org/officeDocument/2006/math" xmlns:a14="http://schemas.microsoft.com/office/drawing/2010/main" xmlns:ma14="http://schemas.microsoft.com/office/mac/drawingml/2011/main" val="1"/>
+              <ma14:wrappingTextBoxFlag xmlns:ma14="http://schemas.microsoft.com/office/mac/drawingml/2011/main" xmlns:a14="http://schemas.microsoft.com/office/drawing/2010/main" xmlns:m="http://schemas.openxmlformats.org/officeDocument/2006/math" xmlns="" val="1"/>
             </a:ext>
           </a:extLst>
         </p:spPr>
@@ -22886,7 +23904,7 @@
           </a:ln>
           <a:extLst>
             <a:ext uri="{C572A759-6A51-4108-AA02-DFA0A04FC94B}">
-              <ma14:wrappingTextBoxFlag xmlns="" xmlns:m="http://schemas.openxmlformats.org/officeDocument/2006/math" xmlns:a14="http://schemas.microsoft.com/office/drawing/2010/main" xmlns:ma14="http://schemas.microsoft.com/office/mac/drawingml/2011/main" val="1"/>
+              <ma14:wrappingTextBoxFlag xmlns:ma14="http://schemas.microsoft.com/office/mac/drawingml/2011/main" xmlns:a14="http://schemas.microsoft.com/office/drawing/2010/main" xmlns:m="http://schemas.openxmlformats.org/officeDocument/2006/math" xmlns="" val="1"/>
             </a:ext>
           </a:extLst>
         </p:spPr>
@@ -22936,7 +23954,7 @@
           </a:ln>
           <a:extLst>
             <a:ext uri="{C572A759-6A51-4108-AA02-DFA0A04FC94B}">
-              <ma14:wrappingTextBoxFlag xmlns="" xmlns:m="http://schemas.openxmlformats.org/officeDocument/2006/math" xmlns:a14="http://schemas.microsoft.com/office/drawing/2010/main" xmlns:ma14="http://schemas.microsoft.com/office/mac/drawingml/2011/main" val="1"/>
+              <ma14:wrappingTextBoxFlag xmlns:ma14="http://schemas.microsoft.com/office/mac/drawingml/2011/main" xmlns:a14="http://schemas.microsoft.com/office/drawing/2010/main" xmlns:m="http://schemas.openxmlformats.org/officeDocument/2006/math" xmlns="" val="1"/>
             </a:ext>
           </a:extLst>
         </p:spPr>
@@ -22986,7 +24004,7 @@
           </a:ln>
           <a:extLst>
             <a:ext uri="{C572A759-6A51-4108-AA02-DFA0A04FC94B}">
-              <ma14:wrappingTextBoxFlag xmlns="" xmlns:m="http://schemas.openxmlformats.org/officeDocument/2006/math" xmlns:a14="http://schemas.microsoft.com/office/drawing/2010/main" xmlns:ma14="http://schemas.microsoft.com/office/mac/drawingml/2011/main" val="1"/>
+              <ma14:wrappingTextBoxFlag xmlns:ma14="http://schemas.microsoft.com/office/mac/drawingml/2011/main" xmlns:a14="http://schemas.microsoft.com/office/drawing/2010/main" xmlns:m="http://schemas.openxmlformats.org/officeDocument/2006/math" xmlns="" val="1"/>
             </a:ext>
           </a:extLst>
         </p:spPr>
@@ -23036,7 +24054,7 @@
           </a:ln>
           <a:extLst>
             <a:ext uri="{C572A759-6A51-4108-AA02-DFA0A04FC94B}">
-              <ma14:wrappingTextBoxFlag xmlns="" xmlns:m="http://schemas.openxmlformats.org/officeDocument/2006/math" xmlns:a14="http://schemas.microsoft.com/office/drawing/2010/main" xmlns:ma14="http://schemas.microsoft.com/office/mac/drawingml/2011/main" val="1"/>
+              <ma14:wrappingTextBoxFlag xmlns:ma14="http://schemas.microsoft.com/office/mac/drawingml/2011/main" xmlns:a14="http://schemas.microsoft.com/office/drawing/2010/main" xmlns:m="http://schemas.openxmlformats.org/officeDocument/2006/math" xmlns="" val="1"/>
             </a:ext>
           </a:extLst>
         </p:spPr>
@@ -23086,7 +24104,7 @@
           </a:ln>
           <a:extLst>
             <a:ext uri="{C572A759-6A51-4108-AA02-DFA0A04FC94B}">
-              <ma14:wrappingTextBoxFlag xmlns="" xmlns:m="http://schemas.openxmlformats.org/officeDocument/2006/math" xmlns:a14="http://schemas.microsoft.com/office/drawing/2010/main" xmlns:ma14="http://schemas.microsoft.com/office/mac/drawingml/2011/main" val="1"/>
+              <ma14:wrappingTextBoxFlag xmlns:ma14="http://schemas.microsoft.com/office/mac/drawingml/2011/main" xmlns:a14="http://schemas.microsoft.com/office/drawing/2010/main" xmlns:m="http://schemas.openxmlformats.org/officeDocument/2006/math" xmlns="" val="1"/>
             </a:ext>
           </a:extLst>
         </p:spPr>
@@ -23136,7 +24154,7 @@
           </a:ln>
           <a:extLst>
             <a:ext uri="{C572A759-6A51-4108-AA02-DFA0A04FC94B}">
-              <ma14:wrappingTextBoxFlag xmlns="" xmlns:m="http://schemas.openxmlformats.org/officeDocument/2006/math" xmlns:a14="http://schemas.microsoft.com/office/drawing/2010/main" xmlns:ma14="http://schemas.microsoft.com/office/mac/drawingml/2011/main" val="1"/>
+              <ma14:wrappingTextBoxFlag xmlns:ma14="http://schemas.microsoft.com/office/mac/drawingml/2011/main" xmlns:a14="http://schemas.microsoft.com/office/drawing/2010/main" xmlns:m="http://schemas.openxmlformats.org/officeDocument/2006/math" xmlns="" val="1"/>
             </a:ext>
           </a:extLst>
         </p:spPr>
@@ -23186,7 +24204,7 @@
           </a:ln>
           <a:extLst>
             <a:ext uri="{C572A759-6A51-4108-AA02-DFA0A04FC94B}">
-              <ma14:wrappingTextBoxFlag xmlns="" xmlns:m="http://schemas.openxmlformats.org/officeDocument/2006/math" xmlns:a14="http://schemas.microsoft.com/office/drawing/2010/main" xmlns:ma14="http://schemas.microsoft.com/office/mac/drawingml/2011/main" val="1"/>
+              <ma14:wrappingTextBoxFlag xmlns:ma14="http://schemas.microsoft.com/office/mac/drawingml/2011/main" xmlns:a14="http://schemas.microsoft.com/office/drawing/2010/main" xmlns:m="http://schemas.openxmlformats.org/officeDocument/2006/math" xmlns="" val="1"/>
             </a:ext>
           </a:extLst>
         </p:spPr>
@@ -23236,7 +24254,7 @@
           </a:ln>
           <a:extLst>
             <a:ext uri="{C572A759-6A51-4108-AA02-DFA0A04FC94B}">
-              <ma14:wrappingTextBoxFlag xmlns="" xmlns:m="http://schemas.openxmlformats.org/officeDocument/2006/math" xmlns:a14="http://schemas.microsoft.com/office/drawing/2010/main" xmlns:ma14="http://schemas.microsoft.com/office/mac/drawingml/2011/main" val="1"/>
+              <ma14:wrappingTextBoxFlag xmlns:ma14="http://schemas.microsoft.com/office/mac/drawingml/2011/main" xmlns:a14="http://schemas.microsoft.com/office/drawing/2010/main" xmlns:m="http://schemas.openxmlformats.org/officeDocument/2006/math" xmlns="" val="1"/>
             </a:ext>
           </a:extLst>
         </p:spPr>
@@ -23286,7 +24304,7 @@
           </a:ln>
           <a:extLst>
             <a:ext uri="{C572A759-6A51-4108-AA02-DFA0A04FC94B}">
-              <ma14:wrappingTextBoxFlag xmlns="" xmlns:m="http://schemas.openxmlformats.org/officeDocument/2006/math" xmlns:a14="http://schemas.microsoft.com/office/drawing/2010/main" xmlns:ma14="http://schemas.microsoft.com/office/mac/drawingml/2011/main" val="1"/>
+              <ma14:wrappingTextBoxFlag xmlns:ma14="http://schemas.microsoft.com/office/mac/drawingml/2011/main" xmlns:a14="http://schemas.microsoft.com/office/drawing/2010/main" xmlns:m="http://schemas.openxmlformats.org/officeDocument/2006/math" xmlns="" val="1"/>
             </a:ext>
           </a:extLst>
         </p:spPr>
@@ -23336,7 +24354,7 @@
           </a:ln>
           <a:extLst>
             <a:ext uri="{C572A759-6A51-4108-AA02-DFA0A04FC94B}">
-              <ma14:wrappingTextBoxFlag xmlns="" xmlns:m="http://schemas.openxmlformats.org/officeDocument/2006/math" xmlns:a14="http://schemas.microsoft.com/office/drawing/2010/main" xmlns:ma14="http://schemas.microsoft.com/office/mac/drawingml/2011/main" val="1"/>
+              <ma14:wrappingTextBoxFlag xmlns:ma14="http://schemas.microsoft.com/office/mac/drawingml/2011/main" xmlns:a14="http://schemas.microsoft.com/office/drawing/2010/main" xmlns:m="http://schemas.openxmlformats.org/officeDocument/2006/math" xmlns="" val="1"/>
             </a:ext>
           </a:extLst>
         </p:spPr>
@@ -23386,7 +24404,7 @@
           </a:ln>
           <a:extLst>
             <a:ext uri="{C572A759-6A51-4108-AA02-DFA0A04FC94B}">
-              <ma14:wrappingTextBoxFlag xmlns="" xmlns:m="http://schemas.openxmlformats.org/officeDocument/2006/math" xmlns:a14="http://schemas.microsoft.com/office/drawing/2010/main" xmlns:ma14="http://schemas.microsoft.com/office/mac/drawingml/2011/main" val="1"/>
+              <ma14:wrappingTextBoxFlag xmlns:ma14="http://schemas.microsoft.com/office/mac/drawingml/2011/main" xmlns:a14="http://schemas.microsoft.com/office/drawing/2010/main" xmlns:m="http://schemas.openxmlformats.org/officeDocument/2006/math" xmlns="" val="1"/>
             </a:ext>
           </a:extLst>
         </p:spPr>
@@ -23436,7 +24454,7 @@
           </a:ln>
           <a:extLst>
             <a:ext uri="{C572A759-6A51-4108-AA02-DFA0A04FC94B}">
-              <ma14:wrappingTextBoxFlag xmlns="" xmlns:m="http://schemas.openxmlformats.org/officeDocument/2006/math" xmlns:a14="http://schemas.microsoft.com/office/drawing/2010/main" xmlns:ma14="http://schemas.microsoft.com/office/mac/drawingml/2011/main" val="1"/>
+              <ma14:wrappingTextBoxFlag xmlns:ma14="http://schemas.microsoft.com/office/mac/drawingml/2011/main" xmlns:a14="http://schemas.microsoft.com/office/drawing/2010/main" xmlns:m="http://schemas.openxmlformats.org/officeDocument/2006/math" xmlns="" val="1"/>
             </a:ext>
           </a:extLst>
         </p:spPr>
@@ -23486,7 +24504,7 @@
           </a:ln>
           <a:extLst>
             <a:ext uri="{C572A759-6A51-4108-AA02-DFA0A04FC94B}">
-              <ma14:wrappingTextBoxFlag xmlns="" xmlns:m="http://schemas.openxmlformats.org/officeDocument/2006/math" xmlns:a14="http://schemas.microsoft.com/office/drawing/2010/main" xmlns:ma14="http://schemas.microsoft.com/office/mac/drawingml/2011/main" val="1"/>
+              <ma14:wrappingTextBoxFlag xmlns:ma14="http://schemas.microsoft.com/office/mac/drawingml/2011/main" xmlns:a14="http://schemas.microsoft.com/office/drawing/2010/main" xmlns:m="http://schemas.openxmlformats.org/officeDocument/2006/math" xmlns="" val="1"/>
             </a:ext>
           </a:extLst>
         </p:spPr>
@@ -23536,7 +24554,7 @@
           </a:ln>
           <a:extLst>
             <a:ext uri="{C572A759-6A51-4108-AA02-DFA0A04FC94B}">
-              <ma14:wrappingTextBoxFlag xmlns="" xmlns:m="http://schemas.openxmlformats.org/officeDocument/2006/math" xmlns:a14="http://schemas.microsoft.com/office/drawing/2010/main" xmlns:ma14="http://schemas.microsoft.com/office/mac/drawingml/2011/main" val="1"/>
+              <ma14:wrappingTextBoxFlag xmlns:ma14="http://schemas.microsoft.com/office/mac/drawingml/2011/main" xmlns:a14="http://schemas.microsoft.com/office/drawing/2010/main" xmlns:m="http://schemas.openxmlformats.org/officeDocument/2006/math" xmlns="" val="1"/>
             </a:ext>
           </a:extLst>
         </p:spPr>
@@ -23586,7 +24604,7 @@
           </a:ln>
           <a:extLst>
             <a:ext uri="{C572A759-6A51-4108-AA02-DFA0A04FC94B}">
-              <ma14:wrappingTextBoxFlag xmlns="" xmlns:m="http://schemas.openxmlformats.org/officeDocument/2006/math" xmlns:a14="http://schemas.microsoft.com/office/drawing/2010/main" xmlns:ma14="http://schemas.microsoft.com/office/mac/drawingml/2011/main" val="1"/>
+              <ma14:wrappingTextBoxFlag xmlns:ma14="http://schemas.microsoft.com/office/mac/drawingml/2011/main" xmlns:a14="http://schemas.microsoft.com/office/drawing/2010/main" xmlns:m="http://schemas.openxmlformats.org/officeDocument/2006/math" xmlns="" val="1"/>
             </a:ext>
           </a:extLst>
         </p:spPr>
@@ -23636,7 +24654,7 @@
           </a:ln>
           <a:extLst>
             <a:ext uri="{C572A759-6A51-4108-AA02-DFA0A04FC94B}">
-              <ma14:wrappingTextBoxFlag xmlns="" xmlns:m="http://schemas.openxmlformats.org/officeDocument/2006/math" xmlns:a14="http://schemas.microsoft.com/office/drawing/2010/main" xmlns:ma14="http://schemas.microsoft.com/office/mac/drawingml/2011/main" val="1"/>
+              <ma14:wrappingTextBoxFlag xmlns:ma14="http://schemas.microsoft.com/office/mac/drawingml/2011/main" xmlns:a14="http://schemas.microsoft.com/office/drawing/2010/main" xmlns:m="http://schemas.openxmlformats.org/officeDocument/2006/math" xmlns="" val="1"/>
             </a:ext>
           </a:extLst>
         </p:spPr>
@@ -23686,7 +24704,7 @@
           </a:ln>
           <a:extLst>
             <a:ext uri="{C572A759-6A51-4108-AA02-DFA0A04FC94B}">
-              <ma14:wrappingTextBoxFlag xmlns="" xmlns:m="http://schemas.openxmlformats.org/officeDocument/2006/math" xmlns:a14="http://schemas.microsoft.com/office/drawing/2010/main" xmlns:ma14="http://schemas.microsoft.com/office/mac/drawingml/2011/main" val="1"/>
+              <ma14:wrappingTextBoxFlag xmlns:ma14="http://schemas.microsoft.com/office/mac/drawingml/2011/main" xmlns:a14="http://schemas.microsoft.com/office/drawing/2010/main" xmlns:m="http://schemas.openxmlformats.org/officeDocument/2006/math" xmlns="" val="1"/>
             </a:ext>
           </a:extLst>
         </p:spPr>
@@ -23736,7 +24754,7 @@
           </a:ln>
           <a:extLst>
             <a:ext uri="{C572A759-6A51-4108-AA02-DFA0A04FC94B}">
-              <ma14:wrappingTextBoxFlag xmlns="" xmlns:m="http://schemas.openxmlformats.org/officeDocument/2006/math" xmlns:a14="http://schemas.microsoft.com/office/drawing/2010/main" xmlns:ma14="http://schemas.microsoft.com/office/mac/drawingml/2011/main" val="1"/>
+              <ma14:wrappingTextBoxFlag xmlns:ma14="http://schemas.microsoft.com/office/mac/drawingml/2011/main" xmlns:a14="http://schemas.microsoft.com/office/drawing/2010/main" xmlns:m="http://schemas.openxmlformats.org/officeDocument/2006/math" xmlns="" val="1"/>
             </a:ext>
           </a:extLst>
         </p:spPr>
@@ -23786,7 +24804,7 @@
           </a:ln>
           <a:extLst>
             <a:ext uri="{C572A759-6A51-4108-AA02-DFA0A04FC94B}">
-              <ma14:wrappingTextBoxFlag xmlns="" xmlns:m="http://schemas.openxmlformats.org/officeDocument/2006/math" xmlns:a14="http://schemas.microsoft.com/office/drawing/2010/main" xmlns:ma14="http://schemas.microsoft.com/office/mac/drawingml/2011/main" val="1"/>
+              <ma14:wrappingTextBoxFlag xmlns:ma14="http://schemas.microsoft.com/office/mac/drawingml/2011/main" xmlns:a14="http://schemas.microsoft.com/office/drawing/2010/main" xmlns:m="http://schemas.openxmlformats.org/officeDocument/2006/math" xmlns="" val="1"/>
             </a:ext>
           </a:extLst>
         </p:spPr>
@@ -23836,7 +24854,7 @@
           </a:ln>
           <a:extLst>
             <a:ext uri="{C572A759-6A51-4108-AA02-DFA0A04FC94B}">
-              <ma14:wrappingTextBoxFlag xmlns="" xmlns:m="http://schemas.openxmlformats.org/officeDocument/2006/math" xmlns:a14="http://schemas.microsoft.com/office/drawing/2010/main" xmlns:ma14="http://schemas.microsoft.com/office/mac/drawingml/2011/main" val="1"/>
+              <ma14:wrappingTextBoxFlag xmlns:ma14="http://schemas.microsoft.com/office/mac/drawingml/2011/main" xmlns:a14="http://schemas.microsoft.com/office/drawing/2010/main" xmlns:m="http://schemas.openxmlformats.org/officeDocument/2006/math" xmlns="" val="1"/>
             </a:ext>
           </a:extLst>
         </p:spPr>
@@ -23886,7 +24904,7 @@
           </a:ln>
           <a:extLst>
             <a:ext uri="{C572A759-6A51-4108-AA02-DFA0A04FC94B}">
-              <ma14:wrappingTextBoxFlag xmlns="" xmlns:m="http://schemas.openxmlformats.org/officeDocument/2006/math" xmlns:a14="http://schemas.microsoft.com/office/drawing/2010/main" xmlns:ma14="http://schemas.microsoft.com/office/mac/drawingml/2011/main" val="1"/>
+              <ma14:wrappingTextBoxFlag xmlns:ma14="http://schemas.microsoft.com/office/mac/drawingml/2011/main" xmlns:a14="http://schemas.microsoft.com/office/drawing/2010/main" xmlns:m="http://schemas.openxmlformats.org/officeDocument/2006/math" xmlns="" val="1"/>
             </a:ext>
           </a:extLst>
         </p:spPr>
@@ -23936,7 +24954,7 @@
           </a:ln>
           <a:extLst>
             <a:ext uri="{C572A759-6A51-4108-AA02-DFA0A04FC94B}">
-              <ma14:wrappingTextBoxFlag xmlns="" xmlns:m="http://schemas.openxmlformats.org/officeDocument/2006/math" xmlns:a14="http://schemas.microsoft.com/office/drawing/2010/main" xmlns:ma14="http://schemas.microsoft.com/office/mac/drawingml/2011/main" val="1"/>
+              <ma14:wrappingTextBoxFlag xmlns:ma14="http://schemas.microsoft.com/office/mac/drawingml/2011/main" xmlns:a14="http://schemas.microsoft.com/office/drawing/2010/main" xmlns:m="http://schemas.openxmlformats.org/officeDocument/2006/math" xmlns="" val="1"/>
             </a:ext>
           </a:extLst>
         </p:spPr>
@@ -23986,7 +25004,7 @@
           </a:ln>
           <a:extLst>
             <a:ext uri="{C572A759-6A51-4108-AA02-DFA0A04FC94B}">
-              <ma14:wrappingTextBoxFlag xmlns="" xmlns:m="http://schemas.openxmlformats.org/officeDocument/2006/math" xmlns:a14="http://schemas.microsoft.com/office/drawing/2010/main" xmlns:ma14="http://schemas.microsoft.com/office/mac/drawingml/2011/main" val="1"/>
+              <ma14:wrappingTextBoxFlag xmlns:ma14="http://schemas.microsoft.com/office/mac/drawingml/2011/main" xmlns:a14="http://schemas.microsoft.com/office/drawing/2010/main" xmlns:m="http://schemas.openxmlformats.org/officeDocument/2006/math" xmlns="" val="1"/>
             </a:ext>
           </a:extLst>
         </p:spPr>
@@ -24036,7 +25054,7 @@
           </a:ln>
           <a:extLst>
             <a:ext uri="{C572A759-6A51-4108-AA02-DFA0A04FC94B}">
-              <ma14:wrappingTextBoxFlag xmlns="" xmlns:m="http://schemas.openxmlformats.org/officeDocument/2006/math" xmlns:a14="http://schemas.microsoft.com/office/drawing/2010/main" xmlns:ma14="http://schemas.microsoft.com/office/mac/drawingml/2011/main" val="1"/>
+              <ma14:wrappingTextBoxFlag xmlns:ma14="http://schemas.microsoft.com/office/mac/drawingml/2011/main" xmlns:a14="http://schemas.microsoft.com/office/drawing/2010/main" xmlns:m="http://schemas.openxmlformats.org/officeDocument/2006/math" xmlns="" val="1"/>
             </a:ext>
           </a:extLst>
         </p:spPr>
@@ -24086,7 +25104,7 @@
           </a:ln>
           <a:extLst>
             <a:ext uri="{C572A759-6A51-4108-AA02-DFA0A04FC94B}">
-              <ma14:wrappingTextBoxFlag xmlns="" xmlns:m="http://schemas.openxmlformats.org/officeDocument/2006/math" xmlns:a14="http://schemas.microsoft.com/office/drawing/2010/main" xmlns:ma14="http://schemas.microsoft.com/office/mac/drawingml/2011/main" val="1"/>
+              <ma14:wrappingTextBoxFlag xmlns:ma14="http://schemas.microsoft.com/office/mac/drawingml/2011/main" xmlns:a14="http://schemas.microsoft.com/office/drawing/2010/main" xmlns:m="http://schemas.openxmlformats.org/officeDocument/2006/math" xmlns="" val="1"/>
             </a:ext>
           </a:extLst>
         </p:spPr>
@@ -24432,7 +25450,7 @@
           </a:ln>
           <a:extLst>
             <a:ext uri="{C572A759-6A51-4108-AA02-DFA0A04FC94B}">
-              <ma14:wrappingTextBoxFlag xmlns="" xmlns:m="http://schemas.openxmlformats.org/officeDocument/2006/math" xmlns:a14="http://schemas.microsoft.com/office/drawing/2010/main" xmlns:ma14="http://schemas.microsoft.com/office/mac/drawingml/2011/main" val="1"/>
+              <ma14:wrappingTextBoxFlag xmlns:ma14="http://schemas.microsoft.com/office/mac/drawingml/2011/main" xmlns:a14="http://schemas.microsoft.com/office/drawing/2010/main" xmlns:m="http://schemas.openxmlformats.org/officeDocument/2006/math" xmlns="" val="1"/>
             </a:ext>
           </a:extLst>
         </p:spPr>
@@ -24581,7 +25599,7 @@
           </a:ln>
           <a:extLst>
             <a:ext uri="{C572A759-6A51-4108-AA02-DFA0A04FC94B}">
-              <ma14:wrappingTextBoxFlag xmlns="" xmlns:m="http://schemas.openxmlformats.org/officeDocument/2006/math" xmlns:a14="http://schemas.microsoft.com/office/drawing/2010/main" xmlns:ma14="http://schemas.microsoft.com/office/mac/drawingml/2011/main" val="1"/>
+              <ma14:wrappingTextBoxFlag xmlns:ma14="http://schemas.microsoft.com/office/mac/drawingml/2011/main" xmlns:a14="http://schemas.microsoft.com/office/drawing/2010/main" xmlns:m="http://schemas.openxmlformats.org/officeDocument/2006/math" xmlns="" val="1"/>
             </a:ext>
           </a:extLst>
         </p:spPr>
@@ -24702,7 +25720,7 @@
           </a:ln>
           <a:extLst>
             <a:ext uri="{C572A759-6A51-4108-AA02-DFA0A04FC94B}">
-              <ma14:wrappingTextBoxFlag xmlns:ma14="http://schemas.microsoft.com/office/mac/drawingml/2011/main" xmlns:a14="http://schemas.microsoft.com/office/drawing/2010/main" xmlns:m="http://schemas.openxmlformats.org/officeDocument/2006/math" xmlns="" val="1"/>
+              <ma14:wrappingTextBoxFlag xmlns="" xmlns:m="http://schemas.openxmlformats.org/officeDocument/2006/math" xmlns:a14="http://schemas.microsoft.com/office/drawing/2010/main" xmlns:ma14="http://schemas.microsoft.com/office/mac/drawingml/2011/main" val="1"/>
             </a:ext>
           </a:extLst>
         </p:spPr>
@@ -24752,7 +25770,7 @@
           </a:ln>
           <a:extLst>
             <a:ext uri="{C572A759-6A51-4108-AA02-DFA0A04FC94B}">
-              <ma14:wrappingTextBoxFlag xmlns:ma14="http://schemas.microsoft.com/office/mac/drawingml/2011/main" xmlns:a14="http://schemas.microsoft.com/office/drawing/2010/main" xmlns:m="http://schemas.openxmlformats.org/officeDocument/2006/math" xmlns="" val="1"/>
+              <ma14:wrappingTextBoxFlag xmlns="" xmlns:m="http://schemas.openxmlformats.org/officeDocument/2006/math" xmlns:a14="http://schemas.microsoft.com/office/drawing/2010/main" xmlns:ma14="http://schemas.microsoft.com/office/mac/drawingml/2011/main" val="1"/>
             </a:ext>
           </a:extLst>
         </p:spPr>
@@ -24802,7 +25820,7 @@
           </a:ln>
           <a:extLst>
             <a:ext uri="{C572A759-6A51-4108-AA02-DFA0A04FC94B}">
-              <ma14:wrappingTextBoxFlag xmlns:ma14="http://schemas.microsoft.com/office/mac/drawingml/2011/main" xmlns:a14="http://schemas.microsoft.com/office/drawing/2010/main" xmlns:m="http://schemas.openxmlformats.org/officeDocument/2006/math" xmlns="" val="1"/>
+              <ma14:wrappingTextBoxFlag xmlns="" xmlns:m="http://schemas.openxmlformats.org/officeDocument/2006/math" xmlns:a14="http://schemas.microsoft.com/office/drawing/2010/main" xmlns:ma14="http://schemas.microsoft.com/office/mac/drawingml/2011/main" val="1"/>
             </a:ext>
           </a:extLst>
         </p:spPr>
@@ -24852,7 +25870,7 @@
           </a:ln>
           <a:extLst>
             <a:ext uri="{C572A759-6A51-4108-AA02-DFA0A04FC94B}">
-              <ma14:wrappingTextBoxFlag xmlns:ma14="http://schemas.microsoft.com/office/mac/drawingml/2011/main" xmlns:a14="http://schemas.microsoft.com/office/drawing/2010/main" xmlns:m="http://schemas.openxmlformats.org/officeDocument/2006/math" xmlns="" val="1"/>
+              <ma14:wrappingTextBoxFlag xmlns="" xmlns:m="http://schemas.openxmlformats.org/officeDocument/2006/math" xmlns:a14="http://schemas.microsoft.com/office/drawing/2010/main" xmlns:ma14="http://schemas.microsoft.com/office/mac/drawingml/2011/main" val="1"/>
             </a:ext>
           </a:extLst>
         </p:spPr>
@@ -24902,7 +25920,7 @@
           </a:ln>
           <a:extLst>
             <a:ext uri="{C572A759-6A51-4108-AA02-DFA0A04FC94B}">
-              <ma14:wrappingTextBoxFlag xmlns:ma14="http://schemas.microsoft.com/office/mac/drawingml/2011/main" xmlns:a14="http://schemas.microsoft.com/office/drawing/2010/main" xmlns:m="http://schemas.openxmlformats.org/officeDocument/2006/math" xmlns="" val="1"/>
+              <ma14:wrappingTextBoxFlag xmlns="" xmlns:m="http://schemas.openxmlformats.org/officeDocument/2006/math" xmlns:a14="http://schemas.microsoft.com/office/drawing/2010/main" xmlns:ma14="http://schemas.microsoft.com/office/mac/drawingml/2011/main" val="1"/>
             </a:ext>
           </a:extLst>
         </p:spPr>
@@ -24952,7 +25970,7 @@
           </a:ln>
           <a:extLst>
             <a:ext uri="{C572A759-6A51-4108-AA02-DFA0A04FC94B}">
-              <ma14:wrappingTextBoxFlag xmlns:ma14="http://schemas.microsoft.com/office/mac/drawingml/2011/main" xmlns:a14="http://schemas.microsoft.com/office/drawing/2010/main" xmlns:m="http://schemas.openxmlformats.org/officeDocument/2006/math" xmlns="" val="1"/>
+              <ma14:wrappingTextBoxFlag xmlns="" xmlns:m="http://schemas.openxmlformats.org/officeDocument/2006/math" xmlns:a14="http://schemas.microsoft.com/office/drawing/2010/main" xmlns:ma14="http://schemas.microsoft.com/office/mac/drawingml/2011/main" val="1"/>
             </a:ext>
           </a:extLst>
         </p:spPr>
@@ -25002,7 +26020,7 @@
           </a:ln>
           <a:extLst>
             <a:ext uri="{C572A759-6A51-4108-AA02-DFA0A04FC94B}">
-              <ma14:wrappingTextBoxFlag xmlns:ma14="http://schemas.microsoft.com/office/mac/drawingml/2011/main" xmlns:a14="http://schemas.microsoft.com/office/drawing/2010/main" xmlns:m="http://schemas.openxmlformats.org/officeDocument/2006/math" xmlns="" val="1"/>
+              <ma14:wrappingTextBoxFlag xmlns="" xmlns:m="http://schemas.openxmlformats.org/officeDocument/2006/math" xmlns:a14="http://schemas.microsoft.com/office/drawing/2010/main" xmlns:ma14="http://schemas.microsoft.com/office/mac/drawingml/2011/main" val="1"/>
             </a:ext>
           </a:extLst>
         </p:spPr>
@@ -25052,7 +26070,7 @@
           </a:ln>
           <a:extLst>
             <a:ext uri="{C572A759-6A51-4108-AA02-DFA0A04FC94B}">
-              <ma14:wrappingTextBoxFlag xmlns:ma14="http://schemas.microsoft.com/office/mac/drawingml/2011/main" xmlns:a14="http://schemas.microsoft.com/office/drawing/2010/main" xmlns:m="http://schemas.openxmlformats.org/officeDocument/2006/math" xmlns="" val="1"/>
+              <ma14:wrappingTextBoxFlag xmlns="" xmlns:m="http://schemas.openxmlformats.org/officeDocument/2006/math" xmlns:a14="http://schemas.microsoft.com/office/drawing/2010/main" xmlns:ma14="http://schemas.microsoft.com/office/mac/drawingml/2011/main" val="1"/>
             </a:ext>
           </a:extLst>
         </p:spPr>
@@ -25102,7 +26120,7 @@
           </a:ln>
           <a:extLst>
             <a:ext uri="{C572A759-6A51-4108-AA02-DFA0A04FC94B}">
-              <ma14:wrappingTextBoxFlag xmlns:ma14="http://schemas.microsoft.com/office/mac/drawingml/2011/main" xmlns:a14="http://schemas.microsoft.com/office/drawing/2010/main" xmlns:m="http://schemas.openxmlformats.org/officeDocument/2006/math" xmlns="" val="1"/>
+              <ma14:wrappingTextBoxFlag xmlns="" xmlns:m="http://schemas.openxmlformats.org/officeDocument/2006/math" xmlns:a14="http://schemas.microsoft.com/office/drawing/2010/main" xmlns:ma14="http://schemas.microsoft.com/office/mac/drawingml/2011/main" val="1"/>
             </a:ext>
           </a:extLst>
         </p:spPr>
@@ -25152,7 +26170,7 @@
           </a:ln>
           <a:extLst>
             <a:ext uri="{C572A759-6A51-4108-AA02-DFA0A04FC94B}">
-              <ma14:wrappingTextBoxFlag xmlns:ma14="http://schemas.microsoft.com/office/mac/drawingml/2011/main" xmlns:a14="http://schemas.microsoft.com/office/drawing/2010/main" xmlns:m="http://schemas.openxmlformats.org/officeDocument/2006/math" xmlns="" val="1"/>
+              <ma14:wrappingTextBoxFlag xmlns="" xmlns:m="http://schemas.openxmlformats.org/officeDocument/2006/math" xmlns:a14="http://schemas.microsoft.com/office/drawing/2010/main" xmlns:ma14="http://schemas.microsoft.com/office/mac/drawingml/2011/main" val="1"/>
             </a:ext>
           </a:extLst>
         </p:spPr>
@@ -25202,7 +26220,7 @@
           </a:ln>
           <a:extLst>
             <a:ext uri="{C572A759-6A51-4108-AA02-DFA0A04FC94B}">
-              <ma14:wrappingTextBoxFlag xmlns:ma14="http://schemas.microsoft.com/office/mac/drawingml/2011/main" xmlns:a14="http://schemas.microsoft.com/office/drawing/2010/main" xmlns:m="http://schemas.openxmlformats.org/officeDocument/2006/math" xmlns="" val="1"/>
+              <ma14:wrappingTextBoxFlag xmlns="" xmlns:m="http://schemas.openxmlformats.org/officeDocument/2006/math" xmlns:a14="http://schemas.microsoft.com/office/drawing/2010/main" xmlns:ma14="http://schemas.microsoft.com/office/mac/drawingml/2011/main" val="1"/>
             </a:ext>
           </a:extLst>
         </p:spPr>
@@ -25252,7 +26270,7 @@
           </a:ln>
           <a:extLst>
             <a:ext uri="{C572A759-6A51-4108-AA02-DFA0A04FC94B}">
-              <ma14:wrappingTextBoxFlag xmlns:ma14="http://schemas.microsoft.com/office/mac/drawingml/2011/main" xmlns:a14="http://schemas.microsoft.com/office/drawing/2010/main" xmlns:m="http://schemas.openxmlformats.org/officeDocument/2006/math" xmlns="" val="1"/>
+              <ma14:wrappingTextBoxFlag xmlns="" xmlns:m="http://schemas.openxmlformats.org/officeDocument/2006/math" xmlns:a14="http://schemas.microsoft.com/office/drawing/2010/main" xmlns:ma14="http://schemas.microsoft.com/office/mac/drawingml/2011/main" val="1"/>
             </a:ext>
           </a:extLst>
         </p:spPr>
@@ -25302,7 +26320,7 @@
           </a:ln>
           <a:extLst>
             <a:ext uri="{C572A759-6A51-4108-AA02-DFA0A04FC94B}">
-              <ma14:wrappingTextBoxFlag xmlns:ma14="http://schemas.microsoft.com/office/mac/drawingml/2011/main" xmlns:a14="http://schemas.microsoft.com/office/drawing/2010/main" xmlns:m="http://schemas.openxmlformats.org/officeDocument/2006/math" xmlns="" val="1"/>
+              <ma14:wrappingTextBoxFlag xmlns="" xmlns:m="http://schemas.openxmlformats.org/officeDocument/2006/math" xmlns:a14="http://schemas.microsoft.com/office/drawing/2010/main" xmlns:ma14="http://schemas.microsoft.com/office/mac/drawingml/2011/main" val="1"/>
             </a:ext>
           </a:extLst>
         </p:spPr>
@@ -25352,7 +26370,7 @@
           </a:ln>
           <a:extLst>
             <a:ext uri="{C572A759-6A51-4108-AA02-DFA0A04FC94B}">
-              <ma14:wrappingTextBoxFlag xmlns:ma14="http://schemas.microsoft.com/office/mac/drawingml/2011/main" xmlns:a14="http://schemas.microsoft.com/office/drawing/2010/main" xmlns:m="http://schemas.openxmlformats.org/officeDocument/2006/math" xmlns="" val="1"/>
+              <ma14:wrappingTextBoxFlag xmlns="" xmlns:m="http://schemas.openxmlformats.org/officeDocument/2006/math" xmlns:a14="http://schemas.microsoft.com/office/drawing/2010/main" xmlns:ma14="http://schemas.microsoft.com/office/mac/drawingml/2011/main" val="1"/>
             </a:ext>
           </a:extLst>
         </p:spPr>
@@ -25402,7 +26420,7 @@
           </a:ln>
           <a:extLst>
             <a:ext uri="{C572A759-6A51-4108-AA02-DFA0A04FC94B}">
-              <ma14:wrappingTextBoxFlag xmlns:ma14="http://schemas.microsoft.com/office/mac/drawingml/2011/main" xmlns:a14="http://schemas.microsoft.com/office/drawing/2010/main" xmlns:m="http://schemas.openxmlformats.org/officeDocument/2006/math" xmlns="" val="1"/>
+              <ma14:wrappingTextBoxFlag xmlns="" xmlns:m="http://schemas.openxmlformats.org/officeDocument/2006/math" xmlns:a14="http://schemas.microsoft.com/office/drawing/2010/main" xmlns:ma14="http://schemas.microsoft.com/office/mac/drawingml/2011/main" val="1"/>
             </a:ext>
           </a:extLst>
         </p:spPr>
@@ -25452,7 +26470,7 @@
           </a:ln>
           <a:extLst>
             <a:ext uri="{C572A759-6A51-4108-AA02-DFA0A04FC94B}">
-              <ma14:wrappingTextBoxFlag xmlns:ma14="http://schemas.microsoft.com/office/mac/drawingml/2011/main" xmlns:a14="http://schemas.microsoft.com/office/drawing/2010/main" xmlns:m="http://schemas.openxmlformats.org/officeDocument/2006/math" xmlns="" val="1"/>
+              <ma14:wrappingTextBoxFlag xmlns="" xmlns:m="http://schemas.openxmlformats.org/officeDocument/2006/math" xmlns:a14="http://schemas.microsoft.com/office/drawing/2010/main" xmlns:ma14="http://schemas.microsoft.com/office/mac/drawingml/2011/main" val="1"/>
             </a:ext>
           </a:extLst>
         </p:spPr>
@@ -25502,7 +26520,7 @@
           </a:ln>
           <a:extLst>
             <a:ext uri="{C572A759-6A51-4108-AA02-DFA0A04FC94B}">
-              <ma14:wrappingTextBoxFlag xmlns:ma14="http://schemas.microsoft.com/office/mac/drawingml/2011/main" xmlns:a14="http://schemas.microsoft.com/office/drawing/2010/main" xmlns:m="http://schemas.openxmlformats.org/officeDocument/2006/math" xmlns="" val="1"/>
+              <ma14:wrappingTextBoxFlag xmlns="" xmlns:m="http://schemas.openxmlformats.org/officeDocument/2006/math" xmlns:a14="http://schemas.microsoft.com/office/drawing/2010/main" xmlns:ma14="http://schemas.microsoft.com/office/mac/drawingml/2011/main" val="1"/>
             </a:ext>
           </a:extLst>
         </p:spPr>
@@ -25552,7 +26570,7 @@
           </a:ln>
           <a:extLst>
             <a:ext uri="{C572A759-6A51-4108-AA02-DFA0A04FC94B}">
-              <ma14:wrappingTextBoxFlag xmlns:ma14="http://schemas.microsoft.com/office/mac/drawingml/2011/main" xmlns:a14="http://schemas.microsoft.com/office/drawing/2010/main" xmlns:m="http://schemas.openxmlformats.org/officeDocument/2006/math" xmlns="" val="1"/>
+              <ma14:wrappingTextBoxFlag xmlns="" xmlns:m="http://schemas.openxmlformats.org/officeDocument/2006/math" xmlns:a14="http://schemas.microsoft.com/office/drawing/2010/main" xmlns:ma14="http://schemas.microsoft.com/office/mac/drawingml/2011/main" val="1"/>
             </a:ext>
           </a:extLst>
         </p:spPr>
@@ -25602,7 +26620,7 @@
           </a:ln>
           <a:extLst>
             <a:ext uri="{C572A759-6A51-4108-AA02-DFA0A04FC94B}">
-              <ma14:wrappingTextBoxFlag xmlns:ma14="http://schemas.microsoft.com/office/mac/drawingml/2011/main" xmlns:a14="http://schemas.microsoft.com/office/drawing/2010/main" xmlns:m="http://schemas.openxmlformats.org/officeDocument/2006/math" xmlns="" val="1"/>
+              <ma14:wrappingTextBoxFlag xmlns="" xmlns:m="http://schemas.openxmlformats.org/officeDocument/2006/math" xmlns:a14="http://schemas.microsoft.com/office/drawing/2010/main" xmlns:ma14="http://schemas.microsoft.com/office/mac/drawingml/2011/main" val="1"/>
             </a:ext>
           </a:extLst>
         </p:spPr>
@@ -25652,7 +26670,7 @@
           </a:ln>
           <a:extLst>
             <a:ext uri="{C572A759-6A51-4108-AA02-DFA0A04FC94B}">
-              <ma14:wrappingTextBoxFlag xmlns:ma14="http://schemas.microsoft.com/office/mac/drawingml/2011/main" xmlns:a14="http://schemas.microsoft.com/office/drawing/2010/main" xmlns:m="http://schemas.openxmlformats.org/officeDocument/2006/math" xmlns="" val="1"/>
+              <ma14:wrappingTextBoxFlag xmlns="" xmlns:m="http://schemas.openxmlformats.org/officeDocument/2006/math" xmlns:a14="http://schemas.microsoft.com/office/drawing/2010/main" xmlns:ma14="http://schemas.microsoft.com/office/mac/drawingml/2011/main" val="1"/>
             </a:ext>
           </a:extLst>
         </p:spPr>
@@ -25702,7 +26720,7 @@
           </a:ln>
           <a:extLst>
             <a:ext uri="{C572A759-6A51-4108-AA02-DFA0A04FC94B}">
-              <ma14:wrappingTextBoxFlag xmlns:ma14="http://schemas.microsoft.com/office/mac/drawingml/2011/main" xmlns:a14="http://schemas.microsoft.com/office/drawing/2010/main" xmlns:m="http://schemas.openxmlformats.org/officeDocument/2006/math" xmlns="" val="1"/>
+              <ma14:wrappingTextBoxFlag xmlns="" xmlns:m="http://schemas.openxmlformats.org/officeDocument/2006/math" xmlns:a14="http://schemas.microsoft.com/office/drawing/2010/main" xmlns:ma14="http://schemas.microsoft.com/office/mac/drawingml/2011/main" val="1"/>
             </a:ext>
           </a:extLst>
         </p:spPr>
@@ -25752,7 +26770,7 @@
           </a:ln>
           <a:extLst>
             <a:ext uri="{C572A759-6A51-4108-AA02-DFA0A04FC94B}">
-              <ma14:wrappingTextBoxFlag xmlns:ma14="http://schemas.microsoft.com/office/mac/drawingml/2011/main" xmlns:a14="http://schemas.microsoft.com/office/drawing/2010/main" xmlns:m="http://schemas.openxmlformats.org/officeDocument/2006/math" xmlns="" val="1"/>
+              <ma14:wrappingTextBoxFlag xmlns="" xmlns:m="http://schemas.openxmlformats.org/officeDocument/2006/math" xmlns:a14="http://schemas.microsoft.com/office/drawing/2010/main" xmlns:ma14="http://schemas.microsoft.com/office/mac/drawingml/2011/main" val="1"/>
             </a:ext>
           </a:extLst>
         </p:spPr>
@@ -25802,7 +26820,7 @@
           </a:ln>
           <a:extLst>
             <a:ext uri="{C572A759-6A51-4108-AA02-DFA0A04FC94B}">
-              <ma14:wrappingTextBoxFlag xmlns:ma14="http://schemas.microsoft.com/office/mac/drawingml/2011/main" xmlns:a14="http://schemas.microsoft.com/office/drawing/2010/main" xmlns:m="http://schemas.openxmlformats.org/officeDocument/2006/math" xmlns="" val="1"/>
+              <ma14:wrappingTextBoxFlag xmlns="" xmlns:m="http://schemas.openxmlformats.org/officeDocument/2006/math" xmlns:a14="http://schemas.microsoft.com/office/drawing/2010/main" xmlns:ma14="http://schemas.microsoft.com/office/mac/drawingml/2011/main" val="1"/>
             </a:ext>
           </a:extLst>
         </p:spPr>
@@ -25852,7 +26870,7 @@
           </a:ln>
           <a:extLst>
             <a:ext uri="{C572A759-6A51-4108-AA02-DFA0A04FC94B}">
-              <ma14:wrappingTextBoxFlag xmlns:ma14="http://schemas.microsoft.com/office/mac/drawingml/2011/main" xmlns:a14="http://schemas.microsoft.com/office/drawing/2010/main" xmlns:m="http://schemas.openxmlformats.org/officeDocument/2006/math" xmlns="" val="1"/>
+              <ma14:wrappingTextBoxFlag xmlns="" xmlns:m="http://schemas.openxmlformats.org/officeDocument/2006/math" xmlns:a14="http://schemas.microsoft.com/office/drawing/2010/main" xmlns:ma14="http://schemas.microsoft.com/office/mac/drawingml/2011/main" val="1"/>
             </a:ext>
           </a:extLst>
         </p:spPr>
@@ -25902,7 +26920,7 @@
           </a:ln>
           <a:extLst>
             <a:ext uri="{C572A759-6A51-4108-AA02-DFA0A04FC94B}">
-              <ma14:wrappingTextBoxFlag xmlns:ma14="http://schemas.microsoft.com/office/mac/drawingml/2011/main" xmlns:a14="http://schemas.microsoft.com/office/drawing/2010/main" xmlns:m="http://schemas.openxmlformats.org/officeDocument/2006/math" xmlns="" val="1"/>
+              <ma14:wrappingTextBoxFlag xmlns="" xmlns:m="http://schemas.openxmlformats.org/officeDocument/2006/math" xmlns:a14="http://schemas.microsoft.com/office/drawing/2010/main" xmlns:ma14="http://schemas.microsoft.com/office/mac/drawingml/2011/main" val="1"/>
             </a:ext>
           </a:extLst>
         </p:spPr>
@@ -25952,7 +26970,7 @@
           </a:ln>
           <a:extLst>
             <a:ext uri="{C572A759-6A51-4108-AA02-DFA0A04FC94B}">
-              <ma14:wrappingTextBoxFlag xmlns:ma14="http://schemas.microsoft.com/office/mac/drawingml/2011/main" xmlns:a14="http://schemas.microsoft.com/office/drawing/2010/main" xmlns:m="http://schemas.openxmlformats.org/officeDocument/2006/math" xmlns="" val="1"/>
+              <ma14:wrappingTextBoxFlag xmlns="" xmlns:m="http://schemas.openxmlformats.org/officeDocument/2006/math" xmlns:a14="http://schemas.microsoft.com/office/drawing/2010/main" xmlns:ma14="http://schemas.microsoft.com/office/mac/drawingml/2011/main" val="1"/>
             </a:ext>
           </a:extLst>
         </p:spPr>
@@ -26002,7 +27020,7 @@
           </a:ln>
           <a:extLst>
             <a:ext uri="{C572A759-6A51-4108-AA02-DFA0A04FC94B}">
-              <ma14:wrappingTextBoxFlag xmlns:ma14="http://schemas.microsoft.com/office/mac/drawingml/2011/main" xmlns:a14="http://schemas.microsoft.com/office/drawing/2010/main" xmlns:m="http://schemas.openxmlformats.org/officeDocument/2006/math" xmlns="" val="1"/>
+              <ma14:wrappingTextBoxFlag xmlns="" xmlns:m="http://schemas.openxmlformats.org/officeDocument/2006/math" xmlns:a14="http://schemas.microsoft.com/office/drawing/2010/main" xmlns:ma14="http://schemas.microsoft.com/office/mac/drawingml/2011/main" val="1"/>
             </a:ext>
           </a:extLst>
         </p:spPr>
@@ -26052,7 +27070,7 @@
           </a:ln>
           <a:extLst>
             <a:ext uri="{C572A759-6A51-4108-AA02-DFA0A04FC94B}">
-              <ma14:wrappingTextBoxFlag xmlns:ma14="http://schemas.microsoft.com/office/mac/drawingml/2011/main" xmlns:a14="http://schemas.microsoft.com/office/drawing/2010/main" xmlns:m="http://schemas.openxmlformats.org/officeDocument/2006/math" xmlns="" val="1"/>
+              <ma14:wrappingTextBoxFlag xmlns="" xmlns:m="http://schemas.openxmlformats.org/officeDocument/2006/math" xmlns:a14="http://schemas.microsoft.com/office/drawing/2010/main" xmlns:ma14="http://schemas.microsoft.com/office/mac/drawingml/2011/main" val="1"/>
             </a:ext>
           </a:extLst>
         </p:spPr>
@@ -26102,7 +27120,7 @@
           </a:ln>
           <a:extLst>
             <a:ext uri="{C572A759-6A51-4108-AA02-DFA0A04FC94B}">
-              <ma14:wrappingTextBoxFlag xmlns:ma14="http://schemas.microsoft.com/office/mac/drawingml/2011/main" xmlns:a14="http://schemas.microsoft.com/office/drawing/2010/main" xmlns:m="http://schemas.openxmlformats.org/officeDocument/2006/math" xmlns="" val="1"/>
+              <ma14:wrappingTextBoxFlag xmlns="" xmlns:m="http://schemas.openxmlformats.org/officeDocument/2006/math" xmlns:a14="http://schemas.microsoft.com/office/drawing/2010/main" xmlns:ma14="http://schemas.microsoft.com/office/mac/drawingml/2011/main" val="1"/>
             </a:ext>
           </a:extLst>
         </p:spPr>
@@ -26196,7 +27214,7 @@
           </a:ln>
           <a:extLst>
             <a:ext uri="{C572A759-6A51-4108-AA02-DFA0A04FC94B}">
-              <ma14:wrappingTextBoxFlag xmlns:ma14="http://schemas.microsoft.com/office/mac/drawingml/2011/main" xmlns:a14="http://schemas.microsoft.com/office/drawing/2010/main" xmlns:m="http://schemas.openxmlformats.org/officeDocument/2006/math" xmlns="" val="1"/>
+              <ma14:wrappingTextBoxFlag xmlns="" xmlns:m="http://schemas.openxmlformats.org/officeDocument/2006/math" xmlns:a14="http://schemas.microsoft.com/office/drawing/2010/main" xmlns:ma14="http://schemas.microsoft.com/office/mac/drawingml/2011/main" val="1"/>
             </a:ext>
           </a:extLst>
         </p:spPr>
@@ -26308,7 +27326,7 @@
           </a:ln>
           <a:extLst>
             <a:ext uri="{C572A759-6A51-4108-AA02-DFA0A04FC94B}">
-              <ma14:wrappingTextBoxFlag xmlns:ma14="http://schemas.microsoft.com/office/mac/drawingml/2011/main" xmlns:a14="http://schemas.microsoft.com/office/drawing/2010/main" xmlns:m="http://schemas.openxmlformats.org/officeDocument/2006/math" xmlns="" val="1"/>
+              <ma14:wrappingTextBoxFlag xmlns="" xmlns:m="http://schemas.openxmlformats.org/officeDocument/2006/math" xmlns:a14="http://schemas.microsoft.com/office/drawing/2010/main" xmlns:ma14="http://schemas.microsoft.com/office/mac/drawingml/2011/main" val="1"/>
             </a:ext>
           </a:extLst>
         </p:spPr>
@@ -26362,7 +27380,7 @@
           </a:ln>
           <a:extLst>
             <a:ext uri="{C572A759-6A51-4108-AA02-DFA0A04FC94B}">
-              <ma14:wrappingTextBoxFlag xmlns:ma14="http://schemas.microsoft.com/office/mac/drawingml/2011/main" xmlns:a14="http://schemas.microsoft.com/office/drawing/2010/main" xmlns:m="http://schemas.openxmlformats.org/officeDocument/2006/math" xmlns="" val="1"/>
+              <ma14:wrappingTextBoxFlag xmlns="" xmlns:m="http://schemas.openxmlformats.org/officeDocument/2006/math" xmlns:a14="http://schemas.microsoft.com/office/drawing/2010/main" xmlns:ma14="http://schemas.microsoft.com/office/mac/drawingml/2011/main" val="1"/>
             </a:ext>
           </a:extLst>
         </p:spPr>
@@ -26412,7 +27430,7 @@
           </a:ln>
           <a:extLst>
             <a:ext uri="{C572A759-6A51-4108-AA02-DFA0A04FC94B}">
-              <ma14:wrappingTextBoxFlag xmlns:ma14="http://schemas.microsoft.com/office/mac/drawingml/2011/main" xmlns:a14="http://schemas.microsoft.com/office/drawing/2010/main" xmlns:m="http://schemas.openxmlformats.org/officeDocument/2006/math" xmlns="" val="1"/>
+              <ma14:wrappingTextBoxFlag xmlns="" xmlns:m="http://schemas.openxmlformats.org/officeDocument/2006/math" xmlns:a14="http://schemas.microsoft.com/office/drawing/2010/main" xmlns:ma14="http://schemas.microsoft.com/office/mac/drawingml/2011/main" val="1"/>
             </a:ext>
           </a:extLst>
         </p:spPr>
@@ -26462,7 +27480,7 @@
           </a:ln>
           <a:extLst>
             <a:ext uri="{C572A759-6A51-4108-AA02-DFA0A04FC94B}">
-              <ma14:wrappingTextBoxFlag xmlns:ma14="http://schemas.microsoft.com/office/mac/drawingml/2011/main" xmlns:a14="http://schemas.microsoft.com/office/drawing/2010/main" xmlns:m="http://schemas.openxmlformats.org/officeDocument/2006/math" xmlns="" val="1"/>
+              <ma14:wrappingTextBoxFlag xmlns="" xmlns:m="http://schemas.openxmlformats.org/officeDocument/2006/math" xmlns:a14="http://schemas.microsoft.com/office/drawing/2010/main" xmlns:ma14="http://schemas.microsoft.com/office/mac/drawingml/2011/main" val="1"/>
             </a:ext>
           </a:extLst>
         </p:spPr>
@@ -26512,7 +27530,7 @@
           </a:ln>
           <a:extLst>
             <a:ext uri="{C572A759-6A51-4108-AA02-DFA0A04FC94B}">
-              <ma14:wrappingTextBoxFlag xmlns:ma14="http://schemas.microsoft.com/office/mac/drawingml/2011/main" xmlns:a14="http://schemas.microsoft.com/office/drawing/2010/main" xmlns:m="http://schemas.openxmlformats.org/officeDocument/2006/math" xmlns="" val="1"/>
+              <ma14:wrappingTextBoxFlag xmlns="" xmlns:m="http://schemas.openxmlformats.org/officeDocument/2006/math" xmlns:a14="http://schemas.microsoft.com/office/drawing/2010/main" xmlns:ma14="http://schemas.microsoft.com/office/mac/drawingml/2011/main" val="1"/>
             </a:ext>
           </a:extLst>
         </p:spPr>
@@ -26562,7 +27580,7 @@
           </a:ln>
           <a:extLst>
             <a:ext uri="{C572A759-6A51-4108-AA02-DFA0A04FC94B}">
-              <ma14:wrappingTextBoxFlag xmlns:ma14="http://schemas.microsoft.com/office/mac/drawingml/2011/main" xmlns:a14="http://schemas.microsoft.com/office/drawing/2010/main" xmlns:m="http://schemas.openxmlformats.org/officeDocument/2006/math" xmlns="" val="1"/>
+              <ma14:wrappingTextBoxFlag xmlns="" xmlns:m="http://schemas.openxmlformats.org/officeDocument/2006/math" xmlns:a14="http://schemas.microsoft.com/office/drawing/2010/main" xmlns:ma14="http://schemas.microsoft.com/office/mac/drawingml/2011/main" val="1"/>
             </a:ext>
           </a:extLst>
         </p:spPr>
@@ -26612,7 +27630,7 @@
           </a:ln>
           <a:extLst>
             <a:ext uri="{C572A759-6A51-4108-AA02-DFA0A04FC94B}">
-              <ma14:wrappingTextBoxFlag xmlns:ma14="http://schemas.microsoft.com/office/mac/drawingml/2011/main" xmlns:a14="http://schemas.microsoft.com/office/drawing/2010/main" xmlns:m="http://schemas.openxmlformats.org/officeDocument/2006/math" xmlns="" val="1"/>
+              <ma14:wrappingTextBoxFlag xmlns="" xmlns:m="http://schemas.openxmlformats.org/officeDocument/2006/math" xmlns:a14="http://schemas.microsoft.com/office/drawing/2010/main" xmlns:ma14="http://schemas.microsoft.com/office/mac/drawingml/2011/main" val="1"/>
             </a:ext>
           </a:extLst>
         </p:spPr>
@@ -26662,7 +27680,7 @@
           </a:ln>
           <a:extLst>
             <a:ext uri="{C572A759-6A51-4108-AA02-DFA0A04FC94B}">
-              <ma14:wrappingTextBoxFlag xmlns:ma14="http://schemas.microsoft.com/office/mac/drawingml/2011/main" xmlns:a14="http://schemas.microsoft.com/office/drawing/2010/main" xmlns:m="http://schemas.openxmlformats.org/officeDocument/2006/math" xmlns="" val="1"/>
+              <ma14:wrappingTextBoxFlag xmlns="" xmlns:m="http://schemas.openxmlformats.org/officeDocument/2006/math" xmlns:a14="http://schemas.microsoft.com/office/drawing/2010/main" xmlns:ma14="http://schemas.microsoft.com/office/mac/drawingml/2011/main" val="1"/>
             </a:ext>
           </a:extLst>
         </p:spPr>
@@ -26712,7 +27730,7 @@
           </a:ln>
           <a:extLst>
             <a:ext uri="{C572A759-6A51-4108-AA02-DFA0A04FC94B}">
-              <ma14:wrappingTextBoxFlag xmlns:ma14="http://schemas.microsoft.com/office/mac/drawingml/2011/main" xmlns:a14="http://schemas.microsoft.com/office/drawing/2010/main" xmlns:m="http://schemas.openxmlformats.org/officeDocument/2006/math" xmlns="" val="1"/>
+              <ma14:wrappingTextBoxFlag xmlns="" xmlns:m="http://schemas.openxmlformats.org/officeDocument/2006/math" xmlns:a14="http://schemas.microsoft.com/office/drawing/2010/main" xmlns:ma14="http://schemas.microsoft.com/office/mac/drawingml/2011/main" val="1"/>
             </a:ext>
           </a:extLst>
         </p:spPr>
@@ -26762,7 +27780,7 @@
           </a:ln>
           <a:extLst>
             <a:ext uri="{C572A759-6A51-4108-AA02-DFA0A04FC94B}">
-              <ma14:wrappingTextBoxFlag xmlns:ma14="http://schemas.microsoft.com/office/mac/drawingml/2011/main" xmlns:a14="http://schemas.microsoft.com/office/drawing/2010/main" xmlns:m="http://schemas.openxmlformats.org/officeDocument/2006/math" xmlns="" val="1"/>
+              <ma14:wrappingTextBoxFlag xmlns="" xmlns:m="http://schemas.openxmlformats.org/officeDocument/2006/math" xmlns:a14="http://schemas.microsoft.com/office/drawing/2010/main" xmlns:ma14="http://schemas.microsoft.com/office/mac/drawingml/2011/main" val="1"/>
             </a:ext>
           </a:extLst>
         </p:spPr>
@@ -26812,7 +27830,7 @@
           </a:ln>
           <a:extLst>
             <a:ext uri="{C572A759-6A51-4108-AA02-DFA0A04FC94B}">
-              <ma14:wrappingTextBoxFlag xmlns:ma14="http://schemas.microsoft.com/office/mac/drawingml/2011/main" xmlns:a14="http://schemas.microsoft.com/office/drawing/2010/main" xmlns:m="http://schemas.openxmlformats.org/officeDocument/2006/math" xmlns="" val="1"/>
+              <ma14:wrappingTextBoxFlag xmlns="" xmlns:m="http://schemas.openxmlformats.org/officeDocument/2006/math" xmlns:a14="http://schemas.microsoft.com/office/drawing/2010/main" xmlns:ma14="http://schemas.microsoft.com/office/mac/drawingml/2011/main" val="1"/>
             </a:ext>
           </a:extLst>
         </p:spPr>
@@ -26862,7 +27880,7 @@
           </a:ln>
           <a:extLst>
             <a:ext uri="{C572A759-6A51-4108-AA02-DFA0A04FC94B}">
-              <ma14:wrappingTextBoxFlag xmlns:ma14="http://schemas.microsoft.com/office/mac/drawingml/2011/main" xmlns:a14="http://schemas.microsoft.com/office/drawing/2010/main" xmlns:m="http://schemas.openxmlformats.org/officeDocument/2006/math" xmlns="" val="1"/>
+              <ma14:wrappingTextBoxFlag xmlns="" xmlns:m="http://schemas.openxmlformats.org/officeDocument/2006/math" xmlns:a14="http://schemas.microsoft.com/office/drawing/2010/main" xmlns:ma14="http://schemas.microsoft.com/office/mac/drawingml/2011/main" val="1"/>
             </a:ext>
           </a:extLst>
         </p:spPr>
@@ -26912,7 +27930,7 @@
           </a:ln>
           <a:extLst>
             <a:ext uri="{C572A759-6A51-4108-AA02-DFA0A04FC94B}">
-              <ma14:wrappingTextBoxFlag xmlns:ma14="http://schemas.microsoft.com/office/mac/drawingml/2011/main" xmlns:a14="http://schemas.microsoft.com/office/drawing/2010/main" xmlns:m="http://schemas.openxmlformats.org/officeDocument/2006/math" xmlns="" val="1"/>
+              <ma14:wrappingTextBoxFlag xmlns="" xmlns:m="http://schemas.openxmlformats.org/officeDocument/2006/math" xmlns:a14="http://schemas.microsoft.com/office/drawing/2010/main" xmlns:ma14="http://schemas.microsoft.com/office/mac/drawingml/2011/main" val="1"/>
             </a:ext>
           </a:extLst>
         </p:spPr>
@@ -26962,7 +27980,7 @@
           </a:ln>
           <a:extLst>
             <a:ext uri="{C572A759-6A51-4108-AA02-DFA0A04FC94B}">
-              <ma14:wrappingTextBoxFlag xmlns:ma14="http://schemas.microsoft.com/office/mac/drawingml/2011/main" xmlns:a14="http://schemas.microsoft.com/office/drawing/2010/main" xmlns:m="http://schemas.openxmlformats.org/officeDocument/2006/math" xmlns="" val="1"/>
+              <ma14:wrappingTextBoxFlag xmlns="" xmlns:m="http://schemas.openxmlformats.org/officeDocument/2006/math" xmlns:a14="http://schemas.microsoft.com/office/drawing/2010/main" xmlns:ma14="http://schemas.microsoft.com/office/mac/drawingml/2011/main" val="1"/>
             </a:ext>
           </a:extLst>
         </p:spPr>
@@ -27012,7 +28030,7 @@
           </a:ln>
           <a:extLst>
             <a:ext uri="{C572A759-6A51-4108-AA02-DFA0A04FC94B}">
-              <ma14:wrappingTextBoxFlag xmlns:ma14="http://schemas.microsoft.com/office/mac/drawingml/2011/main" xmlns:a14="http://schemas.microsoft.com/office/drawing/2010/main" xmlns:m="http://schemas.openxmlformats.org/officeDocument/2006/math" xmlns="" val="1"/>
+              <ma14:wrappingTextBoxFlag xmlns="" xmlns:m="http://schemas.openxmlformats.org/officeDocument/2006/math" xmlns:a14="http://schemas.microsoft.com/office/drawing/2010/main" xmlns:ma14="http://schemas.microsoft.com/office/mac/drawingml/2011/main" val="1"/>
             </a:ext>
           </a:extLst>
         </p:spPr>
@@ -27062,7 +28080,7 @@
           </a:ln>
           <a:extLst>
             <a:ext uri="{C572A759-6A51-4108-AA02-DFA0A04FC94B}">
-              <ma14:wrappingTextBoxFlag xmlns:ma14="http://schemas.microsoft.com/office/mac/drawingml/2011/main" xmlns:a14="http://schemas.microsoft.com/office/drawing/2010/main" xmlns:m="http://schemas.openxmlformats.org/officeDocument/2006/math" xmlns="" val="1"/>
+              <ma14:wrappingTextBoxFlag xmlns="" xmlns:m="http://schemas.openxmlformats.org/officeDocument/2006/math" xmlns:a14="http://schemas.microsoft.com/office/drawing/2010/main" xmlns:ma14="http://schemas.microsoft.com/office/mac/drawingml/2011/main" val="1"/>
             </a:ext>
           </a:extLst>
         </p:spPr>
@@ -27112,7 +28130,7 @@
           </a:ln>
           <a:extLst>
             <a:ext uri="{C572A759-6A51-4108-AA02-DFA0A04FC94B}">
-              <ma14:wrappingTextBoxFlag xmlns:ma14="http://schemas.microsoft.com/office/mac/drawingml/2011/main" xmlns:a14="http://schemas.microsoft.com/office/drawing/2010/main" xmlns:m="http://schemas.openxmlformats.org/officeDocument/2006/math" xmlns="" val="1"/>
+              <ma14:wrappingTextBoxFlag xmlns="" xmlns:m="http://schemas.openxmlformats.org/officeDocument/2006/math" xmlns:a14="http://schemas.microsoft.com/office/drawing/2010/main" xmlns:ma14="http://schemas.microsoft.com/office/mac/drawingml/2011/main" val="1"/>
             </a:ext>
           </a:extLst>
         </p:spPr>
@@ -27162,7 +28180,7 @@
           </a:ln>
           <a:extLst>
             <a:ext uri="{C572A759-6A51-4108-AA02-DFA0A04FC94B}">
-              <ma14:wrappingTextBoxFlag xmlns:ma14="http://schemas.microsoft.com/office/mac/drawingml/2011/main" xmlns:a14="http://schemas.microsoft.com/office/drawing/2010/main" xmlns:m="http://schemas.openxmlformats.org/officeDocument/2006/math" xmlns="" val="1"/>
+              <ma14:wrappingTextBoxFlag xmlns="" xmlns:m="http://schemas.openxmlformats.org/officeDocument/2006/math" xmlns:a14="http://schemas.microsoft.com/office/drawing/2010/main" xmlns:ma14="http://schemas.microsoft.com/office/mac/drawingml/2011/main" val="1"/>
             </a:ext>
           </a:extLst>
         </p:spPr>
@@ -27212,7 +28230,7 @@
           </a:ln>
           <a:extLst>
             <a:ext uri="{C572A759-6A51-4108-AA02-DFA0A04FC94B}">
-              <ma14:wrappingTextBoxFlag xmlns:ma14="http://schemas.microsoft.com/office/mac/drawingml/2011/main" xmlns:a14="http://schemas.microsoft.com/office/drawing/2010/main" xmlns:m="http://schemas.openxmlformats.org/officeDocument/2006/math" xmlns="" val="1"/>
+              <ma14:wrappingTextBoxFlag xmlns="" xmlns:m="http://schemas.openxmlformats.org/officeDocument/2006/math" xmlns:a14="http://schemas.microsoft.com/office/drawing/2010/main" xmlns:ma14="http://schemas.microsoft.com/office/mac/drawingml/2011/main" val="1"/>
             </a:ext>
           </a:extLst>
         </p:spPr>
@@ -27262,7 +28280,7 @@
           </a:ln>
           <a:extLst>
             <a:ext uri="{C572A759-6A51-4108-AA02-DFA0A04FC94B}">
-              <ma14:wrappingTextBoxFlag xmlns:ma14="http://schemas.microsoft.com/office/mac/drawingml/2011/main" xmlns:a14="http://schemas.microsoft.com/office/drawing/2010/main" xmlns:m="http://schemas.openxmlformats.org/officeDocument/2006/math" xmlns="" val="1"/>
+              <ma14:wrappingTextBoxFlag xmlns="" xmlns:m="http://schemas.openxmlformats.org/officeDocument/2006/math" xmlns:a14="http://schemas.microsoft.com/office/drawing/2010/main" xmlns:ma14="http://schemas.microsoft.com/office/mac/drawingml/2011/main" val="1"/>
             </a:ext>
           </a:extLst>
         </p:spPr>
@@ -27312,7 +28330,7 @@
           </a:ln>
           <a:extLst>
             <a:ext uri="{C572A759-6A51-4108-AA02-DFA0A04FC94B}">
-              <ma14:wrappingTextBoxFlag xmlns:ma14="http://schemas.microsoft.com/office/mac/drawingml/2011/main" xmlns:a14="http://schemas.microsoft.com/office/drawing/2010/main" xmlns:m="http://schemas.openxmlformats.org/officeDocument/2006/math" xmlns="" val="1"/>
+              <ma14:wrappingTextBoxFlag xmlns="" xmlns:m="http://schemas.openxmlformats.org/officeDocument/2006/math" xmlns:a14="http://schemas.microsoft.com/office/drawing/2010/main" xmlns:ma14="http://schemas.microsoft.com/office/mac/drawingml/2011/main" val="1"/>
             </a:ext>
           </a:extLst>
         </p:spPr>
@@ -27362,7 +28380,7 @@
           </a:ln>
           <a:extLst>
             <a:ext uri="{C572A759-6A51-4108-AA02-DFA0A04FC94B}">
-              <ma14:wrappingTextBoxFlag xmlns:ma14="http://schemas.microsoft.com/office/mac/drawingml/2011/main" xmlns:a14="http://schemas.microsoft.com/office/drawing/2010/main" xmlns:m="http://schemas.openxmlformats.org/officeDocument/2006/math" xmlns="" val="1"/>
+              <ma14:wrappingTextBoxFlag xmlns="" xmlns:m="http://schemas.openxmlformats.org/officeDocument/2006/math" xmlns:a14="http://schemas.microsoft.com/office/drawing/2010/main" xmlns:ma14="http://schemas.microsoft.com/office/mac/drawingml/2011/main" val="1"/>
             </a:ext>
           </a:extLst>
         </p:spPr>
@@ -27412,7 +28430,7 @@
           </a:ln>
           <a:extLst>
             <a:ext uri="{C572A759-6A51-4108-AA02-DFA0A04FC94B}">
-              <ma14:wrappingTextBoxFlag xmlns:ma14="http://schemas.microsoft.com/office/mac/drawingml/2011/main" xmlns:a14="http://schemas.microsoft.com/office/drawing/2010/main" xmlns:m="http://schemas.openxmlformats.org/officeDocument/2006/math" xmlns="" val="1"/>
+              <ma14:wrappingTextBoxFlag xmlns="" xmlns:m="http://schemas.openxmlformats.org/officeDocument/2006/math" xmlns:a14="http://schemas.microsoft.com/office/drawing/2010/main" xmlns:ma14="http://schemas.microsoft.com/office/mac/drawingml/2011/main" val="1"/>
             </a:ext>
           </a:extLst>
         </p:spPr>
@@ -27462,7 +28480,7 @@
           </a:ln>
           <a:extLst>
             <a:ext uri="{C572A759-6A51-4108-AA02-DFA0A04FC94B}">
-              <ma14:wrappingTextBoxFlag xmlns:ma14="http://schemas.microsoft.com/office/mac/drawingml/2011/main" xmlns:a14="http://schemas.microsoft.com/office/drawing/2010/main" xmlns:m="http://schemas.openxmlformats.org/officeDocument/2006/math" xmlns="" val="1"/>
+              <ma14:wrappingTextBoxFlag xmlns="" xmlns:m="http://schemas.openxmlformats.org/officeDocument/2006/math" xmlns:a14="http://schemas.microsoft.com/office/drawing/2010/main" xmlns:ma14="http://schemas.microsoft.com/office/mac/drawingml/2011/main" val="1"/>
             </a:ext>
           </a:extLst>
         </p:spPr>
@@ -27512,7 +28530,7 @@
           </a:ln>
           <a:extLst>
             <a:ext uri="{C572A759-6A51-4108-AA02-DFA0A04FC94B}">
-              <ma14:wrappingTextBoxFlag xmlns:ma14="http://schemas.microsoft.com/office/mac/drawingml/2011/main" xmlns:a14="http://schemas.microsoft.com/office/drawing/2010/main" xmlns:m="http://schemas.openxmlformats.org/officeDocument/2006/math" xmlns="" val="1"/>
+              <ma14:wrappingTextBoxFlag xmlns="" xmlns:m="http://schemas.openxmlformats.org/officeDocument/2006/math" xmlns:a14="http://schemas.microsoft.com/office/drawing/2010/main" xmlns:ma14="http://schemas.microsoft.com/office/mac/drawingml/2011/main" val="1"/>
             </a:ext>
           </a:extLst>
         </p:spPr>
@@ -27562,7 +28580,7 @@
           </a:ln>
           <a:extLst>
             <a:ext uri="{C572A759-6A51-4108-AA02-DFA0A04FC94B}">
-              <ma14:wrappingTextBoxFlag xmlns:ma14="http://schemas.microsoft.com/office/mac/drawingml/2011/main" xmlns:a14="http://schemas.microsoft.com/office/drawing/2010/main" xmlns:m="http://schemas.openxmlformats.org/officeDocument/2006/math" xmlns="" val="1"/>
+              <ma14:wrappingTextBoxFlag xmlns="" xmlns:m="http://schemas.openxmlformats.org/officeDocument/2006/math" xmlns:a14="http://schemas.microsoft.com/office/drawing/2010/main" xmlns:ma14="http://schemas.microsoft.com/office/mac/drawingml/2011/main" val="1"/>
             </a:ext>
           </a:extLst>
         </p:spPr>
@@ -27612,7 +28630,7 @@
           </a:ln>
           <a:extLst>
             <a:ext uri="{C572A759-6A51-4108-AA02-DFA0A04FC94B}">
-              <ma14:wrappingTextBoxFlag xmlns:ma14="http://schemas.microsoft.com/office/mac/drawingml/2011/main" xmlns:a14="http://schemas.microsoft.com/office/drawing/2010/main" xmlns:m="http://schemas.openxmlformats.org/officeDocument/2006/math" xmlns="" val="1"/>
+              <ma14:wrappingTextBoxFlag xmlns="" xmlns:m="http://schemas.openxmlformats.org/officeDocument/2006/math" xmlns:a14="http://schemas.microsoft.com/office/drawing/2010/main" xmlns:ma14="http://schemas.microsoft.com/office/mac/drawingml/2011/main" val="1"/>
             </a:ext>
           </a:extLst>
         </p:spPr>
@@ -27662,7 +28680,7 @@
           </a:ln>
           <a:extLst>
             <a:ext uri="{C572A759-6A51-4108-AA02-DFA0A04FC94B}">
-              <ma14:wrappingTextBoxFlag xmlns:ma14="http://schemas.microsoft.com/office/mac/drawingml/2011/main" xmlns:a14="http://schemas.microsoft.com/office/drawing/2010/main" xmlns:m="http://schemas.openxmlformats.org/officeDocument/2006/math" xmlns="" val="1"/>
+              <ma14:wrappingTextBoxFlag xmlns="" xmlns:m="http://schemas.openxmlformats.org/officeDocument/2006/math" xmlns:a14="http://schemas.microsoft.com/office/drawing/2010/main" xmlns:ma14="http://schemas.microsoft.com/office/mac/drawingml/2011/main" val="1"/>
             </a:ext>
           </a:extLst>
         </p:spPr>
@@ -27712,7 +28730,7 @@
           </a:ln>
           <a:extLst>
             <a:ext uri="{C572A759-6A51-4108-AA02-DFA0A04FC94B}">
-              <ma14:wrappingTextBoxFlag xmlns:ma14="http://schemas.microsoft.com/office/mac/drawingml/2011/main" xmlns:a14="http://schemas.microsoft.com/office/drawing/2010/main" xmlns:m="http://schemas.openxmlformats.org/officeDocument/2006/math" xmlns="" val="1"/>
+              <ma14:wrappingTextBoxFlag xmlns="" xmlns:m="http://schemas.openxmlformats.org/officeDocument/2006/math" xmlns:a14="http://schemas.microsoft.com/office/drawing/2010/main" xmlns:ma14="http://schemas.microsoft.com/office/mac/drawingml/2011/main" val="1"/>
             </a:ext>
           </a:extLst>
         </p:spPr>
@@ -27762,7 +28780,7 @@
           </a:ln>
           <a:extLst>
             <a:ext uri="{C572A759-6A51-4108-AA02-DFA0A04FC94B}">
-              <ma14:wrappingTextBoxFlag xmlns:ma14="http://schemas.microsoft.com/office/mac/drawingml/2011/main" xmlns:a14="http://schemas.microsoft.com/office/drawing/2010/main" xmlns:m="http://schemas.openxmlformats.org/officeDocument/2006/math" xmlns="" val="1"/>
+              <ma14:wrappingTextBoxFlag xmlns="" xmlns:m="http://schemas.openxmlformats.org/officeDocument/2006/math" xmlns:a14="http://schemas.microsoft.com/office/drawing/2010/main" xmlns:ma14="http://schemas.microsoft.com/office/mac/drawingml/2011/main" val="1"/>
             </a:ext>
           </a:extLst>
         </p:spPr>
@@ -28108,7 +29126,7 @@
           </a:ln>
           <a:extLst>
             <a:ext uri="{C572A759-6A51-4108-AA02-DFA0A04FC94B}">
-              <ma14:wrappingTextBoxFlag xmlns:ma14="http://schemas.microsoft.com/office/mac/drawingml/2011/main" xmlns:a14="http://schemas.microsoft.com/office/drawing/2010/main" xmlns:m="http://schemas.openxmlformats.org/officeDocument/2006/math" xmlns="" val="1"/>
+              <ma14:wrappingTextBoxFlag xmlns="" xmlns:m="http://schemas.openxmlformats.org/officeDocument/2006/math" xmlns:a14="http://schemas.microsoft.com/office/drawing/2010/main" xmlns:ma14="http://schemas.microsoft.com/office/mac/drawingml/2011/main" val="1"/>
             </a:ext>
           </a:extLst>
         </p:spPr>
@@ -28171,7 +29189,7 @@
           </a:ln>
           <a:extLst>
             <a:ext uri="{C572A759-6A51-4108-AA02-DFA0A04FC94B}">
-              <ma14:wrappingTextBoxFlag xmlns:ma14="http://schemas.microsoft.com/office/mac/drawingml/2011/main" xmlns:a14="http://schemas.microsoft.com/office/drawing/2010/main" xmlns:m="http://schemas.openxmlformats.org/officeDocument/2006/math" xmlns="" val="1"/>
+              <ma14:wrappingTextBoxFlag xmlns="" xmlns:m="http://schemas.openxmlformats.org/officeDocument/2006/math" xmlns:a14="http://schemas.microsoft.com/office/drawing/2010/main" xmlns:ma14="http://schemas.microsoft.com/office/mac/drawingml/2011/main" val="1"/>
             </a:ext>
           </a:extLst>
         </p:spPr>
@@ -28409,7 +29427,7 @@
           </a:ln>
           <a:extLst>
             <a:ext uri="{C572A759-6A51-4108-AA02-DFA0A04FC94B}">
-              <ma14:wrappingTextBoxFlag xmlns:ma14="http://schemas.microsoft.com/office/mac/drawingml/2011/main" xmlns:a14="http://schemas.microsoft.com/office/drawing/2010/main" xmlns:m="http://schemas.openxmlformats.org/officeDocument/2006/math" xmlns="" val="1"/>
+              <ma14:wrappingTextBoxFlag xmlns="" xmlns:m="http://schemas.openxmlformats.org/officeDocument/2006/math" xmlns:a14="http://schemas.microsoft.com/office/drawing/2010/main" xmlns:ma14="http://schemas.microsoft.com/office/mac/drawingml/2011/main" val="1"/>
             </a:ext>
           </a:extLst>
         </p:spPr>
@@ -28871,7 +29889,7 @@
           </a:ln>
           <a:extLst>
             <a:ext uri="{C572A759-6A51-4108-AA02-DFA0A04FC94B}">
-              <ma14:wrappingTextBoxFlag xmlns="" xmlns:m="http://schemas.openxmlformats.org/officeDocument/2006/math" xmlns:a14="http://schemas.microsoft.com/office/drawing/2010/main" xmlns:ma14="http://schemas.microsoft.com/office/mac/drawingml/2011/main" val="1"/>
+              <ma14:wrappingTextBoxFlag xmlns:ma14="http://schemas.microsoft.com/office/mac/drawingml/2011/main" xmlns:a14="http://schemas.microsoft.com/office/drawing/2010/main" xmlns:m="http://schemas.openxmlformats.org/officeDocument/2006/math" xmlns="" val="1"/>
             </a:ext>
           </a:extLst>
         </p:spPr>
@@ -28921,7 +29939,7 @@
           </a:ln>
           <a:extLst>
             <a:ext uri="{C572A759-6A51-4108-AA02-DFA0A04FC94B}">
-              <ma14:wrappingTextBoxFlag xmlns="" xmlns:m="http://schemas.openxmlformats.org/officeDocument/2006/math" xmlns:a14="http://schemas.microsoft.com/office/drawing/2010/main" xmlns:ma14="http://schemas.microsoft.com/office/mac/drawingml/2011/main" val="1"/>
+              <ma14:wrappingTextBoxFlag xmlns:ma14="http://schemas.microsoft.com/office/mac/drawingml/2011/main" xmlns:a14="http://schemas.microsoft.com/office/drawing/2010/main" xmlns:m="http://schemas.openxmlformats.org/officeDocument/2006/math" xmlns="" val="1"/>
             </a:ext>
           </a:extLst>
         </p:spPr>
@@ -28971,7 +29989,7 @@
           </a:ln>
           <a:extLst>
             <a:ext uri="{C572A759-6A51-4108-AA02-DFA0A04FC94B}">
-              <ma14:wrappingTextBoxFlag xmlns="" xmlns:m="http://schemas.openxmlformats.org/officeDocument/2006/math" xmlns:a14="http://schemas.microsoft.com/office/drawing/2010/main" xmlns:ma14="http://schemas.microsoft.com/office/mac/drawingml/2011/main" val="1"/>
+              <ma14:wrappingTextBoxFlag xmlns:ma14="http://schemas.microsoft.com/office/mac/drawingml/2011/main" xmlns:a14="http://schemas.microsoft.com/office/drawing/2010/main" xmlns:m="http://schemas.openxmlformats.org/officeDocument/2006/math" xmlns="" val="1"/>
             </a:ext>
           </a:extLst>
         </p:spPr>
@@ -29021,7 +30039,7 @@
           </a:ln>
           <a:extLst>
             <a:ext uri="{C572A759-6A51-4108-AA02-DFA0A04FC94B}">
-              <ma14:wrappingTextBoxFlag xmlns="" xmlns:m="http://schemas.openxmlformats.org/officeDocument/2006/math" xmlns:a14="http://schemas.microsoft.com/office/drawing/2010/main" xmlns:ma14="http://schemas.microsoft.com/office/mac/drawingml/2011/main" val="1"/>
+              <ma14:wrappingTextBoxFlag xmlns:ma14="http://schemas.microsoft.com/office/mac/drawingml/2011/main" xmlns:a14="http://schemas.microsoft.com/office/drawing/2010/main" xmlns:m="http://schemas.openxmlformats.org/officeDocument/2006/math" xmlns="" val="1"/>
             </a:ext>
           </a:extLst>
         </p:spPr>
@@ -29071,7 +30089,7 @@
           </a:ln>
           <a:extLst>
             <a:ext uri="{C572A759-6A51-4108-AA02-DFA0A04FC94B}">
-              <ma14:wrappingTextBoxFlag xmlns="" xmlns:m="http://schemas.openxmlformats.org/officeDocument/2006/math" xmlns:a14="http://schemas.microsoft.com/office/drawing/2010/main" xmlns:ma14="http://schemas.microsoft.com/office/mac/drawingml/2011/main" val="1"/>
+              <ma14:wrappingTextBoxFlag xmlns:ma14="http://schemas.microsoft.com/office/mac/drawingml/2011/main" xmlns:a14="http://schemas.microsoft.com/office/drawing/2010/main" xmlns:m="http://schemas.openxmlformats.org/officeDocument/2006/math" xmlns="" val="1"/>
             </a:ext>
           </a:extLst>
         </p:spPr>
@@ -29121,7 +30139,7 @@
           </a:ln>
           <a:extLst>
             <a:ext uri="{C572A759-6A51-4108-AA02-DFA0A04FC94B}">
-              <ma14:wrappingTextBoxFlag xmlns="" xmlns:m="http://schemas.openxmlformats.org/officeDocument/2006/math" xmlns:a14="http://schemas.microsoft.com/office/drawing/2010/main" xmlns:ma14="http://schemas.microsoft.com/office/mac/drawingml/2011/main" val="1"/>
+              <ma14:wrappingTextBoxFlag xmlns:ma14="http://schemas.microsoft.com/office/mac/drawingml/2011/main" xmlns:a14="http://schemas.microsoft.com/office/drawing/2010/main" xmlns:m="http://schemas.openxmlformats.org/officeDocument/2006/math" xmlns="" val="1"/>
             </a:ext>
           </a:extLst>
         </p:spPr>
@@ -29171,7 +30189,7 @@
           </a:ln>
           <a:extLst>
             <a:ext uri="{C572A759-6A51-4108-AA02-DFA0A04FC94B}">
-              <ma14:wrappingTextBoxFlag xmlns="" xmlns:m="http://schemas.openxmlformats.org/officeDocument/2006/math" xmlns:a14="http://schemas.microsoft.com/office/drawing/2010/main" xmlns:ma14="http://schemas.microsoft.com/office/mac/drawingml/2011/main" val="1"/>
+              <ma14:wrappingTextBoxFlag xmlns:ma14="http://schemas.microsoft.com/office/mac/drawingml/2011/main" xmlns:a14="http://schemas.microsoft.com/office/drawing/2010/main" xmlns:m="http://schemas.openxmlformats.org/officeDocument/2006/math" xmlns="" val="1"/>
             </a:ext>
           </a:extLst>
         </p:spPr>
@@ -29221,7 +30239,7 @@
           </a:ln>
           <a:extLst>
             <a:ext uri="{C572A759-6A51-4108-AA02-DFA0A04FC94B}">
-              <ma14:wrappingTextBoxFlag xmlns="" xmlns:m="http://schemas.openxmlformats.org/officeDocument/2006/math" xmlns:a14="http://schemas.microsoft.com/office/drawing/2010/main" xmlns:ma14="http://schemas.microsoft.com/office/mac/drawingml/2011/main" val="1"/>
+              <ma14:wrappingTextBoxFlag xmlns:ma14="http://schemas.microsoft.com/office/mac/drawingml/2011/main" xmlns:a14="http://schemas.microsoft.com/office/drawing/2010/main" xmlns:m="http://schemas.openxmlformats.org/officeDocument/2006/math" xmlns="" val="1"/>
             </a:ext>
           </a:extLst>
         </p:spPr>
@@ -29271,7 +30289,7 @@
           </a:ln>
           <a:extLst>
             <a:ext uri="{C572A759-6A51-4108-AA02-DFA0A04FC94B}">
-              <ma14:wrappingTextBoxFlag xmlns="" xmlns:m="http://schemas.openxmlformats.org/officeDocument/2006/math" xmlns:a14="http://schemas.microsoft.com/office/drawing/2010/main" xmlns:ma14="http://schemas.microsoft.com/office/mac/drawingml/2011/main" val="1"/>
+              <ma14:wrappingTextBoxFlag xmlns:ma14="http://schemas.microsoft.com/office/mac/drawingml/2011/main" xmlns:a14="http://schemas.microsoft.com/office/drawing/2010/main" xmlns:m="http://schemas.openxmlformats.org/officeDocument/2006/math" xmlns="" val="1"/>
             </a:ext>
           </a:extLst>
         </p:spPr>
@@ -29321,7 +30339,7 @@
           </a:ln>
           <a:extLst>
             <a:ext uri="{C572A759-6A51-4108-AA02-DFA0A04FC94B}">
-              <ma14:wrappingTextBoxFlag xmlns="" xmlns:m="http://schemas.openxmlformats.org/officeDocument/2006/math" xmlns:a14="http://schemas.microsoft.com/office/drawing/2010/main" xmlns:ma14="http://schemas.microsoft.com/office/mac/drawingml/2011/main" val="1"/>
+              <ma14:wrappingTextBoxFlag xmlns:ma14="http://schemas.microsoft.com/office/mac/drawingml/2011/main" xmlns:a14="http://schemas.microsoft.com/office/drawing/2010/main" xmlns:m="http://schemas.openxmlformats.org/officeDocument/2006/math" xmlns="" val="1"/>
             </a:ext>
           </a:extLst>
         </p:spPr>
@@ -29371,7 +30389,7 @@
           </a:ln>
           <a:extLst>
             <a:ext uri="{C572A759-6A51-4108-AA02-DFA0A04FC94B}">
-              <ma14:wrappingTextBoxFlag xmlns="" xmlns:m="http://schemas.openxmlformats.org/officeDocument/2006/math" xmlns:a14="http://schemas.microsoft.com/office/drawing/2010/main" xmlns:ma14="http://schemas.microsoft.com/office/mac/drawingml/2011/main" val="1"/>
+              <ma14:wrappingTextBoxFlag xmlns:ma14="http://schemas.microsoft.com/office/mac/drawingml/2011/main" xmlns:a14="http://schemas.microsoft.com/office/drawing/2010/main" xmlns:m="http://schemas.openxmlformats.org/officeDocument/2006/math" xmlns="" val="1"/>
             </a:ext>
           </a:extLst>
         </p:spPr>
@@ -29421,7 +30439,7 @@
           </a:ln>
           <a:extLst>
             <a:ext uri="{C572A759-6A51-4108-AA02-DFA0A04FC94B}">
-              <ma14:wrappingTextBoxFlag xmlns="" xmlns:m="http://schemas.openxmlformats.org/officeDocument/2006/math" xmlns:a14="http://schemas.microsoft.com/office/drawing/2010/main" xmlns:ma14="http://schemas.microsoft.com/office/mac/drawingml/2011/main" val="1"/>
+              <ma14:wrappingTextBoxFlag xmlns:ma14="http://schemas.microsoft.com/office/mac/drawingml/2011/main" xmlns:a14="http://schemas.microsoft.com/office/drawing/2010/main" xmlns:m="http://schemas.openxmlformats.org/officeDocument/2006/math" xmlns="" val="1"/>
             </a:ext>
           </a:extLst>
         </p:spPr>
@@ -29471,7 +30489,7 @@
           </a:ln>
           <a:extLst>
             <a:ext uri="{C572A759-6A51-4108-AA02-DFA0A04FC94B}">
-              <ma14:wrappingTextBoxFlag xmlns="" xmlns:m="http://schemas.openxmlformats.org/officeDocument/2006/math" xmlns:a14="http://schemas.microsoft.com/office/drawing/2010/main" xmlns:ma14="http://schemas.microsoft.com/office/mac/drawingml/2011/main" val="1"/>
+              <ma14:wrappingTextBoxFlag xmlns:ma14="http://schemas.microsoft.com/office/mac/drawingml/2011/main" xmlns:a14="http://schemas.microsoft.com/office/drawing/2010/main" xmlns:m="http://schemas.openxmlformats.org/officeDocument/2006/math" xmlns="" val="1"/>
             </a:ext>
           </a:extLst>
         </p:spPr>
@@ -29521,7 +30539,7 @@
           </a:ln>
           <a:extLst>
             <a:ext uri="{C572A759-6A51-4108-AA02-DFA0A04FC94B}">
-              <ma14:wrappingTextBoxFlag xmlns="" xmlns:m="http://schemas.openxmlformats.org/officeDocument/2006/math" xmlns:a14="http://schemas.microsoft.com/office/drawing/2010/main" xmlns:ma14="http://schemas.microsoft.com/office/mac/drawingml/2011/main" val="1"/>
+              <ma14:wrappingTextBoxFlag xmlns:ma14="http://schemas.microsoft.com/office/mac/drawingml/2011/main" xmlns:a14="http://schemas.microsoft.com/office/drawing/2010/main" xmlns:m="http://schemas.openxmlformats.org/officeDocument/2006/math" xmlns="" val="1"/>
             </a:ext>
           </a:extLst>
         </p:spPr>
@@ -29571,7 +30589,7 @@
           </a:ln>
           <a:extLst>
             <a:ext uri="{C572A759-6A51-4108-AA02-DFA0A04FC94B}">
-              <ma14:wrappingTextBoxFlag xmlns="" xmlns:m="http://schemas.openxmlformats.org/officeDocument/2006/math" xmlns:a14="http://schemas.microsoft.com/office/drawing/2010/main" xmlns:ma14="http://schemas.microsoft.com/office/mac/drawingml/2011/main" val="1"/>
+              <ma14:wrappingTextBoxFlag xmlns:ma14="http://schemas.microsoft.com/office/mac/drawingml/2011/main" xmlns:a14="http://schemas.microsoft.com/office/drawing/2010/main" xmlns:m="http://schemas.openxmlformats.org/officeDocument/2006/math" xmlns="" val="1"/>
             </a:ext>
           </a:extLst>
         </p:spPr>
@@ -29621,7 +30639,7 @@
           </a:ln>
           <a:extLst>
             <a:ext uri="{C572A759-6A51-4108-AA02-DFA0A04FC94B}">
-              <ma14:wrappingTextBoxFlag xmlns="" xmlns:m="http://schemas.openxmlformats.org/officeDocument/2006/math" xmlns:a14="http://schemas.microsoft.com/office/drawing/2010/main" xmlns:ma14="http://schemas.microsoft.com/office/mac/drawingml/2011/main" val="1"/>
+              <ma14:wrappingTextBoxFlag xmlns:ma14="http://schemas.microsoft.com/office/mac/drawingml/2011/main" xmlns:a14="http://schemas.microsoft.com/office/drawing/2010/main" xmlns:m="http://schemas.openxmlformats.org/officeDocument/2006/math" xmlns="" val="1"/>
             </a:ext>
           </a:extLst>
         </p:spPr>
@@ -29671,7 +30689,7 @@
           </a:ln>
           <a:extLst>
             <a:ext uri="{C572A759-6A51-4108-AA02-DFA0A04FC94B}">
-              <ma14:wrappingTextBoxFlag xmlns="" xmlns:m="http://schemas.openxmlformats.org/officeDocument/2006/math" xmlns:a14="http://schemas.microsoft.com/office/drawing/2010/main" xmlns:ma14="http://schemas.microsoft.com/office/mac/drawingml/2011/main" val="1"/>
+              <ma14:wrappingTextBoxFlag xmlns:ma14="http://schemas.microsoft.com/office/mac/drawingml/2011/main" xmlns:a14="http://schemas.microsoft.com/office/drawing/2010/main" xmlns:m="http://schemas.openxmlformats.org/officeDocument/2006/math" xmlns="" val="1"/>
             </a:ext>
           </a:extLst>
         </p:spPr>
@@ -29721,7 +30739,7 @@
           </a:ln>
           <a:extLst>
             <a:ext uri="{C572A759-6A51-4108-AA02-DFA0A04FC94B}">
-              <ma14:wrappingTextBoxFlag xmlns="" xmlns:m="http://schemas.openxmlformats.org/officeDocument/2006/math" xmlns:a14="http://schemas.microsoft.com/office/drawing/2010/main" xmlns:ma14="http://schemas.microsoft.com/office/mac/drawingml/2011/main" val="1"/>
+              <ma14:wrappingTextBoxFlag xmlns:ma14="http://schemas.microsoft.com/office/mac/drawingml/2011/main" xmlns:a14="http://schemas.microsoft.com/office/drawing/2010/main" xmlns:m="http://schemas.openxmlformats.org/officeDocument/2006/math" xmlns="" val="1"/>
             </a:ext>
           </a:extLst>
         </p:spPr>
@@ -29771,7 +30789,7 @@
           </a:ln>
           <a:extLst>
             <a:ext uri="{C572A759-6A51-4108-AA02-DFA0A04FC94B}">
-              <ma14:wrappingTextBoxFlag xmlns="" xmlns:m="http://schemas.openxmlformats.org/officeDocument/2006/math" xmlns:a14="http://schemas.microsoft.com/office/drawing/2010/main" xmlns:ma14="http://schemas.microsoft.com/office/mac/drawingml/2011/main" val="1"/>
+              <ma14:wrappingTextBoxFlag xmlns:ma14="http://schemas.microsoft.com/office/mac/drawingml/2011/main" xmlns:a14="http://schemas.microsoft.com/office/drawing/2010/main" xmlns:m="http://schemas.openxmlformats.org/officeDocument/2006/math" xmlns="" val="1"/>
             </a:ext>
           </a:extLst>
         </p:spPr>
@@ -29821,7 +30839,7 @@
           </a:ln>
           <a:extLst>
             <a:ext uri="{C572A759-6A51-4108-AA02-DFA0A04FC94B}">
-              <ma14:wrappingTextBoxFlag xmlns="" xmlns:m="http://schemas.openxmlformats.org/officeDocument/2006/math" xmlns:a14="http://schemas.microsoft.com/office/drawing/2010/main" xmlns:ma14="http://schemas.microsoft.com/office/mac/drawingml/2011/main" val="1"/>
+              <ma14:wrappingTextBoxFlag xmlns:ma14="http://schemas.microsoft.com/office/mac/drawingml/2011/main" xmlns:a14="http://schemas.microsoft.com/office/drawing/2010/main" xmlns:m="http://schemas.openxmlformats.org/officeDocument/2006/math" xmlns="" val="1"/>
             </a:ext>
           </a:extLst>
         </p:spPr>
@@ -29871,7 +30889,7 @@
           </a:ln>
           <a:extLst>
             <a:ext uri="{C572A759-6A51-4108-AA02-DFA0A04FC94B}">
-              <ma14:wrappingTextBoxFlag xmlns="" xmlns:m="http://schemas.openxmlformats.org/officeDocument/2006/math" xmlns:a14="http://schemas.microsoft.com/office/drawing/2010/main" xmlns:ma14="http://schemas.microsoft.com/office/mac/drawingml/2011/main" val="1"/>
+              <ma14:wrappingTextBoxFlag xmlns:ma14="http://schemas.microsoft.com/office/mac/drawingml/2011/main" xmlns:a14="http://schemas.microsoft.com/office/drawing/2010/main" xmlns:m="http://schemas.openxmlformats.org/officeDocument/2006/math" xmlns="" val="1"/>
             </a:ext>
           </a:extLst>
         </p:spPr>
@@ -29921,7 +30939,7 @@
           </a:ln>
           <a:extLst>
             <a:ext uri="{C572A759-6A51-4108-AA02-DFA0A04FC94B}">
-              <ma14:wrappingTextBoxFlag xmlns="" xmlns:m="http://schemas.openxmlformats.org/officeDocument/2006/math" xmlns:a14="http://schemas.microsoft.com/office/drawing/2010/main" xmlns:ma14="http://schemas.microsoft.com/office/mac/drawingml/2011/main" val="1"/>
+              <ma14:wrappingTextBoxFlag xmlns:ma14="http://schemas.microsoft.com/office/mac/drawingml/2011/main" xmlns:a14="http://schemas.microsoft.com/office/drawing/2010/main" xmlns:m="http://schemas.openxmlformats.org/officeDocument/2006/math" xmlns="" val="1"/>
             </a:ext>
           </a:extLst>
         </p:spPr>
@@ -29971,7 +30989,7 @@
           </a:ln>
           <a:extLst>
             <a:ext uri="{C572A759-6A51-4108-AA02-DFA0A04FC94B}">
-              <ma14:wrappingTextBoxFlag xmlns="" xmlns:m="http://schemas.openxmlformats.org/officeDocument/2006/math" xmlns:a14="http://schemas.microsoft.com/office/drawing/2010/main" xmlns:ma14="http://schemas.microsoft.com/office/mac/drawingml/2011/main" val="1"/>
+              <ma14:wrappingTextBoxFlag xmlns:ma14="http://schemas.microsoft.com/office/mac/drawingml/2011/main" xmlns:a14="http://schemas.microsoft.com/office/drawing/2010/main" xmlns:m="http://schemas.openxmlformats.org/officeDocument/2006/math" xmlns="" val="1"/>
             </a:ext>
           </a:extLst>
         </p:spPr>
@@ -30021,7 +31039,7 @@
           </a:ln>
           <a:extLst>
             <a:ext uri="{C572A759-6A51-4108-AA02-DFA0A04FC94B}">
-              <ma14:wrappingTextBoxFlag xmlns="" xmlns:m="http://schemas.openxmlformats.org/officeDocument/2006/math" xmlns:a14="http://schemas.microsoft.com/office/drawing/2010/main" xmlns:ma14="http://schemas.microsoft.com/office/mac/drawingml/2011/main" val="1"/>
+              <ma14:wrappingTextBoxFlag xmlns:ma14="http://schemas.microsoft.com/office/mac/drawingml/2011/main" xmlns:a14="http://schemas.microsoft.com/office/drawing/2010/main" xmlns:m="http://schemas.openxmlformats.org/officeDocument/2006/math" xmlns="" val="1"/>
             </a:ext>
           </a:extLst>
         </p:spPr>
@@ -30071,7 +31089,7 @@
           </a:ln>
           <a:extLst>
             <a:ext uri="{C572A759-6A51-4108-AA02-DFA0A04FC94B}">
-              <ma14:wrappingTextBoxFlag xmlns="" xmlns:m="http://schemas.openxmlformats.org/officeDocument/2006/math" xmlns:a14="http://schemas.microsoft.com/office/drawing/2010/main" xmlns:ma14="http://schemas.microsoft.com/office/mac/drawingml/2011/main" val="1"/>
+              <ma14:wrappingTextBoxFlag xmlns:ma14="http://schemas.microsoft.com/office/mac/drawingml/2011/main" xmlns:a14="http://schemas.microsoft.com/office/drawing/2010/main" xmlns:m="http://schemas.openxmlformats.org/officeDocument/2006/math" xmlns="" val="1"/>
             </a:ext>
           </a:extLst>
         </p:spPr>
@@ -30121,7 +31139,7 @@
           </a:ln>
           <a:extLst>
             <a:ext uri="{C572A759-6A51-4108-AA02-DFA0A04FC94B}">
-              <ma14:wrappingTextBoxFlag xmlns="" xmlns:m="http://schemas.openxmlformats.org/officeDocument/2006/math" xmlns:a14="http://schemas.microsoft.com/office/drawing/2010/main" xmlns:ma14="http://schemas.microsoft.com/office/mac/drawingml/2011/main" val="1"/>
+              <ma14:wrappingTextBoxFlag xmlns:ma14="http://schemas.microsoft.com/office/mac/drawingml/2011/main" xmlns:a14="http://schemas.microsoft.com/office/drawing/2010/main" xmlns:m="http://schemas.openxmlformats.org/officeDocument/2006/math" xmlns="" val="1"/>
             </a:ext>
           </a:extLst>
         </p:spPr>
@@ -30171,7 +31189,7 @@
           </a:ln>
           <a:extLst>
             <a:ext uri="{C572A759-6A51-4108-AA02-DFA0A04FC94B}">
-              <ma14:wrappingTextBoxFlag xmlns="" xmlns:m="http://schemas.openxmlformats.org/officeDocument/2006/math" xmlns:a14="http://schemas.microsoft.com/office/drawing/2010/main" xmlns:ma14="http://schemas.microsoft.com/office/mac/drawingml/2011/main" val="1"/>
+              <ma14:wrappingTextBoxFlag xmlns:ma14="http://schemas.microsoft.com/office/mac/drawingml/2011/main" xmlns:a14="http://schemas.microsoft.com/office/drawing/2010/main" xmlns:m="http://schemas.openxmlformats.org/officeDocument/2006/math" xmlns="" val="1"/>
             </a:ext>
           </a:extLst>
         </p:spPr>
@@ -30221,7 +31239,7 @@
           </a:ln>
           <a:extLst>
             <a:ext uri="{C572A759-6A51-4108-AA02-DFA0A04FC94B}">
-              <ma14:wrappingTextBoxFlag xmlns="" xmlns:m="http://schemas.openxmlformats.org/officeDocument/2006/math" xmlns:a14="http://schemas.microsoft.com/office/drawing/2010/main" xmlns:ma14="http://schemas.microsoft.com/office/mac/drawingml/2011/main" val="1"/>
+              <ma14:wrappingTextBoxFlag xmlns:ma14="http://schemas.microsoft.com/office/mac/drawingml/2011/main" xmlns:a14="http://schemas.microsoft.com/office/drawing/2010/main" xmlns:m="http://schemas.openxmlformats.org/officeDocument/2006/math" xmlns="" val="1"/>
             </a:ext>
           </a:extLst>
         </p:spPr>
@@ -30271,7 +31289,7 @@
           </a:ln>
           <a:extLst>
             <a:ext uri="{C572A759-6A51-4108-AA02-DFA0A04FC94B}">
-              <ma14:wrappingTextBoxFlag xmlns="" xmlns:m="http://schemas.openxmlformats.org/officeDocument/2006/math" xmlns:a14="http://schemas.microsoft.com/office/drawing/2010/main" xmlns:ma14="http://schemas.microsoft.com/office/mac/drawingml/2011/main" val="1"/>
+              <ma14:wrappingTextBoxFlag xmlns:ma14="http://schemas.microsoft.com/office/mac/drawingml/2011/main" xmlns:a14="http://schemas.microsoft.com/office/drawing/2010/main" xmlns:m="http://schemas.openxmlformats.org/officeDocument/2006/math" xmlns="" val="1"/>
             </a:ext>
           </a:extLst>
         </p:spPr>
@@ -30365,7 +31383,7 @@
           </a:ln>
           <a:extLst>
             <a:ext uri="{C572A759-6A51-4108-AA02-DFA0A04FC94B}">
-              <ma14:wrappingTextBoxFlag xmlns="" xmlns:m="http://schemas.openxmlformats.org/officeDocument/2006/math" xmlns:a14="http://schemas.microsoft.com/office/drawing/2010/main" xmlns:ma14="http://schemas.microsoft.com/office/mac/drawingml/2011/main" val="1"/>
+              <ma14:wrappingTextBoxFlag xmlns:ma14="http://schemas.microsoft.com/office/mac/drawingml/2011/main" xmlns:a14="http://schemas.microsoft.com/office/drawing/2010/main" xmlns:m="http://schemas.openxmlformats.org/officeDocument/2006/math" xmlns="" val="1"/>
             </a:ext>
           </a:extLst>
         </p:spPr>
@@ -30463,7 +31481,7 @@
           </a:ln>
           <a:extLst>
             <a:ext uri="{C572A759-6A51-4108-AA02-DFA0A04FC94B}">
-              <ma14:wrappingTextBoxFlag xmlns="" xmlns:m="http://schemas.openxmlformats.org/officeDocument/2006/math" xmlns:a14="http://schemas.microsoft.com/office/drawing/2010/main" xmlns:ma14="http://schemas.microsoft.com/office/mac/drawingml/2011/main" val="1"/>
+              <ma14:wrappingTextBoxFlag xmlns:ma14="http://schemas.microsoft.com/office/mac/drawingml/2011/main" xmlns:a14="http://schemas.microsoft.com/office/drawing/2010/main" xmlns:m="http://schemas.openxmlformats.org/officeDocument/2006/math" xmlns="" val="1"/>
             </a:ext>
           </a:extLst>
         </p:spPr>
@@ -30538,7 +31556,7 @@
           </a:ln>
           <a:extLst>
             <a:ext uri="{C572A759-6A51-4108-AA02-DFA0A04FC94B}">
-              <ma14:wrappingTextBoxFlag xmlns="" xmlns:m="http://schemas.openxmlformats.org/officeDocument/2006/math" xmlns:a14="http://schemas.microsoft.com/office/drawing/2010/main" xmlns:ma14="http://schemas.microsoft.com/office/mac/drawingml/2011/main" val="1"/>
+              <ma14:wrappingTextBoxFlag xmlns:ma14="http://schemas.microsoft.com/office/mac/drawingml/2011/main" xmlns:a14="http://schemas.microsoft.com/office/drawing/2010/main" xmlns:m="http://schemas.openxmlformats.org/officeDocument/2006/math" xmlns="" val="1"/>
             </a:ext>
           </a:extLst>
         </p:spPr>
@@ -30588,7 +31606,7 @@
           </a:ln>
           <a:extLst>
             <a:ext uri="{C572A759-6A51-4108-AA02-DFA0A04FC94B}">
-              <ma14:wrappingTextBoxFlag xmlns="" xmlns:m="http://schemas.openxmlformats.org/officeDocument/2006/math" xmlns:a14="http://schemas.microsoft.com/office/drawing/2010/main" xmlns:ma14="http://schemas.microsoft.com/office/mac/drawingml/2011/main" val="1"/>
+              <ma14:wrappingTextBoxFlag xmlns:ma14="http://schemas.microsoft.com/office/mac/drawingml/2011/main" xmlns:a14="http://schemas.microsoft.com/office/drawing/2010/main" xmlns:m="http://schemas.openxmlformats.org/officeDocument/2006/math" xmlns="" val="1"/>
             </a:ext>
           </a:extLst>
         </p:spPr>
@@ -30638,7 +31656,7 @@
           </a:ln>
           <a:extLst>
             <a:ext uri="{C572A759-6A51-4108-AA02-DFA0A04FC94B}">
-              <ma14:wrappingTextBoxFlag xmlns="" xmlns:m="http://schemas.openxmlformats.org/officeDocument/2006/math" xmlns:a14="http://schemas.microsoft.com/office/drawing/2010/main" xmlns:ma14="http://schemas.microsoft.com/office/mac/drawingml/2011/main" val="1"/>
+              <ma14:wrappingTextBoxFlag xmlns:ma14="http://schemas.microsoft.com/office/mac/drawingml/2011/main" xmlns:a14="http://schemas.microsoft.com/office/drawing/2010/main" xmlns:m="http://schemas.openxmlformats.org/officeDocument/2006/math" xmlns="" val="1"/>
             </a:ext>
           </a:extLst>
         </p:spPr>
@@ -30688,7 +31706,7 @@
           </a:ln>
           <a:extLst>
             <a:ext uri="{C572A759-6A51-4108-AA02-DFA0A04FC94B}">
-              <ma14:wrappingTextBoxFlag xmlns="" xmlns:m="http://schemas.openxmlformats.org/officeDocument/2006/math" xmlns:a14="http://schemas.microsoft.com/office/drawing/2010/main" xmlns:ma14="http://schemas.microsoft.com/office/mac/drawingml/2011/main" val="1"/>
+              <ma14:wrappingTextBoxFlag xmlns:ma14="http://schemas.microsoft.com/office/mac/drawingml/2011/main" xmlns:a14="http://schemas.microsoft.com/office/drawing/2010/main" xmlns:m="http://schemas.openxmlformats.org/officeDocument/2006/math" xmlns="" val="1"/>
             </a:ext>
           </a:extLst>
         </p:spPr>
@@ -30738,7 +31756,7 @@
           </a:ln>
           <a:extLst>
             <a:ext uri="{C572A759-6A51-4108-AA02-DFA0A04FC94B}">
-              <ma14:wrappingTextBoxFlag xmlns="" xmlns:m="http://schemas.openxmlformats.org/officeDocument/2006/math" xmlns:a14="http://schemas.microsoft.com/office/drawing/2010/main" xmlns:ma14="http://schemas.microsoft.com/office/mac/drawingml/2011/main" val="1"/>
+              <ma14:wrappingTextBoxFlag xmlns:ma14="http://schemas.microsoft.com/office/mac/drawingml/2011/main" xmlns:a14="http://schemas.microsoft.com/office/drawing/2010/main" xmlns:m="http://schemas.openxmlformats.org/officeDocument/2006/math" xmlns="" val="1"/>
             </a:ext>
           </a:extLst>
         </p:spPr>
@@ -30788,7 +31806,7 @@
           </a:ln>
           <a:extLst>
             <a:ext uri="{C572A759-6A51-4108-AA02-DFA0A04FC94B}">
-              <ma14:wrappingTextBoxFlag xmlns="" xmlns:m="http://schemas.openxmlformats.org/officeDocument/2006/math" xmlns:a14="http://schemas.microsoft.com/office/drawing/2010/main" xmlns:ma14="http://schemas.microsoft.com/office/mac/drawingml/2011/main" val="1"/>
+              <ma14:wrappingTextBoxFlag xmlns:ma14="http://schemas.microsoft.com/office/mac/drawingml/2011/main" xmlns:a14="http://schemas.microsoft.com/office/drawing/2010/main" xmlns:m="http://schemas.openxmlformats.org/officeDocument/2006/math" xmlns="" val="1"/>
             </a:ext>
           </a:extLst>
         </p:spPr>
@@ -30838,7 +31856,7 @@
           </a:ln>
           <a:extLst>
             <a:ext uri="{C572A759-6A51-4108-AA02-DFA0A04FC94B}">
-              <ma14:wrappingTextBoxFlag xmlns="" xmlns:m="http://schemas.openxmlformats.org/officeDocument/2006/math" xmlns:a14="http://schemas.microsoft.com/office/drawing/2010/main" xmlns:ma14="http://schemas.microsoft.com/office/mac/drawingml/2011/main" val="1"/>
+              <ma14:wrappingTextBoxFlag xmlns:ma14="http://schemas.microsoft.com/office/mac/drawingml/2011/main" xmlns:a14="http://schemas.microsoft.com/office/drawing/2010/main" xmlns:m="http://schemas.openxmlformats.org/officeDocument/2006/math" xmlns="" val="1"/>
             </a:ext>
           </a:extLst>
         </p:spPr>
@@ -30888,7 +31906,7 @@
           </a:ln>
           <a:extLst>
             <a:ext uri="{C572A759-6A51-4108-AA02-DFA0A04FC94B}">
-              <ma14:wrappingTextBoxFlag xmlns="" xmlns:m="http://schemas.openxmlformats.org/officeDocument/2006/math" xmlns:a14="http://schemas.microsoft.com/office/drawing/2010/main" xmlns:ma14="http://schemas.microsoft.com/office/mac/drawingml/2011/main" val="1"/>
+              <ma14:wrappingTextBoxFlag xmlns:ma14="http://schemas.microsoft.com/office/mac/drawingml/2011/main" xmlns:a14="http://schemas.microsoft.com/office/drawing/2010/main" xmlns:m="http://schemas.openxmlformats.org/officeDocument/2006/math" xmlns="" val="1"/>
             </a:ext>
           </a:extLst>
         </p:spPr>
@@ -30938,7 +31956,7 @@
           </a:ln>
           <a:extLst>
             <a:ext uri="{C572A759-6A51-4108-AA02-DFA0A04FC94B}">
-              <ma14:wrappingTextBoxFlag xmlns="" xmlns:m="http://schemas.openxmlformats.org/officeDocument/2006/math" xmlns:a14="http://schemas.microsoft.com/office/drawing/2010/main" xmlns:ma14="http://schemas.microsoft.com/office/mac/drawingml/2011/main" val="1"/>
+              <ma14:wrappingTextBoxFlag xmlns:ma14="http://schemas.microsoft.com/office/mac/drawingml/2011/main" xmlns:a14="http://schemas.microsoft.com/office/drawing/2010/main" xmlns:m="http://schemas.openxmlformats.org/officeDocument/2006/math" xmlns="" val="1"/>
             </a:ext>
           </a:extLst>
         </p:spPr>
@@ -30988,7 +32006,7 @@
           </a:ln>
           <a:extLst>
             <a:ext uri="{C572A759-6A51-4108-AA02-DFA0A04FC94B}">
-              <ma14:wrappingTextBoxFlag xmlns="" xmlns:m="http://schemas.openxmlformats.org/officeDocument/2006/math" xmlns:a14="http://schemas.microsoft.com/office/drawing/2010/main" xmlns:ma14="http://schemas.microsoft.com/office/mac/drawingml/2011/main" val="1"/>
+              <ma14:wrappingTextBoxFlag xmlns:ma14="http://schemas.microsoft.com/office/mac/drawingml/2011/main" xmlns:a14="http://schemas.microsoft.com/office/drawing/2010/main" xmlns:m="http://schemas.openxmlformats.org/officeDocument/2006/math" xmlns="" val="1"/>
             </a:ext>
           </a:extLst>
         </p:spPr>
@@ -31038,7 +32056,7 @@
           </a:ln>
           <a:extLst>
             <a:ext uri="{C572A759-6A51-4108-AA02-DFA0A04FC94B}">
-              <ma14:wrappingTextBoxFlag xmlns="" xmlns:m="http://schemas.openxmlformats.org/officeDocument/2006/math" xmlns:a14="http://schemas.microsoft.com/office/drawing/2010/main" xmlns:ma14="http://schemas.microsoft.com/office/mac/drawingml/2011/main" val="1"/>
+              <ma14:wrappingTextBoxFlag xmlns:ma14="http://schemas.microsoft.com/office/mac/drawingml/2011/main" xmlns:a14="http://schemas.microsoft.com/office/drawing/2010/main" xmlns:m="http://schemas.openxmlformats.org/officeDocument/2006/math" xmlns="" val="1"/>
             </a:ext>
           </a:extLst>
         </p:spPr>
@@ -31088,7 +32106,7 @@
           </a:ln>
           <a:extLst>
             <a:ext uri="{C572A759-6A51-4108-AA02-DFA0A04FC94B}">
-              <ma14:wrappingTextBoxFlag xmlns="" xmlns:m="http://schemas.openxmlformats.org/officeDocument/2006/math" xmlns:a14="http://schemas.microsoft.com/office/drawing/2010/main" xmlns:ma14="http://schemas.microsoft.com/office/mac/drawingml/2011/main" val="1"/>
+              <ma14:wrappingTextBoxFlag xmlns:ma14="http://schemas.microsoft.com/office/mac/drawingml/2011/main" xmlns:a14="http://schemas.microsoft.com/office/drawing/2010/main" xmlns:m="http://schemas.openxmlformats.org/officeDocument/2006/math" xmlns="" val="1"/>
             </a:ext>
           </a:extLst>
         </p:spPr>
@@ -31138,7 +32156,7 @@
           </a:ln>
           <a:extLst>
             <a:ext uri="{C572A759-6A51-4108-AA02-DFA0A04FC94B}">
-              <ma14:wrappingTextBoxFlag xmlns="" xmlns:m="http://schemas.openxmlformats.org/officeDocument/2006/math" xmlns:a14="http://schemas.microsoft.com/office/drawing/2010/main" xmlns:ma14="http://schemas.microsoft.com/office/mac/drawingml/2011/main" val="1"/>
+              <ma14:wrappingTextBoxFlag xmlns:ma14="http://schemas.microsoft.com/office/mac/drawingml/2011/main" xmlns:a14="http://schemas.microsoft.com/office/drawing/2010/main" xmlns:m="http://schemas.openxmlformats.org/officeDocument/2006/math" xmlns="" val="1"/>
             </a:ext>
           </a:extLst>
         </p:spPr>
@@ -31188,7 +32206,7 @@
           </a:ln>
           <a:extLst>
             <a:ext uri="{C572A759-6A51-4108-AA02-DFA0A04FC94B}">
-              <ma14:wrappingTextBoxFlag xmlns="" xmlns:m="http://schemas.openxmlformats.org/officeDocument/2006/math" xmlns:a14="http://schemas.microsoft.com/office/drawing/2010/main" xmlns:ma14="http://schemas.microsoft.com/office/mac/drawingml/2011/main" val="1"/>
+              <ma14:wrappingTextBoxFlag xmlns:ma14="http://schemas.microsoft.com/office/mac/drawingml/2011/main" xmlns:a14="http://schemas.microsoft.com/office/drawing/2010/main" xmlns:m="http://schemas.openxmlformats.org/officeDocument/2006/math" xmlns="" val="1"/>
             </a:ext>
           </a:extLst>
         </p:spPr>
@@ -31238,7 +32256,7 @@
           </a:ln>
           <a:extLst>
             <a:ext uri="{C572A759-6A51-4108-AA02-DFA0A04FC94B}">
-              <ma14:wrappingTextBoxFlag xmlns="" xmlns:m="http://schemas.openxmlformats.org/officeDocument/2006/math" xmlns:a14="http://schemas.microsoft.com/office/drawing/2010/main" xmlns:ma14="http://schemas.microsoft.com/office/mac/drawingml/2011/main" val="1"/>
+              <ma14:wrappingTextBoxFlag xmlns:ma14="http://schemas.microsoft.com/office/mac/drawingml/2011/main" xmlns:a14="http://schemas.microsoft.com/office/drawing/2010/main" xmlns:m="http://schemas.openxmlformats.org/officeDocument/2006/math" xmlns="" val="1"/>
             </a:ext>
           </a:extLst>
         </p:spPr>
@@ -31288,7 +32306,7 @@
           </a:ln>
           <a:extLst>
             <a:ext uri="{C572A759-6A51-4108-AA02-DFA0A04FC94B}">
-              <ma14:wrappingTextBoxFlag xmlns="" xmlns:m="http://schemas.openxmlformats.org/officeDocument/2006/math" xmlns:a14="http://schemas.microsoft.com/office/drawing/2010/main" xmlns:ma14="http://schemas.microsoft.com/office/mac/drawingml/2011/main" val="1"/>
+              <ma14:wrappingTextBoxFlag xmlns:ma14="http://schemas.microsoft.com/office/mac/drawingml/2011/main" xmlns:a14="http://schemas.microsoft.com/office/drawing/2010/main" xmlns:m="http://schemas.openxmlformats.org/officeDocument/2006/math" xmlns="" val="1"/>
             </a:ext>
           </a:extLst>
         </p:spPr>
@@ -31338,7 +32356,7 @@
           </a:ln>
           <a:extLst>
             <a:ext uri="{C572A759-6A51-4108-AA02-DFA0A04FC94B}">
-              <ma14:wrappingTextBoxFlag xmlns="" xmlns:m="http://schemas.openxmlformats.org/officeDocument/2006/math" xmlns:a14="http://schemas.microsoft.com/office/drawing/2010/main" xmlns:ma14="http://schemas.microsoft.com/office/mac/drawingml/2011/main" val="1"/>
+              <ma14:wrappingTextBoxFlag xmlns:ma14="http://schemas.microsoft.com/office/mac/drawingml/2011/main" xmlns:a14="http://schemas.microsoft.com/office/drawing/2010/main" xmlns:m="http://schemas.openxmlformats.org/officeDocument/2006/math" xmlns="" val="1"/>
             </a:ext>
           </a:extLst>
         </p:spPr>
@@ -31388,7 +32406,7 @@
           </a:ln>
           <a:extLst>
             <a:ext uri="{C572A759-6A51-4108-AA02-DFA0A04FC94B}">
-              <ma14:wrappingTextBoxFlag xmlns="" xmlns:m="http://schemas.openxmlformats.org/officeDocument/2006/math" xmlns:a14="http://schemas.microsoft.com/office/drawing/2010/main" xmlns:ma14="http://schemas.microsoft.com/office/mac/drawingml/2011/main" val="1"/>
+              <ma14:wrappingTextBoxFlag xmlns:ma14="http://schemas.microsoft.com/office/mac/drawingml/2011/main" xmlns:a14="http://schemas.microsoft.com/office/drawing/2010/main" xmlns:m="http://schemas.openxmlformats.org/officeDocument/2006/math" xmlns="" val="1"/>
             </a:ext>
           </a:extLst>
         </p:spPr>
@@ -31438,7 +32456,7 @@
           </a:ln>
           <a:extLst>
             <a:ext uri="{C572A759-6A51-4108-AA02-DFA0A04FC94B}">
-              <ma14:wrappingTextBoxFlag xmlns="" xmlns:m="http://schemas.openxmlformats.org/officeDocument/2006/math" xmlns:a14="http://schemas.microsoft.com/office/drawing/2010/main" xmlns:ma14="http://schemas.microsoft.com/office/mac/drawingml/2011/main" val="1"/>
+              <ma14:wrappingTextBoxFlag xmlns:ma14="http://schemas.microsoft.com/office/mac/drawingml/2011/main" xmlns:a14="http://schemas.microsoft.com/office/drawing/2010/main" xmlns:m="http://schemas.openxmlformats.org/officeDocument/2006/math" xmlns="" val="1"/>
             </a:ext>
           </a:extLst>
         </p:spPr>
@@ -31488,7 +32506,7 @@
           </a:ln>
           <a:extLst>
             <a:ext uri="{C572A759-6A51-4108-AA02-DFA0A04FC94B}">
-              <ma14:wrappingTextBoxFlag xmlns="" xmlns:m="http://schemas.openxmlformats.org/officeDocument/2006/math" xmlns:a14="http://schemas.microsoft.com/office/drawing/2010/main" xmlns:ma14="http://schemas.microsoft.com/office/mac/drawingml/2011/main" val="1"/>
+              <ma14:wrappingTextBoxFlag xmlns:ma14="http://schemas.microsoft.com/office/mac/drawingml/2011/main" xmlns:a14="http://schemas.microsoft.com/office/drawing/2010/main" xmlns:m="http://schemas.openxmlformats.org/officeDocument/2006/math" xmlns="" val="1"/>
             </a:ext>
           </a:extLst>
         </p:spPr>
@@ -31538,7 +32556,7 @@
           </a:ln>
           <a:extLst>
             <a:ext uri="{C572A759-6A51-4108-AA02-DFA0A04FC94B}">
-              <ma14:wrappingTextBoxFlag xmlns="" xmlns:m="http://schemas.openxmlformats.org/officeDocument/2006/math" xmlns:a14="http://schemas.microsoft.com/office/drawing/2010/main" xmlns:ma14="http://schemas.microsoft.com/office/mac/drawingml/2011/main" val="1"/>
+              <ma14:wrappingTextBoxFlag xmlns:ma14="http://schemas.microsoft.com/office/mac/drawingml/2011/main" xmlns:a14="http://schemas.microsoft.com/office/drawing/2010/main" xmlns:m="http://schemas.openxmlformats.org/officeDocument/2006/math" xmlns="" val="1"/>
             </a:ext>
           </a:extLst>
         </p:spPr>
@@ -31588,7 +32606,7 @@
           </a:ln>
           <a:extLst>
             <a:ext uri="{C572A759-6A51-4108-AA02-DFA0A04FC94B}">
-              <ma14:wrappingTextBoxFlag xmlns="" xmlns:m="http://schemas.openxmlformats.org/officeDocument/2006/math" xmlns:a14="http://schemas.microsoft.com/office/drawing/2010/main" xmlns:ma14="http://schemas.microsoft.com/office/mac/drawingml/2011/main" val="1"/>
+              <ma14:wrappingTextBoxFlag xmlns:ma14="http://schemas.microsoft.com/office/mac/drawingml/2011/main" xmlns:a14="http://schemas.microsoft.com/office/drawing/2010/main" xmlns:m="http://schemas.openxmlformats.org/officeDocument/2006/math" xmlns="" val="1"/>
             </a:ext>
           </a:extLst>
         </p:spPr>
@@ -31638,7 +32656,7 @@
           </a:ln>
           <a:extLst>
             <a:ext uri="{C572A759-6A51-4108-AA02-DFA0A04FC94B}">
-              <ma14:wrappingTextBoxFlag xmlns="" xmlns:m="http://schemas.openxmlformats.org/officeDocument/2006/math" xmlns:a14="http://schemas.microsoft.com/office/drawing/2010/main" xmlns:ma14="http://schemas.microsoft.com/office/mac/drawingml/2011/main" val="1"/>
+              <ma14:wrappingTextBoxFlag xmlns:ma14="http://schemas.microsoft.com/office/mac/drawingml/2011/main" xmlns:a14="http://schemas.microsoft.com/office/drawing/2010/main" xmlns:m="http://schemas.openxmlformats.org/officeDocument/2006/math" xmlns="" val="1"/>
             </a:ext>
           </a:extLst>
         </p:spPr>
@@ -31688,7 +32706,7 @@
           </a:ln>
           <a:extLst>
             <a:ext uri="{C572A759-6A51-4108-AA02-DFA0A04FC94B}">
-              <ma14:wrappingTextBoxFlag xmlns="" xmlns:m="http://schemas.openxmlformats.org/officeDocument/2006/math" xmlns:a14="http://schemas.microsoft.com/office/drawing/2010/main" xmlns:ma14="http://schemas.microsoft.com/office/mac/drawingml/2011/main" val="1"/>
+              <ma14:wrappingTextBoxFlag xmlns:ma14="http://schemas.microsoft.com/office/mac/drawingml/2011/main" xmlns:a14="http://schemas.microsoft.com/office/drawing/2010/main" xmlns:m="http://schemas.openxmlformats.org/officeDocument/2006/math" xmlns="" val="1"/>
             </a:ext>
           </a:extLst>
         </p:spPr>
@@ -31738,7 +32756,7 @@
           </a:ln>
           <a:extLst>
             <a:ext uri="{C572A759-6A51-4108-AA02-DFA0A04FC94B}">
-              <ma14:wrappingTextBoxFlag xmlns="" xmlns:m="http://schemas.openxmlformats.org/officeDocument/2006/math" xmlns:a14="http://schemas.microsoft.com/office/drawing/2010/main" xmlns:ma14="http://schemas.microsoft.com/office/mac/drawingml/2011/main" val="1"/>
+              <ma14:wrappingTextBoxFlag xmlns:ma14="http://schemas.microsoft.com/office/mac/drawingml/2011/main" xmlns:a14="http://schemas.microsoft.com/office/drawing/2010/main" xmlns:m="http://schemas.openxmlformats.org/officeDocument/2006/math" xmlns="" val="1"/>
             </a:ext>
           </a:extLst>
         </p:spPr>
@@ -31788,7 +32806,7 @@
           </a:ln>
           <a:extLst>
             <a:ext uri="{C572A759-6A51-4108-AA02-DFA0A04FC94B}">
-              <ma14:wrappingTextBoxFlag xmlns="" xmlns:m="http://schemas.openxmlformats.org/officeDocument/2006/math" xmlns:a14="http://schemas.microsoft.com/office/drawing/2010/main" xmlns:ma14="http://schemas.microsoft.com/office/mac/drawingml/2011/main" val="1"/>
+              <ma14:wrappingTextBoxFlag xmlns:ma14="http://schemas.microsoft.com/office/mac/drawingml/2011/main" xmlns:a14="http://schemas.microsoft.com/office/drawing/2010/main" xmlns:m="http://schemas.openxmlformats.org/officeDocument/2006/math" xmlns="" val="1"/>
             </a:ext>
           </a:extLst>
         </p:spPr>
@@ -31838,7 +32856,7 @@
           </a:ln>
           <a:extLst>
             <a:ext uri="{C572A759-6A51-4108-AA02-DFA0A04FC94B}">
-              <ma14:wrappingTextBoxFlag xmlns="" xmlns:m="http://schemas.openxmlformats.org/officeDocument/2006/math" xmlns:a14="http://schemas.microsoft.com/office/drawing/2010/main" xmlns:ma14="http://schemas.microsoft.com/office/mac/drawingml/2011/main" val="1"/>
+              <ma14:wrappingTextBoxFlag xmlns:ma14="http://schemas.microsoft.com/office/mac/drawingml/2011/main" xmlns:a14="http://schemas.microsoft.com/office/drawing/2010/main" xmlns:m="http://schemas.openxmlformats.org/officeDocument/2006/math" xmlns="" val="1"/>
             </a:ext>
           </a:extLst>
         </p:spPr>
@@ -31888,7 +32906,7 @@
           </a:ln>
           <a:extLst>
             <a:ext uri="{C572A759-6A51-4108-AA02-DFA0A04FC94B}">
-              <ma14:wrappingTextBoxFlag xmlns="" xmlns:m="http://schemas.openxmlformats.org/officeDocument/2006/math" xmlns:a14="http://schemas.microsoft.com/office/drawing/2010/main" xmlns:ma14="http://schemas.microsoft.com/office/mac/drawingml/2011/main" val="1"/>
+              <ma14:wrappingTextBoxFlag xmlns:ma14="http://schemas.microsoft.com/office/mac/drawingml/2011/main" xmlns:a14="http://schemas.microsoft.com/office/drawing/2010/main" xmlns:m="http://schemas.openxmlformats.org/officeDocument/2006/math" xmlns="" val="1"/>
             </a:ext>
           </a:extLst>
         </p:spPr>
@@ -31938,7 +32956,7 @@
           </a:ln>
           <a:extLst>
             <a:ext uri="{C572A759-6A51-4108-AA02-DFA0A04FC94B}">
-              <ma14:wrappingTextBoxFlag xmlns="" xmlns:m="http://schemas.openxmlformats.org/officeDocument/2006/math" xmlns:a14="http://schemas.microsoft.com/office/drawing/2010/main" xmlns:ma14="http://schemas.microsoft.com/office/mac/drawingml/2011/main" val="1"/>
+              <ma14:wrappingTextBoxFlag xmlns:ma14="http://schemas.microsoft.com/office/mac/drawingml/2011/main" xmlns:a14="http://schemas.microsoft.com/office/drawing/2010/main" xmlns:m="http://schemas.openxmlformats.org/officeDocument/2006/math" xmlns="" val="1"/>
             </a:ext>
           </a:extLst>
         </p:spPr>
@@ -32284,7 +33302,7 @@
           </a:ln>
           <a:extLst>
             <a:ext uri="{C572A759-6A51-4108-AA02-DFA0A04FC94B}">
-              <ma14:wrappingTextBoxFlag xmlns="" xmlns:m="http://schemas.openxmlformats.org/officeDocument/2006/math" xmlns:a14="http://schemas.microsoft.com/office/drawing/2010/main" xmlns:ma14="http://schemas.microsoft.com/office/mac/drawingml/2011/main" val="1"/>
+              <ma14:wrappingTextBoxFlag xmlns:ma14="http://schemas.microsoft.com/office/mac/drawingml/2011/main" xmlns:a14="http://schemas.microsoft.com/office/drawing/2010/main" xmlns:m="http://schemas.openxmlformats.org/officeDocument/2006/math" xmlns="" val="1"/>
             </a:ext>
           </a:extLst>
         </p:spPr>
@@ -32336,7 +33354,7 @@
           </a:ln>
           <a:extLst>
             <a:ext uri="{C572A759-6A51-4108-AA02-DFA0A04FC94B}">
-              <ma14:wrappingTextBoxFlag xmlns="" xmlns:m="http://schemas.openxmlformats.org/officeDocument/2006/math" xmlns:a14="http://schemas.microsoft.com/office/drawing/2010/main" xmlns:ma14="http://schemas.microsoft.com/office/mac/drawingml/2011/main" val="1"/>
+              <ma14:wrappingTextBoxFlag xmlns:ma14="http://schemas.microsoft.com/office/mac/drawingml/2011/main" xmlns:a14="http://schemas.microsoft.com/office/drawing/2010/main" xmlns:m="http://schemas.openxmlformats.org/officeDocument/2006/math" xmlns="" val="1"/>
             </a:ext>
           </a:extLst>
         </p:spPr>
@@ -32835,7 +33853,7 @@
           </a:ln>
           <a:extLst>
             <a:ext uri="{C572A759-6A51-4108-AA02-DFA0A04FC94B}">
-              <ma14:wrappingTextBoxFlag xmlns="" xmlns:m="http://schemas.openxmlformats.org/officeDocument/2006/math" xmlns:a14="http://schemas.microsoft.com/office/drawing/2010/main" xmlns:ma14="http://schemas.microsoft.com/office/mac/drawingml/2011/main" val="1"/>
+              <ma14:wrappingTextBoxFlag xmlns:ma14="http://schemas.microsoft.com/office/mac/drawingml/2011/main" xmlns:a14="http://schemas.microsoft.com/office/drawing/2010/main" xmlns:m="http://schemas.openxmlformats.org/officeDocument/2006/math" xmlns="" val="1"/>
             </a:ext>
           </a:extLst>
         </p:spPr>
@@ -32885,7 +33903,7 @@
           </a:ln>
           <a:extLst>
             <a:ext uri="{C572A759-6A51-4108-AA02-DFA0A04FC94B}">
-              <ma14:wrappingTextBoxFlag xmlns="" xmlns:m="http://schemas.openxmlformats.org/officeDocument/2006/math" xmlns:a14="http://schemas.microsoft.com/office/drawing/2010/main" xmlns:ma14="http://schemas.microsoft.com/office/mac/drawingml/2011/main" val="1"/>
+              <ma14:wrappingTextBoxFlag xmlns:ma14="http://schemas.microsoft.com/office/mac/drawingml/2011/main" xmlns:a14="http://schemas.microsoft.com/office/drawing/2010/main" xmlns:m="http://schemas.openxmlformats.org/officeDocument/2006/math" xmlns="" val="1"/>
             </a:ext>
           </a:extLst>
         </p:spPr>
@@ -32935,7 +33953,7 @@
           </a:ln>
           <a:extLst>
             <a:ext uri="{C572A759-6A51-4108-AA02-DFA0A04FC94B}">
-              <ma14:wrappingTextBoxFlag xmlns="" xmlns:m="http://schemas.openxmlformats.org/officeDocument/2006/math" xmlns:a14="http://schemas.microsoft.com/office/drawing/2010/main" xmlns:ma14="http://schemas.microsoft.com/office/mac/drawingml/2011/main" val="1"/>
+              <ma14:wrappingTextBoxFlag xmlns:ma14="http://schemas.microsoft.com/office/mac/drawingml/2011/main" xmlns:a14="http://schemas.microsoft.com/office/drawing/2010/main" xmlns:m="http://schemas.openxmlformats.org/officeDocument/2006/math" xmlns="" val="1"/>
             </a:ext>
           </a:extLst>
         </p:spPr>
@@ -32985,7 +34003,7 @@
           </a:ln>
           <a:extLst>
             <a:ext uri="{C572A759-6A51-4108-AA02-DFA0A04FC94B}">
-              <ma14:wrappingTextBoxFlag xmlns="" xmlns:m="http://schemas.openxmlformats.org/officeDocument/2006/math" xmlns:a14="http://schemas.microsoft.com/office/drawing/2010/main" xmlns:ma14="http://schemas.microsoft.com/office/mac/drawingml/2011/main" val="1"/>
+              <ma14:wrappingTextBoxFlag xmlns:ma14="http://schemas.microsoft.com/office/mac/drawingml/2011/main" xmlns:a14="http://schemas.microsoft.com/office/drawing/2010/main" xmlns:m="http://schemas.openxmlformats.org/officeDocument/2006/math" xmlns="" val="1"/>
             </a:ext>
           </a:extLst>
         </p:spPr>
@@ -33035,7 +34053,7 @@
           </a:ln>
           <a:extLst>
             <a:ext uri="{C572A759-6A51-4108-AA02-DFA0A04FC94B}">
-              <ma14:wrappingTextBoxFlag xmlns="" xmlns:m="http://schemas.openxmlformats.org/officeDocument/2006/math" xmlns:a14="http://schemas.microsoft.com/office/drawing/2010/main" xmlns:ma14="http://schemas.microsoft.com/office/mac/drawingml/2011/main" val="1"/>
+              <ma14:wrappingTextBoxFlag xmlns:ma14="http://schemas.microsoft.com/office/mac/drawingml/2011/main" xmlns:a14="http://schemas.microsoft.com/office/drawing/2010/main" xmlns:m="http://schemas.openxmlformats.org/officeDocument/2006/math" xmlns="" val="1"/>
             </a:ext>
           </a:extLst>
         </p:spPr>
@@ -33085,7 +34103,7 @@
           </a:ln>
           <a:extLst>
             <a:ext uri="{C572A759-6A51-4108-AA02-DFA0A04FC94B}">
-              <ma14:wrappingTextBoxFlag xmlns="" xmlns:m="http://schemas.openxmlformats.org/officeDocument/2006/math" xmlns:a14="http://schemas.microsoft.com/office/drawing/2010/main" xmlns:ma14="http://schemas.microsoft.com/office/mac/drawingml/2011/main" val="1"/>
+              <ma14:wrappingTextBoxFlag xmlns:ma14="http://schemas.microsoft.com/office/mac/drawingml/2011/main" xmlns:a14="http://schemas.microsoft.com/office/drawing/2010/main" xmlns:m="http://schemas.openxmlformats.org/officeDocument/2006/math" xmlns="" val="1"/>
             </a:ext>
           </a:extLst>
         </p:spPr>
@@ -33135,7 +34153,7 @@
           </a:ln>
           <a:extLst>
             <a:ext uri="{C572A759-6A51-4108-AA02-DFA0A04FC94B}">
-              <ma14:wrappingTextBoxFlag xmlns="" xmlns:m="http://schemas.openxmlformats.org/officeDocument/2006/math" xmlns:a14="http://schemas.microsoft.com/office/drawing/2010/main" xmlns:ma14="http://schemas.microsoft.com/office/mac/drawingml/2011/main" val="1"/>
+              <ma14:wrappingTextBoxFlag xmlns:ma14="http://schemas.microsoft.com/office/mac/drawingml/2011/main" xmlns:a14="http://schemas.microsoft.com/office/drawing/2010/main" xmlns:m="http://schemas.openxmlformats.org/officeDocument/2006/math" xmlns="" val="1"/>
             </a:ext>
           </a:extLst>
         </p:spPr>
@@ -33185,7 +34203,7 @@
           </a:ln>
           <a:extLst>
             <a:ext uri="{C572A759-6A51-4108-AA02-DFA0A04FC94B}">
-              <ma14:wrappingTextBoxFlag xmlns="" xmlns:m="http://schemas.openxmlformats.org/officeDocument/2006/math" xmlns:a14="http://schemas.microsoft.com/office/drawing/2010/main" xmlns:ma14="http://schemas.microsoft.com/office/mac/drawingml/2011/main" val="1"/>
+              <ma14:wrappingTextBoxFlag xmlns:ma14="http://schemas.microsoft.com/office/mac/drawingml/2011/main" xmlns:a14="http://schemas.microsoft.com/office/drawing/2010/main" xmlns:m="http://schemas.openxmlformats.org/officeDocument/2006/math" xmlns="" val="1"/>
             </a:ext>
           </a:extLst>
         </p:spPr>
@@ -33235,7 +34253,7 @@
           </a:ln>
           <a:extLst>
             <a:ext uri="{C572A759-6A51-4108-AA02-DFA0A04FC94B}">
-              <ma14:wrappingTextBoxFlag xmlns="" xmlns:m="http://schemas.openxmlformats.org/officeDocument/2006/math" xmlns:a14="http://schemas.microsoft.com/office/drawing/2010/main" xmlns:ma14="http://schemas.microsoft.com/office/mac/drawingml/2011/main" val="1"/>
+              <ma14:wrappingTextBoxFlag xmlns:ma14="http://schemas.microsoft.com/office/mac/drawingml/2011/main" xmlns:a14="http://schemas.microsoft.com/office/drawing/2010/main" xmlns:m="http://schemas.openxmlformats.org/officeDocument/2006/math" xmlns="" val="1"/>
             </a:ext>
           </a:extLst>
         </p:spPr>
@@ -33285,7 +34303,7 @@
           </a:ln>
           <a:extLst>
             <a:ext uri="{C572A759-6A51-4108-AA02-DFA0A04FC94B}">
-              <ma14:wrappingTextBoxFlag xmlns="" xmlns:m="http://schemas.openxmlformats.org/officeDocument/2006/math" xmlns:a14="http://schemas.microsoft.com/office/drawing/2010/main" xmlns:ma14="http://schemas.microsoft.com/office/mac/drawingml/2011/main" val="1"/>
+              <ma14:wrappingTextBoxFlag xmlns:ma14="http://schemas.microsoft.com/office/mac/drawingml/2011/main" xmlns:a14="http://schemas.microsoft.com/office/drawing/2010/main" xmlns:m="http://schemas.openxmlformats.org/officeDocument/2006/math" xmlns="" val="1"/>
             </a:ext>
           </a:extLst>
         </p:spPr>
@@ -33335,7 +34353,7 @@
           </a:ln>
           <a:extLst>
             <a:ext uri="{C572A759-6A51-4108-AA02-DFA0A04FC94B}">
-              <ma14:wrappingTextBoxFlag xmlns="" xmlns:m="http://schemas.openxmlformats.org/officeDocument/2006/math" xmlns:a14="http://schemas.microsoft.com/office/drawing/2010/main" xmlns:ma14="http://schemas.microsoft.com/office/mac/drawingml/2011/main" val="1"/>
+              <ma14:wrappingTextBoxFlag xmlns:ma14="http://schemas.microsoft.com/office/mac/drawingml/2011/main" xmlns:a14="http://schemas.microsoft.com/office/drawing/2010/main" xmlns:m="http://schemas.openxmlformats.org/officeDocument/2006/math" xmlns="" val="1"/>
             </a:ext>
           </a:extLst>
         </p:spPr>
@@ -33385,7 +34403,7 @@
           </a:ln>
           <a:extLst>
             <a:ext uri="{C572A759-6A51-4108-AA02-DFA0A04FC94B}">
-              <ma14:wrappingTextBoxFlag xmlns="" xmlns:m="http://schemas.openxmlformats.org/officeDocument/2006/math" xmlns:a14="http://schemas.microsoft.com/office/drawing/2010/main" xmlns:ma14="http://schemas.microsoft.com/office/mac/drawingml/2011/main" val="1"/>
+              <ma14:wrappingTextBoxFlag xmlns:ma14="http://schemas.microsoft.com/office/mac/drawingml/2011/main" xmlns:a14="http://schemas.microsoft.com/office/drawing/2010/main" xmlns:m="http://schemas.openxmlformats.org/officeDocument/2006/math" xmlns="" val="1"/>
             </a:ext>
           </a:extLst>
         </p:spPr>
@@ -33435,7 +34453,7 @@
           </a:ln>
           <a:extLst>
             <a:ext uri="{C572A759-6A51-4108-AA02-DFA0A04FC94B}">
-              <ma14:wrappingTextBoxFlag xmlns="" xmlns:m="http://schemas.openxmlformats.org/officeDocument/2006/math" xmlns:a14="http://schemas.microsoft.com/office/drawing/2010/main" xmlns:ma14="http://schemas.microsoft.com/office/mac/drawingml/2011/main" val="1"/>
+              <ma14:wrappingTextBoxFlag xmlns:ma14="http://schemas.microsoft.com/office/mac/drawingml/2011/main" xmlns:a14="http://schemas.microsoft.com/office/drawing/2010/main" xmlns:m="http://schemas.openxmlformats.org/officeDocument/2006/math" xmlns="" val="1"/>
             </a:ext>
           </a:extLst>
         </p:spPr>
@@ -33485,7 +34503,7 @@
           </a:ln>
           <a:extLst>
             <a:ext uri="{C572A759-6A51-4108-AA02-DFA0A04FC94B}">
-              <ma14:wrappingTextBoxFlag xmlns="" xmlns:m="http://schemas.openxmlformats.org/officeDocument/2006/math" xmlns:a14="http://schemas.microsoft.com/office/drawing/2010/main" xmlns:ma14="http://schemas.microsoft.com/office/mac/drawingml/2011/main" val="1"/>
+              <ma14:wrappingTextBoxFlag xmlns:ma14="http://schemas.microsoft.com/office/mac/drawingml/2011/main" xmlns:a14="http://schemas.microsoft.com/office/drawing/2010/main" xmlns:m="http://schemas.openxmlformats.org/officeDocument/2006/math" xmlns="" val="1"/>
             </a:ext>
           </a:extLst>
         </p:spPr>
@@ -33535,7 +34553,7 @@
           </a:ln>
           <a:extLst>
             <a:ext uri="{C572A759-6A51-4108-AA02-DFA0A04FC94B}">
-              <ma14:wrappingTextBoxFlag xmlns="" xmlns:m="http://schemas.openxmlformats.org/officeDocument/2006/math" xmlns:a14="http://schemas.microsoft.com/office/drawing/2010/main" xmlns:ma14="http://schemas.microsoft.com/office/mac/drawingml/2011/main" val="1"/>
+              <ma14:wrappingTextBoxFlag xmlns:ma14="http://schemas.microsoft.com/office/mac/drawingml/2011/main" xmlns:a14="http://schemas.microsoft.com/office/drawing/2010/main" xmlns:m="http://schemas.openxmlformats.org/officeDocument/2006/math" xmlns="" val="1"/>
             </a:ext>
           </a:extLst>
         </p:spPr>
@@ -33585,7 +34603,7 @@
           </a:ln>
           <a:extLst>
             <a:ext uri="{C572A759-6A51-4108-AA02-DFA0A04FC94B}">
-              <ma14:wrappingTextBoxFlag xmlns="" xmlns:m="http://schemas.openxmlformats.org/officeDocument/2006/math" xmlns:a14="http://schemas.microsoft.com/office/drawing/2010/main" xmlns:ma14="http://schemas.microsoft.com/office/mac/drawingml/2011/main" val="1"/>
+              <ma14:wrappingTextBoxFlag xmlns:ma14="http://schemas.microsoft.com/office/mac/drawingml/2011/main" xmlns:a14="http://schemas.microsoft.com/office/drawing/2010/main" xmlns:m="http://schemas.openxmlformats.org/officeDocument/2006/math" xmlns="" val="1"/>
             </a:ext>
           </a:extLst>
         </p:spPr>
@@ -33635,7 +34653,7 @@
           </a:ln>
           <a:extLst>
             <a:ext uri="{C572A759-6A51-4108-AA02-DFA0A04FC94B}">
-              <ma14:wrappingTextBoxFlag xmlns="" xmlns:m="http://schemas.openxmlformats.org/officeDocument/2006/math" xmlns:a14="http://schemas.microsoft.com/office/drawing/2010/main" xmlns:ma14="http://schemas.microsoft.com/office/mac/drawingml/2011/main" val="1"/>
+              <ma14:wrappingTextBoxFlag xmlns:ma14="http://schemas.microsoft.com/office/mac/drawingml/2011/main" xmlns:a14="http://schemas.microsoft.com/office/drawing/2010/main" xmlns:m="http://schemas.openxmlformats.org/officeDocument/2006/math" xmlns="" val="1"/>
             </a:ext>
           </a:extLst>
         </p:spPr>
@@ -33685,7 +34703,7 @@
           </a:ln>
           <a:extLst>
             <a:ext uri="{C572A759-6A51-4108-AA02-DFA0A04FC94B}">
-              <ma14:wrappingTextBoxFlag xmlns="" xmlns:m="http://schemas.openxmlformats.org/officeDocument/2006/math" xmlns:a14="http://schemas.microsoft.com/office/drawing/2010/main" xmlns:ma14="http://schemas.microsoft.com/office/mac/drawingml/2011/main" val="1"/>
+              <ma14:wrappingTextBoxFlag xmlns:ma14="http://schemas.microsoft.com/office/mac/drawingml/2011/main" xmlns:a14="http://schemas.microsoft.com/office/drawing/2010/main" xmlns:m="http://schemas.openxmlformats.org/officeDocument/2006/math" xmlns="" val="1"/>
             </a:ext>
           </a:extLst>
         </p:spPr>
@@ -33735,7 +34753,7 @@
           </a:ln>
           <a:extLst>
             <a:ext uri="{C572A759-6A51-4108-AA02-DFA0A04FC94B}">
-              <ma14:wrappingTextBoxFlag xmlns="" xmlns:m="http://schemas.openxmlformats.org/officeDocument/2006/math" xmlns:a14="http://schemas.microsoft.com/office/drawing/2010/main" xmlns:ma14="http://schemas.microsoft.com/office/mac/drawingml/2011/main" val="1"/>
+              <ma14:wrappingTextBoxFlag xmlns:ma14="http://schemas.microsoft.com/office/mac/drawingml/2011/main" xmlns:a14="http://schemas.microsoft.com/office/drawing/2010/main" xmlns:m="http://schemas.openxmlformats.org/officeDocument/2006/math" xmlns="" val="1"/>
             </a:ext>
           </a:extLst>
         </p:spPr>
@@ -33785,7 +34803,7 @@
           </a:ln>
           <a:extLst>
             <a:ext uri="{C572A759-6A51-4108-AA02-DFA0A04FC94B}">
-              <ma14:wrappingTextBoxFlag xmlns="" xmlns:m="http://schemas.openxmlformats.org/officeDocument/2006/math" xmlns:a14="http://schemas.microsoft.com/office/drawing/2010/main" xmlns:ma14="http://schemas.microsoft.com/office/mac/drawingml/2011/main" val="1"/>
+              <ma14:wrappingTextBoxFlag xmlns:ma14="http://schemas.microsoft.com/office/mac/drawingml/2011/main" xmlns:a14="http://schemas.microsoft.com/office/drawing/2010/main" xmlns:m="http://schemas.openxmlformats.org/officeDocument/2006/math" xmlns="" val="1"/>
             </a:ext>
           </a:extLst>
         </p:spPr>
@@ -33835,7 +34853,7 @@
           </a:ln>
           <a:extLst>
             <a:ext uri="{C572A759-6A51-4108-AA02-DFA0A04FC94B}">
-              <ma14:wrappingTextBoxFlag xmlns="" xmlns:m="http://schemas.openxmlformats.org/officeDocument/2006/math" xmlns:a14="http://schemas.microsoft.com/office/drawing/2010/main" xmlns:ma14="http://schemas.microsoft.com/office/mac/drawingml/2011/main" val="1"/>
+              <ma14:wrappingTextBoxFlag xmlns:ma14="http://schemas.microsoft.com/office/mac/drawingml/2011/main" xmlns:a14="http://schemas.microsoft.com/office/drawing/2010/main" xmlns:m="http://schemas.openxmlformats.org/officeDocument/2006/math" xmlns="" val="1"/>
             </a:ext>
           </a:extLst>
         </p:spPr>
@@ -33885,7 +34903,7 @@
           </a:ln>
           <a:extLst>
             <a:ext uri="{C572A759-6A51-4108-AA02-DFA0A04FC94B}">
-              <ma14:wrappingTextBoxFlag xmlns="" xmlns:m="http://schemas.openxmlformats.org/officeDocument/2006/math" xmlns:a14="http://schemas.microsoft.com/office/drawing/2010/main" xmlns:ma14="http://schemas.microsoft.com/office/mac/drawingml/2011/main" val="1"/>
+              <ma14:wrappingTextBoxFlag xmlns:ma14="http://schemas.microsoft.com/office/mac/drawingml/2011/main" xmlns:a14="http://schemas.microsoft.com/office/drawing/2010/main" xmlns:m="http://schemas.openxmlformats.org/officeDocument/2006/math" xmlns="" val="1"/>
             </a:ext>
           </a:extLst>
         </p:spPr>
@@ -33935,7 +34953,7 @@
           </a:ln>
           <a:extLst>
             <a:ext uri="{C572A759-6A51-4108-AA02-DFA0A04FC94B}">
-              <ma14:wrappingTextBoxFlag xmlns="" xmlns:m="http://schemas.openxmlformats.org/officeDocument/2006/math" xmlns:a14="http://schemas.microsoft.com/office/drawing/2010/main" xmlns:ma14="http://schemas.microsoft.com/office/mac/drawingml/2011/main" val="1"/>
+              <ma14:wrappingTextBoxFlag xmlns:ma14="http://schemas.microsoft.com/office/mac/drawingml/2011/main" xmlns:a14="http://schemas.microsoft.com/office/drawing/2010/main" xmlns:m="http://schemas.openxmlformats.org/officeDocument/2006/math" xmlns="" val="1"/>
             </a:ext>
           </a:extLst>
         </p:spPr>
@@ -33985,7 +35003,7 @@
           </a:ln>
           <a:extLst>
             <a:ext uri="{C572A759-6A51-4108-AA02-DFA0A04FC94B}">
-              <ma14:wrappingTextBoxFlag xmlns="" xmlns:m="http://schemas.openxmlformats.org/officeDocument/2006/math" xmlns:a14="http://schemas.microsoft.com/office/drawing/2010/main" xmlns:ma14="http://schemas.microsoft.com/office/mac/drawingml/2011/main" val="1"/>
+              <ma14:wrappingTextBoxFlag xmlns:ma14="http://schemas.microsoft.com/office/mac/drawingml/2011/main" xmlns:a14="http://schemas.microsoft.com/office/drawing/2010/main" xmlns:m="http://schemas.openxmlformats.org/officeDocument/2006/math" xmlns="" val="1"/>
             </a:ext>
           </a:extLst>
         </p:spPr>
@@ -34035,7 +35053,7 @@
           </a:ln>
           <a:extLst>
             <a:ext uri="{C572A759-6A51-4108-AA02-DFA0A04FC94B}">
-              <ma14:wrappingTextBoxFlag xmlns="" xmlns:m="http://schemas.openxmlformats.org/officeDocument/2006/math" xmlns:a14="http://schemas.microsoft.com/office/drawing/2010/main" xmlns:ma14="http://schemas.microsoft.com/office/mac/drawingml/2011/main" val="1"/>
+              <ma14:wrappingTextBoxFlag xmlns:ma14="http://schemas.microsoft.com/office/mac/drawingml/2011/main" xmlns:a14="http://schemas.microsoft.com/office/drawing/2010/main" xmlns:m="http://schemas.openxmlformats.org/officeDocument/2006/math" xmlns="" val="1"/>
             </a:ext>
           </a:extLst>
         </p:spPr>
@@ -34085,7 +35103,7 @@
           </a:ln>
           <a:extLst>
             <a:ext uri="{C572A759-6A51-4108-AA02-DFA0A04FC94B}">
-              <ma14:wrappingTextBoxFlag xmlns="" xmlns:m="http://schemas.openxmlformats.org/officeDocument/2006/math" xmlns:a14="http://schemas.microsoft.com/office/drawing/2010/main" xmlns:ma14="http://schemas.microsoft.com/office/mac/drawingml/2011/main" val="1"/>
+              <ma14:wrappingTextBoxFlag xmlns:ma14="http://schemas.microsoft.com/office/mac/drawingml/2011/main" xmlns:a14="http://schemas.microsoft.com/office/drawing/2010/main" xmlns:m="http://schemas.openxmlformats.org/officeDocument/2006/math" xmlns="" val="1"/>
             </a:ext>
           </a:extLst>
         </p:spPr>
@@ -34135,7 +35153,7 @@
           </a:ln>
           <a:extLst>
             <a:ext uri="{C572A759-6A51-4108-AA02-DFA0A04FC94B}">
-              <ma14:wrappingTextBoxFlag xmlns="" xmlns:m="http://schemas.openxmlformats.org/officeDocument/2006/math" xmlns:a14="http://schemas.microsoft.com/office/drawing/2010/main" xmlns:ma14="http://schemas.microsoft.com/office/mac/drawingml/2011/main" val="1"/>
+              <ma14:wrappingTextBoxFlag xmlns:ma14="http://schemas.microsoft.com/office/mac/drawingml/2011/main" xmlns:a14="http://schemas.microsoft.com/office/drawing/2010/main" xmlns:m="http://schemas.openxmlformats.org/officeDocument/2006/math" xmlns="" val="1"/>
             </a:ext>
           </a:extLst>
         </p:spPr>
@@ -34185,7 +35203,7 @@
           </a:ln>
           <a:extLst>
             <a:ext uri="{C572A759-6A51-4108-AA02-DFA0A04FC94B}">
-              <ma14:wrappingTextBoxFlag xmlns="" xmlns:m="http://schemas.openxmlformats.org/officeDocument/2006/math" xmlns:a14="http://schemas.microsoft.com/office/drawing/2010/main" xmlns:ma14="http://schemas.microsoft.com/office/mac/drawingml/2011/main" val="1"/>
+              <ma14:wrappingTextBoxFlag xmlns:ma14="http://schemas.microsoft.com/office/mac/drawingml/2011/main" xmlns:a14="http://schemas.microsoft.com/office/drawing/2010/main" xmlns:m="http://schemas.openxmlformats.org/officeDocument/2006/math" xmlns="" val="1"/>
             </a:ext>
           </a:extLst>
         </p:spPr>
@@ -34235,7 +35253,7 @@
           </a:ln>
           <a:extLst>
             <a:ext uri="{C572A759-6A51-4108-AA02-DFA0A04FC94B}">
-              <ma14:wrappingTextBoxFlag xmlns="" xmlns:m="http://schemas.openxmlformats.org/officeDocument/2006/math" xmlns:a14="http://schemas.microsoft.com/office/drawing/2010/main" xmlns:ma14="http://schemas.microsoft.com/office/mac/drawingml/2011/main" val="1"/>
+              <ma14:wrappingTextBoxFlag xmlns:ma14="http://schemas.microsoft.com/office/mac/drawingml/2011/main" xmlns:a14="http://schemas.microsoft.com/office/drawing/2010/main" xmlns:m="http://schemas.openxmlformats.org/officeDocument/2006/math" xmlns="" val="1"/>
             </a:ext>
           </a:extLst>
         </p:spPr>
@@ -34329,7 +35347,7 @@
           </a:ln>
           <a:extLst>
             <a:ext uri="{C572A759-6A51-4108-AA02-DFA0A04FC94B}">
-              <ma14:wrappingTextBoxFlag xmlns="" xmlns:m="http://schemas.openxmlformats.org/officeDocument/2006/math" xmlns:a14="http://schemas.microsoft.com/office/drawing/2010/main" xmlns:ma14="http://schemas.microsoft.com/office/mac/drawingml/2011/main" val="1"/>
+              <ma14:wrappingTextBoxFlag xmlns:ma14="http://schemas.microsoft.com/office/mac/drawingml/2011/main" xmlns:a14="http://schemas.microsoft.com/office/drawing/2010/main" xmlns:m="http://schemas.openxmlformats.org/officeDocument/2006/math" xmlns="" val="1"/>
             </a:ext>
           </a:extLst>
         </p:spPr>
@@ -34449,7 +35467,7 @@
           </a:ln>
           <a:extLst>
             <a:ext uri="{C572A759-6A51-4108-AA02-DFA0A04FC94B}">
-              <ma14:wrappingTextBoxFlag xmlns="" xmlns:m="http://schemas.openxmlformats.org/officeDocument/2006/math" xmlns:a14="http://schemas.microsoft.com/office/drawing/2010/main" xmlns:ma14="http://schemas.microsoft.com/office/mac/drawingml/2011/main" val="1"/>
+              <ma14:wrappingTextBoxFlag xmlns:ma14="http://schemas.microsoft.com/office/mac/drawingml/2011/main" xmlns:a14="http://schemas.microsoft.com/office/drawing/2010/main" xmlns:m="http://schemas.openxmlformats.org/officeDocument/2006/math" xmlns="" val="1"/>
             </a:ext>
           </a:extLst>
         </p:spPr>
@@ -34511,7 +35529,7 @@
           </a:ln>
           <a:extLst>
             <a:ext uri="{C572A759-6A51-4108-AA02-DFA0A04FC94B}">
-              <ma14:wrappingTextBoxFlag xmlns="" xmlns:m="http://schemas.openxmlformats.org/officeDocument/2006/math" xmlns:a14="http://schemas.microsoft.com/office/drawing/2010/main" xmlns:ma14="http://schemas.microsoft.com/office/mac/drawingml/2011/main" val="1"/>
+              <ma14:wrappingTextBoxFlag xmlns:ma14="http://schemas.microsoft.com/office/mac/drawingml/2011/main" xmlns:a14="http://schemas.microsoft.com/office/drawing/2010/main" xmlns:m="http://schemas.openxmlformats.org/officeDocument/2006/math" xmlns="" val="1"/>
             </a:ext>
           </a:extLst>
         </p:spPr>
@@ -34561,7 +35579,7 @@
           </a:ln>
           <a:extLst>
             <a:ext uri="{C572A759-6A51-4108-AA02-DFA0A04FC94B}">
-              <ma14:wrappingTextBoxFlag xmlns="" xmlns:m="http://schemas.openxmlformats.org/officeDocument/2006/math" xmlns:a14="http://schemas.microsoft.com/office/drawing/2010/main" xmlns:ma14="http://schemas.microsoft.com/office/mac/drawingml/2011/main" val="1"/>
+              <ma14:wrappingTextBoxFlag xmlns:ma14="http://schemas.microsoft.com/office/mac/drawingml/2011/main" xmlns:a14="http://schemas.microsoft.com/office/drawing/2010/main" xmlns:m="http://schemas.openxmlformats.org/officeDocument/2006/math" xmlns="" val="1"/>
             </a:ext>
           </a:extLst>
         </p:spPr>
@@ -34611,7 +35629,7 @@
           </a:ln>
           <a:extLst>
             <a:ext uri="{C572A759-6A51-4108-AA02-DFA0A04FC94B}">
-              <ma14:wrappingTextBoxFlag xmlns="" xmlns:m="http://schemas.openxmlformats.org/officeDocument/2006/math" xmlns:a14="http://schemas.microsoft.com/office/drawing/2010/main" xmlns:ma14="http://schemas.microsoft.com/office/mac/drawingml/2011/main" val="1"/>
+              <ma14:wrappingTextBoxFlag xmlns:ma14="http://schemas.microsoft.com/office/mac/drawingml/2011/main" xmlns:a14="http://schemas.microsoft.com/office/drawing/2010/main" xmlns:m="http://schemas.openxmlformats.org/officeDocument/2006/math" xmlns="" val="1"/>
             </a:ext>
           </a:extLst>
         </p:spPr>
@@ -34661,7 +35679,7 @@
           </a:ln>
           <a:extLst>
             <a:ext uri="{C572A759-6A51-4108-AA02-DFA0A04FC94B}">
-              <ma14:wrappingTextBoxFlag xmlns="" xmlns:m="http://schemas.openxmlformats.org/officeDocument/2006/math" xmlns:a14="http://schemas.microsoft.com/office/drawing/2010/main" xmlns:ma14="http://schemas.microsoft.com/office/mac/drawingml/2011/main" val="1"/>
+              <ma14:wrappingTextBoxFlag xmlns:ma14="http://schemas.microsoft.com/office/mac/drawingml/2011/main" xmlns:a14="http://schemas.microsoft.com/office/drawing/2010/main" xmlns:m="http://schemas.openxmlformats.org/officeDocument/2006/math" xmlns="" val="1"/>
             </a:ext>
           </a:extLst>
         </p:spPr>
@@ -34711,7 +35729,7 @@
           </a:ln>
           <a:extLst>
             <a:ext uri="{C572A759-6A51-4108-AA02-DFA0A04FC94B}">
-              <ma14:wrappingTextBoxFlag xmlns="" xmlns:m="http://schemas.openxmlformats.org/officeDocument/2006/math" xmlns:a14="http://schemas.microsoft.com/office/drawing/2010/main" xmlns:ma14="http://schemas.microsoft.com/office/mac/drawingml/2011/main" val="1"/>
+              <ma14:wrappingTextBoxFlag xmlns:ma14="http://schemas.microsoft.com/office/mac/drawingml/2011/main" xmlns:a14="http://schemas.microsoft.com/office/drawing/2010/main" xmlns:m="http://schemas.openxmlformats.org/officeDocument/2006/math" xmlns="" val="1"/>
             </a:ext>
           </a:extLst>
         </p:spPr>
@@ -34761,7 +35779,7 @@
           </a:ln>
           <a:extLst>
             <a:ext uri="{C572A759-6A51-4108-AA02-DFA0A04FC94B}">
-              <ma14:wrappingTextBoxFlag xmlns="" xmlns:m="http://schemas.openxmlformats.org/officeDocument/2006/math" xmlns:a14="http://schemas.microsoft.com/office/drawing/2010/main" xmlns:ma14="http://schemas.microsoft.com/office/mac/drawingml/2011/main" val="1"/>
+              <ma14:wrappingTextBoxFlag xmlns:ma14="http://schemas.microsoft.com/office/mac/drawingml/2011/main" xmlns:a14="http://schemas.microsoft.com/office/drawing/2010/main" xmlns:m="http://schemas.openxmlformats.org/officeDocument/2006/math" xmlns="" val="1"/>
             </a:ext>
           </a:extLst>
         </p:spPr>
@@ -34811,7 +35829,7 @@
           </a:ln>
           <a:extLst>
             <a:ext uri="{C572A759-6A51-4108-AA02-DFA0A04FC94B}">
-              <ma14:wrappingTextBoxFlag xmlns="" xmlns:m="http://schemas.openxmlformats.org/officeDocument/2006/math" xmlns:a14="http://schemas.microsoft.com/office/drawing/2010/main" xmlns:ma14="http://schemas.microsoft.com/office/mac/drawingml/2011/main" val="1"/>
+              <ma14:wrappingTextBoxFlag xmlns:ma14="http://schemas.microsoft.com/office/mac/drawingml/2011/main" xmlns:a14="http://schemas.microsoft.com/office/drawing/2010/main" xmlns:m="http://schemas.openxmlformats.org/officeDocument/2006/math" xmlns="" val="1"/>
             </a:ext>
           </a:extLst>
         </p:spPr>
@@ -34861,7 +35879,7 @@
           </a:ln>
           <a:extLst>
             <a:ext uri="{C572A759-6A51-4108-AA02-DFA0A04FC94B}">
-              <ma14:wrappingTextBoxFlag xmlns="" xmlns:m="http://schemas.openxmlformats.org/officeDocument/2006/math" xmlns:a14="http://schemas.microsoft.com/office/drawing/2010/main" xmlns:ma14="http://schemas.microsoft.com/office/mac/drawingml/2011/main" val="1"/>
+              <ma14:wrappingTextBoxFlag xmlns:ma14="http://schemas.microsoft.com/office/mac/drawingml/2011/main" xmlns:a14="http://schemas.microsoft.com/office/drawing/2010/main" xmlns:m="http://schemas.openxmlformats.org/officeDocument/2006/math" xmlns="" val="1"/>
             </a:ext>
           </a:extLst>
         </p:spPr>
@@ -34911,7 +35929,7 @@
           </a:ln>
           <a:extLst>
             <a:ext uri="{C572A759-6A51-4108-AA02-DFA0A04FC94B}">
-              <ma14:wrappingTextBoxFlag xmlns="" xmlns:m="http://schemas.openxmlformats.org/officeDocument/2006/math" xmlns:a14="http://schemas.microsoft.com/office/drawing/2010/main" xmlns:ma14="http://schemas.microsoft.com/office/mac/drawingml/2011/main" val="1"/>
+              <ma14:wrappingTextBoxFlag xmlns:ma14="http://schemas.microsoft.com/office/mac/drawingml/2011/main" xmlns:a14="http://schemas.microsoft.com/office/drawing/2010/main" xmlns:m="http://schemas.openxmlformats.org/officeDocument/2006/math" xmlns="" val="1"/>
             </a:ext>
           </a:extLst>
         </p:spPr>
@@ -34961,7 +35979,7 @@
           </a:ln>
           <a:extLst>
             <a:ext uri="{C572A759-6A51-4108-AA02-DFA0A04FC94B}">
-              <ma14:wrappingTextBoxFlag xmlns="" xmlns:m="http://schemas.openxmlformats.org/officeDocument/2006/math" xmlns:a14="http://schemas.microsoft.com/office/drawing/2010/main" xmlns:ma14="http://schemas.microsoft.com/office/mac/drawingml/2011/main" val="1"/>
+              <ma14:wrappingTextBoxFlag xmlns:ma14="http://schemas.microsoft.com/office/mac/drawingml/2011/main" xmlns:a14="http://schemas.microsoft.com/office/drawing/2010/main" xmlns:m="http://schemas.openxmlformats.org/officeDocument/2006/math" xmlns="" val="1"/>
             </a:ext>
           </a:extLst>
         </p:spPr>
@@ -35011,7 +36029,7 @@
           </a:ln>
           <a:extLst>
             <a:ext uri="{C572A759-6A51-4108-AA02-DFA0A04FC94B}">
-              <ma14:wrappingTextBoxFlag xmlns="" xmlns:m="http://schemas.openxmlformats.org/officeDocument/2006/math" xmlns:a14="http://schemas.microsoft.com/office/drawing/2010/main" xmlns:ma14="http://schemas.microsoft.com/office/mac/drawingml/2011/main" val="1"/>
+              <ma14:wrappingTextBoxFlag xmlns:ma14="http://schemas.microsoft.com/office/mac/drawingml/2011/main" xmlns:a14="http://schemas.microsoft.com/office/drawing/2010/main" xmlns:m="http://schemas.openxmlformats.org/officeDocument/2006/math" xmlns="" val="1"/>
             </a:ext>
           </a:extLst>
         </p:spPr>
@@ -35061,7 +36079,7 @@
           </a:ln>
           <a:extLst>
             <a:ext uri="{C572A759-6A51-4108-AA02-DFA0A04FC94B}">
-              <ma14:wrappingTextBoxFlag xmlns="" xmlns:m="http://schemas.openxmlformats.org/officeDocument/2006/math" xmlns:a14="http://schemas.microsoft.com/office/drawing/2010/main" xmlns:ma14="http://schemas.microsoft.com/office/mac/drawingml/2011/main" val="1"/>
+              <ma14:wrappingTextBoxFlag xmlns:ma14="http://schemas.microsoft.com/office/mac/drawingml/2011/main" xmlns:a14="http://schemas.microsoft.com/office/drawing/2010/main" xmlns:m="http://schemas.openxmlformats.org/officeDocument/2006/math" xmlns="" val="1"/>
             </a:ext>
           </a:extLst>
         </p:spPr>
@@ -35111,7 +36129,7 @@
           </a:ln>
           <a:extLst>
             <a:ext uri="{C572A759-6A51-4108-AA02-DFA0A04FC94B}">
-              <ma14:wrappingTextBoxFlag xmlns="" xmlns:m="http://schemas.openxmlformats.org/officeDocument/2006/math" xmlns:a14="http://schemas.microsoft.com/office/drawing/2010/main" xmlns:ma14="http://schemas.microsoft.com/office/mac/drawingml/2011/main" val="1"/>
+              <ma14:wrappingTextBoxFlag xmlns:ma14="http://schemas.microsoft.com/office/mac/drawingml/2011/main" xmlns:a14="http://schemas.microsoft.com/office/drawing/2010/main" xmlns:m="http://schemas.openxmlformats.org/officeDocument/2006/math" xmlns="" val="1"/>
             </a:ext>
           </a:extLst>
         </p:spPr>
@@ -35161,7 +36179,7 @@
           </a:ln>
           <a:extLst>
             <a:ext uri="{C572A759-6A51-4108-AA02-DFA0A04FC94B}">
-              <ma14:wrappingTextBoxFlag xmlns="" xmlns:m="http://schemas.openxmlformats.org/officeDocument/2006/math" xmlns:a14="http://schemas.microsoft.com/office/drawing/2010/main" xmlns:ma14="http://schemas.microsoft.com/office/mac/drawingml/2011/main" val="1"/>
+              <ma14:wrappingTextBoxFlag xmlns:ma14="http://schemas.microsoft.com/office/mac/drawingml/2011/main" xmlns:a14="http://schemas.microsoft.com/office/drawing/2010/main" xmlns:m="http://schemas.openxmlformats.org/officeDocument/2006/math" xmlns="" val="1"/>
             </a:ext>
           </a:extLst>
         </p:spPr>
@@ -35211,7 +36229,7 @@
           </a:ln>
           <a:extLst>
             <a:ext uri="{C572A759-6A51-4108-AA02-DFA0A04FC94B}">
-              <ma14:wrappingTextBoxFlag xmlns="" xmlns:m="http://schemas.openxmlformats.org/officeDocument/2006/math" xmlns:a14="http://schemas.microsoft.com/office/drawing/2010/main" xmlns:ma14="http://schemas.microsoft.com/office/mac/drawingml/2011/main" val="1"/>
+              <ma14:wrappingTextBoxFlag xmlns:ma14="http://schemas.microsoft.com/office/mac/drawingml/2011/main" xmlns:a14="http://schemas.microsoft.com/office/drawing/2010/main" xmlns:m="http://schemas.openxmlformats.org/officeDocument/2006/math" xmlns="" val="1"/>
             </a:ext>
           </a:extLst>
         </p:spPr>
@@ -35261,7 +36279,7 @@
           </a:ln>
           <a:extLst>
             <a:ext uri="{C572A759-6A51-4108-AA02-DFA0A04FC94B}">
-              <ma14:wrappingTextBoxFlag xmlns="" xmlns:m="http://schemas.openxmlformats.org/officeDocument/2006/math" xmlns:a14="http://schemas.microsoft.com/office/drawing/2010/main" xmlns:ma14="http://schemas.microsoft.com/office/mac/drawingml/2011/main" val="1"/>
+              <ma14:wrappingTextBoxFlag xmlns:ma14="http://schemas.microsoft.com/office/mac/drawingml/2011/main" xmlns:a14="http://schemas.microsoft.com/office/drawing/2010/main" xmlns:m="http://schemas.openxmlformats.org/officeDocument/2006/math" xmlns="" val="1"/>
             </a:ext>
           </a:extLst>
         </p:spPr>
@@ -35311,7 +36329,7 @@
           </a:ln>
           <a:extLst>
             <a:ext uri="{C572A759-6A51-4108-AA02-DFA0A04FC94B}">
-              <ma14:wrappingTextBoxFlag xmlns="" xmlns:m="http://schemas.openxmlformats.org/officeDocument/2006/math" xmlns:a14="http://schemas.microsoft.com/office/drawing/2010/main" xmlns:ma14="http://schemas.microsoft.com/office/mac/drawingml/2011/main" val="1"/>
+              <ma14:wrappingTextBoxFlag xmlns:ma14="http://schemas.microsoft.com/office/mac/drawingml/2011/main" xmlns:a14="http://schemas.microsoft.com/office/drawing/2010/main" xmlns:m="http://schemas.openxmlformats.org/officeDocument/2006/math" xmlns="" val="1"/>
             </a:ext>
           </a:extLst>
         </p:spPr>
@@ -35361,7 +36379,7 @@
           </a:ln>
           <a:extLst>
             <a:ext uri="{C572A759-6A51-4108-AA02-DFA0A04FC94B}">
-              <ma14:wrappingTextBoxFlag xmlns="" xmlns:m="http://schemas.openxmlformats.org/officeDocument/2006/math" xmlns:a14="http://schemas.microsoft.com/office/drawing/2010/main" xmlns:ma14="http://schemas.microsoft.com/office/mac/drawingml/2011/main" val="1"/>
+              <ma14:wrappingTextBoxFlag xmlns:ma14="http://schemas.microsoft.com/office/mac/drawingml/2011/main" xmlns:a14="http://schemas.microsoft.com/office/drawing/2010/main" xmlns:m="http://schemas.openxmlformats.org/officeDocument/2006/math" xmlns="" val="1"/>
             </a:ext>
           </a:extLst>
         </p:spPr>
@@ -35411,7 +36429,7 @@
           </a:ln>
           <a:extLst>
             <a:ext uri="{C572A759-6A51-4108-AA02-DFA0A04FC94B}">
-              <ma14:wrappingTextBoxFlag xmlns="" xmlns:m="http://schemas.openxmlformats.org/officeDocument/2006/math" xmlns:a14="http://schemas.microsoft.com/office/drawing/2010/main" xmlns:ma14="http://schemas.microsoft.com/office/mac/drawingml/2011/main" val="1"/>
+              <ma14:wrappingTextBoxFlag xmlns:ma14="http://schemas.microsoft.com/office/mac/drawingml/2011/main" xmlns:a14="http://schemas.microsoft.com/office/drawing/2010/main" xmlns:m="http://schemas.openxmlformats.org/officeDocument/2006/math" xmlns="" val="1"/>
             </a:ext>
           </a:extLst>
         </p:spPr>
@@ -35461,7 +36479,7 @@
           </a:ln>
           <a:extLst>
             <a:ext uri="{C572A759-6A51-4108-AA02-DFA0A04FC94B}">
-              <ma14:wrappingTextBoxFlag xmlns="" xmlns:m="http://schemas.openxmlformats.org/officeDocument/2006/math" xmlns:a14="http://schemas.microsoft.com/office/drawing/2010/main" xmlns:ma14="http://schemas.microsoft.com/office/mac/drawingml/2011/main" val="1"/>
+              <ma14:wrappingTextBoxFlag xmlns:ma14="http://schemas.microsoft.com/office/mac/drawingml/2011/main" xmlns:a14="http://schemas.microsoft.com/office/drawing/2010/main" xmlns:m="http://schemas.openxmlformats.org/officeDocument/2006/math" xmlns="" val="1"/>
             </a:ext>
           </a:extLst>
         </p:spPr>
@@ -35511,7 +36529,7 @@
           </a:ln>
           <a:extLst>
             <a:ext uri="{C572A759-6A51-4108-AA02-DFA0A04FC94B}">
-              <ma14:wrappingTextBoxFlag xmlns="" xmlns:m="http://schemas.openxmlformats.org/officeDocument/2006/math" xmlns:a14="http://schemas.microsoft.com/office/drawing/2010/main" xmlns:ma14="http://schemas.microsoft.com/office/mac/drawingml/2011/main" val="1"/>
+              <ma14:wrappingTextBoxFlag xmlns:ma14="http://schemas.microsoft.com/office/mac/drawingml/2011/main" xmlns:a14="http://schemas.microsoft.com/office/drawing/2010/main" xmlns:m="http://schemas.openxmlformats.org/officeDocument/2006/math" xmlns="" val="1"/>
             </a:ext>
           </a:extLst>
         </p:spPr>
@@ -35561,7 +36579,7 @@
           </a:ln>
           <a:extLst>
             <a:ext uri="{C572A759-6A51-4108-AA02-DFA0A04FC94B}">
-              <ma14:wrappingTextBoxFlag xmlns="" xmlns:m="http://schemas.openxmlformats.org/officeDocument/2006/math" xmlns:a14="http://schemas.microsoft.com/office/drawing/2010/main" xmlns:ma14="http://schemas.microsoft.com/office/mac/drawingml/2011/main" val="1"/>
+              <ma14:wrappingTextBoxFlag xmlns:ma14="http://schemas.microsoft.com/office/mac/drawingml/2011/main" xmlns:a14="http://schemas.microsoft.com/office/drawing/2010/main" xmlns:m="http://schemas.openxmlformats.org/officeDocument/2006/math" xmlns="" val="1"/>
             </a:ext>
           </a:extLst>
         </p:spPr>
@@ -35611,7 +36629,7 @@
           </a:ln>
           <a:extLst>
             <a:ext uri="{C572A759-6A51-4108-AA02-DFA0A04FC94B}">
-              <ma14:wrappingTextBoxFlag xmlns="" xmlns:m="http://schemas.openxmlformats.org/officeDocument/2006/math" xmlns:a14="http://schemas.microsoft.com/office/drawing/2010/main" xmlns:ma14="http://schemas.microsoft.com/office/mac/drawingml/2011/main" val="1"/>
+              <ma14:wrappingTextBoxFlag xmlns:ma14="http://schemas.microsoft.com/office/mac/drawingml/2011/main" xmlns:a14="http://schemas.microsoft.com/office/drawing/2010/main" xmlns:m="http://schemas.openxmlformats.org/officeDocument/2006/math" xmlns="" val="1"/>
             </a:ext>
           </a:extLst>
         </p:spPr>
@@ -35661,7 +36679,7 @@
           </a:ln>
           <a:extLst>
             <a:ext uri="{C572A759-6A51-4108-AA02-DFA0A04FC94B}">
-              <ma14:wrappingTextBoxFlag xmlns="" xmlns:m="http://schemas.openxmlformats.org/officeDocument/2006/math" xmlns:a14="http://schemas.microsoft.com/office/drawing/2010/main" xmlns:ma14="http://schemas.microsoft.com/office/mac/drawingml/2011/main" val="1"/>
+              <ma14:wrappingTextBoxFlag xmlns:ma14="http://schemas.microsoft.com/office/mac/drawingml/2011/main" xmlns:a14="http://schemas.microsoft.com/office/drawing/2010/main" xmlns:m="http://schemas.openxmlformats.org/officeDocument/2006/math" xmlns="" val="1"/>
             </a:ext>
           </a:extLst>
         </p:spPr>
@@ -35711,7 +36729,7 @@
           </a:ln>
           <a:extLst>
             <a:ext uri="{C572A759-6A51-4108-AA02-DFA0A04FC94B}">
-              <ma14:wrappingTextBoxFlag xmlns="" xmlns:m="http://schemas.openxmlformats.org/officeDocument/2006/math" xmlns:a14="http://schemas.microsoft.com/office/drawing/2010/main" xmlns:ma14="http://schemas.microsoft.com/office/mac/drawingml/2011/main" val="1"/>
+              <ma14:wrappingTextBoxFlag xmlns:ma14="http://schemas.microsoft.com/office/mac/drawingml/2011/main" xmlns:a14="http://schemas.microsoft.com/office/drawing/2010/main" xmlns:m="http://schemas.openxmlformats.org/officeDocument/2006/math" xmlns="" val="1"/>
             </a:ext>
           </a:extLst>
         </p:spPr>
@@ -35761,7 +36779,7 @@
           </a:ln>
           <a:extLst>
             <a:ext uri="{C572A759-6A51-4108-AA02-DFA0A04FC94B}">
-              <ma14:wrappingTextBoxFlag xmlns="" xmlns:m="http://schemas.openxmlformats.org/officeDocument/2006/math" xmlns:a14="http://schemas.microsoft.com/office/drawing/2010/main" xmlns:ma14="http://schemas.microsoft.com/office/mac/drawingml/2011/main" val="1"/>
+              <ma14:wrappingTextBoxFlag xmlns:ma14="http://schemas.microsoft.com/office/mac/drawingml/2011/main" xmlns:a14="http://schemas.microsoft.com/office/drawing/2010/main" xmlns:m="http://schemas.openxmlformats.org/officeDocument/2006/math" xmlns="" val="1"/>
             </a:ext>
           </a:extLst>
         </p:spPr>
@@ -35811,7 +36829,7 @@
           </a:ln>
           <a:extLst>
             <a:ext uri="{C572A759-6A51-4108-AA02-DFA0A04FC94B}">
-              <ma14:wrappingTextBoxFlag xmlns="" xmlns:m="http://schemas.openxmlformats.org/officeDocument/2006/math" xmlns:a14="http://schemas.microsoft.com/office/drawing/2010/main" xmlns:ma14="http://schemas.microsoft.com/office/mac/drawingml/2011/main" val="1"/>
+              <ma14:wrappingTextBoxFlag xmlns:ma14="http://schemas.microsoft.com/office/mac/drawingml/2011/main" xmlns:a14="http://schemas.microsoft.com/office/drawing/2010/main" xmlns:m="http://schemas.openxmlformats.org/officeDocument/2006/math" xmlns="" val="1"/>
             </a:ext>
           </a:extLst>
         </p:spPr>
@@ -35861,7 +36879,7 @@
           </a:ln>
           <a:extLst>
             <a:ext uri="{C572A759-6A51-4108-AA02-DFA0A04FC94B}">
-              <ma14:wrappingTextBoxFlag xmlns="" xmlns:m="http://schemas.openxmlformats.org/officeDocument/2006/math" xmlns:a14="http://schemas.microsoft.com/office/drawing/2010/main" xmlns:ma14="http://schemas.microsoft.com/office/mac/drawingml/2011/main" val="1"/>
+              <ma14:wrappingTextBoxFlag xmlns:ma14="http://schemas.microsoft.com/office/mac/drawingml/2011/main" xmlns:a14="http://schemas.microsoft.com/office/drawing/2010/main" xmlns:m="http://schemas.openxmlformats.org/officeDocument/2006/math" xmlns="" val="1"/>
             </a:ext>
           </a:extLst>
         </p:spPr>
@@ -35911,7 +36929,7 @@
           </a:ln>
           <a:extLst>
             <a:ext uri="{C572A759-6A51-4108-AA02-DFA0A04FC94B}">
-              <ma14:wrappingTextBoxFlag xmlns="" xmlns:m="http://schemas.openxmlformats.org/officeDocument/2006/math" xmlns:a14="http://schemas.microsoft.com/office/drawing/2010/main" xmlns:ma14="http://schemas.microsoft.com/office/mac/drawingml/2011/main" val="1"/>
+              <ma14:wrappingTextBoxFlag xmlns:ma14="http://schemas.microsoft.com/office/mac/drawingml/2011/main" xmlns:a14="http://schemas.microsoft.com/office/drawing/2010/main" xmlns:m="http://schemas.openxmlformats.org/officeDocument/2006/math" xmlns="" val="1"/>
             </a:ext>
           </a:extLst>
         </p:spPr>
@@ -36263,7 +37281,7 @@
           </a:ln>
           <a:extLst>
             <a:ext uri="{C572A759-6A51-4108-AA02-DFA0A04FC94B}">
-              <ma14:wrappingTextBoxFlag xmlns:ma14="http://schemas.microsoft.com/office/mac/drawingml/2011/main" xmlns:a14="http://schemas.microsoft.com/office/drawing/2010/main" xmlns:m="http://schemas.openxmlformats.org/officeDocument/2006/math" xmlns="" val="1"/>
+              <ma14:wrappingTextBoxFlag xmlns="" xmlns:m="http://schemas.openxmlformats.org/officeDocument/2006/math" xmlns:a14="http://schemas.microsoft.com/office/drawing/2010/main" xmlns:ma14="http://schemas.microsoft.com/office/mac/drawingml/2011/main" val="1"/>
             </a:ext>
           </a:extLst>
         </p:spPr>
@@ -36329,7 +37347,7 @@
           </a:ln>
           <a:extLst>
             <a:ext uri="{C572A759-6A51-4108-AA02-DFA0A04FC94B}">
-              <ma14:wrappingTextBoxFlag xmlns:ma14="http://schemas.microsoft.com/office/mac/drawingml/2011/main" xmlns:a14="http://schemas.microsoft.com/office/drawing/2010/main" xmlns:m="http://schemas.openxmlformats.org/officeDocument/2006/math" xmlns="" val="1"/>
+              <ma14:wrappingTextBoxFlag xmlns="" xmlns:m="http://schemas.openxmlformats.org/officeDocument/2006/math" xmlns:a14="http://schemas.microsoft.com/office/drawing/2010/main" xmlns:ma14="http://schemas.microsoft.com/office/mac/drawingml/2011/main" val="1"/>
             </a:ext>
           </a:extLst>
         </p:spPr>
@@ -36755,7 +37773,7 @@
             </a:ln>
             <a:extLst>
               <a:ext uri="{C572A759-6A51-4108-AA02-DFA0A04FC94B}">
-                <ma14:wrappingTextBoxFlag xmlns:ma14="http://schemas.microsoft.com/office/mac/drawingml/2011/main" xmlns:a14="http://schemas.microsoft.com/office/drawing/2010/main" xmlns:m="http://schemas.openxmlformats.org/officeDocument/2006/math" xmlns="" val="1"/>
+                <ma14:wrappingTextBoxFlag xmlns="" xmlns:m="http://schemas.openxmlformats.org/officeDocument/2006/math" xmlns:a14="http://schemas.microsoft.com/office/drawing/2010/main" xmlns:ma14="http://schemas.microsoft.com/office/mac/drawingml/2011/main" val="1"/>
               </a:ext>
             </a:extLst>
           </p:spPr>
@@ -36896,7 +37914,7 @@
           </a:ln>
           <a:extLst>
             <a:ext uri="{C572A759-6A51-4108-AA02-DFA0A04FC94B}">
-              <ma14:wrappingTextBoxFlag xmlns:ma14="http://schemas.microsoft.com/office/mac/drawingml/2011/main" xmlns:a14="http://schemas.microsoft.com/office/drawing/2010/main" xmlns:m="http://schemas.openxmlformats.org/officeDocument/2006/math" xmlns="" val="1"/>
+              <ma14:wrappingTextBoxFlag xmlns="" xmlns:m="http://schemas.openxmlformats.org/officeDocument/2006/math" xmlns:a14="http://schemas.microsoft.com/office/drawing/2010/main" xmlns:ma14="http://schemas.microsoft.com/office/mac/drawingml/2011/main" val="1"/>
             </a:ext>
           </a:extLst>
         </p:spPr>
@@ -36946,7 +37964,7 @@
           </a:ln>
           <a:extLst>
             <a:ext uri="{C572A759-6A51-4108-AA02-DFA0A04FC94B}">
-              <ma14:wrappingTextBoxFlag xmlns:ma14="http://schemas.microsoft.com/office/mac/drawingml/2011/main" xmlns:a14="http://schemas.microsoft.com/office/drawing/2010/main" xmlns:m="http://schemas.openxmlformats.org/officeDocument/2006/math" xmlns="" val="1"/>
+              <ma14:wrappingTextBoxFlag xmlns="" xmlns:m="http://schemas.openxmlformats.org/officeDocument/2006/math" xmlns:a14="http://schemas.microsoft.com/office/drawing/2010/main" xmlns:ma14="http://schemas.microsoft.com/office/mac/drawingml/2011/main" val="1"/>
             </a:ext>
           </a:extLst>
         </p:spPr>
@@ -36996,7 +38014,7 @@
           </a:ln>
           <a:extLst>
             <a:ext uri="{C572A759-6A51-4108-AA02-DFA0A04FC94B}">
-              <ma14:wrappingTextBoxFlag xmlns:ma14="http://schemas.microsoft.com/office/mac/drawingml/2011/main" xmlns:a14="http://schemas.microsoft.com/office/drawing/2010/main" xmlns:m="http://schemas.openxmlformats.org/officeDocument/2006/math" xmlns="" val="1"/>
+              <ma14:wrappingTextBoxFlag xmlns="" xmlns:m="http://schemas.openxmlformats.org/officeDocument/2006/math" xmlns:a14="http://schemas.microsoft.com/office/drawing/2010/main" xmlns:ma14="http://schemas.microsoft.com/office/mac/drawingml/2011/main" val="1"/>
             </a:ext>
           </a:extLst>
         </p:spPr>
@@ -37046,7 +38064,7 @@
           </a:ln>
           <a:extLst>
             <a:ext uri="{C572A759-6A51-4108-AA02-DFA0A04FC94B}">
-              <ma14:wrappingTextBoxFlag xmlns:ma14="http://schemas.microsoft.com/office/mac/drawingml/2011/main" xmlns:a14="http://schemas.microsoft.com/office/drawing/2010/main" xmlns:m="http://schemas.openxmlformats.org/officeDocument/2006/math" xmlns="" val="1"/>
+              <ma14:wrappingTextBoxFlag xmlns="" xmlns:m="http://schemas.openxmlformats.org/officeDocument/2006/math" xmlns:a14="http://schemas.microsoft.com/office/drawing/2010/main" xmlns:ma14="http://schemas.microsoft.com/office/mac/drawingml/2011/main" val="1"/>
             </a:ext>
           </a:extLst>
         </p:spPr>
@@ -37096,7 +38114,7 @@
           </a:ln>
           <a:extLst>
             <a:ext uri="{C572A759-6A51-4108-AA02-DFA0A04FC94B}">
-              <ma14:wrappingTextBoxFlag xmlns:ma14="http://schemas.microsoft.com/office/mac/drawingml/2011/main" xmlns:a14="http://schemas.microsoft.com/office/drawing/2010/main" xmlns:m="http://schemas.openxmlformats.org/officeDocument/2006/math" xmlns="" val="1"/>
+              <ma14:wrappingTextBoxFlag xmlns="" xmlns:m="http://schemas.openxmlformats.org/officeDocument/2006/math" xmlns:a14="http://schemas.microsoft.com/office/drawing/2010/main" xmlns:ma14="http://schemas.microsoft.com/office/mac/drawingml/2011/main" val="1"/>
             </a:ext>
           </a:extLst>
         </p:spPr>
@@ -37146,7 +38164,7 @@
           </a:ln>
           <a:extLst>
             <a:ext uri="{C572A759-6A51-4108-AA02-DFA0A04FC94B}">
-              <ma14:wrappingTextBoxFlag xmlns:ma14="http://schemas.microsoft.com/office/mac/drawingml/2011/main" xmlns:a14="http://schemas.microsoft.com/office/drawing/2010/main" xmlns:m="http://schemas.openxmlformats.org/officeDocument/2006/math" xmlns="" val="1"/>
+              <ma14:wrappingTextBoxFlag xmlns="" xmlns:m="http://schemas.openxmlformats.org/officeDocument/2006/math" xmlns:a14="http://schemas.microsoft.com/office/drawing/2010/main" xmlns:ma14="http://schemas.microsoft.com/office/mac/drawingml/2011/main" val="1"/>
             </a:ext>
           </a:extLst>
         </p:spPr>
@@ -37196,7 +38214,7 @@
           </a:ln>
           <a:extLst>
             <a:ext uri="{C572A759-6A51-4108-AA02-DFA0A04FC94B}">
-              <ma14:wrappingTextBoxFlag xmlns:ma14="http://schemas.microsoft.com/office/mac/drawingml/2011/main" xmlns:a14="http://schemas.microsoft.com/office/drawing/2010/main" xmlns:m="http://schemas.openxmlformats.org/officeDocument/2006/math" xmlns="" val="1"/>
+              <ma14:wrappingTextBoxFlag xmlns="" xmlns:m="http://schemas.openxmlformats.org/officeDocument/2006/math" xmlns:a14="http://schemas.microsoft.com/office/drawing/2010/main" xmlns:ma14="http://schemas.microsoft.com/office/mac/drawingml/2011/main" val="1"/>
             </a:ext>
           </a:extLst>
         </p:spPr>
@@ -37246,7 +38264,7 @@
           </a:ln>
           <a:extLst>
             <a:ext uri="{C572A759-6A51-4108-AA02-DFA0A04FC94B}">
-              <ma14:wrappingTextBoxFlag xmlns:ma14="http://schemas.microsoft.com/office/mac/drawingml/2011/main" xmlns:a14="http://schemas.microsoft.com/office/drawing/2010/main" xmlns:m="http://schemas.openxmlformats.org/officeDocument/2006/math" xmlns="" val="1"/>
+              <ma14:wrappingTextBoxFlag xmlns="" xmlns:m="http://schemas.openxmlformats.org/officeDocument/2006/math" xmlns:a14="http://schemas.microsoft.com/office/drawing/2010/main" xmlns:ma14="http://schemas.microsoft.com/office/mac/drawingml/2011/main" val="1"/>
             </a:ext>
           </a:extLst>
         </p:spPr>
@@ -37296,7 +38314,7 @@
           </a:ln>
           <a:extLst>
             <a:ext uri="{C572A759-6A51-4108-AA02-DFA0A04FC94B}">
-              <ma14:wrappingTextBoxFlag xmlns:ma14="http://schemas.microsoft.com/office/mac/drawingml/2011/main" xmlns:a14="http://schemas.microsoft.com/office/drawing/2010/main" xmlns:m="http://schemas.openxmlformats.org/officeDocument/2006/math" xmlns="" val="1"/>
+              <ma14:wrappingTextBoxFlag xmlns="" xmlns:m="http://schemas.openxmlformats.org/officeDocument/2006/math" xmlns:a14="http://schemas.microsoft.com/office/drawing/2010/main" xmlns:ma14="http://schemas.microsoft.com/office/mac/drawingml/2011/main" val="1"/>
             </a:ext>
           </a:extLst>
         </p:spPr>
@@ -37346,7 +38364,7 @@
           </a:ln>
           <a:extLst>
             <a:ext uri="{C572A759-6A51-4108-AA02-DFA0A04FC94B}">
-              <ma14:wrappingTextBoxFlag xmlns:ma14="http://schemas.microsoft.com/office/mac/drawingml/2011/main" xmlns:a14="http://schemas.microsoft.com/office/drawing/2010/main" xmlns:m="http://schemas.openxmlformats.org/officeDocument/2006/math" xmlns="" val="1"/>
+              <ma14:wrappingTextBoxFlag xmlns="" xmlns:m="http://schemas.openxmlformats.org/officeDocument/2006/math" xmlns:a14="http://schemas.microsoft.com/office/drawing/2010/main" xmlns:ma14="http://schemas.microsoft.com/office/mac/drawingml/2011/main" val="1"/>
             </a:ext>
           </a:extLst>
         </p:spPr>
@@ -37396,7 +38414,7 @@
           </a:ln>
           <a:extLst>
             <a:ext uri="{C572A759-6A51-4108-AA02-DFA0A04FC94B}">
-              <ma14:wrappingTextBoxFlag xmlns:ma14="http://schemas.microsoft.com/office/mac/drawingml/2011/main" xmlns:a14="http://schemas.microsoft.com/office/drawing/2010/main" xmlns:m="http://schemas.openxmlformats.org/officeDocument/2006/math" xmlns="" val="1"/>
+              <ma14:wrappingTextBoxFlag xmlns="" xmlns:m="http://schemas.openxmlformats.org/officeDocument/2006/math" xmlns:a14="http://schemas.microsoft.com/office/drawing/2010/main" xmlns:ma14="http://schemas.microsoft.com/office/mac/drawingml/2011/main" val="1"/>
             </a:ext>
           </a:extLst>
         </p:spPr>
@@ -37446,7 +38464,7 @@
           </a:ln>
           <a:extLst>
             <a:ext uri="{C572A759-6A51-4108-AA02-DFA0A04FC94B}">
-              <ma14:wrappingTextBoxFlag xmlns:ma14="http://schemas.microsoft.com/office/mac/drawingml/2011/main" xmlns:a14="http://schemas.microsoft.com/office/drawing/2010/main" xmlns:m="http://schemas.openxmlformats.org/officeDocument/2006/math" xmlns="" val="1"/>
+              <ma14:wrappingTextBoxFlag xmlns="" xmlns:m="http://schemas.openxmlformats.org/officeDocument/2006/math" xmlns:a14="http://schemas.microsoft.com/office/drawing/2010/main" xmlns:ma14="http://schemas.microsoft.com/office/mac/drawingml/2011/main" val="1"/>
             </a:ext>
           </a:extLst>
         </p:spPr>
@@ -37496,7 +38514,7 @@
           </a:ln>
           <a:extLst>
             <a:ext uri="{C572A759-6A51-4108-AA02-DFA0A04FC94B}">
-              <ma14:wrappingTextBoxFlag xmlns:ma14="http://schemas.microsoft.com/office/mac/drawingml/2011/main" xmlns:a14="http://schemas.microsoft.com/office/drawing/2010/main" xmlns:m="http://schemas.openxmlformats.org/officeDocument/2006/math" xmlns="" val="1"/>
+              <ma14:wrappingTextBoxFlag xmlns="" xmlns:m="http://schemas.openxmlformats.org/officeDocument/2006/math" xmlns:a14="http://schemas.microsoft.com/office/drawing/2010/main" xmlns:ma14="http://schemas.microsoft.com/office/mac/drawingml/2011/main" val="1"/>
             </a:ext>
           </a:extLst>
         </p:spPr>
@@ -37546,7 +38564,7 @@
           </a:ln>
           <a:extLst>
             <a:ext uri="{C572A759-6A51-4108-AA02-DFA0A04FC94B}">
-              <ma14:wrappingTextBoxFlag xmlns:ma14="http://schemas.microsoft.com/office/mac/drawingml/2011/main" xmlns:a14="http://schemas.microsoft.com/office/drawing/2010/main" xmlns:m="http://schemas.openxmlformats.org/officeDocument/2006/math" xmlns="" val="1"/>
+              <ma14:wrappingTextBoxFlag xmlns="" xmlns:m="http://schemas.openxmlformats.org/officeDocument/2006/math" xmlns:a14="http://schemas.microsoft.com/office/drawing/2010/main" xmlns:ma14="http://schemas.microsoft.com/office/mac/drawingml/2011/main" val="1"/>
             </a:ext>
           </a:extLst>
         </p:spPr>
@@ -37596,7 +38614,7 @@
           </a:ln>
           <a:extLst>
             <a:ext uri="{C572A759-6A51-4108-AA02-DFA0A04FC94B}">
-              <ma14:wrappingTextBoxFlag xmlns:ma14="http://schemas.microsoft.com/office/mac/drawingml/2011/main" xmlns:a14="http://schemas.microsoft.com/office/drawing/2010/main" xmlns:m="http://schemas.openxmlformats.org/officeDocument/2006/math" xmlns="" val="1"/>
+              <ma14:wrappingTextBoxFlag xmlns="" xmlns:m="http://schemas.openxmlformats.org/officeDocument/2006/math" xmlns:a14="http://schemas.microsoft.com/office/drawing/2010/main" xmlns:ma14="http://schemas.microsoft.com/office/mac/drawingml/2011/main" val="1"/>
             </a:ext>
           </a:extLst>
         </p:spPr>
@@ -37646,7 +38664,7 @@
           </a:ln>
           <a:extLst>
             <a:ext uri="{C572A759-6A51-4108-AA02-DFA0A04FC94B}">
-              <ma14:wrappingTextBoxFlag xmlns:ma14="http://schemas.microsoft.com/office/mac/drawingml/2011/main" xmlns:a14="http://schemas.microsoft.com/office/drawing/2010/main" xmlns:m="http://schemas.openxmlformats.org/officeDocument/2006/math" xmlns="" val="1"/>
+              <ma14:wrappingTextBoxFlag xmlns="" xmlns:m="http://schemas.openxmlformats.org/officeDocument/2006/math" xmlns:a14="http://schemas.microsoft.com/office/drawing/2010/main" xmlns:ma14="http://schemas.microsoft.com/office/mac/drawingml/2011/main" val="1"/>
             </a:ext>
           </a:extLst>
         </p:spPr>
@@ -37696,7 +38714,7 @@
           </a:ln>
           <a:extLst>
             <a:ext uri="{C572A759-6A51-4108-AA02-DFA0A04FC94B}">
-              <ma14:wrappingTextBoxFlag xmlns:ma14="http://schemas.microsoft.com/office/mac/drawingml/2011/main" xmlns:a14="http://schemas.microsoft.com/office/drawing/2010/main" xmlns:m="http://schemas.openxmlformats.org/officeDocument/2006/math" xmlns="" val="1"/>
+              <ma14:wrappingTextBoxFlag xmlns="" xmlns:m="http://schemas.openxmlformats.org/officeDocument/2006/math" xmlns:a14="http://schemas.microsoft.com/office/drawing/2010/main" xmlns:ma14="http://schemas.microsoft.com/office/mac/drawingml/2011/main" val="1"/>
             </a:ext>
           </a:extLst>
         </p:spPr>
@@ -37746,7 +38764,7 @@
           </a:ln>
           <a:extLst>
             <a:ext uri="{C572A759-6A51-4108-AA02-DFA0A04FC94B}">
-              <ma14:wrappingTextBoxFlag xmlns:ma14="http://schemas.microsoft.com/office/mac/drawingml/2011/main" xmlns:a14="http://schemas.microsoft.com/office/drawing/2010/main" xmlns:m="http://schemas.openxmlformats.org/officeDocument/2006/math" xmlns="" val="1"/>
+              <ma14:wrappingTextBoxFlag xmlns="" xmlns:m="http://schemas.openxmlformats.org/officeDocument/2006/math" xmlns:a14="http://schemas.microsoft.com/office/drawing/2010/main" xmlns:ma14="http://schemas.microsoft.com/office/mac/drawingml/2011/main" val="1"/>
             </a:ext>
           </a:extLst>
         </p:spPr>
@@ -37796,7 +38814,7 @@
           </a:ln>
           <a:extLst>
             <a:ext uri="{C572A759-6A51-4108-AA02-DFA0A04FC94B}">
-              <ma14:wrappingTextBoxFlag xmlns:ma14="http://schemas.microsoft.com/office/mac/drawingml/2011/main" xmlns:a14="http://schemas.microsoft.com/office/drawing/2010/main" xmlns:m="http://schemas.openxmlformats.org/officeDocument/2006/math" xmlns="" val="1"/>
+              <ma14:wrappingTextBoxFlag xmlns="" xmlns:m="http://schemas.openxmlformats.org/officeDocument/2006/math" xmlns:a14="http://schemas.microsoft.com/office/drawing/2010/main" xmlns:ma14="http://schemas.microsoft.com/office/mac/drawingml/2011/main" val="1"/>
             </a:ext>
           </a:extLst>
         </p:spPr>
@@ -37846,7 +38864,7 @@
           </a:ln>
           <a:extLst>
             <a:ext uri="{C572A759-6A51-4108-AA02-DFA0A04FC94B}">
-              <ma14:wrappingTextBoxFlag xmlns:ma14="http://schemas.microsoft.com/office/mac/drawingml/2011/main" xmlns:a14="http://schemas.microsoft.com/office/drawing/2010/main" xmlns:m="http://schemas.openxmlformats.org/officeDocument/2006/math" xmlns="" val="1"/>
+              <ma14:wrappingTextBoxFlag xmlns="" xmlns:m="http://schemas.openxmlformats.org/officeDocument/2006/math" xmlns:a14="http://schemas.microsoft.com/office/drawing/2010/main" xmlns:ma14="http://schemas.microsoft.com/office/mac/drawingml/2011/main" val="1"/>
             </a:ext>
           </a:extLst>
         </p:spPr>
@@ -37896,7 +38914,7 @@
           </a:ln>
           <a:extLst>
             <a:ext uri="{C572A759-6A51-4108-AA02-DFA0A04FC94B}">
-              <ma14:wrappingTextBoxFlag xmlns:ma14="http://schemas.microsoft.com/office/mac/drawingml/2011/main" xmlns:a14="http://schemas.microsoft.com/office/drawing/2010/main" xmlns:m="http://schemas.openxmlformats.org/officeDocument/2006/math" xmlns="" val="1"/>
+              <ma14:wrappingTextBoxFlag xmlns="" xmlns:m="http://schemas.openxmlformats.org/officeDocument/2006/math" xmlns:a14="http://schemas.microsoft.com/office/drawing/2010/main" xmlns:ma14="http://schemas.microsoft.com/office/mac/drawingml/2011/main" val="1"/>
             </a:ext>
           </a:extLst>
         </p:spPr>
@@ -37946,7 +38964,7 @@
           </a:ln>
           <a:extLst>
             <a:ext uri="{C572A759-6A51-4108-AA02-DFA0A04FC94B}">
-              <ma14:wrappingTextBoxFlag xmlns:ma14="http://schemas.microsoft.com/office/mac/drawingml/2011/main" xmlns:a14="http://schemas.microsoft.com/office/drawing/2010/main" xmlns:m="http://schemas.openxmlformats.org/officeDocument/2006/math" xmlns="" val="1"/>
+              <ma14:wrappingTextBoxFlag xmlns="" xmlns:m="http://schemas.openxmlformats.org/officeDocument/2006/math" xmlns:a14="http://schemas.microsoft.com/office/drawing/2010/main" xmlns:ma14="http://schemas.microsoft.com/office/mac/drawingml/2011/main" val="1"/>
             </a:ext>
           </a:extLst>
         </p:spPr>
@@ -37996,7 +39014,7 @@
           </a:ln>
           <a:extLst>
             <a:ext uri="{C572A759-6A51-4108-AA02-DFA0A04FC94B}">
-              <ma14:wrappingTextBoxFlag xmlns:ma14="http://schemas.microsoft.com/office/mac/drawingml/2011/main" xmlns:a14="http://schemas.microsoft.com/office/drawing/2010/main" xmlns:m="http://schemas.openxmlformats.org/officeDocument/2006/math" xmlns="" val="1"/>
+              <ma14:wrappingTextBoxFlag xmlns="" xmlns:m="http://schemas.openxmlformats.org/officeDocument/2006/math" xmlns:a14="http://schemas.microsoft.com/office/drawing/2010/main" xmlns:ma14="http://schemas.microsoft.com/office/mac/drawingml/2011/main" val="1"/>
             </a:ext>
           </a:extLst>
         </p:spPr>
@@ -38046,7 +39064,7 @@
           </a:ln>
           <a:extLst>
             <a:ext uri="{C572A759-6A51-4108-AA02-DFA0A04FC94B}">
-              <ma14:wrappingTextBoxFlag xmlns:ma14="http://schemas.microsoft.com/office/mac/drawingml/2011/main" xmlns:a14="http://schemas.microsoft.com/office/drawing/2010/main" xmlns:m="http://schemas.openxmlformats.org/officeDocument/2006/math" xmlns="" val="1"/>
+              <ma14:wrappingTextBoxFlag xmlns="" xmlns:m="http://schemas.openxmlformats.org/officeDocument/2006/math" xmlns:a14="http://schemas.microsoft.com/office/drawing/2010/main" xmlns:ma14="http://schemas.microsoft.com/office/mac/drawingml/2011/main" val="1"/>
             </a:ext>
           </a:extLst>
         </p:spPr>
@@ -38096,7 +39114,7 @@
           </a:ln>
           <a:extLst>
             <a:ext uri="{C572A759-6A51-4108-AA02-DFA0A04FC94B}">
-              <ma14:wrappingTextBoxFlag xmlns:ma14="http://schemas.microsoft.com/office/mac/drawingml/2011/main" xmlns:a14="http://schemas.microsoft.com/office/drawing/2010/main" xmlns:m="http://schemas.openxmlformats.org/officeDocument/2006/math" xmlns="" val="1"/>
+              <ma14:wrappingTextBoxFlag xmlns="" xmlns:m="http://schemas.openxmlformats.org/officeDocument/2006/math" xmlns:a14="http://schemas.microsoft.com/office/drawing/2010/main" xmlns:ma14="http://schemas.microsoft.com/office/mac/drawingml/2011/main" val="1"/>
             </a:ext>
           </a:extLst>
         </p:spPr>
@@ -38146,7 +39164,7 @@
           </a:ln>
           <a:extLst>
             <a:ext uri="{C572A759-6A51-4108-AA02-DFA0A04FC94B}">
-              <ma14:wrappingTextBoxFlag xmlns:ma14="http://schemas.microsoft.com/office/mac/drawingml/2011/main" xmlns:a14="http://schemas.microsoft.com/office/drawing/2010/main" xmlns:m="http://schemas.openxmlformats.org/officeDocument/2006/math" xmlns="" val="1"/>
+              <ma14:wrappingTextBoxFlag xmlns="" xmlns:m="http://schemas.openxmlformats.org/officeDocument/2006/math" xmlns:a14="http://schemas.microsoft.com/office/drawing/2010/main" xmlns:ma14="http://schemas.microsoft.com/office/mac/drawingml/2011/main" val="1"/>
             </a:ext>
           </a:extLst>
         </p:spPr>
@@ -38196,7 +39214,7 @@
           </a:ln>
           <a:extLst>
             <a:ext uri="{C572A759-6A51-4108-AA02-DFA0A04FC94B}">
-              <ma14:wrappingTextBoxFlag xmlns:ma14="http://schemas.microsoft.com/office/mac/drawingml/2011/main" xmlns:a14="http://schemas.microsoft.com/office/drawing/2010/main" xmlns:m="http://schemas.openxmlformats.org/officeDocument/2006/math" xmlns="" val="1"/>
+              <ma14:wrappingTextBoxFlag xmlns="" xmlns:m="http://schemas.openxmlformats.org/officeDocument/2006/math" xmlns:a14="http://schemas.microsoft.com/office/drawing/2010/main" xmlns:ma14="http://schemas.microsoft.com/office/mac/drawingml/2011/main" val="1"/>
             </a:ext>
           </a:extLst>
         </p:spPr>
@@ -38246,7 +39264,7 @@
           </a:ln>
           <a:extLst>
             <a:ext uri="{C572A759-6A51-4108-AA02-DFA0A04FC94B}">
-              <ma14:wrappingTextBoxFlag xmlns:ma14="http://schemas.microsoft.com/office/mac/drawingml/2011/main" xmlns:a14="http://schemas.microsoft.com/office/drawing/2010/main" xmlns:m="http://schemas.openxmlformats.org/officeDocument/2006/math" xmlns="" val="1"/>
+              <ma14:wrappingTextBoxFlag xmlns="" xmlns:m="http://schemas.openxmlformats.org/officeDocument/2006/math" xmlns:a14="http://schemas.microsoft.com/office/drawing/2010/main" xmlns:ma14="http://schemas.microsoft.com/office/mac/drawingml/2011/main" val="1"/>
             </a:ext>
           </a:extLst>
         </p:spPr>
@@ -38296,7 +39314,7 @@
           </a:ln>
           <a:extLst>
             <a:ext uri="{C572A759-6A51-4108-AA02-DFA0A04FC94B}">
-              <ma14:wrappingTextBoxFlag xmlns:ma14="http://schemas.microsoft.com/office/mac/drawingml/2011/main" xmlns:a14="http://schemas.microsoft.com/office/drawing/2010/main" xmlns:m="http://schemas.openxmlformats.org/officeDocument/2006/math" xmlns="" val="1"/>
+              <ma14:wrappingTextBoxFlag xmlns="" xmlns:m="http://schemas.openxmlformats.org/officeDocument/2006/math" xmlns:a14="http://schemas.microsoft.com/office/drawing/2010/main" xmlns:ma14="http://schemas.microsoft.com/office/mac/drawingml/2011/main" val="1"/>
             </a:ext>
           </a:extLst>
         </p:spPr>
@@ -38390,7 +39408,7 @@
           </a:ln>
           <a:extLst>
             <a:ext uri="{C572A759-6A51-4108-AA02-DFA0A04FC94B}">
-              <ma14:wrappingTextBoxFlag xmlns:ma14="http://schemas.microsoft.com/office/mac/drawingml/2011/main" xmlns:a14="http://schemas.microsoft.com/office/drawing/2010/main" xmlns:m="http://schemas.openxmlformats.org/officeDocument/2006/math" xmlns="" val="1"/>
+              <ma14:wrappingTextBoxFlag xmlns="" xmlns:m="http://schemas.openxmlformats.org/officeDocument/2006/math" xmlns:a14="http://schemas.microsoft.com/office/drawing/2010/main" xmlns:ma14="http://schemas.microsoft.com/office/mac/drawingml/2011/main" val="1"/>
             </a:ext>
           </a:extLst>
         </p:spPr>
